--- a/Software Quality Recipes for Legacy.pptx
+++ b/Software Quality Recipes for Legacy.pptx
@@ -2,18 +2,56 @@
 <file path=ppt/presentation.xml><?xml version="1.0" encoding="utf-8"?>
 <p:presentation xmlns:a="http://schemas.openxmlformats.org/drawingml/2006/main" xmlns:r="http://schemas.openxmlformats.org/officeDocument/2006/relationships" xmlns:p="http://schemas.openxmlformats.org/presentationml/2006/main" autoCompressPictures="0">
   <p:sldMasterIdLst>
-    <p:sldMasterId id="2147484002" r:id="rId1"/>
+    <p:sldMasterId id="2147484283" r:id="rId1"/>
   </p:sldMasterIdLst>
   <p:sldIdLst>
     <p:sldId id="256" r:id="rId2"/>
     <p:sldId id="257" r:id="rId3"/>
     <p:sldId id="262" r:id="rId4"/>
-    <p:sldId id="258" r:id="rId5"/>
-    <p:sldId id="260" r:id="rId6"/>
-    <p:sldId id="263" r:id="rId7"/>
-    <p:sldId id="264" r:id="rId8"/>
-    <p:sldId id="259" r:id="rId9"/>
-    <p:sldId id="261" r:id="rId10"/>
+    <p:sldId id="266" r:id="rId5"/>
+    <p:sldId id="258" r:id="rId6"/>
+    <p:sldId id="309" r:id="rId7"/>
+    <p:sldId id="260" r:id="rId8"/>
+    <p:sldId id="291" r:id="rId9"/>
+    <p:sldId id="277" r:id="rId10"/>
+    <p:sldId id="283" r:id="rId11"/>
+    <p:sldId id="278" r:id="rId12"/>
+    <p:sldId id="290" r:id="rId13"/>
+    <p:sldId id="289" r:id="rId14"/>
+    <p:sldId id="306" r:id="rId15"/>
+    <p:sldId id="312" r:id="rId16"/>
+    <p:sldId id="314" r:id="rId17"/>
+    <p:sldId id="263" r:id="rId18"/>
+    <p:sldId id="276" r:id="rId19"/>
+    <p:sldId id="282" r:id="rId20"/>
+    <p:sldId id="271" r:id="rId21"/>
+    <p:sldId id="270" r:id="rId22"/>
+    <p:sldId id="311" r:id="rId23"/>
+    <p:sldId id="286" r:id="rId24"/>
+    <p:sldId id="275" r:id="rId25"/>
+    <p:sldId id="272" r:id="rId26"/>
+    <p:sldId id="315" r:id="rId27"/>
+    <p:sldId id="273" r:id="rId28"/>
+    <p:sldId id="264" r:id="rId29"/>
+    <p:sldId id="269" r:id="rId30"/>
+    <p:sldId id="308" r:id="rId31"/>
+    <p:sldId id="294" r:id="rId32"/>
+    <p:sldId id="274" r:id="rId33"/>
+    <p:sldId id="280" r:id="rId34"/>
+    <p:sldId id="284" r:id="rId35"/>
+    <p:sldId id="285" r:id="rId36"/>
+    <p:sldId id="304" r:id="rId37"/>
+    <p:sldId id="305" r:id="rId38"/>
+    <p:sldId id="303" r:id="rId39"/>
+    <p:sldId id="300" r:id="rId40"/>
+    <p:sldId id="301" r:id="rId41"/>
+    <p:sldId id="310" r:id="rId42"/>
+    <p:sldId id="313" r:id="rId43"/>
+    <p:sldId id="302" r:id="rId44"/>
+    <p:sldId id="265" r:id="rId45"/>
+    <p:sldId id="267" r:id="rId46"/>
+    <p:sldId id="287" r:id="rId47"/>
+    <p:sldId id="259" r:id="rId48"/>
   </p:sldIdLst>
   <p:sldSz cx="12192000" cy="6858000"/>
   <p:notesSz cx="6858000" cy="9144000"/>
@@ -112,7 +150,3123 @@
       </a:defRPr>
     </a:lvl9pPr>
   </p:defaultTextStyle>
+  <p:extLst>
+    <p:ext uri="{521415D9-36F7-43E2-AB2F-B90AF26B5E84}">
+      <p14:sectionLst xmlns:p14="http://schemas.microsoft.com/office/powerpoint/2010/main">
+        <p14:section name="Introduction" id="{ECD25D28-350F-499F-8AB2-00319BF8F128}">
+          <p14:sldIdLst>
+            <p14:sldId id="256"/>
+            <p14:sldId id="257"/>
+            <p14:sldId id="262"/>
+            <p14:sldId id="266"/>
+            <p14:sldId id="258"/>
+            <p14:sldId id="309"/>
+          </p14:sldIdLst>
+        </p14:section>
+        <p14:section name="Unit Testing 101" id="{EBB37E95-7099-4B69-B317-167DBBA818D6}">
+          <p14:sldIdLst>
+            <p14:sldId id="260"/>
+            <p14:sldId id="291"/>
+            <p14:sldId id="277"/>
+            <p14:sldId id="283"/>
+            <p14:sldId id="278"/>
+            <p14:sldId id="290"/>
+            <p14:sldId id="289"/>
+            <p14:sldId id="306"/>
+            <p14:sldId id="312"/>
+            <p14:sldId id="314"/>
+          </p14:sldIdLst>
+        </p14:section>
+        <p14:section name="Libraries" id="{721D9537-7B3B-4764-B91E-5832A8354E51}">
+          <p14:sldIdLst>
+            <p14:sldId id="263"/>
+            <p14:sldId id="276"/>
+            <p14:sldId id="282"/>
+            <p14:sldId id="271"/>
+            <p14:sldId id="270"/>
+            <p14:sldId id="311"/>
+            <p14:sldId id="286"/>
+            <p14:sldId id="275"/>
+            <p14:sldId id="272"/>
+            <p14:sldId id="315"/>
+            <p14:sldId id="273"/>
+          </p14:sldIdLst>
+        </p14:section>
+        <p14:section name="Other Recipes" id="{25224DB0-616F-48E3-9226-F06EC9EA31CC}">
+          <p14:sldIdLst>
+            <p14:sldId id="264"/>
+            <p14:sldId id="269"/>
+            <p14:sldId id="308"/>
+            <p14:sldId id="294"/>
+            <p14:sldId id="274"/>
+            <p14:sldId id="280"/>
+            <p14:sldId id="284"/>
+            <p14:sldId id="285"/>
+            <p14:sldId id="304"/>
+            <p14:sldId id="305"/>
+            <p14:sldId id="303"/>
+          </p14:sldIdLst>
+        </p14:section>
+        <p14:section name="Defect Analysis" id="{8D3EFF4D-87AB-4E07-9EB0-CD58C15E5AD4}">
+          <p14:sldIdLst>
+            <p14:sldId id="300"/>
+            <p14:sldId id="301"/>
+            <p14:sldId id="310"/>
+            <p14:sldId id="313"/>
+            <p14:sldId id="302"/>
+          </p14:sldIdLst>
+        </p14:section>
+        <p14:section name="Conclusion" id="{FC286651-327C-4DA7-9CCB-A679C97747CF}">
+          <p14:sldIdLst>
+            <p14:sldId id="265"/>
+            <p14:sldId id="267"/>
+            <p14:sldId id="287"/>
+          </p14:sldIdLst>
+        </p14:section>
+        <p14:section name="Q&amp;A" id="{43DF3DF1-BF18-41AD-BCFE-C58F2E19F681}">
+          <p14:sldIdLst>
+            <p14:sldId id="259"/>
+          </p14:sldIdLst>
+        </p14:section>
+      </p14:sectionLst>
+    </p:ext>
+  </p:extLst>
 </p:presentation>
+</file>
+
+<file path=ppt/diagrams/colors1.xml><?xml version="1.0" encoding="utf-8"?>
+<dgm:colorsDef xmlns:dgm="http://schemas.openxmlformats.org/drawingml/2006/diagram" xmlns:a="http://schemas.openxmlformats.org/drawingml/2006/main" uniqueId="urn:microsoft.com/office/officeart/2005/8/colors/accent4_5">
+  <dgm:title val=""/>
+  <dgm:desc val=""/>
+  <dgm:catLst>
+    <dgm:cat type="accent4" pri="11500"/>
+  </dgm:catLst>
+  <dgm:styleLbl name="node0">
+    <dgm:fillClrLst meth="cycle">
+      <a:schemeClr val="accent4">
+        <a:alpha val="80000"/>
+      </a:schemeClr>
+    </dgm:fillClrLst>
+    <dgm:linClrLst meth="repeat">
+      <a:schemeClr val="lt1"/>
+    </dgm:linClrLst>
+    <dgm:effectClrLst/>
+    <dgm:txLinClrLst/>
+    <dgm:txFillClrLst/>
+    <dgm:txEffectClrLst/>
+  </dgm:styleLbl>
+  <dgm:styleLbl name="node1">
+    <dgm:fillClrLst>
+      <a:schemeClr val="accent4">
+        <a:alpha val="90000"/>
+      </a:schemeClr>
+      <a:schemeClr val="accent4">
+        <a:alpha val="50000"/>
+      </a:schemeClr>
+    </dgm:fillClrLst>
+    <dgm:linClrLst meth="repeat">
+      <a:schemeClr val="lt1"/>
+    </dgm:linClrLst>
+    <dgm:effectClrLst/>
+    <dgm:txLinClrLst/>
+    <dgm:txFillClrLst/>
+    <dgm:txEffectClrLst/>
+  </dgm:styleLbl>
+  <dgm:styleLbl name="alignNode1">
+    <dgm:fillClrLst>
+      <a:schemeClr val="accent4">
+        <a:alpha val="90000"/>
+      </a:schemeClr>
+      <a:schemeClr val="accent4">
+        <a:alpha val="50000"/>
+      </a:schemeClr>
+    </dgm:fillClrLst>
+    <dgm:linClrLst>
+      <a:schemeClr val="accent4">
+        <a:alpha val="90000"/>
+      </a:schemeClr>
+      <a:schemeClr val="accent4">
+        <a:alpha val="50000"/>
+      </a:schemeClr>
+    </dgm:linClrLst>
+    <dgm:effectClrLst/>
+    <dgm:txLinClrLst/>
+    <dgm:txFillClrLst/>
+    <dgm:txEffectClrLst/>
+  </dgm:styleLbl>
+  <dgm:styleLbl name="lnNode1">
+    <dgm:fillClrLst>
+      <a:schemeClr val="accent4">
+        <a:shade val="90000"/>
+      </a:schemeClr>
+      <a:schemeClr val="accent4">
+        <a:alpha val="50000"/>
+        <a:tint val="50000"/>
+      </a:schemeClr>
+    </dgm:fillClrLst>
+    <dgm:linClrLst meth="repeat">
+      <a:schemeClr val="lt1"/>
+    </dgm:linClrLst>
+    <dgm:effectClrLst/>
+    <dgm:txLinClrLst/>
+    <dgm:txFillClrLst/>
+    <dgm:txEffectClrLst/>
+  </dgm:styleLbl>
+  <dgm:styleLbl name="vennNode1">
+    <dgm:fillClrLst>
+      <a:schemeClr val="accent4">
+        <a:shade val="80000"/>
+        <a:alpha val="50000"/>
+      </a:schemeClr>
+      <a:schemeClr val="accent4">
+        <a:alpha val="80000"/>
+      </a:schemeClr>
+    </dgm:fillClrLst>
+    <dgm:linClrLst meth="repeat">
+      <a:schemeClr val="lt1"/>
+    </dgm:linClrLst>
+    <dgm:effectClrLst/>
+    <dgm:txLinClrLst/>
+    <dgm:txFillClrLst/>
+    <dgm:txEffectClrLst/>
+  </dgm:styleLbl>
+  <dgm:styleLbl name="node2">
+    <dgm:fillClrLst>
+      <a:schemeClr val="accent4">
+        <a:alpha val="70000"/>
+      </a:schemeClr>
+    </dgm:fillClrLst>
+    <dgm:linClrLst meth="repeat">
+      <a:schemeClr val="lt1"/>
+    </dgm:linClrLst>
+    <dgm:effectClrLst/>
+    <dgm:txLinClrLst/>
+    <dgm:txFillClrLst/>
+    <dgm:txEffectClrLst/>
+  </dgm:styleLbl>
+  <dgm:styleLbl name="node3">
+    <dgm:fillClrLst>
+      <a:schemeClr val="accent4">
+        <a:alpha val="50000"/>
+      </a:schemeClr>
+    </dgm:fillClrLst>
+    <dgm:linClrLst meth="repeat">
+      <a:schemeClr val="lt1"/>
+    </dgm:linClrLst>
+    <dgm:effectClrLst/>
+    <dgm:txLinClrLst/>
+    <dgm:txFillClrLst/>
+    <dgm:txEffectClrLst/>
+  </dgm:styleLbl>
+  <dgm:styleLbl name="node4">
+    <dgm:fillClrLst>
+      <a:schemeClr val="accent4">
+        <a:alpha val="30000"/>
+      </a:schemeClr>
+    </dgm:fillClrLst>
+    <dgm:linClrLst meth="repeat">
+      <a:schemeClr val="lt1"/>
+    </dgm:linClrLst>
+    <dgm:effectClrLst/>
+    <dgm:txLinClrLst/>
+    <dgm:txFillClrLst/>
+    <dgm:txEffectClrLst/>
+  </dgm:styleLbl>
+  <dgm:styleLbl name="fgImgPlace1">
+    <dgm:fillClrLst>
+      <a:schemeClr val="accent4">
+        <a:tint val="50000"/>
+        <a:alpha val="90000"/>
+      </a:schemeClr>
+      <a:schemeClr val="accent4">
+        <a:tint val="20000"/>
+        <a:alpha val="50000"/>
+      </a:schemeClr>
+    </dgm:fillClrLst>
+    <dgm:linClrLst meth="repeat">
+      <a:schemeClr val="lt1"/>
+    </dgm:linClrLst>
+    <dgm:effectClrLst/>
+    <dgm:txLinClrLst/>
+    <dgm:txFillClrLst meth="repeat">
+      <a:schemeClr val="lt1"/>
+    </dgm:txFillClrLst>
+    <dgm:txEffectClrLst/>
+  </dgm:styleLbl>
+  <dgm:styleLbl name="alignImgPlace1">
+    <dgm:fillClrLst>
+      <a:schemeClr val="accent4">
+        <a:tint val="50000"/>
+      </a:schemeClr>
+      <a:schemeClr val="accent4">
+        <a:tint val="20000"/>
+      </a:schemeClr>
+    </dgm:fillClrLst>
+    <dgm:linClrLst meth="repeat">
+      <a:schemeClr val="lt1"/>
+    </dgm:linClrLst>
+    <dgm:effectClrLst/>
+    <dgm:txLinClrLst/>
+    <dgm:txFillClrLst meth="repeat">
+      <a:schemeClr val="lt1"/>
+    </dgm:txFillClrLst>
+    <dgm:txEffectClrLst/>
+  </dgm:styleLbl>
+  <dgm:styleLbl name="bgImgPlace1">
+    <dgm:fillClrLst>
+      <a:schemeClr val="accent4">
+        <a:tint val="50000"/>
+      </a:schemeClr>
+      <a:schemeClr val="accent4">
+        <a:tint val="20000"/>
+      </a:schemeClr>
+    </dgm:fillClrLst>
+    <dgm:linClrLst meth="repeat">
+      <a:schemeClr val="lt1"/>
+    </dgm:linClrLst>
+    <dgm:effectClrLst/>
+    <dgm:txLinClrLst/>
+    <dgm:txFillClrLst meth="repeat">
+      <a:schemeClr val="lt1"/>
+    </dgm:txFillClrLst>
+    <dgm:txEffectClrLst/>
+  </dgm:styleLbl>
+  <dgm:styleLbl name="sibTrans2D1">
+    <dgm:fillClrLst>
+      <a:schemeClr val="accent4">
+        <a:shade val="90000"/>
+      </a:schemeClr>
+      <a:schemeClr val="accent4">
+        <a:tint val="50000"/>
+      </a:schemeClr>
+    </dgm:fillClrLst>
+    <dgm:linClrLst>
+      <a:schemeClr val="accent4">
+        <a:shade val="90000"/>
+      </a:schemeClr>
+      <a:schemeClr val="accent4">
+        <a:tint val="50000"/>
+      </a:schemeClr>
+    </dgm:linClrLst>
+    <dgm:effectClrLst/>
+    <dgm:txLinClrLst/>
+    <dgm:txFillClrLst/>
+    <dgm:txEffectClrLst/>
+  </dgm:styleLbl>
+  <dgm:styleLbl name="fgSibTrans2D1">
+    <dgm:fillClrLst>
+      <a:schemeClr val="accent4">
+        <a:shade val="90000"/>
+      </a:schemeClr>
+      <a:schemeClr val="accent4">
+        <a:tint val="50000"/>
+      </a:schemeClr>
+    </dgm:fillClrLst>
+    <dgm:linClrLst>
+      <a:schemeClr val="accent4">
+        <a:shade val="90000"/>
+      </a:schemeClr>
+      <a:schemeClr val="accent4">
+        <a:tint val="50000"/>
+      </a:schemeClr>
+    </dgm:linClrLst>
+    <dgm:effectClrLst/>
+    <dgm:txLinClrLst/>
+    <dgm:txFillClrLst/>
+    <dgm:txEffectClrLst/>
+  </dgm:styleLbl>
+  <dgm:styleLbl name="bgSibTrans2D1">
+    <dgm:fillClrLst>
+      <a:schemeClr val="accent4">
+        <a:shade val="90000"/>
+      </a:schemeClr>
+      <a:schemeClr val="accent4">
+        <a:tint val="50000"/>
+      </a:schemeClr>
+    </dgm:fillClrLst>
+    <dgm:linClrLst>
+      <a:schemeClr val="accent4">
+        <a:shade val="90000"/>
+      </a:schemeClr>
+      <a:schemeClr val="accent4">
+        <a:tint val="50000"/>
+      </a:schemeClr>
+    </dgm:linClrLst>
+    <dgm:effectClrLst/>
+    <dgm:txLinClrLst/>
+    <dgm:txFillClrLst/>
+    <dgm:txEffectClrLst/>
+  </dgm:styleLbl>
+  <dgm:styleLbl name="sibTrans1D1">
+    <dgm:fillClrLst>
+      <a:schemeClr val="accent4">
+        <a:shade val="90000"/>
+      </a:schemeClr>
+      <a:schemeClr val="accent4">
+        <a:tint val="50000"/>
+      </a:schemeClr>
+    </dgm:fillClrLst>
+    <dgm:linClrLst>
+      <a:schemeClr val="accent4">
+        <a:shade val="90000"/>
+      </a:schemeClr>
+      <a:schemeClr val="accent4">
+        <a:tint val="50000"/>
+      </a:schemeClr>
+    </dgm:linClrLst>
+    <dgm:effectClrLst/>
+    <dgm:txLinClrLst/>
+    <dgm:txFillClrLst meth="repeat">
+      <a:schemeClr val="tx1"/>
+    </dgm:txFillClrLst>
+    <dgm:txEffectClrLst/>
+  </dgm:styleLbl>
+  <dgm:styleLbl name="callout">
+    <dgm:fillClrLst meth="repeat">
+      <a:schemeClr val="accent4"/>
+    </dgm:fillClrLst>
+    <dgm:linClrLst meth="repeat">
+      <a:schemeClr val="accent4"/>
+    </dgm:linClrLst>
+    <dgm:effectClrLst/>
+    <dgm:txLinClrLst/>
+    <dgm:txFillClrLst meth="repeat">
+      <a:schemeClr val="tx1"/>
+    </dgm:txFillClrLst>
+    <dgm:txEffectClrLst/>
+  </dgm:styleLbl>
+  <dgm:styleLbl name="asst0">
+    <dgm:fillClrLst meth="repeat">
+      <a:schemeClr val="accent4">
+        <a:alpha val="90000"/>
+      </a:schemeClr>
+    </dgm:fillClrLst>
+    <dgm:linClrLst meth="repeat">
+      <a:schemeClr val="lt1"/>
+    </dgm:linClrLst>
+    <dgm:effectClrLst/>
+    <dgm:txLinClrLst/>
+    <dgm:txFillClrLst/>
+    <dgm:txEffectClrLst/>
+  </dgm:styleLbl>
+  <dgm:styleLbl name="asst1">
+    <dgm:fillClrLst meth="repeat">
+      <a:schemeClr val="accent4">
+        <a:alpha val="90000"/>
+      </a:schemeClr>
+    </dgm:fillClrLst>
+    <dgm:linClrLst meth="repeat">
+      <a:schemeClr val="lt1"/>
+    </dgm:linClrLst>
+    <dgm:effectClrLst/>
+    <dgm:txLinClrLst/>
+    <dgm:txFillClrLst/>
+    <dgm:txEffectClrLst/>
+  </dgm:styleLbl>
+  <dgm:styleLbl name="asst2">
+    <dgm:fillClrLst>
+      <a:schemeClr val="accent4">
+        <a:alpha val="90000"/>
+      </a:schemeClr>
+    </dgm:fillClrLst>
+    <dgm:linClrLst meth="repeat">
+      <a:schemeClr val="lt1"/>
+    </dgm:linClrLst>
+    <dgm:effectClrLst/>
+    <dgm:txLinClrLst/>
+    <dgm:txFillClrLst/>
+    <dgm:txEffectClrLst/>
+  </dgm:styleLbl>
+  <dgm:styleLbl name="asst3">
+    <dgm:fillClrLst>
+      <a:schemeClr val="accent4">
+        <a:alpha val="70000"/>
+      </a:schemeClr>
+    </dgm:fillClrLst>
+    <dgm:linClrLst meth="repeat">
+      <a:schemeClr val="lt1"/>
+    </dgm:linClrLst>
+    <dgm:effectClrLst/>
+    <dgm:txLinClrLst/>
+    <dgm:txFillClrLst/>
+    <dgm:txEffectClrLst/>
+  </dgm:styleLbl>
+  <dgm:styleLbl name="asst4">
+    <dgm:fillClrLst>
+      <a:schemeClr val="accent4">
+        <a:alpha val="50000"/>
+      </a:schemeClr>
+    </dgm:fillClrLst>
+    <dgm:linClrLst meth="repeat">
+      <a:schemeClr val="lt1"/>
+    </dgm:linClrLst>
+    <dgm:effectClrLst/>
+    <dgm:txLinClrLst/>
+    <dgm:txFillClrLst/>
+    <dgm:txEffectClrLst/>
+  </dgm:styleLbl>
+  <dgm:styleLbl name="parChTrans2D1">
+    <dgm:fillClrLst meth="repeat">
+      <a:schemeClr val="accent4">
+        <a:shade val="80000"/>
+      </a:schemeClr>
+    </dgm:fillClrLst>
+    <dgm:linClrLst meth="repeat">
+      <a:schemeClr val="accent4">
+        <a:shade val="80000"/>
+      </a:schemeClr>
+    </dgm:linClrLst>
+    <dgm:effectClrLst/>
+    <dgm:txLinClrLst/>
+    <dgm:txFillClrLst/>
+    <dgm:txEffectClrLst/>
+  </dgm:styleLbl>
+  <dgm:styleLbl name="parChTrans2D2">
+    <dgm:fillClrLst meth="repeat">
+      <a:schemeClr val="accent4">
+        <a:tint val="90000"/>
+      </a:schemeClr>
+    </dgm:fillClrLst>
+    <dgm:linClrLst meth="repeat">
+      <a:schemeClr val="accent4">
+        <a:tint val="90000"/>
+      </a:schemeClr>
+    </dgm:linClrLst>
+    <dgm:effectClrLst/>
+    <dgm:txLinClrLst/>
+    <dgm:txFillClrLst/>
+    <dgm:txEffectClrLst/>
+  </dgm:styleLbl>
+  <dgm:styleLbl name="parChTrans2D3">
+    <dgm:fillClrLst meth="repeat">
+      <a:schemeClr val="accent4">
+        <a:tint val="70000"/>
+      </a:schemeClr>
+    </dgm:fillClrLst>
+    <dgm:linClrLst meth="repeat">
+      <a:schemeClr val="accent4">
+        <a:tint val="70000"/>
+      </a:schemeClr>
+    </dgm:linClrLst>
+    <dgm:effectClrLst/>
+    <dgm:txLinClrLst/>
+    <dgm:txFillClrLst/>
+    <dgm:txEffectClrLst/>
+  </dgm:styleLbl>
+  <dgm:styleLbl name="parChTrans2D4">
+    <dgm:fillClrLst meth="repeat">
+      <a:schemeClr val="accent4">
+        <a:tint val="50000"/>
+      </a:schemeClr>
+    </dgm:fillClrLst>
+    <dgm:linClrLst meth="repeat">
+      <a:schemeClr val="accent4">
+        <a:tint val="50000"/>
+      </a:schemeClr>
+    </dgm:linClrLst>
+    <dgm:effectClrLst/>
+    <dgm:txLinClrLst/>
+    <dgm:txFillClrLst meth="repeat">
+      <a:schemeClr val="dk1"/>
+    </dgm:txFillClrLst>
+    <dgm:txEffectClrLst/>
+  </dgm:styleLbl>
+  <dgm:styleLbl name="parChTrans1D1">
+    <dgm:fillClrLst meth="repeat">
+      <a:schemeClr val="accent4">
+        <a:shade val="80000"/>
+      </a:schemeClr>
+    </dgm:fillClrLst>
+    <dgm:linClrLst meth="repeat">
+      <a:schemeClr val="accent4">
+        <a:shade val="80000"/>
+      </a:schemeClr>
+    </dgm:linClrLst>
+    <dgm:effectClrLst/>
+    <dgm:txLinClrLst/>
+    <dgm:txFillClrLst meth="repeat">
+      <a:schemeClr val="tx1"/>
+    </dgm:txFillClrLst>
+    <dgm:txEffectClrLst/>
+  </dgm:styleLbl>
+  <dgm:styleLbl name="parChTrans1D2">
+    <dgm:fillClrLst meth="repeat">
+      <a:schemeClr val="accent4">
+        <a:tint val="90000"/>
+      </a:schemeClr>
+    </dgm:fillClrLst>
+    <dgm:linClrLst meth="repeat">
+      <a:schemeClr val="accent4">
+        <a:tint val="90000"/>
+      </a:schemeClr>
+    </dgm:linClrLst>
+    <dgm:effectClrLst/>
+    <dgm:txLinClrLst/>
+    <dgm:txFillClrLst meth="repeat">
+      <a:schemeClr val="tx1"/>
+    </dgm:txFillClrLst>
+    <dgm:txEffectClrLst/>
+  </dgm:styleLbl>
+  <dgm:styleLbl name="parChTrans1D3">
+    <dgm:fillClrLst meth="repeat">
+      <a:schemeClr val="accent4">
+        <a:tint val="70000"/>
+      </a:schemeClr>
+    </dgm:fillClrLst>
+    <dgm:linClrLst meth="repeat">
+      <a:schemeClr val="accent4">
+        <a:tint val="70000"/>
+      </a:schemeClr>
+    </dgm:linClrLst>
+    <dgm:effectClrLst/>
+    <dgm:txLinClrLst/>
+    <dgm:txFillClrLst meth="repeat">
+      <a:schemeClr val="tx1"/>
+    </dgm:txFillClrLst>
+    <dgm:txEffectClrLst/>
+  </dgm:styleLbl>
+  <dgm:styleLbl name="parChTrans1D4">
+    <dgm:fillClrLst meth="repeat">
+      <a:schemeClr val="accent4">
+        <a:tint val="50000"/>
+      </a:schemeClr>
+    </dgm:fillClrLst>
+    <dgm:linClrLst meth="repeat">
+      <a:schemeClr val="accent4">
+        <a:tint val="50000"/>
+      </a:schemeClr>
+    </dgm:linClrLst>
+    <dgm:effectClrLst/>
+    <dgm:txLinClrLst/>
+    <dgm:txFillClrLst meth="repeat">
+      <a:schemeClr val="tx1"/>
+    </dgm:txFillClrLst>
+    <dgm:txEffectClrLst/>
+  </dgm:styleLbl>
+  <dgm:styleLbl name="fgAcc1">
+    <dgm:fillClrLst meth="repeat">
+      <a:schemeClr val="lt1">
+        <a:alpha val="90000"/>
+      </a:schemeClr>
+    </dgm:fillClrLst>
+    <dgm:linClrLst>
+      <a:schemeClr val="accent4">
+        <a:alpha val="90000"/>
+      </a:schemeClr>
+      <a:schemeClr val="accent4">
+        <a:alpha val="50000"/>
+      </a:schemeClr>
+    </dgm:linClrLst>
+    <dgm:effectClrLst/>
+    <dgm:txLinClrLst/>
+    <dgm:txFillClrLst meth="repeat">
+      <a:schemeClr val="dk1"/>
+    </dgm:txFillClrLst>
+    <dgm:txEffectClrLst/>
+  </dgm:styleLbl>
+  <dgm:styleLbl name="conFgAcc1">
+    <dgm:fillClrLst meth="repeat">
+      <a:schemeClr val="lt1">
+        <a:alpha val="90000"/>
+      </a:schemeClr>
+    </dgm:fillClrLst>
+    <dgm:linClrLst>
+      <a:schemeClr val="accent4">
+        <a:alpha val="90000"/>
+      </a:schemeClr>
+      <a:schemeClr val="accent4">
+        <a:alpha val="50000"/>
+      </a:schemeClr>
+    </dgm:linClrLst>
+    <dgm:effectClrLst/>
+    <dgm:txLinClrLst/>
+    <dgm:txFillClrLst meth="repeat">
+      <a:schemeClr val="dk1"/>
+    </dgm:txFillClrLst>
+    <dgm:txEffectClrLst/>
+  </dgm:styleLbl>
+  <dgm:styleLbl name="alignAcc1">
+    <dgm:fillClrLst meth="repeat">
+      <a:schemeClr val="lt1">
+        <a:alpha val="90000"/>
+      </a:schemeClr>
+    </dgm:fillClrLst>
+    <dgm:linClrLst>
+      <a:schemeClr val="accent4">
+        <a:alpha val="90000"/>
+      </a:schemeClr>
+      <a:schemeClr val="accent4">
+        <a:alpha val="50000"/>
+      </a:schemeClr>
+    </dgm:linClrLst>
+    <dgm:effectClrLst/>
+    <dgm:txLinClrLst/>
+    <dgm:txFillClrLst meth="repeat">
+      <a:schemeClr val="dk1"/>
+    </dgm:txFillClrLst>
+    <dgm:txEffectClrLst/>
+  </dgm:styleLbl>
+  <dgm:styleLbl name="trAlignAcc1">
+    <dgm:fillClrLst meth="repeat">
+      <a:schemeClr val="lt1">
+        <a:alpha val="40000"/>
+      </a:schemeClr>
+    </dgm:fillClrLst>
+    <dgm:linClrLst>
+      <a:schemeClr val="accent4">
+        <a:alpha val="90000"/>
+      </a:schemeClr>
+      <a:schemeClr val="accent4">
+        <a:alpha val="50000"/>
+      </a:schemeClr>
+    </dgm:linClrLst>
+    <dgm:effectClrLst/>
+    <dgm:txLinClrLst/>
+    <dgm:txFillClrLst meth="repeat">
+      <a:schemeClr val="dk1"/>
+    </dgm:txFillClrLst>
+    <dgm:txEffectClrLst/>
+  </dgm:styleLbl>
+  <dgm:styleLbl name="bgAcc1">
+    <dgm:fillClrLst meth="repeat">
+      <a:schemeClr val="lt1">
+        <a:alpha val="90000"/>
+      </a:schemeClr>
+    </dgm:fillClrLst>
+    <dgm:linClrLst>
+      <a:schemeClr val="accent4">
+        <a:alpha val="90000"/>
+      </a:schemeClr>
+      <a:schemeClr val="accent4">
+        <a:alpha val="50000"/>
+      </a:schemeClr>
+    </dgm:linClrLst>
+    <dgm:effectClrLst/>
+    <dgm:txLinClrLst/>
+    <dgm:txFillClrLst meth="repeat">
+      <a:schemeClr val="dk1"/>
+    </dgm:txFillClrLst>
+    <dgm:txEffectClrLst/>
+  </dgm:styleLbl>
+  <dgm:styleLbl name="solidFgAcc1">
+    <dgm:fillClrLst meth="repeat">
+      <a:schemeClr val="lt1"/>
+    </dgm:fillClrLst>
+    <dgm:linClrLst>
+      <a:schemeClr val="accent4">
+        <a:alpha val="90000"/>
+      </a:schemeClr>
+      <a:schemeClr val="accent4">
+        <a:alpha val="50000"/>
+      </a:schemeClr>
+    </dgm:linClrLst>
+    <dgm:effectClrLst/>
+    <dgm:txLinClrLst/>
+    <dgm:txFillClrLst meth="repeat">
+      <a:schemeClr val="dk1"/>
+    </dgm:txFillClrLst>
+    <dgm:txEffectClrLst/>
+  </dgm:styleLbl>
+  <dgm:styleLbl name="solidAlignAcc1">
+    <dgm:fillClrLst meth="repeat">
+      <a:schemeClr val="lt1"/>
+    </dgm:fillClrLst>
+    <dgm:linClrLst meth="repeat">
+      <a:schemeClr val="accent4"/>
+    </dgm:linClrLst>
+    <dgm:effectClrLst/>
+    <dgm:txLinClrLst/>
+    <dgm:txFillClrLst meth="repeat">
+      <a:schemeClr val="dk1"/>
+    </dgm:txFillClrLst>
+    <dgm:txEffectClrLst/>
+  </dgm:styleLbl>
+  <dgm:styleLbl name="solidBgAcc1">
+    <dgm:fillClrLst meth="repeat">
+      <a:schemeClr val="lt1"/>
+    </dgm:fillClrLst>
+    <dgm:linClrLst meth="repeat">
+      <a:schemeClr val="accent4"/>
+    </dgm:linClrLst>
+    <dgm:effectClrLst/>
+    <dgm:txLinClrLst/>
+    <dgm:txFillClrLst meth="repeat">
+      <a:schemeClr val="dk1"/>
+    </dgm:txFillClrLst>
+    <dgm:txEffectClrLst/>
+  </dgm:styleLbl>
+  <dgm:styleLbl name="fgAccFollowNode1">
+    <dgm:fillClrLst>
+      <a:schemeClr val="accent4">
+        <a:alpha val="90000"/>
+        <a:tint val="40000"/>
+      </a:schemeClr>
+      <a:schemeClr val="accent4">
+        <a:alpha val="50000"/>
+        <a:tint val="40000"/>
+      </a:schemeClr>
+    </dgm:fillClrLst>
+    <dgm:linClrLst meth="repeat">
+      <a:schemeClr val="accent4">
+        <a:alpha val="90000"/>
+        <a:tint val="40000"/>
+      </a:schemeClr>
+    </dgm:linClrLst>
+    <dgm:effectClrLst/>
+    <dgm:txLinClrLst/>
+    <dgm:txFillClrLst meth="repeat">
+      <a:schemeClr val="dk1"/>
+    </dgm:txFillClrLst>
+    <dgm:txEffectClrLst/>
+  </dgm:styleLbl>
+  <dgm:styleLbl name="alignAccFollowNode1">
+    <dgm:fillClrLst meth="repeat">
+      <a:schemeClr val="accent4">
+        <a:alpha val="90000"/>
+        <a:tint val="40000"/>
+      </a:schemeClr>
+    </dgm:fillClrLst>
+    <dgm:linClrLst meth="repeat">
+      <a:schemeClr val="accent4">
+        <a:alpha val="90000"/>
+        <a:tint val="40000"/>
+      </a:schemeClr>
+    </dgm:linClrLst>
+    <dgm:effectClrLst/>
+    <dgm:txLinClrLst/>
+    <dgm:txFillClrLst meth="repeat">
+      <a:schemeClr val="dk1"/>
+    </dgm:txFillClrLst>
+    <dgm:txEffectClrLst/>
+  </dgm:styleLbl>
+  <dgm:styleLbl name="bgAccFollowNode1">
+    <dgm:fillClrLst meth="repeat">
+      <a:schemeClr val="accent4">
+        <a:alpha val="90000"/>
+        <a:tint val="40000"/>
+      </a:schemeClr>
+    </dgm:fillClrLst>
+    <dgm:linClrLst meth="repeat">
+      <a:schemeClr val="lt1"/>
+    </dgm:linClrLst>
+    <dgm:effectClrLst/>
+    <dgm:txLinClrLst/>
+    <dgm:txFillClrLst meth="repeat">
+      <a:schemeClr val="dk1"/>
+    </dgm:txFillClrLst>
+    <dgm:txEffectClrLst/>
+  </dgm:styleLbl>
+  <dgm:styleLbl name="fgAcc0">
+    <dgm:fillClrLst meth="repeat">
+      <a:schemeClr val="lt1">
+        <a:alpha val="90000"/>
+      </a:schemeClr>
+    </dgm:fillClrLst>
+    <dgm:linClrLst meth="repeat">
+      <a:schemeClr val="accent4">
+        <a:shade val="80000"/>
+      </a:schemeClr>
+    </dgm:linClrLst>
+    <dgm:effectClrLst/>
+    <dgm:txLinClrLst/>
+    <dgm:txFillClrLst meth="repeat">
+      <a:schemeClr val="dk1"/>
+    </dgm:txFillClrLst>
+    <dgm:txEffectClrLst/>
+  </dgm:styleLbl>
+  <dgm:styleLbl name="fgAcc2">
+    <dgm:fillClrLst meth="repeat">
+      <a:schemeClr val="lt1">
+        <a:alpha val="90000"/>
+      </a:schemeClr>
+    </dgm:fillClrLst>
+    <dgm:linClrLst meth="repeat">
+      <a:schemeClr val="accent4">
+        <a:tint val="90000"/>
+      </a:schemeClr>
+    </dgm:linClrLst>
+    <dgm:effectClrLst/>
+    <dgm:txLinClrLst/>
+    <dgm:txFillClrLst meth="repeat">
+      <a:schemeClr val="dk1"/>
+    </dgm:txFillClrLst>
+    <dgm:txEffectClrLst/>
+  </dgm:styleLbl>
+  <dgm:styleLbl name="fgAcc3">
+    <dgm:fillClrLst meth="repeat">
+      <a:schemeClr val="lt1">
+        <a:alpha val="90000"/>
+      </a:schemeClr>
+    </dgm:fillClrLst>
+    <dgm:linClrLst meth="repeat">
+      <a:schemeClr val="accent4">
+        <a:tint val="70000"/>
+      </a:schemeClr>
+    </dgm:linClrLst>
+    <dgm:effectClrLst/>
+    <dgm:txLinClrLst/>
+    <dgm:txFillClrLst meth="repeat">
+      <a:schemeClr val="dk1"/>
+    </dgm:txFillClrLst>
+    <dgm:txEffectClrLst/>
+  </dgm:styleLbl>
+  <dgm:styleLbl name="fgAcc4">
+    <dgm:fillClrLst meth="repeat">
+      <a:schemeClr val="lt1">
+        <a:alpha val="90000"/>
+      </a:schemeClr>
+    </dgm:fillClrLst>
+    <dgm:linClrLst meth="repeat">
+      <a:schemeClr val="accent4">
+        <a:tint val="50000"/>
+      </a:schemeClr>
+    </dgm:linClrLst>
+    <dgm:effectClrLst/>
+    <dgm:txLinClrLst/>
+    <dgm:txFillClrLst meth="repeat">
+      <a:schemeClr val="dk1"/>
+    </dgm:txFillClrLst>
+    <dgm:txEffectClrLst/>
+  </dgm:styleLbl>
+  <dgm:styleLbl name="bgShp">
+    <dgm:fillClrLst meth="repeat">
+      <a:schemeClr val="accent4">
+        <a:tint val="40000"/>
+      </a:schemeClr>
+    </dgm:fillClrLst>
+    <dgm:linClrLst meth="repeat">
+      <a:schemeClr val="dk1"/>
+    </dgm:linClrLst>
+    <dgm:effectClrLst/>
+    <dgm:txLinClrLst/>
+    <dgm:txFillClrLst meth="repeat">
+      <a:schemeClr val="dk1"/>
+    </dgm:txFillClrLst>
+    <dgm:txEffectClrLst/>
+  </dgm:styleLbl>
+  <dgm:styleLbl name="dkBgShp">
+    <dgm:fillClrLst meth="repeat">
+      <a:schemeClr val="accent4">
+        <a:shade val="90000"/>
+      </a:schemeClr>
+    </dgm:fillClrLst>
+    <dgm:linClrLst meth="repeat">
+      <a:schemeClr val="dk1"/>
+    </dgm:linClrLst>
+    <dgm:effectClrLst/>
+    <dgm:txLinClrLst/>
+    <dgm:txFillClrLst meth="repeat">
+      <a:schemeClr val="lt1"/>
+    </dgm:txFillClrLst>
+    <dgm:txEffectClrLst/>
+  </dgm:styleLbl>
+  <dgm:styleLbl name="trBgShp">
+    <dgm:fillClrLst meth="repeat">
+      <a:schemeClr val="accent4">
+        <a:tint val="50000"/>
+        <a:alpha val="40000"/>
+      </a:schemeClr>
+    </dgm:fillClrLst>
+    <dgm:linClrLst meth="repeat">
+      <a:schemeClr val="accent4"/>
+    </dgm:linClrLst>
+    <dgm:effectClrLst/>
+    <dgm:txLinClrLst/>
+    <dgm:txFillClrLst meth="repeat">
+      <a:schemeClr val="lt1"/>
+    </dgm:txFillClrLst>
+    <dgm:txEffectClrLst/>
+  </dgm:styleLbl>
+  <dgm:styleLbl name="fgShp">
+    <dgm:fillClrLst meth="repeat">
+      <a:schemeClr val="accent4">
+        <a:tint val="40000"/>
+      </a:schemeClr>
+    </dgm:fillClrLst>
+    <dgm:linClrLst meth="repeat">
+      <a:schemeClr val="lt1"/>
+    </dgm:linClrLst>
+    <dgm:effectClrLst/>
+    <dgm:txLinClrLst/>
+    <dgm:txFillClrLst meth="repeat">
+      <a:schemeClr val="dk1"/>
+    </dgm:txFillClrLst>
+    <dgm:txEffectClrLst/>
+  </dgm:styleLbl>
+  <dgm:styleLbl name="revTx">
+    <dgm:fillClrLst meth="repeat">
+      <a:schemeClr val="lt1">
+        <a:alpha val="0"/>
+      </a:schemeClr>
+    </dgm:fillClrLst>
+    <dgm:linClrLst meth="repeat">
+      <a:schemeClr val="dk1">
+        <a:alpha val="0"/>
+      </a:schemeClr>
+    </dgm:linClrLst>
+    <dgm:effectClrLst/>
+    <dgm:txLinClrLst/>
+    <dgm:txFillClrLst meth="repeat">
+      <a:schemeClr val="tx1"/>
+    </dgm:txFillClrLst>
+    <dgm:txEffectClrLst/>
+  </dgm:styleLbl>
+</dgm:colorsDef>
+</file>
+
+<file path=ppt/diagrams/data1.xml><?xml version="1.0" encoding="utf-8"?>
+<dgm:dataModel xmlns:dgm="http://schemas.openxmlformats.org/drawingml/2006/diagram" xmlns:a="http://schemas.openxmlformats.org/drawingml/2006/main">
+  <dgm:ptLst>
+    <dgm:pt modelId="{09CBDCC3-4232-44B9-A7F8-892060149580}" type="doc">
+      <dgm:prSet loTypeId="urn:microsoft.com/office/officeart/2005/8/layout/pyramid1" loCatId="pyramid" qsTypeId="urn:microsoft.com/office/officeart/2005/8/quickstyle/3d5" qsCatId="3D" csTypeId="urn:microsoft.com/office/officeart/2005/8/colors/accent4_5" csCatId="accent4" phldr="1"/>
+      <dgm:spPr>
+        <a:scene3d>
+          <a:camera prst="isometricOffAxis2Left" zoom="95000">
+            <a:rot lat="0" lon="1560000" rev="0"/>
+          </a:camera>
+          <a:lightRig rig="flat" dir="t"/>
+        </a:scene3d>
+      </dgm:spPr>
+    </dgm:pt>
+    <dgm:pt modelId="{74F4D299-EA00-42DF-9403-5D4F4F73CAA1}">
+      <dgm:prSet phldrT="[Text]" custT="1"/>
+      <dgm:spPr/>
+      <dgm:t>
+        <a:bodyPr/>
+        <a:lstStyle/>
+        <a:p>
+          <a:r>
+            <a:rPr lang="en-US" sz="2000" dirty="0"/>
+            <a:t>Integration Tests</a:t>
+          </a:r>
+        </a:p>
+      </dgm:t>
+    </dgm:pt>
+    <dgm:pt modelId="{CAD8212E-DDDE-481B-B7BC-4D5224304A2E}" type="parTrans" cxnId="{1E6906A1-FD68-4372-B932-0DA67A84252D}">
+      <dgm:prSet/>
+      <dgm:spPr/>
+      <dgm:t>
+        <a:bodyPr/>
+        <a:lstStyle/>
+        <a:p>
+          <a:endParaRPr lang="en-US" sz="2000"/>
+        </a:p>
+      </dgm:t>
+    </dgm:pt>
+    <dgm:pt modelId="{F4606EFF-4B04-4002-8C55-3711D73F986D}" type="sibTrans" cxnId="{1E6906A1-FD68-4372-B932-0DA67A84252D}">
+      <dgm:prSet/>
+      <dgm:spPr/>
+      <dgm:t>
+        <a:bodyPr/>
+        <a:lstStyle/>
+        <a:p>
+          <a:endParaRPr lang="en-US" sz="2000"/>
+        </a:p>
+      </dgm:t>
+    </dgm:pt>
+    <dgm:pt modelId="{78B0DF99-8A83-4BE0-B7E0-8BCC5F140C63}">
+      <dgm:prSet phldrT="[Text]" custT="1"/>
+      <dgm:spPr/>
+      <dgm:t>
+        <a:bodyPr/>
+        <a:lstStyle/>
+        <a:p>
+          <a:r>
+            <a:rPr lang="en-US" sz="2000" dirty="0"/>
+            <a:t>Manual</a:t>
+          </a:r>
+        </a:p>
+      </dgm:t>
+    </dgm:pt>
+    <dgm:pt modelId="{A2CFA7CC-4CB2-45B4-819D-73315E09A8D4}" type="parTrans" cxnId="{90D05F68-B723-4616-9303-1E30A99F61AC}">
+      <dgm:prSet/>
+      <dgm:spPr/>
+      <dgm:t>
+        <a:bodyPr/>
+        <a:lstStyle/>
+        <a:p>
+          <a:endParaRPr lang="en-US" sz="2000"/>
+        </a:p>
+      </dgm:t>
+    </dgm:pt>
+    <dgm:pt modelId="{5DFF4E4C-A3A3-4754-8CBD-ACEBFBF73B04}" type="sibTrans" cxnId="{90D05F68-B723-4616-9303-1E30A99F61AC}">
+      <dgm:prSet/>
+      <dgm:spPr/>
+      <dgm:t>
+        <a:bodyPr/>
+        <a:lstStyle/>
+        <a:p>
+          <a:endParaRPr lang="en-US" sz="2000"/>
+        </a:p>
+      </dgm:t>
+    </dgm:pt>
+    <dgm:pt modelId="{BC53DFC2-8309-4DD4-A54F-6DD0E96FAB2E}">
+      <dgm:prSet phldrT="[Text]" custT="1"/>
+      <dgm:spPr/>
+      <dgm:t>
+        <a:bodyPr/>
+        <a:lstStyle/>
+        <a:p>
+          <a:r>
+            <a:rPr lang="en-US" sz="2000" dirty="0"/>
+            <a:t>Unit / Component Tests</a:t>
+          </a:r>
+        </a:p>
+      </dgm:t>
+    </dgm:pt>
+    <dgm:pt modelId="{5F68768C-5EA5-433C-861B-3F55E43633AC}" type="parTrans" cxnId="{23724E3E-C10D-465B-A045-2A82DD938347}">
+      <dgm:prSet/>
+      <dgm:spPr/>
+      <dgm:t>
+        <a:bodyPr/>
+        <a:lstStyle/>
+        <a:p>
+          <a:endParaRPr lang="en-US" sz="2000"/>
+        </a:p>
+      </dgm:t>
+    </dgm:pt>
+    <dgm:pt modelId="{2AAAD3F8-495D-4B08-886C-17A1CB2DEBDE}" type="sibTrans" cxnId="{23724E3E-C10D-465B-A045-2A82DD938347}">
+      <dgm:prSet/>
+      <dgm:spPr/>
+      <dgm:t>
+        <a:bodyPr/>
+        <a:lstStyle/>
+        <a:p>
+          <a:endParaRPr lang="en-US" sz="2000"/>
+        </a:p>
+      </dgm:t>
+    </dgm:pt>
+    <dgm:pt modelId="{8723173D-38A5-4DF2-899B-ED5D9D2BF5F6}">
+      <dgm:prSet phldrT="[Text]" custT="1"/>
+      <dgm:spPr/>
+      <dgm:t>
+        <a:bodyPr/>
+        <a:lstStyle/>
+        <a:p>
+          <a:r>
+            <a:rPr lang="en-US" sz="2000" dirty="0"/>
+            <a:t>UI Automation</a:t>
+          </a:r>
+        </a:p>
+      </dgm:t>
+    </dgm:pt>
+    <dgm:pt modelId="{124AE9CE-7270-474C-8D69-B666B9BC54FA}" type="parTrans" cxnId="{70B24877-402A-42F4-A94E-E10AA2B908FD}">
+      <dgm:prSet/>
+      <dgm:spPr/>
+      <dgm:t>
+        <a:bodyPr/>
+        <a:lstStyle/>
+        <a:p>
+          <a:endParaRPr lang="en-US" sz="2000"/>
+        </a:p>
+      </dgm:t>
+    </dgm:pt>
+    <dgm:pt modelId="{39E9AB43-66DC-4CA2-AF67-62655B266928}" type="sibTrans" cxnId="{70B24877-402A-42F4-A94E-E10AA2B908FD}">
+      <dgm:prSet/>
+      <dgm:spPr/>
+      <dgm:t>
+        <a:bodyPr/>
+        <a:lstStyle/>
+        <a:p>
+          <a:endParaRPr lang="en-US" sz="2000"/>
+        </a:p>
+      </dgm:t>
+    </dgm:pt>
+    <dgm:pt modelId="{751FF3FA-02F3-4437-AA95-3515FF8098AA}">
+      <dgm:prSet phldrT="[Text]" custT="1"/>
+      <dgm:spPr/>
+      <dgm:t>
+        <a:bodyPr/>
+        <a:lstStyle/>
+        <a:p>
+          <a:r>
+            <a:rPr lang="en-US" sz="2000" dirty="0"/>
+            <a:t>Exploratory</a:t>
+          </a:r>
+        </a:p>
+      </dgm:t>
+    </dgm:pt>
+    <dgm:pt modelId="{BE9C7191-B79C-4C6B-8048-6EBFC52195E4}" type="parTrans" cxnId="{0813FA6E-3EC0-4EC6-9503-9D7631A649E7}">
+      <dgm:prSet/>
+      <dgm:spPr/>
+      <dgm:t>
+        <a:bodyPr/>
+        <a:lstStyle/>
+        <a:p>
+          <a:endParaRPr lang="en-US" sz="2000"/>
+        </a:p>
+      </dgm:t>
+    </dgm:pt>
+    <dgm:pt modelId="{9FC7AC38-AA29-4CB1-B51C-C49CEB824443}" type="sibTrans" cxnId="{0813FA6E-3EC0-4EC6-9503-9D7631A649E7}">
+      <dgm:prSet/>
+      <dgm:spPr/>
+      <dgm:t>
+        <a:bodyPr/>
+        <a:lstStyle/>
+        <a:p>
+          <a:endParaRPr lang="en-US" sz="2000"/>
+        </a:p>
+      </dgm:t>
+    </dgm:pt>
+    <dgm:pt modelId="{A0365616-6842-470E-BB21-80849EADED9E}" type="pres">
+      <dgm:prSet presAssocID="{09CBDCC3-4232-44B9-A7F8-892060149580}" presName="Name0" presStyleCnt="0">
+        <dgm:presLayoutVars>
+          <dgm:dir/>
+          <dgm:animLvl val="lvl"/>
+          <dgm:resizeHandles val="exact"/>
+        </dgm:presLayoutVars>
+      </dgm:prSet>
+      <dgm:spPr/>
+    </dgm:pt>
+    <dgm:pt modelId="{137C6217-AD88-4E90-8286-B04CD065590F}" type="pres">
+      <dgm:prSet presAssocID="{78B0DF99-8A83-4BE0-B7E0-8BCC5F140C63}" presName="Name8" presStyleCnt="0"/>
+      <dgm:spPr/>
+    </dgm:pt>
+    <dgm:pt modelId="{F86727C4-2047-46C9-9244-DD0E5E503651}" type="pres">
+      <dgm:prSet presAssocID="{78B0DF99-8A83-4BE0-B7E0-8BCC5F140C63}" presName="level" presStyleLbl="node1" presStyleIdx="0" presStyleCnt="5">
+        <dgm:presLayoutVars>
+          <dgm:chMax val="1"/>
+          <dgm:bulletEnabled val="1"/>
+        </dgm:presLayoutVars>
+      </dgm:prSet>
+      <dgm:spPr/>
+    </dgm:pt>
+    <dgm:pt modelId="{D7B2310A-08DF-4A30-9E27-E5C17FD542A9}" type="pres">
+      <dgm:prSet presAssocID="{78B0DF99-8A83-4BE0-B7E0-8BCC5F140C63}" presName="levelTx" presStyleLbl="revTx" presStyleIdx="0" presStyleCnt="0">
+        <dgm:presLayoutVars>
+          <dgm:chMax val="1"/>
+          <dgm:bulletEnabled val="1"/>
+        </dgm:presLayoutVars>
+      </dgm:prSet>
+      <dgm:spPr/>
+    </dgm:pt>
+    <dgm:pt modelId="{2AFD5CC3-BD49-43F7-A416-EBF1F218205B}" type="pres">
+      <dgm:prSet presAssocID="{751FF3FA-02F3-4437-AA95-3515FF8098AA}" presName="Name8" presStyleCnt="0"/>
+      <dgm:spPr/>
+    </dgm:pt>
+    <dgm:pt modelId="{EE3A82D7-D019-4B72-94FA-484A26167F0E}" type="pres">
+      <dgm:prSet presAssocID="{751FF3FA-02F3-4437-AA95-3515FF8098AA}" presName="level" presStyleLbl="node1" presStyleIdx="1" presStyleCnt="5">
+        <dgm:presLayoutVars>
+          <dgm:chMax val="1"/>
+          <dgm:bulletEnabled val="1"/>
+        </dgm:presLayoutVars>
+      </dgm:prSet>
+      <dgm:spPr/>
+    </dgm:pt>
+    <dgm:pt modelId="{077679F3-0D6F-4808-876E-2790409FAE2C}" type="pres">
+      <dgm:prSet presAssocID="{751FF3FA-02F3-4437-AA95-3515FF8098AA}" presName="levelTx" presStyleLbl="revTx" presStyleIdx="0" presStyleCnt="0">
+        <dgm:presLayoutVars>
+          <dgm:chMax val="1"/>
+          <dgm:bulletEnabled val="1"/>
+        </dgm:presLayoutVars>
+      </dgm:prSet>
+      <dgm:spPr/>
+    </dgm:pt>
+    <dgm:pt modelId="{DB436EBF-CC48-4C69-9CDA-DC7BEB48DD99}" type="pres">
+      <dgm:prSet presAssocID="{8723173D-38A5-4DF2-899B-ED5D9D2BF5F6}" presName="Name8" presStyleCnt="0"/>
+      <dgm:spPr/>
+    </dgm:pt>
+    <dgm:pt modelId="{1E1B9B23-A996-4C72-A1FA-2B142F498B01}" type="pres">
+      <dgm:prSet presAssocID="{8723173D-38A5-4DF2-899B-ED5D9D2BF5F6}" presName="level" presStyleLbl="node1" presStyleIdx="2" presStyleCnt="5">
+        <dgm:presLayoutVars>
+          <dgm:chMax val="1"/>
+          <dgm:bulletEnabled val="1"/>
+        </dgm:presLayoutVars>
+      </dgm:prSet>
+      <dgm:spPr/>
+    </dgm:pt>
+    <dgm:pt modelId="{A2D8CE49-36F8-4911-9787-2BCC1E52E9CB}" type="pres">
+      <dgm:prSet presAssocID="{8723173D-38A5-4DF2-899B-ED5D9D2BF5F6}" presName="levelTx" presStyleLbl="revTx" presStyleIdx="0" presStyleCnt="0">
+        <dgm:presLayoutVars>
+          <dgm:chMax val="1"/>
+          <dgm:bulletEnabled val="1"/>
+        </dgm:presLayoutVars>
+      </dgm:prSet>
+      <dgm:spPr/>
+    </dgm:pt>
+    <dgm:pt modelId="{13E0A5A3-0A28-4780-8901-0B40D0ED9EF6}" type="pres">
+      <dgm:prSet presAssocID="{74F4D299-EA00-42DF-9403-5D4F4F73CAA1}" presName="Name8" presStyleCnt="0"/>
+      <dgm:spPr/>
+    </dgm:pt>
+    <dgm:pt modelId="{0CED4597-076D-4CBF-B694-1C910A9949C8}" type="pres">
+      <dgm:prSet presAssocID="{74F4D299-EA00-42DF-9403-5D4F4F73CAA1}" presName="level" presStyleLbl="node1" presStyleIdx="3" presStyleCnt="5">
+        <dgm:presLayoutVars>
+          <dgm:chMax val="1"/>
+          <dgm:bulletEnabled val="1"/>
+        </dgm:presLayoutVars>
+      </dgm:prSet>
+      <dgm:spPr/>
+    </dgm:pt>
+    <dgm:pt modelId="{272A24B1-CA2C-484B-8BB6-8F5BD65281B2}" type="pres">
+      <dgm:prSet presAssocID="{74F4D299-EA00-42DF-9403-5D4F4F73CAA1}" presName="levelTx" presStyleLbl="revTx" presStyleIdx="0" presStyleCnt="0">
+        <dgm:presLayoutVars>
+          <dgm:chMax val="1"/>
+          <dgm:bulletEnabled val="1"/>
+        </dgm:presLayoutVars>
+      </dgm:prSet>
+      <dgm:spPr/>
+    </dgm:pt>
+    <dgm:pt modelId="{8AFD0F7C-0481-4B93-9FC1-8A363D5E8333}" type="pres">
+      <dgm:prSet presAssocID="{BC53DFC2-8309-4DD4-A54F-6DD0E96FAB2E}" presName="Name8" presStyleCnt="0"/>
+      <dgm:spPr/>
+    </dgm:pt>
+    <dgm:pt modelId="{CCD51E0A-8D5D-42E1-AA87-82D3C94AD92C}" type="pres">
+      <dgm:prSet presAssocID="{BC53DFC2-8309-4DD4-A54F-6DD0E96FAB2E}" presName="level" presStyleLbl="node1" presStyleIdx="4" presStyleCnt="5">
+        <dgm:presLayoutVars>
+          <dgm:chMax val="1"/>
+          <dgm:bulletEnabled val="1"/>
+        </dgm:presLayoutVars>
+      </dgm:prSet>
+      <dgm:spPr/>
+    </dgm:pt>
+    <dgm:pt modelId="{7A73E406-0371-4B10-AD76-1324D684FAAB}" type="pres">
+      <dgm:prSet presAssocID="{BC53DFC2-8309-4DD4-A54F-6DD0E96FAB2E}" presName="levelTx" presStyleLbl="revTx" presStyleIdx="0" presStyleCnt="0">
+        <dgm:presLayoutVars>
+          <dgm:chMax val="1"/>
+          <dgm:bulletEnabled val="1"/>
+        </dgm:presLayoutVars>
+      </dgm:prSet>
+      <dgm:spPr/>
+    </dgm:pt>
+  </dgm:ptLst>
+  <dgm:cxnLst>
+    <dgm:cxn modelId="{2B602105-2235-4F1E-9890-A350E8829D4D}" type="presOf" srcId="{751FF3FA-02F3-4437-AA95-3515FF8098AA}" destId="{077679F3-0D6F-4808-876E-2790409FAE2C}" srcOrd="1" destOrd="0" presId="urn:microsoft.com/office/officeart/2005/8/layout/pyramid1"/>
+    <dgm:cxn modelId="{80163314-D4DF-4216-8D04-74661FE06374}" type="presOf" srcId="{8723173D-38A5-4DF2-899B-ED5D9D2BF5F6}" destId="{1E1B9B23-A996-4C72-A1FA-2B142F498B01}" srcOrd="0" destOrd="0" presId="urn:microsoft.com/office/officeart/2005/8/layout/pyramid1"/>
+    <dgm:cxn modelId="{8A36662A-4EFF-4C8F-8981-3E96B663D50D}" type="presOf" srcId="{751FF3FA-02F3-4437-AA95-3515FF8098AA}" destId="{EE3A82D7-D019-4B72-94FA-484A26167F0E}" srcOrd="0" destOrd="0" presId="urn:microsoft.com/office/officeart/2005/8/layout/pyramid1"/>
+    <dgm:cxn modelId="{23724E3E-C10D-465B-A045-2A82DD938347}" srcId="{09CBDCC3-4232-44B9-A7F8-892060149580}" destId="{BC53DFC2-8309-4DD4-A54F-6DD0E96FAB2E}" srcOrd="4" destOrd="0" parTransId="{5F68768C-5EA5-433C-861B-3F55E43633AC}" sibTransId="{2AAAD3F8-495D-4B08-886C-17A1CB2DEBDE}"/>
+    <dgm:cxn modelId="{76D9A461-2EBB-4018-A994-6072F5219CA0}" type="presOf" srcId="{78B0DF99-8A83-4BE0-B7E0-8BCC5F140C63}" destId="{F86727C4-2047-46C9-9244-DD0E5E503651}" srcOrd="0" destOrd="0" presId="urn:microsoft.com/office/officeart/2005/8/layout/pyramid1"/>
+    <dgm:cxn modelId="{75C22546-7A92-4DAB-9676-C2B85E9031A0}" type="presOf" srcId="{78B0DF99-8A83-4BE0-B7E0-8BCC5F140C63}" destId="{D7B2310A-08DF-4A30-9E27-E5C17FD542A9}" srcOrd="1" destOrd="0" presId="urn:microsoft.com/office/officeart/2005/8/layout/pyramid1"/>
+    <dgm:cxn modelId="{90D05F68-B723-4616-9303-1E30A99F61AC}" srcId="{09CBDCC3-4232-44B9-A7F8-892060149580}" destId="{78B0DF99-8A83-4BE0-B7E0-8BCC5F140C63}" srcOrd="0" destOrd="0" parTransId="{A2CFA7CC-4CB2-45B4-819D-73315E09A8D4}" sibTransId="{5DFF4E4C-A3A3-4754-8CBD-ACEBFBF73B04}"/>
+    <dgm:cxn modelId="{0813FA6E-3EC0-4EC6-9503-9D7631A649E7}" srcId="{09CBDCC3-4232-44B9-A7F8-892060149580}" destId="{751FF3FA-02F3-4437-AA95-3515FF8098AA}" srcOrd="1" destOrd="0" parTransId="{BE9C7191-B79C-4C6B-8048-6EBFC52195E4}" sibTransId="{9FC7AC38-AA29-4CB1-B51C-C49CEB824443}"/>
+    <dgm:cxn modelId="{70B24877-402A-42F4-A94E-E10AA2B908FD}" srcId="{09CBDCC3-4232-44B9-A7F8-892060149580}" destId="{8723173D-38A5-4DF2-899B-ED5D9D2BF5F6}" srcOrd="2" destOrd="0" parTransId="{124AE9CE-7270-474C-8D69-B666B9BC54FA}" sibTransId="{39E9AB43-66DC-4CA2-AF67-62655B266928}"/>
+    <dgm:cxn modelId="{E58E198F-836D-49F7-8468-79A665E80208}" type="presOf" srcId="{8723173D-38A5-4DF2-899B-ED5D9D2BF5F6}" destId="{A2D8CE49-36F8-4911-9787-2BCC1E52E9CB}" srcOrd="1" destOrd="0" presId="urn:microsoft.com/office/officeart/2005/8/layout/pyramid1"/>
+    <dgm:cxn modelId="{1E6906A1-FD68-4372-B932-0DA67A84252D}" srcId="{09CBDCC3-4232-44B9-A7F8-892060149580}" destId="{74F4D299-EA00-42DF-9403-5D4F4F73CAA1}" srcOrd="3" destOrd="0" parTransId="{CAD8212E-DDDE-481B-B7BC-4D5224304A2E}" sibTransId="{F4606EFF-4B04-4002-8C55-3711D73F986D}"/>
+    <dgm:cxn modelId="{900AB7BE-F4D3-4D8E-8EA2-847027B5E1BD}" type="presOf" srcId="{BC53DFC2-8309-4DD4-A54F-6DD0E96FAB2E}" destId="{7A73E406-0371-4B10-AD76-1324D684FAAB}" srcOrd="1" destOrd="0" presId="urn:microsoft.com/office/officeart/2005/8/layout/pyramid1"/>
+    <dgm:cxn modelId="{1167DAD2-D61A-4217-87AA-45AA52818972}" type="presOf" srcId="{74F4D299-EA00-42DF-9403-5D4F4F73CAA1}" destId="{272A24B1-CA2C-484B-8BB6-8F5BD65281B2}" srcOrd="1" destOrd="0" presId="urn:microsoft.com/office/officeart/2005/8/layout/pyramid1"/>
+    <dgm:cxn modelId="{F8FBBFE0-4CF2-4944-A9BE-DCC9DBEB4D6B}" type="presOf" srcId="{09CBDCC3-4232-44B9-A7F8-892060149580}" destId="{A0365616-6842-470E-BB21-80849EADED9E}" srcOrd="0" destOrd="0" presId="urn:microsoft.com/office/officeart/2005/8/layout/pyramid1"/>
+    <dgm:cxn modelId="{6A5D48ED-6D29-43BD-9B1B-838E0748B9CE}" type="presOf" srcId="{74F4D299-EA00-42DF-9403-5D4F4F73CAA1}" destId="{0CED4597-076D-4CBF-B694-1C910A9949C8}" srcOrd="0" destOrd="0" presId="urn:microsoft.com/office/officeart/2005/8/layout/pyramid1"/>
+    <dgm:cxn modelId="{537553F0-347B-4C71-8B25-958C2C37F633}" type="presOf" srcId="{BC53DFC2-8309-4DD4-A54F-6DD0E96FAB2E}" destId="{CCD51E0A-8D5D-42E1-AA87-82D3C94AD92C}" srcOrd="0" destOrd="0" presId="urn:microsoft.com/office/officeart/2005/8/layout/pyramid1"/>
+    <dgm:cxn modelId="{ABE3CF63-3FEC-4AA8-8745-CB8905315E63}" type="presParOf" srcId="{A0365616-6842-470E-BB21-80849EADED9E}" destId="{137C6217-AD88-4E90-8286-B04CD065590F}" srcOrd="0" destOrd="0" presId="urn:microsoft.com/office/officeart/2005/8/layout/pyramid1"/>
+    <dgm:cxn modelId="{9499B616-9571-4DC1-B2DD-F0FD01ADBDE6}" type="presParOf" srcId="{137C6217-AD88-4E90-8286-B04CD065590F}" destId="{F86727C4-2047-46C9-9244-DD0E5E503651}" srcOrd="0" destOrd="0" presId="urn:microsoft.com/office/officeart/2005/8/layout/pyramid1"/>
+    <dgm:cxn modelId="{88DA6B98-A02F-42EC-8A64-C1B1256EBF62}" type="presParOf" srcId="{137C6217-AD88-4E90-8286-B04CD065590F}" destId="{D7B2310A-08DF-4A30-9E27-E5C17FD542A9}" srcOrd="1" destOrd="0" presId="urn:microsoft.com/office/officeart/2005/8/layout/pyramid1"/>
+    <dgm:cxn modelId="{FE0B6080-0916-4891-9BB2-70616254EF2E}" type="presParOf" srcId="{A0365616-6842-470E-BB21-80849EADED9E}" destId="{2AFD5CC3-BD49-43F7-A416-EBF1F218205B}" srcOrd="1" destOrd="0" presId="urn:microsoft.com/office/officeart/2005/8/layout/pyramid1"/>
+    <dgm:cxn modelId="{35B9EC88-9EC5-4E9C-BA55-4ED614F796AB}" type="presParOf" srcId="{2AFD5CC3-BD49-43F7-A416-EBF1F218205B}" destId="{EE3A82D7-D019-4B72-94FA-484A26167F0E}" srcOrd="0" destOrd="0" presId="urn:microsoft.com/office/officeart/2005/8/layout/pyramid1"/>
+    <dgm:cxn modelId="{ADAAC46D-13A7-411C-A166-1DC35622F375}" type="presParOf" srcId="{2AFD5CC3-BD49-43F7-A416-EBF1F218205B}" destId="{077679F3-0D6F-4808-876E-2790409FAE2C}" srcOrd="1" destOrd="0" presId="urn:microsoft.com/office/officeart/2005/8/layout/pyramid1"/>
+    <dgm:cxn modelId="{8528E0D8-45B8-4BBD-8921-9862B606C7C1}" type="presParOf" srcId="{A0365616-6842-470E-BB21-80849EADED9E}" destId="{DB436EBF-CC48-4C69-9CDA-DC7BEB48DD99}" srcOrd="2" destOrd="0" presId="urn:microsoft.com/office/officeart/2005/8/layout/pyramid1"/>
+    <dgm:cxn modelId="{F59A5722-229A-4102-8AA7-7DF521AA9E05}" type="presParOf" srcId="{DB436EBF-CC48-4C69-9CDA-DC7BEB48DD99}" destId="{1E1B9B23-A996-4C72-A1FA-2B142F498B01}" srcOrd="0" destOrd="0" presId="urn:microsoft.com/office/officeart/2005/8/layout/pyramid1"/>
+    <dgm:cxn modelId="{FE20159F-8D99-4433-A004-9EF3AEF091CF}" type="presParOf" srcId="{DB436EBF-CC48-4C69-9CDA-DC7BEB48DD99}" destId="{A2D8CE49-36F8-4911-9787-2BCC1E52E9CB}" srcOrd="1" destOrd="0" presId="urn:microsoft.com/office/officeart/2005/8/layout/pyramid1"/>
+    <dgm:cxn modelId="{14519AB4-728A-401A-A849-8104A3987701}" type="presParOf" srcId="{A0365616-6842-470E-BB21-80849EADED9E}" destId="{13E0A5A3-0A28-4780-8901-0B40D0ED9EF6}" srcOrd="3" destOrd="0" presId="urn:microsoft.com/office/officeart/2005/8/layout/pyramid1"/>
+    <dgm:cxn modelId="{CB7F8889-0515-4F52-BF82-CEE6605F33F0}" type="presParOf" srcId="{13E0A5A3-0A28-4780-8901-0B40D0ED9EF6}" destId="{0CED4597-076D-4CBF-B694-1C910A9949C8}" srcOrd="0" destOrd="0" presId="urn:microsoft.com/office/officeart/2005/8/layout/pyramid1"/>
+    <dgm:cxn modelId="{04B639B0-1AC6-4AAD-9EDC-27CC30AFF7A3}" type="presParOf" srcId="{13E0A5A3-0A28-4780-8901-0B40D0ED9EF6}" destId="{272A24B1-CA2C-484B-8BB6-8F5BD65281B2}" srcOrd="1" destOrd="0" presId="urn:microsoft.com/office/officeart/2005/8/layout/pyramid1"/>
+    <dgm:cxn modelId="{4A1850CF-022F-423F-87A7-7D9E7A038F80}" type="presParOf" srcId="{A0365616-6842-470E-BB21-80849EADED9E}" destId="{8AFD0F7C-0481-4B93-9FC1-8A363D5E8333}" srcOrd="4" destOrd="0" presId="urn:microsoft.com/office/officeart/2005/8/layout/pyramid1"/>
+    <dgm:cxn modelId="{92EDA39C-F446-4984-BE75-4F62E0757488}" type="presParOf" srcId="{8AFD0F7C-0481-4B93-9FC1-8A363D5E8333}" destId="{CCD51E0A-8D5D-42E1-AA87-82D3C94AD92C}" srcOrd="0" destOrd="0" presId="urn:microsoft.com/office/officeart/2005/8/layout/pyramid1"/>
+    <dgm:cxn modelId="{7687A162-BC11-432E-B747-DF679ABBA726}" type="presParOf" srcId="{8AFD0F7C-0481-4B93-9FC1-8A363D5E8333}" destId="{7A73E406-0371-4B10-AD76-1324D684FAAB}" srcOrd="1" destOrd="0" presId="urn:microsoft.com/office/officeart/2005/8/layout/pyramid1"/>
+  </dgm:cxnLst>
+  <dgm:bg/>
+  <dgm:whole/>
+  <dgm:extLst>
+    <a:ext uri="http://schemas.microsoft.com/office/drawing/2008/diagram">
+      <dsp:dataModelExt xmlns:dsp="http://schemas.microsoft.com/office/drawing/2008/diagram" relId="rId6" minVer="http://schemas.openxmlformats.org/drawingml/2006/diagram"/>
+    </a:ext>
+  </dgm:extLst>
+</dgm:dataModel>
+</file>
+
+<file path=ppt/diagrams/drawing1.xml><?xml version="1.0" encoding="utf-8"?>
+<dsp:drawing xmlns:dgm="http://schemas.openxmlformats.org/drawingml/2006/diagram" xmlns:dsp="http://schemas.microsoft.com/office/drawing/2008/diagram" xmlns:a="http://schemas.openxmlformats.org/drawingml/2006/main">
+  <dsp:spTree>
+    <dsp:nvGrpSpPr>
+      <dsp:cNvPr id="0" name=""/>
+      <dsp:cNvGrpSpPr/>
+    </dsp:nvGrpSpPr>
+    <dsp:grpSpPr/>
+    <dsp:sp modelId="{F86727C4-2047-46C9-9244-DD0E5E503651}">
+      <dsp:nvSpPr>
+        <dsp:cNvPr id="0" name=""/>
+        <dsp:cNvSpPr/>
+      </dsp:nvSpPr>
+      <dsp:spPr>
+        <a:xfrm>
+          <a:off x="4228820" y="0"/>
+          <a:ext cx="2114410" cy="1053388"/>
+        </a:xfrm>
+        <a:prstGeom prst="trapezoid">
+          <a:avLst>
+            <a:gd name="adj" fmla="val 100362"/>
+          </a:avLst>
+        </a:prstGeom>
+        <a:solidFill>
+          <a:schemeClr val="accent4">
+            <a:alpha val="90000"/>
+            <a:hueOff val="0"/>
+            <a:satOff val="0"/>
+            <a:lumOff val="0"/>
+            <a:alphaOff val="0"/>
+          </a:schemeClr>
+        </a:solidFill>
+        <a:ln>
+          <a:noFill/>
+        </a:ln>
+        <a:effectLst/>
+        <a:scene3d>
+          <a:camera prst="isometricOffAxis2Left" zoom="95000">
+            <a:rot lat="0" lon="1560000" rev="0"/>
+          </a:camera>
+          <a:lightRig rig="flat" dir="t"/>
+        </a:scene3d>
+        <a:sp3d extrusionH="381000" contourW="38100" prstMaterial="matte">
+          <a:contourClr>
+            <a:schemeClr val="lt1"/>
+          </a:contourClr>
+        </a:sp3d>
+      </dsp:spPr>
+      <dsp:style>
+        <a:lnRef idx="0">
+          <a:scrgbClr r="0" g="0" b="0"/>
+        </a:lnRef>
+        <a:fillRef idx="1">
+          <a:scrgbClr r="0" g="0" b="0"/>
+        </a:fillRef>
+        <a:effectRef idx="0">
+          <a:scrgbClr r="0" g="0" b="0"/>
+        </a:effectRef>
+        <a:fontRef idx="minor">
+          <a:schemeClr val="lt1"/>
+        </a:fontRef>
+      </dsp:style>
+      <dsp:txBody>
+        <a:bodyPr spcFirstLastPara="0" vert="horz" wrap="square" lIns="25400" tIns="25400" rIns="25400" bIns="25400" numCol="1" spcCol="1270" anchor="ctr" anchorCtr="0">
+          <a:noAutofit/>
+        </a:bodyPr>
+        <a:lstStyle/>
+        <a:p>
+          <a:pPr marL="0" lvl="0" indent="0" algn="ctr" defTabSz="889000">
+            <a:lnSpc>
+              <a:spcPct val="90000"/>
+            </a:lnSpc>
+            <a:spcBef>
+              <a:spcPct val="0"/>
+            </a:spcBef>
+            <a:spcAft>
+              <a:spcPct val="35000"/>
+            </a:spcAft>
+            <a:buNone/>
+          </a:pPr>
+          <a:r>
+            <a:rPr lang="en-US" sz="2000" kern="1200" dirty="0"/>
+            <a:t>Manual</a:t>
+          </a:r>
+        </a:p>
+      </dsp:txBody>
+      <dsp:txXfrm>
+        <a:off x="4228820" y="0"/>
+        <a:ext cx="2114410" cy="1053388"/>
+      </dsp:txXfrm>
+    </dsp:sp>
+    <dsp:sp modelId="{EE3A82D7-D019-4B72-94FA-484A26167F0E}">
+      <dsp:nvSpPr>
+        <dsp:cNvPr id="0" name=""/>
+        <dsp:cNvSpPr/>
+      </dsp:nvSpPr>
+      <dsp:spPr>
+        <a:xfrm>
+          <a:off x="3171615" y="1053388"/>
+          <a:ext cx="4228820" cy="1053388"/>
+        </a:xfrm>
+        <a:prstGeom prst="trapezoid">
+          <a:avLst>
+            <a:gd name="adj" fmla="val 100362"/>
+          </a:avLst>
+        </a:prstGeom>
+        <a:solidFill>
+          <a:schemeClr val="accent4">
+            <a:alpha val="90000"/>
+            <a:hueOff val="0"/>
+            <a:satOff val="0"/>
+            <a:lumOff val="0"/>
+            <a:alphaOff val="-10000"/>
+          </a:schemeClr>
+        </a:solidFill>
+        <a:ln>
+          <a:noFill/>
+        </a:ln>
+        <a:effectLst/>
+        <a:scene3d>
+          <a:camera prst="isometricOffAxis2Left" zoom="95000">
+            <a:rot lat="0" lon="1560000" rev="0"/>
+          </a:camera>
+          <a:lightRig rig="flat" dir="t"/>
+        </a:scene3d>
+        <a:sp3d extrusionH="381000" contourW="38100" prstMaterial="matte">
+          <a:contourClr>
+            <a:schemeClr val="lt1"/>
+          </a:contourClr>
+        </a:sp3d>
+      </dsp:spPr>
+      <dsp:style>
+        <a:lnRef idx="0">
+          <a:scrgbClr r="0" g="0" b="0"/>
+        </a:lnRef>
+        <a:fillRef idx="1">
+          <a:scrgbClr r="0" g="0" b="0"/>
+        </a:fillRef>
+        <a:effectRef idx="0">
+          <a:scrgbClr r="0" g="0" b="0"/>
+        </a:effectRef>
+        <a:fontRef idx="minor">
+          <a:schemeClr val="lt1"/>
+        </a:fontRef>
+      </dsp:style>
+      <dsp:txBody>
+        <a:bodyPr spcFirstLastPara="0" vert="horz" wrap="square" lIns="25400" tIns="25400" rIns="25400" bIns="25400" numCol="1" spcCol="1270" anchor="ctr" anchorCtr="0">
+          <a:noAutofit/>
+        </a:bodyPr>
+        <a:lstStyle/>
+        <a:p>
+          <a:pPr marL="0" lvl="0" indent="0" algn="ctr" defTabSz="889000">
+            <a:lnSpc>
+              <a:spcPct val="90000"/>
+            </a:lnSpc>
+            <a:spcBef>
+              <a:spcPct val="0"/>
+            </a:spcBef>
+            <a:spcAft>
+              <a:spcPct val="35000"/>
+            </a:spcAft>
+            <a:buNone/>
+          </a:pPr>
+          <a:r>
+            <a:rPr lang="en-US" sz="2000" kern="1200" dirty="0"/>
+            <a:t>Exploratory</a:t>
+          </a:r>
+        </a:p>
+      </dsp:txBody>
+      <dsp:txXfrm>
+        <a:off x="3911659" y="1053388"/>
+        <a:ext cx="2748733" cy="1053388"/>
+      </dsp:txXfrm>
+    </dsp:sp>
+    <dsp:sp modelId="{1E1B9B23-A996-4C72-A1FA-2B142F498B01}">
+      <dsp:nvSpPr>
+        <dsp:cNvPr id="0" name=""/>
+        <dsp:cNvSpPr/>
+      </dsp:nvSpPr>
+      <dsp:spPr>
+        <a:xfrm>
+          <a:off x="2114410" y="2106777"/>
+          <a:ext cx="6343231" cy="1053388"/>
+        </a:xfrm>
+        <a:prstGeom prst="trapezoid">
+          <a:avLst>
+            <a:gd name="adj" fmla="val 100362"/>
+          </a:avLst>
+        </a:prstGeom>
+        <a:solidFill>
+          <a:schemeClr val="accent4">
+            <a:alpha val="90000"/>
+            <a:hueOff val="0"/>
+            <a:satOff val="0"/>
+            <a:lumOff val="0"/>
+            <a:alphaOff val="-20000"/>
+          </a:schemeClr>
+        </a:solidFill>
+        <a:ln>
+          <a:noFill/>
+        </a:ln>
+        <a:effectLst/>
+        <a:scene3d>
+          <a:camera prst="isometricOffAxis2Left" zoom="95000">
+            <a:rot lat="0" lon="1560000" rev="0"/>
+          </a:camera>
+          <a:lightRig rig="flat" dir="t"/>
+        </a:scene3d>
+        <a:sp3d extrusionH="381000" contourW="38100" prstMaterial="matte">
+          <a:contourClr>
+            <a:schemeClr val="lt1"/>
+          </a:contourClr>
+        </a:sp3d>
+      </dsp:spPr>
+      <dsp:style>
+        <a:lnRef idx="0">
+          <a:scrgbClr r="0" g="0" b="0"/>
+        </a:lnRef>
+        <a:fillRef idx="1">
+          <a:scrgbClr r="0" g="0" b="0"/>
+        </a:fillRef>
+        <a:effectRef idx="0">
+          <a:scrgbClr r="0" g="0" b="0"/>
+        </a:effectRef>
+        <a:fontRef idx="minor">
+          <a:schemeClr val="lt1"/>
+        </a:fontRef>
+      </dsp:style>
+      <dsp:txBody>
+        <a:bodyPr spcFirstLastPara="0" vert="horz" wrap="square" lIns="25400" tIns="25400" rIns="25400" bIns="25400" numCol="1" spcCol="1270" anchor="ctr" anchorCtr="0">
+          <a:noAutofit/>
+        </a:bodyPr>
+        <a:lstStyle/>
+        <a:p>
+          <a:pPr marL="0" lvl="0" indent="0" algn="ctr" defTabSz="889000">
+            <a:lnSpc>
+              <a:spcPct val="90000"/>
+            </a:lnSpc>
+            <a:spcBef>
+              <a:spcPct val="0"/>
+            </a:spcBef>
+            <a:spcAft>
+              <a:spcPct val="35000"/>
+            </a:spcAft>
+            <a:buNone/>
+          </a:pPr>
+          <a:r>
+            <a:rPr lang="en-US" sz="2000" kern="1200" dirty="0"/>
+            <a:t>UI Automation</a:t>
+          </a:r>
+        </a:p>
+      </dsp:txBody>
+      <dsp:txXfrm>
+        <a:off x="3224475" y="2106777"/>
+        <a:ext cx="4123100" cy="1053388"/>
+      </dsp:txXfrm>
+    </dsp:sp>
+    <dsp:sp modelId="{0CED4597-076D-4CBF-B694-1C910A9949C8}">
+      <dsp:nvSpPr>
+        <dsp:cNvPr id="0" name=""/>
+        <dsp:cNvSpPr/>
+      </dsp:nvSpPr>
+      <dsp:spPr>
+        <a:xfrm>
+          <a:off x="1057205" y="3160166"/>
+          <a:ext cx="8457641" cy="1053388"/>
+        </a:xfrm>
+        <a:prstGeom prst="trapezoid">
+          <a:avLst>
+            <a:gd name="adj" fmla="val 100362"/>
+          </a:avLst>
+        </a:prstGeom>
+        <a:solidFill>
+          <a:schemeClr val="accent4">
+            <a:alpha val="90000"/>
+            <a:hueOff val="0"/>
+            <a:satOff val="0"/>
+            <a:lumOff val="0"/>
+            <a:alphaOff val="-30000"/>
+          </a:schemeClr>
+        </a:solidFill>
+        <a:ln>
+          <a:noFill/>
+        </a:ln>
+        <a:effectLst/>
+        <a:scene3d>
+          <a:camera prst="isometricOffAxis2Left" zoom="95000">
+            <a:rot lat="0" lon="1560000" rev="0"/>
+          </a:camera>
+          <a:lightRig rig="flat" dir="t"/>
+        </a:scene3d>
+        <a:sp3d extrusionH="381000" contourW="38100" prstMaterial="matte">
+          <a:contourClr>
+            <a:schemeClr val="lt1"/>
+          </a:contourClr>
+        </a:sp3d>
+      </dsp:spPr>
+      <dsp:style>
+        <a:lnRef idx="0">
+          <a:scrgbClr r="0" g="0" b="0"/>
+        </a:lnRef>
+        <a:fillRef idx="1">
+          <a:scrgbClr r="0" g="0" b="0"/>
+        </a:fillRef>
+        <a:effectRef idx="0">
+          <a:scrgbClr r="0" g="0" b="0"/>
+        </a:effectRef>
+        <a:fontRef idx="minor">
+          <a:schemeClr val="lt1"/>
+        </a:fontRef>
+      </dsp:style>
+      <dsp:txBody>
+        <a:bodyPr spcFirstLastPara="0" vert="horz" wrap="square" lIns="25400" tIns="25400" rIns="25400" bIns="25400" numCol="1" spcCol="1270" anchor="ctr" anchorCtr="0">
+          <a:noAutofit/>
+        </a:bodyPr>
+        <a:lstStyle/>
+        <a:p>
+          <a:pPr marL="0" lvl="0" indent="0" algn="ctr" defTabSz="889000">
+            <a:lnSpc>
+              <a:spcPct val="90000"/>
+            </a:lnSpc>
+            <a:spcBef>
+              <a:spcPct val="0"/>
+            </a:spcBef>
+            <a:spcAft>
+              <a:spcPct val="35000"/>
+            </a:spcAft>
+            <a:buNone/>
+          </a:pPr>
+          <a:r>
+            <a:rPr lang="en-US" sz="2000" kern="1200" dirty="0"/>
+            <a:t>Integration Tests</a:t>
+          </a:r>
+        </a:p>
+      </dsp:txBody>
+      <dsp:txXfrm>
+        <a:off x="2537292" y="3160166"/>
+        <a:ext cx="5497467" cy="1053388"/>
+      </dsp:txXfrm>
+    </dsp:sp>
+    <dsp:sp modelId="{CCD51E0A-8D5D-42E1-AA87-82D3C94AD92C}">
+      <dsp:nvSpPr>
+        <dsp:cNvPr id="0" name=""/>
+        <dsp:cNvSpPr/>
+      </dsp:nvSpPr>
+      <dsp:spPr>
+        <a:xfrm>
+          <a:off x="0" y="4213555"/>
+          <a:ext cx="10572052" cy="1053388"/>
+        </a:xfrm>
+        <a:prstGeom prst="trapezoid">
+          <a:avLst>
+            <a:gd name="adj" fmla="val 100362"/>
+          </a:avLst>
+        </a:prstGeom>
+        <a:solidFill>
+          <a:schemeClr val="accent4">
+            <a:alpha val="90000"/>
+            <a:hueOff val="0"/>
+            <a:satOff val="0"/>
+            <a:lumOff val="0"/>
+            <a:alphaOff val="-40000"/>
+          </a:schemeClr>
+        </a:solidFill>
+        <a:ln>
+          <a:noFill/>
+        </a:ln>
+        <a:effectLst/>
+        <a:scene3d>
+          <a:camera prst="isometricOffAxis2Left" zoom="95000">
+            <a:rot lat="0" lon="1560000" rev="0"/>
+          </a:camera>
+          <a:lightRig rig="flat" dir="t"/>
+        </a:scene3d>
+        <a:sp3d extrusionH="381000" contourW="38100" prstMaterial="matte">
+          <a:contourClr>
+            <a:schemeClr val="lt1"/>
+          </a:contourClr>
+        </a:sp3d>
+      </dsp:spPr>
+      <dsp:style>
+        <a:lnRef idx="0">
+          <a:scrgbClr r="0" g="0" b="0"/>
+        </a:lnRef>
+        <a:fillRef idx="1">
+          <a:scrgbClr r="0" g="0" b="0"/>
+        </a:fillRef>
+        <a:effectRef idx="0">
+          <a:scrgbClr r="0" g="0" b="0"/>
+        </a:effectRef>
+        <a:fontRef idx="minor">
+          <a:schemeClr val="lt1"/>
+        </a:fontRef>
+      </dsp:style>
+      <dsp:txBody>
+        <a:bodyPr spcFirstLastPara="0" vert="horz" wrap="square" lIns="25400" tIns="25400" rIns="25400" bIns="25400" numCol="1" spcCol="1270" anchor="ctr" anchorCtr="0">
+          <a:noAutofit/>
+        </a:bodyPr>
+        <a:lstStyle/>
+        <a:p>
+          <a:pPr marL="0" lvl="0" indent="0" algn="ctr" defTabSz="889000">
+            <a:lnSpc>
+              <a:spcPct val="90000"/>
+            </a:lnSpc>
+            <a:spcBef>
+              <a:spcPct val="0"/>
+            </a:spcBef>
+            <a:spcAft>
+              <a:spcPct val="35000"/>
+            </a:spcAft>
+            <a:buNone/>
+          </a:pPr>
+          <a:r>
+            <a:rPr lang="en-US" sz="2000" kern="1200" dirty="0"/>
+            <a:t>Unit / Component Tests</a:t>
+          </a:r>
+        </a:p>
+      </dsp:txBody>
+      <dsp:txXfrm>
+        <a:off x="1850109" y="4213555"/>
+        <a:ext cx="6871833" cy="1053388"/>
+      </dsp:txXfrm>
+    </dsp:sp>
+  </dsp:spTree>
+</dsp:drawing>
+</file>
+
+<file path=ppt/diagrams/layout1.xml><?xml version="1.0" encoding="utf-8"?>
+<dgm:layoutDef xmlns:dgm="http://schemas.openxmlformats.org/drawingml/2006/diagram" xmlns:a="http://schemas.openxmlformats.org/drawingml/2006/main" uniqueId="urn:microsoft.com/office/officeart/2005/8/layout/pyramid1">
+  <dgm:title val=""/>
+  <dgm:desc val=""/>
+  <dgm:catLst>
+    <dgm:cat type="pyramid" pri="1000"/>
+  </dgm:catLst>
+  <dgm:sampData useDef="1">
+    <dgm:dataModel>
+      <dgm:ptLst/>
+      <dgm:bg/>
+      <dgm:whole/>
+    </dgm:dataModel>
+  </dgm:sampData>
+  <dgm:styleData>
+    <dgm:dataModel>
+      <dgm:ptLst>
+        <dgm:pt modelId="0" type="doc"/>
+        <dgm:pt modelId="1"/>
+        <dgm:pt modelId="2"/>
+      </dgm:ptLst>
+      <dgm:cxnLst>
+        <dgm:cxn modelId="3" srcId="0" destId="1" srcOrd="0" destOrd="0"/>
+        <dgm:cxn modelId="4" srcId="0" destId="2" srcOrd="1" destOrd="0"/>
+      </dgm:cxnLst>
+      <dgm:bg/>
+      <dgm:whole/>
+    </dgm:dataModel>
+  </dgm:styleData>
+  <dgm:clrData>
+    <dgm:dataModel>
+      <dgm:ptLst>
+        <dgm:pt modelId="0" type="doc"/>
+        <dgm:pt modelId="1"/>
+        <dgm:pt modelId="2"/>
+        <dgm:pt modelId="3"/>
+        <dgm:pt modelId="4"/>
+      </dgm:ptLst>
+      <dgm:cxnLst>
+        <dgm:cxn modelId="5" srcId="0" destId="1" srcOrd="0" destOrd="0"/>
+        <dgm:cxn modelId="6" srcId="0" destId="2" srcOrd="1" destOrd="0"/>
+        <dgm:cxn modelId="7" srcId="0" destId="3" srcOrd="2" destOrd="0"/>
+        <dgm:cxn modelId="8" srcId="0" destId="4" srcOrd="3" destOrd="0"/>
+      </dgm:cxnLst>
+      <dgm:bg/>
+      <dgm:whole/>
+    </dgm:dataModel>
+  </dgm:clrData>
+  <dgm:layoutNode name="Name0">
+    <dgm:varLst>
+      <dgm:dir/>
+      <dgm:animLvl val="lvl"/>
+      <dgm:resizeHandles val="exact"/>
+    </dgm:varLst>
+    <dgm:choose name="Name1">
+      <dgm:if name="Name2" func="var" arg="dir" op="equ" val="norm">
+        <dgm:alg type="pyra">
+          <dgm:param type="linDir" val="fromB"/>
+          <dgm:param type="txDir" val="fromT"/>
+          <dgm:param type="pyraAcctPos" val="aft"/>
+          <dgm:param type="pyraAcctTxMar" val="step"/>
+          <dgm:param type="pyraAcctBkgdNode" val="acctBkgd"/>
+          <dgm:param type="pyraAcctTxNode" val="acctTx"/>
+          <dgm:param type="pyraLvlNode" val="level"/>
+        </dgm:alg>
+      </dgm:if>
+      <dgm:else name="Name3">
+        <dgm:alg type="pyra">
+          <dgm:param type="linDir" val="fromB"/>
+          <dgm:param type="txDir" val="fromT"/>
+          <dgm:param type="pyraAcctPos" val="bef"/>
+          <dgm:param type="pyraAcctTxMar" val="step"/>
+          <dgm:param type="pyraAcctBkgdNode" val="acctBkgd"/>
+          <dgm:param type="pyraAcctTxNode" val="acctTx"/>
+          <dgm:param type="pyraLvlNode" val="level"/>
+        </dgm:alg>
+      </dgm:else>
+    </dgm:choose>
+    <dgm:shape xmlns:r="http://schemas.openxmlformats.org/officeDocument/2006/relationships" r:blip="">
+      <dgm:adjLst/>
+    </dgm:shape>
+    <dgm:presOf/>
+    <dgm:choose name="Name4">
+      <dgm:if name="Name5" axis="root des" ptType="all node" func="maxDepth" op="gte" val="2">
+        <dgm:constrLst>
+          <dgm:constr type="primFontSz" for="des" forName="levelTx" op="equ"/>
+          <dgm:constr type="secFontSz" for="des" forName="acctTx" op="equ"/>
+          <dgm:constr type="pyraAcctRatio" val="0.32"/>
+        </dgm:constrLst>
+      </dgm:if>
+      <dgm:else name="Name6">
+        <dgm:constrLst>
+          <dgm:constr type="primFontSz" for="des" forName="levelTx" op="equ"/>
+          <dgm:constr type="secFontSz" for="des" forName="acctTx" op="equ"/>
+          <dgm:constr type="pyraAcctRatio"/>
+        </dgm:constrLst>
+      </dgm:else>
+    </dgm:choose>
+    <dgm:ruleLst/>
+    <dgm:forEach name="Name7" axis="ch" ptType="node">
+      <dgm:layoutNode name="Name8">
+        <dgm:alg type="composite">
+          <dgm:param type="horzAlign" val="none"/>
+        </dgm:alg>
+        <dgm:shape xmlns:r="http://schemas.openxmlformats.org/officeDocument/2006/relationships" r:blip="">
+          <dgm:adjLst/>
+        </dgm:shape>
+        <dgm:presOf/>
+        <dgm:choose name="Name9">
+          <dgm:if name="Name10" axis="self" ptType="node" func="pos" op="equ" val="1">
+            <dgm:constrLst>
+              <dgm:constr type="ctrX" for="ch" forName="acctBkgd" val="1"/>
+              <dgm:constr type="ctrY" for="ch" forName="acctBkgd" val="1"/>
+              <dgm:constr type="w" for="ch" forName="acctBkgd" val="1"/>
+              <dgm:constr type="h" for="ch" forName="acctBkgd" val="1"/>
+              <dgm:constr type="ctrX" for="ch" forName="acctTx" val="1"/>
+              <dgm:constr type="ctrY" for="ch" forName="acctTx" val="1"/>
+              <dgm:constr type="w" for="ch" forName="acctTx" val="1"/>
+              <dgm:constr type="h" for="ch" forName="acctTx" val="1"/>
+              <dgm:constr type="ctrX" for="ch" forName="level" val="1"/>
+              <dgm:constr type="ctrY" for="ch" forName="level" val="1"/>
+              <dgm:constr type="w" for="ch" forName="level" val="1"/>
+              <dgm:constr type="h" for="ch" forName="level" val="1"/>
+              <dgm:constr type="ctrX" for="ch" forName="levelTx" refType="ctrX" refFor="ch" refForName="level"/>
+              <dgm:constr type="ctrY" for="ch" forName="levelTx" refType="ctrY" refFor="ch" refForName="level"/>
+              <dgm:constr type="w" for="ch" forName="levelTx" refType="w" refFor="ch" refForName="level"/>
+              <dgm:constr type="h" for="ch" forName="levelTx" refType="h" refFor="ch" refForName="level"/>
+            </dgm:constrLst>
+          </dgm:if>
+          <dgm:else name="Name11">
+            <dgm:constrLst>
+              <dgm:constr type="ctrX" for="ch" forName="acctBkgd" val="1"/>
+              <dgm:constr type="ctrY" for="ch" forName="acctBkgd" val="1"/>
+              <dgm:constr type="w" for="ch" forName="acctBkgd" val="1"/>
+              <dgm:constr type="h" for="ch" forName="acctBkgd" val="1"/>
+              <dgm:constr type="ctrX" for="ch" forName="acctTx" val="1"/>
+              <dgm:constr type="ctrY" for="ch" forName="acctTx" val="1"/>
+              <dgm:constr type="w" for="ch" forName="acctTx" val="1"/>
+              <dgm:constr type="h" for="ch" forName="acctTx" val="1"/>
+              <dgm:constr type="ctrX" for="ch" forName="level" val="1"/>
+              <dgm:constr type="ctrY" for="ch" forName="level" val="1"/>
+              <dgm:constr type="w" for="ch" forName="level" val="1"/>
+              <dgm:constr type="h" for="ch" forName="level" val="1"/>
+              <dgm:constr type="ctrX" for="ch" forName="levelTx" refType="ctrX" refFor="ch" refForName="level"/>
+              <dgm:constr type="ctrY" for="ch" forName="levelTx" refType="ctrY" refFor="ch" refForName="level"/>
+              <dgm:constr type="w" for="ch" forName="levelTx" refType="w" refFor="ch" refForName="level" fact="0.65"/>
+              <dgm:constr type="h" for="ch" forName="levelTx" refType="h" refFor="ch" refForName="level"/>
+            </dgm:constrLst>
+          </dgm:else>
+        </dgm:choose>
+        <dgm:ruleLst/>
+        <dgm:choose name="Name12">
+          <dgm:if name="Name13" axis="ch" ptType="node" func="cnt" op="gte" val="1">
+            <dgm:layoutNode name="acctBkgd" styleLbl="alignAcc1">
+              <dgm:alg type="sp"/>
+              <dgm:shape xmlns:r="http://schemas.openxmlformats.org/officeDocument/2006/relationships" type="nonIsoscelesTrapezoid" r:blip="">
+                <dgm:adjLst/>
+              </dgm:shape>
+              <dgm:presOf axis="des" ptType="node"/>
+              <dgm:constrLst/>
+              <dgm:ruleLst/>
+            </dgm:layoutNode>
+            <dgm:layoutNode name="acctTx" styleLbl="alignAcc1">
+              <dgm:varLst>
+                <dgm:bulletEnabled val="1"/>
+              </dgm:varLst>
+              <dgm:alg type="tx">
+                <dgm:param type="stBulletLvl" val="1"/>
+                <dgm:param type="txAnchorVertCh" val="mid"/>
+              </dgm:alg>
+              <dgm:shape xmlns:r="http://schemas.openxmlformats.org/officeDocument/2006/relationships" type="nonIsoscelesTrapezoid" r:blip="" hideGeom="1">
+                <dgm:adjLst/>
+              </dgm:shape>
+              <dgm:presOf axis="des" ptType="node"/>
+              <dgm:constrLst>
+                <dgm:constr type="secFontSz" val="65"/>
+                <dgm:constr type="primFontSz" refType="secFontSz"/>
+                <dgm:constr type="tMarg" refType="secFontSz" fact="0.3"/>
+                <dgm:constr type="bMarg" refType="secFontSz" fact="0.3"/>
+                <dgm:constr type="lMarg" refType="secFontSz" fact="0.3"/>
+                <dgm:constr type="rMarg" refType="secFontSz" fact="0.3"/>
+              </dgm:constrLst>
+              <dgm:ruleLst>
+                <dgm:rule type="secFontSz" val="5" fact="NaN" max="NaN"/>
+              </dgm:ruleLst>
+            </dgm:layoutNode>
+          </dgm:if>
+          <dgm:else name="Name14"/>
+        </dgm:choose>
+        <dgm:layoutNode name="level">
+          <dgm:varLst>
+            <dgm:chMax val="1"/>
+            <dgm:bulletEnabled val="1"/>
+          </dgm:varLst>
+          <dgm:alg type="sp"/>
+          <dgm:shape xmlns:r="http://schemas.openxmlformats.org/officeDocument/2006/relationships" type="trapezoid" r:blip="">
+            <dgm:adjLst/>
+          </dgm:shape>
+          <dgm:presOf axis="self"/>
+          <dgm:constrLst>
+            <dgm:constr type="h" val="500"/>
+            <dgm:constr type="w" val="1"/>
+          </dgm:constrLst>
+          <dgm:ruleLst/>
+        </dgm:layoutNode>
+        <dgm:layoutNode name="levelTx" styleLbl="revTx">
+          <dgm:varLst>
+            <dgm:chMax val="1"/>
+            <dgm:bulletEnabled val="1"/>
+          </dgm:varLst>
+          <dgm:alg type="tx"/>
+          <dgm:shape xmlns:r="http://schemas.openxmlformats.org/officeDocument/2006/relationships" type="rect" r:blip="" hideGeom="1">
+            <dgm:adjLst/>
+          </dgm:shape>
+          <dgm:presOf axis="self"/>
+          <dgm:constrLst>
+            <dgm:constr type="tMarg" refType="primFontSz" fact="0.1"/>
+            <dgm:constr type="bMarg" refType="primFontSz" fact="0.1"/>
+            <dgm:constr type="lMarg" refType="primFontSz" fact="0.1"/>
+            <dgm:constr type="rMarg" refType="primFontSz" fact="0.1"/>
+            <dgm:constr type="primFontSz" val="65"/>
+          </dgm:constrLst>
+          <dgm:ruleLst>
+            <dgm:rule type="primFontSz" val="5" fact="NaN" max="NaN"/>
+          </dgm:ruleLst>
+        </dgm:layoutNode>
+      </dgm:layoutNode>
+    </dgm:forEach>
+  </dgm:layoutNode>
+</dgm:layoutDef>
+</file>
+
+<file path=ppt/diagrams/quickStyle1.xml><?xml version="1.0" encoding="utf-8"?>
+<dgm:styleDef xmlns:dgm="http://schemas.openxmlformats.org/drawingml/2006/diagram" xmlns:a="http://schemas.openxmlformats.org/drawingml/2006/main" uniqueId="urn:microsoft.com/office/officeart/2005/8/quickstyle/3d5">
+  <dgm:title val=""/>
+  <dgm:desc val=""/>
+  <dgm:catLst>
+    <dgm:cat type="3D" pri="11500"/>
+  </dgm:catLst>
+  <dgm:scene3d>
+    <a:camera prst="isometricOffAxis2Left" zoom="95000"/>
+    <a:lightRig rig="flat" dir="t"/>
+  </dgm:scene3d>
+  <dgm:styleLbl name="node0">
+    <dgm:scene3d>
+      <a:camera prst="orthographicFront"/>
+      <a:lightRig rig="threePt" dir="t"/>
+    </dgm:scene3d>
+    <dgm:sp3d extrusionH="381000" contourW="38100" prstMaterial="matte">
+      <a:contourClr>
+        <a:schemeClr val="lt1"/>
+      </a:contourClr>
+    </dgm:sp3d>
+    <dgm:txPr/>
+    <dgm:style>
+      <a:lnRef idx="0">
+        <a:scrgbClr r="0" g="0" b="0"/>
+      </a:lnRef>
+      <a:fillRef idx="1">
+        <a:scrgbClr r="0" g="0" b="0"/>
+      </a:fillRef>
+      <a:effectRef idx="0">
+        <a:scrgbClr r="0" g="0" b="0"/>
+      </a:effectRef>
+      <a:fontRef idx="minor">
+        <a:schemeClr val="lt1"/>
+      </a:fontRef>
+    </dgm:style>
+  </dgm:styleLbl>
+  <dgm:styleLbl name="lnNode1">
+    <dgm:scene3d>
+      <a:camera prst="orthographicFront"/>
+      <a:lightRig rig="threePt" dir="t"/>
+    </dgm:scene3d>
+    <dgm:sp3d extrusionH="381000" contourW="38100" prstMaterial="matte">
+      <a:contourClr>
+        <a:schemeClr val="lt1"/>
+      </a:contourClr>
+    </dgm:sp3d>
+    <dgm:txPr/>
+    <dgm:style>
+      <a:lnRef idx="0">
+        <a:scrgbClr r="0" g="0" b="0"/>
+      </a:lnRef>
+      <a:fillRef idx="1">
+        <a:scrgbClr r="0" g="0" b="0"/>
+      </a:fillRef>
+      <a:effectRef idx="0">
+        <a:scrgbClr r="0" g="0" b="0"/>
+      </a:effectRef>
+      <a:fontRef idx="minor">
+        <a:schemeClr val="lt1"/>
+      </a:fontRef>
+    </dgm:style>
+  </dgm:styleLbl>
+  <dgm:styleLbl name="vennNode1">
+    <dgm:scene3d>
+      <a:camera prst="orthographicFront"/>
+      <a:lightRig rig="threePt" dir="t"/>
+    </dgm:scene3d>
+    <dgm:sp3d extrusionH="381000" contourW="38100" prstMaterial="matte">
+      <a:contourClr>
+        <a:schemeClr val="lt1"/>
+      </a:contourClr>
+    </dgm:sp3d>
+    <dgm:txPr/>
+    <dgm:style>
+      <a:lnRef idx="0">
+        <a:scrgbClr r="0" g="0" b="0"/>
+      </a:lnRef>
+      <a:fillRef idx="1">
+        <a:scrgbClr r="0" g="0" b="0"/>
+      </a:fillRef>
+      <a:effectRef idx="0">
+        <a:scrgbClr r="0" g="0" b="0"/>
+      </a:effectRef>
+      <a:fontRef idx="minor">
+        <a:schemeClr val="tx1"/>
+      </a:fontRef>
+    </dgm:style>
+  </dgm:styleLbl>
+  <dgm:styleLbl name="alignNode1">
+    <dgm:scene3d>
+      <a:camera prst="orthographicFront"/>
+      <a:lightRig rig="threePt" dir="t"/>
+    </dgm:scene3d>
+    <dgm:sp3d extrusionH="381000" contourW="38100" prstMaterial="matte">
+      <a:contourClr>
+        <a:schemeClr val="lt1"/>
+      </a:contourClr>
+    </dgm:sp3d>
+    <dgm:txPr/>
+    <dgm:style>
+      <a:lnRef idx="1">
+        <a:scrgbClr r="0" g="0" b="0"/>
+      </a:lnRef>
+      <a:fillRef idx="1">
+        <a:scrgbClr r="0" g="0" b="0"/>
+      </a:fillRef>
+      <a:effectRef idx="0">
+        <a:scrgbClr r="0" g="0" b="0"/>
+      </a:effectRef>
+      <a:fontRef idx="minor">
+        <a:schemeClr val="lt1"/>
+      </a:fontRef>
+    </dgm:style>
+  </dgm:styleLbl>
+  <dgm:styleLbl name="node1">
+    <dgm:scene3d>
+      <a:camera prst="orthographicFront"/>
+      <a:lightRig rig="threePt" dir="t"/>
+    </dgm:scene3d>
+    <dgm:sp3d extrusionH="381000" contourW="38100" prstMaterial="matte">
+      <a:contourClr>
+        <a:schemeClr val="lt1"/>
+      </a:contourClr>
+    </dgm:sp3d>
+    <dgm:txPr/>
+    <dgm:style>
+      <a:lnRef idx="0">
+        <a:scrgbClr r="0" g="0" b="0"/>
+      </a:lnRef>
+      <a:fillRef idx="1">
+        <a:scrgbClr r="0" g="0" b="0"/>
+      </a:fillRef>
+      <a:effectRef idx="0">
+        <a:scrgbClr r="0" g="0" b="0"/>
+      </a:effectRef>
+      <a:fontRef idx="minor">
+        <a:schemeClr val="lt1"/>
+      </a:fontRef>
+    </dgm:style>
+  </dgm:styleLbl>
+  <dgm:styleLbl name="node2">
+    <dgm:scene3d>
+      <a:camera prst="orthographicFront"/>
+      <a:lightRig rig="threePt" dir="t"/>
+    </dgm:scene3d>
+    <dgm:sp3d extrusionH="381000" contourW="38100" prstMaterial="matte">
+      <a:contourClr>
+        <a:schemeClr val="lt1"/>
+      </a:contourClr>
+    </dgm:sp3d>
+    <dgm:txPr/>
+    <dgm:style>
+      <a:lnRef idx="0">
+        <a:scrgbClr r="0" g="0" b="0"/>
+      </a:lnRef>
+      <a:fillRef idx="1">
+        <a:scrgbClr r="0" g="0" b="0"/>
+      </a:fillRef>
+      <a:effectRef idx="0">
+        <a:scrgbClr r="0" g="0" b="0"/>
+      </a:effectRef>
+      <a:fontRef idx="minor">
+        <a:schemeClr val="lt1"/>
+      </a:fontRef>
+    </dgm:style>
+  </dgm:styleLbl>
+  <dgm:styleLbl name="node3">
+    <dgm:scene3d>
+      <a:camera prst="orthographicFront"/>
+      <a:lightRig rig="threePt" dir="t"/>
+    </dgm:scene3d>
+    <dgm:sp3d extrusionH="381000" contourW="38100" prstMaterial="matte">
+      <a:contourClr>
+        <a:schemeClr val="lt1"/>
+      </a:contourClr>
+    </dgm:sp3d>
+    <dgm:txPr/>
+    <dgm:style>
+      <a:lnRef idx="0">
+        <a:scrgbClr r="0" g="0" b="0"/>
+      </a:lnRef>
+      <a:fillRef idx="1">
+        <a:scrgbClr r="0" g="0" b="0"/>
+      </a:fillRef>
+      <a:effectRef idx="0">
+        <a:scrgbClr r="0" g="0" b="0"/>
+      </a:effectRef>
+      <a:fontRef idx="minor">
+        <a:schemeClr val="lt1"/>
+      </a:fontRef>
+    </dgm:style>
+  </dgm:styleLbl>
+  <dgm:styleLbl name="node4">
+    <dgm:scene3d>
+      <a:camera prst="orthographicFront"/>
+      <a:lightRig rig="threePt" dir="t"/>
+    </dgm:scene3d>
+    <dgm:sp3d extrusionH="381000" contourW="38100" prstMaterial="matte">
+      <a:contourClr>
+        <a:schemeClr val="lt1"/>
+      </a:contourClr>
+    </dgm:sp3d>
+    <dgm:txPr/>
+    <dgm:style>
+      <a:lnRef idx="0">
+        <a:scrgbClr r="0" g="0" b="0"/>
+      </a:lnRef>
+      <a:fillRef idx="1">
+        <a:scrgbClr r="0" g="0" b="0"/>
+      </a:fillRef>
+      <a:effectRef idx="0">
+        <a:scrgbClr r="0" g="0" b="0"/>
+      </a:effectRef>
+      <a:fontRef idx="minor">
+        <a:schemeClr val="lt1"/>
+      </a:fontRef>
+    </dgm:style>
+  </dgm:styleLbl>
+  <dgm:styleLbl name="fgImgPlace1">
+    <dgm:scene3d>
+      <a:camera prst="orthographicFront"/>
+      <a:lightRig rig="threePt" dir="t"/>
+    </dgm:scene3d>
+    <dgm:sp3d z="57150" extrusionH="63500" contourW="12700" prstMaterial="matte">
+      <a:contourClr>
+        <a:schemeClr val="lt1"/>
+      </a:contourClr>
+    </dgm:sp3d>
+    <dgm:txPr/>
+    <dgm:style>
+      <a:lnRef idx="0">
+        <a:scrgbClr r="0" g="0" b="0"/>
+      </a:lnRef>
+      <a:fillRef idx="1">
+        <a:scrgbClr r="0" g="0" b="0"/>
+      </a:fillRef>
+      <a:effectRef idx="0">
+        <a:scrgbClr r="0" g="0" b="0"/>
+      </a:effectRef>
+      <a:fontRef idx="minor"/>
+    </dgm:style>
+  </dgm:styleLbl>
+  <dgm:styleLbl name="alignImgPlace1">
+    <dgm:scene3d>
+      <a:camera prst="orthographicFront"/>
+      <a:lightRig rig="threePt" dir="t"/>
+    </dgm:scene3d>
+    <dgm:sp3d extrusionH="63500" contourW="12700" prstMaterial="matte">
+      <a:contourClr>
+        <a:schemeClr val="lt1"/>
+      </a:contourClr>
+    </dgm:sp3d>
+    <dgm:txPr/>
+    <dgm:style>
+      <a:lnRef idx="0">
+        <a:scrgbClr r="0" g="0" b="0"/>
+      </a:lnRef>
+      <a:fillRef idx="1">
+        <a:scrgbClr r="0" g="0" b="0"/>
+      </a:fillRef>
+      <a:effectRef idx="0">
+        <a:scrgbClr r="0" g="0" b="0"/>
+      </a:effectRef>
+      <a:fontRef idx="minor"/>
+    </dgm:style>
+  </dgm:styleLbl>
+  <dgm:styleLbl name="bgImgPlace1">
+    <dgm:scene3d>
+      <a:camera prst="orthographicFront"/>
+      <a:lightRig rig="threePt" dir="t"/>
+    </dgm:scene3d>
+    <dgm:sp3d z="-381000" extrusionH="63500" contourW="12700" prstMaterial="matte">
+      <a:contourClr>
+        <a:schemeClr val="lt1"/>
+      </a:contourClr>
+    </dgm:sp3d>
+    <dgm:txPr/>
+    <dgm:style>
+      <a:lnRef idx="0">
+        <a:scrgbClr r="0" g="0" b="0"/>
+      </a:lnRef>
+      <a:fillRef idx="1">
+        <a:scrgbClr r="0" g="0" b="0"/>
+      </a:fillRef>
+      <a:effectRef idx="0">
+        <a:scrgbClr r="0" g="0" b="0"/>
+      </a:effectRef>
+      <a:fontRef idx="minor"/>
+    </dgm:style>
+  </dgm:styleLbl>
+  <dgm:styleLbl name="sibTrans2D1">
+    <dgm:scene3d>
+      <a:camera prst="orthographicFront"/>
+      <a:lightRig rig="threePt" dir="t"/>
+    </dgm:scene3d>
+    <dgm:sp3d z="-52400" extrusionH="181000" contourW="38100" prstMaterial="matte">
+      <a:contourClr>
+        <a:schemeClr val="lt1"/>
+      </a:contourClr>
+    </dgm:sp3d>
+    <dgm:txPr/>
+    <dgm:style>
+      <a:lnRef idx="0">
+        <a:scrgbClr r="0" g="0" b="0"/>
+      </a:lnRef>
+      <a:fillRef idx="1">
+        <a:scrgbClr r="0" g="0" b="0"/>
+      </a:fillRef>
+      <a:effectRef idx="0">
+        <a:scrgbClr r="0" g="0" b="0"/>
+      </a:effectRef>
+      <a:fontRef idx="minor">
+        <a:schemeClr val="lt1"/>
+      </a:fontRef>
+    </dgm:style>
+  </dgm:styleLbl>
+  <dgm:styleLbl name="fgSibTrans2D1">
+    <dgm:scene3d>
+      <a:camera prst="orthographicFront"/>
+      <a:lightRig rig="threePt" dir="t"/>
+    </dgm:scene3d>
+    <dgm:sp3d z="57150" extrusionH="63500" contourW="12700" prstMaterial="matte">
+      <a:contourClr>
+        <a:schemeClr val="dk1">
+          <a:tint val="20000"/>
+        </a:schemeClr>
+      </a:contourClr>
+    </dgm:sp3d>
+    <dgm:txPr/>
+    <dgm:style>
+      <a:lnRef idx="0">
+        <a:scrgbClr r="0" g="0" b="0"/>
+      </a:lnRef>
+      <a:fillRef idx="1">
+        <a:scrgbClr r="0" g="0" b="0"/>
+      </a:fillRef>
+      <a:effectRef idx="0">
+        <a:scrgbClr r="0" g="0" b="0"/>
+      </a:effectRef>
+      <a:fontRef idx="minor">
+        <a:schemeClr val="lt1"/>
+      </a:fontRef>
+    </dgm:style>
+  </dgm:styleLbl>
+  <dgm:styleLbl name="bgSibTrans2D1">
+    <dgm:scene3d>
+      <a:camera prst="orthographicFront"/>
+      <a:lightRig rig="threePt" dir="t"/>
+    </dgm:scene3d>
+    <dgm:sp3d z="-381000" extrusionH="63500" contourW="12700" prstMaterial="matte">
+      <a:contourClr>
+        <a:schemeClr val="dk1">
+          <a:tint val="20000"/>
+        </a:schemeClr>
+      </a:contourClr>
+    </dgm:sp3d>
+    <dgm:txPr/>
+    <dgm:style>
+      <a:lnRef idx="0">
+        <a:scrgbClr r="0" g="0" b="0"/>
+      </a:lnRef>
+      <a:fillRef idx="1">
+        <a:scrgbClr r="0" g="0" b="0"/>
+      </a:fillRef>
+      <a:effectRef idx="0">
+        <a:scrgbClr r="0" g="0" b="0"/>
+      </a:effectRef>
+      <a:fontRef idx="minor">
+        <a:schemeClr val="lt1"/>
+      </a:fontRef>
+    </dgm:style>
+  </dgm:styleLbl>
+  <dgm:styleLbl name="sibTrans1D1">
+    <dgm:scene3d>
+      <a:camera prst="orthographicFront"/>
+      <a:lightRig rig="threePt" dir="t"/>
+    </dgm:scene3d>
+    <dgm:sp3d z="-40000" prstMaterial="matte"/>
+    <dgm:txPr/>
+    <dgm:style>
+      <a:lnRef idx="1">
+        <a:scrgbClr r="0" g="0" b="0"/>
+      </a:lnRef>
+      <a:fillRef idx="0">
+        <a:scrgbClr r="0" g="0" b="0"/>
+      </a:fillRef>
+      <a:effectRef idx="0">
+        <a:scrgbClr r="0" g="0" b="0"/>
+      </a:effectRef>
+      <a:fontRef idx="minor"/>
+    </dgm:style>
+  </dgm:styleLbl>
+  <dgm:styleLbl name="callout">
+    <dgm:scene3d>
+      <a:camera prst="orthographicFront"/>
+      <a:lightRig rig="threePt" dir="t"/>
+    </dgm:scene3d>
+    <dgm:sp3d z="127000" prstMaterial="matte"/>
+    <dgm:txPr/>
+    <dgm:style>
+      <a:lnRef idx="2">
+        <a:scrgbClr r="0" g="0" b="0"/>
+      </a:lnRef>
+      <a:fillRef idx="1">
+        <a:scrgbClr r="0" g="0" b="0"/>
+      </a:fillRef>
+      <a:effectRef idx="0">
+        <a:scrgbClr r="0" g="0" b="0"/>
+      </a:effectRef>
+      <a:fontRef idx="minor"/>
+    </dgm:style>
+  </dgm:styleLbl>
+  <dgm:styleLbl name="asst0">
+    <dgm:scene3d>
+      <a:camera prst="orthographicFront"/>
+      <a:lightRig rig="threePt" dir="t"/>
+    </dgm:scene3d>
+    <dgm:sp3d extrusionH="381000" contourW="38100" prstMaterial="matte">
+      <a:contourClr>
+        <a:schemeClr val="lt1"/>
+      </a:contourClr>
+    </dgm:sp3d>
+    <dgm:txPr/>
+    <dgm:style>
+      <a:lnRef idx="0">
+        <a:scrgbClr r="0" g="0" b="0"/>
+      </a:lnRef>
+      <a:fillRef idx="1">
+        <a:scrgbClr r="0" g="0" b="0"/>
+      </a:fillRef>
+      <a:effectRef idx="0">
+        <a:scrgbClr r="0" g="0" b="0"/>
+      </a:effectRef>
+      <a:fontRef idx="minor">
+        <a:schemeClr val="lt1"/>
+      </a:fontRef>
+    </dgm:style>
+  </dgm:styleLbl>
+  <dgm:styleLbl name="asst1">
+    <dgm:scene3d>
+      <a:camera prst="orthographicFront"/>
+      <a:lightRig rig="threePt" dir="t"/>
+    </dgm:scene3d>
+    <dgm:sp3d extrusionH="381000" contourW="38100" prstMaterial="matte">
+      <a:contourClr>
+        <a:schemeClr val="lt1"/>
+      </a:contourClr>
+    </dgm:sp3d>
+    <dgm:txPr/>
+    <dgm:style>
+      <a:lnRef idx="0">
+        <a:scrgbClr r="0" g="0" b="0"/>
+      </a:lnRef>
+      <a:fillRef idx="1">
+        <a:scrgbClr r="0" g="0" b="0"/>
+      </a:fillRef>
+      <a:effectRef idx="0">
+        <a:scrgbClr r="0" g="0" b="0"/>
+      </a:effectRef>
+      <a:fontRef idx="minor">
+        <a:schemeClr val="lt1"/>
+      </a:fontRef>
+    </dgm:style>
+  </dgm:styleLbl>
+  <dgm:styleLbl name="asst2">
+    <dgm:scene3d>
+      <a:camera prst="orthographicFront"/>
+      <a:lightRig rig="threePt" dir="t"/>
+    </dgm:scene3d>
+    <dgm:sp3d extrusionH="381000" contourW="38100" prstMaterial="matte">
+      <a:contourClr>
+        <a:schemeClr val="lt1"/>
+      </a:contourClr>
+    </dgm:sp3d>
+    <dgm:txPr/>
+    <dgm:style>
+      <a:lnRef idx="0">
+        <a:scrgbClr r="0" g="0" b="0"/>
+      </a:lnRef>
+      <a:fillRef idx="1">
+        <a:scrgbClr r="0" g="0" b="0"/>
+      </a:fillRef>
+      <a:effectRef idx="0">
+        <a:scrgbClr r="0" g="0" b="0"/>
+      </a:effectRef>
+      <a:fontRef idx="minor">
+        <a:schemeClr val="lt1"/>
+      </a:fontRef>
+    </dgm:style>
+  </dgm:styleLbl>
+  <dgm:styleLbl name="asst3">
+    <dgm:scene3d>
+      <a:camera prst="orthographicFront"/>
+      <a:lightRig rig="threePt" dir="t"/>
+    </dgm:scene3d>
+    <dgm:sp3d extrusionH="381000" contourW="38100" prstMaterial="matte">
+      <a:contourClr>
+        <a:schemeClr val="lt1"/>
+      </a:contourClr>
+    </dgm:sp3d>
+    <dgm:txPr/>
+    <dgm:style>
+      <a:lnRef idx="0">
+        <a:scrgbClr r="0" g="0" b="0"/>
+      </a:lnRef>
+      <a:fillRef idx="1">
+        <a:scrgbClr r="0" g="0" b="0"/>
+      </a:fillRef>
+      <a:effectRef idx="0">
+        <a:scrgbClr r="0" g="0" b="0"/>
+      </a:effectRef>
+      <a:fontRef idx="minor">
+        <a:schemeClr val="lt1"/>
+      </a:fontRef>
+    </dgm:style>
+  </dgm:styleLbl>
+  <dgm:styleLbl name="parChTrans2D1">
+    <dgm:scene3d>
+      <a:camera prst="orthographicFront"/>
+      <a:lightRig rig="threePt" dir="t"/>
+    </dgm:scene3d>
+    <dgm:sp3d z="52400" extrusionH="381000" contourW="38100" prstMaterial="matte">
+      <a:contourClr>
+        <a:schemeClr val="lt1"/>
+      </a:contourClr>
+    </dgm:sp3d>
+    <dgm:txPr/>
+    <dgm:style>
+      <a:lnRef idx="0">
+        <a:scrgbClr r="0" g="0" b="0"/>
+      </a:lnRef>
+      <a:fillRef idx="1">
+        <a:scrgbClr r="0" g="0" b="0"/>
+      </a:fillRef>
+      <a:effectRef idx="0">
+        <a:scrgbClr r="0" g="0" b="0"/>
+      </a:effectRef>
+      <a:fontRef idx="minor">
+        <a:schemeClr val="lt1"/>
+      </a:fontRef>
+    </dgm:style>
+  </dgm:styleLbl>
+  <dgm:styleLbl name="parChTrans2D2">
+    <dgm:scene3d>
+      <a:camera prst="orthographicFront"/>
+      <a:lightRig rig="threePt" dir="t"/>
+    </dgm:scene3d>
+    <dgm:sp3d z="52400" extrusionH="381000" contourW="38100" prstMaterial="matte">
+      <a:contourClr>
+        <a:schemeClr val="lt1"/>
+      </a:contourClr>
+    </dgm:sp3d>
+    <dgm:txPr/>
+    <dgm:style>
+      <a:lnRef idx="0">
+        <a:scrgbClr r="0" g="0" b="0"/>
+      </a:lnRef>
+      <a:fillRef idx="1">
+        <a:scrgbClr r="0" g="0" b="0"/>
+      </a:fillRef>
+      <a:effectRef idx="0">
+        <a:scrgbClr r="0" g="0" b="0"/>
+      </a:effectRef>
+      <a:fontRef idx="minor">
+        <a:schemeClr val="lt1"/>
+      </a:fontRef>
+    </dgm:style>
+  </dgm:styleLbl>
+  <dgm:styleLbl name="parChTrans2D3">
+    <dgm:scene3d>
+      <a:camera prst="orthographicFront"/>
+      <a:lightRig rig="threePt" dir="t"/>
+    </dgm:scene3d>
+    <dgm:sp3d z="60000" prstMaterial="flat">
+      <a:bevelT w="120900" h="88900"/>
+      <a:bevelB w="88900" h="31750" prst="angle"/>
+    </dgm:sp3d>
+    <dgm:txPr/>
+    <dgm:style>
+      <a:lnRef idx="0">
+        <a:scrgbClr r="0" g="0" b="0"/>
+      </a:lnRef>
+      <a:fillRef idx="3">
+        <a:scrgbClr r="0" g="0" b="0"/>
+      </a:fillRef>
+      <a:effectRef idx="1">
+        <a:scrgbClr r="0" g="0" b="0"/>
+      </a:effectRef>
+      <a:fontRef idx="minor">
+        <a:schemeClr val="lt1"/>
+      </a:fontRef>
+    </dgm:style>
+  </dgm:styleLbl>
+  <dgm:styleLbl name="parChTrans2D4">
+    <dgm:scene3d>
+      <a:camera prst="orthographicFront"/>
+      <a:lightRig rig="threePt" dir="t"/>
+    </dgm:scene3d>
+    <dgm:sp3d z="60000" prstMaterial="flat">
+      <a:bevelT w="120900" h="88900"/>
+      <a:bevelB w="88900" h="31750" prst="angle"/>
+    </dgm:sp3d>
+    <dgm:txPr/>
+    <dgm:style>
+      <a:lnRef idx="0">
+        <a:scrgbClr r="0" g="0" b="0"/>
+      </a:lnRef>
+      <a:fillRef idx="3">
+        <a:scrgbClr r="0" g="0" b="0"/>
+      </a:fillRef>
+      <a:effectRef idx="1">
+        <a:scrgbClr r="0" g="0" b="0"/>
+      </a:effectRef>
+      <a:fontRef idx="minor">
+        <a:schemeClr val="lt1"/>
+      </a:fontRef>
+    </dgm:style>
+  </dgm:styleLbl>
+  <dgm:styleLbl name="parChTrans1D1">
+    <dgm:scene3d>
+      <a:camera prst="orthographicFront"/>
+      <a:lightRig rig="threePt" dir="t"/>
+    </dgm:scene3d>
+    <dgm:sp3d z="-40000" prstMaterial="matte"/>
+    <dgm:txPr/>
+    <dgm:style>
+      <a:lnRef idx="2">
+        <a:scrgbClr r="0" g="0" b="0"/>
+      </a:lnRef>
+      <a:fillRef idx="0">
+        <a:scrgbClr r="0" g="0" b="0"/>
+      </a:fillRef>
+      <a:effectRef idx="0">
+        <a:scrgbClr r="0" g="0" b="0"/>
+      </a:effectRef>
+      <a:fontRef idx="minor"/>
+    </dgm:style>
+  </dgm:styleLbl>
+  <dgm:styleLbl name="parChTrans1D2">
+    <dgm:scene3d>
+      <a:camera prst="orthographicFront"/>
+      <a:lightRig rig="threePt" dir="t"/>
+    </dgm:scene3d>
+    <dgm:sp3d z="-40000" prstMaterial="matte"/>
+    <dgm:txPr/>
+    <dgm:style>
+      <a:lnRef idx="2">
+        <a:scrgbClr r="0" g="0" b="0"/>
+      </a:lnRef>
+      <a:fillRef idx="0">
+        <a:scrgbClr r="0" g="0" b="0"/>
+      </a:fillRef>
+      <a:effectRef idx="0">
+        <a:scrgbClr r="0" g="0" b="0"/>
+      </a:effectRef>
+      <a:fontRef idx="minor"/>
+    </dgm:style>
+  </dgm:styleLbl>
+  <dgm:styleLbl name="parChTrans1D3">
+    <dgm:scene3d>
+      <a:camera prst="orthographicFront"/>
+      <a:lightRig rig="threePt" dir="t"/>
+    </dgm:scene3d>
+    <dgm:sp3d z="-40000" prstMaterial="matte"/>
+    <dgm:txPr/>
+    <dgm:style>
+      <a:lnRef idx="2">
+        <a:scrgbClr r="0" g="0" b="0"/>
+      </a:lnRef>
+      <a:fillRef idx="0">
+        <a:scrgbClr r="0" g="0" b="0"/>
+      </a:fillRef>
+      <a:effectRef idx="0">
+        <a:scrgbClr r="0" g="0" b="0"/>
+      </a:effectRef>
+      <a:fontRef idx="minor"/>
+    </dgm:style>
+  </dgm:styleLbl>
+  <dgm:styleLbl name="parChTrans1D4">
+    <dgm:scene3d>
+      <a:camera prst="orthographicFront"/>
+      <a:lightRig rig="threePt" dir="t"/>
+    </dgm:scene3d>
+    <dgm:sp3d z="-40000" prstMaterial="matte"/>
+    <dgm:txPr/>
+    <dgm:style>
+      <a:lnRef idx="2">
+        <a:scrgbClr r="0" g="0" b="0"/>
+      </a:lnRef>
+      <a:fillRef idx="0">
+        <a:scrgbClr r="0" g="0" b="0"/>
+      </a:fillRef>
+      <a:effectRef idx="0">
+        <a:scrgbClr r="0" g="0" b="0"/>
+      </a:effectRef>
+      <a:fontRef idx="minor"/>
+    </dgm:style>
+  </dgm:styleLbl>
+  <dgm:styleLbl name="fgAcc1">
+    <dgm:scene3d>
+      <a:camera prst="orthographicFront"/>
+      <a:lightRig rig="threePt" dir="t"/>
+    </dgm:scene3d>
+    <dgm:sp3d z="57150" extrusionH="63500" prstMaterial="matte"/>
+    <dgm:txPr/>
+    <dgm:style>
+      <a:lnRef idx="1">
+        <a:scrgbClr r="0" g="0" b="0"/>
+      </a:lnRef>
+      <a:fillRef idx="1">
+        <a:scrgbClr r="0" g="0" b="0"/>
+      </a:fillRef>
+      <a:effectRef idx="0">
+        <a:scrgbClr r="0" g="0" b="0"/>
+      </a:effectRef>
+      <a:fontRef idx="minor"/>
+    </dgm:style>
+  </dgm:styleLbl>
+  <dgm:styleLbl name="conFgAcc1">
+    <dgm:scene3d>
+      <a:camera prst="orthographicFront"/>
+      <a:lightRig rig="threePt" dir="t"/>
+    </dgm:scene3d>
+    <dgm:sp3d z="-60000" extrusionH="63500" prstMaterial="matte"/>
+    <dgm:txPr/>
+    <dgm:style>
+      <a:lnRef idx="1">
+        <a:scrgbClr r="0" g="0" b="0"/>
+      </a:lnRef>
+      <a:fillRef idx="1">
+        <a:scrgbClr r="0" g="0" b="0"/>
+      </a:fillRef>
+      <a:effectRef idx="0">
+        <a:scrgbClr r="0" g="0" b="0"/>
+      </a:effectRef>
+      <a:fontRef idx="minor"/>
+    </dgm:style>
+  </dgm:styleLbl>
+  <dgm:styleLbl name="alignAcc1">
+    <dgm:scene3d>
+      <a:camera prst="orthographicFront"/>
+      <a:lightRig rig="threePt" dir="t"/>
+    </dgm:scene3d>
+    <dgm:sp3d z="-60000" extrusionH="63500" prstMaterial="matte"/>
+    <dgm:txPr/>
+    <dgm:style>
+      <a:lnRef idx="1">
+        <a:scrgbClr r="0" g="0" b="0"/>
+      </a:lnRef>
+      <a:fillRef idx="1">
+        <a:scrgbClr r="0" g="0" b="0"/>
+      </a:fillRef>
+      <a:effectRef idx="0">
+        <a:scrgbClr r="0" g="0" b="0"/>
+      </a:effectRef>
+      <a:fontRef idx="minor"/>
+    </dgm:style>
+  </dgm:styleLbl>
+  <dgm:styleLbl name="trAlignAcc1">
+    <dgm:scene3d>
+      <a:camera prst="orthographicFront"/>
+      <a:lightRig rig="threePt" dir="t"/>
+    </dgm:scene3d>
+    <dgm:sp3d extrusionH="381000" prstMaterial="matte"/>
+    <dgm:txPr/>
+    <dgm:style>
+      <a:lnRef idx="1">
+        <a:scrgbClr r="0" g="0" b="0"/>
+      </a:lnRef>
+      <a:fillRef idx="1">
+        <a:scrgbClr r="0" g="0" b="0"/>
+      </a:fillRef>
+      <a:effectRef idx="0">
+        <a:scrgbClr r="0" g="0" b="0"/>
+      </a:effectRef>
+      <a:fontRef idx="minor"/>
+    </dgm:style>
+  </dgm:styleLbl>
+  <dgm:styleLbl name="bgAcc1">
+    <dgm:scene3d>
+      <a:camera prst="orthographicFront"/>
+      <a:lightRig rig="threePt" dir="t"/>
+    </dgm:scene3d>
+    <dgm:sp3d z="-400500" extrusionH="63500" prstMaterial="matte"/>
+    <dgm:txPr/>
+    <dgm:style>
+      <a:lnRef idx="1">
+        <a:scrgbClr r="0" g="0" b="0"/>
+      </a:lnRef>
+      <a:fillRef idx="1">
+        <a:scrgbClr r="0" g="0" b="0"/>
+      </a:fillRef>
+      <a:effectRef idx="0">
+        <a:scrgbClr r="0" g="0" b="0"/>
+      </a:effectRef>
+      <a:fontRef idx="minor"/>
+    </dgm:style>
+  </dgm:styleLbl>
+  <dgm:styleLbl name="solidFgAcc1">
+    <dgm:scene3d>
+      <a:camera prst="orthographicFront"/>
+      <a:lightRig rig="threePt" dir="t"/>
+    </dgm:scene3d>
+    <dgm:sp3d z="57150" extrusionH="12700" prstMaterial="flat">
+      <a:bevelT w="50800" h="50800"/>
+    </dgm:sp3d>
+    <dgm:txPr/>
+    <dgm:style>
+      <a:lnRef idx="1">
+        <a:scrgbClr r="0" g="0" b="0"/>
+      </a:lnRef>
+      <a:fillRef idx="1">
+        <a:scrgbClr r="0" g="0" b="0"/>
+      </a:fillRef>
+      <a:effectRef idx="2">
+        <a:scrgbClr r="0" g="0" b="0"/>
+      </a:effectRef>
+      <a:fontRef idx="minor"/>
+    </dgm:style>
+  </dgm:styleLbl>
+  <dgm:styleLbl name="solidAlignAcc1">
+    <dgm:scene3d>
+      <a:camera prst="orthographicFront"/>
+      <a:lightRig rig="threePt" dir="t"/>
+    </dgm:scene3d>
+    <dgm:sp3d extrusionH="12700" prstMaterial="flat">
+      <a:bevelT w="50800" h="50800"/>
+    </dgm:sp3d>
+    <dgm:txPr/>
+    <dgm:style>
+      <a:lnRef idx="1">
+        <a:scrgbClr r="0" g="0" b="0"/>
+      </a:lnRef>
+      <a:fillRef idx="1">
+        <a:scrgbClr r="0" g="0" b="0"/>
+      </a:fillRef>
+      <a:effectRef idx="2">
+        <a:scrgbClr r="0" g="0" b="0"/>
+      </a:effectRef>
+      <a:fontRef idx="minor"/>
+    </dgm:style>
+  </dgm:styleLbl>
+  <dgm:styleLbl name="solidBgAcc1">
+    <dgm:scene3d>
+      <a:camera prst="orthographicFront"/>
+      <a:lightRig rig="threePt" dir="t"/>
+    </dgm:scene3d>
+    <dgm:sp3d z="-63500" extrusionH="63500" prstMaterial="matte"/>
+    <dgm:txPr/>
+    <dgm:style>
+      <a:lnRef idx="1">
+        <a:scrgbClr r="0" g="0" b="0"/>
+      </a:lnRef>
+      <a:fillRef idx="1">
+        <a:scrgbClr r="0" g="0" b="0"/>
+      </a:fillRef>
+      <a:effectRef idx="0">
+        <a:scrgbClr r="0" g="0" b="0"/>
+      </a:effectRef>
+      <a:fontRef idx="minor"/>
+    </dgm:style>
+  </dgm:styleLbl>
+  <dgm:styleLbl name="fgAccFollowNode1">
+    <dgm:scene3d>
+      <a:camera prst="orthographicFront"/>
+      <a:lightRig rig="threePt" dir="t"/>
+    </dgm:scene3d>
+    <dgm:sp3d z="57150" extrusionH="63500" contourW="12700" prstMaterial="matte">
+      <a:contourClr>
+        <a:schemeClr val="dk1">
+          <a:tint val="20000"/>
+        </a:schemeClr>
+      </a:contourClr>
+    </dgm:sp3d>
+    <dgm:txPr/>
+    <dgm:style>
+      <a:lnRef idx="0">
+        <a:scrgbClr r="0" g="0" b="0"/>
+      </a:lnRef>
+      <a:fillRef idx="1">
+        <a:scrgbClr r="0" g="0" b="0"/>
+      </a:fillRef>
+      <a:effectRef idx="0">
+        <a:scrgbClr r="0" g="0" b="0"/>
+      </a:effectRef>
+      <a:fontRef idx="minor"/>
+    </dgm:style>
+  </dgm:styleLbl>
+  <dgm:styleLbl name="alignAccFollowNode1">
+    <dgm:scene3d>
+      <a:camera prst="orthographicFront"/>
+      <a:lightRig rig="threePt" dir="t"/>
+    </dgm:scene3d>
+    <dgm:sp3d extrusionH="381000" contourW="38100" prstMaterial="matte">
+      <a:contourClr>
+        <a:schemeClr val="lt1"/>
+      </a:contourClr>
+    </dgm:sp3d>
+    <dgm:txPr/>
+    <dgm:style>
+      <a:lnRef idx="0">
+        <a:scrgbClr r="0" g="0" b="0"/>
+      </a:lnRef>
+      <a:fillRef idx="1">
+        <a:scrgbClr r="0" g="0" b="0"/>
+      </a:fillRef>
+      <a:effectRef idx="0">
+        <a:scrgbClr r="0" g="0" b="0"/>
+      </a:effectRef>
+      <a:fontRef idx="minor"/>
+    </dgm:style>
+  </dgm:styleLbl>
+  <dgm:styleLbl name="bgAccFollowNode1">
+    <dgm:scene3d>
+      <a:camera prst="orthographicFront"/>
+      <a:lightRig rig="threePt" dir="t"/>
+    </dgm:scene3d>
+    <dgm:sp3d z="-400500" extrusionH="63500" contourW="12700" prstMaterial="matte">
+      <a:contourClr>
+        <a:schemeClr val="lt1"/>
+      </a:contourClr>
+    </dgm:sp3d>
+    <dgm:txPr/>
+    <dgm:style>
+      <a:lnRef idx="0">
+        <a:scrgbClr r="0" g="0" b="0"/>
+      </a:lnRef>
+      <a:fillRef idx="1">
+        <a:scrgbClr r="0" g="0" b="0"/>
+      </a:fillRef>
+      <a:effectRef idx="2">
+        <a:scrgbClr r="0" g="0" b="0"/>
+      </a:effectRef>
+      <a:fontRef idx="minor"/>
+    </dgm:style>
+  </dgm:styleLbl>
+  <dgm:styleLbl name="fgAcc0">
+    <dgm:scene3d>
+      <a:camera prst="orthographicFront"/>
+      <a:lightRig rig="threePt" dir="t"/>
+    </dgm:scene3d>
+    <dgm:sp3d z="57150" extrusionH="63500" prstMaterial="matte"/>
+    <dgm:txPr/>
+    <dgm:style>
+      <a:lnRef idx="1">
+        <a:scrgbClr r="0" g="0" b="0"/>
+      </a:lnRef>
+      <a:fillRef idx="1">
+        <a:scrgbClr r="0" g="0" b="0"/>
+      </a:fillRef>
+      <a:effectRef idx="0">
+        <a:scrgbClr r="0" g="0" b="0"/>
+      </a:effectRef>
+      <a:fontRef idx="minor"/>
+    </dgm:style>
+  </dgm:styleLbl>
+  <dgm:styleLbl name="fgAcc2">
+    <dgm:scene3d>
+      <a:camera prst="orthographicFront"/>
+      <a:lightRig rig="threePt" dir="t"/>
+    </dgm:scene3d>
+    <dgm:sp3d z="57150" extrusionH="63500" prstMaterial="matte"/>
+    <dgm:txPr/>
+    <dgm:style>
+      <a:lnRef idx="1">
+        <a:scrgbClr r="0" g="0" b="0"/>
+      </a:lnRef>
+      <a:fillRef idx="1">
+        <a:scrgbClr r="0" g="0" b="0"/>
+      </a:fillRef>
+      <a:effectRef idx="0">
+        <a:scrgbClr r="0" g="0" b="0"/>
+      </a:effectRef>
+      <a:fontRef idx="minor"/>
+    </dgm:style>
+  </dgm:styleLbl>
+  <dgm:styleLbl name="fgAcc3">
+    <dgm:scene3d>
+      <a:camera prst="orthographicFront"/>
+      <a:lightRig rig="threePt" dir="t"/>
+    </dgm:scene3d>
+    <dgm:sp3d z="57150" extrusionH="63500" prstMaterial="matte"/>
+    <dgm:txPr/>
+    <dgm:style>
+      <a:lnRef idx="1">
+        <a:scrgbClr r="0" g="0" b="0"/>
+      </a:lnRef>
+      <a:fillRef idx="1">
+        <a:scrgbClr r="0" g="0" b="0"/>
+      </a:fillRef>
+      <a:effectRef idx="0">
+        <a:scrgbClr r="0" g="0" b="0"/>
+      </a:effectRef>
+      <a:fontRef idx="minor"/>
+    </dgm:style>
+  </dgm:styleLbl>
+  <dgm:styleLbl name="fgAcc4">
+    <dgm:scene3d>
+      <a:camera prst="orthographicFront"/>
+      <a:lightRig rig="threePt" dir="t"/>
+    </dgm:scene3d>
+    <dgm:sp3d z="57150" extrusionH="63500" prstMaterial="matte"/>
+    <dgm:txPr/>
+    <dgm:style>
+      <a:lnRef idx="1">
+        <a:scrgbClr r="0" g="0" b="0"/>
+      </a:lnRef>
+      <a:fillRef idx="1">
+        <a:scrgbClr r="0" g="0" b="0"/>
+      </a:fillRef>
+      <a:effectRef idx="0">
+        <a:scrgbClr r="0" g="0" b="0"/>
+      </a:effectRef>
+      <a:fontRef idx="minor"/>
+    </dgm:style>
+  </dgm:styleLbl>
+  <dgm:styleLbl name="bgShp">
+    <dgm:scene3d>
+      <a:camera prst="orthographicFront"/>
+      <a:lightRig rig="threePt" dir="t"/>
+    </dgm:scene3d>
+    <dgm:sp3d z="-400500" extrusionH="63500" contourW="12700" prstMaterial="matte">
+      <a:contourClr>
+        <a:schemeClr val="lt1">
+          <a:tint val="50000"/>
+        </a:schemeClr>
+      </a:contourClr>
+    </dgm:sp3d>
+    <dgm:txPr/>
+    <dgm:style>
+      <a:lnRef idx="0">
+        <a:scrgbClr r="0" g="0" b="0"/>
+      </a:lnRef>
+      <a:fillRef idx="1">
+        <a:scrgbClr r="0" g="0" b="0"/>
+      </a:fillRef>
+      <a:effectRef idx="0">
+        <a:scrgbClr r="0" g="0" b="0"/>
+      </a:effectRef>
+      <a:fontRef idx="minor"/>
+    </dgm:style>
+  </dgm:styleLbl>
+  <dgm:styleLbl name="dkBgShp">
+    <dgm:scene3d>
+      <a:camera prst="orthographicFront"/>
+      <a:lightRig rig="threePt" dir="t"/>
+    </dgm:scene3d>
+    <dgm:sp3d extrusionH="381000" contourW="38100" prstMaterial="matte">
+      <a:contourClr>
+        <a:schemeClr val="lt1"/>
+      </a:contourClr>
+    </dgm:sp3d>
+    <dgm:txPr/>
+    <dgm:style>
+      <a:lnRef idx="0">
+        <a:scrgbClr r="0" g="0" b="0"/>
+      </a:lnRef>
+      <a:fillRef idx="1">
+        <a:scrgbClr r="0" g="0" b="0"/>
+      </a:fillRef>
+      <a:effectRef idx="0">
+        <a:scrgbClr r="0" g="0" b="0"/>
+      </a:effectRef>
+      <a:fontRef idx="minor">
+        <a:schemeClr val="lt1"/>
+      </a:fontRef>
+    </dgm:style>
+  </dgm:styleLbl>
+  <dgm:styleLbl name="trBgShp">
+    <dgm:scene3d>
+      <a:camera prst="orthographicFront"/>
+      <a:lightRig rig="threePt" dir="t"/>
+    </dgm:scene3d>
+    <dgm:sp3d z="-400500" prstMaterial="matte"/>
+    <dgm:txPr/>
+    <dgm:style>
+      <a:lnRef idx="0">
+        <a:scrgbClr r="0" g="0" b="0"/>
+      </a:lnRef>
+      <a:fillRef idx="1">
+        <a:scrgbClr r="0" g="0" b="0"/>
+      </a:fillRef>
+      <a:effectRef idx="0">
+        <a:scrgbClr r="0" g="0" b="0"/>
+      </a:effectRef>
+      <a:fontRef idx="minor"/>
+    </dgm:style>
+  </dgm:styleLbl>
+  <dgm:styleLbl name="fgShp">
+    <dgm:scene3d>
+      <a:camera prst="orthographicFront"/>
+      <a:lightRig rig="threePt" dir="t"/>
+    </dgm:scene3d>
+    <dgm:sp3d z="57150" extrusionH="63500" contourW="12700" prstMaterial="matte">
+      <a:contourClr>
+        <a:schemeClr val="lt1">
+          <a:tint val="50000"/>
+        </a:schemeClr>
+      </a:contourClr>
+    </dgm:sp3d>
+    <dgm:txPr/>
+    <dgm:style>
+      <a:lnRef idx="0">
+        <a:scrgbClr r="0" g="0" b="0"/>
+      </a:lnRef>
+      <a:fillRef idx="1">
+        <a:scrgbClr r="0" g="0" b="0"/>
+      </a:fillRef>
+      <a:effectRef idx="0">
+        <a:scrgbClr r="0" g="0" b="0"/>
+      </a:effectRef>
+      <a:fontRef idx="minor"/>
+    </dgm:style>
+  </dgm:styleLbl>
+  <dgm:styleLbl name="revTx">
+    <dgm:scene3d>
+      <a:camera prst="orthographicFront"/>
+      <a:lightRig rig="threePt" dir="t"/>
+    </dgm:scene3d>
+    <dgm:sp3d/>
+    <dgm:txPr/>
+    <dgm:style>
+      <a:lnRef idx="0">
+        <a:scrgbClr r="0" g="0" b="0"/>
+      </a:lnRef>
+      <a:fillRef idx="0">
+        <a:scrgbClr r="0" g="0" b="0"/>
+      </a:fillRef>
+      <a:effectRef idx="0">
+        <a:scrgbClr r="0" g="0" b="0"/>
+      </a:effectRef>
+      <a:fontRef idx="minor"/>
+    </dgm:style>
+  </dgm:styleLbl>
+</dgm:styleDef>
 </file>
 
 <file path=ppt/slideLayouts/slideLayout1.xml><?xml version="1.0" encoding="utf-8"?>
@@ -200,8 +3354,9 @@
                 <a:schemeClr val="tx2"/>
               </a:gs>
               <a:gs pos="100000">
-                <a:schemeClr val="tx2">
-                  <a:lumMod val="50000"/>
+                <a:schemeClr val="bg2">
+                  <a:lumMod val="60000"/>
+                  <a:lumOff val="40000"/>
                 </a:schemeClr>
               </a:gs>
             </a:gsLst>
@@ -4458,7 +7613,7 @@
     </p:spTree>
     <p:extLst>
       <p:ext uri="{BB962C8B-B14F-4D97-AF65-F5344CB8AC3E}">
-        <p14:creationId xmlns:p14="http://schemas.microsoft.com/office/powerpoint/2010/main" val="2559730092"/>
+        <p14:creationId xmlns:p14="http://schemas.microsoft.com/office/powerpoint/2010/main" val="1412732216"/>
       </p:ext>
     </p:extLst>
   </p:cSld>
@@ -4715,7 +7870,7 @@
     </p:spTree>
     <p:extLst>
       <p:ext uri="{BB962C8B-B14F-4D97-AF65-F5344CB8AC3E}">
-        <p14:creationId xmlns:p14="http://schemas.microsoft.com/office/powerpoint/2010/main" val="584081609"/>
+        <p14:creationId xmlns:p14="http://schemas.microsoft.com/office/powerpoint/2010/main" val="2093797121"/>
       </p:ext>
     </p:extLst>
   </p:cSld>
@@ -4912,7 +8067,7 @@
     </p:spTree>
     <p:extLst>
       <p:ext uri="{BB962C8B-B14F-4D97-AF65-F5344CB8AC3E}">
-        <p14:creationId xmlns:p14="http://schemas.microsoft.com/office/powerpoint/2010/main" val="2568954901"/>
+        <p14:creationId xmlns:p14="http://schemas.microsoft.com/office/powerpoint/2010/main" val="4101760640"/>
       </p:ext>
     </p:extLst>
   </p:cSld>
@@ -5414,7 +8569,7 @@
     </p:spTree>
     <p:extLst>
       <p:ext uri="{BB962C8B-B14F-4D97-AF65-F5344CB8AC3E}">
-        <p14:creationId xmlns:p14="http://schemas.microsoft.com/office/powerpoint/2010/main" val="2468829119"/>
+        <p14:creationId xmlns:p14="http://schemas.microsoft.com/office/powerpoint/2010/main" val="3268578599"/>
       </p:ext>
     </p:extLst>
   </p:cSld>
@@ -5611,7 +8766,7 @@
     </p:spTree>
     <p:extLst>
       <p:ext uri="{BB962C8B-B14F-4D97-AF65-F5344CB8AC3E}">
-        <p14:creationId xmlns:p14="http://schemas.microsoft.com/office/powerpoint/2010/main" val="632248581"/>
+        <p14:creationId xmlns:p14="http://schemas.microsoft.com/office/powerpoint/2010/main" val="2271955610"/>
       </p:ext>
     </p:extLst>
   </p:cSld>
@@ -6158,7 +9313,7 @@
     </p:spTree>
     <p:extLst>
       <p:ext uri="{BB962C8B-B14F-4D97-AF65-F5344CB8AC3E}">
-        <p14:creationId xmlns:p14="http://schemas.microsoft.com/office/powerpoint/2010/main" val="1079998883"/>
+        <p14:creationId xmlns:p14="http://schemas.microsoft.com/office/powerpoint/2010/main" val="2511750940"/>
       </p:ext>
     </p:extLst>
   </p:cSld>
@@ -6879,7 +10034,7 @@
     </p:spTree>
     <p:extLst>
       <p:ext uri="{BB962C8B-B14F-4D97-AF65-F5344CB8AC3E}">
-        <p14:creationId xmlns:p14="http://schemas.microsoft.com/office/powerpoint/2010/main" val="988912107"/>
+        <p14:creationId xmlns:p14="http://schemas.microsoft.com/office/powerpoint/2010/main" val="3309545507"/>
       </p:ext>
     </p:extLst>
   </p:cSld>
@@ -7050,7 +10205,7 @@
     </p:spTree>
     <p:extLst>
       <p:ext uri="{BB962C8B-B14F-4D97-AF65-F5344CB8AC3E}">
-        <p14:creationId xmlns:p14="http://schemas.microsoft.com/office/powerpoint/2010/main" val="2710982619"/>
+        <p14:creationId xmlns:p14="http://schemas.microsoft.com/office/powerpoint/2010/main" val="537533881"/>
       </p:ext>
     </p:extLst>
   </p:cSld>
@@ -7231,7 +10386,7 @@
     </p:spTree>
     <p:extLst>
       <p:ext uri="{BB962C8B-B14F-4D97-AF65-F5344CB8AC3E}">
-        <p14:creationId xmlns:p14="http://schemas.microsoft.com/office/powerpoint/2010/main" val="330601766"/>
+        <p14:creationId xmlns:p14="http://schemas.microsoft.com/office/powerpoint/2010/main" val="1193128259"/>
       </p:ext>
     </p:extLst>
   </p:cSld>
@@ -7402,7 +10557,7 @@
     </p:spTree>
     <p:extLst>
       <p:ext uri="{BB962C8B-B14F-4D97-AF65-F5344CB8AC3E}">
-        <p14:creationId xmlns:p14="http://schemas.microsoft.com/office/powerpoint/2010/main" val="1719298906"/>
+        <p14:creationId xmlns:p14="http://schemas.microsoft.com/office/powerpoint/2010/main" val="2982679538"/>
       </p:ext>
     </p:extLst>
   </p:cSld>
@@ -7653,7 +10808,7 @@
     </p:spTree>
     <p:extLst>
       <p:ext uri="{BB962C8B-B14F-4D97-AF65-F5344CB8AC3E}">
-        <p14:creationId xmlns:p14="http://schemas.microsoft.com/office/powerpoint/2010/main" val="1379802191"/>
+        <p14:creationId xmlns:p14="http://schemas.microsoft.com/office/powerpoint/2010/main" val="3445161503"/>
       </p:ext>
     </p:extLst>
   </p:cSld>
@@ -7885,7 +11040,7 @@
     </p:spTree>
     <p:extLst>
       <p:ext uri="{BB962C8B-B14F-4D97-AF65-F5344CB8AC3E}">
-        <p14:creationId xmlns:p14="http://schemas.microsoft.com/office/powerpoint/2010/main" val="3072613639"/>
+        <p14:creationId xmlns:p14="http://schemas.microsoft.com/office/powerpoint/2010/main" val="1681559029"/>
       </p:ext>
     </p:extLst>
   </p:cSld>
@@ -8267,7 +11422,7 @@
     </p:spTree>
     <p:extLst>
       <p:ext uri="{BB962C8B-B14F-4D97-AF65-F5344CB8AC3E}">
-        <p14:creationId xmlns:p14="http://schemas.microsoft.com/office/powerpoint/2010/main" val="4026199319"/>
+        <p14:creationId xmlns:p14="http://schemas.microsoft.com/office/powerpoint/2010/main" val="475946362"/>
       </p:ext>
     </p:extLst>
   </p:cSld>
@@ -8386,7 +11541,7 @@
     </p:spTree>
     <p:extLst>
       <p:ext uri="{BB962C8B-B14F-4D97-AF65-F5344CB8AC3E}">
-        <p14:creationId xmlns:p14="http://schemas.microsoft.com/office/powerpoint/2010/main" val="3071142532"/>
+        <p14:creationId xmlns:p14="http://schemas.microsoft.com/office/powerpoint/2010/main" val="1704330072"/>
       </p:ext>
     </p:extLst>
   </p:cSld>
@@ -8481,7 +11636,7 @@
     </p:spTree>
     <p:extLst>
       <p:ext uri="{BB962C8B-B14F-4D97-AF65-F5344CB8AC3E}">
-        <p14:creationId xmlns:p14="http://schemas.microsoft.com/office/powerpoint/2010/main" val="3787609622"/>
+        <p14:creationId xmlns:p14="http://schemas.microsoft.com/office/powerpoint/2010/main" val="3764256042"/>
       </p:ext>
     </p:extLst>
   </p:cSld>
@@ -8730,7 +11885,7 @@
     </p:spTree>
     <p:extLst>
       <p:ext uri="{BB962C8B-B14F-4D97-AF65-F5344CB8AC3E}">
-        <p14:creationId xmlns:p14="http://schemas.microsoft.com/office/powerpoint/2010/main" val="3761359424"/>
+        <p14:creationId xmlns:p14="http://schemas.microsoft.com/office/powerpoint/2010/main" val="2173069642"/>
       </p:ext>
     </p:extLst>
   </p:cSld>
@@ -9011,7 +12166,7 @@
     </p:spTree>
     <p:extLst>
       <p:ext uri="{BB962C8B-B14F-4D97-AF65-F5344CB8AC3E}">
-        <p14:creationId xmlns:p14="http://schemas.microsoft.com/office/powerpoint/2010/main" val="3931804387"/>
+        <p14:creationId xmlns:p14="http://schemas.microsoft.com/office/powerpoint/2010/main" val="2863632155"/>
       </p:ext>
     </p:extLst>
   </p:cSld>
@@ -9106,20 +12261,6 @@
             <a:chOff x="-14288" y="0"/>
             <a:chExt cx="12053888" cy="6858001"/>
           </a:xfrm>
-          <a:gradFill flip="none" rotWithShape="1">
-            <a:gsLst>
-              <a:gs pos="0">
-                <a:schemeClr val="tx2"/>
-              </a:gs>
-              <a:gs pos="100000">
-                <a:schemeClr val="tx2">
-                  <a:lumMod val="50000"/>
-                </a:schemeClr>
-              </a:gs>
-            </a:gsLst>
-            <a:lin ang="5400000" scaled="0"/>
-            <a:tileRect/>
-          </a:gradFill>
         </p:grpSpPr>
         <p:grpSp>
           <p:nvGrpSpPr>
@@ -9134,7 +12275,21 @@
               <a:chOff x="-14288" y="0"/>
               <a:chExt cx="1220788" cy="6858001"/>
             </a:xfrm>
-            <a:grpFill/>
+            <a:gradFill flip="none" rotWithShape="1">
+              <a:gsLst>
+                <a:gs pos="0">
+                  <a:schemeClr val="tx2"/>
+                </a:gs>
+                <a:gs pos="100000">
+                  <a:schemeClr val="bg2">
+                    <a:lumMod val="60000"/>
+                    <a:lumOff val="40000"/>
+                  </a:schemeClr>
+                </a:gs>
+              </a:gsLst>
+              <a:lin ang="5400000" scaled="0"/>
+              <a:tileRect/>
+            </a:gradFill>
           </p:grpSpPr>
           <p:sp>
             <p:nvSpPr>
@@ -11123,7 +14278,24 @@
               <a:chOff x="11364912" y="0"/>
               <a:chExt cx="674688" cy="6848476"/>
             </a:xfrm>
-            <a:grpFill/>
+            <a:gradFill flip="none" rotWithShape="1">
+              <a:gsLst>
+                <a:gs pos="0">
+                  <a:schemeClr val="tx2">
+                    <a:alpha val="80000"/>
+                  </a:schemeClr>
+                </a:gs>
+                <a:gs pos="100000">
+                  <a:schemeClr val="bg2">
+                    <a:lumMod val="60000"/>
+                    <a:lumOff val="40000"/>
+                    <a:alpha val="60000"/>
+                  </a:schemeClr>
+                </a:gs>
+              </a:gsLst>
+              <a:lin ang="5400000" scaled="0"/>
+              <a:tileRect/>
+            </a:gradFill>
           </p:grpSpPr>
           <p:sp>
             <p:nvSpPr>
@@ -12115,29 +15287,29 @@
     </p:spTree>
     <p:extLst>
       <p:ext uri="{BB962C8B-B14F-4D97-AF65-F5344CB8AC3E}">
-        <p14:creationId xmlns:p14="http://schemas.microsoft.com/office/powerpoint/2010/main" val="1665651935"/>
+        <p14:creationId xmlns:p14="http://schemas.microsoft.com/office/powerpoint/2010/main" val="1892815779"/>
       </p:ext>
     </p:extLst>
   </p:cSld>
   <p:clrMap bg1="dk1" tx1="lt1" bg2="dk2" tx2="lt2" accent1="accent1" accent2="accent2" accent3="accent3" accent4="accent4" accent5="accent5" accent6="accent6" hlink="hlink" folHlink="folHlink"/>
   <p:sldLayoutIdLst>
-    <p:sldLayoutId id="2147484003" r:id="rId1"/>
-    <p:sldLayoutId id="2147484004" r:id="rId2"/>
-    <p:sldLayoutId id="2147484005" r:id="rId3"/>
-    <p:sldLayoutId id="2147484006" r:id="rId4"/>
-    <p:sldLayoutId id="2147484007" r:id="rId5"/>
-    <p:sldLayoutId id="2147484008" r:id="rId6"/>
-    <p:sldLayoutId id="2147484009" r:id="rId7"/>
-    <p:sldLayoutId id="2147484010" r:id="rId8"/>
-    <p:sldLayoutId id="2147484011" r:id="rId9"/>
-    <p:sldLayoutId id="2147484012" r:id="rId10"/>
-    <p:sldLayoutId id="2147484013" r:id="rId11"/>
-    <p:sldLayoutId id="2147484014" r:id="rId12"/>
-    <p:sldLayoutId id="2147484015" r:id="rId13"/>
-    <p:sldLayoutId id="2147484016" r:id="rId14"/>
-    <p:sldLayoutId id="2147484017" r:id="rId15"/>
-    <p:sldLayoutId id="2147484018" r:id="rId16"/>
-    <p:sldLayoutId id="2147484019" r:id="rId17"/>
+    <p:sldLayoutId id="2147484284" r:id="rId1"/>
+    <p:sldLayoutId id="2147484285" r:id="rId2"/>
+    <p:sldLayoutId id="2147484286" r:id="rId3"/>
+    <p:sldLayoutId id="2147484287" r:id="rId4"/>
+    <p:sldLayoutId id="2147484288" r:id="rId5"/>
+    <p:sldLayoutId id="2147484289" r:id="rId6"/>
+    <p:sldLayoutId id="2147484290" r:id="rId7"/>
+    <p:sldLayoutId id="2147484291" r:id="rId8"/>
+    <p:sldLayoutId id="2147484292" r:id="rId9"/>
+    <p:sldLayoutId id="2147484293" r:id="rId10"/>
+    <p:sldLayoutId id="2147484294" r:id="rId11"/>
+    <p:sldLayoutId id="2147484295" r:id="rId12"/>
+    <p:sldLayoutId id="2147484296" r:id="rId13"/>
+    <p:sldLayoutId id="2147484297" r:id="rId14"/>
+    <p:sldLayoutId id="2147484298" r:id="rId15"/>
+    <p:sldLayoutId id="2147484299" r:id="rId16"/>
+    <p:sldLayoutId id="2147484300" r:id="rId17"/>
   </p:sldLayoutIdLst>
   <p:hf sldNum="0" hdr="0" ftr="0" dt="0"/>
   <p:txStyles>
@@ -12154,6 +15326,13 @@
           <a:solidFill>
             <a:schemeClr val="tx1"/>
           </a:solidFill>
+          <a:effectLst>
+            <a:outerShdw blurRad="177800" dist="38100" dir="2700000" algn="tl">
+              <a:srgbClr val="000000">
+                <a:alpha val="24000"/>
+              </a:srgbClr>
+            </a:outerShdw>
+          </a:effectLst>
           <a:latin typeface="+mj-lt"/>
           <a:ea typeface="+mj-ea"/>
           <a:cs typeface="+mj-cs"/>
@@ -12175,6 +15354,13 @@
           <a:solidFill>
             <a:schemeClr val="tx1"/>
           </a:solidFill>
+          <a:effectLst>
+            <a:outerShdw blurRad="152400" dist="38100" dir="2700000" algn="tl">
+              <a:srgbClr val="000000">
+                <a:alpha val="36000"/>
+              </a:srgbClr>
+            </a:outerShdw>
+          </a:effectLst>
           <a:latin typeface="+mn-lt"/>
           <a:ea typeface="+mn-ea"/>
           <a:cs typeface="+mn-cs"/>
@@ -12194,6 +15380,13 @@
           <a:solidFill>
             <a:schemeClr val="tx1"/>
           </a:solidFill>
+          <a:effectLst>
+            <a:outerShdw blurRad="152400" dist="38100" dir="2700000" algn="tl">
+              <a:srgbClr val="000000">
+                <a:alpha val="36000"/>
+              </a:srgbClr>
+            </a:outerShdw>
+          </a:effectLst>
           <a:latin typeface="+mn-lt"/>
           <a:ea typeface="+mn-ea"/>
           <a:cs typeface="+mn-cs"/>
@@ -12213,6 +15406,13 @@
           <a:solidFill>
             <a:schemeClr val="tx1"/>
           </a:solidFill>
+          <a:effectLst>
+            <a:outerShdw blurRad="152400" dist="38100" dir="2700000" algn="tl">
+              <a:srgbClr val="000000">
+                <a:alpha val="36000"/>
+              </a:srgbClr>
+            </a:outerShdw>
+          </a:effectLst>
           <a:latin typeface="+mn-lt"/>
           <a:ea typeface="+mn-ea"/>
           <a:cs typeface="+mn-cs"/>
@@ -12232,6 +15432,13 @@
           <a:solidFill>
             <a:schemeClr val="tx1"/>
           </a:solidFill>
+          <a:effectLst>
+            <a:outerShdw blurRad="152400" dist="38100" dir="2700000" algn="tl">
+              <a:srgbClr val="000000">
+                <a:alpha val="36000"/>
+              </a:srgbClr>
+            </a:outerShdw>
+          </a:effectLst>
           <a:latin typeface="+mn-lt"/>
           <a:ea typeface="+mn-ea"/>
           <a:cs typeface="+mn-cs"/>
@@ -12251,6 +15458,13 @@
           <a:solidFill>
             <a:schemeClr val="tx1"/>
           </a:solidFill>
+          <a:effectLst>
+            <a:outerShdw blurRad="152400" dist="38100" dir="2700000" algn="tl">
+              <a:srgbClr val="000000">
+                <a:alpha val="36000"/>
+              </a:srgbClr>
+            </a:outerShdw>
+          </a:effectLst>
           <a:latin typeface="+mn-lt"/>
           <a:ea typeface="+mn-ea"/>
           <a:cs typeface="+mn-cs"/>
@@ -12500,7 +15714,12 @@
             <p:ph type="subTitle" idx="1"/>
           </p:nvPr>
         </p:nvSpPr>
-        <p:spPr/>
+        <p:spPr>
+          <a:xfrm>
+            <a:off x="2521257" y="4358280"/>
+            <a:ext cx="7459355" cy="1463622"/>
+          </a:xfrm>
+        </p:spPr>
         <p:txBody>
           <a:bodyPr>
             <a:normAutofit/>
@@ -12508,18 +15727,72 @@
           <a:lstStyle/>
           <a:p>
             <a:r>
+              <a:rPr lang="en-US" cap="none" dirty="0"/>
+              <a:t>Matt Eland</a:t>
+            </a:r>
+          </a:p>
+          <a:p>
+            <a:r>
+              <a:rPr lang="en-US" cap="none" dirty="0"/>
+              <a:t>@</a:t>
+            </a:r>
+            <a:r>
+              <a:rPr lang="en-US" cap="none" dirty="0" err="1"/>
+              <a:t>IntegerMan</a:t>
+            </a:r>
+            <a:r>
+              <a:rPr lang="en-US" cap="none" dirty="0"/>
+              <a:t>				</a:t>
+            </a:r>
+          </a:p>
+          <a:p>
+            <a:r>
+              <a:rPr lang="en-US" cap="none" dirty="0">
+                <a:hlinkClick r:id="rId2"/>
+              </a:rPr>
+              <a:t>https://www.Linkedin.com/in/MattEland/</a:t>
+            </a:r>
+            <a:endParaRPr lang="en-US" cap="none" dirty="0"/>
+          </a:p>
+        </p:txBody>
+      </p:sp>
+      <p:sp>
+        <p:nvSpPr>
+          <p:cNvPr id="4" name="Rectangle 3">
+            <a:extLst>
+              <a:ext uri="{FF2B5EF4-FFF2-40B4-BE49-F238E27FC236}">
+                <a16:creationId xmlns:a16="http://schemas.microsoft.com/office/drawing/2014/main" id="{54110E3B-4FD8-4749-BD31-721EB2085088}"/>
+              </a:ext>
+            </a:extLst>
+          </p:cNvPr>
+          <p:cNvSpPr/>
+          <p:nvPr/>
+        </p:nvSpPr>
+        <p:spPr>
+          <a:xfrm>
+            <a:off x="2057400" y="6134785"/>
+            <a:ext cx="9991725" cy="369332"/>
+          </a:xfrm>
+          <a:prstGeom prst="rect">
+            <a:avLst/>
+          </a:prstGeom>
+        </p:spPr>
+        <p:txBody>
+          <a:bodyPr wrap="square">
+            <a:spAutoFit/>
+          </a:bodyPr>
+          <a:lstStyle/>
+          <a:p>
+            <a:pPr lvl="1"/>
+            <a:r>
               <a:rPr lang="en-US" dirty="0"/>
-              <a:t>Matt Eland</a:t>
-            </a:r>
-          </a:p>
-          <a:p>
-            <a:r>
-              <a:rPr lang="en-US" dirty="0"/>
-              <a:t>@</a:t>
-            </a:r>
-            <a:r>
-              <a:rPr lang="en-US" dirty="0" err="1"/>
-              <a:t>IntegerMan</a:t>
+              <a:t>Slides and code available at: </a:t>
+            </a:r>
+            <a:r>
+              <a:rPr lang="en-US" dirty="0">
+                <a:hlinkClick r:id="rId3"/>
+              </a:rPr>
+              <a:t>https://GitHub.com/IntegerMan/SoftwareQualityTalk/</a:t>
             </a:r>
             <a:endParaRPr lang="en-US" dirty="0"/>
           </a:p>
@@ -12529,6 +15802,1046 @@
     <p:extLst>
       <p:ext uri="{BB962C8B-B14F-4D97-AF65-F5344CB8AC3E}">
         <p14:creationId xmlns:p14="http://schemas.microsoft.com/office/powerpoint/2010/main" val="3541975810"/>
+      </p:ext>
+    </p:extLst>
+  </p:cSld>
+  <p:clrMapOvr>
+    <a:masterClrMapping/>
+  </p:clrMapOvr>
+</p:sld>
+</file>
+
+<file path=ppt/slides/slide10.xml><?xml version="1.0" encoding="utf-8"?>
+<p:sld xmlns:a="http://schemas.openxmlformats.org/drawingml/2006/main" xmlns:r="http://schemas.openxmlformats.org/officeDocument/2006/relationships" xmlns:p="http://schemas.openxmlformats.org/presentationml/2006/main">
+  <p:cSld>
+    <p:spTree>
+      <p:nvGrpSpPr>
+        <p:cNvPr id="1" name=""/>
+        <p:cNvGrpSpPr/>
+        <p:nvPr/>
+      </p:nvGrpSpPr>
+      <p:grpSpPr>
+        <a:xfrm>
+          <a:off x="0" y="0"/>
+          <a:ext cx="0" cy="0"/>
+          <a:chOff x="0" y="0"/>
+          <a:chExt cx="0" cy="0"/>
+        </a:xfrm>
+      </p:grpSpPr>
+      <p:sp>
+        <p:nvSpPr>
+          <p:cNvPr id="4" name="Title 3">
+            <a:extLst>
+              <a:ext uri="{FF2B5EF4-FFF2-40B4-BE49-F238E27FC236}">
+                <a16:creationId xmlns:a16="http://schemas.microsoft.com/office/drawing/2014/main" id="{EE13D860-9205-48B1-B675-4421397C217F}"/>
+              </a:ext>
+            </a:extLst>
+          </p:cNvPr>
+          <p:cNvSpPr>
+            <a:spLocks noGrp="1"/>
+          </p:cNvSpPr>
+          <p:nvPr>
+            <p:ph type="title"/>
+          </p:nvPr>
+        </p:nvSpPr>
+        <p:spPr/>
+        <p:txBody>
+          <a:bodyPr/>
+          <a:lstStyle/>
+          <a:p>
+            <a:r>
+              <a:rPr lang="en-US" cap="none" dirty="0"/>
+              <a:t>Arrange / Act / Assert</a:t>
+            </a:r>
+          </a:p>
+        </p:txBody>
+      </p:sp>
+      <p:sp>
+        <p:nvSpPr>
+          <p:cNvPr id="5" name="Content Placeholder 4">
+            <a:extLst>
+              <a:ext uri="{FF2B5EF4-FFF2-40B4-BE49-F238E27FC236}">
+                <a16:creationId xmlns:a16="http://schemas.microsoft.com/office/drawing/2014/main" id="{BF24FDFA-3F46-41F2-9499-79EDCEF806BD}"/>
+              </a:ext>
+            </a:extLst>
+          </p:cNvPr>
+          <p:cNvSpPr>
+            <a:spLocks noGrp="1"/>
+          </p:cNvSpPr>
+          <p:nvPr>
+            <p:ph idx="1"/>
+          </p:nvPr>
+        </p:nvSpPr>
+        <p:spPr/>
+        <p:txBody>
+          <a:bodyPr/>
+          <a:lstStyle/>
+          <a:p>
+            <a:endParaRPr lang="en-US"/>
+          </a:p>
+        </p:txBody>
+      </p:sp>
+    </p:spTree>
+    <p:extLst>
+      <p:ext uri="{BB962C8B-B14F-4D97-AF65-F5344CB8AC3E}">
+        <p14:creationId xmlns:p14="http://schemas.microsoft.com/office/powerpoint/2010/main" val="1912492996"/>
+      </p:ext>
+    </p:extLst>
+  </p:cSld>
+  <p:clrMapOvr>
+    <a:masterClrMapping/>
+  </p:clrMapOvr>
+</p:sld>
+</file>
+
+<file path=ppt/slides/slide11.xml><?xml version="1.0" encoding="utf-8"?>
+<p:sld xmlns:a="http://schemas.openxmlformats.org/drawingml/2006/main" xmlns:r="http://schemas.openxmlformats.org/officeDocument/2006/relationships" xmlns:p="http://schemas.openxmlformats.org/presentationml/2006/main">
+  <p:cSld>
+    <p:spTree>
+      <p:nvGrpSpPr>
+        <p:cNvPr id="1" name=""/>
+        <p:cNvGrpSpPr/>
+        <p:nvPr/>
+      </p:nvGrpSpPr>
+      <p:grpSpPr>
+        <a:xfrm>
+          <a:off x="0" y="0"/>
+          <a:ext cx="0" cy="0"/>
+          <a:chOff x="0" y="0"/>
+          <a:chExt cx="0" cy="0"/>
+        </a:xfrm>
+      </p:grpSpPr>
+      <p:sp>
+        <p:nvSpPr>
+          <p:cNvPr id="4" name="Title 3">
+            <a:extLst>
+              <a:ext uri="{FF2B5EF4-FFF2-40B4-BE49-F238E27FC236}">
+                <a16:creationId xmlns:a16="http://schemas.microsoft.com/office/drawing/2014/main" id="{EE13D860-9205-48B1-B675-4421397C217F}"/>
+              </a:ext>
+            </a:extLst>
+          </p:cNvPr>
+          <p:cNvSpPr>
+            <a:spLocks noGrp="1"/>
+          </p:cNvSpPr>
+          <p:nvPr>
+            <p:ph type="title"/>
+          </p:nvPr>
+        </p:nvSpPr>
+        <p:spPr/>
+        <p:txBody>
+          <a:bodyPr/>
+          <a:lstStyle/>
+          <a:p>
+            <a:r>
+              <a:rPr lang="en-US" cap="none" dirty="0"/>
+              <a:t>Test Driven Development (TDD)</a:t>
+            </a:r>
+          </a:p>
+        </p:txBody>
+      </p:sp>
+      <p:sp>
+        <p:nvSpPr>
+          <p:cNvPr id="5" name="Content Placeholder 4">
+            <a:extLst>
+              <a:ext uri="{FF2B5EF4-FFF2-40B4-BE49-F238E27FC236}">
+                <a16:creationId xmlns:a16="http://schemas.microsoft.com/office/drawing/2014/main" id="{BF24FDFA-3F46-41F2-9499-79EDCEF806BD}"/>
+              </a:ext>
+            </a:extLst>
+          </p:cNvPr>
+          <p:cNvSpPr>
+            <a:spLocks noGrp="1"/>
+          </p:cNvSpPr>
+          <p:nvPr>
+            <p:ph idx="1"/>
+          </p:nvPr>
+        </p:nvSpPr>
+        <p:spPr/>
+        <p:txBody>
+          <a:bodyPr/>
+          <a:lstStyle/>
+          <a:p>
+            <a:endParaRPr lang="en-US"/>
+          </a:p>
+        </p:txBody>
+      </p:sp>
+    </p:spTree>
+    <p:extLst>
+      <p:ext uri="{BB962C8B-B14F-4D97-AF65-F5344CB8AC3E}">
+        <p14:creationId xmlns:p14="http://schemas.microsoft.com/office/powerpoint/2010/main" val="892835675"/>
+      </p:ext>
+    </p:extLst>
+  </p:cSld>
+  <p:clrMapOvr>
+    <a:masterClrMapping/>
+  </p:clrMapOvr>
+</p:sld>
+</file>
+
+<file path=ppt/slides/slide12.xml><?xml version="1.0" encoding="utf-8"?>
+<p:sld xmlns:a="http://schemas.openxmlformats.org/drawingml/2006/main" xmlns:r="http://schemas.openxmlformats.org/officeDocument/2006/relationships" xmlns:p="http://schemas.openxmlformats.org/presentationml/2006/main">
+  <p:cSld>
+    <p:spTree>
+      <p:nvGrpSpPr>
+        <p:cNvPr id="1" name=""/>
+        <p:cNvGrpSpPr/>
+        <p:nvPr/>
+      </p:nvGrpSpPr>
+      <p:grpSpPr>
+        <a:xfrm>
+          <a:off x="0" y="0"/>
+          <a:ext cx="0" cy="0"/>
+          <a:chOff x="0" y="0"/>
+          <a:chExt cx="0" cy="0"/>
+        </a:xfrm>
+      </p:grpSpPr>
+      <p:sp>
+        <p:nvSpPr>
+          <p:cNvPr id="4" name="Title 3">
+            <a:extLst>
+              <a:ext uri="{FF2B5EF4-FFF2-40B4-BE49-F238E27FC236}">
+                <a16:creationId xmlns:a16="http://schemas.microsoft.com/office/drawing/2014/main" id="{EE13D860-9205-48B1-B675-4421397C217F}"/>
+              </a:ext>
+            </a:extLst>
+          </p:cNvPr>
+          <p:cNvSpPr>
+            <a:spLocks noGrp="1"/>
+          </p:cNvSpPr>
+          <p:nvPr>
+            <p:ph type="title"/>
+          </p:nvPr>
+        </p:nvSpPr>
+        <p:spPr/>
+        <p:txBody>
+          <a:bodyPr/>
+          <a:lstStyle/>
+          <a:p>
+            <a:r>
+              <a:rPr lang="en-US" cap="none" dirty="0"/>
+              <a:t>Unit Testing Frameworks</a:t>
+            </a:r>
+          </a:p>
+        </p:txBody>
+      </p:sp>
+      <p:sp>
+        <p:nvSpPr>
+          <p:cNvPr id="5" name="Content Placeholder 4">
+            <a:extLst>
+              <a:ext uri="{FF2B5EF4-FFF2-40B4-BE49-F238E27FC236}">
+                <a16:creationId xmlns:a16="http://schemas.microsoft.com/office/drawing/2014/main" id="{BF24FDFA-3F46-41F2-9499-79EDCEF806BD}"/>
+              </a:ext>
+            </a:extLst>
+          </p:cNvPr>
+          <p:cNvSpPr>
+            <a:spLocks noGrp="1"/>
+          </p:cNvSpPr>
+          <p:nvPr>
+            <p:ph idx="1"/>
+          </p:nvPr>
+        </p:nvSpPr>
+        <p:spPr>
+          <a:xfrm>
+            <a:off x="1451579" y="2006854"/>
+            <a:ext cx="9291215" cy="3450613"/>
+          </a:xfrm>
+        </p:spPr>
+        <p:txBody>
+          <a:bodyPr>
+            <a:normAutofit fontScale="85000" lnSpcReduction="10000"/>
+          </a:bodyPr>
+          <a:lstStyle/>
+          <a:p>
+            <a:r>
+              <a:rPr lang="en-US" dirty="0" err="1"/>
+              <a:t>MSTest</a:t>
+            </a:r>
+            <a:endParaRPr lang="en-US" dirty="0"/>
+          </a:p>
+          <a:p>
+            <a:pPr lvl="1"/>
+            <a:r>
+              <a:rPr lang="en-US" dirty="0"/>
+              <a:t>Built into Visual Studio</a:t>
+            </a:r>
+          </a:p>
+          <a:p>
+            <a:pPr lvl="1"/>
+            <a:r>
+              <a:rPr lang="en-US" dirty="0" err="1"/>
+              <a:t>TestMethod</a:t>
+            </a:r>
+            <a:endParaRPr lang="en-US" dirty="0"/>
+          </a:p>
+          <a:p>
+            <a:r>
+              <a:rPr lang="en-US" dirty="0" err="1"/>
+              <a:t>NUnit</a:t>
+            </a:r>
+            <a:endParaRPr lang="en-US" dirty="0"/>
+          </a:p>
+          <a:p>
+            <a:pPr lvl="1"/>
+            <a:r>
+              <a:rPr lang="en-US" dirty="0"/>
+              <a:t>My preference when working with .NET Framework</a:t>
+            </a:r>
+          </a:p>
+          <a:p>
+            <a:pPr lvl="1"/>
+            <a:r>
+              <a:rPr lang="en-US" dirty="0"/>
+              <a:t>Test / </a:t>
+            </a:r>
+            <a:r>
+              <a:rPr lang="en-US" dirty="0" err="1"/>
+              <a:t>TestCase</a:t>
+            </a:r>
+            <a:endParaRPr lang="en-US" dirty="0"/>
+          </a:p>
+          <a:p>
+            <a:r>
+              <a:rPr lang="en-US" dirty="0" err="1"/>
+              <a:t>XUnit</a:t>
+            </a:r>
+            <a:endParaRPr lang="en-US" dirty="0"/>
+          </a:p>
+          <a:p>
+            <a:pPr lvl="1"/>
+            <a:r>
+              <a:rPr lang="en-US" dirty="0"/>
+              <a:t>My preference when working with .NET Core</a:t>
+            </a:r>
+          </a:p>
+          <a:p>
+            <a:pPr lvl="1"/>
+            <a:r>
+              <a:rPr lang="en-US" dirty="0"/>
+              <a:t>Fact / Theory</a:t>
+            </a:r>
+          </a:p>
+        </p:txBody>
+      </p:sp>
+      <p:sp>
+        <p:nvSpPr>
+          <p:cNvPr id="2" name="Rectangle 1">
+            <a:extLst>
+              <a:ext uri="{FF2B5EF4-FFF2-40B4-BE49-F238E27FC236}">
+                <a16:creationId xmlns:a16="http://schemas.microsoft.com/office/drawing/2014/main" id="{206CF0FB-C594-455A-A82C-58442A109D90}"/>
+              </a:ext>
+            </a:extLst>
+          </p:cNvPr>
+          <p:cNvSpPr/>
+          <p:nvPr/>
+        </p:nvSpPr>
+        <p:spPr>
+          <a:xfrm>
+            <a:off x="1451578" y="6382847"/>
+            <a:ext cx="10407629" cy="369332"/>
+          </a:xfrm>
+          <a:prstGeom prst="rect">
+            <a:avLst/>
+          </a:prstGeom>
+        </p:spPr>
+        <p:txBody>
+          <a:bodyPr wrap="square">
+            <a:spAutoFit/>
+          </a:bodyPr>
+          <a:lstStyle/>
+          <a:p>
+            <a:r>
+              <a:rPr lang="en-US" dirty="0"/>
+              <a:t>See </a:t>
+            </a:r>
+            <a:r>
+              <a:rPr lang="en-US" dirty="0">
+                <a:hlinkClick r:id="rId2"/>
+              </a:rPr>
+              <a:t>https://raygun.com/blog/unit-testing-frameworks-c/</a:t>
+            </a:r>
+            <a:r>
+              <a:rPr lang="en-US" dirty="0"/>
+              <a:t> for detailed analysis of different frameworks</a:t>
+            </a:r>
+          </a:p>
+        </p:txBody>
+      </p:sp>
+    </p:spTree>
+    <p:extLst>
+      <p:ext uri="{BB962C8B-B14F-4D97-AF65-F5344CB8AC3E}">
+        <p14:creationId xmlns:p14="http://schemas.microsoft.com/office/powerpoint/2010/main" val="2934131360"/>
+      </p:ext>
+    </p:extLst>
+  </p:cSld>
+  <p:clrMapOvr>
+    <a:masterClrMapping/>
+  </p:clrMapOvr>
+</p:sld>
+</file>
+
+<file path=ppt/slides/slide13.xml><?xml version="1.0" encoding="utf-8"?>
+<p:sld xmlns:a="http://schemas.openxmlformats.org/drawingml/2006/main" xmlns:r="http://schemas.openxmlformats.org/officeDocument/2006/relationships" xmlns:p="http://schemas.openxmlformats.org/presentationml/2006/main">
+  <p:cSld>
+    <p:spTree>
+      <p:nvGrpSpPr>
+        <p:cNvPr id="1" name=""/>
+        <p:cNvGrpSpPr/>
+        <p:nvPr/>
+      </p:nvGrpSpPr>
+      <p:grpSpPr>
+        <a:xfrm>
+          <a:off x="0" y="0"/>
+          <a:ext cx="0" cy="0"/>
+          <a:chOff x="0" y="0"/>
+          <a:chExt cx="0" cy="0"/>
+        </a:xfrm>
+      </p:grpSpPr>
+      <p:sp>
+        <p:nvSpPr>
+          <p:cNvPr id="4" name="Title 3">
+            <a:extLst>
+              <a:ext uri="{FF2B5EF4-FFF2-40B4-BE49-F238E27FC236}">
+                <a16:creationId xmlns:a16="http://schemas.microsoft.com/office/drawing/2014/main" id="{EE13D860-9205-48B1-B675-4421397C217F}"/>
+              </a:ext>
+            </a:extLst>
+          </p:cNvPr>
+          <p:cNvSpPr>
+            <a:spLocks noGrp="1"/>
+          </p:cNvSpPr>
+          <p:nvPr>
+            <p:ph type="title"/>
+          </p:nvPr>
+        </p:nvSpPr>
+        <p:spPr/>
+        <p:txBody>
+          <a:bodyPr/>
+          <a:lstStyle/>
+          <a:p>
+            <a:r>
+              <a:rPr lang="en-US" cap="none" dirty="0"/>
+              <a:t>Parameterized Unit Tests</a:t>
+            </a:r>
+          </a:p>
+        </p:txBody>
+      </p:sp>
+      <p:sp>
+        <p:nvSpPr>
+          <p:cNvPr id="5" name="Content Placeholder 4">
+            <a:extLst>
+              <a:ext uri="{FF2B5EF4-FFF2-40B4-BE49-F238E27FC236}">
+                <a16:creationId xmlns:a16="http://schemas.microsoft.com/office/drawing/2014/main" id="{BF24FDFA-3F46-41F2-9499-79EDCEF806BD}"/>
+              </a:ext>
+            </a:extLst>
+          </p:cNvPr>
+          <p:cNvSpPr>
+            <a:spLocks noGrp="1"/>
+          </p:cNvSpPr>
+          <p:nvPr>
+            <p:ph idx="1"/>
+          </p:nvPr>
+        </p:nvSpPr>
+        <p:spPr/>
+        <p:txBody>
+          <a:bodyPr/>
+          <a:lstStyle/>
+          <a:p>
+            <a:endParaRPr lang="en-US"/>
+          </a:p>
+        </p:txBody>
+      </p:sp>
+    </p:spTree>
+    <p:extLst>
+      <p:ext uri="{BB962C8B-B14F-4D97-AF65-F5344CB8AC3E}">
+        <p14:creationId xmlns:p14="http://schemas.microsoft.com/office/powerpoint/2010/main" val="3604370173"/>
+      </p:ext>
+    </p:extLst>
+  </p:cSld>
+  <p:clrMapOvr>
+    <a:masterClrMapping/>
+  </p:clrMapOvr>
+</p:sld>
+</file>
+
+<file path=ppt/slides/slide14.xml><?xml version="1.0" encoding="utf-8"?>
+<p:sld xmlns:a="http://schemas.openxmlformats.org/drawingml/2006/main" xmlns:r="http://schemas.openxmlformats.org/officeDocument/2006/relationships" xmlns:p="http://schemas.openxmlformats.org/presentationml/2006/main">
+  <p:cSld>
+    <p:spTree>
+      <p:nvGrpSpPr>
+        <p:cNvPr id="1" name=""/>
+        <p:cNvGrpSpPr/>
+        <p:nvPr/>
+      </p:nvGrpSpPr>
+      <p:grpSpPr>
+        <a:xfrm>
+          <a:off x="0" y="0"/>
+          <a:ext cx="0" cy="0"/>
+          <a:chOff x="0" y="0"/>
+          <a:chExt cx="0" cy="0"/>
+        </a:xfrm>
+      </p:grpSpPr>
+      <p:sp>
+        <p:nvSpPr>
+          <p:cNvPr id="4" name="Title 3">
+            <a:extLst>
+              <a:ext uri="{FF2B5EF4-FFF2-40B4-BE49-F238E27FC236}">
+                <a16:creationId xmlns:a16="http://schemas.microsoft.com/office/drawing/2014/main" id="{EE13D860-9205-48B1-B675-4421397C217F}"/>
+              </a:ext>
+            </a:extLst>
+          </p:cNvPr>
+          <p:cNvSpPr>
+            <a:spLocks noGrp="1"/>
+          </p:cNvSpPr>
+          <p:nvPr>
+            <p:ph type="title"/>
+          </p:nvPr>
+        </p:nvSpPr>
+        <p:spPr/>
+        <p:txBody>
+          <a:bodyPr/>
+          <a:lstStyle/>
+          <a:p>
+            <a:r>
+              <a:rPr lang="en-US" cap="none" dirty="0"/>
+              <a:t>“Untestable” Code</a:t>
+            </a:r>
+          </a:p>
+        </p:txBody>
+      </p:sp>
+      <p:sp>
+        <p:nvSpPr>
+          <p:cNvPr id="5" name="Content Placeholder 4">
+            <a:extLst>
+              <a:ext uri="{FF2B5EF4-FFF2-40B4-BE49-F238E27FC236}">
+                <a16:creationId xmlns:a16="http://schemas.microsoft.com/office/drawing/2014/main" id="{BF24FDFA-3F46-41F2-9499-79EDCEF806BD}"/>
+              </a:ext>
+            </a:extLst>
+          </p:cNvPr>
+          <p:cNvSpPr>
+            <a:spLocks noGrp="1"/>
+          </p:cNvSpPr>
+          <p:nvPr>
+            <p:ph idx="1"/>
+          </p:nvPr>
+        </p:nvSpPr>
+        <p:spPr/>
+        <p:txBody>
+          <a:bodyPr>
+            <a:normAutofit lnSpcReduction="10000"/>
+          </a:bodyPr>
+          <a:lstStyle/>
+          <a:p>
+            <a:r>
+              <a:rPr lang="en-US" dirty="0"/>
+              <a:t>Too many dependencies</a:t>
+            </a:r>
+          </a:p>
+          <a:p>
+            <a:r>
+              <a:rPr lang="en-US" dirty="0"/>
+              <a:t>Too large / too tightly coupled</a:t>
+            </a:r>
+          </a:p>
+          <a:p>
+            <a:r>
+              <a:rPr lang="en-US" dirty="0"/>
+              <a:t>Relies on external systems</a:t>
+            </a:r>
+          </a:p>
+          <a:p>
+            <a:pPr lvl="1"/>
+            <a:r>
+              <a:rPr lang="en-US" dirty="0"/>
+              <a:t>Database</a:t>
+            </a:r>
+          </a:p>
+          <a:p>
+            <a:pPr lvl="1"/>
+            <a:r>
+              <a:rPr lang="en-US" dirty="0"/>
+              <a:t>Web Service</a:t>
+            </a:r>
+          </a:p>
+          <a:p>
+            <a:pPr lvl="1"/>
+            <a:r>
+              <a:rPr lang="en-US" dirty="0"/>
+              <a:t>File System</a:t>
+            </a:r>
+          </a:p>
+          <a:p>
+            <a:pPr lvl="1"/>
+            <a:r>
+              <a:rPr lang="en-US" dirty="0" err="1"/>
+              <a:t>DateTime.Now</a:t>
+            </a:r>
+            <a:endParaRPr lang="en-US" dirty="0"/>
+          </a:p>
+          <a:p>
+            <a:pPr lvl="1"/>
+            <a:r>
+              <a:rPr lang="en-US" dirty="0"/>
+              <a:t>Random number generation</a:t>
+            </a:r>
+          </a:p>
+        </p:txBody>
+      </p:sp>
+    </p:spTree>
+    <p:extLst>
+      <p:ext uri="{BB962C8B-B14F-4D97-AF65-F5344CB8AC3E}">
+        <p14:creationId xmlns:p14="http://schemas.microsoft.com/office/powerpoint/2010/main" val="1778044233"/>
+      </p:ext>
+    </p:extLst>
+  </p:cSld>
+  <p:clrMapOvr>
+    <a:masterClrMapping/>
+  </p:clrMapOvr>
+</p:sld>
+</file>
+
+<file path=ppt/slides/slide15.xml><?xml version="1.0" encoding="utf-8"?>
+<p:sld xmlns:a="http://schemas.openxmlformats.org/drawingml/2006/main" xmlns:r="http://schemas.openxmlformats.org/officeDocument/2006/relationships" xmlns:p="http://schemas.openxmlformats.org/presentationml/2006/main">
+  <p:cSld>
+    <p:spTree>
+      <p:nvGrpSpPr>
+        <p:cNvPr id="1" name=""/>
+        <p:cNvGrpSpPr/>
+        <p:nvPr/>
+      </p:nvGrpSpPr>
+      <p:grpSpPr>
+        <a:xfrm>
+          <a:off x="0" y="0"/>
+          <a:ext cx="0" cy="0"/>
+          <a:chOff x="0" y="0"/>
+          <a:chExt cx="0" cy="0"/>
+        </a:xfrm>
+      </p:grpSpPr>
+      <p:sp>
+        <p:nvSpPr>
+          <p:cNvPr id="4" name="Title 3">
+            <a:extLst>
+              <a:ext uri="{FF2B5EF4-FFF2-40B4-BE49-F238E27FC236}">
+                <a16:creationId xmlns:a16="http://schemas.microsoft.com/office/drawing/2014/main" id="{EE13D860-9205-48B1-B675-4421397C217F}"/>
+              </a:ext>
+            </a:extLst>
+          </p:cNvPr>
+          <p:cNvSpPr>
+            <a:spLocks noGrp="1"/>
+          </p:cNvSpPr>
+          <p:nvPr>
+            <p:ph type="title"/>
+          </p:nvPr>
+        </p:nvSpPr>
+        <p:spPr/>
+        <p:txBody>
+          <a:bodyPr/>
+          <a:lstStyle/>
+          <a:p>
+            <a:r>
+              <a:rPr lang="en-US" cap="none" dirty="0"/>
+              <a:t>Making “Untestable” Code More Testable</a:t>
+            </a:r>
+          </a:p>
+        </p:txBody>
+      </p:sp>
+      <p:sp>
+        <p:nvSpPr>
+          <p:cNvPr id="5" name="Content Placeholder 4">
+            <a:extLst>
+              <a:ext uri="{FF2B5EF4-FFF2-40B4-BE49-F238E27FC236}">
+                <a16:creationId xmlns:a16="http://schemas.microsoft.com/office/drawing/2014/main" id="{BF24FDFA-3F46-41F2-9499-79EDCEF806BD}"/>
+              </a:ext>
+            </a:extLst>
+          </p:cNvPr>
+          <p:cNvSpPr>
+            <a:spLocks noGrp="1"/>
+          </p:cNvSpPr>
+          <p:nvPr>
+            <p:ph idx="1"/>
+          </p:nvPr>
+        </p:nvSpPr>
+        <p:spPr/>
+        <p:txBody>
+          <a:bodyPr/>
+          <a:lstStyle/>
+          <a:p>
+            <a:r>
+              <a:rPr lang="en-US" dirty="0"/>
+              <a:t>Refactor unwieldy code</a:t>
+            </a:r>
+          </a:p>
+          <a:p>
+            <a:pPr lvl="1"/>
+            <a:r>
+              <a:rPr lang="en-US" dirty="0"/>
+              <a:t>Aim for classes / methods that follow the Single Responsibility Principle</a:t>
+            </a:r>
+          </a:p>
+          <a:p>
+            <a:r>
+              <a:rPr lang="en-US" dirty="0"/>
+              <a:t>Extract small interfaces for dependencies</a:t>
+            </a:r>
+          </a:p>
+          <a:p>
+            <a:r>
+              <a:rPr lang="en-US" dirty="0"/>
+              <a:t>Replace interfaces at time of test with mock objects</a:t>
+            </a:r>
+          </a:p>
+          <a:p>
+            <a:pPr lvl="1"/>
+            <a:r>
+              <a:rPr lang="en-US" dirty="0"/>
+              <a:t>May be controversial – some people advocate not modifying code for testing purposes</a:t>
+            </a:r>
+          </a:p>
+          <a:p>
+            <a:r>
+              <a:rPr lang="en-US" dirty="0"/>
+              <a:t>Try to isolate the aspects of your system that integrate with external resources</a:t>
+            </a:r>
+          </a:p>
+        </p:txBody>
+      </p:sp>
+    </p:spTree>
+    <p:extLst>
+      <p:ext uri="{BB962C8B-B14F-4D97-AF65-F5344CB8AC3E}">
+        <p14:creationId xmlns:p14="http://schemas.microsoft.com/office/powerpoint/2010/main" val="2482893536"/>
+      </p:ext>
+    </p:extLst>
+  </p:cSld>
+  <p:clrMapOvr>
+    <a:masterClrMapping/>
+  </p:clrMapOvr>
+</p:sld>
+</file>
+
+<file path=ppt/slides/slide16.xml><?xml version="1.0" encoding="utf-8"?>
+<p:sld xmlns:a="http://schemas.openxmlformats.org/drawingml/2006/main" xmlns:r="http://schemas.openxmlformats.org/officeDocument/2006/relationships" xmlns:p="http://schemas.openxmlformats.org/presentationml/2006/main">
+  <p:cSld>
+    <p:spTree>
+      <p:nvGrpSpPr>
+        <p:cNvPr id="1" name=""/>
+        <p:cNvGrpSpPr/>
+        <p:nvPr/>
+      </p:nvGrpSpPr>
+      <p:grpSpPr>
+        <a:xfrm>
+          <a:off x="0" y="0"/>
+          <a:ext cx="0" cy="0"/>
+          <a:chOff x="0" y="0"/>
+          <a:chExt cx="0" cy="0"/>
+        </a:xfrm>
+      </p:grpSpPr>
+      <p:sp>
+        <p:nvSpPr>
+          <p:cNvPr id="4" name="Title 3">
+            <a:extLst>
+              <a:ext uri="{FF2B5EF4-FFF2-40B4-BE49-F238E27FC236}">
+                <a16:creationId xmlns:a16="http://schemas.microsoft.com/office/drawing/2014/main" id="{EE13D860-9205-48B1-B675-4421397C217F}"/>
+              </a:ext>
+            </a:extLst>
+          </p:cNvPr>
+          <p:cNvSpPr>
+            <a:spLocks noGrp="1"/>
+          </p:cNvSpPr>
+          <p:nvPr>
+            <p:ph type="title"/>
+          </p:nvPr>
+        </p:nvSpPr>
+        <p:spPr/>
+        <p:txBody>
+          <a:bodyPr/>
+          <a:lstStyle/>
+          <a:p>
+            <a:r>
+              <a:rPr lang="en-US" cap="none" dirty="0"/>
+              <a:t>Sample Mock Object</a:t>
+            </a:r>
+          </a:p>
+        </p:txBody>
+      </p:sp>
+      <p:sp>
+        <p:nvSpPr>
+          <p:cNvPr id="5" name="Content Placeholder 4">
+            <a:extLst>
+              <a:ext uri="{FF2B5EF4-FFF2-40B4-BE49-F238E27FC236}">
+                <a16:creationId xmlns:a16="http://schemas.microsoft.com/office/drawing/2014/main" id="{BF24FDFA-3F46-41F2-9499-79EDCEF806BD}"/>
+              </a:ext>
+            </a:extLst>
+          </p:cNvPr>
+          <p:cNvSpPr>
+            <a:spLocks noGrp="1"/>
+          </p:cNvSpPr>
+          <p:nvPr>
+            <p:ph idx="1"/>
+          </p:nvPr>
+        </p:nvSpPr>
+        <p:spPr/>
+        <p:txBody>
+          <a:bodyPr/>
+          <a:lstStyle/>
+          <a:p>
+            <a:pPr marL="0" indent="0">
+              <a:buNone/>
+            </a:pPr>
+            <a:endParaRPr lang="en-US" dirty="0"/>
+          </a:p>
+        </p:txBody>
+      </p:sp>
+    </p:spTree>
+    <p:extLst>
+      <p:ext uri="{BB962C8B-B14F-4D97-AF65-F5344CB8AC3E}">
+        <p14:creationId xmlns:p14="http://schemas.microsoft.com/office/powerpoint/2010/main" val="476389571"/>
+      </p:ext>
+    </p:extLst>
+  </p:cSld>
+  <p:clrMapOvr>
+    <a:masterClrMapping/>
+  </p:clrMapOvr>
+</p:sld>
+</file>
+
+<file path=ppt/slides/slide17.xml><?xml version="1.0" encoding="utf-8"?>
+<p:sld xmlns:a="http://schemas.openxmlformats.org/drawingml/2006/main" xmlns:r="http://schemas.openxmlformats.org/officeDocument/2006/relationships" xmlns:p="http://schemas.openxmlformats.org/presentationml/2006/main">
+  <p:cSld>
+    <p:spTree>
+      <p:nvGrpSpPr>
+        <p:cNvPr id="1" name=""/>
+        <p:cNvGrpSpPr/>
+        <p:nvPr/>
+      </p:nvGrpSpPr>
+      <p:grpSpPr>
+        <a:xfrm>
+          <a:off x="0" y="0"/>
+          <a:ext cx="0" cy="0"/>
+          <a:chOff x="0" y="0"/>
+          <a:chExt cx="0" cy="0"/>
+        </a:xfrm>
+      </p:grpSpPr>
+      <p:sp>
+        <p:nvSpPr>
+          <p:cNvPr id="9" name="Title 8">
+            <a:extLst>
+              <a:ext uri="{FF2B5EF4-FFF2-40B4-BE49-F238E27FC236}">
+                <a16:creationId xmlns:a16="http://schemas.microsoft.com/office/drawing/2014/main" id="{EB7ED720-0904-4BB6-A421-9D3A48EA8BAA}"/>
+              </a:ext>
+            </a:extLst>
+          </p:cNvPr>
+          <p:cNvSpPr>
+            <a:spLocks noGrp="1"/>
+          </p:cNvSpPr>
+          <p:nvPr>
+            <p:ph type="title"/>
+          </p:nvPr>
+        </p:nvSpPr>
+        <p:spPr/>
+        <p:txBody>
+          <a:bodyPr/>
+          <a:lstStyle/>
+          <a:p>
+            <a:r>
+              <a:rPr lang="en-US" cap="none" dirty="0"/>
+              <a:t>Testing Libraries</a:t>
+            </a:r>
+          </a:p>
+        </p:txBody>
+      </p:sp>
+      <p:sp>
+        <p:nvSpPr>
+          <p:cNvPr id="10" name="Text Placeholder 9">
+            <a:extLst>
+              <a:ext uri="{FF2B5EF4-FFF2-40B4-BE49-F238E27FC236}">
+                <a16:creationId xmlns:a16="http://schemas.microsoft.com/office/drawing/2014/main" id="{6DB132FF-80E9-4A67-A4C8-836D540D19C2}"/>
+              </a:ext>
+            </a:extLst>
+          </p:cNvPr>
+          <p:cNvSpPr>
+            <a:spLocks noGrp="1"/>
+          </p:cNvSpPr>
+          <p:nvPr>
+            <p:ph type="body" idx="1"/>
+          </p:nvPr>
+        </p:nvSpPr>
+        <p:spPr/>
+        <p:txBody>
+          <a:bodyPr/>
+          <a:lstStyle/>
+          <a:p>
+            <a:endParaRPr lang="en-US"/>
+          </a:p>
+        </p:txBody>
+      </p:sp>
+    </p:spTree>
+    <p:extLst>
+      <p:ext uri="{BB962C8B-B14F-4D97-AF65-F5344CB8AC3E}">
+        <p14:creationId xmlns:p14="http://schemas.microsoft.com/office/powerpoint/2010/main" val="787214841"/>
+      </p:ext>
+    </p:extLst>
+  </p:cSld>
+  <p:clrMapOvr>
+    <a:masterClrMapping/>
+  </p:clrMapOvr>
+</p:sld>
+</file>
+
+<file path=ppt/slides/slide18.xml><?xml version="1.0" encoding="utf-8"?>
+<p:sld xmlns:a="http://schemas.openxmlformats.org/drawingml/2006/main" xmlns:r="http://schemas.openxmlformats.org/officeDocument/2006/relationships" xmlns:p="http://schemas.openxmlformats.org/presentationml/2006/main">
+  <p:cSld>
+    <p:spTree>
+      <p:nvGrpSpPr>
+        <p:cNvPr id="1" name=""/>
+        <p:cNvGrpSpPr/>
+        <p:nvPr/>
+      </p:nvGrpSpPr>
+      <p:grpSpPr>
+        <a:xfrm>
+          <a:off x="0" y="0"/>
+          <a:ext cx="0" cy="0"/>
+          <a:chOff x="0" y="0"/>
+          <a:chExt cx="0" cy="0"/>
+        </a:xfrm>
+      </p:grpSpPr>
+      <p:sp>
+        <p:nvSpPr>
+          <p:cNvPr id="4" name="Title 3">
+            <a:extLst>
+              <a:ext uri="{FF2B5EF4-FFF2-40B4-BE49-F238E27FC236}">
+                <a16:creationId xmlns:a16="http://schemas.microsoft.com/office/drawing/2014/main" id="{EE13D860-9205-48B1-B675-4421397C217F}"/>
+              </a:ext>
+            </a:extLst>
+          </p:cNvPr>
+          <p:cNvSpPr>
+            <a:spLocks noGrp="1"/>
+          </p:cNvSpPr>
+          <p:nvPr>
+            <p:ph type="title"/>
+          </p:nvPr>
+        </p:nvSpPr>
+        <p:spPr/>
+        <p:txBody>
+          <a:bodyPr/>
+          <a:lstStyle/>
+          <a:p>
+            <a:r>
+              <a:rPr lang="en-US" cap="none" dirty="0" err="1"/>
+              <a:t>Shouldly</a:t>
+            </a:r>
+            <a:endParaRPr lang="en-US" cap="none" dirty="0"/>
+          </a:p>
+        </p:txBody>
+      </p:sp>
+      <p:sp>
+        <p:nvSpPr>
+          <p:cNvPr id="5" name="Content Placeholder 4">
+            <a:extLst>
+              <a:ext uri="{FF2B5EF4-FFF2-40B4-BE49-F238E27FC236}">
+                <a16:creationId xmlns:a16="http://schemas.microsoft.com/office/drawing/2014/main" id="{BF24FDFA-3F46-41F2-9499-79EDCEF806BD}"/>
+              </a:ext>
+            </a:extLst>
+          </p:cNvPr>
+          <p:cNvSpPr>
+            <a:spLocks noGrp="1"/>
+          </p:cNvSpPr>
+          <p:nvPr>
+            <p:ph idx="1"/>
+          </p:nvPr>
+        </p:nvSpPr>
+        <p:spPr/>
+        <p:txBody>
+          <a:bodyPr/>
+          <a:lstStyle/>
+          <a:p>
+            <a:endParaRPr lang="en-US"/>
+          </a:p>
+        </p:txBody>
+      </p:sp>
+    </p:spTree>
+    <p:extLst>
+      <p:ext uri="{BB962C8B-B14F-4D97-AF65-F5344CB8AC3E}">
+        <p14:creationId xmlns:p14="http://schemas.microsoft.com/office/powerpoint/2010/main" val="951572645"/>
+      </p:ext>
+    </p:extLst>
+  </p:cSld>
+  <p:clrMapOvr>
+    <a:masterClrMapping/>
+  </p:clrMapOvr>
+</p:sld>
+</file>
+
+<file path=ppt/slides/slide19.xml><?xml version="1.0" encoding="utf-8"?>
+<p:sld xmlns:a="http://schemas.openxmlformats.org/drawingml/2006/main" xmlns:r="http://schemas.openxmlformats.org/officeDocument/2006/relationships" xmlns:p="http://schemas.openxmlformats.org/presentationml/2006/main">
+  <p:cSld>
+    <p:spTree>
+      <p:nvGrpSpPr>
+        <p:cNvPr id="1" name=""/>
+        <p:cNvGrpSpPr/>
+        <p:nvPr/>
+      </p:nvGrpSpPr>
+      <p:grpSpPr>
+        <a:xfrm>
+          <a:off x="0" y="0"/>
+          <a:ext cx="0" cy="0"/>
+          <a:chOff x="0" y="0"/>
+          <a:chExt cx="0" cy="0"/>
+        </a:xfrm>
+      </p:grpSpPr>
+      <p:sp>
+        <p:nvSpPr>
+          <p:cNvPr id="4" name="Title 3">
+            <a:extLst>
+              <a:ext uri="{FF2B5EF4-FFF2-40B4-BE49-F238E27FC236}">
+                <a16:creationId xmlns:a16="http://schemas.microsoft.com/office/drawing/2014/main" id="{EE13D860-9205-48B1-B675-4421397C217F}"/>
+              </a:ext>
+            </a:extLst>
+          </p:cNvPr>
+          <p:cNvSpPr>
+            <a:spLocks noGrp="1"/>
+          </p:cNvSpPr>
+          <p:nvPr>
+            <p:ph type="title"/>
+          </p:nvPr>
+        </p:nvSpPr>
+        <p:spPr/>
+        <p:txBody>
+          <a:bodyPr/>
+          <a:lstStyle/>
+          <a:p>
+            <a:r>
+              <a:rPr lang="en-US" cap="none" dirty="0" err="1"/>
+              <a:t>FluentAsserts</a:t>
+            </a:r>
+            <a:endParaRPr lang="en-US" cap="none" dirty="0"/>
+          </a:p>
+        </p:txBody>
+      </p:sp>
+      <p:sp>
+        <p:nvSpPr>
+          <p:cNvPr id="5" name="Content Placeholder 4">
+            <a:extLst>
+              <a:ext uri="{FF2B5EF4-FFF2-40B4-BE49-F238E27FC236}">
+                <a16:creationId xmlns:a16="http://schemas.microsoft.com/office/drawing/2014/main" id="{BF24FDFA-3F46-41F2-9499-79EDCEF806BD}"/>
+              </a:ext>
+            </a:extLst>
+          </p:cNvPr>
+          <p:cNvSpPr>
+            <a:spLocks noGrp="1"/>
+          </p:cNvSpPr>
+          <p:nvPr>
+            <p:ph idx="1"/>
+          </p:nvPr>
+        </p:nvSpPr>
+        <p:spPr/>
+        <p:txBody>
+          <a:bodyPr/>
+          <a:lstStyle/>
+          <a:p>
+            <a:endParaRPr lang="en-US"/>
+          </a:p>
+        </p:txBody>
+      </p:sp>
+    </p:spTree>
+    <p:extLst>
+      <p:ext uri="{BB962C8B-B14F-4D97-AF65-F5344CB8AC3E}">
+        <p14:creationId xmlns:p14="http://schemas.microsoft.com/office/powerpoint/2010/main" val="3923651985"/>
       </p:ext>
     </p:extLst>
   </p:cSld>
@@ -12577,7 +16890,7 @@
           <a:lstStyle/>
           <a:p>
             <a:r>
-              <a:rPr lang="en-US" dirty="0"/>
+              <a:rPr lang="en-US" cap="none" dirty="0"/>
               <a:t>About Me</a:t>
             </a:r>
           </a:p>
@@ -12608,13 +16921,7 @@
           <a:p>
             <a:r>
               <a:rPr lang="en-US" dirty="0"/>
-              <a:t>13 Years in small to medium-sized SaaS companies</a:t>
-            </a:r>
-          </a:p>
-          <a:p>
-            <a:r>
-              <a:rPr lang="en-US" dirty="0"/>
-              <a:t>.NET / TypeScript / Angular Developer</a:t>
+              <a:t>.NET / TypeScript / Angular Developer turned Manager / Mentor</a:t>
             </a:r>
           </a:p>
           <a:p>
@@ -12656,6 +16963,859 @@
     <p:extLst>
       <p:ext uri="{BB962C8B-B14F-4D97-AF65-F5344CB8AC3E}">
         <p14:creationId xmlns:p14="http://schemas.microsoft.com/office/powerpoint/2010/main" val="3867719309"/>
+      </p:ext>
+    </p:extLst>
+  </p:cSld>
+  <p:clrMapOvr>
+    <a:masterClrMapping/>
+  </p:clrMapOvr>
+</p:sld>
+</file>
+
+<file path=ppt/slides/slide20.xml><?xml version="1.0" encoding="utf-8"?>
+<p:sld xmlns:a="http://schemas.openxmlformats.org/drawingml/2006/main" xmlns:r="http://schemas.openxmlformats.org/officeDocument/2006/relationships" xmlns:p="http://schemas.openxmlformats.org/presentationml/2006/main">
+  <p:cSld>
+    <p:spTree>
+      <p:nvGrpSpPr>
+        <p:cNvPr id="1" name=""/>
+        <p:cNvGrpSpPr/>
+        <p:nvPr/>
+      </p:nvGrpSpPr>
+      <p:grpSpPr>
+        <a:xfrm>
+          <a:off x="0" y="0"/>
+          <a:ext cx="0" cy="0"/>
+          <a:chOff x="0" y="0"/>
+          <a:chExt cx="0" cy="0"/>
+        </a:xfrm>
+      </p:grpSpPr>
+      <p:sp>
+        <p:nvSpPr>
+          <p:cNvPr id="4" name="Title 3">
+            <a:extLst>
+              <a:ext uri="{FF2B5EF4-FFF2-40B4-BE49-F238E27FC236}">
+                <a16:creationId xmlns:a16="http://schemas.microsoft.com/office/drawing/2014/main" id="{EE13D860-9205-48B1-B675-4421397C217F}"/>
+              </a:ext>
+            </a:extLst>
+          </p:cNvPr>
+          <p:cNvSpPr>
+            <a:spLocks noGrp="1"/>
+          </p:cNvSpPr>
+          <p:nvPr>
+            <p:ph type="title"/>
+          </p:nvPr>
+        </p:nvSpPr>
+        <p:spPr/>
+        <p:txBody>
+          <a:bodyPr/>
+          <a:lstStyle/>
+          <a:p>
+            <a:r>
+              <a:rPr lang="en-US" cap="none" dirty="0"/>
+              <a:t>Scientist </a:t>
+            </a:r>
+            <a:r>
+              <a:rPr lang="en-US" dirty="0"/>
+              <a:t>.NET</a:t>
+            </a:r>
+          </a:p>
+        </p:txBody>
+      </p:sp>
+      <p:sp>
+        <p:nvSpPr>
+          <p:cNvPr id="5" name="Content Placeholder 4">
+            <a:extLst>
+              <a:ext uri="{FF2B5EF4-FFF2-40B4-BE49-F238E27FC236}">
+                <a16:creationId xmlns:a16="http://schemas.microsoft.com/office/drawing/2014/main" id="{BF24FDFA-3F46-41F2-9499-79EDCEF806BD}"/>
+              </a:ext>
+            </a:extLst>
+          </p:cNvPr>
+          <p:cNvSpPr>
+            <a:spLocks noGrp="1"/>
+          </p:cNvSpPr>
+          <p:nvPr>
+            <p:ph idx="1"/>
+          </p:nvPr>
+        </p:nvSpPr>
+        <p:spPr/>
+        <p:txBody>
+          <a:bodyPr/>
+          <a:lstStyle/>
+          <a:p>
+            <a:endParaRPr lang="en-US"/>
+          </a:p>
+        </p:txBody>
+      </p:sp>
+    </p:spTree>
+    <p:extLst>
+      <p:ext uri="{BB962C8B-B14F-4D97-AF65-F5344CB8AC3E}">
+        <p14:creationId xmlns:p14="http://schemas.microsoft.com/office/powerpoint/2010/main" val="1892483161"/>
+      </p:ext>
+    </p:extLst>
+  </p:cSld>
+  <p:clrMapOvr>
+    <a:masterClrMapping/>
+  </p:clrMapOvr>
+</p:sld>
+</file>
+
+<file path=ppt/slides/slide21.xml><?xml version="1.0" encoding="utf-8"?>
+<p:sld xmlns:a="http://schemas.openxmlformats.org/drawingml/2006/main" xmlns:r="http://schemas.openxmlformats.org/officeDocument/2006/relationships" xmlns:p="http://schemas.openxmlformats.org/presentationml/2006/main">
+  <p:cSld>
+    <p:spTree>
+      <p:nvGrpSpPr>
+        <p:cNvPr id="1" name=""/>
+        <p:cNvGrpSpPr/>
+        <p:nvPr/>
+      </p:nvGrpSpPr>
+      <p:grpSpPr>
+        <a:xfrm>
+          <a:off x="0" y="0"/>
+          <a:ext cx="0" cy="0"/>
+          <a:chOff x="0" y="0"/>
+          <a:chExt cx="0" cy="0"/>
+        </a:xfrm>
+      </p:grpSpPr>
+      <p:sp>
+        <p:nvSpPr>
+          <p:cNvPr id="4" name="Title 3">
+            <a:extLst>
+              <a:ext uri="{FF2B5EF4-FFF2-40B4-BE49-F238E27FC236}">
+                <a16:creationId xmlns:a16="http://schemas.microsoft.com/office/drawing/2014/main" id="{EE13D860-9205-48B1-B675-4421397C217F}"/>
+              </a:ext>
+            </a:extLst>
+          </p:cNvPr>
+          <p:cNvSpPr>
+            <a:spLocks noGrp="1"/>
+          </p:cNvSpPr>
+          <p:nvPr>
+            <p:ph type="title"/>
+          </p:nvPr>
+        </p:nvSpPr>
+        <p:spPr/>
+        <p:txBody>
+          <a:bodyPr/>
+          <a:lstStyle/>
+          <a:p>
+            <a:r>
+              <a:rPr lang="en-US" cap="none" dirty="0"/>
+              <a:t>Bogus</a:t>
+            </a:r>
+            <a:endParaRPr lang="en-US" dirty="0"/>
+          </a:p>
+        </p:txBody>
+      </p:sp>
+      <p:sp>
+        <p:nvSpPr>
+          <p:cNvPr id="5" name="Content Placeholder 4">
+            <a:extLst>
+              <a:ext uri="{FF2B5EF4-FFF2-40B4-BE49-F238E27FC236}">
+                <a16:creationId xmlns:a16="http://schemas.microsoft.com/office/drawing/2014/main" id="{BF24FDFA-3F46-41F2-9499-79EDCEF806BD}"/>
+              </a:ext>
+            </a:extLst>
+          </p:cNvPr>
+          <p:cNvSpPr>
+            <a:spLocks noGrp="1"/>
+          </p:cNvSpPr>
+          <p:nvPr>
+            <p:ph idx="1"/>
+          </p:nvPr>
+        </p:nvSpPr>
+        <p:spPr/>
+        <p:txBody>
+          <a:bodyPr/>
+          <a:lstStyle/>
+          <a:p>
+            <a:endParaRPr lang="en-US"/>
+          </a:p>
+        </p:txBody>
+      </p:sp>
+    </p:spTree>
+    <p:extLst>
+      <p:ext uri="{BB962C8B-B14F-4D97-AF65-F5344CB8AC3E}">
+        <p14:creationId xmlns:p14="http://schemas.microsoft.com/office/powerpoint/2010/main" val="4013615865"/>
+      </p:ext>
+    </p:extLst>
+  </p:cSld>
+  <p:clrMapOvr>
+    <a:masterClrMapping/>
+  </p:clrMapOvr>
+</p:sld>
+</file>
+
+<file path=ppt/slides/slide22.xml><?xml version="1.0" encoding="utf-8"?>
+<p:sld xmlns:a="http://schemas.openxmlformats.org/drawingml/2006/main" xmlns:r="http://schemas.openxmlformats.org/officeDocument/2006/relationships" xmlns:p="http://schemas.openxmlformats.org/presentationml/2006/main">
+  <p:cSld>
+    <p:spTree>
+      <p:nvGrpSpPr>
+        <p:cNvPr id="1" name=""/>
+        <p:cNvGrpSpPr/>
+        <p:nvPr/>
+      </p:nvGrpSpPr>
+      <p:grpSpPr>
+        <a:xfrm>
+          <a:off x="0" y="0"/>
+          <a:ext cx="0" cy="0"/>
+          <a:chOff x="0" y="0"/>
+          <a:chExt cx="0" cy="0"/>
+        </a:xfrm>
+      </p:grpSpPr>
+      <p:sp>
+        <p:nvSpPr>
+          <p:cNvPr id="4" name="Title 3">
+            <a:extLst>
+              <a:ext uri="{FF2B5EF4-FFF2-40B4-BE49-F238E27FC236}">
+                <a16:creationId xmlns:a16="http://schemas.microsoft.com/office/drawing/2014/main" id="{EE13D860-9205-48B1-B675-4421397C217F}"/>
+              </a:ext>
+            </a:extLst>
+          </p:cNvPr>
+          <p:cNvSpPr>
+            <a:spLocks noGrp="1"/>
+          </p:cNvSpPr>
+          <p:nvPr>
+            <p:ph type="title"/>
+          </p:nvPr>
+        </p:nvSpPr>
+        <p:spPr/>
+        <p:txBody>
+          <a:bodyPr/>
+          <a:lstStyle/>
+          <a:p>
+            <a:r>
+              <a:rPr lang="en-US" cap="none" dirty="0" err="1"/>
+              <a:t>SharpFuzz</a:t>
+            </a:r>
+            <a:endParaRPr lang="en-US" dirty="0"/>
+          </a:p>
+        </p:txBody>
+      </p:sp>
+      <p:sp>
+        <p:nvSpPr>
+          <p:cNvPr id="5" name="Content Placeholder 4">
+            <a:extLst>
+              <a:ext uri="{FF2B5EF4-FFF2-40B4-BE49-F238E27FC236}">
+                <a16:creationId xmlns:a16="http://schemas.microsoft.com/office/drawing/2014/main" id="{BF24FDFA-3F46-41F2-9499-79EDCEF806BD}"/>
+              </a:ext>
+            </a:extLst>
+          </p:cNvPr>
+          <p:cNvSpPr>
+            <a:spLocks noGrp="1"/>
+          </p:cNvSpPr>
+          <p:nvPr>
+            <p:ph idx="1"/>
+          </p:nvPr>
+        </p:nvSpPr>
+        <p:spPr/>
+        <p:txBody>
+          <a:bodyPr/>
+          <a:lstStyle/>
+          <a:p>
+            <a:endParaRPr lang="en-US"/>
+          </a:p>
+        </p:txBody>
+      </p:sp>
+    </p:spTree>
+    <p:extLst>
+      <p:ext uri="{BB962C8B-B14F-4D97-AF65-F5344CB8AC3E}">
+        <p14:creationId xmlns:p14="http://schemas.microsoft.com/office/powerpoint/2010/main" val="2974591167"/>
+      </p:ext>
+    </p:extLst>
+  </p:cSld>
+  <p:clrMapOvr>
+    <a:masterClrMapping/>
+  </p:clrMapOvr>
+</p:sld>
+</file>
+
+<file path=ppt/slides/slide23.xml><?xml version="1.0" encoding="utf-8"?>
+<p:sld xmlns:a="http://schemas.openxmlformats.org/drawingml/2006/main" xmlns:r="http://schemas.openxmlformats.org/officeDocument/2006/relationships" xmlns:p="http://schemas.openxmlformats.org/presentationml/2006/main">
+  <p:cSld>
+    <p:spTree>
+      <p:nvGrpSpPr>
+        <p:cNvPr id="1" name=""/>
+        <p:cNvGrpSpPr/>
+        <p:nvPr/>
+      </p:nvGrpSpPr>
+      <p:grpSpPr>
+        <a:xfrm>
+          <a:off x="0" y="0"/>
+          <a:ext cx="0" cy="0"/>
+          <a:chOff x="0" y="0"/>
+          <a:chExt cx="0" cy="0"/>
+        </a:xfrm>
+      </p:grpSpPr>
+      <p:sp>
+        <p:nvSpPr>
+          <p:cNvPr id="4" name="Title 3">
+            <a:extLst>
+              <a:ext uri="{FF2B5EF4-FFF2-40B4-BE49-F238E27FC236}">
+                <a16:creationId xmlns:a16="http://schemas.microsoft.com/office/drawing/2014/main" id="{EE13D860-9205-48B1-B675-4421397C217F}"/>
+              </a:ext>
+            </a:extLst>
+          </p:cNvPr>
+          <p:cNvSpPr>
+            <a:spLocks noGrp="1"/>
+          </p:cNvSpPr>
+          <p:nvPr>
+            <p:ph type="title"/>
+          </p:nvPr>
+        </p:nvSpPr>
+        <p:spPr/>
+        <p:txBody>
+          <a:bodyPr/>
+          <a:lstStyle/>
+          <a:p>
+            <a:r>
+              <a:rPr lang="en-US" cap="none" dirty="0" err="1"/>
+              <a:t>SnapShotter</a:t>
+            </a:r>
+            <a:endParaRPr lang="en-US" dirty="0"/>
+          </a:p>
+        </p:txBody>
+      </p:sp>
+      <p:sp>
+        <p:nvSpPr>
+          <p:cNvPr id="5" name="Content Placeholder 4">
+            <a:extLst>
+              <a:ext uri="{FF2B5EF4-FFF2-40B4-BE49-F238E27FC236}">
+                <a16:creationId xmlns:a16="http://schemas.microsoft.com/office/drawing/2014/main" id="{BF24FDFA-3F46-41F2-9499-79EDCEF806BD}"/>
+              </a:ext>
+            </a:extLst>
+          </p:cNvPr>
+          <p:cNvSpPr>
+            <a:spLocks noGrp="1"/>
+          </p:cNvSpPr>
+          <p:nvPr>
+            <p:ph idx="1"/>
+          </p:nvPr>
+        </p:nvSpPr>
+        <p:spPr/>
+        <p:txBody>
+          <a:bodyPr/>
+          <a:lstStyle/>
+          <a:p>
+            <a:endParaRPr lang="en-US"/>
+          </a:p>
+        </p:txBody>
+      </p:sp>
+    </p:spTree>
+    <p:extLst>
+      <p:ext uri="{BB962C8B-B14F-4D97-AF65-F5344CB8AC3E}">
+        <p14:creationId xmlns:p14="http://schemas.microsoft.com/office/powerpoint/2010/main" val="4089011859"/>
+      </p:ext>
+    </p:extLst>
+  </p:cSld>
+  <p:clrMapOvr>
+    <a:masterClrMapping/>
+  </p:clrMapOvr>
+</p:sld>
+</file>
+
+<file path=ppt/slides/slide24.xml><?xml version="1.0" encoding="utf-8"?>
+<p:sld xmlns:a="http://schemas.openxmlformats.org/drawingml/2006/main" xmlns:r="http://schemas.openxmlformats.org/officeDocument/2006/relationships" xmlns:p="http://schemas.openxmlformats.org/presentationml/2006/main">
+  <p:cSld>
+    <p:spTree>
+      <p:nvGrpSpPr>
+        <p:cNvPr id="1" name=""/>
+        <p:cNvGrpSpPr/>
+        <p:nvPr/>
+      </p:nvGrpSpPr>
+      <p:grpSpPr>
+        <a:xfrm>
+          <a:off x="0" y="0"/>
+          <a:ext cx="0" cy="0"/>
+          <a:chOff x="0" y="0"/>
+          <a:chExt cx="0" cy="0"/>
+        </a:xfrm>
+      </p:grpSpPr>
+      <p:sp>
+        <p:nvSpPr>
+          <p:cNvPr id="4" name="Title 3">
+            <a:extLst>
+              <a:ext uri="{FF2B5EF4-FFF2-40B4-BE49-F238E27FC236}">
+                <a16:creationId xmlns:a16="http://schemas.microsoft.com/office/drawing/2014/main" id="{EE13D860-9205-48B1-B675-4421397C217F}"/>
+              </a:ext>
+            </a:extLst>
+          </p:cNvPr>
+          <p:cNvSpPr>
+            <a:spLocks noGrp="1"/>
+          </p:cNvSpPr>
+          <p:nvPr>
+            <p:ph type="title"/>
+          </p:nvPr>
+        </p:nvSpPr>
+        <p:spPr/>
+        <p:txBody>
+          <a:bodyPr/>
+          <a:lstStyle/>
+          <a:p>
+            <a:r>
+              <a:rPr lang="en-US" cap="none" dirty="0" err="1"/>
+              <a:t>ApprovalTests</a:t>
+            </a:r>
+            <a:endParaRPr lang="en-US" cap="none" dirty="0"/>
+          </a:p>
+        </p:txBody>
+      </p:sp>
+      <p:sp>
+        <p:nvSpPr>
+          <p:cNvPr id="5" name="Content Placeholder 4">
+            <a:extLst>
+              <a:ext uri="{FF2B5EF4-FFF2-40B4-BE49-F238E27FC236}">
+                <a16:creationId xmlns:a16="http://schemas.microsoft.com/office/drawing/2014/main" id="{BF24FDFA-3F46-41F2-9499-79EDCEF806BD}"/>
+              </a:ext>
+            </a:extLst>
+          </p:cNvPr>
+          <p:cNvSpPr>
+            <a:spLocks noGrp="1"/>
+          </p:cNvSpPr>
+          <p:nvPr>
+            <p:ph idx="1"/>
+          </p:nvPr>
+        </p:nvSpPr>
+        <p:spPr/>
+        <p:txBody>
+          <a:bodyPr/>
+          <a:lstStyle/>
+          <a:p>
+            <a:endParaRPr lang="en-US"/>
+          </a:p>
+        </p:txBody>
+      </p:sp>
+    </p:spTree>
+    <p:extLst>
+      <p:ext uri="{BB962C8B-B14F-4D97-AF65-F5344CB8AC3E}">
+        <p14:creationId xmlns:p14="http://schemas.microsoft.com/office/powerpoint/2010/main" val="1404011462"/>
+      </p:ext>
+    </p:extLst>
+  </p:cSld>
+  <p:clrMapOvr>
+    <a:masterClrMapping/>
+  </p:clrMapOvr>
+</p:sld>
+</file>
+
+<file path=ppt/slides/slide25.xml><?xml version="1.0" encoding="utf-8"?>
+<p:sld xmlns:a="http://schemas.openxmlformats.org/drawingml/2006/main" xmlns:r="http://schemas.openxmlformats.org/officeDocument/2006/relationships" xmlns:p="http://schemas.openxmlformats.org/presentationml/2006/main">
+  <p:cSld>
+    <p:spTree>
+      <p:nvGrpSpPr>
+        <p:cNvPr id="1" name=""/>
+        <p:cNvGrpSpPr/>
+        <p:nvPr/>
+      </p:nvGrpSpPr>
+      <p:grpSpPr>
+        <a:xfrm>
+          <a:off x="0" y="0"/>
+          <a:ext cx="0" cy="0"/>
+          <a:chOff x="0" y="0"/>
+          <a:chExt cx="0" cy="0"/>
+        </a:xfrm>
+      </p:grpSpPr>
+      <p:sp>
+        <p:nvSpPr>
+          <p:cNvPr id="4" name="Title 3">
+            <a:extLst>
+              <a:ext uri="{FF2B5EF4-FFF2-40B4-BE49-F238E27FC236}">
+                <a16:creationId xmlns:a16="http://schemas.microsoft.com/office/drawing/2014/main" id="{EE13D860-9205-48B1-B675-4421397C217F}"/>
+              </a:ext>
+            </a:extLst>
+          </p:cNvPr>
+          <p:cNvSpPr>
+            <a:spLocks noGrp="1"/>
+          </p:cNvSpPr>
+          <p:nvPr>
+            <p:ph type="title"/>
+          </p:nvPr>
+        </p:nvSpPr>
+        <p:spPr/>
+        <p:txBody>
+          <a:bodyPr/>
+          <a:lstStyle/>
+          <a:p>
+            <a:r>
+              <a:rPr lang="en-US" cap="none" dirty="0" err="1"/>
+              <a:t>Moq</a:t>
+            </a:r>
+            <a:r>
+              <a:rPr lang="en-US" cap="none" dirty="0"/>
+              <a:t> to Create Mock Objects</a:t>
+            </a:r>
+            <a:endParaRPr lang="en-US" dirty="0"/>
+          </a:p>
+        </p:txBody>
+      </p:sp>
+      <p:sp>
+        <p:nvSpPr>
+          <p:cNvPr id="5" name="Content Placeholder 4">
+            <a:extLst>
+              <a:ext uri="{FF2B5EF4-FFF2-40B4-BE49-F238E27FC236}">
+                <a16:creationId xmlns:a16="http://schemas.microsoft.com/office/drawing/2014/main" id="{BF24FDFA-3F46-41F2-9499-79EDCEF806BD}"/>
+              </a:ext>
+            </a:extLst>
+          </p:cNvPr>
+          <p:cNvSpPr>
+            <a:spLocks noGrp="1"/>
+          </p:cNvSpPr>
+          <p:nvPr>
+            <p:ph idx="1"/>
+          </p:nvPr>
+        </p:nvSpPr>
+        <p:spPr/>
+        <p:txBody>
+          <a:bodyPr/>
+          <a:lstStyle/>
+          <a:p>
+            <a:endParaRPr lang="en-US"/>
+          </a:p>
+        </p:txBody>
+      </p:sp>
+    </p:spTree>
+    <p:extLst>
+      <p:ext uri="{BB962C8B-B14F-4D97-AF65-F5344CB8AC3E}">
+        <p14:creationId xmlns:p14="http://schemas.microsoft.com/office/powerpoint/2010/main" val="1221973596"/>
+      </p:ext>
+    </p:extLst>
+  </p:cSld>
+  <p:clrMapOvr>
+    <a:masterClrMapping/>
+  </p:clrMapOvr>
+</p:sld>
+</file>
+
+<file path=ppt/slides/slide26.xml><?xml version="1.0" encoding="utf-8"?>
+<p:sld xmlns:a="http://schemas.openxmlformats.org/drawingml/2006/main" xmlns:r="http://schemas.openxmlformats.org/officeDocument/2006/relationships" xmlns:p="http://schemas.openxmlformats.org/presentationml/2006/main">
+  <p:cSld>
+    <p:spTree>
+      <p:nvGrpSpPr>
+        <p:cNvPr id="1" name=""/>
+        <p:cNvGrpSpPr/>
+        <p:nvPr/>
+      </p:nvGrpSpPr>
+      <p:grpSpPr>
+        <a:xfrm>
+          <a:off x="0" y="0"/>
+          <a:ext cx="0" cy="0"/>
+          <a:chOff x="0" y="0"/>
+          <a:chExt cx="0" cy="0"/>
+        </a:xfrm>
+      </p:grpSpPr>
+      <p:sp>
+        <p:nvSpPr>
+          <p:cNvPr id="4" name="Title 3">
+            <a:extLst>
+              <a:ext uri="{FF2B5EF4-FFF2-40B4-BE49-F238E27FC236}">
+                <a16:creationId xmlns:a16="http://schemas.microsoft.com/office/drawing/2014/main" id="{EE13D860-9205-48B1-B675-4421397C217F}"/>
+              </a:ext>
+            </a:extLst>
+          </p:cNvPr>
+          <p:cNvSpPr>
+            <a:spLocks noGrp="1"/>
+          </p:cNvSpPr>
+          <p:nvPr>
+            <p:ph type="title"/>
+          </p:nvPr>
+        </p:nvSpPr>
+        <p:spPr/>
+        <p:txBody>
+          <a:bodyPr/>
+          <a:lstStyle/>
+          <a:p>
+            <a:r>
+              <a:rPr lang="en-US" cap="none" dirty="0" err="1"/>
+              <a:t>Moq</a:t>
+            </a:r>
+            <a:r>
+              <a:rPr lang="en-US" cap="none" dirty="0"/>
+              <a:t> to Verify Behavior</a:t>
+            </a:r>
+            <a:endParaRPr lang="en-US" dirty="0"/>
+          </a:p>
+        </p:txBody>
+      </p:sp>
+      <p:sp>
+        <p:nvSpPr>
+          <p:cNvPr id="5" name="Content Placeholder 4">
+            <a:extLst>
+              <a:ext uri="{FF2B5EF4-FFF2-40B4-BE49-F238E27FC236}">
+                <a16:creationId xmlns:a16="http://schemas.microsoft.com/office/drawing/2014/main" id="{BF24FDFA-3F46-41F2-9499-79EDCEF806BD}"/>
+              </a:ext>
+            </a:extLst>
+          </p:cNvPr>
+          <p:cNvSpPr>
+            <a:spLocks noGrp="1"/>
+          </p:cNvSpPr>
+          <p:nvPr>
+            <p:ph idx="1"/>
+          </p:nvPr>
+        </p:nvSpPr>
+        <p:spPr/>
+        <p:txBody>
+          <a:bodyPr/>
+          <a:lstStyle/>
+          <a:p>
+            <a:endParaRPr lang="en-US"/>
+          </a:p>
+        </p:txBody>
+      </p:sp>
+    </p:spTree>
+    <p:extLst>
+      <p:ext uri="{BB962C8B-B14F-4D97-AF65-F5344CB8AC3E}">
+        <p14:creationId xmlns:p14="http://schemas.microsoft.com/office/powerpoint/2010/main" val="3246282286"/>
+      </p:ext>
+    </p:extLst>
+  </p:cSld>
+  <p:clrMapOvr>
+    <a:masterClrMapping/>
+  </p:clrMapOvr>
+</p:sld>
+</file>
+
+<file path=ppt/slides/slide27.xml><?xml version="1.0" encoding="utf-8"?>
+<p:sld xmlns:a="http://schemas.openxmlformats.org/drawingml/2006/main" xmlns:r="http://schemas.openxmlformats.org/officeDocument/2006/relationships" xmlns:p="http://schemas.openxmlformats.org/presentationml/2006/main">
+  <p:cSld>
+    <p:spTree>
+      <p:nvGrpSpPr>
+        <p:cNvPr id="1" name=""/>
+        <p:cNvGrpSpPr/>
+        <p:nvPr/>
+      </p:nvGrpSpPr>
+      <p:grpSpPr>
+        <a:xfrm>
+          <a:off x="0" y="0"/>
+          <a:ext cx="0" cy="0"/>
+          <a:chOff x="0" y="0"/>
+          <a:chExt cx="0" cy="0"/>
+        </a:xfrm>
+      </p:grpSpPr>
+      <p:sp>
+        <p:nvSpPr>
+          <p:cNvPr id="4" name="Title 3">
+            <a:extLst>
+              <a:ext uri="{FF2B5EF4-FFF2-40B4-BE49-F238E27FC236}">
+                <a16:creationId xmlns:a16="http://schemas.microsoft.com/office/drawing/2014/main" id="{EE13D860-9205-48B1-B675-4421397C217F}"/>
+              </a:ext>
+            </a:extLst>
+          </p:cNvPr>
+          <p:cNvSpPr>
+            <a:spLocks noGrp="1"/>
+          </p:cNvSpPr>
+          <p:nvPr>
+            <p:ph type="title"/>
+          </p:nvPr>
+        </p:nvSpPr>
+        <p:spPr/>
+        <p:txBody>
+          <a:bodyPr/>
+          <a:lstStyle/>
+          <a:p>
+            <a:r>
+              <a:rPr lang="en-US" cap="none" dirty="0"/>
+              <a:t>Behavior Driven Development with </a:t>
+            </a:r>
+            <a:r>
+              <a:rPr lang="en-US" cap="none" dirty="0" err="1"/>
+              <a:t>SpecFlow</a:t>
+            </a:r>
+            <a:endParaRPr lang="en-US" dirty="0"/>
+          </a:p>
+        </p:txBody>
+      </p:sp>
+      <p:sp>
+        <p:nvSpPr>
+          <p:cNvPr id="5" name="Content Placeholder 4">
+            <a:extLst>
+              <a:ext uri="{FF2B5EF4-FFF2-40B4-BE49-F238E27FC236}">
+                <a16:creationId xmlns:a16="http://schemas.microsoft.com/office/drawing/2014/main" id="{BF24FDFA-3F46-41F2-9499-79EDCEF806BD}"/>
+              </a:ext>
+            </a:extLst>
+          </p:cNvPr>
+          <p:cNvSpPr>
+            <a:spLocks noGrp="1"/>
+          </p:cNvSpPr>
+          <p:nvPr>
+            <p:ph idx="1"/>
+          </p:nvPr>
+        </p:nvSpPr>
+        <p:spPr/>
+        <p:txBody>
+          <a:bodyPr/>
+          <a:lstStyle/>
+          <a:p>
+            <a:endParaRPr lang="en-US"/>
+          </a:p>
+        </p:txBody>
+      </p:sp>
+    </p:spTree>
+    <p:extLst>
+      <p:ext uri="{BB962C8B-B14F-4D97-AF65-F5344CB8AC3E}">
+        <p14:creationId xmlns:p14="http://schemas.microsoft.com/office/powerpoint/2010/main" val="1591623219"/>
+      </p:ext>
+    </p:extLst>
+  </p:cSld>
+  <p:clrMapOvr>
+    <a:masterClrMapping/>
+  </p:clrMapOvr>
+</p:sld>
+</file>
+
+<file path=ppt/slides/slide28.xml><?xml version="1.0" encoding="utf-8"?>
+<p:sld xmlns:a="http://schemas.openxmlformats.org/drawingml/2006/main" xmlns:r="http://schemas.openxmlformats.org/officeDocument/2006/relationships" xmlns:p="http://schemas.openxmlformats.org/presentationml/2006/main">
+  <p:cSld>
+    <p:spTree>
+      <p:nvGrpSpPr>
+        <p:cNvPr id="1" name=""/>
+        <p:cNvGrpSpPr/>
+        <p:nvPr/>
+      </p:nvGrpSpPr>
+      <p:grpSpPr>
+        <a:xfrm>
+          <a:off x="0" y="0"/>
+          <a:ext cx="0" cy="0"/>
+          <a:chOff x="0" y="0"/>
+          <a:chExt cx="0" cy="0"/>
+        </a:xfrm>
+      </p:grpSpPr>
+      <p:sp>
+        <p:nvSpPr>
+          <p:cNvPr id="9" name="Title 8">
+            <a:extLst>
+              <a:ext uri="{FF2B5EF4-FFF2-40B4-BE49-F238E27FC236}">
+                <a16:creationId xmlns:a16="http://schemas.microsoft.com/office/drawing/2014/main" id="{EB7ED720-0904-4BB6-A421-9D3A48EA8BAA}"/>
+              </a:ext>
+            </a:extLst>
+          </p:cNvPr>
+          <p:cNvSpPr>
+            <a:spLocks noGrp="1"/>
+          </p:cNvSpPr>
+          <p:nvPr>
+            <p:ph type="title"/>
+          </p:nvPr>
+        </p:nvSpPr>
+        <p:spPr/>
+        <p:txBody>
+          <a:bodyPr/>
+          <a:lstStyle/>
+          <a:p>
+            <a:r>
+              <a:rPr lang="en-US" cap="none" dirty="0"/>
+              <a:t>Other Recipes</a:t>
+            </a:r>
+          </a:p>
+        </p:txBody>
+      </p:sp>
+      <p:sp>
+        <p:nvSpPr>
+          <p:cNvPr id="10" name="Text Placeholder 9">
+            <a:extLst>
+              <a:ext uri="{FF2B5EF4-FFF2-40B4-BE49-F238E27FC236}">
+                <a16:creationId xmlns:a16="http://schemas.microsoft.com/office/drawing/2014/main" id="{6DB132FF-80E9-4A67-A4C8-836D540D19C2}"/>
+              </a:ext>
+            </a:extLst>
+          </p:cNvPr>
+          <p:cNvSpPr>
+            <a:spLocks noGrp="1"/>
+          </p:cNvSpPr>
+          <p:nvPr>
+            <p:ph type="body" idx="1"/>
+          </p:nvPr>
+        </p:nvSpPr>
+        <p:spPr/>
+        <p:txBody>
+          <a:bodyPr/>
+          <a:lstStyle/>
+          <a:p>
+            <a:endParaRPr lang="en-US"/>
+          </a:p>
+        </p:txBody>
+      </p:sp>
+    </p:spTree>
+    <p:extLst>
+      <p:ext uri="{BB962C8B-B14F-4D97-AF65-F5344CB8AC3E}">
+        <p14:creationId xmlns:p14="http://schemas.microsoft.com/office/powerpoint/2010/main" val="425605084"/>
+      </p:ext>
+    </p:extLst>
+  </p:cSld>
+  <p:clrMapOvr>
+    <a:masterClrMapping/>
+  </p:clrMapOvr>
+</p:sld>
+</file>
+
+<file path=ppt/slides/slide29.xml><?xml version="1.0" encoding="utf-8"?>
+<p:sld xmlns:a="http://schemas.openxmlformats.org/drawingml/2006/main" xmlns:r="http://schemas.openxmlformats.org/officeDocument/2006/relationships" xmlns:p="http://schemas.openxmlformats.org/presentationml/2006/main">
+  <p:cSld>
+    <p:spTree>
+      <p:nvGrpSpPr>
+        <p:cNvPr id="1" name=""/>
+        <p:cNvGrpSpPr/>
+        <p:nvPr/>
+      </p:nvGrpSpPr>
+      <p:grpSpPr>
+        <a:xfrm>
+          <a:off x="0" y="0"/>
+          <a:ext cx="0" cy="0"/>
+          <a:chOff x="0" y="0"/>
+          <a:chExt cx="0" cy="0"/>
+        </a:xfrm>
+      </p:grpSpPr>
+      <p:sp>
+        <p:nvSpPr>
+          <p:cNvPr id="4" name="Title 3">
+            <a:extLst>
+              <a:ext uri="{FF2B5EF4-FFF2-40B4-BE49-F238E27FC236}">
+                <a16:creationId xmlns:a16="http://schemas.microsoft.com/office/drawing/2014/main" id="{EE13D860-9205-48B1-B675-4421397C217F}"/>
+              </a:ext>
+            </a:extLst>
+          </p:cNvPr>
+          <p:cNvSpPr>
+            <a:spLocks noGrp="1"/>
+          </p:cNvSpPr>
+          <p:nvPr>
+            <p:ph type="title"/>
+          </p:nvPr>
+        </p:nvSpPr>
+        <p:spPr/>
+        <p:txBody>
+          <a:bodyPr/>
+          <a:lstStyle/>
+          <a:p>
+            <a:r>
+              <a:rPr lang="en-US" cap="none" dirty="0"/>
+              <a:t>User Interface Testing</a:t>
+            </a:r>
+          </a:p>
+        </p:txBody>
+      </p:sp>
+      <p:sp>
+        <p:nvSpPr>
+          <p:cNvPr id="5" name="Content Placeholder 4">
+            <a:extLst>
+              <a:ext uri="{FF2B5EF4-FFF2-40B4-BE49-F238E27FC236}">
+                <a16:creationId xmlns:a16="http://schemas.microsoft.com/office/drawing/2014/main" id="{BF24FDFA-3F46-41F2-9499-79EDCEF806BD}"/>
+              </a:ext>
+            </a:extLst>
+          </p:cNvPr>
+          <p:cNvSpPr>
+            <a:spLocks noGrp="1"/>
+          </p:cNvSpPr>
+          <p:nvPr>
+            <p:ph idx="1"/>
+          </p:nvPr>
+        </p:nvSpPr>
+        <p:spPr/>
+        <p:txBody>
+          <a:bodyPr/>
+          <a:lstStyle/>
+          <a:p>
+            <a:endParaRPr lang="en-US"/>
+          </a:p>
+        </p:txBody>
+      </p:sp>
+    </p:spTree>
+    <p:extLst>
+      <p:ext uri="{BB962C8B-B14F-4D97-AF65-F5344CB8AC3E}">
+        <p14:creationId xmlns:p14="http://schemas.microsoft.com/office/powerpoint/2010/main" val="2588286935"/>
       </p:ext>
     </p:extLst>
   </p:cSld>
@@ -12704,8 +17864,8 @@
           <a:lstStyle/>
           <a:p>
             <a:r>
-              <a:rPr lang="en-US" dirty="0"/>
-              <a:t>My Experience</a:t>
+              <a:rPr lang="en-US" cap="none" dirty="0"/>
+              <a:t>My Background</a:t>
             </a:r>
           </a:p>
         </p:txBody>
@@ -12742,7 +17902,7 @@
             <a:pPr lvl="1"/>
             <a:r>
               <a:rPr lang="en-US" dirty="0"/>
-              <a:t>Software Engineering Manager at MoveHQ</a:t>
+              <a:t>Software Engineering Manager at MoveHQ (1 year)</a:t>
             </a:r>
           </a:p>
           <a:p>
@@ -12755,14 +17915,14 @@
             <a:pPr lvl="1"/>
             <a:r>
               <a:rPr lang="en-US" dirty="0"/>
-              <a:t>Senior Software Engineer at TeamDynamix (~9 years)</a:t>
+              <a:t>Senior Software Engineer at TeamDynamix (9 years)</a:t>
             </a:r>
           </a:p>
           <a:p>
             <a:pPr lvl="1"/>
             <a:r>
               <a:rPr lang="en-US" dirty="0"/>
-              <a:t>Software Developer at Exceptional Innovation (~3 years)</a:t>
+              <a:t>Software Developer at Exceptional Innovation (3 years)</a:t>
             </a:r>
           </a:p>
           <a:p>
@@ -12781,6 +17941,837 @@
     <p:extLst>
       <p:ext uri="{BB962C8B-B14F-4D97-AF65-F5344CB8AC3E}">
         <p14:creationId xmlns:p14="http://schemas.microsoft.com/office/powerpoint/2010/main" val="1111835348"/>
+      </p:ext>
+    </p:extLst>
+  </p:cSld>
+  <p:clrMapOvr>
+    <a:masterClrMapping/>
+  </p:clrMapOvr>
+</p:sld>
+</file>
+
+<file path=ppt/slides/slide30.xml><?xml version="1.0" encoding="utf-8"?>
+<p:sld xmlns:a="http://schemas.openxmlformats.org/drawingml/2006/main" xmlns:r="http://schemas.openxmlformats.org/officeDocument/2006/relationships" xmlns:p="http://schemas.openxmlformats.org/presentationml/2006/main">
+  <p:cSld>
+    <p:spTree>
+      <p:nvGrpSpPr>
+        <p:cNvPr id="1" name=""/>
+        <p:cNvGrpSpPr/>
+        <p:nvPr/>
+      </p:nvGrpSpPr>
+      <p:grpSpPr>
+        <a:xfrm>
+          <a:off x="0" y="0"/>
+          <a:ext cx="0" cy="0"/>
+          <a:chOff x="0" y="0"/>
+          <a:chExt cx="0" cy="0"/>
+        </a:xfrm>
+      </p:grpSpPr>
+      <p:sp>
+        <p:nvSpPr>
+          <p:cNvPr id="4" name="Title 3">
+            <a:extLst>
+              <a:ext uri="{FF2B5EF4-FFF2-40B4-BE49-F238E27FC236}">
+                <a16:creationId xmlns:a16="http://schemas.microsoft.com/office/drawing/2014/main" id="{EE13D860-9205-48B1-B675-4421397C217F}"/>
+              </a:ext>
+            </a:extLst>
+          </p:cNvPr>
+          <p:cNvSpPr>
+            <a:spLocks noGrp="1"/>
+          </p:cNvSpPr>
+          <p:nvPr>
+            <p:ph type="title"/>
+          </p:nvPr>
+        </p:nvSpPr>
+        <p:spPr/>
+        <p:txBody>
+          <a:bodyPr/>
+          <a:lstStyle/>
+          <a:p>
+            <a:r>
+              <a:rPr lang="en-US" cap="none" dirty="0"/>
+              <a:t>Code Reviews</a:t>
+            </a:r>
+          </a:p>
+        </p:txBody>
+      </p:sp>
+      <p:sp>
+        <p:nvSpPr>
+          <p:cNvPr id="5" name="Content Placeholder 4">
+            <a:extLst>
+              <a:ext uri="{FF2B5EF4-FFF2-40B4-BE49-F238E27FC236}">
+                <a16:creationId xmlns:a16="http://schemas.microsoft.com/office/drawing/2014/main" id="{BF24FDFA-3F46-41F2-9499-79EDCEF806BD}"/>
+              </a:ext>
+            </a:extLst>
+          </p:cNvPr>
+          <p:cNvSpPr>
+            <a:spLocks noGrp="1"/>
+          </p:cNvSpPr>
+          <p:nvPr>
+            <p:ph idx="1"/>
+          </p:nvPr>
+        </p:nvSpPr>
+        <p:spPr/>
+        <p:txBody>
+          <a:bodyPr/>
+          <a:lstStyle/>
+          <a:p>
+            <a:endParaRPr lang="en-US"/>
+          </a:p>
+        </p:txBody>
+      </p:sp>
+    </p:spTree>
+    <p:extLst>
+      <p:ext uri="{BB962C8B-B14F-4D97-AF65-F5344CB8AC3E}">
+        <p14:creationId xmlns:p14="http://schemas.microsoft.com/office/powerpoint/2010/main" val="4113622117"/>
+      </p:ext>
+    </p:extLst>
+  </p:cSld>
+  <p:clrMapOvr>
+    <a:masterClrMapping/>
+  </p:clrMapOvr>
+</p:sld>
+</file>
+
+<file path=ppt/slides/slide31.xml><?xml version="1.0" encoding="utf-8"?>
+<p:sld xmlns:a="http://schemas.openxmlformats.org/drawingml/2006/main" xmlns:r="http://schemas.openxmlformats.org/officeDocument/2006/relationships" xmlns:p="http://schemas.openxmlformats.org/presentationml/2006/main">
+  <p:cSld>
+    <p:spTree>
+      <p:nvGrpSpPr>
+        <p:cNvPr id="1" name=""/>
+        <p:cNvGrpSpPr/>
+        <p:nvPr/>
+      </p:nvGrpSpPr>
+      <p:grpSpPr>
+        <a:xfrm>
+          <a:off x="0" y="0"/>
+          <a:ext cx="0" cy="0"/>
+          <a:chOff x="0" y="0"/>
+          <a:chExt cx="0" cy="0"/>
+        </a:xfrm>
+      </p:grpSpPr>
+      <p:sp>
+        <p:nvSpPr>
+          <p:cNvPr id="4" name="Title 3">
+            <a:extLst>
+              <a:ext uri="{FF2B5EF4-FFF2-40B4-BE49-F238E27FC236}">
+                <a16:creationId xmlns:a16="http://schemas.microsoft.com/office/drawing/2014/main" id="{EE13D860-9205-48B1-B675-4421397C217F}"/>
+              </a:ext>
+            </a:extLst>
+          </p:cNvPr>
+          <p:cNvSpPr>
+            <a:spLocks noGrp="1"/>
+          </p:cNvSpPr>
+          <p:nvPr>
+            <p:ph type="title"/>
+          </p:nvPr>
+        </p:nvSpPr>
+        <p:spPr/>
+        <p:txBody>
+          <a:bodyPr/>
+          <a:lstStyle/>
+          <a:p>
+            <a:r>
+              <a:rPr lang="en-US" cap="none" dirty="0"/>
+              <a:t>Code Analysis</a:t>
+            </a:r>
+          </a:p>
+        </p:txBody>
+      </p:sp>
+      <p:sp>
+        <p:nvSpPr>
+          <p:cNvPr id="5" name="Content Placeholder 4">
+            <a:extLst>
+              <a:ext uri="{FF2B5EF4-FFF2-40B4-BE49-F238E27FC236}">
+                <a16:creationId xmlns:a16="http://schemas.microsoft.com/office/drawing/2014/main" id="{BF24FDFA-3F46-41F2-9499-79EDCEF806BD}"/>
+              </a:ext>
+            </a:extLst>
+          </p:cNvPr>
+          <p:cNvSpPr>
+            <a:spLocks noGrp="1"/>
+          </p:cNvSpPr>
+          <p:nvPr>
+            <p:ph idx="1"/>
+          </p:nvPr>
+        </p:nvSpPr>
+        <p:spPr/>
+        <p:txBody>
+          <a:bodyPr/>
+          <a:lstStyle/>
+          <a:p>
+            <a:endParaRPr lang="en-US"/>
+          </a:p>
+        </p:txBody>
+      </p:sp>
+    </p:spTree>
+    <p:extLst>
+      <p:ext uri="{BB962C8B-B14F-4D97-AF65-F5344CB8AC3E}">
+        <p14:creationId xmlns:p14="http://schemas.microsoft.com/office/powerpoint/2010/main" val="2096699503"/>
+      </p:ext>
+    </p:extLst>
+  </p:cSld>
+  <p:clrMapOvr>
+    <a:masterClrMapping/>
+  </p:clrMapOvr>
+</p:sld>
+</file>
+
+<file path=ppt/slides/slide32.xml><?xml version="1.0" encoding="utf-8"?>
+<p:sld xmlns:a="http://schemas.openxmlformats.org/drawingml/2006/main" xmlns:r="http://schemas.openxmlformats.org/officeDocument/2006/relationships" xmlns:p="http://schemas.openxmlformats.org/presentationml/2006/main">
+  <p:cSld>
+    <p:spTree>
+      <p:nvGrpSpPr>
+        <p:cNvPr id="1" name=""/>
+        <p:cNvGrpSpPr/>
+        <p:nvPr/>
+      </p:nvGrpSpPr>
+      <p:grpSpPr>
+        <a:xfrm>
+          <a:off x="0" y="0"/>
+          <a:ext cx="0" cy="0"/>
+          <a:chOff x="0" y="0"/>
+          <a:chExt cx="0" cy="0"/>
+        </a:xfrm>
+      </p:grpSpPr>
+      <p:sp>
+        <p:nvSpPr>
+          <p:cNvPr id="4" name="Title 3">
+            <a:extLst>
+              <a:ext uri="{FF2B5EF4-FFF2-40B4-BE49-F238E27FC236}">
+                <a16:creationId xmlns:a16="http://schemas.microsoft.com/office/drawing/2014/main" id="{EE13D860-9205-48B1-B675-4421397C217F}"/>
+              </a:ext>
+            </a:extLst>
+          </p:cNvPr>
+          <p:cNvSpPr>
+            <a:spLocks noGrp="1"/>
+          </p:cNvSpPr>
+          <p:nvPr>
+            <p:ph type="title"/>
+          </p:nvPr>
+        </p:nvSpPr>
+        <p:spPr/>
+        <p:txBody>
+          <a:bodyPr/>
+          <a:lstStyle/>
+          <a:p>
+            <a:r>
+              <a:rPr lang="en-US" cap="none" dirty="0"/>
+              <a:t>Postman Collections For API Testing</a:t>
+            </a:r>
+          </a:p>
+        </p:txBody>
+      </p:sp>
+      <p:sp>
+        <p:nvSpPr>
+          <p:cNvPr id="5" name="Content Placeholder 4">
+            <a:extLst>
+              <a:ext uri="{FF2B5EF4-FFF2-40B4-BE49-F238E27FC236}">
+                <a16:creationId xmlns:a16="http://schemas.microsoft.com/office/drawing/2014/main" id="{BF24FDFA-3F46-41F2-9499-79EDCEF806BD}"/>
+              </a:ext>
+            </a:extLst>
+          </p:cNvPr>
+          <p:cNvSpPr>
+            <a:spLocks noGrp="1"/>
+          </p:cNvSpPr>
+          <p:nvPr>
+            <p:ph idx="1"/>
+          </p:nvPr>
+        </p:nvSpPr>
+        <p:spPr/>
+        <p:txBody>
+          <a:bodyPr/>
+          <a:lstStyle/>
+          <a:p>
+            <a:endParaRPr lang="en-US"/>
+          </a:p>
+        </p:txBody>
+      </p:sp>
+    </p:spTree>
+    <p:extLst>
+      <p:ext uri="{BB962C8B-B14F-4D97-AF65-F5344CB8AC3E}">
+        <p14:creationId xmlns:p14="http://schemas.microsoft.com/office/powerpoint/2010/main" val="2464744844"/>
+      </p:ext>
+    </p:extLst>
+  </p:cSld>
+  <p:clrMapOvr>
+    <a:masterClrMapping/>
+  </p:clrMapOvr>
+</p:sld>
+</file>
+
+<file path=ppt/slides/slide33.xml><?xml version="1.0" encoding="utf-8"?>
+<p:sld xmlns:a="http://schemas.openxmlformats.org/drawingml/2006/main" xmlns:r="http://schemas.openxmlformats.org/officeDocument/2006/relationships" xmlns:p="http://schemas.openxmlformats.org/presentationml/2006/main">
+  <p:cSld>
+    <p:spTree>
+      <p:nvGrpSpPr>
+        <p:cNvPr id="1" name=""/>
+        <p:cNvGrpSpPr/>
+        <p:nvPr/>
+      </p:nvGrpSpPr>
+      <p:grpSpPr>
+        <a:xfrm>
+          <a:off x="0" y="0"/>
+          <a:ext cx="0" cy="0"/>
+          <a:chOff x="0" y="0"/>
+          <a:chExt cx="0" cy="0"/>
+        </a:xfrm>
+      </p:grpSpPr>
+      <p:sp>
+        <p:nvSpPr>
+          <p:cNvPr id="4" name="Title 3">
+            <a:extLst>
+              <a:ext uri="{FF2B5EF4-FFF2-40B4-BE49-F238E27FC236}">
+                <a16:creationId xmlns:a16="http://schemas.microsoft.com/office/drawing/2014/main" id="{EE13D860-9205-48B1-B675-4421397C217F}"/>
+              </a:ext>
+            </a:extLst>
+          </p:cNvPr>
+          <p:cNvSpPr>
+            <a:spLocks noGrp="1"/>
+          </p:cNvSpPr>
+          <p:nvPr>
+            <p:ph type="title"/>
+          </p:nvPr>
+        </p:nvSpPr>
+        <p:spPr/>
+        <p:txBody>
+          <a:bodyPr/>
+          <a:lstStyle/>
+          <a:p>
+            <a:r>
+              <a:rPr lang="en-US" cap="none" dirty="0"/>
+              <a:t>Test Plans</a:t>
+            </a:r>
+          </a:p>
+        </p:txBody>
+      </p:sp>
+      <p:sp>
+        <p:nvSpPr>
+          <p:cNvPr id="5" name="Content Placeholder 4">
+            <a:extLst>
+              <a:ext uri="{FF2B5EF4-FFF2-40B4-BE49-F238E27FC236}">
+                <a16:creationId xmlns:a16="http://schemas.microsoft.com/office/drawing/2014/main" id="{BF24FDFA-3F46-41F2-9499-79EDCEF806BD}"/>
+              </a:ext>
+            </a:extLst>
+          </p:cNvPr>
+          <p:cNvSpPr>
+            <a:spLocks noGrp="1"/>
+          </p:cNvSpPr>
+          <p:nvPr>
+            <p:ph idx="1"/>
+          </p:nvPr>
+        </p:nvSpPr>
+        <p:spPr/>
+        <p:txBody>
+          <a:bodyPr/>
+          <a:lstStyle/>
+          <a:p>
+            <a:endParaRPr lang="en-US"/>
+          </a:p>
+        </p:txBody>
+      </p:sp>
+    </p:spTree>
+    <p:extLst>
+      <p:ext uri="{BB962C8B-B14F-4D97-AF65-F5344CB8AC3E}">
+        <p14:creationId xmlns:p14="http://schemas.microsoft.com/office/powerpoint/2010/main" val="2410506025"/>
+      </p:ext>
+    </p:extLst>
+  </p:cSld>
+  <p:clrMapOvr>
+    <a:masterClrMapping/>
+  </p:clrMapOvr>
+</p:sld>
+</file>
+
+<file path=ppt/slides/slide34.xml><?xml version="1.0" encoding="utf-8"?>
+<p:sld xmlns:a="http://schemas.openxmlformats.org/drawingml/2006/main" xmlns:r="http://schemas.openxmlformats.org/officeDocument/2006/relationships" xmlns:p="http://schemas.openxmlformats.org/presentationml/2006/main">
+  <p:cSld>
+    <p:spTree>
+      <p:nvGrpSpPr>
+        <p:cNvPr id="1" name=""/>
+        <p:cNvGrpSpPr/>
+        <p:nvPr/>
+      </p:nvGrpSpPr>
+      <p:grpSpPr>
+        <a:xfrm>
+          <a:off x="0" y="0"/>
+          <a:ext cx="0" cy="0"/>
+          <a:chOff x="0" y="0"/>
+          <a:chExt cx="0" cy="0"/>
+        </a:xfrm>
+      </p:grpSpPr>
+      <p:sp>
+        <p:nvSpPr>
+          <p:cNvPr id="4" name="Title 3">
+            <a:extLst>
+              <a:ext uri="{FF2B5EF4-FFF2-40B4-BE49-F238E27FC236}">
+                <a16:creationId xmlns:a16="http://schemas.microsoft.com/office/drawing/2014/main" id="{EE13D860-9205-48B1-B675-4421397C217F}"/>
+              </a:ext>
+            </a:extLst>
+          </p:cNvPr>
+          <p:cNvSpPr>
+            <a:spLocks noGrp="1"/>
+          </p:cNvSpPr>
+          <p:nvPr>
+            <p:ph type="title"/>
+          </p:nvPr>
+        </p:nvSpPr>
+        <p:spPr/>
+        <p:txBody>
+          <a:bodyPr/>
+          <a:lstStyle/>
+          <a:p>
+            <a:r>
+              <a:rPr lang="en-US" cap="none" dirty="0"/>
+              <a:t>Testing &amp; CI/CD Pipelines</a:t>
+            </a:r>
+          </a:p>
+        </p:txBody>
+      </p:sp>
+      <p:sp>
+        <p:nvSpPr>
+          <p:cNvPr id="5" name="Content Placeholder 4">
+            <a:extLst>
+              <a:ext uri="{FF2B5EF4-FFF2-40B4-BE49-F238E27FC236}">
+                <a16:creationId xmlns:a16="http://schemas.microsoft.com/office/drawing/2014/main" id="{BF24FDFA-3F46-41F2-9499-79EDCEF806BD}"/>
+              </a:ext>
+            </a:extLst>
+          </p:cNvPr>
+          <p:cNvSpPr>
+            <a:spLocks noGrp="1"/>
+          </p:cNvSpPr>
+          <p:nvPr>
+            <p:ph idx="1"/>
+          </p:nvPr>
+        </p:nvSpPr>
+        <p:spPr/>
+        <p:txBody>
+          <a:bodyPr/>
+          <a:lstStyle/>
+          <a:p>
+            <a:endParaRPr lang="en-US"/>
+          </a:p>
+        </p:txBody>
+      </p:sp>
+    </p:spTree>
+    <p:extLst>
+      <p:ext uri="{BB962C8B-B14F-4D97-AF65-F5344CB8AC3E}">
+        <p14:creationId xmlns:p14="http://schemas.microsoft.com/office/powerpoint/2010/main" val="3252649716"/>
+      </p:ext>
+    </p:extLst>
+  </p:cSld>
+  <p:clrMapOvr>
+    <a:masterClrMapping/>
+  </p:clrMapOvr>
+</p:sld>
+</file>
+
+<file path=ppt/slides/slide35.xml><?xml version="1.0" encoding="utf-8"?>
+<p:sld xmlns:a="http://schemas.openxmlformats.org/drawingml/2006/main" xmlns:r="http://schemas.openxmlformats.org/officeDocument/2006/relationships" xmlns:p="http://schemas.openxmlformats.org/presentationml/2006/main">
+  <p:cSld>
+    <p:spTree>
+      <p:nvGrpSpPr>
+        <p:cNvPr id="1" name=""/>
+        <p:cNvGrpSpPr/>
+        <p:nvPr/>
+      </p:nvGrpSpPr>
+      <p:grpSpPr>
+        <a:xfrm>
+          <a:off x="0" y="0"/>
+          <a:ext cx="0" cy="0"/>
+          <a:chOff x="0" y="0"/>
+          <a:chExt cx="0" cy="0"/>
+        </a:xfrm>
+      </p:grpSpPr>
+      <p:sp>
+        <p:nvSpPr>
+          <p:cNvPr id="4" name="Title 3">
+            <a:extLst>
+              <a:ext uri="{FF2B5EF4-FFF2-40B4-BE49-F238E27FC236}">
+                <a16:creationId xmlns:a16="http://schemas.microsoft.com/office/drawing/2014/main" id="{EE13D860-9205-48B1-B675-4421397C217F}"/>
+              </a:ext>
+            </a:extLst>
+          </p:cNvPr>
+          <p:cNvSpPr>
+            <a:spLocks noGrp="1"/>
+          </p:cNvSpPr>
+          <p:nvPr>
+            <p:ph type="title"/>
+          </p:nvPr>
+        </p:nvSpPr>
+        <p:spPr/>
+        <p:txBody>
+          <a:bodyPr/>
+          <a:lstStyle/>
+          <a:p>
+            <a:r>
+              <a:rPr lang="en-US" cap="none" dirty="0"/>
+              <a:t>JetBrains Annotations</a:t>
+            </a:r>
+          </a:p>
+        </p:txBody>
+      </p:sp>
+      <p:sp>
+        <p:nvSpPr>
+          <p:cNvPr id="5" name="Content Placeholder 4">
+            <a:extLst>
+              <a:ext uri="{FF2B5EF4-FFF2-40B4-BE49-F238E27FC236}">
+                <a16:creationId xmlns:a16="http://schemas.microsoft.com/office/drawing/2014/main" id="{BF24FDFA-3F46-41F2-9499-79EDCEF806BD}"/>
+              </a:ext>
+            </a:extLst>
+          </p:cNvPr>
+          <p:cNvSpPr>
+            <a:spLocks noGrp="1"/>
+          </p:cNvSpPr>
+          <p:nvPr>
+            <p:ph idx="1"/>
+          </p:nvPr>
+        </p:nvSpPr>
+        <p:spPr/>
+        <p:txBody>
+          <a:bodyPr/>
+          <a:lstStyle/>
+          <a:p>
+            <a:endParaRPr lang="en-US" dirty="0"/>
+          </a:p>
+        </p:txBody>
+      </p:sp>
+    </p:spTree>
+    <p:extLst>
+      <p:ext uri="{BB962C8B-B14F-4D97-AF65-F5344CB8AC3E}">
+        <p14:creationId xmlns:p14="http://schemas.microsoft.com/office/powerpoint/2010/main" val="3174660629"/>
+      </p:ext>
+    </p:extLst>
+  </p:cSld>
+  <p:clrMapOvr>
+    <a:masterClrMapping/>
+  </p:clrMapOvr>
+</p:sld>
+</file>
+
+<file path=ppt/slides/slide36.xml><?xml version="1.0" encoding="utf-8"?>
+<p:sld xmlns:a="http://schemas.openxmlformats.org/drawingml/2006/main" xmlns:r="http://schemas.openxmlformats.org/officeDocument/2006/relationships" xmlns:p="http://schemas.openxmlformats.org/presentationml/2006/main">
+  <p:cSld>
+    <p:spTree>
+      <p:nvGrpSpPr>
+        <p:cNvPr id="1" name=""/>
+        <p:cNvGrpSpPr/>
+        <p:nvPr/>
+      </p:nvGrpSpPr>
+      <p:grpSpPr>
+        <a:xfrm>
+          <a:off x="0" y="0"/>
+          <a:ext cx="0" cy="0"/>
+          <a:chOff x="0" y="0"/>
+          <a:chExt cx="0" cy="0"/>
+        </a:xfrm>
+      </p:grpSpPr>
+      <p:sp>
+        <p:nvSpPr>
+          <p:cNvPr id="4" name="Title 3">
+            <a:extLst>
+              <a:ext uri="{FF2B5EF4-FFF2-40B4-BE49-F238E27FC236}">
+                <a16:creationId xmlns:a16="http://schemas.microsoft.com/office/drawing/2014/main" id="{EE13D860-9205-48B1-B675-4421397C217F}"/>
+              </a:ext>
+            </a:extLst>
+          </p:cNvPr>
+          <p:cNvSpPr>
+            <a:spLocks noGrp="1"/>
+          </p:cNvSpPr>
+          <p:nvPr>
+            <p:ph type="title"/>
+          </p:nvPr>
+        </p:nvSpPr>
+        <p:spPr/>
+        <p:txBody>
+          <a:bodyPr/>
+          <a:lstStyle/>
+          <a:p>
+            <a:r>
+              <a:rPr lang="en-US" cap="none" dirty="0"/>
+              <a:t>Code Contracts</a:t>
+            </a:r>
+          </a:p>
+        </p:txBody>
+      </p:sp>
+      <p:sp>
+        <p:nvSpPr>
+          <p:cNvPr id="5" name="Content Placeholder 4">
+            <a:extLst>
+              <a:ext uri="{FF2B5EF4-FFF2-40B4-BE49-F238E27FC236}">
+                <a16:creationId xmlns:a16="http://schemas.microsoft.com/office/drawing/2014/main" id="{BF24FDFA-3F46-41F2-9499-79EDCEF806BD}"/>
+              </a:ext>
+            </a:extLst>
+          </p:cNvPr>
+          <p:cNvSpPr>
+            <a:spLocks noGrp="1"/>
+          </p:cNvSpPr>
+          <p:nvPr>
+            <p:ph idx="1"/>
+          </p:nvPr>
+        </p:nvSpPr>
+        <p:spPr/>
+        <p:txBody>
+          <a:bodyPr/>
+          <a:lstStyle/>
+          <a:p>
+            <a:endParaRPr lang="en-US" dirty="0"/>
+          </a:p>
+        </p:txBody>
+      </p:sp>
+    </p:spTree>
+    <p:extLst>
+      <p:ext uri="{BB962C8B-B14F-4D97-AF65-F5344CB8AC3E}">
+        <p14:creationId xmlns:p14="http://schemas.microsoft.com/office/powerpoint/2010/main" val="3631503129"/>
+      </p:ext>
+    </p:extLst>
+  </p:cSld>
+  <p:clrMapOvr>
+    <a:masterClrMapping/>
+  </p:clrMapOvr>
+</p:sld>
+</file>
+
+<file path=ppt/slides/slide37.xml><?xml version="1.0" encoding="utf-8"?>
+<p:sld xmlns:a="http://schemas.openxmlformats.org/drawingml/2006/main" xmlns:r="http://schemas.openxmlformats.org/officeDocument/2006/relationships" xmlns:p="http://schemas.openxmlformats.org/presentationml/2006/main">
+  <p:cSld>
+    <p:spTree>
+      <p:nvGrpSpPr>
+        <p:cNvPr id="1" name=""/>
+        <p:cNvGrpSpPr/>
+        <p:nvPr/>
+      </p:nvGrpSpPr>
+      <p:grpSpPr>
+        <a:xfrm>
+          <a:off x="0" y="0"/>
+          <a:ext cx="0" cy="0"/>
+          <a:chOff x="0" y="0"/>
+          <a:chExt cx="0" cy="0"/>
+        </a:xfrm>
+      </p:grpSpPr>
+      <p:sp>
+        <p:nvSpPr>
+          <p:cNvPr id="4" name="Title 3">
+            <a:extLst>
+              <a:ext uri="{FF2B5EF4-FFF2-40B4-BE49-F238E27FC236}">
+                <a16:creationId xmlns:a16="http://schemas.microsoft.com/office/drawing/2014/main" id="{EE13D860-9205-48B1-B675-4421397C217F}"/>
+              </a:ext>
+            </a:extLst>
+          </p:cNvPr>
+          <p:cNvSpPr>
+            <a:spLocks noGrp="1"/>
+          </p:cNvSpPr>
+          <p:nvPr>
+            <p:ph type="title"/>
+          </p:nvPr>
+        </p:nvSpPr>
+        <p:spPr/>
+        <p:txBody>
+          <a:bodyPr/>
+          <a:lstStyle/>
+          <a:p>
+            <a:r>
+              <a:rPr lang="en-US" cap="none" dirty="0"/>
+              <a:t>Functional Programming</a:t>
+            </a:r>
+          </a:p>
+        </p:txBody>
+      </p:sp>
+      <p:sp>
+        <p:nvSpPr>
+          <p:cNvPr id="5" name="Content Placeholder 4">
+            <a:extLst>
+              <a:ext uri="{FF2B5EF4-FFF2-40B4-BE49-F238E27FC236}">
+                <a16:creationId xmlns:a16="http://schemas.microsoft.com/office/drawing/2014/main" id="{BF24FDFA-3F46-41F2-9499-79EDCEF806BD}"/>
+              </a:ext>
+            </a:extLst>
+          </p:cNvPr>
+          <p:cNvSpPr>
+            <a:spLocks noGrp="1"/>
+          </p:cNvSpPr>
+          <p:nvPr>
+            <p:ph idx="1"/>
+          </p:nvPr>
+        </p:nvSpPr>
+        <p:spPr/>
+        <p:txBody>
+          <a:bodyPr/>
+          <a:lstStyle/>
+          <a:p>
+            <a:endParaRPr lang="en-US" dirty="0"/>
+          </a:p>
+        </p:txBody>
+      </p:sp>
+    </p:spTree>
+    <p:extLst>
+      <p:ext uri="{BB962C8B-B14F-4D97-AF65-F5344CB8AC3E}">
+        <p14:creationId xmlns:p14="http://schemas.microsoft.com/office/powerpoint/2010/main" val="3466946353"/>
+      </p:ext>
+    </p:extLst>
+  </p:cSld>
+  <p:clrMapOvr>
+    <a:masterClrMapping/>
+  </p:clrMapOvr>
+</p:sld>
+</file>
+
+<file path=ppt/slides/slide38.xml><?xml version="1.0" encoding="utf-8"?>
+<p:sld xmlns:a="http://schemas.openxmlformats.org/drawingml/2006/main" xmlns:r="http://schemas.openxmlformats.org/officeDocument/2006/relationships" xmlns:p="http://schemas.openxmlformats.org/presentationml/2006/main">
+  <p:cSld>
+    <p:spTree>
+      <p:nvGrpSpPr>
+        <p:cNvPr id="1" name=""/>
+        <p:cNvGrpSpPr/>
+        <p:nvPr/>
+      </p:nvGrpSpPr>
+      <p:grpSpPr>
+        <a:xfrm>
+          <a:off x="0" y="0"/>
+          <a:ext cx="0" cy="0"/>
+          <a:chOff x="0" y="0"/>
+          <a:chExt cx="0" cy="0"/>
+        </a:xfrm>
+      </p:grpSpPr>
+      <p:sp>
+        <p:nvSpPr>
+          <p:cNvPr id="4" name="Title 3">
+            <a:extLst>
+              <a:ext uri="{FF2B5EF4-FFF2-40B4-BE49-F238E27FC236}">
+                <a16:creationId xmlns:a16="http://schemas.microsoft.com/office/drawing/2014/main" id="{EE13D860-9205-48B1-B675-4421397C217F}"/>
+              </a:ext>
+            </a:extLst>
+          </p:cNvPr>
+          <p:cNvSpPr>
+            <a:spLocks noGrp="1"/>
+          </p:cNvSpPr>
+          <p:nvPr>
+            <p:ph type="title"/>
+          </p:nvPr>
+        </p:nvSpPr>
+        <p:spPr/>
+        <p:txBody>
+          <a:bodyPr/>
+          <a:lstStyle/>
+          <a:p>
+            <a:r>
+              <a:rPr lang="en-US" cap="none" dirty="0" err="1"/>
+              <a:t>NCrunch</a:t>
+            </a:r>
+            <a:endParaRPr lang="en-US" cap="none" dirty="0"/>
+          </a:p>
+        </p:txBody>
+      </p:sp>
+      <p:sp>
+        <p:nvSpPr>
+          <p:cNvPr id="5" name="Content Placeholder 4">
+            <a:extLst>
+              <a:ext uri="{FF2B5EF4-FFF2-40B4-BE49-F238E27FC236}">
+                <a16:creationId xmlns:a16="http://schemas.microsoft.com/office/drawing/2014/main" id="{BF24FDFA-3F46-41F2-9499-79EDCEF806BD}"/>
+              </a:ext>
+            </a:extLst>
+          </p:cNvPr>
+          <p:cNvSpPr>
+            <a:spLocks noGrp="1"/>
+          </p:cNvSpPr>
+          <p:nvPr>
+            <p:ph idx="1"/>
+          </p:nvPr>
+        </p:nvSpPr>
+        <p:spPr/>
+        <p:txBody>
+          <a:bodyPr/>
+          <a:lstStyle/>
+          <a:p>
+            <a:endParaRPr lang="en-US"/>
+          </a:p>
+        </p:txBody>
+      </p:sp>
+    </p:spTree>
+    <p:extLst>
+      <p:ext uri="{BB962C8B-B14F-4D97-AF65-F5344CB8AC3E}">
+        <p14:creationId xmlns:p14="http://schemas.microsoft.com/office/powerpoint/2010/main" val="56294700"/>
+      </p:ext>
+    </p:extLst>
+  </p:cSld>
+  <p:clrMapOvr>
+    <a:masterClrMapping/>
+  </p:clrMapOvr>
+</p:sld>
+</file>
+
+<file path=ppt/slides/slide39.xml><?xml version="1.0" encoding="utf-8"?>
+<p:sld xmlns:a="http://schemas.openxmlformats.org/drawingml/2006/main" xmlns:r="http://schemas.openxmlformats.org/officeDocument/2006/relationships" xmlns:p="http://schemas.openxmlformats.org/presentationml/2006/main">
+  <p:cSld>
+    <p:spTree>
+      <p:nvGrpSpPr>
+        <p:cNvPr id="1" name=""/>
+        <p:cNvGrpSpPr/>
+        <p:nvPr/>
+      </p:nvGrpSpPr>
+      <p:grpSpPr>
+        <a:xfrm>
+          <a:off x="0" y="0"/>
+          <a:ext cx="0" cy="0"/>
+          <a:chOff x="0" y="0"/>
+          <a:chExt cx="0" cy="0"/>
+        </a:xfrm>
+      </p:grpSpPr>
+      <p:sp>
+        <p:nvSpPr>
+          <p:cNvPr id="4" name="Title 3">
+            <a:extLst>
+              <a:ext uri="{FF2B5EF4-FFF2-40B4-BE49-F238E27FC236}">
+                <a16:creationId xmlns:a16="http://schemas.microsoft.com/office/drawing/2014/main" id="{1D8CEF05-7F4F-4EB7-B330-AD42820B12AD}"/>
+              </a:ext>
+            </a:extLst>
+          </p:cNvPr>
+          <p:cNvSpPr>
+            <a:spLocks noGrp="1"/>
+          </p:cNvSpPr>
+          <p:nvPr>
+            <p:ph type="title"/>
+          </p:nvPr>
+        </p:nvSpPr>
+        <p:spPr/>
+        <p:txBody>
+          <a:bodyPr/>
+          <a:lstStyle/>
+          <a:p>
+            <a:r>
+              <a:rPr lang="en-US" cap="none" dirty="0"/>
+              <a:t>Defect Analysis</a:t>
+            </a:r>
+          </a:p>
+        </p:txBody>
+      </p:sp>
+      <p:sp>
+        <p:nvSpPr>
+          <p:cNvPr id="2" name="Text Placeholder 1">
+            <a:extLst>
+              <a:ext uri="{FF2B5EF4-FFF2-40B4-BE49-F238E27FC236}">
+                <a16:creationId xmlns:a16="http://schemas.microsoft.com/office/drawing/2014/main" id="{D9839009-8E56-4DB8-B9D9-7DC734F81A96}"/>
+              </a:ext>
+            </a:extLst>
+          </p:cNvPr>
+          <p:cNvSpPr>
+            <a:spLocks noGrp="1"/>
+          </p:cNvSpPr>
+          <p:nvPr>
+            <p:ph type="body" idx="1"/>
+          </p:nvPr>
+        </p:nvSpPr>
+        <p:spPr/>
+        <p:txBody>
+          <a:bodyPr/>
+          <a:lstStyle/>
+          <a:p>
+            <a:endParaRPr lang="en-US"/>
+          </a:p>
+        </p:txBody>
+      </p:sp>
+    </p:spTree>
+    <p:extLst>
+      <p:ext uri="{BB962C8B-B14F-4D97-AF65-F5344CB8AC3E}">
+        <p14:creationId xmlns:p14="http://schemas.microsoft.com/office/powerpoint/2010/main" val="3515656104"/>
       </p:ext>
     </p:extLst>
   </p:cSld>
@@ -12829,89 +18820,8 @@
           <a:lstStyle/>
           <a:p>
             <a:r>
-              <a:rPr lang="en-US" dirty="0"/>
-              <a:t>About This Talk</a:t>
-            </a:r>
-          </a:p>
-        </p:txBody>
-      </p:sp>
-      <p:sp>
-        <p:nvSpPr>
-          <p:cNvPr id="4" name="Text Placeholder 3">
-            <a:extLst>
-              <a:ext uri="{FF2B5EF4-FFF2-40B4-BE49-F238E27FC236}">
-                <a16:creationId xmlns:a16="http://schemas.microsoft.com/office/drawing/2014/main" id="{187158B9-D10A-46CA-8C3D-60EA2CEE9B9F}"/>
-              </a:ext>
-            </a:extLst>
-          </p:cNvPr>
-          <p:cNvSpPr>
-            <a:spLocks noGrp="1"/>
-          </p:cNvSpPr>
-          <p:nvPr>
-            <p:ph type="body" idx="1"/>
-          </p:nvPr>
-        </p:nvSpPr>
-        <p:spPr/>
-        <p:txBody>
-          <a:bodyPr/>
-          <a:lstStyle/>
-          <a:p>
-            <a:r>
-              <a:rPr lang="en-US" dirty="0"/>
-              <a:t>This talk IS</a:t>
-            </a:r>
-          </a:p>
-        </p:txBody>
-      </p:sp>
-      <p:sp>
-        <p:nvSpPr>
-          <p:cNvPr id="5" name="Content Placeholder 4">
-            <a:extLst>
-              <a:ext uri="{FF2B5EF4-FFF2-40B4-BE49-F238E27FC236}">
-                <a16:creationId xmlns:a16="http://schemas.microsoft.com/office/drawing/2014/main" id="{FC9840CE-D143-441A-A21F-F4B5412BC39A}"/>
-              </a:ext>
-            </a:extLst>
-          </p:cNvPr>
-          <p:cNvSpPr>
-            <a:spLocks noGrp="1"/>
-          </p:cNvSpPr>
-          <p:nvPr>
-            <p:ph sz="half" idx="2"/>
-          </p:nvPr>
-        </p:nvSpPr>
-        <p:spPr/>
-        <p:txBody>
-          <a:bodyPr/>
-          <a:lstStyle/>
-          <a:p>
-            <a:endParaRPr lang="en-US" dirty="0"/>
-          </a:p>
-        </p:txBody>
-      </p:sp>
-      <p:sp>
-        <p:nvSpPr>
-          <p:cNvPr id="6" name="Text Placeholder 5">
-            <a:extLst>
-              <a:ext uri="{FF2B5EF4-FFF2-40B4-BE49-F238E27FC236}">
-                <a16:creationId xmlns:a16="http://schemas.microsoft.com/office/drawing/2014/main" id="{B9ACDAD6-C416-40B1-B9A3-EDD5D8B7A663}"/>
-              </a:ext>
-            </a:extLst>
-          </p:cNvPr>
-          <p:cNvSpPr>
-            <a:spLocks noGrp="1"/>
-          </p:cNvSpPr>
-          <p:nvPr>
-            <p:ph type="body" sz="quarter" idx="3"/>
-          </p:nvPr>
-        </p:nvSpPr>
-        <p:spPr/>
-        <p:txBody>
-          <a:bodyPr/>
-          <a:lstStyle/>
-          <a:p>
-            <a:r>
-              <a:rPr lang="en-US" dirty="0"/>
-              <a:t>This talk is NOT</a:t>
+              <a:rPr lang="en-US" cap="none" dirty="0"/>
+              <a:t>This Talk Is NOT</a:t>
             </a:r>
           </a:p>
         </p:txBody>
@@ -12929,7 +18839,7 @@
             <a:spLocks noGrp="1"/>
           </p:cNvSpPr>
           <p:nvPr>
-            <p:ph sz="quarter" idx="4"/>
+            <p:ph idx="1"/>
           </p:nvPr>
         </p:nvSpPr>
         <p:spPr/>
@@ -12939,7 +18849,7 @@
           <a:p>
             <a:r>
               <a:rPr lang="en-US" dirty="0"/>
-              <a:t>Focused on any one particular .NET project type (ASP .NET, UWP, </a:t>
+              <a:t>Focused on any one particular .NET project type (ASP .NET, XAML, </a:t>
             </a:r>
             <a:r>
               <a:rPr lang="en-US" dirty="0" err="1"/>
@@ -12953,7 +18863,25 @@
           <a:p>
             <a:r>
               <a:rPr lang="en-US" dirty="0"/>
+              <a:t>Focused extensively on any one library or tool</a:t>
+            </a:r>
+          </a:p>
+          <a:p>
+            <a:r>
+              <a:rPr lang="en-US" dirty="0"/>
+              <a:t>Code-Intensive</a:t>
+            </a:r>
+          </a:p>
+          <a:p>
+            <a:r>
+              <a:rPr lang="en-US" dirty="0"/>
               <a:t>Solely about unit testing</a:t>
+            </a:r>
+          </a:p>
+          <a:p>
+            <a:r>
+              <a:rPr lang="en-US" dirty="0"/>
+              <a:t>Intended to be prescriptive of one library / tool over another</a:t>
             </a:r>
           </a:p>
         </p:txBody>
@@ -12961,7 +18889,7 @@
     </p:spTree>
     <p:extLst>
       <p:ext uri="{BB962C8B-B14F-4D97-AF65-F5344CB8AC3E}">
-        <p14:creationId xmlns:p14="http://schemas.microsoft.com/office/powerpoint/2010/main" val="1204743042"/>
+        <p14:creationId xmlns:p14="http://schemas.microsoft.com/office/powerpoint/2010/main" val="4227452076"/>
       </p:ext>
     </p:extLst>
   </p:cSld>
@@ -12971,7 +18899,339 @@
 </p:sld>
 </file>
 
-<file path=ppt/slides/slide5.xml><?xml version="1.0" encoding="utf-8"?>
+<file path=ppt/slides/slide40.xml><?xml version="1.0" encoding="utf-8"?>
+<p:sld xmlns:a="http://schemas.openxmlformats.org/drawingml/2006/main" xmlns:r="http://schemas.openxmlformats.org/officeDocument/2006/relationships" xmlns:p="http://schemas.openxmlformats.org/presentationml/2006/main">
+  <p:cSld>
+    <p:spTree>
+      <p:nvGrpSpPr>
+        <p:cNvPr id="1" name=""/>
+        <p:cNvGrpSpPr/>
+        <p:nvPr/>
+      </p:nvGrpSpPr>
+      <p:grpSpPr>
+        <a:xfrm>
+          <a:off x="0" y="0"/>
+          <a:ext cx="0" cy="0"/>
+          <a:chOff x="0" y="0"/>
+          <a:chExt cx="0" cy="0"/>
+        </a:xfrm>
+      </p:grpSpPr>
+      <p:sp>
+        <p:nvSpPr>
+          <p:cNvPr id="4" name="Title 3">
+            <a:extLst>
+              <a:ext uri="{FF2B5EF4-FFF2-40B4-BE49-F238E27FC236}">
+                <a16:creationId xmlns:a16="http://schemas.microsoft.com/office/drawing/2014/main" id="{1D8CEF05-7F4F-4EB7-B330-AD42820B12AD}"/>
+              </a:ext>
+            </a:extLst>
+          </p:cNvPr>
+          <p:cNvSpPr>
+            <a:spLocks noGrp="1"/>
+          </p:cNvSpPr>
+          <p:nvPr>
+            <p:ph type="title"/>
+          </p:nvPr>
+        </p:nvSpPr>
+        <p:spPr/>
+        <p:txBody>
+          <a:bodyPr/>
+          <a:lstStyle/>
+          <a:p>
+            <a:r>
+              <a:rPr lang="en-US" cap="none" dirty="0"/>
+              <a:t>Tabulating Data</a:t>
+            </a:r>
+          </a:p>
+        </p:txBody>
+      </p:sp>
+      <p:sp>
+        <p:nvSpPr>
+          <p:cNvPr id="5" name="Content Placeholder 4">
+            <a:extLst>
+              <a:ext uri="{FF2B5EF4-FFF2-40B4-BE49-F238E27FC236}">
+                <a16:creationId xmlns:a16="http://schemas.microsoft.com/office/drawing/2014/main" id="{86E81608-AA4B-4277-9DBF-B5FF2D009F4E}"/>
+              </a:ext>
+            </a:extLst>
+          </p:cNvPr>
+          <p:cNvSpPr>
+            <a:spLocks noGrp="1"/>
+          </p:cNvSpPr>
+          <p:nvPr>
+            <p:ph idx="1"/>
+          </p:nvPr>
+        </p:nvSpPr>
+        <p:spPr/>
+        <p:txBody>
+          <a:bodyPr/>
+          <a:lstStyle/>
+          <a:p>
+            <a:endParaRPr lang="en-US"/>
+          </a:p>
+        </p:txBody>
+      </p:sp>
+    </p:spTree>
+    <p:extLst>
+      <p:ext uri="{BB962C8B-B14F-4D97-AF65-F5344CB8AC3E}">
+        <p14:creationId xmlns:p14="http://schemas.microsoft.com/office/powerpoint/2010/main" val="2301264144"/>
+      </p:ext>
+    </p:extLst>
+  </p:cSld>
+  <p:clrMapOvr>
+    <a:masterClrMapping/>
+  </p:clrMapOvr>
+</p:sld>
+</file>
+
+<file path=ppt/slides/slide41.xml><?xml version="1.0" encoding="utf-8"?>
+<p:sld xmlns:a="http://schemas.openxmlformats.org/drawingml/2006/main" xmlns:r="http://schemas.openxmlformats.org/officeDocument/2006/relationships" xmlns:p="http://schemas.openxmlformats.org/presentationml/2006/main">
+  <p:cSld>
+    <p:spTree>
+      <p:nvGrpSpPr>
+        <p:cNvPr id="1" name=""/>
+        <p:cNvGrpSpPr/>
+        <p:nvPr/>
+      </p:nvGrpSpPr>
+      <p:grpSpPr>
+        <a:xfrm>
+          <a:off x="0" y="0"/>
+          <a:ext cx="0" cy="0"/>
+          <a:chOff x="0" y="0"/>
+          <a:chExt cx="0" cy="0"/>
+        </a:xfrm>
+      </p:grpSpPr>
+      <p:sp>
+        <p:nvSpPr>
+          <p:cNvPr id="4" name="Title 3">
+            <a:extLst>
+              <a:ext uri="{FF2B5EF4-FFF2-40B4-BE49-F238E27FC236}">
+                <a16:creationId xmlns:a16="http://schemas.microsoft.com/office/drawing/2014/main" id="{1D8CEF05-7F4F-4EB7-B330-AD42820B12AD}"/>
+              </a:ext>
+            </a:extLst>
+          </p:cNvPr>
+          <p:cNvSpPr>
+            <a:spLocks noGrp="1"/>
+          </p:cNvSpPr>
+          <p:nvPr>
+            <p:ph type="title"/>
+          </p:nvPr>
+        </p:nvSpPr>
+        <p:spPr/>
+        <p:txBody>
+          <a:bodyPr/>
+          <a:lstStyle/>
+          <a:p>
+            <a:r>
+              <a:rPr lang="en-US" cap="none" dirty="0"/>
+              <a:t>Defects by Type</a:t>
+            </a:r>
+          </a:p>
+        </p:txBody>
+      </p:sp>
+      <p:sp>
+        <p:nvSpPr>
+          <p:cNvPr id="5" name="Content Placeholder 4">
+            <a:extLst>
+              <a:ext uri="{FF2B5EF4-FFF2-40B4-BE49-F238E27FC236}">
+                <a16:creationId xmlns:a16="http://schemas.microsoft.com/office/drawing/2014/main" id="{86E81608-AA4B-4277-9DBF-B5FF2D009F4E}"/>
+              </a:ext>
+            </a:extLst>
+          </p:cNvPr>
+          <p:cNvSpPr>
+            <a:spLocks noGrp="1"/>
+          </p:cNvSpPr>
+          <p:nvPr>
+            <p:ph idx="1"/>
+          </p:nvPr>
+        </p:nvSpPr>
+        <p:spPr/>
+        <p:txBody>
+          <a:bodyPr/>
+          <a:lstStyle/>
+          <a:p>
+            <a:endParaRPr lang="en-US"/>
+          </a:p>
+        </p:txBody>
+      </p:sp>
+    </p:spTree>
+    <p:extLst>
+      <p:ext uri="{BB962C8B-B14F-4D97-AF65-F5344CB8AC3E}">
+        <p14:creationId xmlns:p14="http://schemas.microsoft.com/office/powerpoint/2010/main" val="3579891588"/>
+      </p:ext>
+    </p:extLst>
+  </p:cSld>
+  <p:clrMapOvr>
+    <a:masterClrMapping/>
+  </p:clrMapOvr>
+</p:sld>
+</file>
+
+<file path=ppt/slides/slide42.xml><?xml version="1.0" encoding="utf-8"?>
+<p:sld xmlns:a="http://schemas.openxmlformats.org/drawingml/2006/main" xmlns:r="http://schemas.openxmlformats.org/officeDocument/2006/relationships" xmlns:p="http://schemas.openxmlformats.org/presentationml/2006/main">
+  <p:cSld>
+    <p:spTree>
+      <p:nvGrpSpPr>
+        <p:cNvPr id="1" name=""/>
+        <p:cNvGrpSpPr/>
+        <p:nvPr/>
+      </p:nvGrpSpPr>
+      <p:grpSpPr>
+        <a:xfrm>
+          <a:off x="0" y="0"/>
+          <a:ext cx="0" cy="0"/>
+          <a:chOff x="0" y="0"/>
+          <a:chExt cx="0" cy="0"/>
+        </a:xfrm>
+      </p:grpSpPr>
+      <p:sp>
+        <p:nvSpPr>
+          <p:cNvPr id="4" name="Title 3">
+            <a:extLst>
+              <a:ext uri="{FF2B5EF4-FFF2-40B4-BE49-F238E27FC236}">
+                <a16:creationId xmlns:a16="http://schemas.microsoft.com/office/drawing/2014/main" id="{1D8CEF05-7F4F-4EB7-B330-AD42820B12AD}"/>
+              </a:ext>
+            </a:extLst>
+          </p:cNvPr>
+          <p:cNvSpPr>
+            <a:spLocks noGrp="1"/>
+          </p:cNvSpPr>
+          <p:nvPr>
+            <p:ph type="title"/>
+          </p:nvPr>
+        </p:nvSpPr>
+        <p:spPr/>
+        <p:txBody>
+          <a:bodyPr/>
+          <a:lstStyle/>
+          <a:p>
+            <a:r>
+              <a:rPr lang="en-US" cap="none" dirty="0"/>
+              <a:t>New Defects by Root Cause</a:t>
+            </a:r>
+          </a:p>
+        </p:txBody>
+      </p:sp>
+      <p:sp>
+        <p:nvSpPr>
+          <p:cNvPr id="5" name="Content Placeholder 4">
+            <a:extLst>
+              <a:ext uri="{FF2B5EF4-FFF2-40B4-BE49-F238E27FC236}">
+                <a16:creationId xmlns:a16="http://schemas.microsoft.com/office/drawing/2014/main" id="{86E81608-AA4B-4277-9DBF-B5FF2D009F4E}"/>
+              </a:ext>
+            </a:extLst>
+          </p:cNvPr>
+          <p:cNvSpPr>
+            <a:spLocks noGrp="1"/>
+          </p:cNvSpPr>
+          <p:nvPr>
+            <p:ph idx="1"/>
+          </p:nvPr>
+        </p:nvSpPr>
+        <p:spPr/>
+        <p:txBody>
+          <a:bodyPr/>
+          <a:lstStyle/>
+          <a:p>
+            <a:endParaRPr lang="en-US"/>
+          </a:p>
+        </p:txBody>
+      </p:sp>
+    </p:spTree>
+    <p:extLst>
+      <p:ext uri="{BB962C8B-B14F-4D97-AF65-F5344CB8AC3E}">
+        <p14:creationId xmlns:p14="http://schemas.microsoft.com/office/powerpoint/2010/main" val="1557583631"/>
+      </p:ext>
+    </p:extLst>
+  </p:cSld>
+  <p:clrMapOvr>
+    <a:masterClrMapping/>
+  </p:clrMapOvr>
+</p:sld>
+</file>
+
+<file path=ppt/slides/slide43.xml><?xml version="1.0" encoding="utf-8"?>
+<p:sld xmlns:a="http://schemas.openxmlformats.org/drawingml/2006/main" xmlns:r="http://schemas.openxmlformats.org/officeDocument/2006/relationships" xmlns:p="http://schemas.openxmlformats.org/presentationml/2006/main">
+  <p:cSld>
+    <p:spTree>
+      <p:nvGrpSpPr>
+        <p:cNvPr id="1" name=""/>
+        <p:cNvGrpSpPr/>
+        <p:nvPr/>
+      </p:nvGrpSpPr>
+      <p:grpSpPr>
+        <a:xfrm>
+          <a:off x="0" y="0"/>
+          <a:ext cx="0" cy="0"/>
+          <a:chOff x="0" y="0"/>
+          <a:chExt cx="0" cy="0"/>
+        </a:xfrm>
+      </p:grpSpPr>
+      <p:sp>
+        <p:nvSpPr>
+          <p:cNvPr id="4" name="Title 3">
+            <a:extLst>
+              <a:ext uri="{FF2B5EF4-FFF2-40B4-BE49-F238E27FC236}">
+                <a16:creationId xmlns:a16="http://schemas.microsoft.com/office/drawing/2014/main" id="{1D8CEF05-7F4F-4EB7-B330-AD42820B12AD}"/>
+              </a:ext>
+            </a:extLst>
+          </p:cNvPr>
+          <p:cNvSpPr>
+            <a:spLocks noGrp="1"/>
+          </p:cNvSpPr>
+          <p:nvPr>
+            <p:ph type="title"/>
+          </p:nvPr>
+        </p:nvSpPr>
+        <p:spPr/>
+        <p:txBody>
+          <a:bodyPr/>
+          <a:lstStyle/>
+          <a:p>
+            <a:r>
+              <a:rPr lang="en-US" cap="none" dirty="0"/>
+              <a:t>Defects by Area</a:t>
+            </a:r>
+          </a:p>
+        </p:txBody>
+      </p:sp>
+      <p:sp>
+        <p:nvSpPr>
+          <p:cNvPr id="5" name="Content Placeholder 4">
+            <a:extLst>
+              <a:ext uri="{FF2B5EF4-FFF2-40B4-BE49-F238E27FC236}">
+                <a16:creationId xmlns:a16="http://schemas.microsoft.com/office/drawing/2014/main" id="{86E81608-AA4B-4277-9DBF-B5FF2D009F4E}"/>
+              </a:ext>
+            </a:extLst>
+          </p:cNvPr>
+          <p:cNvSpPr>
+            <a:spLocks noGrp="1"/>
+          </p:cNvSpPr>
+          <p:nvPr>
+            <p:ph idx="1"/>
+          </p:nvPr>
+        </p:nvSpPr>
+        <p:spPr/>
+        <p:txBody>
+          <a:bodyPr/>
+          <a:lstStyle/>
+          <a:p>
+            <a:endParaRPr lang="en-US"/>
+          </a:p>
+        </p:txBody>
+      </p:sp>
+    </p:spTree>
+    <p:extLst>
+      <p:ext uri="{BB962C8B-B14F-4D97-AF65-F5344CB8AC3E}">
+        <p14:creationId xmlns:p14="http://schemas.microsoft.com/office/powerpoint/2010/main" val="2834721739"/>
+      </p:ext>
+    </p:extLst>
+  </p:cSld>
+  <p:clrMapOvr>
+    <a:masterClrMapping/>
+  </p:clrMapOvr>
+</p:sld>
+</file>
+
+<file path=ppt/slides/slide44.xml><?xml version="1.0" encoding="utf-8"?>
 <p:sld xmlns:a="http://schemas.openxmlformats.org/drawingml/2006/main" xmlns:r="http://schemas.openxmlformats.org/officeDocument/2006/relationships" xmlns:p="http://schemas.openxmlformats.org/presentationml/2006/main">
   <p:cSld>
     <p:spTree>
@@ -13011,7 +19271,7 @@
           <a:p>
             <a:r>
               <a:rPr lang="en-US" dirty="0"/>
-              <a:t>A Primer on Unit Testing</a:t>
+              <a:t>Conclusion</a:t>
             </a:r>
           </a:p>
         </p:txBody>
@@ -13041,10 +19301,1426 @@
           </a:p>
         </p:txBody>
       </p:sp>
+      <p:sp>
+        <p:nvSpPr>
+          <p:cNvPr id="4" name="Text Placeholder 3">
+            <a:extLst>
+              <a:ext uri="{FF2B5EF4-FFF2-40B4-BE49-F238E27FC236}">
+                <a16:creationId xmlns:a16="http://schemas.microsoft.com/office/drawing/2014/main" id="{94BDBBC4-BE3B-499D-B43A-95870730E5AD}"/>
+              </a:ext>
+            </a:extLst>
+          </p:cNvPr>
+          <p:cNvSpPr txBox="1">
+            <a:spLocks/>
+          </p:cNvSpPr>
+          <p:nvPr/>
+        </p:nvSpPr>
+        <p:spPr>
+          <a:xfrm>
+            <a:off x="718457" y="6358650"/>
+            <a:ext cx="10328954" cy="499350"/>
+          </a:xfrm>
+          <a:prstGeom prst="rect">
+            <a:avLst/>
+          </a:prstGeom>
+        </p:spPr>
+        <p:txBody>
+          <a:bodyPr vert="horz" lIns="91440" tIns="45720" rIns="91440" bIns="45720" rtlCol="0">
+            <a:normAutofit/>
+          </a:bodyPr>
+          <a:lstStyle>
+            <a:lvl1pPr marL="228600" indent="-228600" algn="l" defTabSz="914400" rtl="0" eaLnBrk="1" latinLnBrk="0" hangingPunct="1">
+              <a:lnSpc>
+                <a:spcPct val="120000"/>
+              </a:lnSpc>
+              <a:spcBef>
+                <a:spcPts val="1000"/>
+              </a:spcBef>
+              <a:buSzPct val="125000"/>
+              <a:buFont typeface="Arial" panose="020B0604020202020204" pitchFamily="34" charset="0"/>
+              <a:buChar char="•"/>
+              <a:defRPr sz="2400" kern="1200">
+                <a:solidFill>
+                  <a:schemeClr val="tx1"/>
+                </a:solidFill>
+                <a:effectLst>
+                  <a:outerShdw blurRad="152400" dist="38100" dir="2700000" algn="tl">
+                    <a:srgbClr val="000000">
+                      <a:alpha val="36000"/>
+                    </a:srgbClr>
+                  </a:outerShdw>
+                </a:effectLst>
+                <a:latin typeface="+mn-lt"/>
+                <a:ea typeface="+mn-ea"/>
+                <a:cs typeface="+mn-cs"/>
+              </a:defRPr>
+            </a:lvl1pPr>
+            <a:lvl2pPr marL="685800" indent="-228600" algn="l" defTabSz="914400" rtl="0" eaLnBrk="1" latinLnBrk="0" hangingPunct="1">
+              <a:lnSpc>
+                <a:spcPct val="120000"/>
+              </a:lnSpc>
+              <a:spcBef>
+                <a:spcPts val="500"/>
+              </a:spcBef>
+              <a:buSzPct val="125000"/>
+              <a:buFont typeface="Arial" panose="020B0604020202020204" pitchFamily="34" charset="0"/>
+              <a:buChar char="•"/>
+              <a:defRPr sz="2000" kern="1200">
+                <a:solidFill>
+                  <a:schemeClr val="tx1"/>
+                </a:solidFill>
+                <a:effectLst>
+                  <a:outerShdw blurRad="152400" dist="38100" dir="2700000" algn="tl">
+                    <a:srgbClr val="000000">
+                      <a:alpha val="36000"/>
+                    </a:srgbClr>
+                  </a:outerShdw>
+                </a:effectLst>
+                <a:latin typeface="+mn-lt"/>
+                <a:ea typeface="+mn-ea"/>
+                <a:cs typeface="+mn-cs"/>
+              </a:defRPr>
+            </a:lvl2pPr>
+            <a:lvl3pPr marL="1143000" indent="-228600" algn="l" defTabSz="914400" rtl="0" eaLnBrk="1" latinLnBrk="0" hangingPunct="1">
+              <a:lnSpc>
+                <a:spcPct val="120000"/>
+              </a:lnSpc>
+              <a:spcBef>
+                <a:spcPts val="500"/>
+              </a:spcBef>
+              <a:buSzPct val="125000"/>
+              <a:buFont typeface="Arial" panose="020B0604020202020204" pitchFamily="34" charset="0"/>
+              <a:buChar char="•"/>
+              <a:defRPr sz="1800" kern="1200">
+                <a:solidFill>
+                  <a:schemeClr val="tx1"/>
+                </a:solidFill>
+                <a:effectLst>
+                  <a:outerShdw blurRad="152400" dist="38100" dir="2700000" algn="tl">
+                    <a:srgbClr val="000000">
+                      <a:alpha val="36000"/>
+                    </a:srgbClr>
+                  </a:outerShdw>
+                </a:effectLst>
+                <a:latin typeface="+mn-lt"/>
+                <a:ea typeface="+mn-ea"/>
+                <a:cs typeface="+mn-cs"/>
+              </a:defRPr>
+            </a:lvl3pPr>
+            <a:lvl4pPr marL="1600200" indent="-228600" algn="l" defTabSz="914400" rtl="0" eaLnBrk="1" latinLnBrk="0" hangingPunct="1">
+              <a:lnSpc>
+                <a:spcPct val="120000"/>
+              </a:lnSpc>
+              <a:spcBef>
+                <a:spcPts val="500"/>
+              </a:spcBef>
+              <a:buSzPct val="125000"/>
+              <a:buFont typeface="Arial" panose="020B0604020202020204" pitchFamily="34" charset="0"/>
+              <a:buChar char="•"/>
+              <a:defRPr sz="1600" kern="1200">
+                <a:solidFill>
+                  <a:schemeClr val="tx1"/>
+                </a:solidFill>
+                <a:effectLst>
+                  <a:outerShdw blurRad="152400" dist="38100" dir="2700000" algn="tl">
+                    <a:srgbClr val="000000">
+                      <a:alpha val="36000"/>
+                    </a:srgbClr>
+                  </a:outerShdw>
+                </a:effectLst>
+                <a:latin typeface="+mn-lt"/>
+                <a:ea typeface="+mn-ea"/>
+                <a:cs typeface="+mn-cs"/>
+              </a:defRPr>
+            </a:lvl4pPr>
+            <a:lvl5pPr marL="2057400" indent="-228600" algn="l" defTabSz="914400" rtl="0" eaLnBrk="1" latinLnBrk="0" hangingPunct="1">
+              <a:lnSpc>
+                <a:spcPct val="120000"/>
+              </a:lnSpc>
+              <a:spcBef>
+                <a:spcPts val="500"/>
+              </a:spcBef>
+              <a:buSzPct val="125000"/>
+              <a:buFont typeface="Arial" panose="020B0604020202020204" pitchFamily="34" charset="0"/>
+              <a:buChar char="•"/>
+              <a:defRPr sz="1600" kern="1200">
+                <a:solidFill>
+                  <a:schemeClr val="tx1"/>
+                </a:solidFill>
+                <a:effectLst>
+                  <a:outerShdw blurRad="152400" dist="38100" dir="2700000" algn="tl">
+                    <a:srgbClr val="000000">
+                      <a:alpha val="36000"/>
+                    </a:srgbClr>
+                  </a:outerShdw>
+                </a:effectLst>
+                <a:latin typeface="+mn-lt"/>
+                <a:ea typeface="+mn-ea"/>
+                <a:cs typeface="+mn-cs"/>
+              </a:defRPr>
+            </a:lvl5pPr>
+            <a:lvl6pPr marL="2514600" indent="-228600" algn="l" defTabSz="914400" rtl="0" eaLnBrk="1" latinLnBrk="0" hangingPunct="1">
+              <a:lnSpc>
+                <a:spcPct val="120000"/>
+              </a:lnSpc>
+              <a:spcBef>
+                <a:spcPts val="500"/>
+              </a:spcBef>
+              <a:buSzPct val="125000"/>
+              <a:buFont typeface="Arial" panose="020B0604020202020204" pitchFamily="34" charset="0"/>
+              <a:buChar char="•"/>
+              <a:defRPr sz="1400" kern="1200">
+                <a:solidFill>
+                  <a:schemeClr val="tx1"/>
+                </a:solidFill>
+                <a:latin typeface="+mn-lt"/>
+                <a:ea typeface="+mn-ea"/>
+                <a:cs typeface="+mn-cs"/>
+              </a:defRPr>
+            </a:lvl6pPr>
+            <a:lvl7pPr marL="2971800" indent="-228600" algn="l" defTabSz="914400" rtl="0" eaLnBrk="1" latinLnBrk="0" hangingPunct="1">
+              <a:lnSpc>
+                <a:spcPct val="120000"/>
+              </a:lnSpc>
+              <a:spcBef>
+                <a:spcPts val="500"/>
+              </a:spcBef>
+              <a:buSzPct val="125000"/>
+              <a:buFont typeface="Arial" panose="020B0604020202020204" pitchFamily="34" charset="0"/>
+              <a:buChar char="•"/>
+              <a:defRPr sz="1400" kern="1200">
+                <a:solidFill>
+                  <a:schemeClr val="tx1"/>
+                </a:solidFill>
+                <a:latin typeface="+mn-lt"/>
+                <a:ea typeface="+mn-ea"/>
+                <a:cs typeface="+mn-cs"/>
+              </a:defRPr>
+            </a:lvl7pPr>
+            <a:lvl8pPr marL="3429000" indent="-228600" algn="l" defTabSz="914400" rtl="0" eaLnBrk="1" latinLnBrk="0" hangingPunct="1">
+              <a:lnSpc>
+                <a:spcPct val="120000"/>
+              </a:lnSpc>
+              <a:spcBef>
+                <a:spcPts val="500"/>
+              </a:spcBef>
+              <a:buSzPct val="125000"/>
+              <a:buFont typeface="Arial" panose="020B0604020202020204" pitchFamily="34" charset="0"/>
+              <a:buChar char="•"/>
+              <a:defRPr sz="1400" kern="1200">
+                <a:solidFill>
+                  <a:schemeClr val="tx1"/>
+                </a:solidFill>
+                <a:latin typeface="+mn-lt"/>
+                <a:ea typeface="+mn-ea"/>
+                <a:cs typeface="+mn-cs"/>
+              </a:defRPr>
+            </a:lvl8pPr>
+            <a:lvl9pPr marL="3886200" indent="-228600" algn="l" defTabSz="914400" rtl="0" eaLnBrk="1" latinLnBrk="0" hangingPunct="1">
+              <a:lnSpc>
+                <a:spcPct val="120000"/>
+              </a:lnSpc>
+              <a:spcBef>
+                <a:spcPts val="500"/>
+              </a:spcBef>
+              <a:buSzPct val="125000"/>
+              <a:buFont typeface="Arial" panose="020B0604020202020204" pitchFamily="34" charset="0"/>
+              <a:buChar char="•"/>
+              <a:defRPr sz="1400" kern="1200">
+                <a:solidFill>
+                  <a:schemeClr val="tx1"/>
+                </a:solidFill>
+                <a:latin typeface="+mn-lt"/>
+                <a:ea typeface="+mn-ea"/>
+                <a:cs typeface="+mn-cs"/>
+              </a:defRPr>
+            </a:lvl9pPr>
+          </a:lstStyle>
+          <a:p>
+            <a:pPr marL="457200" lvl="1" indent="0">
+              <a:buNone/>
+            </a:pPr>
+            <a:r>
+              <a:rPr lang="en-US" dirty="0"/>
+              <a:t>Slides and code available at: </a:t>
+            </a:r>
+            <a:r>
+              <a:rPr lang="en-US" dirty="0">
+                <a:hlinkClick r:id="rId2"/>
+              </a:rPr>
+              <a:t>https://GitHub.com/IntegerMan/SoftwareQualityTalk/</a:t>
+            </a:r>
+            <a:endParaRPr lang="en-US" dirty="0"/>
+          </a:p>
+        </p:txBody>
+      </p:sp>
     </p:spTree>
     <p:extLst>
       <p:ext uri="{BB962C8B-B14F-4D97-AF65-F5344CB8AC3E}">
-        <p14:creationId xmlns:p14="http://schemas.microsoft.com/office/powerpoint/2010/main" val="3874460316"/>
+        <p14:creationId xmlns:p14="http://schemas.microsoft.com/office/powerpoint/2010/main" val="3950865818"/>
+      </p:ext>
+    </p:extLst>
+  </p:cSld>
+  <p:clrMapOvr>
+    <a:masterClrMapping/>
+  </p:clrMapOvr>
+</p:sld>
+</file>
+
+<file path=ppt/slides/slide45.xml><?xml version="1.0" encoding="utf-8"?>
+<p:sld xmlns:a="http://schemas.openxmlformats.org/drawingml/2006/main" xmlns:r="http://schemas.openxmlformats.org/officeDocument/2006/relationships" xmlns:p="http://schemas.openxmlformats.org/presentationml/2006/main">
+  <p:cSld>
+    <p:spTree>
+      <p:nvGrpSpPr>
+        <p:cNvPr id="1" name=""/>
+        <p:cNvGrpSpPr/>
+        <p:nvPr/>
+      </p:nvGrpSpPr>
+      <p:grpSpPr>
+        <a:xfrm>
+          <a:off x="0" y="0"/>
+          <a:ext cx="0" cy="0"/>
+          <a:chOff x="0" y="0"/>
+          <a:chExt cx="0" cy="0"/>
+        </a:xfrm>
+      </p:grpSpPr>
+      <p:sp>
+        <p:nvSpPr>
+          <p:cNvPr id="4" name="Title 3">
+            <a:extLst>
+              <a:ext uri="{FF2B5EF4-FFF2-40B4-BE49-F238E27FC236}">
+                <a16:creationId xmlns:a16="http://schemas.microsoft.com/office/drawing/2014/main" id="{90A2D517-EAF7-4442-B4D6-92057CB914B2}"/>
+              </a:ext>
+            </a:extLst>
+          </p:cNvPr>
+          <p:cNvSpPr>
+            <a:spLocks noGrp="1"/>
+          </p:cNvSpPr>
+          <p:nvPr>
+            <p:ph type="title"/>
+          </p:nvPr>
+        </p:nvSpPr>
+        <p:spPr/>
+        <p:txBody>
+          <a:bodyPr/>
+          <a:lstStyle/>
+          <a:p>
+            <a:r>
+              <a:rPr lang="en-US" cap="none" dirty="0"/>
+              <a:t>Key Takeaways</a:t>
+            </a:r>
+          </a:p>
+        </p:txBody>
+      </p:sp>
+      <p:sp>
+        <p:nvSpPr>
+          <p:cNvPr id="5" name="Content Placeholder 4">
+            <a:extLst>
+              <a:ext uri="{FF2B5EF4-FFF2-40B4-BE49-F238E27FC236}">
+                <a16:creationId xmlns:a16="http://schemas.microsoft.com/office/drawing/2014/main" id="{D441D6E7-A915-4438-BC1D-C60CDAEECB31}"/>
+              </a:ext>
+            </a:extLst>
+          </p:cNvPr>
+          <p:cNvSpPr>
+            <a:spLocks noGrp="1"/>
+          </p:cNvSpPr>
+          <p:nvPr>
+            <p:ph idx="1"/>
+          </p:nvPr>
+        </p:nvSpPr>
+        <p:spPr/>
+        <p:txBody>
+          <a:bodyPr/>
+          <a:lstStyle/>
+          <a:p>
+            <a:endParaRPr lang="en-US" dirty="0"/>
+          </a:p>
+        </p:txBody>
+      </p:sp>
+      <p:sp>
+        <p:nvSpPr>
+          <p:cNvPr id="6" name="Text Placeholder 3">
+            <a:extLst>
+              <a:ext uri="{FF2B5EF4-FFF2-40B4-BE49-F238E27FC236}">
+                <a16:creationId xmlns:a16="http://schemas.microsoft.com/office/drawing/2014/main" id="{4BC898AB-5A41-4A29-81AB-AF560D4B01E0}"/>
+              </a:ext>
+            </a:extLst>
+          </p:cNvPr>
+          <p:cNvSpPr txBox="1">
+            <a:spLocks/>
+          </p:cNvSpPr>
+          <p:nvPr/>
+        </p:nvSpPr>
+        <p:spPr>
+          <a:xfrm>
+            <a:off x="718457" y="6358650"/>
+            <a:ext cx="10328954" cy="499350"/>
+          </a:xfrm>
+          <a:prstGeom prst="rect">
+            <a:avLst/>
+          </a:prstGeom>
+        </p:spPr>
+        <p:txBody>
+          <a:bodyPr vert="horz" lIns="91440" tIns="45720" rIns="91440" bIns="45720" rtlCol="0">
+            <a:normAutofit/>
+          </a:bodyPr>
+          <a:lstStyle>
+            <a:lvl1pPr marL="228600" indent="-228600" algn="l" defTabSz="914400" rtl="0" eaLnBrk="1" latinLnBrk="0" hangingPunct="1">
+              <a:lnSpc>
+                <a:spcPct val="120000"/>
+              </a:lnSpc>
+              <a:spcBef>
+                <a:spcPts val="1000"/>
+              </a:spcBef>
+              <a:buSzPct val="125000"/>
+              <a:buFont typeface="Arial" panose="020B0604020202020204" pitchFamily="34" charset="0"/>
+              <a:buChar char="•"/>
+              <a:defRPr sz="2400" kern="1200">
+                <a:solidFill>
+                  <a:schemeClr val="tx1"/>
+                </a:solidFill>
+                <a:effectLst>
+                  <a:outerShdw blurRad="152400" dist="38100" dir="2700000" algn="tl">
+                    <a:srgbClr val="000000">
+                      <a:alpha val="36000"/>
+                    </a:srgbClr>
+                  </a:outerShdw>
+                </a:effectLst>
+                <a:latin typeface="+mn-lt"/>
+                <a:ea typeface="+mn-ea"/>
+                <a:cs typeface="+mn-cs"/>
+              </a:defRPr>
+            </a:lvl1pPr>
+            <a:lvl2pPr marL="685800" indent="-228600" algn="l" defTabSz="914400" rtl="0" eaLnBrk="1" latinLnBrk="0" hangingPunct="1">
+              <a:lnSpc>
+                <a:spcPct val="120000"/>
+              </a:lnSpc>
+              <a:spcBef>
+                <a:spcPts val="500"/>
+              </a:spcBef>
+              <a:buSzPct val="125000"/>
+              <a:buFont typeface="Arial" panose="020B0604020202020204" pitchFamily="34" charset="0"/>
+              <a:buChar char="•"/>
+              <a:defRPr sz="2000" kern="1200">
+                <a:solidFill>
+                  <a:schemeClr val="tx1"/>
+                </a:solidFill>
+                <a:effectLst>
+                  <a:outerShdw blurRad="152400" dist="38100" dir="2700000" algn="tl">
+                    <a:srgbClr val="000000">
+                      <a:alpha val="36000"/>
+                    </a:srgbClr>
+                  </a:outerShdw>
+                </a:effectLst>
+                <a:latin typeface="+mn-lt"/>
+                <a:ea typeface="+mn-ea"/>
+                <a:cs typeface="+mn-cs"/>
+              </a:defRPr>
+            </a:lvl2pPr>
+            <a:lvl3pPr marL="1143000" indent="-228600" algn="l" defTabSz="914400" rtl="0" eaLnBrk="1" latinLnBrk="0" hangingPunct="1">
+              <a:lnSpc>
+                <a:spcPct val="120000"/>
+              </a:lnSpc>
+              <a:spcBef>
+                <a:spcPts val="500"/>
+              </a:spcBef>
+              <a:buSzPct val="125000"/>
+              <a:buFont typeface="Arial" panose="020B0604020202020204" pitchFamily="34" charset="0"/>
+              <a:buChar char="•"/>
+              <a:defRPr sz="1800" kern="1200">
+                <a:solidFill>
+                  <a:schemeClr val="tx1"/>
+                </a:solidFill>
+                <a:effectLst>
+                  <a:outerShdw blurRad="152400" dist="38100" dir="2700000" algn="tl">
+                    <a:srgbClr val="000000">
+                      <a:alpha val="36000"/>
+                    </a:srgbClr>
+                  </a:outerShdw>
+                </a:effectLst>
+                <a:latin typeface="+mn-lt"/>
+                <a:ea typeface="+mn-ea"/>
+                <a:cs typeface="+mn-cs"/>
+              </a:defRPr>
+            </a:lvl3pPr>
+            <a:lvl4pPr marL="1600200" indent="-228600" algn="l" defTabSz="914400" rtl="0" eaLnBrk="1" latinLnBrk="0" hangingPunct="1">
+              <a:lnSpc>
+                <a:spcPct val="120000"/>
+              </a:lnSpc>
+              <a:spcBef>
+                <a:spcPts val="500"/>
+              </a:spcBef>
+              <a:buSzPct val="125000"/>
+              <a:buFont typeface="Arial" panose="020B0604020202020204" pitchFamily="34" charset="0"/>
+              <a:buChar char="•"/>
+              <a:defRPr sz="1600" kern="1200">
+                <a:solidFill>
+                  <a:schemeClr val="tx1"/>
+                </a:solidFill>
+                <a:effectLst>
+                  <a:outerShdw blurRad="152400" dist="38100" dir="2700000" algn="tl">
+                    <a:srgbClr val="000000">
+                      <a:alpha val="36000"/>
+                    </a:srgbClr>
+                  </a:outerShdw>
+                </a:effectLst>
+                <a:latin typeface="+mn-lt"/>
+                <a:ea typeface="+mn-ea"/>
+                <a:cs typeface="+mn-cs"/>
+              </a:defRPr>
+            </a:lvl4pPr>
+            <a:lvl5pPr marL="2057400" indent="-228600" algn="l" defTabSz="914400" rtl="0" eaLnBrk="1" latinLnBrk="0" hangingPunct="1">
+              <a:lnSpc>
+                <a:spcPct val="120000"/>
+              </a:lnSpc>
+              <a:spcBef>
+                <a:spcPts val="500"/>
+              </a:spcBef>
+              <a:buSzPct val="125000"/>
+              <a:buFont typeface="Arial" panose="020B0604020202020204" pitchFamily="34" charset="0"/>
+              <a:buChar char="•"/>
+              <a:defRPr sz="1600" kern="1200">
+                <a:solidFill>
+                  <a:schemeClr val="tx1"/>
+                </a:solidFill>
+                <a:effectLst>
+                  <a:outerShdw blurRad="152400" dist="38100" dir="2700000" algn="tl">
+                    <a:srgbClr val="000000">
+                      <a:alpha val="36000"/>
+                    </a:srgbClr>
+                  </a:outerShdw>
+                </a:effectLst>
+                <a:latin typeface="+mn-lt"/>
+                <a:ea typeface="+mn-ea"/>
+                <a:cs typeface="+mn-cs"/>
+              </a:defRPr>
+            </a:lvl5pPr>
+            <a:lvl6pPr marL="2514600" indent="-228600" algn="l" defTabSz="914400" rtl="0" eaLnBrk="1" latinLnBrk="0" hangingPunct="1">
+              <a:lnSpc>
+                <a:spcPct val="120000"/>
+              </a:lnSpc>
+              <a:spcBef>
+                <a:spcPts val="500"/>
+              </a:spcBef>
+              <a:buSzPct val="125000"/>
+              <a:buFont typeface="Arial" panose="020B0604020202020204" pitchFamily="34" charset="0"/>
+              <a:buChar char="•"/>
+              <a:defRPr sz="1400" kern="1200">
+                <a:solidFill>
+                  <a:schemeClr val="tx1"/>
+                </a:solidFill>
+                <a:latin typeface="+mn-lt"/>
+                <a:ea typeface="+mn-ea"/>
+                <a:cs typeface="+mn-cs"/>
+              </a:defRPr>
+            </a:lvl6pPr>
+            <a:lvl7pPr marL="2971800" indent="-228600" algn="l" defTabSz="914400" rtl="0" eaLnBrk="1" latinLnBrk="0" hangingPunct="1">
+              <a:lnSpc>
+                <a:spcPct val="120000"/>
+              </a:lnSpc>
+              <a:spcBef>
+                <a:spcPts val="500"/>
+              </a:spcBef>
+              <a:buSzPct val="125000"/>
+              <a:buFont typeface="Arial" panose="020B0604020202020204" pitchFamily="34" charset="0"/>
+              <a:buChar char="•"/>
+              <a:defRPr sz="1400" kern="1200">
+                <a:solidFill>
+                  <a:schemeClr val="tx1"/>
+                </a:solidFill>
+                <a:latin typeface="+mn-lt"/>
+                <a:ea typeface="+mn-ea"/>
+                <a:cs typeface="+mn-cs"/>
+              </a:defRPr>
+            </a:lvl7pPr>
+            <a:lvl8pPr marL="3429000" indent="-228600" algn="l" defTabSz="914400" rtl="0" eaLnBrk="1" latinLnBrk="0" hangingPunct="1">
+              <a:lnSpc>
+                <a:spcPct val="120000"/>
+              </a:lnSpc>
+              <a:spcBef>
+                <a:spcPts val="500"/>
+              </a:spcBef>
+              <a:buSzPct val="125000"/>
+              <a:buFont typeface="Arial" panose="020B0604020202020204" pitchFamily="34" charset="0"/>
+              <a:buChar char="•"/>
+              <a:defRPr sz="1400" kern="1200">
+                <a:solidFill>
+                  <a:schemeClr val="tx1"/>
+                </a:solidFill>
+                <a:latin typeface="+mn-lt"/>
+                <a:ea typeface="+mn-ea"/>
+                <a:cs typeface="+mn-cs"/>
+              </a:defRPr>
+            </a:lvl8pPr>
+            <a:lvl9pPr marL="3886200" indent="-228600" algn="l" defTabSz="914400" rtl="0" eaLnBrk="1" latinLnBrk="0" hangingPunct="1">
+              <a:lnSpc>
+                <a:spcPct val="120000"/>
+              </a:lnSpc>
+              <a:spcBef>
+                <a:spcPts val="500"/>
+              </a:spcBef>
+              <a:buSzPct val="125000"/>
+              <a:buFont typeface="Arial" panose="020B0604020202020204" pitchFamily="34" charset="0"/>
+              <a:buChar char="•"/>
+              <a:defRPr sz="1400" kern="1200">
+                <a:solidFill>
+                  <a:schemeClr val="tx1"/>
+                </a:solidFill>
+                <a:latin typeface="+mn-lt"/>
+                <a:ea typeface="+mn-ea"/>
+                <a:cs typeface="+mn-cs"/>
+              </a:defRPr>
+            </a:lvl9pPr>
+          </a:lstStyle>
+          <a:p>
+            <a:pPr marL="457200" lvl="1" indent="0">
+              <a:buNone/>
+            </a:pPr>
+            <a:r>
+              <a:rPr lang="en-US" dirty="0"/>
+              <a:t>Slides and code available at: </a:t>
+            </a:r>
+            <a:r>
+              <a:rPr lang="en-US" dirty="0">
+                <a:hlinkClick r:id="rId2"/>
+              </a:rPr>
+              <a:t>https://GitHub.com/IntegerMan/SoftwareQualityTalk/</a:t>
+            </a:r>
+            <a:endParaRPr lang="en-US" dirty="0"/>
+          </a:p>
+        </p:txBody>
+      </p:sp>
+    </p:spTree>
+    <p:extLst>
+      <p:ext uri="{BB962C8B-B14F-4D97-AF65-F5344CB8AC3E}">
+        <p14:creationId xmlns:p14="http://schemas.microsoft.com/office/powerpoint/2010/main" val="2466305908"/>
+      </p:ext>
+    </p:extLst>
+  </p:cSld>
+  <p:clrMapOvr>
+    <a:masterClrMapping/>
+  </p:clrMapOvr>
+</p:sld>
+</file>
+
+<file path=ppt/slides/slide46.xml><?xml version="1.0" encoding="utf-8"?>
+<p:sld xmlns:a="http://schemas.openxmlformats.org/drawingml/2006/main" xmlns:r="http://schemas.openxmlformats.org/officeDocument/2006/relationships" xmlns:p="http://schemas.openxmlformats.org/presentationml/2006/main">
+  <p:cSld>
+    <p:spTree>
+      <p:nvGrpSpPr>
+        <p:cNvPr id="1" name=""/>
+        <p:cNvGrpSpPr/>
+        <p:nvPr/>
+      </p:nvGrpSpPr>
+      <p:grpSpPr>
+        <a:xfrm>
+          <a:off x="0" y="0"/>
+          <a:ext cx="0" cy="0"/>
+          <a:chOff x="0" y="0"/>
+          <a:chExt cx="0" cy="0"/>
+        </a:xfrm>
+      </p:grpSpPr>
+      <p:sp>
+        <p:nvSpPr>
+          <p:cNvPr id="4" name="Title 3">
+            <a:extLst>
+              <a:ext uri="{FF2B5EF4-FFF2-40B4-BE49-F238E27FC236}">
+                <a16:creationId xmlns:a16="http://schemas.microsoft.com/office/drawing/2014/main" id="{90A2D517-EAF7-4442-B4D6-92057CB914B2}"/>
+              </a:ext>
+            </a:extLst>
+          </p:cNvPr>
+          <p:cNvSpPr>
+            <a:spLocks noGrp="1"/>
+          </p:cNvSpPr>
+          <p:nvPr>
+            <p:ph type="title"/>
+          </p:nvPr>
+        </p:nvSpPr>
+        <p:spPr/>
+        <p:txBody>
+          <a:bodyPr/>
+          <a:lstStyle/>
+          <a:p>
+            <a:r>
+              <a:rPr lang="en-US" cap="none" dirty="0"/>
+              <a:t>Book Recommendations</a:t>
+            </a:r>
+          </a:p>
+        </p:txBody>
+      </p:sp>
+      <p:sp>
+        <p:nvSpPr>
+          <p:cNvPr id="5" name="Content Placeholder 4">
+            <a:extLst>
+              <a:ext uri="{FF2B5EF4-FFF2-40B4-BE49-F238E27FC236}">
+                <a16:creationId xmlns:a16="http://schemas.microsoft.com/office/drawing/2014/main" id="{D441D6E7-A915-4438-BC1D-C60CDAEECB31}"/>
+              </a:ext>
+            </a:extLst>
+          </p:cNvPr>
+          <p:cNvSpPr>
+            <a:spLocks noGrp="1"/>
+          </p:cNvSpPr>
+          <p:nvPr>
+            <p:ph idx="1"/>
+          </p:nvPr>
+        </p:nvSpPr>
+        <p:spPr/>
+        <p:txBody>
+          <a:bodyPr/>
+          <a:lstStyle/>
+          <a:p>
+            <a:r>
+              <a:rPr lang="en-US" dirty="0"/>
+              <a:t>Working Effectively with Legacy Code</a:t>
+            </a:r>
+          </a:p>
+          <a:p>
+            <a:r>
+              <a:rPr lang="en-US" dirty="0" err="1"/>
+              <a:t>XUnit</a:t>
+            </a:r>
+            <a:r>
+              <a:rPr lang="en-US" dirty="0"/>
+              <a:t> Test Patterns</a:t>
+            </a:r>
+          </a:p>
+          <a:p>
+            <a:r>
+              <a:rPr lang="en-US" dirty="0"/>
+              <a:t>Measuring the Software Process</a:t>
+            </a:r>
+          </a:p>
+          <a:p>
+            <a:r>
+              <a:rPr lang="en-US" dirty="0"/>
+              <a:t>Developer Testing</a:t>
+            </a:r>
+          </a:p>
+        </p:txBody>
+      </p:sp>
+      <p:sp>
+        <p:nvSpPr>
+          <p:cNvPr id="6" name="Text Placeholder 3">
+            <a:extLst>
+              <a:ext uri="{FF2B5EF4-FFF2-40B4-BE49-F238E27FC236}">
+                <a16:creationId xmlns:a16="http://schemas.microsoft.com/office/drawing/2014/main" id="{595E35AE-A671-49E9-A240-49A0D38C3304}"/>
+              </a:ext>
+            </a:extLst>
+          </p:cNvPr>
+          <p:cNvSpPr txBox="1">
+            <a:spLocks/>
+          </p:cNvSpPr>
+          <p:nvPr/>
+        </p:nvSpPr>
+        <p:spPr>
+          <a:xfrm>
+            <a:off x="718457" y="6358650"/>
+            <a:ext cx="10328954" cy="499350"/>
+          </a:xfrm>
+          <a:prstGeom prst="rect">
+            <a:avLst/>
+          </a:prstGeom>
+        </p:spPr>
+        <p:txBody>
+          <a:bodyPr vert="horz" lIns="91440" tIns="45720" rIns="91440" bIns="45720" rtlCol="0">
+            <a:normAutofit/>
+          </a:bodyPr>
+          <a:lstStyle>
+            <a:lvl1pPr marL="228600" indent="-228600" algn="l" defTabSz="914400" rtl="0" eaLnBrk="1" latinLnBrk="0" hangingPunct="1">
+              <a:lnSpc>
+                <a:spcPct val="120000"/>
+              </a:lnSpc>
+              <a:spcBef>
+                <a:spcPts val="1000"/>
+              </a:spcBef>
+              <a:buSzPct val="125000"/>
+              <a:buFont typeface="Arial" panose="020B0604020202020204" pitchFamily="34" charset="0"/>
+              <a:buChar char="•"/>
+              <a:defRPr sz="2400" kern="1200">
+                <a:solidFill>
+                  <a:schemeClr val="tx1"/>
+                </a:solidFill>
+                <a:effectLst>
+                  <a:outerShdw blurRad="152400" dist="38100" dir="2700000" algn="tl">
+                    <a:srgbClr val="000000">
+                      <a:alpha val="36000"/>
+                    </a:srgbClr>
+                  </a:outerShdw>
+                </a:effectLst>
+                <a:latin typeface="+mn-lt"/>
+                <a:ea typeface="+mn-ea"/>
+                <a:cs typeface="+mn-cs"/>
+              </a:defRPr>
+            </a:lvl1pPr>
+            <a:lvl2pPr marL="685800" indent="-228600" algn="l" defTabSz="914400" rtl="0" eaLnBrk="1" latinLnBrk="0" hangingPunct="1">
+              <a:lnSpc>
+                <a:spcPct val="120000"/>
+              </a:lnSpc>
+              <a:spcBef>
+                <a:spcPts val="500"/>
+              </a:spcBef>
+              <a:buSzPct val="125000"/>
+              <a:buFont typeface="Arial" panose="020B0604020202020204" pitchFamily="34" charset="0"/>
+              <a:buChar char="•"/>
+              <a:defRPr sz="2000" kern="1200">
+                <a:solidFill>
+                  <a:schemeClr val="tx1"/>
+                </a:solidFill>
+                <a:effectLst>
+                  <a:outerShdw blurRad="152400" dist="38100" dir="2700000" algn="tl">
+                    <a:srgbClr val="000000">
+                      <a:alpha val="36000"/>
+                    </a:srgbClr>
+                  </a:outerShdw>
+                </a:effectLst>
+                <a:latin typeface="+mn-lt"/>
+                <a:ea typeface="+mn-ea"/>
+                <a:cs typeface="+mn-cs"/>
+              </a:defRPr>
+            </a:lvl2pPr>
+            <a:lvl3pPr marL="1143000" indent="-228600" algn="l" defTabSz="914400" rtl="0" eaLnBrk="1" latinLnBrk="0" hangingPunct="1">
+              <a:lnSpc>
+                <a:spcPct val="120000"/>
+              </a:lnSpc>
+              <a:spcBef>
+                <a:spcPts val="500"/>
+              </a:spcBef>
+              <a:buSzPct val="125000"/>
+              <a:buFont typeface="Arial" panose="020B0604020202020204" pitchFamily="34" charset="0"/>
+              <a:buChar char="•"/>
+              <a:defRPr sz="1800" kern="1200">
+                <a:solidFill>
+                  <a:schemeClr val="tx1"/>
+                </a:solidFill>
+                <a:effectLst>
+                  <a:outerShdw blurRad="152400" dist="38100" dir="2700000" algn="tl">
+                    <a:srgbClr val="000000">
+                      <a:alpha val="36000"/>
+                    </a:srgbClr>
+                  </a:outerShdw>
+                </a:effectLst>
+                <a:latin typeface="+mn-lt"/>
+                <a:ea typeface="+mn-ea"/>
+                <a:cs typeface="+mn-cs"/>
+              </a:defRPr>
+            </a:lvl3pPr>
+            <a:lvl4pPr marL="1600200" indent="-228600" algn="l" defTabSz="914400" rtl="0" eaLnBrk="1" latinLnBrk="0" hangingPunct="1">
+              <a:lnSpc>
+                <a:spcPct val="120000"/>
+              </a:lnSpc>
+              <a:spcBef>
+                <a:spcPts val="500"/>
+              </a:spcBef>
+              <a:buSzPct val="125000"/>
+              <a:buFont typeface="Arial" panose="020B0604020202020204" pitchFamily="34" charset="0"/>
+              <a:buChar char="•"/>
+              <a:defRPr sz="1600" kern="1200">
+                <a:solidFill>
+                  <a:schemeClr val="tx1"/>
+                </a:solidFill>
+                <a:effectLst>
+                  <a:outerShdw blurRad="152400" dist="38100" dir="2700000" algn="tl">
+                    <a:srgbClr val="000000">
+                      <a:alpha val="36000"/>
+                    </a:srgbClr>
+                  </a:outerShdw>
+                </a:effectLst>
+                <a:latin typeface="+mn-lt"/>
+                <a:ea typeface="+mn-ea"/>
+                <a:cs typeface="+mn-cs"/>
+              </a:defRPr>
+            </a:lvl4pPr>
+            <a:lvl5pPr marL="2057400" indent="-228600" algn="l" defTabSz="914400" rtl="0" eaLnBrk="1" latinLnBrk="0" hangingPunct="1">
+              <a:lnSpc>
+                <a:spcPct val="120000"/>
+              </a:lnSpc>
+              <a:spcBef>
+                <a:spcPts val="500"/>
+              </a:spcBef>
+              <a:buSzPct val="125000"/>
+              <a:buFont typeface="Arial" panose="020B0604020202020204" pitchFamily="34" charset="0"/>
+              <a:buChar char="•"/>
+              <a:defRPr sz="1600" kern="1200">
+                <a:solidFill>
+                  <a:schemeClr val="tx1"/>
+                </a:solidFill>
+                <a:effectLst>
+                  <a:outerShdw blurRad="152400" dist="38100" dir="2700000" algn="tl">
+                    <a:srgbClr val="000000">
+                      <a:alpha val="36000"/>
+                    </a:srgbClr>
+                  </a:outerShdw>
+                </a:effectLst>
+                <a:latin typeface="+mn-lt"/>
+                <a:ea typeface="+mn-ea"/>
+                <a:cs typeface="+mn-cs"/>
+              </a:defRPr>
+            </a:lvl5pPr>
+            <a:lvl6pPr marL="2514600" indent="-228600" algn="l" defTabSz="914400" rtl="0" eaLnBrk="1" latinLnBrk="0" hangingPunct="1">
+              <a:lnSpc>
+                <a:spcPct val="120000"/>
+              </a:lnSpc>
+              <a:spcBef>
+                <a:spcPts val="500"/>
+              </a:spcBef>
+              <a:buSzPct val="125000"/>
+              <a:buFont typeface="Arial" panose="020B0604020202020204" pitchFamily="34" charset="0"/>
+              <a:buChar char="•"/>
+              <a:defRPr sz="1400" kern="1200">
+                <a:solidFill>
+                  <a:schemeClr val="tx1"/>
+                </a:solidFill>
+                <a:latin typeface="+mn-lt"/>
+                <a:ea typeface="+mn-ea"/>
+                <a:cs typeface="+mn-cs"/>
+              </a:defRPr>
+            </a:lvl6pPr>
+            <a:lvl7pPr marL="2971800" indent="-228600" algn="l" defTabSz="914400" rtl="0" eaLnBrk="1" latinLnBrk="0" hangingPunct="1">
+              <a:lnSpc>
+                <a:spcPct val="120000"/>
+              </a:lnSpc>
+              <a:spcBef>
+                <a:spcPts val="500"/>
+              </a:spcBef>
+              <a:buSzPct val="125000"/>
+              <a:buFont typeface="Arial" panose="020B0604020202020204" pitchFamily="34" charset="0"/>
+              <a:buChar char="•"/>
+              <a:defRPr sz="1400" kern="1200">
+                <a:solidFill>
+                  <a:schemeClr val="tx1"/>
+                </a:solidFill>
+                <a:latin typeface="+mn-lt"/>
+                <a:ea typeface="+mn-ea"/>
+                <a:cs typeface="+mn-cs"/>
+              </a:defRPr>
+            </a:lvl7pPr>
+            <a:lvl8pPr marL="3429000" indent="-228600" algn="l" defTabSz="914400" rtl="0" eaLnBrk="1" latinLnBrk="0" hangingPunct="1">
+              <a:lnSpc>
+                <a:spcPct val="120000"/>
+              </a:lnSpc>
+              <a:spcBef>
+                <a:spcPts val="500"/>
+              </a:spcBef>
+              <a:buSzPct val="125000"/>
+              <a:buFont typeface="Arial" panose="020B0604020202020204" pitchFamily="34" charset="0"/>
+              <a:buChar char="•"/>
+              <a:defRPr sz="1400" kern="1200">
+                <a:solidFill>
+                  <a:schemeClr val="tx1"/>
+                </a:solidFill>
+                <a:latin typeface="+mn-lt"/>
+                <a:ea typeface="+mn-ea"/>
+                <a:cs typeface="+mn-cs"/>
+              </a:defRPr>
+            </a:lvl8pPr>
+            <a:lvl9pPr marL="3886200" indent="-228600" algn="l" defTabSz="914400" rtl="0" eaLnBrk="1" latinLnBrk="0" hangingPunct="1">
+              <a:lnSpc>
+                <a:spcPct val="120000"/>
+              </a:lnSpc>
+              <a:spcBef>
+                <a:spcPts val="500"/>
+              </a:spcBef>
+              <a:buSzPct val="125000"/>
+              <a:buFont typeface="Arial" panose="020B0604020202020204" pitchFamily="34" charset="0"/>
+              <a:buChar char="•"/>
+              <a:defRPr sz="1400" kern="1200">
+                <a:solidFill>
+                  <a:schemeClr val="tx1"/>
+                </a:solidFill>
+                <a:latin typeface="+mn-lt"/>
+                <a:ea typeface="+mn-ea"/>
+                <a:cs typeface="+mn-cs"/>
+              </a:defRPr>
+            </a:lvl9pPr>
+          </a:lstStyle>
+          <a:p>
+            <a:pPr marL="457200" lvl="1" indent="0">
+              <a:buNone/>
+            </a:pPr>
+            <a:r>
+              <a:rPr lang="en-US" dirty="0"/>
+              <a:t>Slides and code available at: </a:t>
+            </a:r>
+            <a:r>
+              <a:rPr lang="en-US" dirty="0">
+                <a:hlinkClick r:id="rId2"/>
+              </a:rPr>
+              <a:t>https://GitHub.com/IntegerMan/SoftwareQualityTalk/</a:t>
+            </a:r>
+            <a:endParaRPr lang="en-US" dirty="0"/>
+          </a:p>
+        </p:txBody>
+      </p:sp>
+    </p:spTree>
+    <p:extLst>
+      <p:ext uri="{BB962C8B-B14F-4D97-AF65-F5344CB8AC3E}">
+        <p14:creationId xmlns:p14="http://schemas.microsoft.com/office/powerpoint/2010/main" val="4022495576"/>
+      </p:ext>
+    </p:extLst>
+  </p:cSld>
+  <p:clrMapOvr>
+    <a:masterClrMapping/>
+  </p:clrMapOvr>
+</p:sld>
+</file>
+
+<file path=ppt/slides/slide47.xml><?xml version="1.0" encoding="utf-8"?>
+<p:sld xmlns:a="http://schemas.openxmlformats.org/drawingml/2006/main" xmlns:r="http://schemas.openxmlformats.org/officeDocument/2006/relationships" xmlns:p="http://schemas.openxmlformats.org/presentationml/2006/main">
+  <p:cSld>
+    <p:spTree>
+      <p:nvGrpSpPr>
+        <p:cNvPr id="1" name=""/>
+        <p:cNvGrpSpPr/>
+        <p:nvPr/>
+      </p:nvGrpSpPr>
+      <p:grpSpPr>
+        <a:xfrm>
+          <a:off x="0" y="0"/>
+          <a:ext cx="0" cy="0"/>
+          <a:chOff x="0" y="0"/>
+          <a:chExt cx="0" cy="0"/>
+        </a:xfrm>
+      </p:grpSpPr>
+      <p:sp>
+        <p:nvSpPr>
+          <p:cNvPr id="2" name="Title 1">
+            <a:extLst>
+              <a:ext uri="{FF2B5EF4-FFF2-40B4-BE49-F238E27FC236}">
+                <a16:creationId xmlns:a16="http://schemas.microsoft.com/office/drawing/2014/main" id="{330FC824-EB7A-438D-A6F5-1E20BB55AC86}"/>
+              </a:ext>
+            </a:extLst>
+          </p:cNvPr>
+          <p:cNvSpPr>
+            <a:spLocks noGrp="1"/>
+          </p:cNvSpPr>
+          <p:nvPr>
+            <p:ph type="title"/>
+          </p:nvPr>
+        </p:nvSpPr>
+        <p:spPr/>
+        <p:txBody>
+          <a:bodyPr/>
+          <a:lstStyle/>
+          <a:p>
+            <a:r>
+              <a:rPr lang="en-US" cap="none" dirty="0"/>
+              <a:t>Questions? Other Quality Recipes?</a:t>
+            </a:r>
+          </a:p>
+        </p:txBody>
+      </p:sp>
+      <p:sp>
+        <p:nvSpPr>
+          <p:cNvPr id="6" name="Text Placeholder 5">
+            <a:extLst>
+              <a:ext uri="{FF2B5EF4-FFF2-40B4-BE49-F238E27FC236}">
+                <a16:creationId xmlns:a16="http://schemas.microsoft.com/office/drawing/2014/main" id="{2135BFB3-F8E0-4ADC-9E5E-6F43F85A8366}"/>
+              </a:ext>
+            </a:extLst>
+          </p:cNvPr>
+          <p:cNvSpPr>
+            <a:spLocks noGrp="1"/>
+          </p:cNvSpPr>
+          <p:nvPr>
+            <p:ph type="body" idx="1"/>
+          </p:nvPr>
+        </p:nvSpPr>
+        <p:spPr/>
+        <p:txBody>
+          <a:bodyPr/>
+          <a:lstStyle/>
+          <a:p>
+            <a:endParaRPr lang="en-US"/>
+          </a:p>
+        </p:txBody>
+      </p:sp>
+      <p:sp>
+        <p:nvSpPr>
+          <p:cNvPr id="7" name="Text Placeholder 3">
+            <a:extLst>
+              <a:ext uri="{FF2B5EF4-FFF2-40B4-BE49-F238E27FC236}">
+                <a16:creationId xmlns:a16="http://schemas.microsoft.com/office/drawing/2014/main" id="{5B61B37C-85DA-482D-9CB8-9A112485AA5A}"/>
+              </a:ext>
+            </a:extLst>
+          </p:cNvPr>
+          <p:cNvSpPr txBox="1">
+            <a:spLocks/>
+          </p:cNvSpPr>
+          <p:nvPr/>
+        </p:nvSpPr>
+        <p:spPr>
+          <a:xfrm>
+            <a:off x="718457" y="6358650"/>
+            <a:ext cx="10328954" cy="499350"/>
+          </a:xfrm>
+          <a:prstGeom prst="rect">
+            <a:avLst/>
+          </a:prstGeom>
+        </p:spPr>
+        <p:txBody>
+          <a:bodyPr vert="horz" lIns="91440" tIns="45720" rIns="91440" bIns="45720" rtlCol="0">
+            <a:normAutofit/>
+          </a:bodyPr>
+          <a:lstStyle>
+            <a:lvl1pPr marL="228600" indent="-228600" algn="l" defTabSz="914400" rtl="0" eaLnBrk="1" latinLnBrk="0" hangingPunct="1">
+              <a:lnSpc>
+                <a:spcPct val="120000"/>
+              </a:lnSpc>
+              <a:spcBef>
+                <a:spcPts val="1000"/>
+              </a:spcBef>
+              <a:buSzPct val="125000"/>
+              <a:buFont typeface="Arial" panose="020B0604020202020204" pitchFamily="34" charset="0"/>
+              <a:buChar char="•"/>
+              <a:defRPr sz="2400" kern="1200">
+                <a:solidFill>
+                  <a:schemeClr val="tx1"/>
+                </a:solidFill>
+                <a:effectLst>
+                  <a:outerShdw blurRad="152400" dist="38100" dir="2700000" algn="tl">
+                    <a:srgbClr val="000000">
+                      <a:alpha val="36000"/>
+                    </a:srgbClr>
+                  </a:outerShdw>
+                </a:effectLst>
+                <a:latin typeface="+mn-lt"/>
+                <a:ea typeface="+mn-ea"/>
+                <a:cs typeface="+mn-cs"/>
+              </a:defRPr>
+            </a:lvl1pPr>
+            <a:lvl2pPr marL="685800" indent="-228600" algn="l" defTabSz="914400" rtl="0" eaLnBrk="1" latinLnBrk="0" hangingPunct="1">
+              <a:lnSpc>
+                <a:spcPct val="120000"/>
+              </a:lnSpc>
+              <a:spcBef>
+                <a:spcPts val="500"/>
+              </a:spcBef>
+              <a:buSzPct val="125000"/>
+              <a:buFont typeface="Arial" panose="020B0604020202020204" pitchFamily="34" charset="0"/>
+              <a:buChar char="•"/>
+              <a:defRPr sz="2000" kern="1200">
+                <a:solidFill>
+                  <a:schemeClr val="tx1"/>
+                </a:solidFill>
+                <a:effectLst>
+                  <a:outerShdw blurRad="152400" dist="38100" dir="2700000" algn="tl">
+                    <a:srgbClr val="000000">
+                      <a:alpha val="36000"/>
+                    </a:srgbClr>
+                  </a:outerShdw>
+                </a:effectLst>
+                <a:latin typeface="+mn-lt"/>
+                <a:ea typeface="+mn-ea"/>
+                <a:cs typeface="+mn-cs"/>
+              </a:defRPr>
+            </a:lvl2pPr>
+            <a:lvl3pPr marL="1143000" indent="-228600" algn="l" defTabSz="914400" rtl="0" eaLnBrk="1" latinLnBrk="0" hangingPunct="1">
+              <a:lnSpc>
+                <a:spcPct val="120000"/>
+              </a:lnSpc>
+              <a:spcBef>
+                <a:spcPts val="500"/>
+              </a:spcBef>
+              <a:buSzPct val="125000"/>
+              <a:buFont typeface="Arial" panose="020B0604020202020204" pitchFamily="34" charset="0"/>
+              <a:buChar char="•"/>
+              <a:defRPr sz="1800" kern="1200">
+                <a:solidFill>
+                  <a:schemeClr val="tx1"/>
+                </a:solidFill>
+                <a:effectLst>
+                  <a:outerShdw blurRad="152400" dist="38100" dir="2700000" algn="tl">
+                    <a:srgbClr val="000000">
+                      <a:alpha val="36000"/>
+                    </a:srgbClr>
+                  </a:outerShdw>
+                </a:effectLst>
+                <a:latin typeface="+mn-lt"/>
+                <a:ea typeface="+mn-ea"/>
+                <a:cs typeface="+mn-cs"/>
+              </a:defRPr>
+            </a:lvl3pPr>
+            <a:lvl4pPr marL="1600200" indent="-228600" algn="l" defTabSz="914400" rtl="0" eaLnBrk="1" latinLnBrk="0" hangingPunct="1">
+              <a:lnSpc>
+                <a:spcPct val="120000"/>
+              </a:lnSpc>
+              <a:spcBef>
+                <a:spcPts val="500"/>
+              </a:spcBef>
+              <a:buSzPct val="125000"/>
+              <a:buFont typeface="Arial" panose="020B0604020202020204" pitchFamily="34" charset="0"/>
+              <a:buChar char="•"/>
+              <a:defRPr sz="1600" kern="1200">
+                <a:solidFill>
+                  <a:schemeClr val="tx1"/>
+                </a:solidFill>
+                <a:effectLst>
+                  <a:outerShdw blurRad="152400" dist="38100" dir="2700000" algn="tl">
+                    <a:srgbClr val="000000">
+                      <a:alpha val="36000"/>
+                    </a:srgbClr>
+                  </a:outerShdw>
+                </a:effectLst>
+                <a:latin typeface="+mn-lt"/>
+                <a:ea typeface="+mn-ea"/>
+                <a:cs typeface="+mn-cs"/>
+              </a:defRPr>
+            </a:lvl4pPr>
+            <a:lvl5pPr marL="2057400" indent="-228600" algn="l" defTabSz="914400" rtl="0" eaLnBrk="1" latinLnBrk="0" hangingPunct="1">
+              <a:lnSpc>
+                <a:spcPct val="120000"/>
+              </a:lnSpc>
+              <a:spcBef>
+                <a:spcPts val="500"/>
+              </a:spcBef>
+              <a:buSzPct val="125000"/>
+              <a:buFont typeface="Arial" panose="020B0604020202020204" pitchFamily="34" charset="0"/>
+              <a:buChar char="•"/>
+              <a:defRPr sz="1600" kern="1200">
+                <a:solidFill>
+                  <a:schemeClr val="tx1"/>
+                </a:solidFill>
+                <a:effectLst>
+                  <a:outerShdw blurRad="152400" dist="38100" dir="2700000" algn="tl">
+                    <a:srgbClr val="000000">
+                      <a:alpha val="36000"/>
+                    </a:srgbClr>
+                  </a:outerShdw>
+                </a:effectLst>
+                <a:latin typeface="+mn-lt"/>
+                <a:ea typeface="+mn-ea"/>
+                <a:cs typeface="+mn-cs"/>
+              </a:defRPr>
+            </a:lvl5pPr>
+            <a:lvl6pPr marL="2514600" indent="-228600" algn="l" defTabSz="914400" rtl="0" eaLnBrk="1" latinLnBrk="0" hangingPunct="1">
+              <a:lnSpc>
+                <a:spcPct val="120000"/>
+              </a:lnSpc>
+              <a:spcBef>
+                <a:spcPts val="500"/>
+              </a:spcBef>
+              <a:buSzPct val="125000"/>
+              <a:buFont typeface="Arial" panose="020B0604020202020204" pitchFamily="34" charset="0"/>
+              <a:buChar char="•"/>
+              <a:defRPr sz="1400" kern="1200">
+                <a:solidFill>
+                  <a:schemeClr val="tx1"/>
+                </a:solidFill>
+                <a:latin typeface="+mn-lt"/>
+                <a:ea typeface="+mn-ea"/>
+                <a:cs typeface="+mn-cs"/>
+              </a:defRPr>
+            </a:lvl6pPr>
+            <a:lvl7pPr marL="2971800" indent="-228600" algn="l" defTabSz="914400" rtl="0" eaLnBrk="1" latinLnBrk="0" hangingPunct="1">
+              <a:lnSpc>
+                <a:spcPct val="120000"/>
+              </a:lnSpc>
+              <a:spcBef>
+                <a:spcPts val="500"/>
+              </a:spcBef>
+              <a:buSzPct val="125000"/>
+              <a:buFont typeface="Arial" panose="020B0604020202020204" pitchFamily="34" charset="0"/>
+              <a:buChar char="•"/>
+              <a:defRPr sz="1400" kern="1200">
+                <a:solidFill>
+                  <a:schemeClr val="tx1"/>
+                </a:solidFill>
+                <a:latin typeface="+mn-lt"/>
+                <a:ea typeface="+mn-ea"/>
+                <a:cs typeface="+mn-cs"/>
+              </a:defRPr>
+            </a:lvl7pPr>
+            <a:lvl8pPr marL="3429000" indent="-228600" algn="l" defTabSz="914400" rtl="0" eaLnBrk="1" latinLnBrk="0" hangingPunct="1">
+              <a:lnSpc>
+                <a:spcPct val="120000"/>
+              </a:lnSpc>
+              <a:spcBef>
+                <a:spcPts val="500"/>
+              </a:spcBef>
+              <a:buSzPct val="125000"/>
+              <a:buFont typeface="Arial" panose="020B0604020202020204" pitchFamily="34" charset="0"/>
+              <a:buChar char="•"/>
+              <a:defRPr sz="1400" kern="1200">
+                <a:solidFill>
+                  <a:schemeClr val="tx1"/>
+                </a:solidFill>
+                <a:latin typeface="+mn-lt"/>
+                <a:ea typeface="+mn-ea"/>
+                <a:cs typeface="+mn-cs"/>
+              </a:defRPr>
+            </a:lvl8pPr>
+            <a:lvl9pPr marL="3886200" indent="-228600" algn="l" defTabSz="914400" rtl="0" eaLnBrk="1" latinLnBrk="0" hangingPunct="1">
+              <a:lnSpc>
+                <a:spcPct val="120000"/>
+              </a:lnSpc>
+              <a:spcBef>
+                <a:spcPts val="500"/>
+              </a:spcBef>
+              <a:buSzPct val="125000"/>
+              <a:buFont typeface="Arial" panose="020B0604020202020204" pitchFamily="34" charset="0"/>
+              <a:buChar char="•"/>
+              <a:defRPr sz="1400" kern="1200">
+                <a:solidFill>
+                  <a:schemeClr val="tx1"/>
+                </a:solidFill>
+                <a:latin typeface="+mn-lt"/>
+                <a:ea typeface="+mn-ea"/>
+                <a:cs typeface="+mn-cs"/>
+              </a:defRPr>
+            </a:lvl9pPr>
+          </a:lstStyle>
+          <a:p>
+            <a:pPr marL="457200" lvl="1" indent="0">
+              <a:buNone/>
+            </a:pPr>
+            <a:r>
+              <a:rPr lang="en-US" dirty="0"/>
+              <a:t>Slides and code available at: </a:t>
+            </a:r>
+            <a:r>
+              <a:rPr lang="en-US" dirty="0">
+                <a:hlinkClick r:id="rId2"/>
+              </a:rPr>
+              <a:t>https://GitHub.com/IntegerMan/SoftwareQualityTalk/</a:t>
+            </a:r>
+            <a:endParaRPr lang="en-US" dirty="0"/>
+          </a:p>
+        </p:txBody>
+      </p:sp>
+    </p:spTree>
+    <p:extLst>
+      <p:ext uri="{BB962C8B-B14F-4D97-AF65-F5344CB8AC3E}">
+        <p14:creationId xmlns:p14="http://schemas.microsoft.com/office/powerpoint/2010/main" val="1321059310"/>
+      </p:ext>
+    </p:extLst>
+  </p:cSld>
+  <p:clrMapOvr>
+    <a:masterClrMapping/>
+  </p:clrMapOvr>
+</p:sld>
+</file>
+
+<file path=ppt/slides/slide5.xml><?xml version="1.0" encoding="utf-8"?>
+<p:sld xmlns:a="http://schemas.openxmlformats.org/drawingml/2006/main" xmlns:r="http://schemas.openxmlformats.org/officeDocument/2006/relationships" xmlns:p="http://schemas.openxmlformats.org/presentationml/2006/main">
+  <p:cSld>
+    <p:spTree>
+      <p:nvGrpSpPr>
+        <p:cNvPr id="1" name=""/>
+        <p:cNvGrpSpPr/>
+        <p:nvPr/>
+      </p:nvGrpSpPr>
+      <p:grpSpPr>
+        <a:xfrm>
+          <a:off x="0" y="0"/>
+          <a:ext cx="0" cy="0"/>
+          <a:chOff x="0" y="0"/>
+          <a:chExt cx="0" cy="0"/>
+        </a:xfrm>
+      </p:grpSpPr>
+      <p:sp>
+        <p:nvSpPr>
+          <p:cNvPr id="2" name="Title 1">
+            <a:extLst>
+              <a:ext uri="{FF2B5EF4-FFF2-40B4-BE49-F238E27FC236}">
+                <a16:creationId xmlns:a16="http://schemas.microsoft.com/office/drawing/2014/main" id="{56129DDF-461C-43E8-B761-75B2FFAAF346}"/>
+              </a:ext>
+            </a:extLst>
+          </p:cNvPr>
+          <p:cNvSpPr>
+            <a:spLocks noGrp="1"/>
+          </p:cNvSpPr>
+          <p:nvPr>
+            <p:ph type="title"/>
+          </p:nvPr>
+        </p:nvSpPr>
+        <p:spPr/>
+        <p:txBody>
+          <a:bodyPr/>
+          <a:lstStyle/>
+          <a:p>
+            <a:r>
+              <a:rPr lang="en-US" cap="none" dirty="0"/>
+              <a:t>About This Talk</a:t>
+            </a:r>
+          </a:p>
+        </p:txBody>
+      </p:sp>
+      <p:sp>
+        <p:nvSpPr>
+          <p:cNvPr id="7" name="Content Placeholder 6">
+            <a:extLst>
+              <a:ext uri="{FF2B5EF4-FFF2-40B4-BE49-F238E27FC236}">
+                <a16:creationId xmlns:a16="http://schemas.microsoft.com/office/drawing/2014/main" id="{BD6A176B-5D5E-4687-98BF-B8A7FDDCBCF5}"/>
+              </a:ext>
+            </a:extLst>
+          </p:cNvPr>
+          <p:cNvSpPr>
+            <a:spLocks noGrp="1"/>
+          </p:cNvSpPr>
+          <p:nvPr>
+            <p:ph idx="1"/>
+          </p:nvPr>
+        </p:nvSpPr>
+        <p:spPr/>
+        <p:txBody>
+          <a:bodyPr>
+            <a:normAutofit lnSpcReduction="10000"/>
+          </a:bodyPr>
+          <a:lstStyle/>
+          <a:p>
+            <a:r>
+              <a:rPr lang="en-US" dirty="0"/>
+              <a:t>Intended to introduce variety of tools and ideas to give you options when working with legacy code</a:t>
+            </a:r>
+            <a:br>
+              <a:rPr lang="en-US" dirty="0"/>
+            </a:br>
+            <a:endParaRPr lang="en-US" dirty="0"/>
+          </a:p>
+          <a:p>
+            <a:r>
+              <a:rPr lang="en-US" dirty="0"/>
+              <a:t>Structure:</a:t>
+            </a:r>
+          </a:p>
+          <a:p>
+            <a:pPr lvl="1"/>
+            <a:r>
+              <a:rPr lang="en-US" dirty="0"/>
+              <a:t>Quick Primer on Unit Testing</a:t>
+            </a:r>
+          </a:p>
+          <a:p>
+            <a:pPr lvl="1"/>
+            <a:r>
+              <a:rPr lang="en-US" dirty="0"/>
+              <a:t>Highlighted .NET libraries that aid in unit testing</a:t>
+            </a:r>
+          </a:p>
+          <a:p>
+            <a:pPr lvl="1"/>
+            <a:r>
+              <a:rPr lang="en-US" dirty="0"/>
+              <a:t>Other techniques for improving software quality</a:t>
+            </a:r>
+          </a:p>
+          <a:p>
+            <a:pPr lvl="1"/>
+            <a:r>
+              <a:rPr lang="en-US" dirty="0"/>
+              <a:t>Quick Primer on Quality Analysis</a:t>
+            </a:r>
+          </a:p>
+          <a:p>
+            <a:pPr lvl="1"/>
+            <a:endParaRPr lang="en-US" dirty="0"/>
+          </a:p>
+        </p:txBody>
+      </p:sp>
+    </p:spTree>
+    <p:extLst>
+      <p:ext uri="{BB962C8B-B14F-4D97-AF65-F5344CB8AC3E}">
+        <p14:creationId xmlns:p14="http://schemas.microsoft.com/office/powerpoint/2010/main" val="1204743042"/>
       </p:ext>
     </p:extLst>
   </p:cSld>
@@ -13073,10 +20749,10 @@
       </p:grpSpPr>
       <p:sp>
         <p:nvSpPr>
-          <p:cNvPr id="9" name="Title 8">
+          <p:cNvPr id="2" name="Title 1">
             <a:extLst>
               <a:ext uri="{FF2B5EF4-FFF2-40B4-BE49-F238E27FC236}">
-                <a16:creationId xmlns:a16="http://schemas.microsoft.com/office/drawing/2014/main" id="{EB7ED720-0904-4BB6-A421-9D3A48EA8BAA}"/>
+                <a16:creationId xmlns:a16="http://schemas.microsoft.com/office/drawing/2014/main" id="{56129DDF-461C-43E8-B761-75B2FFAAF346}"/>
               </a:ext>
             </a:extLst>
           </p:cNvPr>
@@ -13093,18 +20769,18 @@
           <a:lstStyle/>
           <a:p>
             <a:r>
-              <a:rPr lang="en-US" dirty="0"/>
-              <a:t>Libraries to help with Unit Testing</a:t>
+              <a:rPr lang="en-US" cap="none" dirty="0"/>
+              <a:t>The Sample Codebase</a:t>
             </a:r>
           </a:p>
         </p:txBody>
       </p:sp>
       <p:sp>
         <p:nvSpPr>
-          <p:cNvPr id="10" name="Text Placeholder 9">
+          <p:cNvPr id="7" name="Content Placeholder 6">
             <a:extLst>
               <a:ext uri="{FF2B5EF4-FFF2-40B4-BE49-F238E27FC236}">
-                <a16:creationId xmlns:a16="http://schemas.microsoft.com/office/drawing/2014/main" id="{6DB132FF-80E9-4A67-A4C8-836D540D19C2}"/>
+                <a16:creationId xmlns:a16="http://schemas.microsoft.com/office/drawing/2014/main" id="{BD6A176B-5D5E-4687-98BF-B8A7FDDCBCF5}"/>
               </a:ext>
             </a:extLst>
           </p:cNvPr>
@@ -13112,22 +20788,27 @@
             <a:spLocks noGrp="1"/>
           </p:cNvSpPr>
           <p:nvPr>
-            <p:ph type="body" idx="1"/>
+            <p:ph idx="1"/>
           </p:nvPr>
         </p:nvSpPr>
         <p:spPr/>
         <p:txBody>
-          <a:bodyPr/>
+          <a:bodyPr>
+            <a:normAutofit/>
+          </a:bodyPr>
           <a:lstStyle/>
           <a:p>
-            <a:endParaRPr lang="en-US"/>
+            <a:pPr marL="457200" lvl="1" indent="0">
+              <a:buNone/>
+            </a:pPr>
+            <a:endParaRPr lang="en-US" dirty="0"/>
           </a:p>
         </p:txBody>
       </p:sp>
     </p:spTree>
     <p:extLst>
       <p:ext uri="{BB962C8B-B14F-4D97-AF65-F5344CB8AC3E}">
-        <p14:creationId xmlns:p14="http://schemas.microsoft.com/office/powerpoint/2010/main" val="787214841"/>
+        <p14:creationId xmlns:p14="http://schemas.microsoft.com/office/powerpoint/2010/main" val="885722038"/>
       </p:ext>
     </p:extLst>
   </p:cSld>
@@ -13176,8 +20857,8 @@
           <a:lstStyle/>
           <a:p>
             <a:r>
-              <a:rPr lang="en-US" dirty="0"/>
-              <a:t>Software Quality Analysis</a:t>
+              <a:rPr lang="en-US" cap="none" dirty="0"/>
+              <a:t>A Primer on Software Testing</a:t>
             </a:r>
           </a:p>
         </p:txBody>
@@ -13210,7 +20891,7 @@
     </p:spTree>
     <p:extLst>
       <p:ext uri="{BB962C8B-B14F-4D97-AF65-F5344CB8AC3E}">
-        <p14:creationId xmlns:p14="http://schemas.microsoft.com/office/powerpoint/2010/main" val="425605084"/>
+        <p14:creationId xmlns:p14="http://schemas.microsoft.com/office/powerpoint/2010/main" val="3874460316"/>
       </p:ext>
     </p:extLst>
   </p:cSld>
@@ -13239,10 +20920,10 @@
       </p:grpSpPr>
       <p:sp>
         <p:nvSpPr>
-          <p:cNvPr id="2" name="Title 1">
+          <p:cNvPr id="4" name="Title 3">
             <a:extLst>
               <a:ext uri="{FF2B5EF4-FFF2-40B4-BE49-F238E27FC236}">
-                <a16:creationId xmlns:a16="http://schemas.microsoft.com/office/drawing/2014/main" id="{330FC824-EB7A-438D-A6F5-1E20BB55AC86}"/>
+                <a16:creationId xmlns:a16="http://schemas.microsoft.com/office/drawing/2014/main" id="{EE13D860-9205-48B1-B675-4421397C217F}"/>
               </a:ext>
             </a:extLst>
           </p:cNvPr>
@@ -13259,41 +20940,47 @@
           <a:lstStyle/>
           <a:p>
             <a:r>
-              <a:rPr lang="en-US" dirty="0"/>
-              <a:t>Other Quality Recipes?</a:t>
+              <a:rPr lang="en-US" cap="none" dirty="0"/>
+              <a:t>Types of Tests</a:t>
             </a:r>
           </a:p>
         </p:txBody>
       </p:sp>
-      <p:sp>
-        <p:nvSpPr>
-          <p:cNvPr id="4" name="Text Placeholder 3">
+      <p:graphicFrame>
+        <p:nvGraphicFramePr>
+          <p:cNvPr id="18" name="Content Placeholder 12">
             <a:extLst>
               <a:ext uri="{FF2B5EF4-FFF2-40B4-BE49-F238E27FC236}">
-                <a16:creationId xmlns:a16="http://schemas.microsoft.com/office/drawing/2014/main" id="{5184D23D-87C7-46E4-A312-12FC8F7F3C04}"/>
+                <a16:creationId xmlns:a16="http://schemas.microsoft.com/office/drawing/2014/main" id="{3285EE39-92DD-4873-B3EA-C7BCB8A95AE8}"/>
               </a:ext>
             </a:extLst>
           </p:cNvPr>
-          <p:cNvSpPr>
-            <a:spLocks noGrp="1"/>
-          </p:cNvSpPr>
+          <p:cNvGraphicFramePr>
+            <a:graphicFrameLocks noGrp="1"/>
+          </p:cNvGraphicFramePr>
           <p:nvPr>
-            <p:ph type="body" idx="1"/>
+            <p:ph type="pic" idx="4294967295"/>
+            <p:extLst>
+              <p:ext uri="{D42A27DB-BD31-4B8C-83A1-F6EECF244321}">
+                <p14:modId xmlns:p14="http://schemas.microsoft.com/office/powerpoint/2010/main" val="717712359"/>
+              </p:ext>
+            </p:extLst>
           </p:nvPr>
-        </p:nvSpPr>
-        <p:spPr/>
-        <p:txBody>
-          <a:bodyPr/>
-          <a:lstStyle/>
-          <a:p>
-            <a:endParaRPr lang="en-US"/>
-          </a:p>
-        </p:txBody>
-      </p:sp>
+        </p:nvGraphicFramePr>
+        <p:xfrm>
+          <a:off x="1141412" y="722376"/>
+          <a:ext cx="10572052" cy="5266944"/>
+        </p:xfrm>
+        <a:graphic>
+          <a:graphicData uri="http://schemas.openxmlformats.org/drawingml/2006/diagram">
+            <dgm:relIds xmlns:dgm="http://schemas.openxmlformats.org/drawingml/2006/diagram" xmlns:r="http://schemas.openxmlformats.org/officeDocument/2006/relationships" r:dm="rId2" r:lo="rId3" r:qs="rId4" r:cs="rId5"/>
+          </a:graphicData>
+        </a:graphic>
+      </p:graphicFrame>
     </p:spTree>
     <p:extLst>
       <p:ext uri="{BB962C8B-B14F-4D97-AF65-F5344CB8AC3E}">
-        <p14:creationId xmlns:p14="http://schemas.microsoft.com/office/powerpoint/2010/main" val="1321059310"/>
+        <p14:creationId xmlns:p14="http://schemas.microsoft.com/office/powerpoint/2010/main" val="3340561667"/>
       </p:ext>
     </p:extLst>
   </p:cSld>
@@ -13322,10 +21009,10 @@
       </p:grpSpPr>
       <p:sp>
         <p:nvSpPr>
-          <p:cNvPr id="2" name="Title 1">
+          <p:cNvPr id="4" name="Title 3">
             <a:extLst>
               <a:ext uri="{FF2B5EF4-FFF2-40B4-BE49-F238E27FC236}">
-                <a16:creationId xmlns:a16="http://schemas.microsoft.com/office/drawing/2014/main" id="{330FC824-EB7A-438D-A6F5-1E20BB55AC86}"/>
+                <a16:creationId xmlns:a16="http://schemas.microsoft.com/office/drawing/2014/main" id="{EE13D860-9205-48B1-B675-4421397C217F}"/>
               </a:ext>
             </a:extLst>
           </p:cNvPr>
@@ -13342,18 +21029,18 @@
           <a:lstStyle/>
           <a:p>
             <a:r>
-              <a:rPr lang="en-US" dirty="0"/>
-              <a:t>Questions?</a:t>
+              <a:rPr lang="en-US" cap="none" dirty="0"/>
+              <a:t>What is a Unit Test?</a:t>
             </a:r>
           </a:p>
         </p:txBody>
       </p:sp>
       <p:sp>
         <p:nvSpPr>
-          <p:cNvPr id="4" name="Text Placeholder 3">
+          <p:cNvPr id="5" name="Content Placeholder 4">
             <a:extLst>
               <a:ext uri="{FF2B5EF4-FFF2-40B4-BE49-F238E27FC236}">
-                <a16:creationId xmlns:a16="http://schemas.microsoft.com/office/drawing/2014/main" id="{5184D23D-87C7-46E4-A312-12FC8F7F3C04}"/>
+                <a16:creationId xmlns:a16="http://schemas.microsoft.com/office/drawing/2014/main" id="{BF24FDFA-3F46-41F2-9499-79EDCEF806BD}"/>
               </a:ext>
             </a:extLst>
           </p:cNvPr>
@@ -13361,12 +21048,72 @@
             <a:spLocks noGrp="1"/>
           </p:cNvSpPr>
           <p:nvPr>
-            <p:ph type="body" idx="1"/>
+            <p:ph sz="half" idx="1"/>
           </p:nvPr>
         </p:nvSpPr>
         <p:spPr/>
         <p:txBody>
-          <a:bodyPr/>
+          <a:bodyPr>
+            <a:normAutofit/>
+          </a:bodyPr>
+          <a:lstStyle/>
+          <a:p>
+            <a:r>
+              <a:rPr lang="en-US" dirty="0"/>
+              <a:t>A method that either passes or fails</a:t>
+            </a:r>
+          </a:p>
+          <a:p>
+            <a:r>
+              <a:rPr lang="en-US" dirty="0"/>
+              <a:t>Should call to a small unit of code</a:t>
+            </a:r>
+          </a:p>
+          <a:p>
+            <a:r>
+              <a:rPr lang="en-US" dirty="0"/>
+              <a:t>Should validate business rules </a:t>
+            </a:r>
+          </a:p>
+          <a:p>
+            <a:pPr lvl="1"/>
+            <a:r>
+              <a:rPr lang="en-US" dirty="0"/>
+              <a:t>or the absence of a prior bug</a:t>
+            </a:r>
+          </a:p>
+          <a:p>
+            <a:r>
+              <a:rPr lang="en-US" dirty="0"/>
+              <a:t>Exceptions indicate a test failure</a:t>
+            </a:r>
+          </a:p>
+          <a:p>
+            <a:endParaRPr lang="en-US" dirty="0"/>
+          </a:p>
+        </p:txBody>
+      </p:sp>
+      <p:sp>
+        <p:nvSpPr>
+          <p:cNvPr id="2" name="Content Placeholder 1">
+            <a:extLst>
+              <a:ext uri="{FF2B5EF4-FFF2-40B4-BE49-F238E27FC236}">
+                <a16:creationId xmlns:a16="http://schemas.microsoft.com/office/drawing/2014/main" id="{E5D63FDF-61AF-4BF6-AE2D-92AFFB561643}"/>
+              </a:ext>
+            </a:extLst>
+          </p:cNvPr>
+          <p:cNvSpPr>
+            <a:spLocks noGrp="1"/>
+          </p:cNvSpPr>
+          <p:nvPr>
+            <p:ph sz="half" idx="2"/>
+          </p:nvPr>
+        </p:nvSpPr>
+        <p:spPr/>
+        <p:txBody>
+          <a:bodyPr>
+            <a:normAutofit/>
+          </a:bodyPr>
           <a:lstStyle/>
           <a:p>
             <a:endParaRPr lang="en-US"/>
@@ -13376,7 +21123,7 @@
     </p:spTree>
     <p:extLst>
       <p:ext uri="{BB962C8B-B14F-4D97-AF65-F5344CB8AC3E}">
-        <p14:creationId xmlns:p14="http://schemas.microsoft.com/office/powerpoint/2010/main" val="563918925"/>
+        <p14:creationId xmlns:p14="http://schemas.microsoft.com/office/powerpoint/2010/main" val="3402936677"/>
       </p:ext>
     </p:extLst>
   </p:cSld>
@@ -13389,7 +21136,7 @@
 <file path=ppt/theme/theme1.xml><?xml version="1.0" encoding="utf-8"?>
 <a:theme xmlns:a="http://schemas.openxmlformats.org/drawingml/2006/main" name="Circuit">
   <a:themeElements>
-    <a:clrScheme name="Circuit">
+    <a:clrScheme name="Slipstream">
       <a:dk1>
         <a:sysClr val="windowText" lastClr="000000"/>
       </a:dk1>
@@ -13397,34 +21144,34 @@
         <a:sysClr val="window" lastClr="FFFFFF"/>
       </a:lt1>
       <a:dk2>
-        <a:srgbClr val="252C36"/>
+        <a:srgbClr val="212745"/>
       </a:dk2>
       <a:lt2>
-        <a:srgbClr val="7C96A3"/>
+        <a:srgbClr val="B4DCFA"/>
       </a:lt2>
       <a:accent1>
-        <a:srgbClr val="4FD093"/>
+        <a:srgbClr val="4E67C8"/>
       </a:accent1>
       <a:accent2>
-        <a:srgbClr val="54BCDF"/>
+        <a:srgbClr val="5ECCF3"/>
       </a:accent2>
       <a:accent3>
-        <a:srgbClr val="A262D0"/>
+        <a:srgbClr val="A7EA52"/>
       </a:accent3>
       <a:accent4>
-        <a:srgbClr val="D7537B"/>
+        <a:srgbClr val="5DCEAF"/>
       </a:accent4>
       <a:accent5>
-        <a:srgbClr val="E78045"/>
+        <a:srgbClr val="FF8021"/>
       </a:accent5>
       <a:accent6>
-        <a:srgbClr val="84C350"/>
+        <a:srgbClr val="F14124"/>
       </a:accent6>
       <a:hlink>
-        <a:srgbClr val="22FFFF"/>
+        <a:srgbClr val="56C7AA"/>
       </a:hlink>
       <a:folHlink>
-        <a:srgbClr val="9BF3FD"/>
+        <a:srgbClr val="59A8D1"/>
       </a:folHlink>
     </a:clrScheme>
     <a:fontScheme name="Circuit">
@@ -13589,9 +21336,9 @@
             <a:gs pos="0">
               <a:schemeClr val="phClr">
                 <a:tint val="98000"/>
-                <a:hueMod val="94000"/>
+                <a:hueMod val="88000"/>
                 <a:satMod val="148000"/>
-                <a:lumMod val="140000"/>
+                <a:lumMod val="150000"/>
               </a:schemeClr>
             </a:gs>
             <a:gs pos="100000">
@@ -13599,7 +21346,7 @@
                 <a:shade val="92000"/>
                 <a:hueMod val="104000"/>
                 <a:satMod val="140000"/>
-                <a:lumMod val="48000"/>
+                <a:lumMod val="68000"/>
               </a:schemeClr>
             </a:gs>
           </a:gsLst>
@@ -13609,16 +21356,16 @@
           <a:blip xmlns:r="http://schemas.openxmlformats.org/officeDocument/2006/relationships" r:embed="rId1">
             <a:duotone>
               <a:schemeClr val="phClr">
-                <a:shade val="48000"/>
+                <a:shade val="88000"/>
                 <a:hueMod val="106000"/>
                 <a:satMod val="140000"/>
-                <a:lumMod val="42000"/>
+                <a:lumMod val="54000"/>
               </a:schemeClr>
               <a:schemeClr val="phClr">
                 <a:tint val="98000"/>
-                <a:hueMod val="92000"/>
-                <a:satMod val="220000"/>
-                <a:lumMod val="90000"/>
+                <a:hueMod val="82000"/>
+                <a:satMod val="150000"/>
+                <a:lumMod val="160000"/>
               </a:schemeClr>
             </a:duotone>
           </a:blip>
@@ -13631,7 +21378,7 @@
   <a:extraClrSchemeLst/>
   <a:extLst>
     <a:ext uri="{05A4C25C-085E-4340-85A3-A5531E510DB2}">
-      <thm15:themeFamily xmlns:thm15="http://schemas.microsoft.com/office/thememl/2012/main" name="Circuit" id="{0AC2F7E7-15F5-431C-B2A2-456FE929F56C}" vid="{142578CA-DEC9-49C3-80AF-C113973CC9A9}"/>
+      <thm15:themeFamily xmlns:thm15="http://schemas.microsoft.com/office/thememl/2012/main" name="Circuit" id="{0AC2F7E7-15F5-431C-B2A2-456FE929F56C}" vid="{97ECCC31-8429-4523-BE8D-8F09B7A4D46D}"/>
     </a:ext>
   </a:extLst>
 </a:theme>

--- a/Software Quality Recipes for Legacy.pptx
+++ b/Software Quality Recipes for Legacy.pptx
@@ -20,42 +20,43 @@
     <p:sldId id="322" r:id="rId14"/>
     <p:sldId id="321" r:id="rId15"/>
     <p:sldId id="324" r:id="rId16"/>
-    <p:sldId id="278" r:id="rId17"/>
+    <p:sldId id="325" r:id="rId17"/>
     <p:sldId id="290" r:id="rId18"/>
-    <p:sldId id="289" r:id="rId19"/>
+    <p:sldId id="278" r:id="rId19"/>
     <p:sldId id="306" r:id="rId20"/>
-    <p:sldId id="312" r:id="rId21"/>
-    <p:sldId id="314" r:id="rId22"/>
-    <p:sldId id="263" r:id="rId23"/>
-    <p:sldId id="276" r:id="rId24"/>
-    <p:sldId id="273" r:id="rId25"/>
-    <p:sldId id="271" r:id="rId26"/>
-    <p:sldId id="286" r:id="rId27"/>
-    <p:sldId id="272" r:id="rId28"/>
-    <p:sldId id="315" r:id="rId29"/>
-    <p:sldId id="317" r:id="rId30"/>
-    <p:sldId id="270" r:id="rId31"/>
-    <p:sldId id="311" r:id="rId32"/>
-    <p:sldId id="318" r:id="rId33"/>
-    <p:sldId id="264" r:id="rId34"/>
-    <p:sldId id="269" r:id="rId35"/>
-    <p:sldId id="308" r:id="rId36"/>
-    <p:sldId id="294" r:id="rId37"/>
-    <p:sldId id="274" r:id="rId38"/>
-    <p:sldId id="280" r:id="rId39"/>
-    <p:sldId id="284" r:id="rId40"/>
-    <p:sldId id="285" r:id="rId41"/>
-    <p:sldId id="305" r:id="rId42"/>
-    <p:sldId id="303" r:id="rId43"/>
-    <p:sldId id="300" r:id="rId44"/>
-    <p:sldId id="301" r:id="rId45"/>
-    <p:sldId id="310" r:id="rId46"/>
-    <p:sldId id="313" r:id="rId47"/>
-    <p:sldId id="302" r:id="rId48"/>
-    <p:sldId id="265" r:id="rId49"/>
-    <p:sldId id="267" r:id="rId50"/>
-    <p:sldId id="287" r:id="rId51"/>
-    <p:sldId id="259" r:id="rId52"/>
+    <p:sldId id="327" r:id="rId21"/>
+    <p:sldId id="330" r:id="rId22"/>
+    <p:sldId id="329" r:id="rId23"/>
+    <p:sldId id="263" r:id="rId24"/>
+    <p:sldId id="276" r:id="rId25"/>
+    <p:sldId id="273" r:id="rId26"/>
+    <p:sldId id="271" r:id="rId27"/>
+    <p:sldId id="286" r:id="rId28"/>
+    <p:sldId id="272" r:id="rId29"/>
+    <p:sldId id="315" r:id="rId30"/>
+    <p:sldId id="317" r:id="rId31"/>
+    <p:sldId id="270" r:id="rId32"/>
+    <p:sldId id="311" r:id="rId33"/>
+    <p:sldId id="318" r:id="rId34"/>
+    <p:sldId id="264" r:id="rId35"/>
+    <p:sldId id="269" r:id="rId36"/>
+    <p:sldId id="308" r:id="rId37"/>
+    <p:sldId id="294" r:id="rId38"/>
+    <p:sldId id="274" r:id="rId39"/>
+    <p:sldId id="280" r:id="rId40"/>
+    <p:sldId id="284" r:id="rId41"/>
+    <p:sldId id="285" r:id="rId42"/>
+    <p:sldId id="305" r:id="rId43"/>
+    <p:sldId id="303" r:id="rId44"/>
+    <p:sldId id="300" r:id="rId45"/>
+    <p:sldId id="301" r:id="rId46"/>
+    <p:sldId id="310" r:id="rId47"/>
+    <p:sldId id="313" r:id="rId48"/>
+    <p:sldId id="302" r:id="rId49"/>
+    <p:sldId id="265" r:id="rId50"/>
+    <p:sldId id="267" r:id="rId51"/>
+    <p:sldId id="287" r:id="rId52"/>
+    <p:sldId id="259" r:id="rId53"/>
   </p:sldIdLst>
   <p:sldSz cx="12192000" cy="6858000"/>
   <p:notesSz cx="6858000" cy="9144000"/>
@@ -182,12 +183,13 @@
             <p14:sldId id="322"/>
             <p14:sldId id="321"/>
             <p14:sldId id="324"/>
+            <p14:sldId id="325"/>
+            <p14:sldId id="290"/>
             <p14:sldId id="278"/>
-            <p14:sldId id="290"/>
-            <p14:sldId id="289"/>
             <p14:sldId id="306"/>
-            <p14:sldId id="312"/>
-            <p14:sldId id="314"/>
+            <p14:sldId id="327"/>
+            <p14:sldId id="330"/>
+            <p14:sldId id="329"/>
           </p14:sldIdLst>
         </p14:section>
         <p14:section name="Libraries" id="{721D9537-7B3B-4764-B91E-5832A8354E51}">
@@ -994,6 +996,753 @@
 </file>
 
 <file path=ppt/diagrams/colors2.xml><?xml version="1.0" encoding="utf-8"?>
+<dgm:colorsDef xmlns:dgm="http://schemas.openxmlformats.org/drawingml/2006/diagram" xmlns:a="http://schemas.openxmlformats.org/drawingml/2006/main" uniqueId="urn:microsoft.com/office/officeart/2005/8/colors/accent1_2">
+  <dgm:title val=""/>
+  <dgm:desc val=""/>
+  <dgm:catLst>
+    <dgm:cat type="accent1" pri="11200"/>
+  </dgm:catLst>
+  <dgm:styleLbl name="node0">
+    <dgm:fillClrLst meth="repeat">
+      <a:schemeClr val="accent1"/>
+    </dgm:fillClrLst>
+    <dgm:linClrLst meth="repeat">
+      <a:schemeClr val="lt1"/>
+    </dgm:linClrLst>
+    <dgm:effectClrLst/>
+    <dgm:txLinClrLst/>
+    <dgm:txFillClrLst/>
+    <dgm:txEffectClrLst/>
+  </dgm:styleLbl>
+  <dgm:styleLbl name="alignNode1">
+    <dgm:fillClrLst meth="repeat">
+      <a:schemeClr val="accent1"/>
+    </dgm:fillClrLst>
+    <dgm:linClrLst meth="repeat">
+      <a:schemeClr val="accent1"/>
+    </dgm:linClrLst>
+    <dgm:effectClrLst/>
+    <dgm:txLinClrLst/>
+    <dgm:txFillClrLst/>
+    <dgm:txEffectClrLst/>
+  </dgm:styleLbl>
+  <dgm:styleLbl name="node1">
+    <dgm:fillClrLst meth="repeat">
+      <a:schemeClr val="accent1"/>
+    </dgm:fillClrLst>
+    <dgm:linClrLst meth="repeat">
+      <a:schemeClr val="lt1"/>
+    </dgm:linClrLst>
+    <dgm:effectClrLst/>
+    <dgm:txLinClrLst/>
+    <dgm:txFillClrLst/>
+    <dgm:txEffectClrLst/>
+  </dgm:styleLbl>
+  <dgm:styleLbl name="lnNode1">
+    <dgm:fillClrLst meth="repeat">
+      <a:schemeClr val="accent1"/>
+    </dgm:fillClrLst>
+    <dgm:linClrLst meth="repeat">
+      <a:schemeClr val="lt1"/>
+    </dgm:linClrLst>
+    <dgm:effectClrLst/>
+    <dgm:txLinClrLst/>
+    <dgm:txFillClrLst/>
+    <dgm:txEffectClrLst/>
+  </dgm:styleLbl>
+  <dgm:styleLbl name="vennNode1">
+    <dgm:fillClrLst meth="repeat">
+      <a:schemeClr val="accent1">
+        <a:alpha val="50000"/>
+      </a:schemeClr>
+    </dgm:fillClrLst>
+    <dgm:linClrLst meth="repeat">
+      <a:schemeClr val="lt1"/>
+    </dgm:linClrLst>
+    <dgm:effectClrLst/>
+    <dgm:txLinClrLst/>
+    <dgm:txFillClrLst/>
+    <dgm:txEffectClrLst/>
+  </dgm:styleLbl>
+  <dgm:styleLbl name="node2">
+    <dgm:fillClrLst meth="repeat">
+      <a:schemeClr val="accent1"/>
+    </dgm:fillClrLst>
+    <dgm:linClrLst meth="repeat">
+      <a:schemeClr val="lt1"/>
+    </dgm:linClrLst>
+    <dgm:effectClrLst/>
+    <dgm:txLinClrLst/>
+    <dgm:txFillClrLst/>
+    <dgm:txEffectClrLst/>
+  </dgm:styleLbl>
+  <dgm:styleLbl name="node3">
+    <dgm:fillClrLst meth="repeat">
+      <a:schemeClr val="accent1"/>
+    </dgm:fillClrLst>
+    <dgm:linClrLst meth="repeat">
+      <a:schemeClr val="lt1"/>
+    </dgm:linClrLst>
+    <dgm:effectClrLst/>
+    <dgm:txLinClrLst/>
+    <dgm:txFillClrLst/>
+    <dgm:txEffectClrLst/>
+  </dgm:styleLbl>
+  <dgm:styleLbl name="node4">
+    <dgm:fillClrLst meth="repeat">
+      <a:schemeClr val="accent1"/>
+    </dgm:fillClrLst>
+    <dgm:linClrLst meth="repeat">
+      <a:schemeClr val="lt1"/>
+    </dgm:linClrLst>
+    <dgm:effectClrLst/>
+    <dgm:txLinClrLst/>
+    <dgm:txFillClrLst/>
+    <dgm:txEffectClrLst/>
+  </dgm:styleLbl>
+  <dgm:styleLbl name="fgImgPlace1">
+    <dgm:fillClrLst meth="repeat">
+      <a:schemeClr val="accent1">
+        <a:tint val="50000"/>
+      </a:schemeClr>
+    </dgm:fillClrLst>
+    <dgm:linClrLst meth="repeat">
+      <a:schemeClr val="lt1"/>
+    </dgm:linClrLst>
+    <dgm:effectClrLst/>
+    <dgm:txLinClrLst/>
+    <dgm:txFillClrLst meth="repeat">
+      <a:schemeClr val="lt1"/>
+    </dgm:txFillClrLst>
+    <dgm:txEffectClrLst/>
+  </dgm:styleLbl>
+  <dgm:styleLbl name="alignImgPlace1">
+    <dgm:fillClrLst meth="repeat">
+      <a:schemeClr val="accent1">
+        <a:tint val="50000"/>
+      </a:schemeClr>
+    </dgm:fillClrLst>
+    <dgm:linClrLst meth="repeat">
+      <a:schemeClr val="lt1"/>
+    </dgm:linClrLst>
+    <dgm:effectClrLst/>
+    <dgm:txLinClrLst/>
+    <dgm:txFillClrLst meth="repeat">
+      <a:schemeClr val="lt1"/>
+    </dgm:txFillClrLst>
+    <dgm:txEffectClrLst/>
+  </dgm:styleLbl>
+  <dgm:styleLbl name="bgImgPlace1">
+    <dgm:fillClrLst meth="repeat">
+      <a:schemeClr val="accent1">
+        <a:tint val="50000"/>
+      </a:schemeClr>
+    </dgm:fillClrLst>
+    <dgm:linClrLst meth="repeat">
+      <a:schemeClr val="lt1"/>
+    </dgm:linClrLst>
+    <dgm:effectClrLst/>
+    <dgm:txLinClrLst/>
+    <dgm:txFillClrLst meth="repeat">
+      <a:schemeClr val="lt1"/>
+    </dgm:txFillClrLst>
+    <dgm:txEffectClrLst/>
+  </dgm:styleLbl>
+  <dgm:styleLbl name="sibTrans2D1">
+    <dgm:fillClrLst meth="repeat">
+      <a:schemeClr val="accent1">
+        <a:tint val="60000"/>
+      </a:schemeClr>
+    </dgm:fillClrLst>
+    <dgm:linClrLst meth="repeat">
+      <a:schemeClr val="accent1">
+        <a:tint val="60000"/>
+      </a:schemeClr>
+    </dgm:linClrLst>
+    <dgm:effectClrLst/>
+    <dgm:txLinClrLst/>
+    <dgm:txFillClrLst/>
+    <dgm:txEffectClrLst/>
+  </dgm:styleLbl>
+  <dgm:styleLbl name="fgSibTrans2D1">
+    <dgm:fillClrLst meth="repeat">
+      <a:schemeClr val="accent1">
+        <a:tint val="60000"/>
+      </a:schemeClr>
+    </dgm:fillClrLst>
+    <dgm:linClrLst meth="repeat">
+      <a:schemeClr val="accent1">
+        <a:tint val="60000"/>
+      </a:schemeClr>
+    </dgm:linClrLst>
+    <dgm:effectClrLst/>
+    <dgm:txLinClrLst/>
+    <dgm:txFillClrLst/>
+    <dgm:txEffectClrLst/>
+  </dgm:styleLbl>
+  <dgm:styleLbl name="bgSibTrans2D1">
+    <dgm:fillClrLst meth="repeat">
+      <a:schemeClr val="accent1">
+        <a:tint val="60000"/>
+      </a:schemeClr>
+    </dgm:fillClrLst>
+    <dgm:linClrLst meth="repeat">
+      <a:schemeClr val="accent1">
+        <a:tint val="60000"/>
+      </a:schemeClr>
+    </dgm:linClrLst>
+    <dgm:effectClrLst/>
+    <dgm:txLinClrLst/>
+    <dgm:txFillClrLst/>
+    <dgm:txEffectClrLst/>
+  </dgm:styleLbl>
+  <dgm:styleLbl name="sibTrans1D1">
+    <dgm:fillClrLst meth="repeat">
+      <a:schemeClr val="accent1"/>
+    </dgm:fillClrLst>
+    <dgm:linClrLst meth="repeat">
+      <a:schemeClr val="accent1"/>
+    </dgm:linClrLst>
+    <dgm:effectClrLst/>
+    <dgm:txLinClrLst/>
+    <dgm:txFillClrLst meth="repeat">
+      <a:schemeClr val="tx1"/>
+    </dgm:txFillClrLst>
+    <dgm:txEffectClrLst/>
+  </dgm:styleLbl>
+  <dgm:styleLbl name="callout">
+    <dgm:fillClrLst meth="repeat">
+      <a:schemeClr val="accent1"/>
+    </dgm:fillClrLst>
+    <dgm:linClrLst meth="repeat">
+      <a:schemeClr val="accent1">
+        <a:tint val="50000"/>
+      </a:schemeClr>
+    </dgm:linClrLst>
+    <dgm:effectClrLst/>
+    <dgm:txLinClrLst/>
+    <dgm:txFillClrLst meth="repeat">
+      <a:schemeClr val="tx1"/>
+    </dgm:txFillClrLst>
+    <dgm:txEffectClrLst/>
+  </dgm:styleLbl>
+  <dgm:styleLbl name="asst0">
+    <dgm:fillClrLst meth="repeat">
+      <a:schemeClr val="accent1"/>
+    </dgm:fillClrLst>
+    <dgm:linClrLst meth="repeat">
+      <a:schemeClr val="lt1"/>
+    </dgm:linClrLst>
+    <dgm:effectClrLst/>
+    <dgm:txLinClrLst/>
+    <dgm:txFillClrLst/>
+    <dgm:txEffectClrLst/>
+  </dgm:styleLbl>
+  <dgm:styleLbl name="asst1">
+    <dgm:fillClrLst meth="repeat">
+      <a:schemeClr val="accent1"/>
+    </dgm:fillClrLst>
+    <dgm:linClrLst meth="repeat">
+      <a:schemeClr val="lt1"/>
+    </dgm:linClrLst>
+    <dgm:effectClrLst/>
+    <dgm:txLinClrLst/>
+    <dgm:txFillClrLst/>
+    <dgm:txEffectClrLst/>
+  </dgm:styleLbl>
+  <dgm:styleLbl name="asst2">
+    <dgm:fillClrLst meth="repeat">
+      <a:schemeClr val="accent1"/>
+    </dgm:fillClrLst>
+    <dgm:linClrLst meth="repeat">
+      <a:schemeClr val="lt1"/>
+    </dgm:linClrLst>
+    <dgm:effectClrLst/>
+    <dgm:txLinClrLst/>
+    <dgm:txFillClrLst/>
+    <dgm:txEffectClrLst/>
+  </dgm:styleLbl>
+  <dgm:styleLbl name="asst3">
+    <dgm:fillClrLst meth="repeat">
+      <a:schemeClr val="accent1"/>
+    </dgm:fillClrLst>
+    <dgm:linClrLst meth="repeat">
+      <a:schemeClr val="lt1"/>
+    </dgm:linClrLst>
+    <dgm:effectClrLst/>
+    <dgm:txLinClrLst/>
+    <dgm:txFillClrLst/>
+    <dgm:txEffectClrLst/>
+  </dgm:styleLbl>
+  <dgm:styleLbl name="asst4">
+    <dgm:fillClrLst meth="repeat">
+      <a:schemeClr val="accent1"/>
+    </dgm:fillClrLst>
+    <dgm:linClrLst meth="repeat">
+      <a:schemeClr val="lt1"/>
+    </dgm:linClrLst>
+    <dgm:effectClrLst/>
+    <dgm:txLinClrLst/>
+    <dgm:txFillClrLst/>
+    <dgm:txEffectClrLst/>
+  </dgm:styleLbl>
+  <dgm:styleLbl name="parChTrans2D1">
+    <dgm:fillClrLst meth="repeat">
+      <a:schemeClr val="accent1">
+        <a:tint val="60000"/>
+      </a:schemeClr>
+    </dgm:fillClrLst>
+    <dgm:linClrLst meth="repeat">
+      <a:schemeClr val="accent1">
+        <a:tint val="60000"/>
+      </a:schemeClr>
+    </dgm:linClrLst>
+    <dgm:effectClrLst/>
+    <dgm:txLinClrLst/>
+    <dgm:txFillClrLst meth="repeat">
+      <a:schemeClr val="lt1"/>
+    </dgm:txFillClrLst>
+    <dgm:txEffectClrLst/>
+  </dgm:styleLbl>
+  <dgm:styleLbl name="parChTrans2D2">
+    <dgm:fillClrLst meth="repeat">
+      <a:schemeClr val="accent1"/>
+    </dgm:fillClrLst>
+    <dgm:linClrLst meth="repeat">
+      <a:schemeClr val="accent1"/>
+    </dgm:linClrLst>
+    <dgm:effectClrLst/>
+    <dgm:txLinClrLst/>
+    <dgm:txFillClrLst meth="repeat">
+      <a:schemeClr val="lt1"/>
+    </dgm:txFillClrLst>
+    <dgm:txEffectClrLst/>
+  </dgm:styleLbl>
+  <dgm:styleLbl name="parChTrans2D3">
+    <dgm:fillClrLst meth="repeat">
+      <a:schemeClr val="accent1"/>
+    </dgm:fillClrLst>
+    <dgm:linClrLst meth="repeat">
+      <a:schemeClr val="accent1"/>
+    </dgm:linClrLst>
+    <dgm:effectClrLst/>
+    <dgm:txLinClrLst/>
+    <dgm:txFillClrLst meth="repeat">
+      <a:schemeClr val="lt1"/>
+    </dgm:txFillClrLst>
+    <dgm:txEffectClrLst/>
+  </dgm:styleLbl>
+  <dgm:styleLbl name="parChTrans2D4">
+    <dgm:fillClrLst meth="repeat">
+      <a:schemeClr val="accent1"/>
+    </dgm:fillClrLst>
+    <dgm:linClrLst meth="repeat">
+      <a:schemeClr val="accent1"/>
+    </dgm:linClrLst>
+    <dgm:effectClrLst/>
+    <dgm:txLinClrLst/>
+    <dgm:txFillClrLst meth="repeat">
+      <a:schemeClr val="lt1"/>
+    </dgm:txFillClrLst>
+    <dgm:txEffectClrLst/>
+  </dgm:styleLbl>
+  <dgm:styleLbl name="parChTrans1D1">
+    <dgm:fillClrLst meth="repeat">
+      <a:schemeClr val="accent1"/>
+    </dgm:fillClrLst>
+    <dgm:linClrLst meth="repeat">
+      <a:schemeClr val="accent1">
+        <a:shade val="60000"/>
+      </a:schemeClr>
+    </dgm:linClrLst>
+    <dgm:effectClrLst/>
+    <dgm:txLinClrLst/>
+    <dgm:txFillClrLst meth="repeat">
+      <a:schemeClr val="tx1"/>
+    </dgm:txFillClrLst>
+    <dgm:txEffectClrLst/>
+  </dgm:styleLbl>
+  <dgm:styleLbl name="parChTrans1D2">
+    <dgm:fillClrLst meth="repeat">
+      <a:schemeClr val="accent1"/>
+    </dgm:fillClrLst>
+    <dgm:linClrLst meth="repeat">
+      <a:schemeClr val="accent1">
+        <a:shade val="60000"/>
+      </a:schemeClr>
+    </dgm:linClrLst>
+    <dgm:effectClrLst/>
+    <dgm:txLinClrLst/>
+    <dgm:txFillClrLst meth="repeat">
+      <a:schemeClr val="tx1"/>
+    </dgm:txFillClrLst>
+    <dgm:txEffectClrLst/>
+  </dgm:styleLbl>
+  <dgm:styleLbl name="parChTrans1D3">
+    <dgm:fillClrLst meth="repeat">
+      <a:schemeClr val="accent1"/>
+    </dgm:fillClrLst>
+    <dgm:linClrLst meth="repeat">
+      <a:schemeClr val="accent1">
+        <a:shade val="80000"/>
+      </a:schemeClr>
+    </dgm:linClrLst>
+    <dgm:effectClrLst/>
+    <dgm:txLinClrLst/>
+    <dgm:txFillClrLst meth="repeat">
+      <a:schemeClr val="tx1"/>
+    </dgm:txFillClrLst>
+    <dgm:txEffectClrLst/>
+  </dgm:styleLbl>
+  <dgm:styleLbl name="parChTrans1D4">
+    <dgm:fillClrLst meth="repeat">
+      <a:schemeClr val="accent1"/>
+    </dgm:fillClrLst>
+    <dgm:linClrLst meth="repeat">
+      <a:schemeClr val="accent1">
+        <a:shade val="80000"/>
+      </a:schemeClr>
+    </dgm:linClrLst>
+    <dgm:effectClrLst/>
+    <dgm:txLinClrLst/>
+    <dgm:txFillClrLst meth="repeat">
+      <a:schemeClr val="tx1"/>
+    </dgm:txFillClrLst>
+    <dgm:txEffectClrLst/>
+  </dgm:styleLbl>
+  <dgm:styleLbl name="fgAcc1">
+    <dgm:fillClrLst meth="repeat">
+      <a:schemeClr val="lt1">
+        <a:alpha val="90000"/>
+      </a:schemeClr>
+    </dgm:fillClrLst>
+    <dgm:linClrLst meth="repeat">
+      <a:schemeClr val="accent1"/>
+    </dgm:linClrLst>
+    <dgm:effectClrLst/>
+    <dgm:txLinClrLst/>
+    <dgm:txFillClrLst meth="repeat">
+      <a:schemeClr val="dk1"/>
+    </dgm:txFillClrLst>
+    <dgm:txEffectClrLst/>
+  </dgm:styleLbl>
+  <dgm:styleLbl name="conFgAcc1">
+    <dgm:fillClrLst meth="repeat">
+      <a:schemeClr val="lt1">
+        <a:alpha val="90000"/>
+      </a:schemeClr>
+    </dgm:fillClrLst>
+    <dgm:linClrLst meth="repeat">
+      <a:schemeClr val="accent1"/>
+    </dgm:linClrLst>
+    <dgm:effectClrLst/>
+    <dgm:txLinClrLst/>
+    <dgm:txFillClrLst meth="repeat">
+      <a:schemeClr val="dk1"/>
+    </dgm:txFillClrLst>
+    <dgm:txEffectClrLst/>
+  </dgm:styleLbl>
+  <dgm:styleLbl name="alignAcc1">
+    <dgm:fillClrLst meth="repeat">
+      <a:schemeClr val="lt1">
+        <a:alpha val="90000"/>
+      </a:schemeClr>
+    </dgm:fillClrLst>
+    <dgm:linClrLst meth="repeat">
+      <a:schemeClr val="accent1"/>
+    </dgm:linClrLst>
+    <dgm:effectClrLst/>
+    <dgm:txLinClrLst/>
+    <dgm:txFillClrLst meth="repeat">
+      <a:schemeClr val="dk1"/>
+    </dgm:txFillClrLst>
+    <dgm:txEffectClrLst/>
+  </dgm:styleLbl>
+  <dgm:styleLbl name="trAlignAcc1">
+    <dgm:fillClrLst meth="repeat">
+      <a:schemeClr val="lt1">
+        <a:alpha val="40000"/>
+      </a:schemeClr>
+    </dgm:fillClrLst>
+    <dgm:linClrLst meth="repeat">
+      <a:schemeClr val="accent1"/>
+    </dgm:linClrLst>
+    <dgm:effectClrLst/>
+    <dgm:txLinClrLst/>
+    <dgm:txFillClrLst meth="repeat">
+      <a:schemeClr val="dk1"/>
+    </dgm:txFillClrLst>
+    <dgm:txEffectClrLst/>
+  </dgm:styleLbl>
+  <dgm:styleLbl name="bgAcc1">
+    <dgm:fillClrLst meth="repeat">
+      <a:schemeClr val="lt1">
+        <a:alpha val="90000"/>
+      </a:schemeClr>
+    </dgm:fillClrLst>
+    <dgm:linClrLst meth="repeat">
+      <a:schemeClr val="accent1"/>
+    </dgm:linClrLst>
+    <dgm:effectClrLst/>
+    <dgm:txLinClrLst/>
+    <dgm:txFillClrLst meth="repeat">
+      <a:schemeClr val="dk1"/>
+    </dgm:txFillClrLst>
+    <dgm:txEffectClrLst/>
+  </dgm:styleLbl>
+  <dgm:styleLbl name="solidFgAcc1">
+    <dgm:fillClrLst meth="repeat">
+      <a:schemeClr val="lt1"/>
+    </dgm:fillClrLst>
+    <dgm:linClrLst meth="repeat">
+      <a:schemeClr val="accent1"/>
+    </dgm:linClrLst>
+    <dgm:effectClrLst/>
+    <dgm:txLinClrLst/>
+    <dgm:txFillClrLst meth="repeat">
+      <a:schemeClr val="dk1"/>
+    </dgm:txFillClrLst>
+    <dgm:txEffectClrLst/>
+  </dgm:styleLbl>
+  <dgm:styleLbl name="solidAlignAcc1">
+    <dgm:fillClrLst meth="repeat">
+      <a:schemeClr val="lt1"/>
+    </dgm:fillClrLst>
+    <dgm:linClrLst meth="repeat">
+      <a:schemeClr val="accent1"/>
+    </dgm:linClrLst>
+    <dgm:effectClrLst/>
+    <dgm:txLinClrLst/>
+    <dgm:txFillClrLst meth="repeat">
+      <a:schemeClr val="dk1"/>
+    </dgm:txFillClrLst>
+    <dgm:txEffectClrLst/>
+  </dgm:styleLbl>
+  <dgm:styleLbl name="solidBgAcc1">
+    <dgm:fillClrLst meth="repeat">
+      <a:schemeClr val="lt1"/>
+    </dgm:fillClrLst>
+    <dgm:linClrLst meth="repeat">
+      <a:schemeClr val="accent1"/>
+    </dgm:linClrLst>
+    <dgm:effectClrLst/>
+    <dgm:txLinClrLst/>
+    <dgm:txFillClrLst meth="repeat">
+      <a:schemeClr val="dk1"/>
+    </dgm:txFillClrLst>
+    <dgm:txEffectClrLst/>
+  </dgm:styleLbl>
+  <dgm:styleLbl name="fgAccFollowNode1">
+    <dgm:fillClrLst meth="repeat">
+      <a:schemeClr val="accent1">
+        <a:alpha val="90000"/>
+        <a:tint val="40000"/>
+      </a:schemeClr>
+    </dgm:fillClrLst>
+    <dgm:linClrLst meth="repeat">
+      <a:schemeClr val="accent1">
+        <a:alpha val="90000"/>
+        <a:tint val="40000"/>
+      </a:schemeClr>
+    </dgm:linClrLst>
+    <dgm:effectClrLst/>
+    <dgm:txLinClrLst/>
+    <dgm:txFillClrLst meth="repeat">
+      <a:schemeClr val="dk1"/>
+    </dgm:txFillClrLst>
+    <dgm:txEffectClrLst/>
+  </dgm:styleLbl>
+  <dgm:styleLbl name="alignAccFollowNode1">
+    <dgm:fillClrLst meth="repeat">
+      <a:schemeClr val="accent1">
+        <a:alpha val="90000"/>
+        <a:tint val="40000"/>
+      </a:schemeClr>
+    </dgm:fillClrLst>
+    <dgm:linClrLst meth="repeat">
+      <a:schemeClr val="accent1">
+        <a:alpha val="90000"/>
+        <a:tint val="40000"/>
+      </a:schemeClr>
+    </dgm:linClrLst>
+    <dgm:effectClrLst/>
+    <dgm:txLinClrLst/>
+    <dgm:txFillClrLst meth="repeat">
+      <a:schemeClr val="dk1"/>
+    </dgm:txFillClrLst>
+    <dgm:txEffectClrLst/>
+  </dgm:styleLbl>
+  <dgm:styleLbl name="bgAccFollowNode1">
+    <dgm:fillClrLst meth="repeat">
+      <a:schemeClr val="accent1">
+        <a:alpha val="90000"/>
+        <a:tint val="40000"/>
+      </a:schemeClr>
+    </dgm:fillClrLst>
+    <dgm:linClrLst meth="repeat">
+      <a:schemeClr val="accent1">
+        <a:alpha val="90000"/>
+        <a:tint val="40000"/>
+      </a:schemeClr>
+    </dgm:linClrLst>
+    <dgm:effectClrLst/>
+    <dgm:txLinClrLst/>
+    <dgm:txFillClrLst meth="repeat">
+      <a:schemeClr val="dk1"/>
+    </dgm:txFillClrLst>
+    <dgm:txEffectClrLst/>
+  </dgm:styleLbl>
+  <dgm:styleLbl name="fgAcc0">
+    <dgm:fillClrLst meth="repeat">
+      <a:schemeClr val="lt1">
+        <a:alpha val="90000"/>
+      </a:schemeClr>
+    </dgm:fillClrLst>
+    <dgm:linClrLst meth="repeat">
+      <a:schemeClr val="accent1"/>
+    </dgm:linClrLst>
+    <dgm:effectClrLst/>
+    <dgm:txLinClrLst/>
+    <dgm:txFillClrLst meth="repeat">
+      <a:schemeClr val="dk1"/>
+    </dgm:txFillClrLst>
+    <dgm:txEffectClrLst/>
+  </dgm:styleLbl>
+  <dgm:styleLbl name="fgAcc2">
+    <dgm:fillClrLst meth="repeat">
+      <a:schemeClr val="lt1">
+        <a:alpha val="90000"/>
+      </a:schemeClr>
+    </dgm:fillClrLst>
+    <dgm:linClrLst meth="repeat">
+      <a:schemeClr val="accent1"/>
+    </dgm:linClrLst>
+    <dgm:effectClrLst/>
+    <dgm:txLinClrLst/>
+    <dgm:txFillClrLst meth="repeat">
+      <a:schemeClr val="dk1"/>
+    </dgm:txFillClrLst>
+    <dgm:txEffectClrLst/>
+  </dgm:styleLbl>
+  <dgm:styleLbl name="fgAcc3">
+    <dgm:fillClrLst meth="repeat">
+      <a:schemeClr val="lt1">
+        <a:alpha val="90000"/>
+      </a:schemeClr>
+    </dgm:fillClrLst>
+    <dgm:linClrLst meth="repeat">
+      <a:schemeClr val="accent1"/>
+    </dgm:linClrLst>
+    <dgm:effectClrLst/>
+    <dgm:txLinClrLst/>
+    <dgm:txFillClrLst meth="repeat">
+      <a:schemeClr val="dk1"/>
+    </dgm:txFillClrLst>
+    <dgm:txEffectClrLst/>
+  </dgm:styleLbl>
+  <dgm:styleLbl name="fgAcc4">
+    <dgm:fillClrLst meth="repeat">
+      <a:schemeClr val="lt1">
+        <a:alpha val="90000"/>
+      </a:schemeClr>
+    </dgm:fillClrLst>
+    <dgm:linClrLst meth="repeat">
+      <a:schemeClr val="accent1"/>
+    </dgm:linClrLst>
+    <dgm:effectClrLst/>
+    <dgm:txLinClrLst/>
+    <dgm:txFillClrLst meth="repeat">
+      <a:schemeClr val="dk1"/>
+    </dgm:txFillClrLst>
+    <dgm:txEffectClrLst/>
+  </dgm:styleLbl>
+  <dgm:styleLbl name="bgShp">
+    <dgm:fillClrLst meth="repeat">
+      <a:schemeClr val="accent1">
+        <a:tint val="40000"/>
+      </a:schemeClr>
+    </dgm:fillClrLst>
+    <dgm:linClrLst meth="repeat">
+      <a:schemeClr val="accent1"/>
+    </dgm:linClrLst>
+    <dgm:effectClrLst/>
+    <dgm:txLinClrLst/>
+    <dgm:txFillClrLst meth="repeat">
+      <a:schemeClr val="dk1"/>
+    </dgm:txFillClrLst>
+    <dgm:txEffectClrLst/>
+  </dgm:styleLbl>
+  <dgm:styleLbl name="dkBgShp">
+    <dgm:fillClrLst meth="repeat">
+      <a:schemeClr val="accent1">
+        <a:shade val="80000"/>
+      </a:schemeClr>
+    </dgm:fillClrLst>
+    <dgm:linClrLst meth="repeat">
+      <a:schemeClr val="accent1"/>
+    </dgm:linClrLst>
+    <dgm:effectClrLst/>
+    <dgm:txLinClrLst/>
+    <dgm:txFillClrLst meth="repeat">
+      <a:schemeClr val="lt1"/>
+    </dgm:txFillClrLst>
+    <dgm:txEffectClrLst/>
+  </dgm:styleLbl>
+  <dgm:styleLbl name="trBgShp">
+    <dgm:fillClrLst meth="repeat">
+      <a:schemeClr val="accent1">
+        <a:tint val="50000"/>
+        <a:alpha val="40000"/>
+      </a:schemeClr>
+    </dgm:fillClrLst>
+    <dgm:linClrLst meth="repeat">
+      <a:schemeClr val="accent1"/>
+    </dgm:linClrLst>
+    <dgm:effectClrLst/>
+    <dgm:txLinClrLst/>
+    <dgm:txFillClrLst meth="repeat">
+      <a:schemeClr val="lt1"/>
+    </dgm:txFillClrLst>
+    <dgm:txEffectClrLst/>
+  </dgm:styleLbl>
+  <dgm:styleLbl name="fgShp">
+    <dgm:fillClrLst meth="repeat">
+      <a:schemeClr val="accent1">
+        <a:tint val="60000"/>
+      </a:schemeClr>
+    </dgm:fillClrLst>
+    <dgm:linClrLst meth="repeat">
+      <a:schemeClr val="lt1"/>
+    </dgm:linClrLst>
+    <dgm:effectClrLst/>
+    <dgm:txLinClrLst/>
+    <dgm:txFillClrLst meth="repeat">
+      <a:schemeClr val="dk1"/>
+    </dgm:txFillClrLst>
+    <dgm:txEffectClrLst/>
+  </dgm:styleLbl>
+  <dgm:styleLbl name="revTx">
+    <dgm:fillClrLst meth="repeat">
+      <a:schemeClr val="lt1">
+        <a:alpha val="0"/>
+      </a:schemeClr>
+    </dgm:fillClrLst>
+    <dgm:linClrLst meth="repeat">
+      <a:schemeClr val="dk1">
+        <a:alpha val="0"/>
+      </a:schemeClr>
+    </dgm:linClrLst>
+    <dgm:effectClrLst/>
+    <dgm:txLinClrLst/>
+    <dgm:txFillClrLst meth="repeat">
+      <a:schemeClr val="tx1"/>
+    </dgm:txFillClrLst>
+    <dgm:txEffectClrLst/>
+  </dgm:styleLbl>
+</dgm:colorsDef>
+</file>
+
+<file path=ppt/diagrams/colors3.xml><?xml version="1.0" encoding="utf-8"?>
 <dgm:colorsDef xmlns:dgm="http://schemas.openxmlformats.org/drawingml/2006/diagram" xmlns:a="http://schemas.openxmlformats.org/drawingml/2006/main" uniqueId="urn:microsoft.com/office/officeart/2005/8/colors/accent4_5">
   <dgm:title val=""/>
   <dgm:desc val=""/>
@@ -1873,7 +2622,7 @@
 </dgm:colorsDef>
 </file>
 
-<file path=ppt/diagrams/colors3.xml><?xml version="1.0" encoding="utf-8"?>
+<file path=ppt/diagrams/colors4.xml><?xml version="1.0" encoding="utf-8"?>
 <dgm:colorsDef xmlns:dgm="http://schemas.openxmlformats.org/drawingml/2006/diagram" xmlns:a="http://schemas.openxmlformats.org/drawingml/2006/main" uniqueId="urn:microsoft.com/office/officeart/2005/8/colors/colorful4">
   <dgm:title val=""/>
   <dgm:desc val=""/>
@@ -2656,6 +3405,309 @@
 </file>
 
 <file path=ppt/diagrams/data1.xml><?xml version="1.0" encoding="utf-8"?>
+<dgm:dataModel xmlns:dgm="http://schemas.openxmlformats.org/drawingml/2006/diagram" xmlns:a="http://schemas.openxmlformats.org/drawingml/2006/main">
+  <dgm:ptLst>
+    <dgm:pt modelId="{472A7C2B-11D2-4463-BBEA-277B420C6AAA}" type="doc">
+      <dgm:prSet loTypeId="urn:microsoft.com/office/officeart/2005/8/layout/hProcess11" loCatId="process" qsTypeId="urn:microsoft.com/office/officeart/2005/8/quickstyle/simple5" qsCatId="simple" csTypeId="urn:microsoft.com/office/officeart/2005/8/colors/accent1_2" csCatId="accent1" phldr="1"/>
+      <dgm:spPr/>
+    </dgm:pt>
+    <dgm:pt modelId="{4064B4FA-C90F-4114-BD2A-3025C6B1D453}">
+      <dgm:prSet phldrT="[Text]"/>
+      <dgm:spPr/>
+      <dgm:t>
+        <a:bodyPr/>
+        <a:lstStyle/>
+        <a:p>
+          <a:r>
+            <a:rPr lang="en-US" dirty="0"/>
+            <a:t>Primer on Unit Testing in C#</a:t>
+          </a:r>
+        </a:p>
+      </dgm:t>
+    </dgm:pt>
+    <dgm:pt modelId="{BA5A799C-B18B-4E29-8EB2-B03D1E5A00C1}" type="parTrans" cxnId="{682B5B95-9CD9-4BD3-99EE-FD4209313F0E}">
+      <dgm:prSet/>
+      <dgm:spPr/>
+      <dgm:t>
+        <a:bodyPr/>
+        <a:lstStyle/>
+        <a:p>
+          <a:endParaRPr lang="en-US"/>
+        </a:p>
+      </dgm:t>
+    </dgm:pt>
+    <dgm:pt modelId="{AF9C57B6-2E61-47B1-B19A-50914FA0B651}" type="sibTrans" cxnId="{682B5B95-9CD9-4BD3-99EE-FD4209313F0E}">
+      <dgm:prSet/>
+      <dgm:spPr/>
+      <dgm:t>
+        <a:bodyPr/>
+        <a:lstStyle/>
+        <a:p>
+          <a:endParaRPr lang="en-US"/>
+        </a:p>
+      </dgm:t>
+    </dgm:pt>
+    <dgm:pt modelId="{78FFF932-96B2-406C-A7DE-0ECA1F559B2A}">
+      <dgm:prSet/>
+      <dgm:spPr/>
+      <dgm:t>
+        <a:bodyPr/>
+        <a:lstStyle/>
+        <a:p>
+          <a:r>
+            <a:rPr lang="en-US" dirty="0"/>
+            <a:t>.NET Libraries useful for improving tests</a:t>
+          </a:r>
+        </a:p>
+      </dgm:t>
+    </dgm:pt>
+    <dgm:pt modelId="{668E094C-61B0-465A-BF16-CF86F28C43C2}" type="parTrans" cxnId="{E6A23067-A441-49CE-836A-EC26C0680B93}">
+      <dgm:prSet/>
+      <dgm:spPr/>
+      <dgm:t>
+        <a:bodyPr/>
+        <a:lstStyle/>
+        <a:p>
+          <a:endParaRPr lang="en-US"/>
+        </a:p>
+      </dgm:t>
+    </dgm:pt>
+    <dgm:pt modelId="{AC5B697A-0F5D-49F4-9C10-826BCE4BC0BF}" type="sibTrans" cxnId="{E6A23067-A441-49CE-836A-EC26C0680B93}">
+      <dgm:prSet/>
+      <dgm:spPr/>
+      <dgm:t>
+        <a:bodyPr/>
+        <a:lstStyle/>
+        <a:p>
+          <a:endParaRPr lang="en-US"/>
+        </a:p>
+      </dgm:t>
+    </dgm:pt>
+    <dgm:pt modelId="{52F31FEF-6935-41C4-BDB8-BBCCF11150AC}">
+      <dgm:prSet/>
+      <dgm:spPr/>
+      <dgm:t>
+        <a:bodyPr/>
+        <a:lstStyle/>
+        <a:p>
+          <a:r>
+            <a:rPr lang="en-US" dirty="0"/>
+            <a:t>Other Testing Techniques</a:t>
+          </a:r>
+        </a:p>
+      </dgm:t>
+    </dgm:pt>
+    <dgm:pt modelId="{E9C62614-FB15-4EF8-B02B-399A19D3A0E3}" type="parTrans" cxnId="{7B0FEE79-E591-4290-BE98-F35979E02ECD}">
+      <dgm:prSet/>
+      <dgm:spPr/>
+      <dgm:t>
+        <a:bodyPr/>
+        <a:lstStyle/>
+        <a:p>
+          <a:endParaRPr lang="en-US"/>
+        </a:p>
+      </dgm:t>
+    </dgm:pt>
+    <dgm:pt modelId="{4031D8A0-F06A-46C5-AC5A-CF2F0606F2B9}" type="sibTrans" cxnId="{7B0FEE79-E591-4290-BE98-F35979E02ECD}">
+      <dgm:prSet/>
+      <dgm:spPr/>
+      <dgm:t>
+        <a:bodyPr/>
+        <a:lstStyle/>
+        <a:p>
+          <a:endParaRPr lang="en-US"/>
+        </a:p>
+      </dgm:t>
+    </dgm:pt>
+    <dgm:pt modelId="{21854DBB-967E-4235-90C0-2BA1EA8C9392}">
+      <dgm:prSet/>
+      <dgm:spPr/>
+      <dgm:t>
+        <a:bodyPr/>
+        <a:lstStyle/>
+        <a:p>
+          <a:r>
+            <a:rPr lang="en-US" dirty="0"/>
+            <a:t>Quality Analysis Primer</a:t>
+          </a:r>
+        </a:p>
+      </dgm:t>
+    </dgm:pt>
+    <dgm:pt modelId="{29062916-ACFE-4DD6-84E7-EACA4575C7CB}" type="parTrans" cxnId="{5954897E-DFFA-443A-AC3A-8E8DBA37BEA5}">
+      <dgm:prSet/>
+      <dgm:spPr/>
+      <dgm:t>
+        <a:bodyPr/>
+        <a:lstStyle/>
+        <a:p>
+          <a:endParaRPr lang="en-US"/>
+        </a:p>
+      </dgm:t>
+    </dgm:pt>
+    <dgm:pt modelId="{24CE5A32-FFD3-4397-A268-FEB057A90DA5}" type="sibTrans" cxnId="{5954897E-DFFA-443A-AC3A-8E8DBA37BEA5}">
+      <dgm:prSet/>
+      <dgm:spPr/>
+      <dgm:t>
+        <a:bodyPr/>
+        <a:lstStyle/>
+        <a:p>
+          <a:endParaRPr lang="en-US"/>
+        </a:p>
+      </dgm:t>
+    </dgm:pt>
+    <dgm:pt modelId="{A15BFB54-DE4B-4774-8D46-ECDF447D542D}" type="pres">
+      <dgm:prSet presAssocID="{472A7C2B-11D2-4463-BBEA-277B420C6AAA}" presName="Name0" presStyleCnt="0">
+        <dgm:presLayoutVars>
+          <dgm:dir/>
+          <dgm:resizeHandles val="exact"/>
+        </dgm:presLayoutVars>
+      </dgm:prSet>
+      <dgm:spPr/>
+    </dgm:pt>
+    <dgm:pt modelId="{E0185EE6-125B-47C3-8D4D-99E0B0A49874}" type="pres">
+      <dgm:prSet presAssocID="{472A7C2B-11D2-4463-BBEA-277B420C6AAA}" presName="arrow" presStyleLbl="bgShp" presStyleIdx="0" presStyleCnt="1"/>
+      <dgm:spPr/>
+    </dgm:pt>
+    <dgm:pt modelId="{025960E8-2F87-4939-B1E2-FE762426278E}" type="pres">
+      <dgm:prSet presAssocID="{472A7C2B-11D2-4463-BBEA-277B420C6AAA}" presName="points" presStyleCnt="0"/>
+      <dgm:spPr/>
+    </dgm:pt>
+    <dgm:pt modelId="{A93EAB54-35A8-4F96-AE5C-C8DDB483E193}" type="pres">
+      <dgm:prSet presAssocID="{4064B4FA-C90F-4114-BD2A-3025C6B1D453}" presName="compositeA" presStyleCnt="0"/>
+      <dgm:spPr/>
+    </dgm:pt>
+    <dgm:pt modelId="{85D75895-37A7-454C-BA8C-26A9815A6996}" type="pres">
+      <dgm:prSet presAssocID="{4064B4FA-C90F-4114-BD2A-3025C6B1D453}" presName="textA" presStyleLbl="revTx" presStyleIdx="0" presStyleCnt="4">
+        <dgm:presLayoutVars>
+          <dgm:bulletEnabled val="1"/>
+        </dgm:presLayoutVars>
+      </dgm:prSet>
+      <dgm:spPr/>
+    </dgm:pt>
+    <dgm:pt modelId="{61D84D31-C991-4A6D-BA44-32F66E01032F}" type="pres">
+      <dgm:prSet presAssocID="{4064B4FA-C90F-4114-BD2A-3025C6B1D453}" presName="circleA" presStyleLbl="node1" presStyleIdx="0" presStyleCnt="4"/>
+      <dgm:spPr/>
+    </dgm:pt>
+    <dgm:pt modelId="{905FD20D-8DC1-4991-AD3E-53567D5FB990}" type="pres">
+      <dgm:prSet presAssocID="{4064B4FA-C90F-4114-BD2A-3025C6B1D453}" presName="spaceA" presStyleCnt="0"/>
+      <dgm:spPr/>
+    </dgm:pt>
+    <dgm:pt modelId="{C130954C-FCC4-44AA-9A75-22E4E15BC129}" type="pres">
+      <dgm:prSet presAssocID="{AF9C57B6-2E61-47B1-B19A-50914FA0B651}" presName="space" presStyleCnt="0"/>
+      <dgm:spPr/>
+    </dgm:pt>
+    <dgm:pt modelId="{42AB191A-8686-4D6D-98B7-3E494A233352}" type="pres">
+      <dgm:prSet presAssocID="{78FFF932-96B2-406C-A7DE-0ECA1F559B2A}" presName="compositeB" presStyleCnt="0"/>
+      <dgm:spPr/>
+    </dgm:pt>
+    <dgm:pt modelId="{5F4D70BD-2282-4ADD-B5EF-0CC77DC0C2F1}" type="pres">
+      <dgm:prSet presAssocID="{78FFF932-96B2-406C-A7DE-0ECA1F559B2A}" presName="textB" presStyleLbl="revTx" presStyleIdx="1" presStyleCnt="4">
+        <dgm:presLayoutVars>
+          <dgm:bulletEnabled val="1"/>
+        </dgm:presLayoutVars>
+      </dgm:prSet>
+      <dgm:spPr/>
+    </dgm:pt>
+    <dgm:pt modelId="{B7987C14-2C15-4936-B063-7C1E9974B31A}" type="pres">
+      <dgm:prSet presAssocID="{78FFF932-96B2-406C-A7DE-0ECA1F559B2A}" presName="circleB" presStyleLbl="node1" presStyleIdx="1" presStyleCnt="4"/>
+      <dgm:spPr/>
+    </dgm:pt>
+    <dgm:pt modelId="{B01ACDA0-1D94-4D33-80FC-6A397114B790}" type="pres">
+      <dgm:prSet presAssocID="{78FFF932-96B2-406C-A7DE-0ECA1F559B2A}" presName="spaceB" presStyleCnt="0"/>
+      <dgm:spPr/>
+    </dgm:pt>
+    <dgm:pt modelId="{C164EA27-ACA5-4C2C-8D4B-A07AF9F12704}" type="pres">
+      <dgm:prSet presAssocID="{AC5B697A-0F5D-49F4-9C10-826BCE4BC0BF}" presName="space" presStyleCnt="0"/>
+      <dgm:spPr/>
+    </dgm:pt>
+    <dgm:pt modelId="{41D9764F-CBD2-47C7-B861-27DC07BFF2CC}" type="pres">
+      <dgm:prSet presAssocID="{52F31FEF-6935-41C4-BDB8-BBCCF11150AC}" presName="compositeA" presStyleCnt="0"/>
+      <dgm:spPr/>
+    </dgm:pt>
+    <dgm:pt modelId="{EF678159-7EB7-4B6C-BA70-3D41669EFA65}" type="pres">
+      <dgm:prSet presAssocID="{52F31FEF-6935-41C4-BDB8-BBCCF11150AC}" presName="textA" presStyleLbl="revTx" presStyleIdx="2" presStyleCnt="4">
+        <dgm:presLayoutVars>
+          <dgm:bulletEnabled val="1"/>
+        </dgm:presLayoutVars>
+      </dgm:prSet>
+      <dgm:spPr/>
+    </dgm:pt>
+    <dgm:pt modelId="{085DB161-EB9F-41BB-B94C-08462AD70DD0}" type="pres">
+      <dgm:prSet presAssocID="{52F31FEF-6935-41C4-BDB8-BBCCF11150AC}" presName="circleA" presStyleLbl="node1" presStyleIdx="2" presStyleCnt="4"/>
+      <dgm:spPr/>
+    </dgm:pt>
+    <dgm:pt modelId="{51A7A14D-42A9-46E9-A6C8-294ED623A076}" type="pres">
+      <dgm:prSet presAssocID="{52F31FEF-6935-41C4-BDB8-BBCCF11150AC}" presName="spaceA" presStyleCnt="0"/>
+      <dgm:spPr/>
+    </dgm:pt>
+    <dgm:pt modelId="{F8D11624-DEE4-479B-B4D0-7B86131B5C7E}" type="pres">
+      <dgm:prSet presAssocID="{4031D8A0-F06A-46C5-AC5A-CF2F0606F2B9}" presName="space" presStyleCnt="0"/>
+      <dgm:spPr/>
+    </dgm:pt>
+    <dgm:pt modelId="{7959B9CC-0CA8-4A87-AA11-FA6C496A1CA2}" type="pres">
+      <dgm:prSet presAssocID="{21854DBB-967E-4235-90C0-2BA1EA8C9392}" presName="compositeB" presStyleCnt="0"/>
+      <dgm:spPr/>
+    </dgm:pt>
+    <dgm:pt modelId="{DEB4531F-8B78-4DB4-BECC-86862EF1BA1E}" type="pres">
+      <dgm:prSet presAssocID="{21854DBB-967E-4235-90C0-2BA1EA8C9392}" presName="textB" presStyleLbl="revTx" presStyleIdx="3" presStyleCnt="4">
+        <dgm:presLayoutVars>
+          <dgm:bulletEnabled val="1"/>
+        </dgm:presLayoutVars>
+      </dgm:prSet>
+      <dgm:spPr/>
+    </dgm:pt>
+    <dgm:pt modelId="{F279DAB3-0F3C-4EAB-AF2E-9F5AA61A4487}" type="pres">
+      <dgm:prSet presAssocID="{21854DBB-967E-4235-90C0-2BA1EA8C9392}" presName="circleB" presStyleLbl="node1" presStyleIdx="3" presStyleCnt="4"/>
+      <dgm:spPr/>
+    </dgm:pt>
+    <dgm:pt modelId="{E144962D-86A9-4C63-9726-4E2564E48DC2}" type="pres">
+      <dgm:prSet presAssocID="{21854DBB-967E-4235-90C0-2BA1EA8C9392}" presName="spaceB" presStyleCnt="0"/>
+      <dgm:spPr/>
+    </dgm:pt>
+  </dgm:ptLst>
+  <dgm:cxnLst>
+    <dgm:cxn modelId="{592BDC12-864A-4BEF-80BF-B4DD80B3FDFB}" type="presOf" srcId="{4064B4FA-C90F-4114-BD2A-3025C6B1D453}" destId="{85D75895-37A7-454C-BA8C-26A9815A6996}" srcOrd="0" destOrd="0" presId="urn:microsoft.com/office/officeart/2005/8/layout/hProcess11"/>
+    <dgm:cxn modelId="{E6A23067-A441-49CE-836A-EC26C0680B93}" srcId="{472A7C2B-11D2-4463-BBEA-277B420C6AAA}" destId="{78FFF932-96B2-406C-A7DE-0ECA1F559B2A}" srcOrd="1" destOrd="0" parTransId="{668E094C-61B0-465A-BF16-CF86F28C43C2}" sibTransId="{AC5B697A-0F5D-49F4-9C10-826BCE4BC0BF}"/>
+    <dgm:cxn modelId="{A32B946D-61D7-44BF-9F0B-994D265F10B0}" type="presOf" srcId="{472A7C2B-11D2-4463-BBEA-277B420C6AAA}" destId="{A15BFB54-DE4B-4774-8D46-ECDF447D542D}" srcOrd="0" destOrd="0" presId="urn:microsoft.com/office/officeart/2005/8/layout/hProcess11"/>
+    <dgm:cxn modelId="{7B0FEE79-E591-4290-BE98-F35979E02ECD}" srcId="{472A7C2B-11D2-4463-BBEA-277B420C6AAA}" destId="{52F31FEF-6935-41C4-BDB8-BBCCF11150AC}" srcOrd="2" destOrd="0" parTransId="{E9C62614-FB15-4EF8-B02B-399A19D3A0E3}" sibTransId="{4031D8A0-F06A-46C5-AC5A-CF2F0606F2B9}"/>
+    <dgm:cxn modelId="{5954897E-DFFA-443A-AC3A-8E8DBA37BEA5}" srcId="{472A7C2B-11D2-4463-BBEA-277B420C6AAA}" destId="{21854DBB-967E-4235-90C0-2BA1EA8C9392}" srcOrd="3" destOrd="0" parTransId="{29062916-ACFE-4DD6-84E7-EACA4575C7CB}" sibTransId="{24CE5A32-FFD3-4397-A268-FEB057A90DA5}"/>
+    <dgm:cxn modelId="{682B5B95-9CD9-4BD3-99EE-FD4209313F0E}" srcId="{472A7C2B-11D2-4463-BBEA-277B420C6AAA}" destId="{4064B4FA-C90F-4114-BD2A-3025C6B1D453}" srcOrd="0" destOrd="0" parTransId="{BA5A799C-B18B-4E29-8EB2-B03D1E5A00C1}" sibTransId="{AF9C57B6-2E61-47B1-B19A-50914FA0B651}"/>
+    <dgm:cxn modelId="{6037999B-4436-4080-9F09-99DD386B0E02}" type="presOf" srcId="{21854DBB-967E-4235-90C0-2BA1EA8C9392}" destId="{DEB4531F-8B78-4DB4-BECC-86862EF1BA1E}" srcOrd="0" destOrd="0" presId="urn:microsoft.com/office/officeart/2005/8/layout/hProcess11"/>
+    <dgm:cxn modelId="{00CB85AA-D587-44EC-A872-FB2A18B6BF48}" type="presOf" srcId="{78FFF932-96B2-406C-A7DE-0ECA1F559B2A}" destId="{5F4D70BD-2282-4ADD-B5EF-0CC77DC0C2F1}" srcOrd="0" destOrd="0" presId="urn:microsoft.com/office/officeart/2005/8/layout/hProcess11"/>
+    <dgm:cxn modelId="{3D3649F8-A3DD-4017-B6BF-FCF1CF7A1666}" type="presOf" srcId="{52F31FEF-6935-41C4-BDB8-BBCCF11150AC}" destId="{EF678159-7EB7-4B6C-BA70-3D41669EFA65}" srcOrd="0" destOrd="0" presId="urn:microsoft.com/office/officeart/2005/8/layout/hProcess11"/>
+    <dgm:cxn modelId="{7AEF25EA-E40B-453F-A23B-92781EB2E03D}" type="presParOf" srcId="{A15BFB54-DE4B-4774-8D46-ECDF447D542D}" destId="{E0185EE6-125B-47C3-8D4D-99E0B0A49874}" srcOrd="0" destOrd="0" presId="urn:microsoft.com/office/officeart/2005/8/layout/hProcess11"/>
+    <dgm:cxn modelId="{330EB2DF-17EB-41D5-8527-0582B82CF736}" type="presParOf" srcId="{A15BFB54-DE4B-4774-8D46-ECDF447D542D}" destId="{025960E8-2F87-4939-B1E2-FE762426278E}" srcOrd="1" destOrd="0" presId="urn:microsoft.com/office/officeart/2005/8/layout/hProcess11"/>
+    <dgm:cxn modelId="{DD2568DD-CCB0-44F7-88A7-4AFDE1DAEFA1}" type="presParOf" srcId="{025960E8-2F87-4939-B1E2-FE762426278E}" destId="{A93EAB54-35A8-4F96-AE5C-C8DDB483E193}" srcOrd="0" destOrd="0" presId="urn:microsoft.com/office/officeart/2005/8/layout/hProcess11"/>
+    <dgm:cxn modelId="{CD7307B1-93C5-461F-8A57-68B8230B1D35}" type="presParOf" srcId="{A93EAB54-35A8-4F96-AE5C-C8DDB483E193}" destId="{85D75895-37A7-454C-BA8C-26A9815A6996}" srcOrd="0" destOrd="0" presId="urn:microsoft.com/office/officeart/2005/8/layout/hProcess11"/>
+    <dgm:cxn modelId="{C39BC53F-0431-4D34-88D7-3C2EB467842E}" type="presParOf" srcId="{A93EAB54-35A8-4F96-AE5C-C8DDB483E193}" destId="{61D84D31-C991-4A6D-BA44-32F66E01032F}" srcOrd="1" destOrd="0" presId="urn:microsoft.com/office/officeart/2005/8/layout/hProcess11"/>
+    <dgm:cxn modelId="{0D64FCEB-B27E-4253-B3FD-9EF1B226B7A3}" type="presParOf" srcId="{A93EAB54-35A8-4F96-AE5C-C8DDB483E193}" destId="{905FD20D-8DC1-4991-AD3E-53567D5FB990}" srcOrd="2" destOrd="0" presId="urn:microsoft.com/office/officeart/2005/8/layout/hProcess11"/>
+    <dgm:cxn modelId="{5DAA67BD-DF71-4FE7-8B8B-342A2D9F763F}" type="presParOf" srcId="{025960E8-2F87-4939-B1E2-FE762426278E}" destId="{C130954C-FCC4-44AA-9A75-22E4E15BC129}" srcOrd="1" destOrd="0" presId="urn:microsoft.com/office/officeart/2005/8/layout/hProcess11"/>
+    <dgm:cxn modelId="{AB5E2A0C-B90B-45A8-B2BF-F734F4C97EE4}" type="presParOf" srcId="{025960E8-2F87-4939-B1E2-FE762426278E}" destId="{42AB191A-8686-4D6D-98B7-3E494A233352}" srcOrd="2" destOrd="0" presId="urn:microsoft.com/office/officeart/2005/8/layout/hProcess11"/>
+    <dgm:cxn modelId="{7AF2A76E-BC12-4C25-8462-60B0FFB4ECA3}" type="presParOf" srcId="{42AB191A-8686-4D6D-98B7-3E494A233352}" destId="{5F4D70BD-2282-4ADD-B5EF-0CC77DC0C2F1}" srcOrd="0" destOrd="0" presId="urn:microsoft.com/office/officeart/2005/8/layout/hProcess11"/>
+    <dgm:cxn modelId="{60C02628-FCF6-494D-AEBF-886B4E476AEE}" type="presParOf" srcId="{42AB191A-8686-4D6D-98B7-3E494A233352}" destId="{B7987C14-2C15-4936-B063-7C1E9974B31A}" srcOrd="1" destOrd="0" presId="urn:microsoft.com/office/officeart/2005/8/layout/hProcess11"/>
+    <dgm:cxn modelId="{B535A3F2-3ECA-4328-821E-F612B7596819}" type="presParOf" srcId="{42AB191A-8686-4D6D-98B7-3E494A233352}" destId="{B01ACDA0-1D94-4D33-80FC-6A397114B790}" srcOrd="2" destOrd="0" presId="urn:microsoft.com/office/officeart/2005/8/layout/hProcess11"/>
+    <dgm:cxn modelId="{3FCFDD96-81AA-4836-9BCB-159CDD67EEDC}" type="presParOf" srcId="{025960E8-2F87-4939-B1E2-FE762426278E}" destId="{C164EA27-ACA5-4C2C-8D4B-A07AF9F12704}" srcOrd="3" destOrd="0" presId="urn:microsoft.com/office/officeart/2005/8/layout/hProcess11"/>
+    <dgm:cxn modelId="{67272769-8928-4E9C-BAB6-968170C1E1E0}" type="presParOf" srcId="{025960E8-2F87-4939-B1E2-FE762426278E}" destId="{41D9764F-CBD2-47C7-B861-27DC07BFF2CC}" srcOrd="4" destOrd="0" presId="urn:microsoft.com/office/officeart/2005/8/layout/hProcess11"/>
+    <dgm:cxn modelId="{510B47AF-3333-4D7B-8893-94785AAF5E3C}" type="presParOf" srcId="{41D9764F-CBD2-47C7-B861-27DC07BFF2CC}" destId="{EF678159-7EB7-4B6C-BA70-3D41669EFA65}" srcOrd="0" destOrd="0" presId="urn:microsoft.com/office/officeart/2005/8/layout/hProcess11"/>
+    <dgm:cxn modelId="{27A19375-0B3D-4C4A-A6AD-97141CA8FD7C}" type="presParOf" srcId="{41D9764F-CBD2-47C7-B861-27DC07BFF2CC}" destId="{085DB161-EB9F-41BB-B94C-08462AD70DD0}" srcOrd="1" destOrd="0" presId="urn:microsoft.com/office/officeart/2005/8/layout/hProcess11"/>
+    <dgm:cxn modelId="{BD47C83C-A1A1-4C17-A598-EE9913D1CEAA}" type="presParOf" srcId="{41D9764F-CBD2-47C7-B861-27DC07BFF2CC}" destId="{51A7A14D-42A9-46E9-A6C8-294ED623A076}" srcOrd="2" destOrd="0" presId="urn:microsoft.com/office/officeart/2005/8/layout/hProcess11"/>
+    <dgm:cxn modelId="{7AB5696C-69ED-4F17-BE52-AFF090C42281}" type="presParOf" srcId="{025960E8-2F87-4939-B1E2-FE762426278E}" destId="{F8D11624-DEE4-479B-B4D0-7B86131B5C7E}" srcOrd="5" destOrd="0" presId="urn:microsoft.com/office/officeart/2005/8/layout/hProcess11"/>
+    <dgm:cxn modelId="{A922982A-8FAF-455A-9B7D-8BA1D31CED7A}" type="presParOf" srcId="{025960E8-2F87-4939-B1E2-FE762426278E}" destId="{7959B9CC-0CA8-4A87-AA11-FA6C496A1CA2}" srcOrd="6" destOrd="0" presId="urn:microsoft.com/office/officeart/2005/8/layout/hProcess11"/>
+    <dgm:cxn modelId="{EDD06D6E-F80D-46B3-AD79-1F6F449F4183}" type="presParOf" srcId="{7959B9CC-0CA8-4A87-AA11-FA6C496A1CA2}" destId="{DEB4531F-8B78-4DB4-BECC-86862EF1BA1E}" srcOrd="0" destOrd="0" presId="urn:microsoft.com/office/officeart/2005/8/layout/hProcess11"/>
+    <dgm:cxn modelId="{9628846E-3941-4EF1-9FEC-384AB7330873}" type="presParOf" srcId="{7959B9CC-0CA8-4A87-AA11-FA6C496A1CA2}" destId="{F279DAB3-0F3C-4EAB-AF2E-9F5AA61A4487}" srcOrd="1" destOrd="0" presId="urn:microsoft.com/office/officeart/2005/8/layout/hProcess11"/>
+    <dgm:cxn modelId="{0BFD34A7-3FEF-44C1-B003-6810A5461BB4}" type="presParOf" srcId="{7959B9CC-0CA8-4A87-AA11-FA6C496A1CA2}" destId="{E144962D-86A9-4C63-9726-4E2564E48DC2}" srcOrd="2" destOrd="0" presId="urn:microsoft.com/office/officeart/2005/8/layout/hProcess11"/>
+  </dgm:cxnLst>
+  <dgm:bg/>
+  <dgm:whole/>
+  <dgm:extLst>
+    <a:ext uri="http://schemas.microsoft.com/office/drawing/2008/diagram">
+      <dsp:dataModelExt xmlns:dsp="http://schemas.microsoft.com/office/drawing/2008/diagram" relId="rId6" minVer="http://schemas.openxmlformats.org/drawingml/2006/diagram"/>
+    </a:ext>
+  </dgm:extLst>
+</dgm:dataModel>
+</file>
+
+<file path=ppt/diagrams/data2.xml><?xml version="1.0" encoding="utf-8"?>
 <dgm:dataModel xmlns:dgm="http://schemas.openxmlformats.org/drawingml/2006/diagram" xmlns:a="http://schemas.openxmlformats.org/drawingml/2006/main">
   <dgm:ptLst>
     <dgm:pt modelId="{01CBC203-A228-4F6B-A08E-E8D5A3D0F7C1}" type="doc">
@@ -2993,7 +4045,7 @@
 </dgm:dataModel>
 </file>
 
-<file path=ppt/diagrams/data2.xml><?xml version="1.0" encoding="utf-8"?>
+<file path=ppt/diagrams/data3.xml><?xml version="1.0" encoding="utf-8"?>
 <dgm:dataModel xmlns:dgm="http://schemas.openxmlformats.org/drawingml/2006/diagram" xmlns:a="http://schemas.openxmlformats.org/drawingml/2006/main">
   <dgm:ptLst>
     <dgm:pt modelId="{09CBDCC3-4232-44B9-A7F8-892060149580}" type="doc">
@@ -3351,7 +4403,7 @@
 </dgm:dataModel>
 </file>
 
-<file path=ppt/diagrams/data3.xml><?xml version="1.0" encoding="utf-8"?>
+<file path=ppt/diagrams/data4.xml><?xml version="1.0" encoding="utf-8"?>
 <dgm:dataModel xmlns:dgm="http://schemas.openxmlformats.org/drawingml/2006/diagram" xmlns:a="http://schemas.openxmlformats.org/drawingml/2006/main">
   <dgm:ptLst>
     <dgm:pt modelId="{0FEE5990-62BE-4A0D-BE00-45262A7FAEEE}" type="doc">
@@ -3772,6 +4824,562 @@
 </file>
 
 <file path=ppt/diagrams/drawing1.xml><?xml version="1.0" encoding="utf-8"?>
+<dsp:drawing xmlns:dgm="http://schemas.openxmlformats.org/drawingml/2006/diagram" xmlns:dsp="http://schemas.microsoft.com/office/drawing/2008/diagram" xmlns:a="http://schemas.openxmlformats.org/drawingml/2006/main">
+  <dsp:spTree>
+    <dsp:nvGrpSpPr>
+      <dsp:cNvPr id="0" name=""/>
+      <dsp:cNvGrpSpPr/>
+    </dsp:nvGrpSpPr>
+    <dsp:grpSpPr/>
+    <dsp:sp modelId="{E0185EE6-125B-47C3-8D4D-99E0B0A49874}">
+      <dsp:nvSpPr>
+        <dsp:cNvPr id="0" name=""/>
+        <dsp:cNvSpPr/>
+      </dsp:nvSpPr>
+      <dsp:spPr>
+        <a:xfrm>
+          <a:off x="0" y="1062513"/>
+          <a:ext cx="9906000" cy="1416684"/>
+        </a:xfrm>
+        <a:prstGeom prst="notchedRightArrow">
+          <a:avLst/>
+        </a:prstGeom>
+        <a:solidFill>
+          <a:schemeClr val="accent1">
+            <a:tint val="40000"/>
+            <a:hueOff val="0"/>
+            <a:satOff val="0"/>
+            <a:lumOff val="0"/>
+            <a:alphaOff val="0"/>
+          </a:schemeClr>
+        </a:solidFill>
+        <a:ln>
+          <a:noFill/>
+        </a:ln>
+        <a:effectLst/>
+      </dsp:spPr>
+      <dsp:style>
+        <a:lnRef idx="0">
+          <a:scrgbClr r="0" g="0" b="0"/>
+        </a:lnRef>
+        <a:fillRef idx="1">
+          <a:scrgbClr r="0" g="0" b="0"/>
+        </a:fillRef>
+        <a:effectRef idx="2">
+          <a:scrgbClr r="0" g="0" b="0"/>
+        </a:effectRef>
+        <a:fontRef idx="minor"/>
+      </dsp:style>
+    </dsp:sp>
+    <dsp:sp modelId="{85D75895-37A7-454C-BA8C-26A9815A6996}">
+      <dsp:nvSpPr>
+        <dsp:cNvPr id="0" name=""/>
+        <dsp:cNvSpPr/>
+      </dsp:nvSpPr>
+      <dsp:spPr>
+        <a:xfrm>
+          <a:off x="4462" y="0"/>
+          <a:ext cx="2146138" cy="1416684"/>
+        </a:xfrm>
+        <a:prstGeom prst="rect">
+          <a:avLst/>
+        </a:prstGeom>
+        <a:noFill/>
+        <a:ln>
+          <a:noFill/>
+        </a:ln>
+        <a:effectLst/>
+      </dsp:spPr>
+      <dsp:style>
+        <a:lnRef idx="0">
+          <a:scrgbClr r="0" g="0" b="0"/>
+        </a:lnRef>
+        <a:fillRef idx="0">
+          <a:scrgbClr r="0" g="0" b="0"/>
+        </a:fillRef>
+        <a:effectRef idx="0">
+          <a:scrgbClr r="0" g="0" b="0"/>
+        </a:effectRef>
+        <a:fontRef idx="minor"/>
+      </dsp:style>
+      <dsp:txBody>
+        <a:bodyPr spcFirstLastPara="0" vert="horz" wrap="square" lIns="170688" tIns="170688" rIns="170688" bIns="170688" numCol="1" spcCol="1270" anchor="b" anchorCtr="0">
+          <a:noAutofit/>
+        </a:bodyPr>
+        <a:lstStyle/>
+        <a:p>
+          <a:pPr marL="0" lvl="0" indent="0" algn="ctr" defTabSz="1066800">
+            <a:lnSpc>
+              <a:spcPct val="90000"/>
+            </a:lnSpc>
+            <a:spcBef>
+              <a:spcPct val="0"/>
+            </a:spcBef>
+            <a:spcAft>
+              <a:spcPct val="35000"/>
+            </a:spcAft>
+            <a:buNone/>
+          </a:pPr>
+          <a:r>
+            <a:rPr lang="en-US" sz="2400" kern="1200" dirty="0"/>
+            <a:t>Primer on Unit Testing in C#</a:t>
+          </a:r>
+        </a:p>
+      </dsp:txBody>
+      <dsp:txXfrm>
+        <a:off x="4462" y="0"/>
+        <a:ext cx="2146138" cy="1416684"/>
+      </dsp:txXfrm>
+    </dsp:sp>
+    <dsp:sp modelId="{61D84D31-C991-4A6D-BA44-32F66E01032F}">
+      <dsp:nvSpPr>
+        <dsp:cNvPr id="0" name=""/>
+        <dsp:cNvSpPr/>
+      </dsp:nvSpPr>
+      <dsp:spPr>
+        <a:xfrm>
+          <a:off x="900445" y="1593770"/>
+          <a:ext cx="354171" cy="354171"/>
+        </a:xfrm>
+        <a:prstGeom prst="ellipse">
+          <a:avLst/>
+        </a:prstGeom>
+        <a:gradFill rotWithShape="0">
+          <a:gsLst>
+            <a:gs pos="0">
+              <a:schemeClr val="accent1">
+                <a:hueOff val="0"/>
+                <a:satOff val="0"/>
+                <a:lumOff val="0"/>
+                <a:alphaOff val="0"/>
+                <a:tint val="94000"/>
+                <a:satMod val="105000"/>
+                <a:lumMod val="102000"/>
+              </a:schemeClr>
+            </a:gs>
+            <a:gs pos="100000">
+              <a:schemeClr val="accent1">
+                <a:hueOff val="0"/>
+                <a:satOff val="0"/>
+                <a:lumOff val="0"/>
+                <a:alphaOff val="0"/>
+                <a:shade val="74000"/>
+                <a:satMod val="128000"/>
+                <a:lumMod val="100000"/>
+              </a:schemeClr>
+            </a:gs>
+          </a:gsLst>
+          <a:lin ang="5400000" scaled="0"/>
+        </a:gradFill>
+        <a:ln>
+          <a:noFill/>
+        </a:ln>
+        <a:effectLst>
+          <a:outerShdw blurRad="57150" dist="19050" dir="5400000" algn="ctr" rotWithShape="0">
+            <a:srgbClr val="000000">
+              <a:alpha val="63000"/>
+            </a:srgbClr>
+          </a:outerShdw>
+        </a:effectLst>
+      </dsp:spPr>
+      <dsp:style>
+        <a:lnRef idx="0">
+          <a:scrgbClr r="0" g="0" b="0"/>
+        </a:lnRef>
+        <a:fillRef idx="3">
+          <a:scrgbClr r="0" g="0" b="0"/>
+        </a:fillRef>
+        <a:effectRef idx="3">
+          <a:scrgbClr r="0" g="0" b="0"/>
+        </a:effectRef>
+        <a:fontRef idx="minor">
+          <a:schemeClr val="lt1"/>
+        </a:fontRef>
+      </dsp:style>
+    </dsp:sp>
+    <dsp:sp modelId="{5F4D70BD-2282-4ADD-B5EF-0CC77DC0C2F1}">
+      <dsp:nvSpPr>
+        <dsp:cNvPr id="0" name=""/>
+        <dsp:cNvSpPr/>
+      </dsp:nvSpPr>
+      <dsp:spPr>
+        <a:xfrm>
+          <a:off x="2257907" y="2125027"/>
+          <a:ext cx="2146138" cy="1416684"/>
+        </a:xfrm>
+        <a:prstGeom prst="rect">
+          <a:avLst/>
+        </a:prstGeom>
+        <a:noFill/>
+        <a:ln>
+          <a:noFill/>
+        </a:ln>
+        <a:effectLst/>
+      </dsp:spPr>
+      <dsp:style>
+        <a:lnRef idx="0">
+          <a:scrgbClr r="0" g="0" b="0"/>
+        </a:lnRef>
+        <a:fillRef idx="0">
+          <a:scrgbClr r="0" g="0" b="0"/>
+        </a:fillRef>
+        <a:effectRef idx="0">
+          <a:scrgbClr r="0" g="0" b="0"/>
+        </a:effectRef>
+        <a:fontRef idx="minor"/>
+      </dsp:style>
+      <dsp:txBody>
+        <a:bodyPr spcFirstLastPara="0" vert="horz" wrap="square" lIns="170688" tIns="170688" rIns="170688" bIns="170688" numCol="1" spcCol="1270" anchor="t" anchorCtr="0">
+          <a:noAutofit/>
+        </a:bodyPr>
+        <a:lstStyle/>
+        <a:p>
+          <a:pPr marL="0" lvl="0" indent="0" algn="ctr" defTabSz="1066800">
+            <a:lnSpc>
+              <a:spcPct val="90000"/>
+            </a:lnSpc>
+            <a:spcBef>
+              <a:spcPct val="0"/>
+            </a:spcBef>
+            <a:spcAft>
+              <a:spcPct val="35000"/>
+            </a:spcAft>
+            <a:buNone/>
+          </a:pPr>
+          <a:r>
+            <a:rPr lang="en-US" sz="2400" kern="1200" dirty="0"/>
+            <a:t>.NET Libraries useful for improving tests</a:t>
+          </a:r>
+        </a:p>
+      </dsp:txBody>
+      <dsp:txXfrm>
+        <a:off x="2257907" y="2125027"/>
+        <a:ext cx="2146138" cy="1416684"/>
+      </dsp:txXfrm>
+    </dsp:sp>
+    <dsp:sp modelId="{B7987C14-2C15-4936-B063-7C1E9974B31A}">
+      <dsp:nvSpPr>
+        <dsp:cNvPr id="0" name=""/>
+        <dsp:cNvSpPr/>
+      </dsp:nvSpPr>
+      <dsp:spPr>
+        <a:xfrm>
+          <a:off x="3153891" y="1593770"/>
+          <a:ext cx="354171" cy="354171"/>
+        </a:xfrm>
+        <a:prstGeom prst="ellipse">
+          <a:avLst/>
+        </a:prstGeom>
+        <a:gradFill rotWithShape="0">
+          <a:gsLst>
+            <a:gs pos="0">
+              <a:schemeClr val="accent1">
+                <a:hueOff val="0"/>
+                <a:satOff val="0"/>
+                <a:lumOff val="0"/>
+                <a:alphaOff val="0"/>
+                <a:tint val="94000"/>
+                <a:satMod val="105000"/>
+                <a:lumMod val="102000"/>
+              </a:schemeClr>
+            </a:gs>
+            <a:gs pos="100000">
+              <a:schemeClr val="accent1">
+                <a:hueOff val="0"/>
+                <a:satOff val="0"/>
+                <a:lumOff val="0"/>
+                <a:alphaOff val="0"/>
+                <a:shade val="74000"/>
+                <a:satMod val="128000"/>
+                <a:lumMod val="100000"/>
+              </a:schemeClr>
+            </a:gs>
+          </a:gsLst>
+          <a:lin ang="5400000" scaled="0"/>
+        </a:gradFill>
+        <a:ln>
+          <a:noFill/>
+        </a:ln>
+        <a:effectLst>
+          <a:outerShdw blurRad="57150" dist="19050" dir="5400000" algn="ctr" rotWithShape="0">
+            <a:srgbClr val="000000">
+              <a:alpha val="63000"/>
+            </a:srgbClr>
+          </a:outerShdw>
+        </a:effectLst>
+      </dsp:spPr>
+      <dsp:style>
+        <a:lnRef idx="0">
+          <a:scrgbClr r="0" g="0" b="0"/>
+        </a:lnRef>
+        <a:fillRef idx="3">
+          <a:scrgbClr r="0" g="0" b="0"/>
+        </a:fillRef>
+        <a:effectRef idx="3">
+          <a:scrgbClr r="0" g="0" b="0"/>
+        </a:effectRef>
+        <a:fontRef idx="minor">
+          <a:schemeClr val="lt1"/>
+        </a:fontRef>
+      </dsp:style>
+    </dsp:sp>
+    <dsp:sp modelId="{EF678159-7EB7-4B6C-BA70-3D41669EFA65}">
+      <dsp:nvSpPr>
+        <dsp:cNvPr id="0" name=""/>
+        <dsp:cNvSpPr/>
+      </dsp:nvSpPr>
+      <dsp:spPr>
+        <a:xfrm>
+          <a:off x="4511353" y="0"/>
+          <a:ext cx="2146138" cy="1416684"/>
+        </a:xfrm>
+        <a:prstGeom prst="rect">
+          <a:avLst/>
+        </a:prstGeom>
+        <a:noFill/>
+        <a:ln>
+          <a:noFill/>
+        </a:ln>
+        <a:effectLst/>
+      </dsp:spPr>
+      <dsp:style>
+        <a:lnRef idx="0">
+          <a:scrgbClr r="0" g="0" b="0"/>
+        </a:lnRef>
+        <a:fillRef idx="0">
+          <a:scrgbClr r="0" g="0" b="0"/>
+        </a:fillRef>
+        <a:effectRef idx="0">
+          <a:scrgbClr r="0" g="0" b="0"/>
+        </a:effectRef>
+        <a:fontRef idx="minor"/>
+      </dsp:style>
+      <dsp:txBody>
+        <a:bodyPr spcFirstLastPara="0" vert="horz" wrap="square" lIns="170688" tIns="170688" rIns="170688" bIns="170688" numCol="1" spcCol="1270" anchor="b" anchorCtr="0">
+          <a:noAutofit/>
+        </a:bodyPr>
+        <a:lstStyle/>
+        <a:p>
+          <a:pPr marL="0" lvl="0" indent="0" algn="ctr" defTabSz="1066800">
+            <a:lnSpc>
+              <a:spcPct val="90000"/>
+            </a:lnSpc>
+            <a:spcBef>
+              <a:spcPct val="0"/>
+            </a:spcBef>
+            <a:spcAft>
+              <a:spcPct val="35000"/>
+            </a:spcAft>
+            <a:buNone/>
+          </a:pPr>
+          <a:r>
+            <a:rPr lang="en-US" sz="2400" kern="1200" dirty="0"/>
+            <a:t>Other Testing Techniques</a:t>
+          </a:r>
+        </a:p>
+      </dsp:txBody>
+      <dsp:txXfrm>
+        <a:off x="4511353" y="0"/>
+        <a:ext cx="2146138" cy="1416684"/>
+      </dsp:txXfrm>
+    </dsp:sp>
+    <dsp:sp modelId="{085DB161-EB9F-41BB-B94C-08462AD70DD0}">
+      <dsp:nvSpPr>
+        <dsp:cNvPr id="0" name=""/>
+        <dsp:cNvSpPr/>
+      </dsp:nvSpPr>
+      <dsp:spPr>
+        <a:xfrm>
+          <a:off x="5407337" y="1593770"/>
+          <a:ext cx="354171" cy="354171"/>
+        </a:xfrm>
+        <a:prstGeom prst="ellipse">
+          <a:avLst/>
+        </a:prstGeom>
+        <a:gradFill rotWithShape="0">
+          <a:gsLst>
+            <a:gs pos="0">
+              <a:schemeClr val="accent1">
+                <a:hueOff val="0"/>
+                <a:satOff val="0"/>
+                <a:lumOff val="0"/>
+                <a:alphaOff val="0"/>
+                <a:tint val="94000"/>
+                <a:satMod val="105000"/>
+                <a:lumMod val="102000"/>
+              </a:schemeClr>
+            </a:gs>
+            <a:gs pos="100000">
+              <a:schemeClr val="accent1">
+                <a:hueOff val="0"/>
+                <a:satOff val="0"/>
+                <a:lumOff val="0"/>
+                <a:alphaOff val="0"/>
+                <a:shade val="74000"/>
+                <a:satMod val="128000"/>
+                <a:lumMod val="100000"/>
+              </a:schemeClr>
+            </a:gs>
+          </a:gsLst>
+          <a:lin ang="5400000" scaled="0"/>
+        </a:gradFill>
+        <a:ln>
+          <a:noFill/>
+        </a:ln>
+        <a:effectLst>
+          <a:outerShdw blurRad="57150" dist="19050" dir="5400000" algn="ctr" rotWithShape="0">
+            <a:srgbClr val="000000">
+              <a:alpha val="63000"/>
+            </a:srgbClr>
+          </a:outerShdw>
+        </a:effectLst>
+      </dsp:spPr>
+      <dsp:style>
+        <a:lnRef idx="0">
+          <a:scrgbClr r="0" g="0" b="0"/>
+        </a:lnRef>
+        <a:fillRef idx="3">
+          <a:scrgbClr r="0" g="0" b="0"/>
+        </a:fillRef>
+        <a:effectRef idx="3">
+          <a:scrgbClr r="0" g="0" b="0"/>
+        </a:effectRef>
+        <a:fontRef idx="minor">
+          <a:schemeClr val="lt1"/>
+        </a:fontRef>
+      </dsp:style>
+    </dsp:sp>
+    <dsp:sp modelId="{DEB4531F-8B78-4DB4-BECC-86862EF1BA1E}">
+      <dsp:nvSpPr>
+        <dsp:cNvPr id="0" name=""/>
+        <dsp:cNvSpPr/>
+      </dsp:nvSpPr>
+      <dsp:spPr>
+        <a:xfrm>
+          <a:off x="6764799" y="2125027"/>
+          <a:ext cx="2146138" cy="1416684"/>
+        </a:xfrm>
+        <a:prstGeom prst="rect">
+          <a:avLst/>
+        </a:prstGeom>
+        <a:noFill/>
+        <a:ln>
+          <a:noFill/>
+        </a:ln>
+        <a:effectLst/>
+      </dsp:spPr>
+      <dsp:style>
+        <a:lnRef idx="0">
+          <a:scrgbClr r="0" g="0" b="0"/>
+        </a:lnRef>
+        <a:fillRef idx="0">
+          <a:scrgbClr r="0" g="0" b="0"/>
+        </a:fillRef>
+        <a:effectRef idx="0">
+          <a:scrgbClr r="0" g="0" b="0"/>
+        </a:effectRef>
+        <a:fontRef idx="minor"/>
+      </dsp:style>
+      <dsp:txBody>
+        <a:bodyPr spcFirstLastPara="0" vert="horz" wrap="square" lIns="170688" tIns="170688" rIns="170688" bIns="170688" numCol="1" spcCol="1270" anchor="t" anchorCtr="0">
+          <a:noAutofit/>
+        </a:bodyPr>
+        <a:lstStyle/>
+        <a:p>
+          <a:pPr marL="0" lvl="0" indent="0" algn="ctr" defTabSz="1066800">
+            <a:lnSpc>
+              <a:spcPct val="90000"/>
+            </a:lnSpc>
+            <a:spcBef>
+              <a:spcPct val="0"/>
+            </a:spcBef>
+            <a:spcAft>
+              <a:spcPct val="35000"/>
+            </a:spcAft>
+            <a:buNone/>
+          </a:pPr>
+          <a:r>
+            <a:rPr lang="en-US" sz="2400" kern="1200" dirty="0"/>
+            <a:t>Quality Analysis Primer</a:t>
+          </a:r>
+        </a:p>
+      </dsp:txBody>
+      <dsp:txXfrm>
+        <a:off x="6764799" y="2125027"/>
+        <a:ext cx="2146138" cy="1416684"/>
+      </dsp:txXfrm>
+    </dsp:sp>
+    <dsp:sp modelId="{F279DAB3-0F3C-4EAB-AF2E-9F5AA61A4487}">
+      <dsp:nvSpPr>
+        <dsp:cNvPr id="0" name=""/>
+        <dsp:cNvSpPr/>
+      </dsp:nvSpPr>
+      <dsp:spPr>
+        <a:xfrm>
+          <a:off x="7660782" y="1593770"/>
+          <a:ext cx="354171" cy="354171"/>
+        </a:xfrm>
+        <a:prstGeom prst="ellipse">
+          <a:avLst/>
+        </a:prstGeom>
+        <a:gradFill rotWithShape="0">
+          <a:gsLst>
+            <a:gs pos="0">
+              <a:schemeClr val="accent1">
+                <a:hueOff val="0"/>
+                <a:satOff val="0"/>
+                <a:lumOff val="0"/>
+                <a:alphaOff val="0"/>
+                <a:tint val="94000"/>
+                <a:satMod val="105000"/>
+                <a:lumMod val="102000"/>
+              </a:schemeClr>
+            </a:gs>
+            <a:gs pos="100000">
+              <a:schemeClr val="accent1">
+                <a:hueOff val="0"/>
+                <a:satOff val="0"/>
+                <a:lumOff val="0"/>
+                <a:alphaOff val="0"/>
+                <a:shade val="74000"/>
+                <a:satMod val="128000"/>
+                <a:lumMod val="100000"/>
+              </a:schemeClr>
+            </a:gs>
+          </a:gsLst>
+          <a:lin ang="5400000" scaled="0"/>
+        </a:gradFill>
+        <a:ln>
+          <a:noFill/>
+        </a:ln>
+        <a:effectLst>
+          <a:outerShdw blurRad="57150" dist="19050" dir="5400000" algn="ctr" rotWithShape="0">
+            <a:srgbClr val="000000">
+              <a:alpha val="63000"/>
+            </a:srgbClr>
+          </a:outerShdw>
+        </a:effectLst>
+      </dsp:spPr>
+      <dsp:style>
+        <a:lnRef idx="0">
+          <a:scrgbClr r="0" g="0" b="0"/>
+        </a:lnRef>
+        <a:fillRef idx="3">
+          <a:scrgbClr r="0" g="0" b="0"/>
+        </a:fillRef>
+        <a:effectRef idx="3">
+          <a:scrgbClr r="0" g="0" b="0"/>
+        </a:effectRef>
+        <a:fontRef idx="minor">
+          <a:schemeClr val="lt1"/>
+        </a:fontRef>
+      </dsp:style>
+    </dsp:sp>
+  </dsp:spTree>
+</dsp:drawing>
+</file>
+
+<file path=ppt/diagrams/drawing2.xml><?xml version="1.0" encoding="utf-8"?>
 <dsp:drawing xmlns:dgm="http://schemas.openxmlformats.org/drawingml/2006/diagram" xmlns:dsp="http://schemas.microsoft.com/office/drawing/2008/diagram" xmlns:a="http://schemas.openxmlformats.org/drawingml/2006/main">
   <dsp:spTree>
     <dsp:nvGrpSpPr>
@@ -5346,7 +6954,7 @@
 </dsp:drawing>
 </file>
 
-<file path=ppt/diagrams/drawing2.xml><?xml version="1.0" encoding="utf-8"?>
+<file path=ppt/diagrams/drawing3.xml><?xml version="1.0" encoding="utf-8"?>
 <dsp:drawing xmlns:dgm="http://schemas.openxmlformats.org/drawingml/2006/diagram" xmlns:dsp="http://schemas.microsoft.com/office/drawing/2008/diagram" xmlns:a="http://schemas.openxmlformats.org/drawingml/2006/main">
   <dsp:spTree>
     <dsp:nvGrpSpPr>
@@ -5773,7 +7381,7 @@
 </dsp:drawing>
 </file>
 
-<file path=ppt/diagrams/drawing3.xml><?xml version="1.0" encoding="utf-8"?>
+<file path=ppt/diagrams/drawing4.xml><?xml version="1.0" encoding="utf-8"?>
 <dsp:drawing xmlns:dgm="http://schemas.openxmlformats.org/drawingml/2006/diagram" xmlns:dsp="http://schemas.microsoft.com/office/drawing/2008/diagram" xmlns:a="http://schemas.openxmlformats.org/drawingml/2006/main">
   <dsp:spTree>
     <dsp:nvGrpSpPr>
@@ -6216,6 +7824,278 @@
 </file>
 
 <file path=ppt/diagrams/layout1.xml><?xml version="1.0" encoding="utf-8"?>
+<dgm:layoutDef xmlns:dgm="http://schemas.openxmlformats.org/drawingml/2006/diagram" xmlns:a="http://schemas.openxmlformats.org/drawingml/2006/main" uniqueId="urn:microsoft.com/office/officeart/2005/8/layout/hProcess11">
+  <dgm:title val=""/>
+  <dgm:desc val=""/>
+  <dgm:catLst>
+    <dgm:cat type="process" pri="8000"/>
+    <dgm:cat type="convert" pri="14000"/>
+  </dgm:catLst>
+  <dgm:sampData useDef="1">
+    <dgm:dataModel>
+      <dgm:ptLst/>
+      <dgm:bg/>
+      <dgm:whole/>
+    </dgm:dataModel>
+  </dgm:sampData>
+  <dgm:styleData>
+    <dgm:dataModel>
+      <dgm:ptLst>
+        <dgm:pt modelId="0" type="doc"/>
+        <dgm:pt modelId="1"/>
+        <dgm:pt modelId="2"/>
+      </dgm:ptLst>
+      <dgm:cxnLst>
+        <dgm:cxn modelId="4" srcId="0" destId="1" srcOrd="0" destOrd="0"/>
+        <dgm:cxn modelId="5" srcId="0" destId="2" srcOrd="1" destOrd="0"/>
+      </dgm:cxnLst>
+      <dgm:bg/>
+      <dgm:whole/>
+    </dgm:dataModel>
+  </dgm:styleData>
+  <dgm:clrData>
+    <dgm:dataModel>
+      <dgm:ptLst>
+        <dgm:pt modelId="0" type="doc"/>
+        <dgm:pt modelId="1"/>
+        <dgm:pt modelId="2"/>
+        <dgm:pt modelId="3"/>
+        <dgm:pt modelId="4"/>
+      </dgm:ptLst>
+      <dgm:cxnLst>
+        <dgm:cxn modelId="5" srcId="0" destId="1" srcOrd="0" destOrd="0"/>
+        <dgm:cxn modelId="6" srcId="0" destId="2" srcOrd="1" destOrd="0"/>
+        <dgm:cxn modelId="7" srcId="0" destId="3" srcOrd="2" destOrd="0"/>
+        <dgm:cxn modelId="8" srcId="0" destId="4" srcOrd="3" destOrd="0"/>
+      </dgm:cxnLst>
+      <dgm:bg/>
+      <dgm:whole/>
+    </dgm:dataModel>
+  </dgm:clrData>
+  <dgm:layoutNode name="Name0">
+    <dgm:varLst>
+      <dgm:dir/>
+      <dgm:resizeHandles val="exact"/>
+    </dgm:varLst>
+    <dgm:alg type="composite"/>
+    <dgm:shape xmlns:r="http://schemas.openxmlformats.org/officeDocument/2006/relationships" r:blip="">
+      <dgm:adjLst/>
+    </dgm:shape>
+    <dgm:presOf/>
+    <dgm:choose name="Name1">
+      <dgm:if name="Name2" func="var" arg="dir" op="equ" val="norm">
+        <dgm:constrLst>
+          <dgm:constr type="w" for="ch" forName="arrow" refType="w"/>
+          <dgm:constr type="h" for="ch" forName="arrow" refType="h" fact="0.4"/>
+          <dgm:constr type="ctrY" for="ch" forName="arrow" refType="h" fact="0.5"/>
+          <dgm:constr type="l" for="ch" forName="arrow"/>
+          <dgm:constr type="w" for="ch" forName="points" refType="w" fact="0.9"/>
+          <dgm:constr type="h" for="ch" forName="points" refType="h"/>
+          <dgm:constr type="t" for="ch" forName="points"/>
+          <dgm:constr type="l" for="ch" forName="points"/>
+        </dgm:constrLst>
+      </dgm:if>
+      <dgm:else name="Name3">
+        <dgm:constrLst>
+          <dgm:constr type="w" for="ch" forName="arrow" refType="w"/>
+          <dgm:constr type="h" for="ch" forName="arrow" refType="h" fact="0.4"/>
+          <dgm:constr type="ctrY" for="ch" forName="arrow" refType="h" fact="0.5"/>
+          <dgm:constr type="r" for="ch" forName="arrow" refType="w"/>
+          <dgm:constr type="w" for="ch" forName="points" refType="w" fact="0.9"/>
+          <dgm:constr type="h" for="ch" forName="points" refType="h"/>
+          <dgm:constr type="t" for="ch" forName="points"/>
+          <dgm:constr type="r" for="ch" forName="points" refType="w"/>
+        </dgm:constrLst>
+      </dgm:else>
+    </dgm:choose>
+    <dgm:ruleLst/>
+    <dgm:layoutNode name="arrow" styleLbl="bgShp">
+      <dgm:alg type="sp"/>
+      <dgm:choose name="Name4">
+        <dgm:if name="Name5" func="var" arg="dir" op="equ" val="norm">
+          <dgm:shape xmlns:r="http://schemas.openxmlformats.org/officeDocument/2006/relationships" type="notchedRightArrow" r:blip="">
+            <dgm:adjLst/>
+          </dgm:shape>
+        </dgm:if>
+        <dgm:else name="Name6">
+          <dgm:shape xmlns:r="http://schemas.openxmlformats.org/officeDocument/2006/relationships" rot="180" type="notchedRightArrow" r:blip="">
+            <dgm:adjLst/>
+          </dgm:shape>
+        </dgm:else>
+      </dgm:choose>
+      <dgm:presOf/>
+      <dgm:constrLst/>
+      <dgm:ruleLst/>
+    </dgm:layoutNode>
+    <dgm:layoutNode name="points">
+      <dgm:choose name="Name7">
+        <dgm:if name="Name8" func="var" arg="dir" op="equ" val="norm">
+          <dgm:alg type="lin">
+            <dgm:param type="linDir" val="fromL"/>
+          </dgm:alg>
+        </dgm:if>
+        <dgm:else name="Name9">
+          <dgm:alg type="lin">
+            <dgm:param type="linDir" val="fromR"/>
+          </dgm:alg>
+        </dgm:else>
+      </dgm:choose>
+      <dgm:shape xmlns:r="http://schemas.openxmlformats.org/officeDocument/2006/relationships" r:blip="">
+        <dgm:adjLst/>
+      </dgm:shape>
+      <dgm:presOf/>
+      <dgm:constrLst>
+        <dgm:constr type="w" for="ch" forName="compositeA" refType="w"/>
+        <dgm:constr type="h" for="ch" forName="compositeA" refType="h"/>
+        <dgm:constr type="w" for="ch" forName="compositeB" refType="w" refFor="ch" refForName="compositeA" op="equ"/>
+        <dgm:constr type="h" for="ch" forName="compositeB" refType="h" refFor="ch" refForName="compositeA" op="equ"/>
+        <dgm:constr type="primFontSz" for="des" ptType="node" op="equ" val="65"/>
+        <dgm:constr type="w" for="ch" forName="space" refType="w" refFor="ch" refForName="compositeA" op="equ" fact="0.05"/>
+      </dgm:constrLst>
+      <dgm:ruleLst/>
+      <dgm:forEach name="Name10" axis="ch" ptType="node">
+        <dgm:choose name="Name11">
+          <dgm:if name="Name12" axis="self" ptType="node" func="posOdd" op="equ" val="1">
+            <dgm:layoutNode name="compositeA">
+              <dgm:alg type="composite"/>
+              <dgm:shape xmlns:r="http://schemas.openxmlformats.org/officeDocument/2006/relationships" r:blip="">
+                <dgm:adjLst/>
+              </dgm:shape>
+              <dgm:presOf/>
+              <dgm:constrLst>
+                <dgm:constr type="w" for="ch" forName="textA" refType="w"/>
+                <dgm:constr type="h" for="ch" forName="textA" refType="h" fact="0.4"/>
+                <dgm:constr type="t" for="ch" forName="textA"/>
+                <dgm:constr type="l" for="ch" forName="textA"/>
+                <dgm:constr type="h" for="ch" forName="circleA" refType="h" fact="0.1"/>
+                <dgm:constr type="h" for="ch" forName="circleA" refType="w" op="lte"/>
+                <dgm:constr type="w" for="ch" forName="circleA" refType="h" refFor="ch" refForName="circleA" op="equ"/>
+                <dgm:constr type="ctrY" for="ch" forName="circleA" refType="h" fact="0.5"/>
+                <dgm:constr type="ctrX" for="ch" forName="circleA" refType="w" refFor="ch" refForName="textA" fact="0.5"/>
+                <dgm:constr type="w" for="ch" forName="spaceA" refType="w"/>
+                <dgm:constr type="h" for="ch" forName="spaceA" refType="h" fact="0.4"/>
+                <dgm:constr type="b" for="ch" forName="spaceA" refType="h"/>
+                <dgm:constr type="l" for="ch" forName="spaceA"/>
+              </dgm:constrLst>
+              <dgm:ruleLst/>
+              <dgm:layoutNode name="textA" styleLbl="revTx">
+                <dgm:varLst>
+                  <dgm:bulletEnabled val="1"/>
+                </dgm:varLst>
+                <dgm:alg type="tx">
+                  <dgm:param type="txAnchorVert" val="b"/>
+                  <dgm:param type="txAnchorVertCh" val="b"/>
+                  <dgm:param type="txAnchorHorzCh" val="ctr"/>
+                </dgm:alg>
+                <dgm:shape xmlns:r="http://schemas.openxmlformats.org/officeDocument/2006/relationships" type="rect" r:blip="">
+                  <dgm:adjLst/>
+                </dgm:shape>
+                <dgm:presOf axis="desOrSelf" ptType="node"/>
+                <dgm:constrLst/>
+                <dgm:ruleLst>
+                  <dgm:rule type="primFontSz" val="5" fact="NaN" max="NaN"/>
+                </dgm:ruleLst>
+              </dgm:layoutNode>
+              <dgm:layoutNode name="circleA">
+                <dgm:alg type="sp"/>
+                <dgm:shape xmlns:r="http://schemas.openxmlformats.org/officeDocument/2006/relationships" type="ellipse" r:blip="">
+                  <dgm:adjLst/>
+                </dgm:shape>
+                <dgm:presOf/>
+                <dgm:constrLst/>
+                <dgm:ruleLst/>
+              </dgm:layoutNode>
+              <dgm:layoutNode name="spaceA">
+                <dgm:alg type="sp"/>
+                <dgm:shape xmlns:r="http://schemas.openxmlformats.org/officeDocument/2006/relationships" r:blip="">
+                  <dgm:adjLst/>
+                </dgm:shape>
+                <dgm:presOf/>
+                <dgm:constrLst/>
+                <dgm:ruleLst/>
+              </dgm:layoutNode>
+            </dgm:layoutNode>
+          </dgm:if>
+          <dgm:else name="Name13">
+            <dgm:layoutNode name="compositeB">
+              <dgm:alg type="composite"/>
+              <dgm:shape xmlns:r="http://schemas.openxmlformats.org/officeDocument/2006/relationships" r:blip="">
+                <dgm:adjLst/>
+              </dgm:shape>
+              <dgm:presOf/>
+              <dgm:constrLst>
+                <dgm:constr type="w" for="ch" forName="textB" refType="w"/>
+                <dgm:constr type="h" for="ch" forName="textB" refType="h" fact="0.4"/>
+                <dgm:constr type="b" for="ch" forName="textB" refType="h"/>
+                <dgm:constr type="l" for="ch" forName="textB"/>
+                <dgm:constr type="h" for="ch" forName="circleB" refType="h" fact="0.1"/>
+                <dgm:constr type="w" for="ch" forName="circleB" refType="h" refFor="ch" refForName="circleB" op="equ"/>
+                <dgm:constr type="h" for="ch" forName="circleB" refType="w" op="lte"/>
+                <dgm:constr type="ctrY" for="ch" forName="circleB" refType="h" fact="0.5"/>
+                <dgm:constr type="ctrX" for="ch" forName="circleB" refType="w" refFor="ch" refForName="textB" fact="0.5"/>
+                <dgm:constr type="w" for="ch" forName="spaceB" refType="w"/>
+                <dgm:constr type="h" for="ch" forName="spaceB" refType="h" fact="0.4"/>
+                <dgm:constr type="t" for="ch" forName="spaceB"/>
+                <dgm:constr type="l" for="ch" forName="spaceB"/>
+              </dgm:constrLst>
+              <dgm:ruleLst/>
+              <dgm:layoutNode name="textB" styleLbl="revTx">
+                <dgm:varLst>
+                  <dgm:bulletEnabled val="1"/>
+                </dgm:varLst>
+                <dgm:alg type="tx">
+                  <dgm:param type="txAnchorVert" val="t"/>
+                  <dgm:param type="txAnchorVertCh" val="t"/>
+                  <dgm:param type="txAnchorHorzCh" val="ctr"/>
+                </dgm:alg>
+                <dgm:shape xmlns:r="http://schemas.openxmlformats.org/officeDocument/2006/relationships" type="rect" r:blip="">
+                  <dgm:adjLst/>
+                </dgm:shape>
+                <dgm:presOf axis="desOrSelf" ptType="node"/>
+                <dgm:constrLst/>
+                <dgm:ruleLst>
+                  <dgm:rule type="primFontSz" val="5" fact="NaN" max="NaN"/>
+                </dgm:ruleLst>
+              </dgm:layoutNode>
+              <dgm:layoutNode name="circleB">
+                <dgm:alg type="sp"/>
+                <dgm:shape xmlns:r="http://schemas.openxmlformats.org/officeDocument/2006/relationships" type="ellipse" r:blip="">
+                  <dgm:adjLst/>
+                </dgm:shape>
+                <dgm:presOf/>
+                <dgm:constrLst/>
+                <dgm:ruleLst/>
+              </dgm:layoutNode>
+              <dgm:layoutNode name="spaceB">
+                <dgm:alg type="sp"/>
+                <dgm:shape xmlns:r="http://schemas.openxmlformats.org/officeDocument/2006/relationships" r:blip="">
+                  <dgm:adjLst/>
+                </dgm:shape>
+                <dgm:presOf/>
+                <dgm:constrLst/>
+                <dgm:ruleLst/>
+              </dgm:layoutNode>
+            </dgm:layoutNode>
+          </dgm:else>
+        </dgm:choose>
+        <dgm:forEach name="Name14" axis="followSib" ptType="sibTrans" cnt="1">
+          <dgm:layoutNode name="space">
+            <dgm:alg type="sp"/>
+            <dgm:shape xmlns:r="http://schemas.openxmlformats.org/officeDocument/2006/relationships" r:blip="">
+              <dgm:adjLst/>
+            </dgm:shape>
+            <dgm:presOf/>
+            <dgm:constrLst/>
+            <dgm:ruleLst/>
+          </dgm:layoutNode>
+        </dgm:forEach>
+      </dgm:forEach>
+    </dgm:layoutNode>
+  </dgm:layoutNode>
+</dgm:layoutDef>
+</file>
+
+<file path=ppt/diagrams/layout2.xml><?xml version="1.0" encoding="utf-8"?>
 <dgm:layoutDef xmlns:dgm="http://schemas.openxmlformats.org/drawingml/2006/diagram" xmlns:a="http://schemas.openxmlformats.org/drawingml/2006/main" uniqueId="urn:microsoft.com/office/officeart/2009/3/layout/RandomtoResultProcess">
   <dgm:title val=""/>
   <dgm:desc val=""/>
@@ -6875,7 +8755,7 @@
 </dgm:layoutDef>
 </file>
 
-<file path=ppt/diagrams/layout2.xml><?xml version="1.0" encoding="utf-8"?>
+<file path=ppt/diagrams/layout3.xml><?xml version="1.0" encoding="utf-8"?>
 <dgm:layoutDef xmlns:dgm="http://schemas.openxmlformats.org/drawingml/2006/diagram" xmlns:a="http://schemas.openxmlformats.org/drawingml/2006/main" uniqueId="urn:microsoft.com/office/officeart/2005/8/layout/pyramid1">
   <dgm:title val=""/>
   <dgm:desc val=""/>
@@ -7107,7 +8987,7 @@
 </dgm:layoutDef>
 </file>
 
-<file path=ppt/diagrams/layout3.xml><?xml version="1.0" encoding="utf-8"?>
+<file path=ppt/diagrams/layout4.xml><?xml version="1.0" encoding="utf-8"?>
 <dgm:layoutDef xmlns:dgm="http://schemas.openxmlformats.org/drawingml/2006/diagram" xmlns:a="http://schemas.openxmlformats.org/drawingml/2006/main" uniqueId="urn:microsoft.com/office/officeart/2005/8/layout/cycle8">
   <dgm:title val=""/>
   <dgm:desc val=""/>
@@ -9902,6 +11782,1040 @@
 </file>
 
 <file path=ppt/diagrams/quickStyle2.xml><?xml version="1.0" encoding="utf-8"?>
+<dgm:styleDef xmlns:dgm="http://schemas.openxmlformats.org/drawingml/2006/diagram" xmlns:a="http://schemas.openxmlformats.org/drawingml/2006/main" uniqueId="urn:microsoft.com/office/officeart/2005/8/quickstyle/simple5">
+  <dgm:title val=""/>
+  <dgm:desc val=""/>
+  <dgm:catLst>
+    <dgm:cat type="simple" pri="10500"/>
+  </dgm:catLst>
+  <dgm:scene3d>
+    <a:camera prst="orthographicFront"/>
+    <a:lightRig rig="threePt" dir="t"/>
+  </dgm:scene3d>
+  <dgm:styleLbl name="node0">
+    <dgm:scene3d>
+      <a:camera prst="orthographicFront"/>
+      <a:lightRig rig="threePt" dir="t"/>
+    </dgm:scene3d>
+    <dgm:sp3d/>
+    <dgm:txPr/>
+    <dgm:style>
+      <a:lnRef idx="0">
+        <a:scrgbClr r="0" g="0" b="0"/>
+      </a:lnRef>
+      <a:fillRef idx="3">
+        <a:scrgbClr r="0" g="0" b="0"/>
+      </a:fillRef>
+      <a:effectRef idx="3">
+        <a:scrgbClr r="0" g="0" b="0"/>
+      </a:effectRef>
+      <a:fontRef idx="minor">
+        <a:schemeClr val="lt1"/>
+      </a:fontRef>
+    </dgm:style>
+  </dgm:styleLbl>
+  <dgm:styleLbl name="lnNode1">
+    <dgm:scene3d>
+      <a:camera prst="orthographicFront"/>
+      <a:lightRig rig="threePt" dir="t"/>
+    </dgm:scene3d>
+    <dgm:sp3d/>
+    <dgm:txPr/>
+    <dgm:style>
+      <a:lnRef idx="0">
+        <a:scrgbClr r="0" g="0" b="0"/>
+      </a:lnRef>
+      <a:fillRef idx="3">
+        <a:scrgbClr r="0" g="0" b="0"/>
+      </a:fillRef>
+      <a:effectRef idx="3">
+        <a:scrgbClr r="0" g="0" b="0"/>
+      </a:effectRef>
+      <a:fontRef idx="minor">
+        <a:schemeClr val="lt1"/>
+      </a:fontRef>
+    </dgm:style>
+  </dgm:styleLbl>
+  <dgm:styleLbl name="vennNode1">
+    <dgm:scene3d>
+      <a:camera prst="orthographicFront"/>
+      <a:lightRig rig="threePt" dir="t"/>
+    </dgm:scene3d>
+    <dgm:sp3d/>
+    <dgm:txPr/>
+    <dgm:style>
+      <a:lnRef idx="0">
+        <a:scrgbClr r="0" g="0" b="0"/>
+      </a:lnRef>
+      <a:fillRef idx="3">
+        <a:scrgbClr r="0" g="0" b="0"/>
+      </a:fillRef>
+      <a:effectRef idx="3">
+        <a:scrgbClr r="0" g="0" b="0"/>
+      </a:effectRef>
+      <a:fontRef idx="minor">
+        <a:schemeClr val="tx1"/>
+      </a:fontRef>
+    </dgm:style>
+  </dgm:styleLbl>
+  <dgm:styleLbl name="alignNode1">
+    <dgm:scene3d>
+      <a:camera prst="orthographicFront"/>
+      <a:lightRig rig="threePt" dir="t"/>
+    </dgm:scene3d>
+    <dgm:sp3d/>
+    <dgm:txPr/>
+    <dgm:style>
+      <a:lnRef idx="1">
+        <a:scrgbClr r="0" g="0" b="0"/>
+      </a:lnRef>
+      <a:fillRef idx="3">
+        <a:scrgbClr r="0" g="0" b="0"/>
+      </a:fillRef>
+      <a:effectRef idx="3">
+        <a:scrgbClr r="0" g="0" b="0"/>
+      </a:effectRef>
+      <a:fontRef idx="minor">
+        <a:schemeClr val="lt1"/>
+      </a:fontRef>
+    </dgm:style>
+  </dgm:styleLbl>
+  <dgm:styleLbl name="node1">
+    <dgm:scene3d>
+      <a:camera prst="orthographicFront"/>
+      <a:lightRig rig="threePt" dir="t"/>
+    </dgm:scene3d>
+    <dgm:sp3d/>
+    <dgm:txPr/>
+    <dgm:style>
+      <a:lnRef idx="0">
+        <a:scrgbClr r="0" g="0" b="0"/>
+      </a:lnRef>
+      <a:fillRef idx="3">
+        <a:scrgbClr r="0" g="0" b="0"/>
+      </a:fillRef>
+      <a:effectRef idx="3">
+        <a:scrgbClr r="0" g="0" b="0"/>
+      </a:effectRef>
+      <a:fontRef idx="minor">
+        <a:schemeClr val="lt1"/>
+      </a:fontRef>
+    </dgm:style>
+  </dgm:styleLbl>
+  <dgm:styleLbl name="node2">
+    <dgm:scene3d>
+      <a:camera prst="orthographicFront"/>
+      <a:lightRig rig="threePt" dir="t"/>
+    </dgm:scene3d>
+    <dgm:sp3d/>
+    <dgm:txPr/>
+    <dgm:style>
+      <a:lnRef idx="0">
+        <a:scrgbClr r="0" g="0" b="0"/>
+      </a:lnRef>
+      <a:fillRef idx="3">
+        <a:scrgbClr r="0" g="0" b="0"/>
+      </a:fillRef>
+      <a:effectRef idx="3">
+        <a:scrgbClr r="0" g="0" b="0"/>
+      </a:effectRef>
+      <a:fontRef idx="minor">
+        <a:schemeClr val="lt1"/>
+      </a:fontRef>
+    </dgm:style>
+  </dgm:styleLbl>
+  <dgm:styleLbl name="node3">
+    <dgm:scene3d>
+      <a:camera prst="orthographicFront"/>
+      <a:lightRig rig="threePt" dir="t"/>
+    </dgm:scene3d>
+    <dgm:sp3d/>
+    <dgm:txPr/>
+    <dgm:style>
+      <a:lnRef idx="0">
+        <a:scrgbClr r="0" g="0" b="0"/>
+      </a:lnRef>
+      <a:fillRef idx="3">
+        <a:scrgbClr r="0" g="0" b="0"/>
+      </a:fillRef>
+      <a:effectRef idx="3">
+        <a:scrgbClr r="0" g="0" b="0"/>
+      </a:effectRef>
+      <a:fontRef idx="minor">
+        <a:schemeClr val="lt1"/>
+      </a:fontRef>
+    </dgm:style>
+  </dgm:styleLbl>
+  <dgm:styleLbl name="node4">
+    <dgm:scene3d>
+      <a:camera prst="orthographicFront"/>
+      <a:lightRig rig="threePt" dir="t"/>
+    </dgm:scene3d>
+    <dgm:sp3d/>
+    <dgm:txPr/>
+    <dgm:style>
+      <a:lnRef idx="0">
+        <a:scrgbClr r="0" g="0" b="0"/>
+      </a:lnRef>
+      <a:fillRef idx="3">
+        <a:scrgbClr r="0" g="0" b="0"/>
+      </a:fillRef>
+      <a:effectRef idx="3">
+        <a:scrgbClr r="0" g="0" b="0"/>
+      </a:effectRef>
+      <a:fontRef idx="minor">
+        <a:schemeClr val="lt1"/>
+      </a:fontRef>
+    </dgm:style>
+  </dgm:styleLbl>
+  <dgm:styleLbl name="fgImgPlace1">
+    <dgm:scene3d>
+      <a:camera prst="orthographicFront"/>
+      <a:lightRig rig="threePt" dir="t"/>
+    </dgm:scene3d>
+    <dgm:sp3d/>
+    <dgm:txPr/>
+    <dgm:style>
+      <a:lnRef idx="0">
+        <a:scrgbClr r="0" g="0" b="0"/>
+      </a:lnRef>
+      <a:fillRef idx="1">
+        <a:scrgbClr r="0" g="0" b="0"/>
+      </a:fillRef>
+      <a:effectRef idx="3">
+        <a:scrgbClr r="0" g="0" b="0"/>
+      </a:effectRef>
+      <a:fontRef idx="minor"/>
+    </dgm:style>
+  </dgm:styleLbl>
+  <dgm:styleLbl name="alignImgPlace1">
+    <dgm:scene3d>
+      <a:camera prst="orthographicFront"/>
+      <a:lightRig rig="threePt" dir="t"/>
+    </dgm:scene3d>
+    <dgm:sp3d/>
+    <dgm:txPr/>
+    <dgm:style>
+      <a:lnRef idx="0">
+        <a:scrgbClr r="0" g="0" b="0"/>
+      </a:lnRef>
+      <a:fillRef idx="1">
+        <a:scrgbClr r="0" g="0" b="0"/>
+      </a:fillRef>
+      <a:effectRef idx="3">
+        <a:scrgbClr r="0" g="0" b="0"/>
+      </a:effectRef>
+      <a:fontRef idx="minor"/>
+    </dgm:style>
+  </dgm:styleLbl>
+  <dgm:styleLbl name="bgImgPlace1">
+    <dgm:scene3d>
+      <a:camera prst="orthographicFront"/>
+      <a:lightRig rig="threePt" dir="t"/>
+    </dgm:scene3d>
+    <dgm:sp3d/>
+    <dgm:txPr/>
+    <dgm:style>
+      <a:lnRef idx="0">
+        <a:scrgbClr r="0" g="0" b="0"/>
+      </a:lnRef>
+      <a:fillRef idx="1">
+        <a:scrgbClr r="0" g="0" b="0"/>
+      </a:fillRef>
+      <a:effectRef idx="3">
+        <a:scrgbClr r="0" g="0" b="0"/>
+      </a:effectRef>
+      <a:fontRef idx="minor"/>
+    </dgm:style>
+  </dgm:styleLbl>
+  <dgm:styleLbl name="sibTrans2D1">
+    <dgm:scene3d>
+      <a:camera prst="orthographicFront"/>
+      <a:lightRig rig="threePt" dir="t"/>
+    </dgm:scene3d>
+    <dgm:sp3d/>
+    <dgm:txPr/>
+    <dgm:style>
+      <a:lnRef idx="0">
+        <a:scrgbClr r="0" g="0" b="0"/>
+      </a:lnRef>
+      <a:fillRef idx="3">
+        <a:scrgbClr r="0" g="0" b="0"/>
+      </a:fillRef>
+      <a:effectRef idx="3">
+        <a:scrgbClr r="0" g="0" b="0"/>
+      </a:effectRef>
+      <a:fontRef idx="minor">
+        <a:schemeClr val="lt1"/>
+      </a:fontRef>
+    </dgm:style>
+  </dgm:styleLbl>
+  <dgm:styleLbl name="fgSibTrans2D1">
+    <dgm:scene3d>
+      <a:camera prst="orthographicFront"/>
+      <a:lightRig rig="threePt" dir="t"/>
+    </dgm:scene3d>
+    <dgm:sp3d/>
+    <dgm:txPr/>
+    <dgm:style>
+      <a:lnRef idx="0">
+        <a:scrgbClr r="0" g="0" b="0"/>
+      </a:lnRef>
+      <a:fillRef idx="3">
+        <a:scrgbClr r="0" g="0" b="0"/>
+      </a:fillRef>
+      <a:effectRef idx="3">
+        <a:scrgbClr r="0" g="0" b="0"/>
+      </a:effectRef>
+      <a:fontRef idx="minor">
+        <a:schemeClr val="lt1"/>
+      </a:fontRef>
+    </dgm:style>
+  </dgm:styleLbl>
+  <dgm:styleLbl name="bgSibTrans2D1">
+    <dgm:scene3d>
+      <a:camera prst="orthographicFront"/>
+      <a:lightRig rig="threePt" dir="t"/>
+    </dgm:scene3d>
+    <dgm:sp3d/>
+    <dgm:txPr/>
+    <dgm:style>
+      <a:lnRef idx="0">
+        <a:scrgbClr r="0" g="0" b="0"/>
+      </a:lnRef>
+      <a:fillRef idx="3">
+        <a:scrgbClr r="0" g="0" b="0"/>
+      </a:fillRef>
+      <a:effectRef idx="3">
+        <a:scrgbClr r="0" g="0" b="0"/>
+      </a:effectRef>
+      <a:fontRef idx="minor">
+        <a:schemeClr val="lt1"/>
+      </a:fontRef>
+    </dgm:style>
+  </dgm:styleLbl>
+  <dgm:styleLbl name="sibTrans1D1">
+    <dgm:scene3d>
+      <a:camera prst="orthographicFront"/>
+      <a:lightRig rig="threePt" dir="t"/>
+    </dgm:scene3d>
+    <dgm:sp3d/>
+    <dgm:txPr/>
+    <dgm:style>
+      <a:lnRef idx="1">
+        <a:scrgbClr r="0" g="0" b="0"/>
+      </a:lnRef>
+      <a:fillRef idx="0">
+        <a:scrgbClr r="0" g="0" b="0"/>
+      </a:fillRef>
+      <a:effectRef idx="0">
+        <a:scrgbClr r="0" g="0" b="0"/>
+      </a:effectRef>
+      <a:fontRef idx="minor"/>
+    </dgm:style>
+  </dgm:styleLbl>
+  <dgm:styleLbl name="callout">
+    <dgm:scene3d>
+      <a:camera prst="orthographicFront"/>
+      <a:lightRig rig="threePt" dir="t"/>
+    </dgm:scene3d>
+    <dgm:sp3d/>
+    <dgm:txPr/>
+    <dgm:style>
+      <a:lnRef idx="1">
+        <a:scrgbClr r="0" g="0" b="0"/>
+      </a:lnRef>
+      <a:fillRef idx="0">
+        <a:scrgbClr r="0" g="0" b="0"/>
+      </a:fillRef>
+      <a:effectRef idx="1">
+        <a:scrgbClr r="0" g="0" b="0"/>
+      </a:effectRef>
+      <a:fontRef idx="minor"/>
+    </dgm:style>
+  </dgm:styleLbl>
+  <dgm:styleLbl name="asst0">
+    <dgm:scene3d>
+      <a:camera prst="orthographicFront"/>
+      <a:lightRig rig="threePt" dir="t"/>
+    </dgm:scene3d>
+    <dgm:sp3d/>
+    <dgm:txPr/>
+    <dgm:style>
+      <a:lnRef idx="0">
+        <a:scrgbClr r="0" g="0" b="0"/>
+      </a:lnRef>
+      <a:fillRef idx="3">
+        <a:scrgbClr r="0" g="0" b="0"/>
+      </a:fillRef>
+      <a:effectRef idx="3">
+        <a:scrgbClr r="0" g="0" b="0"/>
+      </a:effectRef>
+      <a:fontRef idx="minor">
+        <a:schemeClr val="lt1"/>
+      </a:fontRef>
+    </dgm:style>
+  </dgm:styleLbl>
+  <dgm:styleLbl name="asst1">
+    <dgm:scene3d>
+      <a:camera prst="orthographicFront"/>
+      <a:lightRig rig="threePt" dir="t"/>
+    </dgm:scene3d>
+    <dgm:sp3d/>
+    <dgm:txPr/>
+    <dgm:style>
+      <a:lnRef idx="0">
+        <a:scrgbClr r="0" g="0" b="0"/>
+      </a:lnRef>
+      <a:fillRef idx="3">
+        <a:scrgbClr r="0" g="0" b="0"/>
+      </a:fillRef>
+      <a:effectRef idx="3">
+        <a:scrgbClr r="0" g="0" b="0"/>
+      </a:effectRef>
+      <a:fontRef idx="minor">
+        <a:schemeClr val="lt1"/>
+      </a:fontRef>
+    </dgm:style>
+  </dgm:styleLbl>
+  <dgm:styleLbl name="asst2">
+    <dgm:scene3d>
+      <a:camera prst="orthographicFront"/>
+      <a:lightRig rig="threePt" dir="t"/>
+    </dgm:scene3d>
+    <dgm:sp3d/>
+    <dgm:txPr/>
+    <dgm:style>
+      <a:lnRef idx="0">
+        <a:scrgbClr r="0" g="0" b="0"/>
+      </a:lnRef>
+      <a:fillRef idx="3">
+        <a:scrgbClr r="0" g="0" b="0"/>
+      </a:fillRef>
+      <a:effectRef idx="3">
+        <a:scrgbClr r="0" g="0" b="0"/>
+      </a:effectRef>
+      <a:fontRef idx="minor">
+        <a:schemeClr val="lt1"/>
+      </a:fontRef>
+    </dgm:style>
+  </dgm:styleLbl>
+  <dgm:styleLbl name="asst3">
+    <dgm:scene3d>
+      <a:camera prst="orthographicFront"/>
+      <a:lightRig rig="threePt" dir="t"/>
+    </dgm:scene3d>
+    <dgm:sp3d/>
+    <dgm:txPr/>
+    <dgm:style>
+      <a:lnRef idx="0">
+        <a:scrgbClr r="0" g="0" b="0"/>
+      </a:lnRef>
+      <a:fillRef idx="3">
+        <a:scrgbClr r="0" g="0" b="0"/>
+      </a:fillRef>
+      <a:effectRef idx="3">
+        <a:scrgbClr r="0" g="0" b="0"/>
+      </a:effectRef>
+      <a:fontRef idx="minor">
+        <a:schemeClr val="lt1"/>
+      </a:fontRef>
+    </dgm:style>
+  </dgm:styleLbl>
+  <dgm:styleLbl name="asst4">
+    <dgm:scene3d>
+      <a:camera prst="orthographicFront"/>
+      <a:lightRig rig="threePt" dir="t"/>
+    </dgm:scene3d>
+    <dgm:sp3d/>
+    <dgm:txPr/>
+    <dgm:style>
+      <a:lnRef idx="0">
+        <a:scrgbClr r="0" g="0" b="0"/>
+      </a:lnRef>
+      <a:fillRef idx="3">
+        <a:scrgbClr r="0" g="0" b="0"/>
+      </a:fillRef>
+      <a:effectRef idx="3">
+        <a:scrgbClr r="0" g="0" b="0"/>
+      </a:effectRef>
+      <a:fontRef idx="minor">
+        <a:schemeClr val="lt1"/>
+      </a:fontRef>
+    </dgm:style>
+  </dgm:styleLbl>
+  <dgm:styleLbl name="parChTrans2D1">
+    <dgm:scene3d>
+      <a:camera prst="orthographicFront"/>
+      <a:lightRig rig="threePt" dir="t"/>
+    </dgm:scene3d>
+    <dgm:sp3d/>
+    <dgm:txPr/>
+    <dgm:style>
+      <a:lnRef idx="0">
+        <a:scrgbClr r="0" g="0" b="0"/>
+      </a:lnRef>
+      <a:fillRef idx="3">
+        <a:scrgbClr r="0" g="0" b="0"/>
+      </a:fillRef>
+      <a:effectRef idx="3">
+        <a:scrgbClr r="0" g="0" b="0"/>
+      </a:effectRef>
+      <a:fontRef idx="minor">
+        <a:schemeClr val="lt1"/>
+      </a:fontRef>
+    </dgm:style>
+  </dgm:styleLbl>
+  <dgm:styleLbl name="parChTrans2D2">
+    <dgm:scene3d>
+      <a:camera prst="orthographicFront"/>
+      <a:lightRig rig="threePt" dir="t"/>
+    </dgm:scene3d>
+    <dgm:sp3d/>
+    <dgm:txPr/>
+    <dgm:style>
+      <a:lnRef idx="0">
+        <a:scrgbClr r="0" g="0" b="0"/>
+      </a:lnRef>
+      <a:fillRef idx="3">
+        <a:scrgbClr r="0" g="0" b="0"/>
+      </a:fillRef>
+      <a:effectRef idx="3">
+        <a:scrgbClr r="0" g="0" b="0"/>
+      </a:effectRef>
+      <a:fontRef idx="minor">
+        <a:schemeClr val="lt1"/>
+      </a:fontRef>
+    </dgm:style>
+  </dgm:styleLbl>
+  <dgm:styleLbl name="parChTrans2D3">
+    <dgm:scene3d>
+      <a:camera prst="orthographicFront"/>
+      <a:lightRig rig="threePt" dir="t"/>
+    </dgm:scene3d>
+    <dgm:sp3d/>
+    <dgm:txPr/>
+    <dgm:style>
+      <a:lnRef idx="0">
+        <a:scrgbClr r="0" g="0" b="0"/>
+      </a:lnRef>
+      <a:fillRef idx="3">
+        <a:scrgbClr r="0" g="0" b="0"/>
+      </a:fillRef>
+      <a:effectRef idx="3">
+        <a:scrgbClr r="0" g="0" b="0"/>
+      </a:effectRef>
+      <a:fontRef idx="minor">
+        <a:schemeClr val="lt1"/>
+      </a:fontRef>
+    </dgm:style>
+  </dgm:styleLbl>
+  <dgm:styleLbl name="parChTrans2D4">
+    <dgm:scene3d>
+      <a:camera prst="orthographicFront"/>
+      <a:lightRig rig="threePt" dir="t"/>
+    </dgm:scene3d>
+    <dgm:sp3d/>
+    <dgm:txPr/>
+    <dgm:style>
+      <a:lnRef idx="0">
+        <a:scrgbClr r="0" g="0" b="0"/>
+      </a:lnRef>
+      <a:fillRef idx="3">
+        <a:scrgbClr r="0" g="0" b="0"/>
+      </a:fillRef>
+      <a:effectRef idx="3">
+        <a:scrgbClr r="0" g="0" b="0"/>
+      </a:effectRef>
+      <a:fontRef idx="minor">
+        <a:schemeClr val="lt1"/>
+      </a:fontRef>
+    </dgm:style>
+  </dgm:styleLbl>
+  <dgm:styleLbl name="parChTrans1D1">
+    <dgm:scene3d>
+      <a:camera prst="orthographicFront"/>
+      <a:lightRig rig="threePt" dir="t"/>
+    </dgm:scene3d>
+    <dgm:sp3d/>
+    <dgm:txPr/>
+    <dgm:style>
+      <a:lnRef idx="2">
+        <a:scrgbClr r="0" g="0" b="0"/>
+      </a:lnRef>
+      <a:fillRef idx="0">
+        <a:scrgbClr r="0" g="0" b="0"/>
+      </a:fillRef>
+      <a:effectRef idx="0">
+        <a:scrgbClr r="0" g="0" b="0"/>
+      </a:effectRef>
+      <a:fontRef idx="minor"/>
+    </dgm:style>
+  </dgm:styleLbl>
+  <dgm:styleLbl name="parChTrans1D2">
+    <dgm:scene3d>
+      <a:camera prst="orthographicFront"/>
+      <a:lightRig rig="threePt" dir="t"/>
+    </dgm:scene3d>
+    <dgm:sp3d/>
+    <dgm:txPr/>
+    <dgm:style>
+      <a:lnRef idx="2">
+        <a:scrgbClr r="0" g="0" b="0"/>
+      </a:lnRef>
+      <a:fillRef idx="0">
+        <a:scrgbClr r="0" g="0" b="0"/>
+      </a:fillRef>
+      <a:effectRef idx="0">
+        <a:scrgbClr r="0" g="0" b="0"/>
+      </a:effectRef>
+      <a:fontRef idx="minor"/>
+    </dgm:style>
+  </dgm:styleLbl>
+  <dgm:styleLbl name="parChTrans1D3">
+    <dgm:scene3d>
+      <a:camera prst="orthographicFront"/>
+      <a:lightRig rig="threePt" dir="t"/>
+    </dgm:scene3d>
+    <dgm:sp3d/>
+    <dgm:txPr/>
+    <dgm:style>
+      <a:lnRef idx="2">
+        <a:scrgbClr r="0" g="0" b="0"/>
+      </a:lnRef>
+      <a:fillRef idx="0">
+        <a:scrgbClr r="0" g="0" b="0"/>
+      </a:fillRef>
+      <a:effectRef idx="0">
+        <a:scrgbClr r="0" g="0" b="0"/>
+      </a:effectRef>
+      <a:fontRef idx="minor"/>
+    </dgm:style>
+  </dgm:styleLbl>
+  <dgm:styleLbl name="parChTrans1D4">
+    <dgm:scene3d>
+      <a:camera prst="orthographicFront"/>
+      <a:lightRig rig="threePt" dir="t"/>
+    </dgm:scene3d>
+    <dgm:sp3d/>
+    <dgm:txPr/>
+    <dgm:style>
+      <a:lnRef idx="2">
+        <a:scrgbClr r="0" g="0" b="0"/>
+      </a:lnRef>
+      <a:fillRef idx="0">
+        <a:scrgbClr r="0" g="0" b="0"/>
+      </a:fillRef>
+      <a:effectRef idx="0">
+        <a:scrgbClr r="0" g="0" b="0"/>
+      </a:effectRef>
+      <a:fontRef idx="minor"/>
+    </dgm:style>
+  </dgm:styleLbl>
+  <dgm:styleLbl name="fgAcc1">
+    <dgm:scene3d>
+      <a:camera prst="orthographicFront"/>
+      <a:lightRig rig="threePt" dir="t"/>
+    </dgm:scene3d>
+    <dgm:sp3d/>
+    <dgm:txPr/>
+    <dgm:style>
+      <a:lnRef idx="1">
+        <a:scrgbClr r="0" g="0" b="0"/>
+      </a:lnRef>
+      <a:fillRef idx="1">
+        <a:scrgbClr r="0" g="0" b="0"/>
+      </a:fillRef>
+      <a:effectRef idx="2">
+        <a:scrgbClr r="0" g="0" b="0"/>
+      </a:effectRef>
+      <a:fontRef idx="minor"/>
+    </dgm:style>
+  </dgm:styleLbl>
+  <dgm:styleLbl name="conFgAcc1">
+    <dgm:scene3d>
+      <a:camera prst="orthographicFront"/>
+      <a:lightRig rig="threePt" dir="t"/>
+    </dgm:scene3d>
+    <dgm:sp3d/>
+    <dgm:txPr/>
+    <dgm:style>
+      <a:lnRef idx="1">
+        <a:scrgbClr r="0" g="0" b="0"/>
+      </a:lnRef>
+      <a:fillRef idx="1">
+        <a:scrgbClr r="0" g="0" b="0"/>
+      </a:fillRef>
+      <a:effectRef idx="2">
+        <a:scrgbClr r="0" g="0" b="0"/>
+      </a:effectRef>
+      <a:fontRef idx="minor"/>
+    </dgm:style>
+  </dgm:styleLbl>
+  <dgm:styleLbl name="alignAcc1">
+    <dgm:scene3d>
+      <a:camera prst="orthographicFront"/>
+      <a:lightRig rig="threePt" dir="t"/>
+    </dgm:scene3d>
+    <dgm:sp3d/>
+    <dgm:txPr/>
+    <dgm:style>
+      <a:lnRef idx="1">
+        <a:scrgbClr r="0" g="0" b="0"/>
+      </a:lnRef>
+      <a:fillRef idx="1">
+        <a:scrgbClr r="0" g="0" b="0"/>
+      </a:fillRef>
+      <a:effectRef idx="2">
+        <a:scrgbClr r="0" g="0" b="0"/>
+      </a:effectRef>
+      <a:fontRef idx="minor"/>
+    </dgm:style>
+  </dgm:styleLbl>
+  <dgm:styleLbl name="trAlignAcc1">
+    <dgm:scene3d>
+      <a:camera prst="orthographicFront"/>
+      <a:lightRig rig="threePt" dir="t"/>
+    </dgm:scene3d>
+    <dgm:sp3d/>
+    <dgm:txPr/>
+    <dgm:style>
+      <a:lnRef idx="1">
+        <a:scrgbClr r="0" g="0" b="0"/>
+      </a:lnRef>
+      <a:fillRef idx="1">
+        <a:scrgbClr r="0" g="0" b="0"/>
+      </a:fillRef>
+      <a:effectRef idx="0">
+        <a:scrgbClr r="0" g="0" b="0"/>
+      </a:effectRef>
+      <a:fontRef idx="minor"/>
+    </dgm:style>
+  </dgm:styleLbl>
+  <dgm:styleLbl name="bgAcc1">
+    <dgm:scene3d>
+      <a:camera prst="orthographicFront"/>
+      <a:lightRig rig="threePt" dir="t"/>
+    </dgm:scene3d>
+    <dgm:sp3d/>
+    <dgm:txPr/>
+    <dgm:style>
+      <a:lnRef idx="1">
+        <a:scrgbClr r="0" g="0" b="0"/>
+      </a:lnRef>
+      <a:fillRef idx="1">
+        <a:scrgbClr r="0" g="0" b="0"/>
+      </a:fillRef>
+      <a:effectRef idx="2">
+        <a:scrgbClr r="0" g="0" b="0"/>
+      </a:effectRef>
+      <a:fontRef idx="minor"/>
+    </dgm:style>
+  </dgm:styleLbl>
+  <dgm:styleLbl name="solidFgAcc1">
+    <dgm:scene3d>
+      <a:camera prst="orthographicFront"/>
+      <a:lightRig rig="threePt" dir="t"/>
+    </dgm:scene3d>
+    <dgm:sp3d/>
+    <dgm:txPr/>
+    <dgm:style>
+      <a:lnRef idx="1">
+        <a:scrgbClr r="0" g="0" b="0"/>
+      </a:lnRef>
+      <a:fillRef idx="1">
+        <a:scrgbClr r="0" g="0" b="0"/>
+      </a:fillRef>
+      <a:effectRef idx="2">
+        <a:scrgbClr r="0" g="0" b="0"/>
+      </a:effectRef>
+      <a:fontRef idx="minor"/>
+    </dgm:style>
+  </dgm:styleLbl>
+  <dgm:styleLbl name="solidAlignAcc1">
+    <dgm:scene3d>
+      <a:camera prst="orthographicFront"/>
+      <a:lightRig rig="threePt" dir="t"/>
+    </dgm:scene3d>
+    <dgm:sp3d/>
+    <dgm:txPr/>
+    <dgm:style>
+      <a:lnRef idx="1">
+        <a:scrgbClr r="0" g="0" b="0"/>
+      </a:lnRef>
+      <a:fillRef idx="1">
+        <a:scrgbClr r="0" g="0" b="0"/>
+      </a:fillRef>
+      <a:effectRef idx="3">
+        <a:scrgbClr r="0" g="0" b="0"/>
+      </a:effectRef>
+      <a:fontRef idx="minor"/>
+    </dgm:style>
+  </dgm:styleLbl>
+  <dgm:styleLbl name="solidBgAcc1">
+    <dgm:scene3d>
+      <a:camera prst="orthographicFront"/>
+      <a:lightRig rig="threePt" dir="t"/>
+    </dgm:scene3d>
+    <dgm:sp3d/>
+    <dgm:txPr/>
+    <dgm:style>
+      <a:lnRef idx="1">
+        <a:scrgbClr r="0" g="0" b="0"/>
+      </a:lnRef>
+      <a:fillRef idx="1">
+        <a:scrgbClr r="0" g="0" b="0"/>
+      </a:fillRef>
+      <a:effectRef idx="3">
+        <a:scrgbClr r="0" g="0" b="0"/>
+      </a:effectRef>
+      <a:fontRef idx="minor"/>
+    </dgm:style>
+  </dgm:styleLbl>
+  <dgm:styleLbl name="fgAccFollowNode1">
+    <dgm:scene3d>
+      <a:camera prst="orthographicFront"/>
+      <a:lightRig rig="threePt" dir="t"/>
+    </dgm:scene3d>
+    <dgm:sp3d/>
+    <dgm:txPr/>
+    <dgm:style>
+      <a:lnRef idx="1">
+        <a:scrgbClr r="0" g="0" b="0"/>
+      </a:lnRef>
+      <a:fillRef idx="1">
+        <a:scrgbClr r="0" g="0" b="0"/>
+      </a:fillRef>
+      <a:effectRef idx="2">
+        <a:scrgbClr r="0" g="0" b="0"/>
+      </a:effectRef>
+      <a:fontRef idx="minor"/>
+    </dgm:style>
+  </dgm:styleLbl>
+  <dgm:styleLbl name="alignAccFollowNode1">
+    <dgm:scene3d>
+      <a:camera prst="orthographicFront"/>
+      <a:lightRig rig="threePt" dir="t"/>
+    </dgm:scene3d>
+    <dgm:sp3d/>
+    <dgm:txPr/>
+    <dgm:style>
+      <a:lnRef idx="1">
+        <a:scrgbClr r="0" g="0" b="0"/>
+      </a:lnRef>
+      <a:fillRef idx="1">
+        <a:scrgbClr r="0" g="0" b="0"/>
+      </a:fillRef>
+      <a:effectRef idx="2">
+        <a:scrgbClr r="0" g="0" b="0"/>
+      </a:effectRef>
+      <a:fontRef idx="minor"/>
+    </dgm:style>
+  </dgm:styleLbl>
+  <dgm:styleLbl name="bgAccFollowNode1">
+    <dgm:scene3d>
+      <a:camera prst="orthographicFront"/>
+      <a:lightRig rig="threePt" dir="t"/>
+    </dgm:scene3d>
+    <dgm:sp3d/>
+    <dgm:txPr/>
+    <dgm:style>
+      <a:lnRef idx="1">
+        <a:scrgbClr r="0" g="0" b="0"/>
+      </a:lnRef>
+      <a:fillRef idx="1">
+        <a:scrgbClr r="0" g="0" b="0"/>
+      </a:fillRef>
+      <a:effectRef idx="2">
+        <a:scrgbClr r="0" g="0" b="0"/>
+      </a:effectRef>
+      <a:fontRef idx="minor"/>
+    </dgm:style>
+  </dgm:styleLbl>
+  <dgm:styleLbl name="fgAcc0">
+    <dgm:scene3d>
+      <a:camera prst="orthographicFront"/>
+      <a:lightRig rig="threePt" dir="t"/>
+    </dgm:scene3d>
+    <dgm:sp3d/>
+    <dgm:txPr/>
+    <dgm:style>
+      <a:lnRef idx="1">
+        <a:scrgbClr r="0" g="0" b="0"/>
+      </a:lnRef>
+      <a:fillRef idx="1">
+        <a:scrgbClr r="0" g="0" b="0"/>
+      </a:fillRef>
+      <a:effectRef idx="2">
+        <a:scrgbClr r="0" g="0" b="0"/>
+      </a:effectRef>
+      <a:fontRef idx="minor"/>
+    </dgm:style>
+  </dgm:styleLbl>
+  <dgm:styleLbl name="fgAcc2">
+    <dgm:scene3d>
+      <a:camera prst="orthographicFront"/>
+      <a:lightRig rig="threePt" dir="t"/>
+    </dgm:scene3d>
+    <dgm:sp3d/>
+    <dgm:txPr/>
+    <dgm:style>
+      <a:lnRef idx="1">
+        <a:scrgbClr r="0" g="0" b="0"/>
+      </a:lnRef>
+      <a:fillRef idx="1">
+        <a:scrgbClr r="0" g="0" b="0"/>
+      </a:fillRef>
+      <a:effectRef idx="2">
+        <a:scrgbClr r="0" g="0" b="0"/>
+      </a:effectRef>
+      <a:fontRef idx="minor"/>
+    </dgm:style>
+  </dgm:styleLbl>
+  <dgm:styleLbl name="fgAcc3">
+    <dgm:scene3d>
+      <a:camera prst="orthographicFront"/>
+      <a:lightRig rig="threePt" dir="t"/>
+    </dgm:scene3d>
+    <dgm:sp3d/>
+    <dgm:txPr/>
+    <dgm:style>
+      <a:lnRef idx="1">
+        <a:scrgbClr r="0" g="0" b="0"/>
+      </a:lnRef>
+      <a:fillRef idx="1">
+        <a:scrgbClr r="0" g="0" b="0"/>
+      </a:fillRef>
+      <a:effectRef idx="2">
+        <a:scrgbClr r="0" g="0" b="0"/>
+      </a:effectRef>
+      <a:fontRef idx="minor"/>
+    </dgm:style>
+  </dgm:styleLbl>
+  <dgm:styleLbl name="fgAcc4">
+    <dgm:scene3d>
+      <a:camera prst="orthographicFront"/>
+      <a:lightRig rig="threePt" dir="t"/>
+    </dgm:scene3d>
+    <dgm:sp3d/>
+    <dgm:txPr/>
+    <dgm:style>
+      <a:lnRef idx="1">
+        <a:scrgbClr r="0" g="0" b="0"/>
+      </a:lnRef>
+      <a:fillRef idx="1">
+        <a:scrgbClr r="0" g="0" b="0"/>
+      </a:fillRef>
+      <a:effectRef idx="2">
+        <a:scrgbClr r="0" g="0" b="0"/>
+      </a:effectRef>
+      <a:fontRef idx="minor"/>
+    </dgm:style>
+  </dgm:styleLbl>
+  <dgm:styleLbl name="bgShp">
+    <dgm:scene3d>
+      <a:camera prst="orthographicFront"/>
+      <a:lightRig rig="threePt" dir="t"/>
+    </dgm:scene3d>
+    <dgm:sp3d/>
+    <dgm:txPr/>
+    <dgm:style>
+      <a:lnRef idx="0">
+        <a:scrgbClr r="0" g="0" b="0"/>
+      </a:lnRef>
+      <a:fillRef idx="1">
+        <a:scrgbClr r="0" g="0" b="0"/>
+      </a:fillRef>
+      <a:effectRef idx="2">
+        <a:scrgbClr r="0" g="0" b="0"/>
+      </a:effectRef>
+      <a:fontRef idx="minor"/>
+    </dgm:style>
+  </dgm:styleLbl>
+  <dgm:styleLbl name="dkBgShp">
+    <dgm:scene3d>
+      <a:camera prst="orthographicFront"/>
+      <a:lightRig rig="threePt" dir="t"/>
+    </dgm:scene3d>
+    <dgm:sp3d/>
+    <dgm:txPr/>
+    <dgm:style>
+      <a:lnRef idx="0">
+        <a:scrgbClr r="0" g="0" b="0"/>
+      </a:lnRef>
+      <a:fillRef idx="1">
+        <a:scrgbClr r="0" g="0" b="0"/>
+      </a:fillRef>
+      <a:effectRef idx="3">
+        <a:scrgbClr r="0" g="0" b="0"/>
+      </a:effectRef>
+      <a:fontRef idx="minor"/>
+    </dgm:style>
+  </dgm:styleLbl>
+  <dgm:styleLbl name="trBgShp">
+    <dgm:scene3d>
+      <a:camera prst="orthographicFront"/>
+      <a:lightRig rig="threePt" dir="t"/>
+    </dgm:scene3d>
+    <dgm:sp3d/>
+    <dgm:txPr/>
+    <dgm:style>
+      <a:lnRef idx="0">
+        <a:scrgbClr r="0" g="0" b="0"/>
+      </a:lnRef>
+      <a:fillRef idx="1">
+        <a:scrgbClr r="0" g="0" b="0"/>
+      </a:fillRef>
+      <a:effectRef idx="0">
+        <a:scrgbClr r="0" g="0" b="0"/>
+      </a:effectRef>
+      <a:fontRef idx="minor"/>
+    </dgm:style>
+  </dgm:styleLbl>
+  <dgm:styleLbl name="fgShp">
+    <dgm:scene3d>
+      <a:camera prst="orthographicFront"/>
+      <a:lightRig rig="threePt" dir="t"/>
+    </dgm:scene3d>
+    <dgm:sp3d/>
+    <dgm:txPr/>
+    <dgm:style>
+      <a:lnRef idx="0">
+        <a:scrgbClr r="0" g="0" b="0"/>
+      </a:lnRef>
+      <a:fillRef idx="3">
+        <a:scrgbClr r="0" g="0" b="0"/>
+      </a:fillRef>
+      <a:effectRef idx="3">
+        <a:scrgbClr r="0" g="0" b="0"/>
+      </a:effectRef>
+      <a:fontRef idx="minor"/>
+    </dgm:style>
+  </dgm:styleLbl>
+  <dgm:styleLbl name="revTx">
+    <dgm:scene3d>
+      <a:camera prst="orthographicFront"/>
+      <a:lightRig rig="threePt" dir="t"/>
+    </dgm:scene3d>
+    <dgm:sp3d/>
+    <dgm:txPr/>
+    <dgm:style>
+      <a:lnRef idx="0">
+        <a:scrgbClr r="0" g="0" b="0"/>
+      </a:lnRef>
+      <a:fillRef idx="0">
+        <a:scrgbClr r="0" g="0" b="0"/>
+      </a:fillRef>
+      <a:effectRef idx="0">
+        <a:scrgbClr r="0" g="0" b="0"/>
+      </a:effectRef>
+      <a:fontRef idx="minor"/>
+    </dgm:style>
+  </dgm:styleLbl>
+</dgm:styleDef>
+</file>
+
+<file path=ppt/diagrams/quickStyle3.xml><?xml version="1.0" encoding="utf-8"?>
 <dgm:styleDef xmlns:dgm="http://schemas.openxmlformats.org/drawingml/2006/diagram" xmlns:a="http://schemas.openxmlformats.org/drawingml/2006/main" uniqueId="urn:microsoft.com/office/officeart/2005/8/quickstyle/3d5">
   <dgm:title val=""/>
   <dgm:desc val=""/>
@@ -11039,7 +13953,7 @@
 </dgm:styleDef>
 </file>
 
-<file path=ppt/diagrams/quickStyle3.xml><?xml version="1.0" encoding="utf-8"?>
+<file path=ppt/diagrams/quickStyle4.xml><?xml version="1.0" encoding="utf-8"?>
 <dgm:styleDef xmlns:dgm="http://schemas.openxmlformats.org/drawingml/2006/diagram" xmlns:a="http://schemas.openxmlformats.org/drawingml/2006/main" uniqueId="urn:microsoft.com/office/officeart/2005/8/quickstyle/simple5">
   <dgm:title val=""/>
   <dgm:desc val=""/>
@@ -24679,7 +27593,7 @@
         </p:nvSpPr>
         <p:spPr>
           <a:xfrm>
-            <a:off x="1141413" y="-238009"/>
+            <a:off x="1141413" y="0"/>
             <a:ext cx="9905998" cy="1478570"/>
           </a:xfrm>
           <a:prstGeom prst="rect">
@@ -24724,6 +27638,52 @@
           </a:p>
         </p:txBody>
       </p:sp>
+      <p:sp>
+        <p:nvSpPr>
+          <p:cNvPr id="26" name="Arrow: Down 25">
+            <a:extLst>
+              <a:ext uri="{FF2B5EF4-FFF2-40B4-BE49-F238E27FC236}">
+                <a16:creationId xmlns:a16="http://schemas.microsoft.com/office/drawing/2014/main" id="{8C436F3A-8B58-470E-8A7E-67AE3D36BFF2}"/>
+              </a:ext>
+            </a:extLst>
+          </p:cNvPr>
+          <p:cNvSpPr/>
+          <p:nvPr/>
+        </p:nvSpPr>
+        <p:spPr>
+          <a:xfrm rot="17673808">
+            <a:off x="1620239" y="4965379"/>
+            <a:ext cx="459148" cy="586953"/>
+          </a:xfrm>
+          <a:prstGeom prst="downArrow">
+            <a:avLst/>
+          </a:prstGeom>
+        </p:spPr>
+        <p:style>
+          <a:lnRef idx="2">
+            <a:schemeClr val="accent3">
+              <a:shade val="50000"/>
+            </a:schemeClr>
+          </a:lnRef>
+          <a:fillRef idx="1">
+            <a:schemeClr val="accent3"/>
+          </a:fillRef>
+          <a:effectRef idx="0">
+            <a:schemeClr val="accent3"/>
+          </a:effectRef>
+          <a:fontRef idx="minor">
+            <a:schemeClr val="lt1"/>
+          </a:fontRef>
+        </p:style>
+        <p:txBody>
+          <a:bodyPr rtlCol="0" anchor="ctr"/>
+          <a:lstStyle/>
+          <a:p>
+            <a:pPr algn="ctr"/>
+            <a:endParaRPr lang="en-US"/>
+          </a:p>
+        </p:txBody>
+      </p:sp>
     </p:spTree>
     <p:extLst>
       <p:ext uri="{BB962C8B-B14F-4D97-AF65-F5344CB8AC3E}">
@@ -24734,6 +27694,84 @@
   <p:clrMapOvr>
     <a:masterClrMapping/>
   </p:clrMapOvr>
+  <p:timing>
+    <p:tnLst>
+      <p:par>
+        <p:cTn id="1" dur="indefinite" restart="never" nodeType="tmRoot">
+          <p:childTnLst>
+            <p:seq concurrent="1" nextAc="seek">
+              <p:cTn id="2" dur="indefinite" nodeType="mainSeq">
+                <p:childTnLst>
+                  <p:par>
+                    <p:cTn id="3" fill="hold">
+                      <p:stCondLst>
+                        <p:cond delay="indefinite"/>
+                      </p:stCondLst>
+                      <p:childTnLst>
+                        <p:par>
+                          <p:cTn id="4" fill="hold">
+                            <p:stCondLst>
+                              <p:cond delay="0"/>
+                            </p:stCondLst>
+                            <p:childTnLst>
+                              <p:par>
+                                <p:cTn id="5" presetID="1" presetClass="entr" presetSubtype="0" fill="hold" grpId="0" nodeType="clickEffect">
+                                  <p:stCondLst>
+                                    <p:cond delay="0"/>
+                                  </p:stCondLst>
+                                  <p:childTnLst>
+                                    <p:set>
+                                      <p:cBhvr>
+                                        <p:cTn id="6" dur="1" fill="hold">
+                                          <p:stCondLst>
+                                            <p:cond delay="0"/>
+                                          </p:stCondLst>
+                                        </p:cTn>
+                                        <p:tgtEl>
+                                          <p:spTgt spid="26"/>
+                                        </p:tgtEl>
+                                        <p:attrNameLst>
+                                          <p:attrName>style.visibility</p:attrName>
+                                        </p:attrNameLst>
+                                      </p:cBhvr>
+                                      <p:to>
+                                        <p:strVal val="visible"/>
+                                      </p:to>
+                                    </p:set>
+                                  </p:childTnLst>
+                                </p:cTn>
+                              </p:par>
+                            </p:childTnLst>
+                          </p:cTn>
+                        </p:par>
+                      </p:childTnLst>
+                    </p:cTn>
+                  </p:par>
+                </p:childTnLst>
+              </p:cTn>
+              <p:prevCondLst>
+                <p:cond evt="onPrev" delay="0">
+                  <p:tgtEl>
+                    <p:sldTgt/>
+                  </p:tgtEl>
+                </p:cond>
+              </p:prevCondLst>
+              <p:nextCondLst>
+                <p:cond evt="onNext" delay="0">
+                  <p:tgtEl>
+                    <p:sldTgt/>
+                  </p:tgtEl>
+                </p:cond>
+              </p:nextCondLst>
+            </p:seq>
+          </p:childTnLst>
+        </p:cTn>
+      </p:par>
+    </p:tnLst>
+    <p:bldLst>
+      <p:bldP spid="26" grpId="0" animBg="1"/>
+    </p:bldLst>
+  </p:timing>
 </p:sld>
 </file>
 
@@ -24770,7 +27808,12 @@
             <p:ph type="title"/>
           </p:nvPr>
         </p:nvSpPr>
-        <p:spPr/>
+        <p:spPr>
+          <a:xfrm>
+            <a:off x="1141413" y="0"/>
+            <a:ext cx="9905998" cy="1478570"/>
+          </a:xfrm>
+        </p:spPr>
         <p:txBody>
           <a:bodyPr/>
           <a:lstStyle/>
@@ -24872,7 +27915,12 @@
             <p:ph type="title"/>
           </p:nvPr>
         </p:nvSpPr>
-        <p:spPr/>
+        <p:spPr>
+          <a:xfrm>
+            <a:off x="1141413" y="0"/>
+            <a:ext cx="9905998" cy="1478570"/>
+          </a:xfrm>
+        </p:spPr>
         <p:txBody>
           <a:bodyPr/>
           <a:lstStyle/>
@@ -25020,7 +28068,12 @@
             <p:ph type="title"/>
           </p:nvPr>
         </p:nvSpPr>
-        <p:spPr/>
+        <p:spPr>
+          <a:xfrm>
+            <a:off x="1141413" y="0"/>
+            <a:ext cx="9905998" cy="1478570"/>
+          </a:xfrm>
+        </p:spPr>
         <p:txBody>
           <a:bodyPr/>
           <a:lstStyle/>
@@ -25168,7 +28221,12 @@
             <p:ph type="title"/>
           </p:nvPr>
         </p:nvSpPr>
-        <p:spPr/>
+        <p:spPr>
+          <a:xfrm>
+            <a:off x="1141413" y="0"/>
+            <a:ext cx="9905998" cy="1478570"/>
+          </a:xfrm>
+        </p:spPr>
         <p:txBody>
           <a:bodyPr/>
           <a:lstStyle/>
@@ -25360,7 +28418,12 @@
             <p:ph type="title"/>
           </p:nvPr>
         </p:nvSpPr>
-        <p:spPr/>
+        <p:spPr>
+          <a:xfrm>
+            <a:off x="1143001" y="0"/>
+            <a:ext cx="9905998" cy="1478570"/>
+          </a:xfrm>
+        </p:spPr>
         <p:txBody>
           <a:bodyPr/>
           <a:lstStyle/>
@@ -25558,7 +28621,7 @@
         </p:nvSpPr>
         <p:spPr>
           <a:xfrm>
-            <a:off x="1141413" y="-238009"/>
+            <a:off x="1143001" y="0"/>
             <a:ext cx="9905998" cy="1478570"/>
           </a:xfrm>
         </p:spPr>
@@ -25568,45 +28631,197 @@
           <a:p>
             <a:r>
               <a:rPr lang="en-US" cap="none" dirty="0"/>
-              <a:t>Test Driven Development (TDD)</a:t>
+              <a:t>Parameterized Unit Tests</a:t>
             </a:r>
           </a:p>
         </p:txBody>
       </p:sp>
-      <p:graphicFrame>
-        <p:nvGraphicFramePr>
-          <p:cNvPr id="6" name="Content Placeholder 1">
+      <p:sp>
+        <p:nvSpPr>
+          <p:cNvPr id="6" name="Arrow: Down 5">
             <a:extLst>
               <a:ext uri="{FF2B5EF4-FFF2-40B4-BE49-F238E27FC236}">
-                <a16:creationId xmlns:a16="http://schemas.microsoft.com/office/drawing/2014/main" id="{78431A1F-4F19-4E58-A40E-C4B9296F5039}"/>
+                <a16:creationId xmlns:a16="http://schemas.microsoft.com/office/drawing/2014/main" id="{91A5636D-E227-4527-A83C-8E98BE859F59}"/>
               </a:ext>
             </a:extLst>
           </p:cNvPr>
-          <p:cNvGraphicFramePr>
-            <a:graphicFrameLocks/>
-          </p:cNvGraphicFramePr>
-          <p:nvPr>
-            <p:extLst>
-              <p:ext uri="{D42A27DB-BD31-4B8C-83A1-F6EECF244321}">
-                <p14:modId xmlns:p14="http://schemas.microsoft.com/office/powerpoint/2010/main" val="496898789"/>
-              </p:ext>
-            </p:extLst>
-          </p:nvPr>
-        </p:nvGraphicFramePr>
-        <p:xfrm>
-          <a:off x="3009418" y="1043650"/>
-          <a:ext cx="6863787" cy="5472897"/>
-        </p:xfrm>
-        <a:graphic>
-          <a:graphicData uri="http://schemas.openxmlformats.org/drawingml/2006/diagram">
-            <dgm:relIds xmlns:dgm="http://schemas.openxmlformats.org/drawingml/2006/diagram" xmlns:r="http://schemas.openxmlformats.org/officeDocument/2006/relationships" r:dm="rId2" r:lo="rId3" r:qs="rId4" r:cs="rId5"/>
-          </a:graphicData>
-        </a:graphic>
-      </p:graphicFrame>
+          <p:cNvSpPr/>
+          <p:nvPr/>
+        </p:nvSpPr>
+        <p:spPr>
+          <a:xfrm rot="16200000">
+            <a:off x="2453618" y="5055816"/>
+            <a:ext cx="459148" cy="586953"/>
+          </a:xfrm>
+          <a:prstGeom prst="downArrow">
+            <a:avLst/>
+          </a:prstGeom>
+        </p:spPr>
+        <p:style>
+          <a:lnRef idx="2">
+            <a:schemeClr val="accent3">
+              <a:shade val="50000"/>
+            </a:schemeClr>
+          </a:lnRef>
+          <a:fillRef idx="1">
+            <a:schemeClr val="accent3"/>
+          </a:fillRef>
+          <a:effectRef idx="0">
+            <a:schemeClr val="accent3"/>
+          </a:effectRef>
+          <a:fontRef idx="minor">
+            <a:schemeClr val="lt1"/>
+          </a:fontRef>
+        </p:style>
+        <p:txBody>
+          <a:bodyPr rtlCol="0" anchor="ctr"/>
+          <a:lstStyle/>
+          <a:p>
+            <a:pPr algn="ctr"/>
+            <a:endParaRPr lang="en-US"/>
+          </a:p>
+        </p:txBody>
+      </p:sp>
+      <p:sp>
+        <p:nvSpPr>
+          <p:cNvPr id="7" name="Arrow: Down 6">
+            <a:extLst>
+              <a:ext uri="{FF2B5EF4-FFF2-40B4-BE49-F238E27FC236}">
+                <a16:creationId xmlns:a16="http://schemas.microsoft.com/office/drawing/2014/main" id="{84DEABC0-58D5-44CF-B388-6D396F012C9D}"/>
+              </a:ext>
+            </a:extLst>
+          </p:cNvPr>
+          <p:cNvSpPr/>
+          <p:nvPr/>
+        </p:nvSpPr>
+        <p:spPr>
+          <a:xfrm rot="16200000">
+            <a:off x="2453618" y="4467436"/>
+            <a:ext cx="459148" cy="586953"/>
+          </a:xfrm>
+          <a:prstGeom prst="downArrow">
+            <a:avLst/>
+          </a:prstGeom>
+        </p:spPr>
+        <p:style>
+          <a:lnRef idx="2">
+            <a:schemeClr val="accent3">
+              <a:shade val="50000"/>
+            </a:schemeClr>
+          </a:lnRef>
+          <a:fillRef idx="1">
+            <a:schemeClr val="accent3"/>
+          </a:fillRef>
+          <a:effectRef idx="0">
+            <a:schemeClr val="accent3"/>
+          </a:effectRef>
+          <a:fontRef idx="minor">
+            <a:schemeClr val="lt1"/>
+          </a:fontRef>
+        </p:style>
+        <p:txBody>
+          <a:bodyPr rtlCol="0" anchor="ctr"/>
+          <a:lstStyle/>
+          <a:p>
+            <a:pPr algn="ctr"/>
+            <a:endParaRPr lang="en-US"/>
+          </a:p>
+        </p:txBody>
+      </p:sp>
+      <p:sp>
+        <p:nvSpPr>
+          <p:cNvPr id="9" name="Arrow: Down 8">
+            <a:extLst>
+              <a:ext uri="{FF2B5EF4-FFF2-40B4-BE49-F238E27FC236}">
+                <a16:creationId xmlns:a16="http://schemas.microsoft.com/office/drawing/2014/main" id="{358AC3D5-A808-4F0B-B16D-57BA48573585}"/>
+              </a:ext>
+            </a:extLst>
+          </p:cNvPr>
+          <p:cNvSpPr/>
+          <p:nvPr/>
+        </p:nvSpPr>
+        <p:spPr>
+          <a:xfrm rot="16200000">
+            <a:off x="2439061" y="3671856"/>
+            <a:ext cx="459148" cy="586953"/>
+          </a:xfrm>
+          <a:prstGeom prst="downArrow">
+            <a:avLst/>
+          </a:prstGeom>
+        </p:spPr>
+        <p:style>
+          <a:lnRef idx="2">
+            <a:schemeClr val="accent3">
+              <a:shade val="50000"/>
+            </a:schemeClr>
+          </a:lnRef>
+          <a:fillRef idx="1">
+            <a:schemeClr val="accent3"/>
+          </a:fillRef>
+          <a:effectRef idx="0">
+            <a:schemeClr val="accent3"/>
+          </a:effectRef>
+          <a:fontRef idx="minor">
+            <a:schemeClr val="lt1"/>
+          </a:fontRef>
+        </p:style>
+        <p:txBody>
+          <a:bodyPr rtlCol="0" anchor="ctr"/>
+          <a:lstStyle/>
+          <a:p>
+            <a:pPr algn="ctr"/>
+            <a:endParaRPr lang="en-US"/>
+          </a:p>
+        </p:txBody>
+      </p:sp>
+      <p:pic>
+        <p:nvPicPr>
+          <p:cNvPr id="3" name="Picture 2">
+            <a:extLst>
+              <a:ext uri="{FF2B5EF4-FFF2-40B4-BE49-F238E27FC236}">
+                <a16:creationId xmlns:a16="http://schemas.microsoft.com/office/drawing/2014/main" id="{5F9525EF-B63A-452F-A194-15772E0F7F55}"/>
+              </a:ext>
+            </a:extLst>
+          </p:cNvPr>
+          <p:cNvPicPr>
+            <a:picLocks noChangeAspect="1"/>
+          </p:cNvPicPr>
+          <p:nvPr/>
+        </p:nvPicPr>
+        <p:blipFill>
+          <a:blip r:embed="rId2"/>
+          <a:stretch>
+            <a:fillRect/>
+          </a:stretch>
+        </p:blipFill>
+        <p:spPr>
+          <a:xfrm>
+            <a:off x="819754" y="1450793"/>
+            <a:ext cx="10684475" cy="4569930"/>
+          </a:xfrm>
+          <a:prstGeom prst="rect">
+            <a:avLst/>
+          </a:prstGeom>
+          <a:ln w="38100" cap="sq">
+            <a:solidFill>
+              <a:srgbClr val="000000"/>
+            </a:solidFill>
+            <a:prstDash val="solid"/>
+            <a:miter lim="800000"/>
+          </a:ln>
+          <a:effectLst>
+            <a:outerShdw blurRad="50800" dist="38100" dir="2700000" algn="tl" rotWithShape="0">
+              <a:srgbClr val="000000">
+                <a:alpha val="43000"/>
+              </a:srgbClr>
+            </a:outerShdw>
+          </a:effectLst>
+        </p:spPr>
+      </p:pic>
     </p:spTree>
     <p:extLst>
       <p:ext uri="{BB962C8B-B14F-4D97-AF65-F5344CB8AC3E}">
-        <p14:creationId xmlns:p14="http://schemas.microsoft.com/office/powerpoint/2010/main" val="892835675"/>
+        <p14:creationId xmlns:p14="http://schemas.microsoft.com/office/powerpoint/2010/main" val="3793914075"/>
       </p:ext>
     </p:extLst>
   </p:cSld>
@@ -25635,24 +28850,57 @@
       </p:grpSpPr>
       <p:sp>
         <p:nvSpPr>
-          <p:cNvPr id="4" name="Title 3">
+          <p:cNvPr id="23" name="Title 3">
             <a:extLst>
               <a:ext uri="{FF2B5EF4-FFF2-40B4-BE49-F238E27FC236}">
-                <a16:creationId xmlns:a16="http://schemas.microsoft.com/office/drawing/2014/main" id="{EE13D860-9205-48B1-B675-4421397C217F}"/>
+                <a16:creationId xmlns:a16="http://schemas.microsoft.com/office/drawing/2014/main" id="{86DA7FFC-84AF-4738-990B-2FF8C9D0D0D5}"/>
               </a:ext>
             </a:extLst>
           </p:cNvPr>
-          <p:cNvSpPr>
-            <a:spLocks noGrp="1"/>
+          <p:cNvSpPr txBox="1">
+            <a:spLocks/>
           </p:cNvSpPr>
-          <p:nvPr>
-            <p:ph type="title"/>
-          </p:nvPr>
+          <p:nvPr/>
         </p:nvSpPr>
-        <p:spPr/>
+        <p:spPr>
+          <a:xfrm>
+            <a:off x="1143001" y="0"/>
+            <a:ext cx="9905998" cy="1478570"/>
+          </a:xfrm>
+          <a:prstGeom prst="rect">
+            <a:avLst/>
+          </a:prstGeom>
+        </p:spPr>
         <p:txBody>
-          <a:bodyPr/>
-          <a:lstStyle/>
+          <a:bodyPr vert="horz" lIns="91440" tIns="45720" rIns="91440" bIns="45720" rtlCol="0" anchor="ctr">
+            <a:normAutofit/>
+          </a:bodyPr>
+          <a:lstStyle>
+            <a:lvl1pPr algn="l" defTabSz="914400" rtl="0" eaLnBrk="1" latinLnBrk="0" hangingPunct="1">
+              <a:lnSpc>
+                <a:spcPct val="90000"/>
+              </a:lnSpc>
+              <a:spcBef>
+                <a:spcPct val="0"/>
+              </a:spcBef>
+              <a:buNone/>
+              <a:defRPr sz="3600" kern="1200" cap="all" baseline="0">
+                <a:solidFill>
+                  <a:schemeClr val="tx1"/>
+                </a:solidFill>
+                <a:effectLst>
+                  <a:outerShdw blurRad="177800" dist="38100" dir="2700000" algn="tl">
+                    <a:srgbClr val="000000">
+                      <a:alpha val="24000"/>
+                    </a:srgbClr>
+                  </a:outerShdw>
+                </a:effectLst>
+                <a:latin typeface="+mj-lt"/>
+                <a:ea typeface="+mj-ea"/>
+                <a:cs typeface="+mj-cs"/>
+              </a:defRPr>
+            </a:lvl1pPr>
+          </a:lstStyle>
           <a:p>
             <a:r>
               <a:rPr lang="en-US" cap="none" dirty="0"/>
@@ -25674,87 +28922,321 @@
             <a:spLocks noGrp="1"/>
           </p:cNvSpPr>
           <p:nvPr>
-            <p:ph idx="1"/>
+            <p:ph type="body" idx="1"/>
           </p:nvPr>
         </p:nvSpPr>
         <p:spPr>
           <a:xfrm>
-            <a:off x="1451579" y="2006854"/>
-            <a:ext cx="9291215" cy="3450613"/>
+            <a:off x="1141413" y="3333842"/>
+            <a:ext cx="3195240" cy="576262"/>
           </a:xfrm>
         </p:spPr>
         <p:txBody>
           <a:bodyPr>
-            <a:normAutofit fontScale="85000" lnSpcReduction="10000"/>
+            <a:normAutofit/>
           </a:bodyPr>
           <a:lstStyle/>
           <a:p>
             <a:r>
-              <a:rPr lang="en-US" dirty="0" err="1"/>
+              <a:rPr lang="en-US" cap="none" dirty="0" err="1"/>
               <a:t>MSTest</a:t>
             </a:r>
-            <a:endParaRPr lang="en-US" dirty="0"/>
+            <a:endParaRPr lang="en-US" cap="none" dirty="0"/>
           </a:p>
+        </p:txBody>
+      </p:sp>
+      <p:sp>
+        <p:nvSpPr>
+          <p:cNvPr id="8" name="Picture Placeholder 7">
+            <a:extLst>
+              <a:ext uri="{FF2B5EF4-FFF2-40B4-BE49-F238E27FC236}">
+                <a16:creationId xmlns:a16="http://schemas.microsoft.com/office/drawing/2014/main" id="{AFF16EA2-C65B-48D1-B9AD-861B5EDC96F2}"/>
+              </a:ext>
+            </a:extLst>
+          </p:cNvPr>
+          <p:cNvSpPr>
+            <a:spLocks noGrp="1"/>
+          </p:cNvSpPr>
+          <p:nvPr>
+            <p:ph type="pic" idx="15"/>
+          </p:nvPr>
+        </p:nvSpPr>
+        <p:spPr>
+          <a:xfrm>
+            <a:off x="1141413" y="1066801"/>
+            <a:ext cx="3195240" cy="2184144"/>
+          </a:xfrm>
+        </p:spPr>
+      </p:sp>
+      <p:sp>
+        <p:nvSpPr>
+          <p:cNvPr id="9" name="Text Placeholder 8">
+            <a:extLst>
+              <a:ext uri="{FF2B5EF4-FFF2-40B4-BE49-F238E27FC236}">
+                <a16:creationId xmlns:a16="http://schemas.microsoft.com/office/drawing/2014/main" id="{501C6F18-B003-4660-A2C8-EB0A2E023EA4}"/>
+              </a:ext>
+            </a:extLst>
+          </p:cNvPr>
+          <p:cNvSpPr>
+            <a:spLocks noGrp="1"/>
+          </p:cNvSpPr>
+          <p:nvPr>
+            <p:ph type="body" sz="half" idx="18"/>
+          </p:nvPr>
+        </p:nvSpPr>
+        <p:spPr>
+          <a:xfrm>
+            <a:off x="1141413" y="3993002"/>
+            <a:ext cx="3195240" cy="1805700"/>
+          </a:xfrm>
+        </p:spPr>
+        <p:txBody>
+          <a:bodyPr/>
+          <a:lstStyle/>
           <a:p>
-            <a:pPr lvl="1"/>
             <a:r>
               <a:rPr lang="en-US" dirty="0"/>
-              <a:t>Built into Visual Studio</a:t>
+              <a:t>Already installed in Visual Studio</a:t>
             </a:r>
           </a:p>
           <a:p>
-            <a:pPr lvl="1"/>
+            <a:r>
+              <a:rPr lang="en-US" dirty="0"/>
+              <a:t>[</a:t>
+            </a:r>
             <a:r>
               <a:rPr lang="en-US" dirty="0" err="1"/>
               <a:t>TestMethod</a:t>
             </a:r>
-            <a:endParaRPr lang="en-US" dirty="0"/>
+            <a:r>
+              <a:rPr lang="en-US" dirty="0"/>
+              <a:t>] / [</a:t>
+            </a:r>
+            <a:r>
+              <a:rPr lang="en-US" dirty="0" err="1"/>
+              <a:t>DataTestMethod</a:t>
+            </a:r>
+            <a:r>
+              <a:rPr lang="en-US" dirty="0"/>
+              <a:t>]</a:t>
+            </a:r>
           </a:p>
           <a:p>
             <a:r>
-              <a:rPr lang="en-US" dirty="0" err="1"/>
+              <a:rPr lang="en-US" dirty="0"/>
+              <a:t>MSTest2 closes gaps the original had</a:t>
+            </a:r>
+          </a:p>
+        </p:txBody>
+      </p:sp>
+      <p:sp>
+        <p:nvSpPr>
+          <p:cNvPr id="6" name="Text Placeholder 5">
+            <a:extLst>
+              <a:ext uri="{FF2B5EF4-FFF2-40B4-BE49-F238E27FC236}">
+                <a16:creationId xmlns:a16="http://schemas.microsoft.com/office/drawing/2014/main" id="{01801B2B-D97D-4C3C-AE05-17F5631A0807}"/>
+              </a:ext>
+            </a:extLst>
+          </p:cNvPr>
+          <p:cNvSpPr>
+            <a:spLocks noGrp="1"/>
+          </p:cNvSpPr>
+          <p:nvPr>
+            <p:ph type="body" sz="quarter" idx="3"/>
+          </p:nvPr>
+        </p:nvSpPr>
+        <p:spPr>
+          <a:xfrm>
+            <a:off x="4489053" y="3333842"/>
+            <a:ext cx="3200400" cy="576262"/>
+          </a:xfrm>
+        </p:spPr>
+        <p:txBody>
+          <a:bodyPr/>
+          <a:lstStyle/>
+          <a:p>
+            <a:r>
+              <a:rPr lang="en-US" cap="none" dirty="0" err="1"/>
               <a:t>NUnit</a:t>
             </a:r>
-            <a:endParaRPr lang="en-US" dirty="0"/>
+            <a:endParaRPr lang="en-US" cap="none" dirty="0"/>
           </a:p>
+        </p:txBody>
+      </p:sp>
+      <p:sp>
+        <p:nvSpPr>
+          <p:cNvPr id="12" name="Picture Placeholder 11">
+            <a:extLst>
+              <a:ext uri="{FF2B5EF4-FFF2-40B4-BE49-F238E27FC236}">
+                <a16:creationId xmlns:a16="http://schemas.microsoft.com/office/drawing/2014/main" id="{858B4E78-8BD6-452E-83AF-D15FFB8CD34F}"/>
+              </a:ext>
+            </a:extLst>
+          </p:cNvPr>
+          <p:cNvSpPr>
+            <a:spLocks noGrp="1"/>
+          </p:cNvSpPr>
+          <p:nvPr>
+            <p:ph type="pic" idx="21"/>
+          </p:nvPr>
+        </p:nvSpPr>
+        <p:spPr>
+          <a:xfrm>
+            <a:off x="4489053" y="1066801"/>
+            <a:ext cx="3198940" cy="2184144"/>
+          </a:xfrm>
+        </p:spPr>
+      </p:sp>
+      <p:sp>
+        <p:nvSpPr>
+          <p:cNvPr id="10" name="Text Placeholder 9">
+            <a:extLst>
+              <a:ext uri="{FF2B5EF4-FFF2-40B4-BE49-F238E27FC236}">
+                <a16:creationId xmlns:a16="http://schemas.microsoft.com/office/drawing/2014/main" id="{0DE4AB76-FB92-4B62-A063-26A10B99D3EC}"/>
+              </a:ext>
+            </a:extLst>
+          </p:cNvPr>
+          <p:cNvSpPr>
+            <a:spLocks noGrp="1"/>
+          </p:cNvSpPr>
+          <p:nvPr>
+            <p:ph type="body" sz="half" idx="19"/>
+          </p:nvPr>
+        </p:nvSpPr>
+        <p:spPr>
+          <a:xfrm>
+            <a:off x="4487593" y="3993001"/>
+            <a:ext cx="3200400" cy="1798198"/>
+          </a:xfrm>
+        </p:spPr>
+        <p:txBody>
+          <a:bodyPr/>
+          <a:lstStyle/>
           <a:p>
-            <a:pPr lvl="1"/>
             <a:r>
               <a:rPr lang="en-US" dirty="0"/>
-              <a:t>My preference when working with .NET Framework</a:t>
+              <a:t>Port of frameworks like Junit</a:t>
             </a:r>
           </a:p>
           <a:p>
-            <a:pPr lvl="1"/>
             <a:r>
               <a:rPr lang="en-US" dirty="0"/>
-              <a:t>Test / </a:t>
+              <a:t>[Test] / [</a:t>
             </a:r>
             <a:r>
               <a:rPr lang="en-US" dirty="0" err="1"/>
               <a:t>TestCase</a:t>
             </a:r>
-            <a:endParaRPr lang="en-US" dirty="0"/>
+            <a:r>
+              <a:rPr lang="en-US" dirty="0"/>
+              <a:t>]</a:t>
+            </a:r>
           </a:p>
           <a:p>
             <a:r>
-              <a:rPr lang="en-US" dirty="0" err="1"/>
+              <a:rPr lang="en-US" dirty="0"/>
+              <a:t>Often more integration support</a:t>
+            </a:r>
+          </a:p>
+        </p:txBody>
+      </p:sp>
+      <p:sp>
+        <p:nvSpPr>
+          <p:cNvPr id="7" name="Text Placeholder 6">
+            <a:extLst>
+              <a:ext uri="{FF2B5EF4-FFF2-40B4-BE49-F238E27FC236}">
+                <a16:creationId xmlns:a16="http://schemas.microsoft.com/office/drawing/2014/main" id="{8E817CC6-14B4-41AA-9E8F-A4EDE9583978}"/>
+              </a:ext>
+            </a:extLst>
+          </p:cNvPr>
+          <p:cNvSpPr>
+            <a:spLocks noGrp="1"/>
+          </p:cNvSpPr>
+          <p:nvPr>
+            <p:ph type="body" sz="quarter" idx="13"/>
+          </p:nvPr>
+        </p:nvSpPr>
+        <p:spPr>
+          <a:xfrm>
+            <a:off x="7852567" y="3333842"/>
+            <a:ext cx="3190741" cy="576262"/>
+          </a:xfrm>
+        </p:spPr>
+        <p:txBody>
+          <a:bodyPr/>
+          <a:lstStyle/>
+          <a:p>
+            <a:r>
+              <a:rPr lang="en-US" cap="none" dirty="0" err="1"/>
               <a:t>XUnit</a:t>
             </a:r>
-            <a:endParaRPr lang="en-US" dirty="0"/>
+            <a:endParaRPr lang="en-US" cap="none" dirty="0"/>
           </a:p>
+        </p:txBody>
+      </p:sp>
+      <p:sp>
+        <p:nvSpPr>
+          <p:cNvPr id="13" name="Picture Placeholder 12">
+            <a:extLst>
+              <a:ext uri="{FF2B5EF4-FFF2-40B4-BE49-F238E27FC236}">
+                <a16:creationId xmlns:a16="http://schemas.microsoft.com/office/drawing/2014/main" id="{B335A428-A229-4DCC-AD60-645CC3318584}"/>
+              </a:ext>
+            </a:extLst>
+          </p:cNvPr>
+          <p:cNvSpPr>
+            <a:spLocks noGrp="1"/>
+          </p:cNvSpPr>
+          <p:nvPr>
+            <p:ph type="pic" idx="22"/>
+          </p:nvPr>
+        </p:nvSpPr>
+        <p:spPr>
+          <a:xfrm>
+            <a:off x="7852442" y="1066801"/>
+            <a:ext cx="3194969" cy="2184144"/>
+          </a:xfrm>
+        </p:spPr>
+      </p:sp>
+      <p:sp>
+        <p:nvSpPr>
+          <p:cNvPr id="11" name="Text Placeholder 10">
+            <a:extLst>
+              <a:ext uri="{FF2B5EF4-FFF2-40B4-BE49-F238E27FC236}">
+                <a16:creationId xmlns:a16="http://schemas.microsoft.com/office/drawing/2014/main" id="{EE362B84-2674-4D73-8BF1-A7BF8C673B18}"/>
+              </a:ext>
+            </a:extLst>
+          </p:cNvPr>
+          <p:cNvSpPr>
+            <a:spLocks noGrp="1"/>
+          </p:cNvSpPr>
+          <p:nvPr>
+            <p:ph type="body" sz="half" idx="20"/>
+          </p:nvPr>
+        </p:nvSpPr>
+        <p:spPr>
+          <a:xfrm>
+            <a:off x="7852442" y="3993002"/>
+            <a:ext cx="3194968" cy="1798198"/>
+          </a:xfrm>
+        </p:spPr>
+        <p:txBody>
+          <a:bodyPr/>
+          <a:lstStyle/>
           <a:p>
-            <a:pPr lvl="1"/>
             <a:r>
               <a:rPr lang="en-US" dirty="0"/>
-              <a:t>My preference when working with .NET Core</a:t>
+              <a:t>More recent addition</a:t>
             </a:r>
           </a:p>
           <a:p>
-            <a:pPr lvl="1"/>
             <a:r>
               <a:rPr lang="en-US" dirty="0"/>
-              <a:t>Fact / Theory</a:t>
+              <a:t>[Fact] / [Theory]</a:t>
+            </a:r>
+          </a:p>
+          <a:p>
+            <a:r>
+              <a:rPr lang="en-US" dirty="0"/>
+              <a:t>More favored in .NET Core applications</a:t>
             </a:r>
           </a:p>
         </p:txBody>
@@ -25803,6 +29285,152 @@
           </a:p>
         </p:txBody>
       </p:sp>
+      <p:pic>
+        <p:nvPicPr>
+          <p:cNvPr id="2050" name="Picture 2" descr="Image result for XUnit">
+            <a:extLst>
+              <a:ext uri="{FF2B5EF4-FFF2-40B4-BE49-F238E27FC236}">
+                <a16:creationId xmlns:a16="http://schemas.microsoft.com/office/drawing/2014/main" id="{8BFA16FF-5ED1-41DB-BEE8-A9D35AA62711}"/>
+              </a:ext>
+            </a:extLst>
+          </p:cNvPr>
+          <p:cNvPicPr>
+            <a:picLocks noChangeAspect="1" noChangeArrowheads="1"/>
+          </p:cNvPicPr>
+          <p:nvPr/>
+        </p:nvPicPr>
+        <p:blipFill>
+          <a:blip r:embed="rId3">
+            <a:extLst>
+              <a:ext uri="{28A0092B-C50C-407E-A947-70E740481C1C}">
+                <a14:useLocalDpi xmlns:a14="http://schemas.microsoft.com/office/drawing/2010/main" val="0"/>
+              </a:ext>
+            </a:extLst>
+          </a:blip>
+          <a:srcRect/>
+          <a:stretch>
+            <a:fillRect/>
+          </a:stretch>
+        </p:blipFill>
+        <p:spPr bwMode="auto">
+          <a:xfrm>
+            <a:off x="8497777" y="1241954"/>
+            <a:ext cx="1816282" cy="1816282"/>
+          </a:xfrm>
+          <a:prstGeom prst="rect">
+            <a:avLst/>
+          </a:prstGeom>
+          <a:noFill/>
+          <a:extLst>
+            <a:ext uri="{909E8E84-426E-40DD-AFC4-6F175D3DCCD1}">
+              <a14:hiddenFill xmlns:a14="http://schemas.microsoft.com/office/drawing/2010/main">
+                <a:solidFill>
+                  <a:srgbClr val="FFFFFF"/>
+                </a:solidFill>
+              </a14:hiddenFill>
+            </a:ext>
+          </a:extLst>
+        </p:spPr>
+      </p:pic>
+      <p:pic>
+        <p:nvPicPr>
+          <p:cNvPr id="2052" name="Picture 4" descr="Image result for NUnit">
+            <a:extLst>
+              <a:ext uri="{FF2B5EF4-FFF2-40B4-BE49-F238E27FC236}">
+                <a16:creationId xmlns:a16="http://schemas.microsoft.com/office/drawing/2014/main" id="{DD31E7DB-5638-41E6-BDF4-D1EE00A15FBD}"/>
+              </a:ext>
+            </a:extLst>
+          </p:cNvPr>
+          <p:cNvPicPr>
+            <a:picLocks noChangeAspect="1" noChangeArrowheads="1"/>
+          </p:cNvPicPr>
+          <p:nvPr/>
+        </p:nvPicPr>
+        <p:blipFill>
+          <a:blip r:embed="rId4">
+            <a:extLst>
+              <a:ext uri="{28A0092B-C50C-407E-A947-70E740481C1C}">
+                <a14:useLocalDpi xmlns:a14="http://schemas.microsoft.com/office/drawing/2010/main" val="0"/>
+              </a:ext>
+            </a:extLst>
+          </a:blip>
+          <a:srcRect/>
+          <a:stretch>
+            <a:fillRect/>
+          </a:stretch>
+        </p:blipFill>
+        <p:spPr bwMode="auto">
+          <a:xfrm>
+            <a:off x="5186269" y="1154413"/>
+            <a:ext cx="1816282" cy="1816282"/>
+          </a:xfrm>
+          <a:prstGeom prst="rect">
+            <a:avLst/>
+          </a:prstGeom>
+          <a:noFill/>
+          <a:extLst>
+            <a:ext uri="{909E8E84-426E-40DD-AFC4-6F175D3DCCD1}">
+              <a14:hiddenFill xmlns:a14="http://schemas.microsoft.com/office/drawing/2010/main">
+                <a:solidFill>
+                  <a:srgbClr val="FFFFFF"/>
+                </a:solidFill>
+              </a14:hiddenFill>
+            </a:ext>
+          </a:extLst>
+        </p:spPr>
+      </p:pic>
+      <p:pic>
+        <p:nvPicPr>
+          <p:cNvPr id="3" name="Picture 2">
+            <a:extLst>
+              <a:ext uri="{FF2B5EF4-FFF2-40B4-BE49-F238E27FC236}">
+                <a16:creationId xmlns:a16="http://schemas.microsoft.com/office/drawing/2014/main" id="{D438FFE3-D76F-4F25-A9BE-C2D32B66722F}"/>
+              </a:ext>
+            </a:extLst>
+          </p:cNvPr>
+          <p:cNvPicPr>
+            <a:picLocks noChangeAspect="1"/>
+          </p:cNvPicPr>
+          <p:nvPr/>
+        </p:nvPicPr>
+        <p:blipFill>
+          <a:blip r:embed="rId5">
+            <a:extLst>
+              <a:ext uri="{BEBA8EAE-BF5A-486C-A8C5-ECC9F3942E4B}">
+                <a14:imgProps xmlns:a14="http://schemas.microsoft.com/office/drawing/2010/main">
+                  <a14:imgLayer r:embed="rId6">
+                    <a14:imgEffect>
+                      <a14:backgroundRemoval t="0" b="98193" l="0" r="97175">
+                        <a14:foregroundMark x1="24294" y1="4819" x2="76271" y2="59036"/>
+                        <a14:foregroundMark x1="25424" y1="58434" x2="71186" y2="10843"/>
+                        <a14:foregroundMark x1="14689" y1="80120" x2="14689" y2="80120"/>
+                        <a14:foregroundMark x1="28814" y1="84940" x2="31073" y2="89157"/>
+                        <a14:foregroundMark x1="41808" y1="85542" x2="41243" y2="76506"/>
+                        <a14:foregroundMark x1="53672" y1="86747" x2="62147" y2="86747"/>
+                        <a14:foregroundMark x1="71186" y1="84337" x2="78531" y2="87952"/>
+                        <a14:foregroundMark x1="90395" y1="89759" x2="89831" y2="79518"/>
+                        <a14:foregroundMark x1="50282" y1="26506" x2="50847" y2="9036"/>
+                      </a14:backgroundRemoval>
+                    </a14:imgEffect>
+                  </a14:imgLayer>
+                </a14:imgProps>
+              </a:ext>
+            </a:extLst>
+          </a:blip>
+          <a:stretch>
+            <a:fillRect/>
+          </a:stretch>
+        </p:blipFill>
+        <p:spPr>
+          <a:xfrm>
+            <a:off x="1877941" y="1359520"/>
+            <a:ext cx="1685925" cy="1581150"/>
+          </a:xfrm>
+          <a:prstGeom prst="rect">
+            <a:avLst/>
+          </a:prstGeom>
+        </p:spPr>
+      </p:pic>
     </p:spTree>
     <p:extLst>
       <p:ext uri="{BB962C8B-B14F-4D97-AF65-F5344CB8AC3E}">
@@ -25849,47 +29477,57 @@
             <p:ph type="title"/>
           </p:nvPr>
         </p:nvSpPr>
-        <p:spPr/>
+        <p:spPr>
+          <a:xfrm>
+            <a:off x="1141413" y="0"/>
+            <a:ext cx="9905998" cy="1478570"/>
+          </a:xfrm>
+        </p:spPr>
         <p:txBody>
           <a:bodyPr/>
           <a:lstStyle/>
           <a:p>
             <a:r>
               <a:rPr lang="en-US" cap="none" dirty="0"/>
-              <a:t>Parameterized Unit Tests</a:t>
+              <a:t>Test Driven Development (TDD)</a:t>
             </a:r>
           </a:p>
         </p:txBody>
       </p:sp>
-      <p:sp>
-        <p:nvSpPr>
-          <p:cNvPr id="5" name="Content Placeholder 4">
+      <p:graphicFrame>
+        <p:nvGraphicFramePr>
+          <p:cNvPr id="6" name="Content Placeholder 1">
             <a:extLst>
               <a:ext uri="{FF2B5EF4-FFF2-40B4-BE49-F238E27FC236}">
-                <a16:creationId xmlns:a16="http://schemas.microsoft.com/office/drawing/2014/main" id="{BF24FDFA-3F46-41F2-9499-79EDCEF806BD}"/>
+                <a16:creationId xmlns:a16="http://schemas.microsoft.com/office/drawing/2014/main" id="{78431A1F-4F19-4E58-A40E-C4B9296F5039}"/>
               </a:ext>
             </a:extLst>
           </p:cNvPr>
-          <p:cNvSpPr>
-            <a:spLocks noGrp="1"/>
-          </p:cNvSpPr>
+          <p:cNvGraphicFramePr>
+            <a:graphicFrameLocks/>
+          </p:cNvGraphicFramePr>
           <p:nvPr>
-            <p:ph idx="1"/>
+            <p:extLst>
+              <p:ext uri="{D42A27DB-BD31-4B8C-83A1-F6EECF244321}">
+                <p14:modId xmlns:p14="http://schemas.microsoft.com/office/powerpoint/2010/main" val="4202551706"/>
+              </p:ext>
+            </p:extLst>
           </p:nvPr>
-        </p:nvSpPr>
-        <p:spPr/>
-        <p:txBody>
-          <a:bodyPr/>
-          <a:lstStyle/>
-          <a:p>
-            <a:endParaRPr lang="en-US"/>
-          </a:p>
-        </p:txBody>
-      </p:sp>
+        </p:nvGraphicFramePr>
+        <p:xfrm>
+          <a:off x="3009418" y="1286719"/>
+          <a:ext cx="6863787" cy="5472897"/>
+        </p:xfrm>
+        <a:graphic>
+          <a:graphicData uri="http://schemas.openxmlformats.org/drawingml/2006/diagram">
+            <dgm:relIds xmlns:dgm="http://schemas.openxmlformats.org/drawingml/2006/diagram" xmlns:r="http://schemas.openxmlformats.org/officeDocument/2006/relationships" r:dm="rId2" r:lo="rId3" r:qs="rId4" r:cs="rId5"/>
+          </a:graphicData>
+        </a:graphic>
+      </p:graphicFrame>
     </p:spTree>
     <p:extLst>
       <p:ext uri="{BB962C8B-B14F-4D97-AF65-F5344CB8AC3E}">
-        <p14:creationId xmlns:p14="http://schemas.microsoft.com/office/powerpoint/2010/main" val="3604370173"/>
+        <p14:creationId xmlns:p14="http://schemas.microsoft.com/office/powerpoint/2010/main" val="892835675"/>
       </p:ext>
     </p:extLst>
   </p:cSld>
@@ -25932,24 +29570,29 @@
             <p:ph type="title"/>
           </p:nvPr>
         </p:nvSpPr>
-        <p:spPr/>
+        <p:spPr>
+          <a:xfrm>
+            <a:off x="1141413" y="0"/>
+            <a:ext cx="9905998" cy="1478570"/>
+          </a:xfrm>
+        </p:spPr>
         <p:txBody>
           <a:bodyPr/>
           <a:lstStyle/>
           <a:p>
             <a:r>
               <a:rPr lang="en-US" cap="none" dirty="0"/>
-              <a:t>“Untestable” Code</a:t>
+              <a:t>But I can’t test my code because _______________ !</a:t>
             </a:r>
           </a:p>
         </p:txBody>
       </p:sp>
       <p:sp>
         <p:nvSpPr>
-          <p:cNvPr id="5" name="Content Placeholder 4">
+          <p:cNvPr id="3" name="Content Placeholder 2">
             <a:extLst>
               <a:ext uri="{FF2B5EF4-FFF2-40B4-BE49-F238E27FC236}">
-                <a16:creationId xmlns:a16="http://schemas.microsoft.com/office/drawing/2014/main" id="{BF24FDFA-3F46-41F2-9499-79EDCEF806BD}"/>
+                <a16:creationId xmlns:a16="http://schemas.microsoft.com/office/drawing/2014/main" id="{0304F63E-1353-460F-B83E-885EACD53884}"/>
               </a:ext>
             </a:extLst>
           </p:cNvPr>
@@ -25962,66 +29605,82 @@
         </p:nvSpPr>
         <p:spPr/>
         <p:txBody>
-          <a:bodyPr>
-            <a:normAutofit lnSpcReduction="10000"/>
-          </a:bodyPr>
+          <a:bodyPr/>
           <a:lstStyle/>
           <a:p>
-            <a:r>
-              <a:rPr lang="en-US" dirty="0"/>
-              <a:t>Too many dependencies</a:t>
-            </a:r>
-          </a:p>
-          <a:p>
-            <a:r>
-              <a:rPr lang="en-US" dirty="0"/>
-              <a:t>Too large / too tightly coupled</a:t>
-            </a:r>
-          </a:p>
-          <a:p>
-            <a:r>
-              <a:rPr lang="en-US" dirty="0"/>
-              <a:t>Relies on external systems</a:t>
-            </a:r>
-          </a:p>
-          <a:p>
-            <a:pPr lvl="1"/>
-            <a:r>
-              <a:rPr lang="en-US" dirty="0"/>
-              <a:t>Database</a:t>
-            </a:r>
-          </a:p>
-          <a:p>
-            <a:pPr lvl="1"/>
-            <a:r>
-              <a:rPr lang="en-US" dirty="0"/>
-              <a:t>Web Service</a:t>
-            </a:r>
-          </a:p>
-          <a:p>
-            <a:pPr lvl="1"/>
-            <a:r>
-              <a:rPr lang="en-US" dirty="0"/>
-              <a:t>File System</a:t>
-            </a:r>
-          </a:p>
-          <a:p>
-            <a:pPr lvl="1"/>
-            <a:r>
-              <a:rPr lang="en-US" dirty="0" err="1"/>
-              <a:t>DateTime.Now</a:t>
-            </a:r>
-            <a:endParaRPr lang="en-US" dirty="0"/>
-          </a:p>
-          <a:p>
-            <a:pPr lvl="1"/>
-            <a:r>
-              <a:rPr lang="en-US" dirty="0"/>
-              <a:t>Random number generation</a:t>
-            </a:r>
+            <a:endParaRPr lang="en-US"/>
           </a:p>
         </p:txBody>
       </p:sp>
+      <p:pic>
+        <p:nvPicPr>
+          <p:cNvPr id="3074" name="Picture 2" descr="Image result for I can't test my code because">
+            <a:extLst>
+              <a:ext uri="{FF2B5EF4-FFF2-40B4-BE49-F238E27FC236}">
+                <a16:creationId xmlns:a16="http://schemas.microsoft.com/office/drawing/2014/main" id="{0D936500-B918-4F85-9350-47E1F6CBB213}"/>
+              </a:ext>
+            </a:extLst>
+          </p:cNvPr>
+          <p:cNvPicPr>
+            <a:picLocks noChangeAspect="1" noChangeArrowheads="1"/>
+          </p:cNvPicPr>
+          <p:nvPr/>
+        </p:nvPicPr>
+        <p:blipFill>
+          <a:blip r:embed="rId2">
+            <a:extLst>
+              <a:ext uri="{28A0092B-C50C-407E-A947-70E740481C1C}">
+                <a14:useLocalDpi xmlns:a14="http://schemas.microsoft.com/office/drawing/2010/main" val="0"/>
+              </a:ext>
+            </a:extLst>
+          </a:blip>
+          <a:srcRect/>
+          <a:stretch>
+            <a:fillRect/>
+          </a:stretch>
+        </p:blipFill>
+        <p:spPr bwMode="auto">
+          <a:xfrm>
+            <a:off x="4097483" y="1351248"/>
+            <a:ext cx="3580346" cy="5012484"/>
+          </a:xfrm>
+          <a:prstGeom prst="rect">
+            <a:avLst/>
+          </a:prstGeom>
+          <a:noFill/>
+          <a:ln>
+            <a:noFill/>
+          </a:ln>
+          <a:effectLst>
+            <a:outerShdw blurRad="50800" dist="38100" dir="2700000" algn="tl" rotWithShape="0">
+              <a:prstClr val="black">
+                <a:alpha val="40000"/>
+              </a:prstClr>
+            </a:outerShdw>
+          </a:effectLst>
+          <a:scene3d>
+            <a:camera prst="perspectiveFront" fov="3300000">
+              <a:rot lat="120000" lon="900000" rev="60000"/>
+            </a:camera>
+            <a:lightRig rig="threePt" dir="t"/>
+          </a:scene3d>
+          <a:sp3d extrusionH="635000" contourW="19050" prstMaterial="flat">
+            <a:bevelB w="82550" h="44450" prst="angle"/>
+            <a:contourClr>
+              <a:srgbClr val="FFFFFF"/>
+            </a:contourClr>
+          </a:sp3d>
+          <a:extLst>
+            <a:ext uri="{909E8E84-426E-40DD-AFC4-6F175D3DCCD1}">
+              <a14:hiddenFill xmlns:a14="http://schemas.microsoft.com/office/drawing/2010/main">
+                <a:solidFill>
+                  <a:srgbClr val="FFFFFF"/>
+                </a:solidFill>
+              </a14:hiddenFill>
+            </a:ext>
+          </a:extLst>
+        </p:spPr>
+      </p:pic>
     </p:spTree>
     <p:extLst>
       <p:ext uri="{BB962C8B-B14F-4D97-AF65-F5344CB8AC3E}">
@@ -26189,24 +29848,29 @@
             <p:ph type="title"/>
           </p:nvPr>
         </p:nvSpPr>
-        <p:spPr/>
+        <p:spPr>
+          <a:xfrm>
+            <a:off x="1141413" y="0"/>
+            <a:ext cx="9905998" cy="1478570"/>
+          </a:xfrm>
+        </p:spPr>
         <p:txBody>
           <a:bodyPr/>
           <a:lstStyle/>
           <a:p>
             <a:r>
               <a:rPr lang="en-US" cap="none" dirty="0"/>
-              <a:t>Making “Untestable” Code More Testable</a:t>
+              <a:t>But I can’t test my code because _______________ !</a:t>
             </a:r>
           </a:p>
         </p:txBody>
       </p:sp>
       <p:sp>
         <p:nvSpPr>
-          <p:cNvPr id="5" name="Content Placeholder 4">
+          <p:cNvPr id="3" name="Content Placeholder 2">
             <a:extLst>
               <a:ext uri="{FF2B5EF4-FFF2-40B4-BE49-F238E27FC236}">
-                <a16:creationId xmlns:a16="http://schemas.microsoft.com/office/drawing/2014/main" id="{BF24FDFA-3F46-41F2-9499-79EDCEF806BD}"/>
+                <a16:creationId xmlns:a16="http://schemas.microsoft.com/office/drawing/2014/main" id="{0304F63E-1353-460F-B83E-885EACD53884}"/>
               </a:ext>
             </a:extLst>
           </p:cNvPr>
@@ -26222,41 +29886,86 @@
           <a:bodyPr/>
           <a:lstStyle/>
           <a:p>
+            <a:pPr marL="0" indent="0">
+              <a:buNone/>
+            </a:pPr>
             <a:r>
               <a:rPr lang="en-US" dirty="0"/>
-              <a:t>Refactor unwieldy code</a:t>
+              <a:t>Some options:</a:t>
+            </a:r>
+            <a:br>
+              <a:rPr lang="en-US" dirty="0"/>
+            </a:br>
+            <a:endParaRPr lang="en-US" dirty="0"/>
+          </a:p>
+          <a:p>
+            <a:pPr marL="457200" indent="-457200">
+              <a:buFont typeface="+mj-lt"/>
+              <a:buAutoNum type="arabicPeriod"/>
+            </a:pPr>
+            <a:r>
+              <a:rPr lang="en-US" dirty="0"/>
+              <a:t>Remove the database dependency via Dependency Injection</a:t>
             </a:r>
           </a:p>
           <a:p>
-            <a:pPr lvl="1"/>
+            <a:pPr marL="457200" indent="-457200">
+              <a:buFont typeface="+mj-lt"/>
+              <a:buAutoNum type="arabicPeriod"/>
+            </a:pPr>
             <a:r>
               <a:rPr lang="en-US" dirty="0"/>
-              <a:t>Aim for classes / methods that follow the Single Responsibility Principle</a:t>
+              <a:t>Use Entity Framework and in-memory database tests</a:t>
             </a:r>
           </a:p>
           <a:p>
+            <a:pPr marL="457200" indent="-457200">
+              <a:buFont typeface="+mj-lt"/>
+              <a:buAutoNum type="arabicPeriod"/>
+            </a:pPr>
             <a:r>
               <a:rPr lang="en-US" dirty="0"/>
-              <a:t>Extract small interfaces for dependencies</a:t>
+              <a:t>Keep talking to the database, but work around the limitation</a:t>
             </a:r>
           </a:p>
+        </p:txBody>
+      </p:sp>
+      <p:sp>
+        <p:nvSpPr>
+          <p:cNvPr id="2" name="TextBox 1">
+            <a:extLst>
+              <a:ext uri="{FF2B5EF4-FFF2-40B4-BE49-F238E27FC236}">
+                <a16:creationId xmlns:a16="http://schemas.microsoft.com/office/drawing/2014/main" id="{252166A2-2822-46A3-A3F4-EB7C574EB957}"/>
+              </a:ext>
+            </a:extLst>
+          </p:cNvPr>
+          <p:cNvSpPr txBox="1"/>
+          <p:nvPr/>
+        </p:nvSpPr>
+        <p:spPr>
+          <a:xfrm>
+            <a:off x="7153155" y="539230"/>
+            <a:ext cx="3393878" cy="400110"/>
+          </a:xfrm>
+          <a:prstGeom prst="rect">
+            <a:avLst/>
+          </a:prstGeom>
+          <a:noFill/>
+        </p:spPr>
+        <p:txBody>
+          <a:bodyPr wrap="none" rtlCol="0">
+            <a:spAutoFit/>
+          </a:bodyPr>
+          <a:lstStyle/>
           <a:p>
             <a:r>
-              <a:rPr lang="en-US" dirty="0"/>
-              <a:t>Replace interfaces at time of test with mock objects</a:t>
-            </a:r>
-          </a:p>
-          <a:p>
-            <a:pPr lvl="1"/>
-            <a:r>
-              <a:rPr lang="en-US" dirty="0"/>
-              <a:t>May be controversial – some people advocate not modifying code for testing purposes</a:t>
-            </a:r>
-          </a:p>
-          <a:p>
-            <a:r>
-              <a:rPr lang="en-US" dirty="0"/>
-              <a:t>Try to isolate the aspects of your system that integrate with external resources</a:t>
+              <a:rPr lang="en-US" sz="2000" dirty="0">
+                <a:solidFill>
+                  <a:srgbClr val="FFFF00"/>
+                </a:solidFill>
+                <a:latin typeface="Segoe Script" panose="030B0504020000000003" pitchFamily="66" charset="0"/>
+              </a:rPr>
+              <a:t>Database Dependencies</a:t>
             </a:r>
           </a:p>
         </p:txBody>
@@ -26264,13 +29973,245 @@
     </p:spTree>
     <p:extLst>
       <p:ext uri="{BB962C8B-B14F-4D97-AF65-F5344CB8AC3E}">
-        <p14:creationId xmlns:p14="http://schemas.microsoft.com/office/powerpoint/2010/main" val="2482893536"/>
+        <p14:creationId xmlns:p14="http://schemas.microsoft.com/office/powerpoint/2010/main" val="1040069708"/>
       </p:ext>
     </p:extLst>
   </p:cSld>
   <p:clrMapOvr>
     <a:masterClrMapping/>
   </p:clrMapOvr>
+  <p:timing>
+    <p:tnLst>
+      <p:par>
+        <p:cTn id="1" dur="indefinite" restart="never" nodeType="tmRoot">
+          <p:childTnLst>
+            <p:seq concurrent="1" nextAc="seek">
+              <p:cTn id="2" dur="indefinite" nodeType="mainSeq">
+                <p:childTnLst>
+                  <p:par>
+                    <p:cTn id="3" fill="hold">
+                      <p:stCondLst>
+                        <p:cond delay="indefinite"/>
+                        <p:cond evt="onBegin" delay="0">
+                          <p:tn val="2"/>
+                        </p:cond>
+                      </p:stCondLst>
+                      <p:childTnLst>
+                        <p:par>
+                          <p:cTn id="4" fill="hold">
+                            <p:stCondLst>
+                              <p:cond delay="0"/>
+                            </p:stCondLst>
+                            <p:childTnLst>
+                              <p:par>
+                                <p:cTn id="5" presetID="1" presetClass="entr" presetSubtype="0" fill="hold" grpId="0" nodeType="withEffect">
+                                  <p:stCondLst>
+                                    <p:cond delay="0"/>
+                                  </p:stCondLst>
+                                  <p:childTnLst>
+                                    <p:set>
+                                      <p:cBhvr>
+                                        <p:cTn id="6" dur="1" fill="hold">
+                                          <p:stCondLst>
+                                            <p:cond delay="0"/>
+                                          </p:stCondLst>
+                                        </p:cTn>
+                                        <p:tgtEl>
+                                          <p:spTgt spid="3">
+                                            <p:txEl>
+                                              <p:pRg st="0" end="0"/>
+                                            </p:txEl>
+                                          </p:spTgt>
+                                        </p:tgtEl>
+                                        <p:attrNameLst>
+                                          <p:attrName>style.visibility</p:attrName>
+                                        </p:attrNameLst>
+                                      </p:cBhvr>
+                                      <p:to>
+                                        <p:strVal val="visible"/>
+                                      </p:to>
+                                    </p:set>
+                                  </p:childTnLst>
+                                </p:cTn>
+                              </p:par>
+                            </p:childTnLst>
+                          </p:cTn>
+                        </p:par>
+                      </p:childTnLst>
+                    </p:cTn>
+                  </p:par>
+                  <p:par>
+                    <p:cTn id="7" fill="hold">
+                      <p:stCondLst>
+                        <p:cond delay="indefinite"/>
+                      </p:stCondLst>
+                      <p:childTnLst>
+                        <p:par>
+                          <p:cTn id="8" fill="hold">
+                            <p:stCondLst>
+                              <p:cond delay="0"/>
+                            </p:stCondLst>
+                            <p:childTnLst>
+                              <p:par>
+                                <p:cTn id="9" presetID="1" presetClass="entr" presetSubtype="0" fill="hold" grpId="0" nodeType="clickEffect">
+                                  <p:stCondLst>
+                                    <p:cond delay="0"/>
+                                  </p:stCondLst>
+                                  <p:childTnLst>
+                                    <p:set>
+                                      <p:cBhvr>
+                                        <p:cTn id="10" dur="1" fill="hold">
+                                          <p:stCondLst>
+                                            <p:cond delay="0"/>
+                                          </p:stCondLst>
+                                        </p:cTn>
+                                        <p:tgtEl>
+                                          <p:spTgt spid="3">
+                                            <p:txEl>
+                                              <p:pRg st="1" end="1"/>
+                                            </p:txEl>
+                                          </p:spTgt>
+                                        </p:tgtEl>
+                                        <p:attrNameLst>
+                                          <p:attrName>style.visibility</p:attrName>
+                                        </p:attrNameLst>
+                                      </p:cBhvr>
+                                      <p:to>
+                                        <p:strVal val="visible"/>
+                                      </p:to>
+                                    </p:set>
+                                  </p:childTnLst>
+                                </p:cTn>
+                              </p:par>
+                            </p:childTnLst>
+                          </p:cTn>
+                        </p:par>
+                      </p:childTnLst>
+                    </p:cTn>
+                  </p:par>
+                  <p:par>
+                    <p:cTn id="11" fill="hold">
+                      <p:stCondLst>
+                        <p:cond delay="indefinite"/>
+                      </p:stCondLst>
+                      <p:childTnLst>
+                        <p:par>
+                          <p:cTn id="12" fill="hold">
+                            <p:stCondLst>
+                              <p:cond delay="0"/>
+                            </p:stCondLst>
+                            <p:childTnLst>
+                              <p:par>
+                                <p:cTn id="13" presetID="1" presetClass="entr" presetSubtype="0" fill="hold" grpId="0" nodeType="clickEffect">
+                                  <p:stCondLst>
+                                    <p:cond delay="0"/>
+                                  </p:stCondLst>
+                                  <p:childTnLst>
+                                    <p:set>
+                                      <p:cBhvr>
+                                        <p:cTn id="14" dur="1" fill="hold">
+                                          <p:stCondLst>
+                                            <p:cond delay="0"/>
+                                          </p:stCondLst>
+                                        </p:cTn>
+                                        <p:tgtEl>
+                                          <p:spTgt spid="3">
+                                            <p:txEl>
+                                              <p:pRg st="2" end="2"/>
+                                            </p:txEl>
+                                          </p:spTgt>
+                                        </p:tgtEl>
+                                        <p:attrNameLst>
+                                          <p:attrName>style.visibility</p:attrName>
+                                        </p:attrNameLst>
+                                      </p:cBhvr>
+                                      <p:to>
+                                        <p:strVal val="visible"/>
+                                      </p:to>
+                                    </p:set>
+                                  </p:childTnLst>
+                                </p:cTn>
+                              </p:par>
+                            </p:childTnLst>
+                          </p:cTn>
+                        </p:par>
+                      </p:childTnLst>
+                    </p:cTn>
+                  </p:par>
+                  <p:par>
+                    <p:cTn id="15" fill="hold">
+                      <p:stCondLst>
+                        <p:cond delay="indefinite"/>
+                      </p:stCondLst>
+                      <p:childTnLst>
+                        <p:par>
+                          <p:cTn id="16" fill="hold">
+                            <p:stCondLst>
+                              <p:cond delay="0"/>
+                            </p:stCondLst>
+                            <p:childTnLst>
+                              <p:par>
+                                <p:cTn id="17" presetID="1" presetClass="entr" presetSubtype="0" fill="hold" grpId="0" nodeType="clickEffect">
+                                  <p:stCondLst>
+                                    <p:cond delay="0"/>
+                                  </p:stCondLst>
+                                  <p:childTnLst>
+                                    <p:set>
+                                      <p:cBhvr>
+                                        <p:cTn id="18" dur="1" fill="hold">
+                                          <p:stCondLst>
+                                            <p:cond delay="0"/>
+                                          </p:stCondLst>
+                                        </p:cTn>
+                                        <p:tgtEl>
+                                          <p:spTgt spid="3">
+                                            <p:txEl>
+                                              <p:pRg st="3" end="3"/>
+                                            </p:txEl>
+                                          </p:spTgt>
+                                        </p:tgtEl>
+                                        <p:attrNameLst>
+                                          <p:attrName>style.visibility</p:attrName>
+                                        </p:attrNameLst>
+                                      </p:cBhvr>
+                                      <p:to>
+                                        <p:strVal val="visible"/>
+                                      </p:to>
+                                    </p:set>
+                                  </p:childTnLst>
+                                </p:cTn>
+                              </p:par>
+                            </p:childTnLst>
+                          </p:cTn>
+                        </p:par>
+                      </p:childTnLst>
+                    </p:cTn>
+                  </p:par>
+                </p:childTnLst>
+              </p:cTn>
+              <p:prevCondLst>
+                <p:cond evt="onPrev" delay="0">
+                  <p:tgtEl>
+                    <p:sldTgt/>
+                  </p:tgtEl>
+                </p:cond>
+              </p:prevCondLst>
+              <p:nextCondLst>
+                <p:cond evt="onNext" delay="0">
+                  <p:tgtEl>
+                    <p:sldTgt/>
+                  </p:tgtEl>
+                </p:cond>
+              </p:nextCondLst>
+            </p:seq>
+          </p:childTnLst>
+        </p:cTn>
+      </p:par>
+    </p:tnLst>
+    <p:bldLst>
+      <p:bldP spid="3" grpId="0" uiExpand="1" build="p"/>
+    </p:bldLst>
+  </p:timing>
 </p:sld>
 </file>
 
@@ -26307,24 +30248,29 @@
             <p:ph type="title"/>
           </p:nvPr>
         </p:nvSpPr>
-        <p:spPr/>
+        <p:spPr>
+          <a:xfrm>
+            <a:off x="1141413" y="0"/>
+            <a:ext cx="9905998" cy="1478570"/>
+          </a:xfrm>
+        </p:spPr>
         <p:txBody>
           <a:bodyPr/>
           <a:lstStyle/>
           <a:p>
             <a:r>
               <a:rPr lang="en-US" cap="none" dirty="0"/>
-              <a:t>Sample Mock Object</a:t>
+              <a:t>But I can’t test my code because _______________ !</a:t>
             </a:r>
           </a:p>
         </p:txBody>
       </p:sp>
       <p:sp>
         <p:nvSpPr>
-          <p:cNvPr id="5" name="Content Placeholder 4">
+          <p:cNvPr id="3" name="Content Placeholder 2">
             <a:extLst>
               <a:ext uri="{FF2B5EF4-FFF2-40B4-BE49-F238E27FC236}">
-                <a16:creationId xmlns:a16="http://schemas.microsoft.com/office/drawing/2014/main" id="{BF24FDFA-3F46-41F2-9499-79EDCEF806BD}"/>
+                <a16:creationId xmlns:a16="http://schemas.microsoft.com/office/drawing/2014/main" id="{0304F63E-1353-460F-B83E-885EACD53884}"/>
               </a:ext>
             </a:extLst>
           </p:cNvPr>
@@ -26343,24 +30289,766 @@
             <a:pPr marL="0" indent="0">
               <a:buNone/>
             </a:pPr>
+            <a:r>
+              <a:rPr lang="en-US" dirty="0"/>
+              <a:t>Some options:</a:t>
+            </a:r>
+            <a:br>
+              <a:rPr lang="en-US" dirty="0"/>
+            </a:br>
             <a:endParaRPr lang="en-US" dirty="0"/>
+          </a:p>
+          <a:p>
+            <a:pPr marL="457200" indent="-457200">
+              <a:buFont typeface="+mj-lt"/>
+              <a:buAutoNum type="arabicPeriod"/>
+            </a:pPr>
+            <a:r>
+              <a:rPr lang="en-US" dirty="0"/>
+              <a:t>Then don’t write tests for it.</a:t>
+            </a:r>
+          </a:p>
+          <a:p>
+            <a:pPr marL="457200" indent="-457200">
+              <a:buFont typeface="+mj-lt"/>
+              <a:buAutoNum type="arabicPeriod"/>
+            </a:pPr>
+            <a:r>
+              <a:rPr lang="en-US" dirty="0"/>
+              <a:t>Make the view layer as small and dumb as possible, then test the rest</a:t>
+            </a:r>
+          </a:p>
+          <a:p>
+            <a:pPr marL="457200" indent="-457200">
+              <a:buFont typeface="+mj-lt"/>
+              <a:buAutoNum type="arabicPeriod"/>
+            </a:pPr>
+            <a:r>
+              <a:rPr lang="en-US" dirty="0"/>
+              <a:t>Selenium tests for web / Coded UI tests for desktop</a:t>
+            </a:r>
+          </a:p>
+          <a:p>
+            <a:pPr marL="457200" indent="-457200">
+              <a:buFont typeface="+mj-lt"/>
+              <a:buAutoNum type="arabicPeriod"/>
+            </a:pPr>
+            <a:endParaRPr lang="en-US" dirty="0"/>
+          </a:p>
+        </p:txBody>
+      </p:sp>
+      <p:sp>
+        <p:nvSpPr>
+          <p:cNvPr id="2" name="TextBox 1">
+            <a:extLst>
+              <a:ext uri="{FF2B5EF4-FFF2-40B4-BE49-F238E27FC236}">
+                <a16:creationId xmlns:a16="http://schemas.microsoft.com/office/drawing/2014/main" id="{252166A2-2822-46A3-A3F4-EB7C574EB957}"/>
+              </a:ext>
+            </a:extLst>
+          </p:cNvPr>
+          <p:cNvSpPr txBox="1"/>
+          <p:nvPr/>
+        </p:nvSpPr>
+        <p:spPr>
+          <a:xfrm>
+            <a:off x="7153155" y="539230"/>
+            <a:ext cx="2972289" cy="400110"/>
+          </a:xfrm>
+          <a:prstGeom prst="rect">
+            <a:avLst/>
+          </a:prstGeom>
+          <a:noFill/>
+        </p:spPr>
+        <p:txBody>
+          <a:bodyPr wrap="none" rtlCol="0">
+            <a:spAutoFit/>
+          </a:bodyPr>
+          <a:lstStyle/>
+          <a:p>
+            <a:r>
+              <a:rPr lang="en-US" sz="2000" dirty="0">
+                <a:solidFill>
+                  <a:srgbClr val="FFFF00"/>
+                </a:solidFill>
+                <a:latin typeface="Segoe Script" panose="030B0504020000000003" pitchFamily="66" charset="0"/>
+              </a:rPr>
+              <a:t>it works with the UI</a:t>
+            </a:r>
           </a:p>
         </p:txBody>
       </p:sp>
     </p:spTree>
     <p:extLst>
       <p:ext uri="{BB962C8B-B14F-4D97-AF65-F5344CB8AC3E}">
-        <p14:creationId xmlns:p14="http://schemas.microsoft.com/office/powerpoint/2010/main" val="476389571"/>
+        <p14:creationId xmlns:p14="http://schemas.microsoft.com/office/powerpoint/2010/main" val="1014323186"/>
       </p:ext>
     </p:extLst>
   </p:cSld>
   <p:clrMapOvr>
     <a:masterClrMapping/>
   </p:clrMapOvr>
+  <p:timing>
+    <p:tnLst>
+      <p:par>
+        <p:cTn id="1" dur="indefinite" restart="never" nodeType="tmRoot">
+          <p:childTnLst>
+            <p:seq concurrent="1" nextAc="seek">
+              <p:cTn id="2" dur="indefinite" nodeType="mainSeq">
+                <p:childTnLst>
+                  <p:par>
+                    <p:cTn id="3" fill="hold">
+                      <p:stCondLst>
+                        <p:cond delay="indefinite"/>
+                        <p:cond evt="onBegin" delay="0">
+                          <p:tn val="2"/>
+                        </p:cond>
+                      </p:stCondLst>
+                      <p:childTnLst>
+                        <p:par>
+                          <p:cTn id="4" fill="hold">
+                            <p:stCondLst>
+                              <p:cond delay="0"/>
+                            </p:stCondLst>
+                            <p:childTnLst>
+                              <p:par>
+                                <p:cTn id="5" presetID="1" presetClass="entr" presetSubtype="0" fill="hold" grpId="0" nodeType="withEffect">
+                                  <p:stCondLst>
+                                    <p:cond delay="0"/>
+                                  </p:stCondLst>
+                                  <p:childTnLst>
+                                    <p:set>
+                                      <p:cBhvr>
+                                        <p:cTn id="6" dur="1" fill="hold">
+                                          <p:stCondLst>
+                                            <p:cond delay="0"/>
+                                          </p:stCondLst>
+                                        </p:cTn>
+                                        <p:tgtEl>
+                                          <p:spTgt spid="3">
+                                            <p:txEl>
+                                              <p:pRg st="0" end="0"/>
+                                            </p:txEl>
+                                          </p:spTgt>
+                                        </p:tgtEl>
+                                        <p:attrNameLst>
+                                          <p:attrName>style.visibility</p:attrName>
+                                        </p:attrNameLst>
+                                      </p:cBhvr>
+                                      <p:to>
+                                        <p:strVal val="visible"/>
+                                      </p:to>
+                                    </p:set>
+                                  </p:childTnLst>
+                                </p:cTn>
+                              </p:par>
+                            </p:childTnLst>
+                          </p:cTn>
+                        </p:par>
+                      </p:childTnLst>
+                    </p:cTn>
+                  </p:par>
+                  <p:par>
+                    <p:cTn id="7" fill="hold">
+                      <p:stCondLst>
+                        <p:cond delay="indefinite"/>
+                      </p:stCondLst>
+                      <p:childTnLst>
+                        <p:par>
+                          <p:cTn id="8" fill="hold">
+                            <p:stCondLst>
+                              <p:cond delay="0"/>
+                            </p:stCondLst>
+                            <p:childTnLst>
+                              <p:par>
+                                <p:cTn id="9" presetID="1" presetClass="entr" presetSubtype="0" fill="hold" grpId="0" nodeType="clickEffect">
+                                  <p:stCondLst>
+                                    <p:cond delay="0"/>
+                                  </p:stCondLst>
+                                  <p:childTnLst>
+                                    <p:set>
+                                      <p:cBhvr>
+                                        <p:cTn id="10" dur="1" fill="hold">
+                                          <p:stCondLst>
+                                            <p:cond delay="0"/>
+                                          </p:stCondLst>
+                                        </p:cTn>
+                                        <p:tgtEl>
+                                          <p:spTgt spid="3">
+                                            <p:txEl>
+                                              <p:pRg st="1" end="1"/>
+                                            </p:txEl>
+                                          </p:spTgt>
+                                        </p:tgtEl>
+                                        <p:attrNameLst>
+                                          <p:attrName>style.visibility</p:attrName>
+                                        </p:attrNameLst>
+                                      </p:cBhvr>
+                                      <p:to>
+                                        <p:strVal val="visible"/>
+                                      </p:to>
+                                    </p:set>
+                                  </p:childTnLst>
+                                </p:cTn>
+                              </p:par>
+                            </p:childTnLst>
+                          </p:cTn>
+                        </p:par>
+                      </p:childTnLst>
+                    </p:cTn>
+                  </p:par>
+                  <p:par>
+                    <p:cTn id="11" fill="hold">
+                      <p:stCondLst>
+                        <p:cond delay="indefinite"/>
+                      </p:stCondLst>
+                      <p:childTnLst>
+                        <p:par>
+                          <p:cTn id="12" fill="hold">
+                            <p:stCondLst>
+                              <p:cond delay="0"/>
+                            </p:stCondLst>
+                            <p:childTnLst>
+                              <p:par>
+                                <p:cTn id="13" presetID="1" presetClass="entr" presetSubtype="0" fill="hold" grpId="0" nodeType="clickEffect">
+                                  <p:stCondLst>
+                                    <p:cond delay="0"/>
+                                  </p:stCondLst>
+                                  <p:childTnLst>
+                                    <p:set>
+                                      <p:cBhvr>
+                                        <p:cTn id="14" dur="1" fill="hold">
+                                          <p:stCondLst>
+                                            <p:cond delay="0"/>
+                                          </p:stCondLst>
+                                        </p:cTn>
+                                        <p:tgtEl>
+                                          <p:spTgt spid="3">
+                                            <p:txEl>
+                                              <p:pRg st="2" end="2"/>
+                                            </p:txEl>
+                                          </p:spTgt>
+                                        </p:tgtEl>
+                                        <p:attrNameLst>
+                                          <p:attrName>style.visibility</p:attrName>
+                                        </p:attrNameLst>
+                                      </p:cBhvr>
+                                      <p:to>
+                                        <p:strVal val="visible"/>
+                                      </p:to>
+                                    </p:set>
+                                  </p:childTnLst>
+                                </p:cTn>
+                              </p:par>
+                            </p:childTnLst>
+                          </p:cTn>
+                        </p:par>
+                      </p:childTnLst>
+                    </p:cTn>
+                  </p:par>
+                  <p:par>
+                    <p:cTn id="15" fill="hold">
+                      <p:stCondLst>
+                        <p:cond delay="indefinite"/>
+                      </p:stCondLst>
+                      <p:childTnLst>
+                        <p:par>
+                          <p:cTn id="16" fill="hold">
+                            <p:stCondLst>
+                              <p:cond delay="0"/>
+                            </p:stCondLst>
+                            <p:childTnLst>
+                              <p:par>
+                                <p:cTn id="17" presetID="1" presetClass="entr" presetSubtype="0" fill="hold" grpId="0" nodeType="clickEffect">
+                                  <p:stCondLst>
+                                    <p:cond delay="0"/>
+                                  </p:stCondLst>
+                                  <p:childTnLst>
+                                    <p:set>
+                                      <p:cBhvr>
+                                        <p:cTn id="18" dur="1" fill="hold">
+                                          <p:stCondLst>
+                                            <p:cond delay="0"/>
+                                          </p:stCondLst>
+                                        </p:cTn>
+                                        <p:tgtEl>
+                                          <p:spTgt spid="3">
+                                            <p:txEl>
+                                              <p:pRg st="3" end="3"/>
+                                            </p:txEl>
+                                          </p:spTgt>
+                                        </p:tgtEl>
+                                        <p:attrNameLst>
+                                          <p:attrName>style.visibility</p:attrName>
+                                        </p:attrNameLst>
+                                      </p:cBhvr>
+                                      <p:to>
+                                        <p:strVal val="visible"/>
+                                      </p:to>
+                                    </p:set>
+                                  </p:childTnLst>
+                                </p:cTn>
+                              </p:par>
+                            </p:childTnLst>
+                          </p:cTn>
+                        </p:par>
+                      </p:childTnLst>
+                    </p:cTn>
+                  </p:par>
+                </p:childTnLst>
+              </p:cTn>
+              <p:prevCondLst>
+                <p:cond evt="onPrev" delay="0">
+                  <p:tgtEl>
+                    <p:sldTgt/>
+                  </p:tgtEl>
+                </p:cond>
+              </p:prevCondLst>
+              <p:nextCondLst>
+                <p:cond evt="onNext" delay="0">
+                  <p:tgtEl>
+                    <p:sldTgt/>
+                  </p:tgtEl>
+                </p:cond>
+              </p:nextCondLst>
+            </p:seq>
+          </p:childTnLst>
+        </p:cTn>
+      </p:par>
+    </p:tnLst>
+    <p:bldLst>
+      <p:bldP spid="3" grpId="0" uiExpand="1" build="p"/>
+    </p:bldLst>
+  </p:timing>
 </p:sld>
 </file>
 
 <file path=ppt/slides/slide22.xml><?xml version="1.0" encoding="utf-8"?>
+<p:sld xmlns:a="http://schemas.openxmlformats.org/drawingml/2006/main" xmlns:r="http://schemas.openxmlformats.org/officeDocument/2006/relationships" xmlns:p="http://schemas.openxmlformats.org/presentationml/2006/main">
+  <p:cSld>
+    <p:spTree>
+      <p:nvGrpSpPr>
+        <p:cNvPr id="1" name=""/>
+        <p:cNvGrpSpPr/>
+        <p:nvPr/>
+      </p:nvGrpSpPr>
+      <p:grpSpPr>
+        <a:xfrm>
+          <a:off x="0" y="0"/>
+          <a:ext cx="0" cy="0"/>
+          <a:chOff x="0" y="0"/>
+          <a:chExt cx="0" cy="0"/>
+        </a:xfrm>
+      </p:grpSpPr>
+      <p:sp>
+        <p:nvSpPr>
+          <p:cNvPr id="4" name="Title 3">
+            <a:extLst>
+              <a:ext uri="{FF2B5EF4-FFF2-40B4-BE49-F238E27FC236}">
+                <a16:creationId xmlns:a16="http://schemas.microsoft.com/office/drawing/2014/main" id="{EE13D860-9205-48B1-B675-4421397C217F}"/>
+              </a:ext>
+            </a:extLst>
+          </p:cNvPr>
+          <p:cNvSpPr>
+            <a:spLocks noGrp="1"/>
+          </p:cNvSpPr>
+          <p:nvPr>
+            <p:ph type="title"/>
+          </p:nvPr>
+        </p:nvSpPr>
+        <p:spPr>
+          <a:xfrm>
+            <a:off x="1141413" y="0"/>
+            <a:ext cx="9905998" cy="1478570"/>
+          </a:xfrm>
+        </p:spPr>
+        <p:txBody>
+          <a:bodyPr/>
+          <a:lstStyle/>
+          <a:p>
+            <a:r>
+              <a:rPr lang="en-US" cap="none" dirty="0"/>
+              <a:t>But I can’t test my code because _______________ !</a:t>
+            </a:r>
+          </a:p>
+        </p:txBody>
+      </p:sp>
+      <p:sp>
+        <p:nvSpPr>
+          <p:cNvPr id="3" name="Content Placeholder 2">
+            <a:extLst>
+              <a:ext uri="{FF2B5EF4-FFF2-40B4-BE49-F238E27FC236}">
+                <a16:creationId xmlns:a16="http://schemas.microsoft.com/office/drawing/2014/main" id="{0304F63E-1353-460F-B83E-885EACD53884}"/>
+              </a:ext>
+            </a:extLst>
+          </p:cNvPr>
+          <p:cNvSpPr>
+            <a:spLocks noGrp="1"/>
+          </p:cNvSpPr>
+          <p:nvPr>
+            <p:ph idx="1"/>
+          </p:nvPr>
+        </p:nvSpPr>
+        <p:spPr/>
+        <p:txBody>
+          <a:bodyPr/>
+          <a:lstStyle/>
+          <a:p>
+            <a:pPr marL="0" indent="0">
+              <a:buNone/>
+            </a:pPr>
+            <a:r>
+              <a:rPr lang="en-US" dirty="0"/>
+              <a:t>Some options:</a:t>
+            </a:r>
+            <a:br>
+              <a:rPr lang="en-US" dirty="0"/>
+            </a:br>
+            <a:endParaRPr lang="en-US" dirty="0"/>
+          </a:p>
+          <a:p>
+            <a:pPr marL="457200" indent="-457200">
+              <a:buFont typeface="+mj-lt"/>
+              <a:buAutoNum type="arabicPeriod"/>
+            </a:pPr>
+            <a:r>
+              <a:rPr lang="en-US" dirty="0"/>
+              <a:t>Git </a:t>
+            </a:r>
+            <a:r>
+              <a:rPr lang="en-US" dirty="0" err="1"/>
+              <a:t>Gud</a:t>
+            </a:r>
+            <a:endParaRPr lang="en-US" dirty="0"/>
+          </a:p>
+          <a:p>
+            <a:pPr marL="457200" indent="-457200">
+              <a:buFont typeface="+mj-lt"/>
+              <a:buAutoNum type="arabicPeriod"/>
+            </a:pPr>
+            <a:r>
+              <a:rPr lang="en-US" dirty="0"/>
+              <a:t>Don’t test and expect bugs in the legacy system when changes arise</a:t>
+            </a:r>
+          </a:p>
+          <a:p>
+            <a:pPr marL="457200" indent="-457200">
+              <a:buFont typeface="+mj-lt"/>
+              <a:buAutoNum type="arabicPeriod"/>
+            </a:pPr>
+            <a:r>
+              <a:rPr lang="en-US" dirty="0"/>
+              <a:t>Place some “pinning” tests, then refactor to a better architecture</a:t>
+            </a:r>
+          </a:p>
+          <a:p>
+            <a:pPr marL="457200" indent="-457200">
+              <a:buFont typeface="+mj-lt"/>
+              <a:buAutoNum type="arabicPeriod"/>
+            </a:pPr>
+            <a:endParaRPr lang="en-US" dirty="0"/>
+          </a:p>
+          <a:p>
+            <a:pPr marL="457200" indent="-457200">
+              <a:buFont typeface="+mj-lt"/>
+              <a:buAutoNum type="arabicPeriod"/>
+            </a:pPr>
+            <a:endParaRPr lang="en-US" dirty="0"/>
+          </a:p>
+          <a:p>
+            <a:pPr marL="457200" indent="-457200">
+              <a:buFont typeface="+mj-lt"/>
+              <a:buAutoNum type="arabicPeriod"/>
+            </a:pPr>
+            <a:endParaRPr lang="en-US" dirty="0"/>
+          </a:p>
+        </p:txBody>
+      </p:sp>
+      <p:sp>
+        <p:nvSpPr>
+          <p:cNvPr id="2" name="TextBox 1">
+            <a:extLst>
+              <a:ext uri="{FF2B5EF4-FFF2-40B4-BE49-F238E27FC236}">
+                <a16:creationId xmlns:a16="http://schemas.microsoft.com/office/drawing/2014/main" id="{252166A2-2822-46A3-A3F4-EB7C574EB957}"/>
+              </a:ext>
+            </a:extLst>
+          </p:cNvPr>
+          <p:cNvSpPr txBox="1"/>
+          <p:nvPr/>
+        </p:nvSpPr>
+        <p:spPr>
+          <a:xfrm>
+            <a:off x="7153155" y="539230"/>
+            <a:ext cx="3130985" cy="400110"/>
+          </a:xfrm>
+          <a:prstGeom prst="rect">
+            <a:avLst/>
+          </a:prstGeom>
+          <a:noFill/>
+        </p:spPr>
+        <p:txBody>
+          <a:bodyPr wrap="none" rtlCol="0">
+            <a:spAutoFit/>
+          </a:bodyPr>
+          <a:lstStyle/>
+          <a:p>
+            <a:r>
+              <a:rPr lang="en-US" sz="2000" dirty="0">
+                <a:solidFill>
+                  <a:srgbClr val="FFFF00"/>
+                </a:solidFill>
+                <a:latin typeface="Segoe Script" panose="030B0504020000000003" pitchFamily="66" charset="0"/>
+              </a:rPr>
+              <a:t>it’s a big ball of mud</a:t>
+            </a:r>
+          </a:p>
+        </p:txBody>
+      </p:sp>
+    </p:spTree>
+    <p:extLst>
+      <p:ext uri="{BB962C8B-B14F-4D97-AF65-F5344CB8AC3E}">
+        <p14:creationId xmlns:p14="http://schemas.microsoft.com/office/powerpoint/2010/main" val="1678450132"/>
+      </p:ext>
+    </p:extLst>
+  </p:cSld>
+  <p:clrMapOvr>
+    <a:masterClrMapping/>
+  </p:clrMapOvr>
+  <p:timing>
+    <p:tnLst>
+      <p:par>
+        <p:cTn id="1" dur="indefinite" restart="never" nodeType="tmRoot">
+          <p:childTnLst>
+            <p:seq concurrent="1" nextAc="seek">
+              <p:cTn id="2" dur="indefinite" nodeType="mainSeq">
+                <p:childTnLst>
+                  <p:par>
+                    <p:cTn id="3" fill="hold">
+                      <p:stCondLst>
+                        <p:cond delay="indefinite"/>
+                        <p:cond evt="onBegin" delay="0">
+                          <p:tn val="2"/>
+                        </p:cond>
+                      </p:stCondLst>
+                      <p:childTnLst>
+                        <p:par>
+                          <p:cTn id="4" fill="hold">
+                            <p:stCondLst>
+                              <p:cond delay="0"/>
+                            </p:stCondLst>
+                            <p:childTnLst>
+                              <p:par>
+                                <p:cTn id="5" presetID="1" presetClass="entr" presetSubtype="0" fill="hold" grpId="0" nodeType="withEffect">
+                                  <p:stCondLst>
+                                    <p:cond delay="0"/>
+                                  </p:stCondLst>
+                                  <p:childTnLst>
+                                    <p:set>
+                                      <p:cBhvr>
+                                        <p:cTn id="6" dur="1" fill="hold">
+                                          <p:stCondLst>
+                                            <p:cond delay="0"/>
+                                          </p:stCondLst>
+                                        </p:cTn>
+                                        <p:tgtEl>
+                                          <p:spTgt spid="3">
+                                            <p:txEl>
+                                              <p:pRg st="0" end="0"/>
+                                            </p:txEl>
+                                          </p:spTgt>
+                                        </p:tgtEl>
+                                        <p:attrNameLst>
+                                          <p:attrName>style.visibility</p:attrName>
+                                        </p:attrNameLst>
+                                      </p:cBhvr>
+                                      <p:to>
+                                        <p:strVal val="visible"/>
+                                      </p:to>
+                                    </p:set>
+                                  </p:childTnLst>
+                                </p:cTn>
+                              </p:par>
+                            </p:childTnLst>
+                          </p:cTn>
+                        </p:par>
+                      </p:childTnLst>
+                    </p:cTn>
+                  </p:par>
+                  <p:par>
+                    <p:cTn id="7" fill="hold">
+                      <p:stCondLst>
+                        <p:cond delay="indefinite"/>
+                      </p:stCondLst>
+                      <p:childTnLst>
+                        <p:par>
+                          <p:cTn id="8" fill="hold">
+                            <p:stCondLst>
+                              <p:cond delay="0"/>
+                            </p:stCondLst>
+                            <p:childTnLst>
+                              <p:par>
+                                <p:cTn id="9" presetID="1" presetClass="entr" presetSubtype="0" fill="hold" grpId="0" nodeType="clickEffect">
+                                  <p:stCondLst>
+                                    <p:cond delay="0"/>
+                                  </p:stCondLst>
+                                  <p:childTnLst>
+                                    <p:set>
+                                      <p:cBhvr>
+                                        <p:cTn id="10" dur="1" fill="hold">
+                                          <p:stCondLst>
+                                            <p:cond delay="0"/>
+                                          </p:stCondLst>
+                                        </p:cTn>
+                                        <p:tgtEl>
+                                          <p:spTgt spid="3">
+                                            <p:txEl>
+                                              <p:pRg st="1" end="1"/>
+                                            </p:txEl>
+                                          </p:spTgt>
+                                        </p:tgtEl>
+                                        <p:attrNameLst>
+                                          <p:attrName>style.visibility</p:attrName>
+                                        </p:attrNameLst>
+                                      </p:cBhvr>
+                                      <p:to>
+                                        <p:strVal val="visible"/>
+                                      </p:to>
+                                    </p:set>
+                                  </p:childTnLst>
+                                </p:cTn>
+                              </p:par>
+                            </p:childTnLst>
+                          </p:cTn>
+                        </p:par>
+                      </p:childTnLst>
+                    </p:cTn>
+                  </p:par>
+                  <p:par>
+                    <p:cTn id="11" fill="hold">
+                      <p:stCondLst>
+                        <p:cond delay="indefinite"/>
+                      </p:stCondLst>
+                      <p:childTnLst>
+                        <p:par>
+                          <p:cTn id="12" fill="hold">
+                            <p:stCondLst>
+                              <p:cond delay="0"/>
+                            </p:stCondLst>
+                            <p:childTnLst>
+                              <p:par>
+                                <p:cTn id="13" presetID="1" presetClass="entr" presetSubtype="0" fill="hold" grpId="0" nodeType="clickEffect">
+                                  <p:stCondLst>
+                                    <p:cond delay="0"/>
+                                  </p:stCondLst>
+                                  <p:childTnLst>
+                                    <p:set>
+                                      <p:cBhvr>
+                                        <p:cTn id="14" dur="1" fill="hold">
+                                          <p:stCondLst>
+                                            <p:cond delay="0"/>
+                                          </p:stCondLst>
+                                        </p:cTn>
+                                        <p:tgtEl>
+                                          <p:spTgt spid="3">
+                                            <p:txEl>
+                                              <p:pRg st="2" end="2"/>
+                                            </p:txEl>
+                                          </p:spTgt>
+                                        </p:tgtEl>
+                                        <p:attrNameLst>
+                                          <p:attrName>style.visibility</p:attrName>
+                                        </p:attrNameLst>
+                                      </p:cBhvr>
+                                      <p:to>
+                                        <p:strVal val="visible"/>
+                                      </p:to>
+                                    </p:set>
+                                  </p:childTnLst>
+                                </p:cTn>
+                              </p:par>
+                            </p:childTnLst>
+                          </p:cTn>
+                        </p:par>
+                      </p:childTnLst>
+                    </p:cTn>
+                  </p:par>
+                  <p:par>
+                    <p:cTn id="15" fill="hold">
+                      <p:stCondLst>
+                        <p:cond delay="indefinite"/>
+                      </p:stCondLst>
+                      <p:childTnLst>
+                        <p:par>
+                          <p:cTn id="16" fill="hold">
+                            <p:stCondLst>
+                              <p:cond delay="0"/>
+                            </p:stCondLst>
+                            <p:childTnLst>
+                              <p:par>
+                                <p:cTn id="17" presetID="1" presetClass="entr" presetSubtype="0" fill="hold" grpId="0" nodeType="clickEffect">
+                                  <p:stCondLst>
+                                    <p:cond delay="0"/>
+                                  </p:stCondLst>
+                                  <p:childTnLst>
+                                    <p:set>
+                                      <p:cBhvr>
+                                        <p:cTn id="18" dur="1" fill="hold">
+                                          <p:stCondLst>
+                                            <p:cond delay="0"/>
+                                          </p:stCondLst>
+                                        </p:cTn>
+                                        <p:tgtEl>
+                                          <p:spTgt spid="3">
+                                            <p:txEl>
+                                              <p:pRg st="3" end="3"/>
+                                            </p:txEl>
+                                          </p:spTgt>
+                                        </p:tgtEl>
+                                        <p:attrNameLst>
+                                          <p:attrName>style.visibility</p:attrName>
+                                        </p:attrNameLst>
+                                      </p:cBhvr>
+                                      <p:to>
+                                        <p:strVal val="visible"/>
+                                      </p:to>
+                                    </p:set>
+                                  </p:childTnLst>
+                                </p:cTn>
+                              </p:par>
+                            </p:childTnLst>
+                          </p:cTn>
+                        </p:par>
+                      </p:childTnLst>
+                    </p:cTn>
+                  </p:par>
+                </p:childTnLst>
+              </p:cTn>
+              <p:prevCondLst>
+                <p:cond evt="onPrev" delay="0">
+                  <p:tgtEl>
+                    <p:sldTgt/>
+                  </p:tgtEl>
+                </p:cond>
+              </p:prevCondLst>
+              <p:nextCondLst>
+                <p:cond evt="onNext" delay="0">
+                  <p:tgtEl>
+                    <p:sldTgt/>
+                  </p:tgtEl>
+                </p:cond>
+              </p:nextCondLst>
+            </p:seq>
+          </p:childTnLst>
+        </p:cTn>
+      </p:par>
+    </p:tnLst>
+    <p:bldLst>
+      <p:bldP spid="3" grpId="0" uiExpand="1" build="p"/>
+    </p:bldLst>
+  </p:timing>
+</p:sld>
+</file>
+
+<file path=ppt/slides/slide23.xml><?xml version="1.0" encoding="utf-8"?>
 <p:sld xmlns:a="http://schemas.openxmlformats.org/drawingml/2006/main" xmlns:r="http://schemas.openxmlformats.org/officeDocument/2006/relationships" xmlns:p="http://schemas.openxmlformats.org/presentationml/2006/main">
   <p:cSld>
     <p:spTree>
@@ -26443,7 +31131,7 @@
 </p:sld>
 </file>
 
-<file path=ppt/slides/slide23.xml><?xml version="1.0" encoding="utf-8"?>
+<file path=ppt/slides/slide24.xml><?xml version="1.0" encoding="utf-8"?>
 <p:sld xmlns:a="http://schemas.openxmlformats.org/drawingml/2006/main" xmlns:r="http://schemas.openxmlformats.org/officeDocument/2006/relationships" xmlns:p="http://schemas.openxmlformats.org/presentationml/2006/main">
   <p:cSld>
     <p:spTree>
@@ -26535,7 +31223,7 @@
 </p:sld>
 </file>
 
-<file path=ppt/slides/slide24.xml><?xml version="1.0" encoding="utf-8"?>
+<file path=ppt/slides/slide25.xml><?xml version="1.0" encoding="utf-8"?>
 <p:sld xmlns:a="http://schemas.openxmlformats.org/drawingml/2006/main" xmlns:r="http://schemas.openxmlformats.org/officeDocument/2006/relationships" xmlns:p="http://schemas.openxmlformats.org/presentationml/2006/main">
   <p:cSld>
     <p:spTree>
@@ -26623,7 +31311,7 @@
 </p:sld>
 </file>
 
-<file path=ppt/slides/slide25.xml><?xml version="1.0" encoding="utf-8"?>
+<file path=ppt/slides/slide26.xml><?xml version="1.0" encoding="utf-8"?>
 <p:sld xmlns:a="http://schemas.openxmlformats.org/drawingml/2006/main" xmlns:r="http://schemas.openxmlformats.org/officeDocument/2006/relationships" xmlns:p="http://schemas.openxmlformats.org/presentationml/2006/main">
   <p:cSld>
     <p:spTree>
@@ -26710,7 +31398,7 @@
 </p:sld>
 </file>
 
-<file path=ppt/slides/slide26.xml><?xml version="1.0" encoding="utf-8"?>
+<file path=ppt/slides/slide27.xml><?xml version="1.0" encoding="utf-8"?>
 <p:sld xmlns:a="http://schemas.openxmlformats.org/drawingml/2006/main" xmlns:r="http://schemas.openxmlformats.org/officeDocument/2006/relationships" xmlns:p="http://schemas.openxmlformats.org/presentationml/2006/main">
   <p:cSld>
     <p:spTree>
@@ -26806,7 +31494,7 @@
 </p:sld>
 </file>
 
-<file path=ppt/slides/slide27.xml><?xml version="1.0" encoding="utf-8"?>
+<file path=ppt/slides/slide28.xml><?xml version="1.0" encoding="utf-8"?>
 <p:sld xmlns:a="http://schemas.openxmlformats.org/drawingml/2006/main" xmlns:r="http://schemas.openxmlformats.org/officeDocument/2006/relationships" xmlns:p="http://schemas.openxmlformats.org/presentationml/2006/main">
   <p:cSld>
     <p:spTree>
@@ -26894,7 +31582,7 @@
 </p:sld>
 </file>
 
-<file path=ppt/slides/slide28.xml><?xml version="1.0" encoding="utf-8"?>
+<file path=ppt/slides/slide29.xml><?xml version="1.0" encoding="utf-8"?>
 <p:sld xmlns:a="http://schemas.openxmlformats.org/drawingml/2006/main" xmlns:r="http://schemas.openxmlformats.org/officeDocument/2006/relationships" xmlns:p="http://schemas.openxmlformats.org/presentationml/2006/main">
   <p:cSld>
     <p:spTree>
@@ -26973,90 +31661,6 @@
     <p:extLst>
       <p:ext uri="{BB962C8B-B14F-4D97-AF65-F5344CB8AC3E}">
         <p14:creationId xmlns:p14="http://schemas.microsoft.com/office/powerpoint/2010/main" val="3246282286"/>
-      </p:ext>
-    </p:extLst>
-  </p:cSld>
-  <p:clrMapOvr>
-    <a:masterClrMapping/>
-  </p:clrMapOvr>
-</p:sld>
-</file>
-
-<file path=ppt/slides/slide29.xml><?xml version="1.0" encoding="utf-8"?>
-<p:sld xmlns:a="http://schemas.openxmlformats.org/drawingml/2006/main" xmlns:r="http://schemas.openxmlformats.org/officeDocument/2006/relationships" xmlns:p="http://schemas.openxmlformats.org/presentationml/2006/main">
-  <p:cSld>
-    <p:spTree>
-      <p:nvGrpSpPr>
-        <p:cNvPr id="1" name=""/>
-        <p:cNvGrpSpPr/>
-        <p:nvPr/>
-      </p:nvGrpSpPr>
-      <p:grpSpPr>
-        <a:xfrm>
-          <a:off x="0" y="0"/>
-          <a:ext cx="0" cy="0"/>
-          <a:chOff x="0" y="0"/>
-          <a:chExt cx="0" cy="0"/>
-        </a:xfrm>
-      </p:grpSpPr>
-      <p:sp>
-        <p:nvSpPr>
-          <p:cNvPr id="4" name="Title 3">
-            <a:extLst>
-              <a:ext uri="{FF2B5EF4-FFF2-40B4-BE49-F238E27FC236}">
-                <a16:creationId xmlns:a16="http://schemas.microsoft.com/office/drawing/2014/main" id="{EE13D860-9205-48B1-B675-4421397C217F}"/>
-              </a:ext>
-            </a:extLst>
-          </p:cNvPr>
-          <p:cNvSpPr>
-            <a:spLocks noGrp="1"/>
-          </p:cNvSpPr>
-          <p:nvPr>
-            <p:ph type="title"/>
-          </p:nvPr>
-        </p:nvSpPr>
-        <p:spPr/>
-        <p:txBody>
-          <a:bodyPr/>
-          <a:lstStyle/>
-          <a:p>
-            <a:r>
-              <a:rPr lang="en-US" cap="none" dirty="0" err="1"/>
-              <a:t>AutoFixture</a:t>
-            </a:r>
-            <a:endParaRPr lang="en-US" dirty="0"/>
-          </a:p>
-        </p:txBody>
-      </p:sp>
-      <p:sp>
-        <p:nvSpPr>
-          <p:cNvPr id="5" name="Content Placeholder 4">
-            <a:extLst>
-              <a:ext uri="{FF2B5EF4-FFF2-40B4-BE49-F238E27FC236}">
-                <a16:creationId xmlns:a16="http://schemas.microsoft.com/office/drawing/2014/main" id="{BF24FDFA-3F46-41F2-9499-79EDCEF806BD}"/>
-              </a:ext>
-            </a:extLst>
-          </p:cNvPr>
-          <p:cNvSpPr>
-            <a:spLocks noGrp="1"/>
-          </p:cNvSpPr>
-          <p:nvPr>
-            <p:ph idx="1"/>
-          </p:nvPr>
-        </p:nvSpPr>
-        <p:spPr/>
-        <p:txBody>
-          <a:bodyPr/>
-          <a:lstStyle/>
-          <a:p>
-            <a:endParaRPr lang="en-US"/>
-          </a:p>
-        </p:txBody>
-      </p:sp>
-    </p:spTree>
-    <p:extLst>
-      <p:ext uri="{BB962C8B-B14F-4D97-AF65-F5344CB8AC3E}">
-        <p14:creationId xmlns:p14="http://schemas.microsoft.com/office/powerpoint/2010/main" val="1199773711"/>
       </p:ext>
     </p:extLst>
   </p:cSld>
@@ -27230,6 +31834,90 @@
           <a:lstStyle/>
           <a:p>
             <a:r>
+              <a:rPr lang="en-US" cap="none" dirty="0" err="1"/>
+              <a:t>AutoFixture</a:t>
+            </a:r>
+            <a:endParaRPr lang="en-US" dirty="0"/>
+          </a:p>
+        </p:txBody>
+      </p:sp>
+      <p:sp>
+        <p:nvSpPr>
+          <p:cNvPr id="5" name="Content Placeholder 4">
+            <a:extLst>
+              <a:ext uri="{FF2B5EF4-FFF2-40B4-BE49-F238E27FC236}">
+                <a16:creationId xmlns:a16="http://schemas.microsoft.com/office/drawing/2014/main" id="{BF24FDFA-3F46-41F2-9499-79EDCEF806BD}"/>
+              </a:ext>
+            </a:extLst>
+          </p:cNvPr>
+          <p:cNvSpPr>
+            <a:spLocks noGrp="1"/>
+          </p:cNvSpPr>
+          <p:nvPr>
+            <p:ph idx="1"/>
+          </p:nvPr>
+        </p:nvSpPr>
+        <p:spPr/>
+        <p:txBody>
+          <a:bodyPr/>
+          <a:lstStyle/>
+          <a:p>
+            <a:endParaRPr lang="en-US"/>
+          </a:p>
+        </p:txBody>
+      </p:sp>
+    </p:spTree>
+    <p:extLst>
+      <p:ext uri="{BB962C8B-B14F-4D97-AF65-F5344CB8AC3E}">
+        <p14:creationId xmlns:p14="http://schemas.microsoft.com/office/powerpoint/2010/main" val="1199773711"/>
+      </p:ext>
+    </p:extLst>
+  </p:cSld>
+  <p:clrMapOvr>
+    <a:masterClrMapping/>
+  </p:clrMapOvr>
+</p:sld>
+</file>
+
+<file path=ppt/slides/slide31.xml><?xml version="1.0" encoding="utf-8"?>
+<p:sld xmlns:a="http://schemas.openxmlformats.org/drawingml/2006/main" xmlns:r="http://schemas.openxmlformats.org/officeDocument/2006/relationships" xmlns:p="http://schemas.openxmlformats.org/presentationml/2006/main">
+  <p:cSld>
+    <p:spTree>
+      <p:nvGrpSpPr>
+        <p:cNvPr id="1" name=""/>
+        <p:cNvGrpSpPr/>
+        <p:nvPr/>
+      </p:nvGrpSpPr>
+      <p:grpSpPr>
+        <a:xfrm>
+          <a:off x="0" y="0"/>
+          <a:ext cx="0" cy="0"/>
+          <a:chOff x="0" y="0"/>
+          <a:chExt cx="0" cy="0"/>
+        </a:xfrm>
+      </p:grpSpPr>
+      <p:sp>
+        <p:nvSpPr>
+          <p:cNvPr id="4" name="Title 3">
+            <a:extLst>
+              <a:ext uri="{FF2B5EF4-FFF2-40B4-BE49-F238E27FC236}">
+                <a16:creationId xmlns:a16="http://schemas.microsoft.com/office/drawing/2014/main" id="{EE13D860-9205-48B1-B675-4421397C217F}"/>
+              </a:ext>
+            </a:extLst>
+          </p:cNvPr>
+          <p:cNvSpPr>
+            <a:spLocks noGrp="1"/>
+          </p:cNvSpPr>
+          <p:nvPr>
+            <p:ph type="title"/>
+          </p:nvPr>
+        </p:nvSpPr>
+        <p:spPr/>
+        <p:txBody>
+          <a:bodyPr/>
+          <a:lstStyle/>
+          <a:p>
+            <a:r>
               <a:rPr lang="en-US" cap="none" dirty="0"/>
               <a:t>Bogus</a:t>
             </a:r>
@@ -27275,7 +31963,7 @@
 </p:sld>
 </file>
 
-<file path=ppt/slides/slide31.xml><?xml version="1.0" encoding="utf-8"?>
+<file path=ppt/slides/slide32.xml><?xml version="1.0" encoding="utf-8"?>
 <p:sld xmlns:a="http://schemas.openxmlformats.org/drawingml/2006/main" xmlns:r="http://schemas.openxmlformats.org/officeDocument/2006/relationships" xmlns:p="http://schemas.openxmlformats.org/presentationml/2006/main">
   <p:cSld>
     <p:spTree>
@@ -27359,7 +32047,7 @@
 </p:sld>
 </file>
 
-<file path=ppt/slides/slide32.xml><?xml version="1.0" encoding="utf-8"?>
+<file path=ppt/slides/slide33.xml><?xml version="1.0" encoding="utf-8"?>
 <p:sld xmlns:a="http://schemas.openxmlformats.org/drawingml/2006/main" xmlns:r="http://schemas.openxmlformats.org/officeDocument/2006/relationships" xmlns:p="http://schemas.openxmlformats.org/presentationml/2006/main">
   <p:cSld>
     <p:spTree>
@@ -27443,7 +32131,7 @@
 </p:sld>
 </file>
 
-<file path=ppt/slides/slide33.xml><?xml version="1.0" encoding="utf-8"?>
+<file path=ppt/slides/slide34.xml><?xml version="1.0" encoding="utf-8"?>
 <p:sld xmlns:a="http://schemas.openxmlformats.org/drawingml/2006/main" xmlns:r="http://schemas.openxmlformats.org/officeDocument/2006/relationships" xmlns:p="http://schemas.openxmlformats.org/presentationml/2006/main">
   <p:cSld>
     <p:spTree>
@@ -27526,7 +32214,7 @@
 </p:sld>
 </file>
 
-<file path=ppt/slides/slide34.xml><?xml version="1.0" encoding="utf-8"?>
+<file path=ppt/slides/slide35.xml><?xml version="1.0" encoding="utf-8"?>
 <p:sld xmlns:a="http://schemas.openxmlformats.org/drawingml/2006/main" xmlns:r="http://schemas.openxmlformats.org/officeDocument/2006/relationships" xmlns:p="http://schemas.openxmlformats.org/presentationml/2006/main">
   <p:cSld>
     <p:spTree>
@@ -27623,7 +32311,7 @@
 </p:sld>
 </file>
 
-<file path=ppt/slides/slide35.xml><?xml version="1.0" encoding="utf-8"?>
+<file path=ppt/slides/slide36.xml><?xml version="1.0" encoding="utf-8"?>
 <p:sld xmlns:a="http://schemas.openxmlformats.org/drawingml/2006/main" xmlns:r="http://schemas.openxmlformats.org/officeDocument/2006/relationships" xmlns:p="http://schemas.openxmlformats.org/presentationml/2006/main">
   <p:cSld>
     <p:spTree>
@@ -27706,7 +32394,7 @@
 </p:sld>
 </file>
 
-<file path=ppt/slides/slide36.xml><?xml version="1.0" encoding="utf-8"?>
+<file path=ppt/slides/slide37.xml><?xml version="1.0" encoding="utf-8"?>
 <p:sld xmlns:a="http://schemas.openxmlformats.org/drawingml/2006/main" xmlns:r="http://schemas.openxmlformats.org/officeDocument/2006/relationships" xmlns:p="http://schemas.openxmlformats.org/presentationml/2006/main">
   <p:cSld>
     <p:spTree>
@@ -27789,7 +32477,7 @@
 </p:sld>
 </file>
 
-<file path=ppt/slides/slide37.xml><?xml version="1.0" encoding="utf-8"?>
+<file path=ppt/slides/slide38.xml><?xml version="1.0" encoding="utf-8"?>
 <p:sld xmlns:a="http://schemas.openxmlformats.org/drawingml/2006/main" xmlns:r="http://schemas.openxmlformats.org/officeDocument/2006/relationships" xmlns:p="http://schemas.openxmlformats.org/presentationml/2006/main">
   <p:cSld>
     <p:spTree>
@@ -27872,7 +32560,7 @@
 </p:sld>
 </file>
 
-<file path=ppt/slides/slide38.xml><?xml version="1.0" encoding="utf-8"?>
+<file path=ppt/slides/slide39.xml><?xml version="1.0" encoding="utf-8"?>
 <p:sld xmlns:a="http://schemas.openxmlformats.org/drawingml/2006/main" xmlns:r="http://schemas.openxmlformats.org/officeDocument/2006/relationships" xmlns:p="http://schemas.openxmlformats.org/presentationml/2006/main">
   <p:cSld>
     <p:spTree>
@@ -27955,7 +32643,144 @@
 </p:sld>
 </file>
 
-<file path=ppt/slides/slide39.xml><?xml version="1.0" encoding="utf-8"?>
+<file path=ppt/slides/slide4.xml><?xml version="1.0" encoding="utf-8"?>
+<p:sld xmlns:a="http://schemas.openxmlformats.org/drawingml/2006/main" xmlns:r="http://schemas.openxmlformats.org/officeDocument/2006/relationships" xmlns:p="http://schemas.openxmlformats.org/presentationml/2006/main">
+  <p:cSld>
+    <p:spTree>
+      <p:nvGrpSpPr>
+        <p:cNvPr id="1" name=""/>
+        <p:cNvGrpSpPr/>
+        <p:nvPr/>
+      </p:nvGrpSpPr>
+      <p:grpSpPr>
+        <a:xfrm>
+          <a:off x="0" y="0"/>
+          <a:ext cx="0" cy="0"/>
+          <a:chOff x="0" y="0"/>
+          <a:chExt cx="0" cy="0"/>
+        </a:xfrm>
+      </p:grpSpPr>
+      <p:sp>
+        <p:nvSpPr>
+          <p:cNvPr id="2" name="Title 1">
+            <a:extLst>
+              <a:ext uri="{FF2B5EF4-FFF2-40B4-BE49-F238E27FC236}">
+                <a16:creationId xmlns:a16="http://schemas.microsoft.com/office/drawing/2014/main" id="{56129DDF-461C-43E8-B761-75B2FFAAF346}"/>
+              </a:ext>
+            </a:extLst>
+          </p:cNvPr>
+          <p:cNvSpPr>
+            <a:spLocks noGrp="1"/>
+          </p:cNvSpPr>
+          <p:nvPr>
+            <p:ph type="title"/>
+          </p:nvPr>
+        </p:nvSpPr>
+        <p:spPr/>
+        <p:txBody>
+          <a:bodyPr/>
+          <a:lstStyle/>
+          <a:p>
+            <a:r>
+              <a:rPr lang="en-US" cap="none" dirty="0"/>
+              <a:t>About This Talk</a:t>
+            </a:r>
+          </a:p>
+        </p:txBody>
+      </p:sp>
+      <p:graphicFrame>
+        <p:nvGraphicFramePr>
+          <p:cNvPr id="10" name="Content Placeholder 9">
+            <a:extLst>
+              <a:ext uri="{FF2B5EF4-FFF2-40B4-BE49-F238E27FC236}">
+                <a16:creationId xmlns:a16="http://schemas.microsoft.com/office/drawing/2014/main" id="{8BED91AC-7CC2-4507-BC14-8E448F954EE6}"/>
+              </a:ext>
+            </a:extLst>
+          </p:cNvPr>
+          <p:cNvGraphicFramePr>
+            <a:graphicFrameLocks noGrp="1"/>
+          </p:cNvGraphicFramePr>
+          <p:nvPr>
+            <p:ph idx="1"/>
+            <p:extLst>
+              <p:ext uri="{D42A27DB-BD31-4B8C-83A1-F6EECF244321}">
+                <p14:modId xmlns:p14="http://schemas.microsoft.com/office/powerpoint/2010/main" val="2225394177"/>
+              </p:ext>
+            </p:extLst>
+          </p:nvPr>
+        </p:nvGraphicFramePr>
+        <p:xfrm>
+          <a:off x="1141413" y="2249488"/>
+          <a:ext cx="9906000" cy="3541712"/>
+        </p:xfrm>
+        <a:graphic>
+          <a:graphicData uri="http://schemas.openxmlformats.org/drawingml/2006/diagram">
+            <dgm:relIds xmlns:dgm="http://schemas.openxmlformats.org/drawingml/2006/diagram" xmlns:r="http://schemas.openxmlformats.org/officeDocument/2006/relationships" r:dm="rId2" r:lo="rId3" r:qs="rId4" r:cs="rId5"/>
+          </a:graphicData>
+        </a:graphic>
+      </p:graphicFrame>
+      <p:sp>
+        <p:nvSpPr>
+          <p:cNvPr id="11" name="Scroll: Horizontal 10">
+            <a:extLst>
+              <a:ext uri="{FF2B5EF4-FFF2-40B4-BE49-F238E27FC236}">
+                <a16:creationId xmlns:a16="http://schemas.microsoft.com/office/drawing/2014/main" id="{200A113D-6789-4151-AA32-2DE328B63FAA}"/>
+              </a:ext>
+            </a:extLst>
+          </p:cNvPr>
+          <p:cNvSpPr/>
+          <p:nvPr/>
+        </p:nvSpPr>
+        <p:spPr>
+          <a:xfrm>
+            <a:off x="5023413" y="466118"/>
+            <a:ext cx="6201476" cy="1783370"/>
+          </a:xfrm>
+          <a:prstGeom prst="horizontalScroll">
+            <a:avLst>
+              <a:gd name="adj" fmla="val 14447"/>
+            </a:avLst>
+          </a:prstGeom>
+        </p:spPr>
+        <p:style>
+          <a:lnRef idx="3">
+            <a:schemeClr val="lt1"/>
+          </a:lnRef>
+          <a:fillRef idx="1">
+            <a:schemeClr val="accent1"/>
+          </a:fillRef>
+          <a:effectRef idx="1">
+            <a:schemeClr val="accent1"/>
+          </a:effectRef>
+          <a:fontRef idx="minor">
+            <a:schemeClr val="lt1"/>
+          </a:fontRef>
+        </p:style>
+        <p:txBody>
+          <a:bodyPr rtlCol="0" anchor="ctr"/>
+          <a:lstStyle/>
+          <a:p>
+            <a:r>
+              <a:rPr lang="en-US" sz="2400" dirty="0"/>
+              <a:t>Intended to introduce variety of tools and ideas to give you options when working with legacy code</a:t>
+            </a:r>
+          </a:p>
+        </p:txBody>
+      </p:sp>
+    </p:spTree>
+    <p:extLst>
+      <p:ext uri="{BB962C8B-B14F-4D97-AF65-F5344CB8AC3E}">
+        <p14:creationId xmlns:p14="http://schemas.microsoft.com/office/powerpoint/2010/main" val="1204743042"/>
+      </p:ext>
+    </p:extLst>
+  </p:cSld>
+  <p:clrMapOvr>
+    <a:masterClrMapping/>
+  </p:clrMapOvr>
+</p:sld>
+</file>
+
+<file path=ppt/slides/slide40.xml><?xml version="1.0" encoding="utf-8"?>
 <p:sld xmlns:a="http://schemas.openxmlformats.org/drawingml/2006/main" xmlns:r="http://schemas.openxmlformats.org/officeDocument/2006/relationships" xmlns:p="http://schemas.openxmlformats.org/presentationml/2006/main">
   <p:cSld>
     <p:spTree>
@@ -28038,137 +32863,7 @@
 </p:sld>
 </file>
 
-<file path=ppt/slides/slide4.xml><?xml version="1.0" encoding="utf-8"?>
-<p:sld xmlns:a="http://schemas.openxmlformats.org/drawingml/2006/main" xmlns:r="http://schemas.openxmlformats.org/officeDocument/2006/relationships" xmlns:p="http://schemas.openxmlformats.org/presentationml/2006/main">
-  <p:cSld>
-    <p:spTree>
-      <p:nvGrpSpPr>
-        <p:cNvPr id="1" name=""/>
-        <p:cNvGrpSpPr/>
-        <p:nvPr/>
-      </p:nvGrpSpPr>
-      <p:grpSpPr>
-        <a:xfrm>
-          <a:off x="0" y="0"/>
-          <a:ext cx="0" cy="0"/>
-          <a:chOff x="0" y="0"/>
-          <a:chExt cx="0" cy="0"/>
-        </a:xfrm>
-      </p:grpSpPr>
-      <p:sp>
-        <p:nvSpPr>
-          <p:cNvPr id="2" name="Title 1">
-            <a:extLst>
-              <a:ext uri="{FF2B5EF4-FFF2-40B4-BE49-F238E27FC236}">
-                <a16:creationId xmlns:a16="http://schemas.microsoft.com/office/drawing/2014/main" id="{56129DDF-461C-43E8-B761-75B2FFAAF346}"/>
-              </a:ext>
-            </a:extLst>
-          </p:cNvPr>
-          <p:cNvSpPr>
-            <a:spLocks noGrp="1"/>
-          </p:cNvSpPr>
-          <p:nvPr>
-            <p:ph type="title"/>
-          </p:nvPr>
-        </p:nvSpPr>
-        <p:spPr/>
-        <p:txBody>
-          <a:bodyPr/>
-          <a:lstStyle/>
-          <a:p>
-            <a:r>
-              <a:rPr lang="en-US" cap="none" dirty="0"/>
-              <a:t>About This Talk</a:t>
-            </a:r>
-          </a:p>
-        </p:txBody>
-      </p:sp>
-      <p:sp>
-        <p:nvSpPr>
-          <p:cNvPr id="7" name="Content Placeholder 6">
-            <a:extLst>
-              <a:ext uri="{FF2B5EF4-FFF2-40B4-BE49-F238E27FC236}">
-                <a16:creationId xmlns:a16="http://schemas.microsoft.com/office/drawing/2014/main" id="{BD6A176B-5D5E-4687-98BF-B8A7FDDCBCF5}"/>
-              </a:ext>
-            </a:extLst>
-          </p:cNvPr>
-          <p:cNvSpPr>
-            <a:spLocks noGrp="1"/>
-          </p:cNvSpPr>
-          <p:nvPr>
-            <p:ph idx="1"/>
-          </p:nvPr>
-        </p:nvSpPr>
-        <p:spPr/>
-        <p:txBody>
-          <a:bodyPr>
-            <a:normAutofit lnSpcReduction="10000"/>
-          </a:bodyPr>
-          <a:lstStyle/>
-          <a:p>
-            <a:r>
-              <a:rPr lang="en-US" dirty="0"/>
-              <a:t>Intended to introduce variety of tools and ideas to give you options when working with legacy code</a:t>
-            </a:r>
-            <a:br>
-              <a:rPr lang="en-US" dirty="0"/>
-            </a:br>
-            <a:endParaRPr lang="en-US" dirty="0"/>
-          </a:p>
-          <a:p>
-            <a:r>
-              <a:rPr lang="en-US" dirty="0"/>
-              <a:t>Structure:</a:t>
-            </a:r>
-          </a:p>
-          <a:p>
-            <a:pPr lvl="1"/>
-            <a:r>
-              <a:rPr lang="en-US" dirty="0"/>
-              <a:t>Quick Primer on Unit Testing</a:t>
-            </a:r>
-          </a:p>
-          <a:p>
-            <a:pPr lvl="1"/>
-            <a:r>
-              <a:rPr lang="en-US" dirty="0"/>
-              <a:t>Highlighted .NET libraries that aid in unit testing</a:t>
-            </a:r>
-          </a:p>
-          <a:p>
-            <a:pPr lvl="1"/>
-            <a:r>
-              <a:rPr lang="en-US" dirty="0"/>
-              <a:t>Other techniques for improving software quality</a:t>
-            </a:r>
-          </a:p>
-          <a:p>
-            <a:pPr lvl="1"/>
-            <a:r>
-              <a:rPr lang="en-US" dirty="0"/>
-              <a:t>Quick Primer on Quality Analysis</a:t>
-            </a:r>
-          </a:p>
-          <a:p>
-            <a:pPr lvl="1"/>
-            <a:endParaRPr lang="en-US" dirty="0"/>
-          </a:p>
-        </p:txBody>
-      </p:sp>
-    </p:spTree>
-    <p:extLst>
-      <p:ext uri="{BB962C8B-B14F-4D97-AF65-F5344CB8AC3E}">
-        <p14:creationId xmlns:p14="http://schemas.microsoft.com/office/powerpoint/2010/main" val="1204743042"/>
-      </p:ext>
-    </p:extLst>
-  </p:cSld>
-  <p:clrMapOvr>
-    <a:masterClrMapping/>
-  </p:clrMapOvr>
-</p:sld>
-</file>
-
-<file path=ppt/slides/slide40.xml><?xml version="1.0" encoding="utf-8"?>
+<file path=ppt/slides/slide41.xml><?xml version="1.0" encoding="utf-8"?>
 <p:sld xmlns:a="http://schemas.openxmlformats.org/drawingml/2006/main" xmlns:r="http://schemas.openxmlformats.org/officeDocument/2006/relationships" xmlns:p="http://schemas.openxmlformats.org/presentationml/2006/main">
   <p:cSld>
     <p:spTree>
@@ -28251,7 +32946,7 @@
 </p:sld>
 </file>
 
-<file path=ppt/slides/slide41.xml><?xml version="1.0" encoding="utf-8"?>
+<file path=ppt/slides/slide42.xml><?xml version="1.0" encoding="utf-8"?>
 <p:sld xmlns:a="http://schemas.openxmlformats.org/drawingml/2006/main" xmlns:r="http://schemas.openxmlformats.org/officeDocument/2006/relationships" xmlns:p="http://schemas.openxmlformats.org/presentationml/2006/main">
   <p:cSld>
     <p:spTree>
@@ -28334,7 +33029,7 @@
 </p:sld>
 </file>
 
-<file path=ppt/slides/slide42.xml><?xml version="1.0" encoding="utf-8"?>
+<file path=ppt/slides/slide43.xml><?xml version="1.0" encoding="utf-8"?>
 <p:sld xmlns:a="http://schemas.openxmlformats.org/drawingml/2006/main" xmlns:r="http://schemas.openxmlformats.org/officeDocument/2006/relationships" xmlns:p="http://schemas.openxmlformats.org/presentationml/2006/main">
   <p:cSld>
     <p:spTree>
@@ -28418,7 +33113,7 @@
 </p:sld>
 </file>
 
-<file path=ppt/slides/slide43.xml><?xml version="1.0" encoding="utf-8"?>
+<file path=ppt/slides/slide44.xml><?xml version="1.0" encoding="utf-8"?>
 <p:sld xmlns:a="http://schemas.openxmlformats.org/drawingml/2006/main" xmlns:r="http://schemas.openxmlformats.org/officeDocument/2006/relationships" xmlns:p="http://schemas.openxmlformats.org/presentationml/2006/main">
   <p:cSld>
     <p:spTree>
@@ -28501,7 +33196,7 @@
 </p:sld>
 </file>
 
-<file path=ppt/slides/slide44.xml><?xml version="1.0" encoding="utf-8"?>
+<file path=ppt/slides/slide45.xml><?xml version="1.0" encoding="utf-8"?>
 <p:sld xmlns:a="http://schemas.openxmlformats.org/drawingml/2006/main" xmlns:r="http://schemas.openxmlformats.org/officeDocument/2006/relationships" xmlns:p="http://schemas.openxmlformats.org/presentationml/2006/main">
   <p:cSld>
     <p:spTree>
@@ -28584,7 +33279,7 @@
 </p:sld>
 </file>
 
-<file path=ppt/slides/slide45.xml><?xml version="1.0" encoding="utf-8"?>
+<file path=ppt/slides/slide46.xml><?xml version="1.0" encoding="utf-8"?>
 <p:sld xmlns:a="http://schemas.openxmlformats.org/drawingml/2006/main" xmlns:r="http://schemas.openxmlformats.org/officeDocument/2006/relationships" xmlns:p="http://schemas.openxmlformats.org/presentationml/2006/main">
   <p:cSld>
     <p:spTree>
@@ -28667,7 +33362,7 @@
 </p:sld>
 </file>
 
-<file path=ppt/slides/slide46.xml><?xml version="1.0" encoding="utf-8"?>
+<file path=ppt/slides/slide47.xml><?xml version="1.0" encoding="utf-8"?>
 <p:sld xmlns:a="http://schemas.openxmlformats.org/drawingml/2006/main" xmlns:r="http://schemas.openxmlformats.org/officeDocument/2006/relationships" xmlns:p="http://schemas.openxmlformats.org/presentationml/2006/main">
   <p:cSld>
     <p:spTree>
@@ -28750,7 +33445,7 @@
 </p:sld>
 </file>
 
-<file path=ppt/slides/slide47.xml><?xml version="1.0" encoding="utf-8"?>
+<file path=ppt/slides/slide48.xml><?xml version="1.0" encoding="utf-8"?>
 <p:sld xmlns:a="http://schemas.openxmlformats.org/drawingml/2006/main" xmlns:r="http://schemas.openxmlformats.org/officeDocument/2006/relationships" xmlns:p="http://schemas.openxmlformats.org/presentationml/2006/main">
   <p:cSld>
     <p:spTree>
@@ -28833,7 +33528,7 @@
 </p:sld>
 </file>
 
-<file path=ppt/slides/slide48.xml><?xml version="1.0" encoding="utf-8"?>
+<file path=ppt/slides/slide49.xml><?xml version="1.0" encoding="utf-8"?>
 <p:sld xmlns:a="http://schemas.openxmlformats.org/drawingml/2006/main" xmlns:r="http://schemas.openxmlformats.org/officeDocument/2006/relationships" xmlns:p="http://schemas.openxmlformats.org/presentationml/2006/main">
   <p:cSld>
     <p:spTree>
@@ -29169,7 +33864,228 @@
 </p:sld>
 </file>
 
-<file path=ppt/slides/slide49.xml><?xml version="1.0" encoding="utf-8"?>
+<file path=ppt/slides/slide5.xml><?xml version="1.0" encoding="utf-8"?>
+<p:sld xmlns:a="http://schemas.openxmlformats.org/drawingml/2006/main" xmlns:r="http://schemas.openxmlformats.org/officeDocument/2006/relationships" xmlns:p="http://schemas.openxmlformats.org/presentationml/2006/main">
+  <p:cSld>
+    <p:spTree>
+      <p:nvGrpSpPr>
+        <p:cNvPr id="1" name=""/>
+        <p:cNvGrpSpPr/>
+        <p:nvPr/>
+      </p:nvGrpSpPr>
+      <p:grpSpPr>
+        <a:xfrm>
+          <a:off x="0" y="0"/>
+          <a:ext cx="0" cy="0"/>
+          <a:chOff x="0" y="0"/>
+          <a:chExt cx="0" cy="0"/>
+        </a:xfrm>
+      </p:grpSpPr>
+      <p:sp>
+        <p:nvSpPr>
+          <p:cNvPr id="2" name="Title 1">
+            <a:extLst>
+              <a:ext uri="{FF2B5EF4-FFF2-40B4-BE49-F238E27FC236}">
+                <a16:creationId xmlns:a16="http://schemas.microsoft.com/office/drawing/2014/main" id="{56129DDF-461C-43E8-B761-75B2FFAAF346}"/>
+              </a:ext>
+            </a:extLst>
+          </p:cNvPr>
+          <p:cNvSpPr>
+            <a:spLocks noGrp="1"/>
+          </p:cNvSpPr>
+          <p:nvPr>
+            <p:ph type="title"/>
+          </p:nvPr>
+        </p:nvSpPr>
+        <p:spPr/>
+        <p:txBody>
+          <a:bodyPr/>
+          <a:lstStyle/>
+          <a:p>
+            <a:r>
+              <a:rPr lang="en-US" cap="none" dirty="0"/>
+              <a:t>This Talk Is NOT</a:t>
+            </a:r>
+          </a:p>
+        </p:txBody>
+      </p:sp>
+      <p:sp>
+        <p:nvSpPr>
+          <p:cNvPr id="7" name="Content Placeholder 6">
+            <a:extLst>
+              <a:ext uri="{FF2B5EF4-FFF2-40B4-BE49-F238E27FC236}">
+                <a16:creationId xmlns:a16="http://schemas.microsoft.com/office/drawing/2014/main" id="{BD6A176B-5D5E-4687-98BF-B8A7FDDCBCF5}"/>
+              </a:ext>
+            </a:extLst>
+          </p:cNvPr>
+          <p:cNvSpPr>
+            <a:spLocks noGrp="1"/>
+          </p:cNvSpPr>
+          <p:nvPr>
+            <p:ph idx="1"/>
+          </p:nvPr>
+        </p:nvSpPr>
+        <p:spPr>
+          <a:xfrm>
+            <a:off x="1141412" y="2249487"/>
+            <a:ext cx="9905999" cy="3541714"/>
+          </a:xfrm>
+        </p:spPr>
+        <p:txBody>
+          <a:bodyPr/>
+          <a:lstStyle/>
+          <a:p>
+            <a:r>
+              <a:rPr lang="en-US" dirty="0"/>
+              <a:t>Focused on any particular .NET project type </a:t>
+            </a:r>
+          </a:p>
+          <a:p>
+            <a:pPr lvl="1"/>
+            <a:r>
+              <a:rPr lang="en-US" dirty="0"/>
+              <a:t>ASP .NET, XAML, Web API </a:t>
+            </a:r>
+            <a:r>
+              <a:rPr lang="en-US" dirty="0" err="1"/>
+              <a:t>etc</a:t>
+            </a:r>
+            <a:endParaRPr lang="en-US" dirty="0"/>
+          </a:p>
+          <a:p>
+            <a:r>
+              <a:rPr lang="en-US" dirty="0"/>
+              <a:t>Focused extensively on any one library or tool</a:t>
+            </a:r>
+          </a:p>
+          <a:p>
+            <a:r>
+              <a:rPr lang="en-US" dirty="0"/>
+              <a:t>Code-Intensive</a:t>
+            </a:r>
+          </a:p>
+          <a:p>
+            <a:r>
+              <a:rPr lang="en-US" dirty="0"/>
+              <a:t>Solely about unit testing</a:t>
+            </a:r>
+          </a:p>
+        </p:txBody>
+      </p:sp>
+      <p:pic>
+        <p:nvPicPr>
+          <p:cNvPr id="4098" name="Picture 2" descr="Related image">
+            <a:extLst>
+              <a:ext uri="{FF2B5EF4-FFF2-40B4-BE49-F238E27FC236}">
+                <a16:creationId xmlns:a16="http://schemas.microsoft.com/office/drawing/2014/main" id="{59AA86EE-28A2-45F6-9993-9039B36ADC7C}"/>
+              </a:ext>
+            </a:extLst>
+          </p:cNvPr>
+          <p:cNvPicPr>
+            <a:picLocks noChangeAspect="1" noChangeArrowheads="1"/>
+          </p:cNvPicPr>
+          <p:nvPr/>
+        </p:nvPicPr>
+        <p:blipFill rotWithShape="1">
+          <a:blip r:embed="rId2">
+            <a:extLst>
+              <a:ext uri="{BEBA8EAE-BF5A-486C-A8C5-ECC9F3942E4B}">
+                <a14:imgProps xmlns:a14="http://schemas.microsoft.com/office/drawing/2010/main">
+                  <a14:imgLayer r:embed="rId3">
+                    <a14:imgEffect>
+                      <a14:backgroundRemoval t="10000" b="90000" l="10000" r="49038">
+                        <a14:foregroundMark x1="61154" y1="53333" x2="60962" y2="41667"/>
+                        <a14:foregroundMark x1="66538" y1="53667" x2="65192" y2="48000"/>
+                        <a14:foregroundMark x1="80385" y1="52333" x2="80769" y2="45333"/>
+                        <a14:backgroundMark x1="56346" y1="63667" x2="57115" y2="63333"/>
+                        <a14:backgroundMark x1="59423" y1="66000" x2="59423" y2="64333"/>
+                        <a14:backgroundMark x1="60000" y1="65000" x2="59423" y2="63000"/>
+                      </a14:backgroundRemoval>
+                    </a14:imgEffect>
+                  </a14:imgLayer>
+                </a14:imgProps>
+              </a:ext>
+              <a:ext uri="{28A0092B-C50C-407E-A947-70E740481C1C}">
+                <a14:useLocalDpi xmlns:a14="http://schemas.microsoft.com/office/drawing/2010/main" val="0"/>
+              </a:ext>
+            </a:extLst>
+          </a:blip>
+          <a:srcRect l="7930" t="17847" r="50473" b="13202"/>
+          <a:stretch/>
+        </p:blipFill>
+        <p:spPr bwMode="auto">
+          <a:xfrm>
+            <a:off x="8473440" y="1659547"/>
+            <a:ext cx="2800767" cy="2678388"/>
+          </a:xfrm>
+          <a:prstGeom prst="rect">
+            <a:avLst/>
+          </a:prstGeom>
+          <a:noFill/>
+          <a:extLst>
+            <a:ext uri="{909E8E84-426E-40DD-AFC4-6F175D3DCCD1}">
+              <a14:hiddenFill xmlns:a14="http://schemas.microsoft.com/office/drawing/2010/main">
+                <a:solidFill>
+                  <a:srgbClr val="FFFFFF"/>
+                </a:solidFill>
+              </a14:hiddenFill>
+            </a:ext>
+          </a:extLst>
+        </p:spPr>
+      </p:pic>
+      <p:sp>
+        <p:nvSpPr>
+          <p:cNvPr id="3" name="TextBox 2">
+            <a:extLst>
+              <a:ext uri="{FF2B5EF4-FFF2-40B4-BE49-F238E27FC236}">
+                <a16:creationId xmlns:a16="http://schemas.microsoft.com/office/drawing/2014/main" id="{C7E75639-F814-4CBD-9772-0850B2B76245}"/>
+              </a:ext>
+            </a:extLst>
+          </p:cNvPr>
+          <p:cNvSpPr txBox="1"/>
+          <p:nvPr/>
+        </p:nvSpPr>
+        <p:spPr>
+          <a:xfrm>
+            <a:off x="8473440" y="4414134"/>
+            <a:ext cx="2800767" cy="584775"/>
+          </a:xfrm>
+          <a:prstGeom prst="rect">
+            <a:avLst/>
+          </a:prstGeom>
+          <a:noFill/>
+        </p:spPr>
+        <p:txBody>
+          <a:bodyPr wrap="none" rtlCol="0">
+            <a:spAutoFit/>
+          </a:bodyPr>
+          <a:lstStyle/>
+          <a:p>
+            <a:r>
+              <a:rPr lang="en-US" sz="3200" dirty="0">
+                <a:latin typeface="Roboto Condensed" panose="02000000000000000000" pitchFamily="2" charset="0"/>
+                <a:ea typeface="Roboto Condensed" panose="02000000000000000000" pitchFamily="2" charset="0"/>
+                <a:cs typeface="Roboto Condensed" panose="02000000000000000000" pitchFamily="2" charset="0"/>
+              </a:rPr>
+              <a:t>403 FORBIDDEN</a:t>
+            </a:r>
+          </a:p>
+        </p:txBody>
+      </p:sp>
+    </p:spTree>
+    <p:extLst>
+      <p:ext uri="{BB962C8B-B14F-4D97-AF65-F5344CB8AC3E}">
+        <p14:creationId xmlns:p14="http://schemas.microsoft.com/office/powerpoint/2010/main" val="4227452076"/>
+      </p:ext>
+    </p:extLst>
+  </p:cSld>
+  <p:clrMapOvr>
+    <a:masterClrMapping/>
+  </p:clrMapOvr>
+</p:sld>
+</file>
+
+<file path=ppt/slides/slide50.xml><?xml version="1.0" encoding="utf-8"?>
 <p:sld xmlns:a="http://schemas.openxmlformats.org/drawingml/2006/main" xmlns:r="http://schemas.openxmlformats.org/officeDocument/2006/relationships" xmlns:p="http://schemas.openxmlformats.org/presentationml/2006/main">
   <p:cSld>
     <p:spTree>
@@ -29505,125 +34421,7 @@
 </p:sld>
 </file>
 
-<file path=ppt/slides/slide5.xml><?xml version="1.0" encoding="utf-8"?>
-<p:sld xmlns:a="http://schemas.openxmlformats.org/drawingml/2006/main" xmlns:r="http://schemas.openxmlformats.org/officeDocument/2006/relationships" xmlns:p="http://schemas.openxmlformats.org/presentationml/2006/main">
-  <p:cSld>
-    <p:spTree>
-      <p:nvGrpSpPr>
-        <p:cNvPr id="1" name=""/>
-        <p:cNvGrpSpPr/>
-        <p:nvPr/>
-      </p:nvGrpSpPr>
-      <p:grpSpPr>
-        <a:xfrm>
-          <a:off x="0" y="0"/>
-          <a:ext cx="0" cy="0"/>
-          <a:chOff x="0" y="0"/>
-          <a:chExt cx="0" cy="0"/>
-        </a:xfrm>
-      </p:grpSpPr>
-      <p:sp>
-        <p:nvSpPr>
-          <p:cNvPr id="2" name="Title 1">
-            <a:extLst>
-              <a:ext uri="{FF2B5EF4-FFF2-40B4-BE49-F238E27FC236}">
-                <a16:creationId xmlns:a16="http://schemas.microsoft.com/office/drawing/2014/main" id="{56129DDF-461C-43E8-B761-75B2FFAAF346}"/>
-              </a:ext>
-            </a:extLst>
-          </p:cNvPr>
-          <p:cNvSpPr>
-            <a:spLocks noGrp="1"/>
-          </p:cNvSpPr>
-          <p:nvPr>
-            <p:ph type="title"/>
-          </p:nvPr>
-        </p:nvSpPr>
-        <p:spPr/>
-        <p:txBody>
-          <a:bodyPr/>
-          <a:lstStyle/>
-          <a:p>
-            <a:r>
-              <a:rPr lang="en-US" cap="none" dirty="0"/>
-              <a:t>This Talk Is NOT</a:t>
-            </a:r>
-          </a:p>
-        </p:txBody>
-      </p:sp>
-      <p:sp>
-        <p:nvSpPr>
-          <p:cNvPr id="7" name="Content Placeholder 6">
-            <a:extLst>
-              <a:ext uri="{FF2B5EF4-FFF2-40B4-BE49-F238E27FC236}">
-                <a16:creationId xmlns:a16="http://schemas.microsoft.com/office/drawing/2014/main" id="{BD6A176B-5D5E-4687-98BF-B8A7FDDCBCF5}"/>
-              </a:ext>
-            </a:extLst>
-          </p:cNvPr>
-          <p:cNvSpPr>
-            <a:spLocks noGrp="1"/>
-          </p:cNvSpPr>
-          <p:nvPr>
-            <p:ph idx="1"/>
-          </p:nvPr>
-        </p:nvSpPr>
-        <p:spPr/>
-        <p:txBody>
-          <a:bodyPr/>
-          <a:lstStyle/>
-          <a:p>
-            <a:r>
-              <a:rPr lang="en-US" dirty="0"/>
-              <a:t>Focused on any one particular .NET project type (ASP .NET, XAML, </a:t>
-            </a:r>
-            <a:r>
-              <a:rPr lang="en-US" dirty="0" err="1"/>
-              <a:t>etc</a:t>
-            </a:r>
-            <a:r>
-              <a:rPr lang="en-US" dirty="0"/>
-              <a:t>)</a:t>
-            </a:r>
-          </a:p>
-          <a:p>
-            <a:r>
-              <a:rPr lang="en-US" dirty="0"/>
-              <a:t>Focused extensively on any one library or tool</a:t>
-            </a:r>
-          </a:p>
-          <a:p>
-            <a:r>
-              <a:rPr lang="en-US" dirty="0"/>
-              <a:t>Code-Intensive</a:t>
-            </a:r>
-          </a:p>
-          <a:p>
-            <a:r>
-              <a:rPr lang="en-US" dirty="0"/>
-              <a:t>Solely about unit testing</a:t>
-            </a:r>
-          </a:p>
-          <a:p>
-            <a:r>
-              <a:rPr lang="en-US" dirty="0"/>
-              <a:t>Intended to be prescriptive of one library / tool over another</a:t>
-            </a:r>
-          </a:p>
-        </p:txBody>
-      </p:sp>
-    </p:spTree>
-    <p:extLst>
-      <p:ext uri="{BB962C8B-B14F-4D97-AF65-F5344CB8AC3E}">
-        <p14:creationId xmlns:p14="http://schemas.microsoft.com/office/powerpoint/2010/main" val="4227452076"/>
-      </p:ext>
-    </p:extLst>
-  </p:cSld>
-  <p:clrMapOvr>
-    <a:masterClrMapping/>
-  </p:clrMapOvr>
-</p:sld>
-</file>
-
-<file path=ppt/slides/slide50.xml><?xml version="1.0" encoding="utf-8"?>
+<file path=ppt/slides/slide51.xml><?xml version="1.0" encoding="utf-8"?>
 <p:sld xmlns:a="http://schemas.openxmlformats.org/drawingml/2006/main" xmlns:r="http://schemas.openxmlformats.org/officeDocument/2006/relationships" xmlns:p="http://schemas.openxmlformats.org/presentationml/2006/main">
   <p:cSld>
     <p:spTree>
@@ -29984,7 +34782,7 @@
 </p:sld>
 </file>
 
-<file path=ppt/slides/slide51.xml><?xml version="1.0" encoding="utf-8"?>
+<file path=ppt/slides/slide52.xml><?xml version="1.0" encoding="utf-8"?>
 <p:sld xmlns:a="http://schemas.openxmlformats.org/drawingml/2006/main" xmlns:r="http://schemas.openxmlformats.org/officeDocument/2006/relationships" xmlns:p="http://schemas.openxmlformats.org/presentationml/2006/main">
   <p:cSld>
     <p:spTree>

--- a/Software Quality Recipes for Legacy.pptx
+++ b/Software Quality Recipes for Legacy.pptx
@@ -11,52 +11,54 @@
     <p:sldId id="258" r:id="rId5"/>
     <p:sldId id="266" r:id="rId6"/>
     <p:sldId id="309" r:id="rId7"/>
-    <p:sldId id="316" r:id="rId8"/>
-    <p:sldId id="319" r:id="rId9"/>
-    <p:sldId id="260" r:id="rId10"/>
-    <p:sldId id="291" r:id="rId11"/>
-    <p:sldId id="277" r:id="rId12"/>
-    <p:sldId id="320" r:id="rId13"/>
-    <p:sldId id="322" r:id="rId14"/>
-    <p:sldId id="321" r:id="rId15"/>
-    <p:sldId id="324" r:id="rId16"/>
-    <p:sldId id="325" r:id="rId17"/>
-    <p:sldId id="290" r:id="rId18"/>
-    <p:sldId id="278" r:id="rId19"/>
-    <p:sldId id="306" r:id="rId20"/>
-    <p:sldId id="327" r:id="rId21"/>
-    <p:sldId id="330" r:id="rId22"/>
-    <p:sldId id="329" r:id="rId23"/>
-    <p:sldId id="263" r:id="rId24"/>
-    <p:sldId id="276" r:id="rId25"/>
-    <p:sldId id="273" r:id="rId26"/>
-    <p:sldId id="271" r:id="rId27"/>
-    <p:sldId id="286" r:id="rId28"/>
-    <p:sldId id="272" r:id="rId29"/>
-    <p:sldId id="315" r:id="rId30"/>
-    <p:sldId id="317" r:id="rId31"/>
-    <p:sldId id="270" r:id="rId32"/>
-    <p:sldId id="311" r:id="rId33"/>
-    <p:sldId id="318" r:id="rId34"/>
-    <p:sldId id="264" r:id="rId35"/>
-    <p:sldId id="269" r:id="rId36"/>
-    <p:sldId id="308" r:id="rId37"/>
-    <p:sldId id="294" r:id="rId38"/>
-    <p:sldId id="274" r:id="rId39"/>
-    <p:sldId id="280" r:id="rId40"/>
-    <p:sldId id="284" r:id="rId41"/>
-    <p:sldId id="285" r:id="rId42"/>
-    <p:sldId id="305" r:id="rId43"/>
-    <p:sldId id="303" r:id="rId44"/>
-    <p:sldId id="300" r:id="rId45"/>
-    <p:sldId id="301" r:id="rId46"/>
-    <p:sldId id="310" r:id="rId47"/>
-    <p:sldId id="313" r:id="rId48"/>
-    <p:sldId id="302" r:id="rId49"/>
-    <p:sldId id="265" r:id="rId50"/>
-    <p:sldId id="267" r:id="rId51"/>
-    <p:sldId id="287" r:id="rId52"/>
-    <p:sldId id="259" r:id="rId53"/>
+    <p:sldId id="260" r:id="rId8"/>
+    <p:sldId id="291" r:id="rId9"/>
+    <p:sldId id="277" r:id="rId10"/>
+    <p:sldId id="320" r:id="rId11"/>
+    <p:sldId id="322" r:id="rId12"/>
+    <p:sldId id="321" r:id="rId13"/>
+    <p:sldId id="324" r:id="rId14"/>
+    <p:sldId id="325" r:id="rId15"/>
+    <p:sldId id="290" r:id="rId16"/>
+    <p:sldId id="278" r:id="rId17"/>
+    <p:sldId id="306" r:id="rId18"/>
+    <p:sldId id="330" r:id="rId19"/>
+    <p:sldId id="327" r:id="rId20"/>
+    <p:sldId id="331" r:id="rId21"/>
+    <p:sldId id="332" r:id="rId22"/>
+    <p:sldId id="333" r:id="rId23"/>
+    <p:sldId id="334" r:id="rId24"/>
+    <p:sldId id="329" r:id="rId25"/>
+    <p:sldId id="263" r:id="rId26"/>
+    <p:sldId id="270" r:id="rId27"/>
+    <p:sldId id="276" r:id="rId28"/>
+    <p:sldId id="273" r:id="rId29"/>
+    <p:sldId id="271" r:id="rId30"/>
+    <p:sldId id="286" r:id="rId31"/>
+    <p:sldId id="272" r:id="rId32"/>
+    <p:sldId id="315" r:id="rId33"/>
+    <p:sldId id="317" r:id="rId34"/>
+    <p:sldId id="311" r:id="rId35"/>
+    <p:sldId id="318" r:id="rId36"/>
+    <p:sldId id="264" r:id="rId37"/>
+    <p:sldId id="269" r:id="rId38"/>
+    <p:sldId id="308" r:id="rId39"/>
+    <p:sldId id="294" r:id="rId40"/>
+    <p:sldId id="274" r:id="rId41"/>
+    <p:sldId id="280" r:id="rId42"/>
+    <p:sldId id="284" r:id="rId43"/>
+    <p:sldId id="285" r:id="rId44"/>
+    <p:sldId id="305" r:id="rId45"/>
+    <p:sldId id="303" r:id="rId46"/>
+    <p:sldId id="300" r:id="rId47"/>
+    <p:sldId id="301" r:id="rId48"/>
+    <p:sldId id="310" r:id="rId49"/>
+    <p:sldId id="313" r:id="rId50"/>
+    <p:sldId id="302" r:id="rId51"/>
+    <p:sldId id="265" r:id="rId52"/>
+    <p:sldId id="267" r:id="rId53"/>
+    <p:sldId id="287" r:id="rId54"/>
+    <p:sldId id="259" r:id="rId55"/>
   </p:sldIdLst>
   <p:sldSz cx="12192000" cy="6858000"/>
   <p:notesSz cx="6858000" cy="9144000"/>
@@ -170,8 +172,6 @@
         <p14:section name="Example Codebase" id="{FA0EC0E7-A608-4FCD-BB1B-BF49FFA9B001}">
           <p14:sldIdLst>
             <p14:sldId id="309"/>
-            <p14:sldId id="316"/>
-            <p14:sldId id="319"/>
           </p14:sldIdLst>
         </p14:section>
         <p14:section name="Unit Testing 101" id="{EBB37E95-7099-4B69-B317-167DBBA818D6}">
@@ -187,14 +187,19 @@
             <p14:sldId id="290"/>
             <p14:sldId id="278"/>
             <p14:sldId id="306"/>
+            <p14:sldId id="330"/>
             <p14:sldId id="327"/>
-            <p14:sldId id="330"/>
+            <p14:sldId id="331"/>
+            <p14:sldId id="332"/>
+            <p14:sldId id="333"/>
+            <p14:sldId id="334"/>
             <p14:sldId id="329"/>
           </p14:sldIdLst>
         </p14:section>
         <p14:section name="Libraries" id="{721D9537-7B3B-4764-B91E-5832A8354E51}">
           <p14:sldIdLst>
             <p14:sldId id="263"/>
+            <p14:sldId id="270"/>
             <p14:sldId id="276"/>
             <p14:sldId id="273"/>
             <p14:sldId id="271"/>
@@ -202,7 +207,6 @@
             <p14:sldId id="272"/>
             <p14:sldId id="315"/>
             <p14:sldId id="317"/>
-            <p14:sldId id="270"/>
             <p14:sldId id="311"/>
             <p14:sldId id="318"/>
           </p14:sldIdLst>
@@ -27546,359 +27550,6 @@
           <a:chExt cx="0" cy="0"/>
         </a:xfrm>
       </p:grpSpPr>
-      <p:graphicFrame>
-        <p:nvGraphicFramePr>
-          <p:cNvPr id="18" name="Content Placeholder 12">
-            <a:extLst>
-              <a:ext uri="{FF2B5EF4-FFF2-40B4-BE49-F238E27FC236}">
-                <a16:creationId xmlns:a16="http://schemas.microsoft.com/office/drawing/2014/main" id="{3285EE39-92DD-4873-B3EA-C7BCB8A95AE8}"/>
-              </a:ext>
-            </a:extLst>
-          </p:cNvPr>
-          <p:cNvGraphicFramePr>
-            <a:graphicFrameLocks noGrp="1"/>
-          </p:cNvGraphicFramePr>
-          <p:nvPr>
-            <p:ph type="pic" idx="4294967295"/>
-            <p:extLst>
-              <p:ext uri="{D42A27DB-BD31-4B8C-83A1-F6EECF244321}">
-                <p14:modId xmlns:p14="http://schemas.microsoft.com/office/powerpoint/2010/main" val="1673782684"/>
-              </p:ext>
-            </p:extLst>
-          </p:nvPr>
-        </p:nvGraphicFramePr>
-        <p:xfrm>
-          <a:off x="1037239" y="930720"/>
-          <a:ext cx="10572052" cy="5266944"/>
-        </p:xfrm>
-        <a:graphic>
-          <a:graphicData uri="http://schemas.openxmlformats.org/drawingml/2006/diagram">
-            <dgm:relIds xmlns:dgm="http://schemas.openxmlformats.org/drawingml/2006/diagram" xmlns:r="http://schemas.openxmlformats.org/officeDocument/2006/relationships" r:dm="rId2" r:lo="rId3" r:qs="rId4" r:cs="rId5"/>
-          </a:graphicData>
-        </a:graphic>
-      </p:graphicFrame>
-      <p:sp>
-        <p:nvSpPr>
-          <p:cNvPr id="23" name="Title 3">
-            <a:extLst>
-              <a:ext uri="{FF2B5EF4-FFF2-40B4-BE49-F238E27FC236}">
-                <a16:creationId xmlns:a16="http://schemas.microsoft.com/office/drawing/2014/main" id="{F0A19E53-6231-491C-A887-D93B61383759}"/>
-              </a:ext>
-            </a:extLst>
-          </p:cNvPr>
-          <p:cNvSpPr txBox="1">
-            <a:spLocks/>
-          </p:cNvSpPr>
-          <p:nvPr/>
-        </p:nvSpPr>
-        <p:spPr>
-          <a:xfrm>
-            <a:off x="1141413" y="0"/>
-            <a:ext cx="9905998" cy="1478570"/>
-          </a:xfrm>
-          <a:prstGeom prst="rect">
-            <a:avLst/>
-          </a:prstGeom>
-        </p:spPr>
-        <p:txBody>
-          <a:bodyPr vert="horz" lIns="91440" tIns="45720" rIns="91440" bIns="45720" rtlCol="0" anchor="ctr">
-            <a:normAutofit/>
-          </a:bodyPr>
-          <a:lstStyle>
-            <a:lvl1pPr algn="l" defTabSz="914400" rtl="0" eaLnBrk="1" latinLnBrk="0" hangingPunct="1">
-              <a:lnSpc>
-                <a:spcPct val="90000"/>
-              </a:lnSpc>
-              <a:spcBef>
-                <a:spcPct val="0"/>
-              </a:spcBef>
-              <a:buNone/>
-              <a:defRPr sz="3600" kern="1200" cap="all" baseline="0">
-                <a:solidFill>
-                  <a:schemeClr val="tx1"/>
-                </a:solidFill>
-                <a:effectLst>
-                  <a:outerShdw blurRad="177800" dist="38100" dir="2700000" algn="tl">
-                    <a:srgbClr val="000000">
-                      <a:alpha val="24000"/>
-                    </a:srgbClr>
-                  </a:outerShdw>
-                </a:effectLst>
-                <a:latin typeface="+mj-lt"/>
-                <a:ea typeface="+mj-ea"/>
-                <a:cs typeface="+mj-cs"/>
-              </a:defRPr>
-            </a:lvl1pPr>
-          </a:lstStyle>
-          <a:p>
-            <a:r>
-              <a:rPr lang="en-US" cap="none" dirty="0"/>
-              <a:t>Types of Tests</a:t>
-            </a:r>
-          </a:p>
-        </p:txBody>
-      </p:sp>
-      <p:sp>
-        <p:nvSpPr>
-          <p:cNvPr id="26" name="Arrow: Down 25">
-            <a:extLst>
-              <a:ext uri="{FF2B5EF4-FFF2-40B4-BE49-F238E27FC236}">
-                <a16:creationId xmlns:a16="http://schemas.microsoft.com/office/drawing/2014/main" id="{8C436F3A-8B58-470E-8A7E-67AE3D36BFF2}"/>
-              </a:ext>
-            </a:extLst>
-          </p:cNvPr>
-          <p:cNvSpPr/>
-          <p:nvPr/>
-        </p:nvSpPr>
-        <p:spPr>
-          <a:xfrm rot="17673808">
-            <a:off x="1620239" y="4965379"/>
-            <a:ext cx="459148" cy="586953"/>
-          </a:xfrm>
-          <a:prstGeom prst="downArrow">
-            <a:avLst/>
-          </a:prstGeom>
-        </p:spPr>
-        <p:style>
-          <a:lnRef idx="2">
-            <a:schemeClr val="accent3">
-              <a:shade val="50000"/>
-            </a:schemeClr>
-          </a:lnRef>
-          <a:fillRef idx="1">
-            <a:schemeClr val="accent3"/>
-          </a:fillRef>
-          <a:effectRef idx="0">
-            <a:schemeClr val="accent3"/>
-          </a:effectRef>
-          <a:fontRef idx="minor">
-            <a:schemeClr val="lt1"/>
-          </a:fontRef>
-        </p:style>
-        <p:txBody>
-          <a:bodyPr rtlCol="0" anchor="ctr"/>
-          <a:lstStyle/>
-          <a:p>
-            <a:pPr algn="ctr"/>
-            <a:endParaRPr lang="en-US"/>
-          </a:p>
-        </p:txBody>
-      </p:sp>
-    </p:spTree>
-    <p:extLst>
-      <p:ext uri="{BB962C8B-B14F-4D97-AF65-F5344CB8AC3E}">
-        <p14:creationId xmlns:p14="http://schemas.microsoft.com/office/powerpoint/2010/main" val="3340561667"/>
-      </p:ext>
-    </p:extLst>
-  </p:cSld>
-  <p:clrMapOvr>
-    <a:masterClrMapping/>
-  </p:clrMapOvr>
-  <p:timing>
-    <p:tnLst>
-      <p:par>
-        <p:cTn id="1" dur="indefinite" restart="never" nodeType="tmRoot">
-          <p:childTnLst>
-            <p:seq concurrent="1" nextAc="seek">
-              <p:cTn id="2" dur="indefinite" nodeType="mainSeq">
-                <p:childTnLst>
-                  <p:par>
-                    <p:cTn id="3" fill="hold">
-                      <p:stCondLst>
-                        <p:cond delay="indefinite"/>
-                      </p:stCondLst>
-                      <p:childTnLst>
-                        <p:par>
-                          <p:cTn id="4" fill="hold">
-                            <p:stCondLst>
-                              <p:cond delay="0"/>
-                            </p:stCondLst>
-                            <p:childTnLst>
-                              <p:par>
-                                <p:cTn id="5" presetID="1" presetClass="entr" presetSubtype="0" fill="hold" grpId="0" nodeType="clickEffect">
-                                  <p:stCondLst>
-                                    <p:cond delay="0"/>
-                                  </p:stCondLst>
-                                  <p:childTnLst>
-                                    <p:set>
-                                      <p:cBhvr>
-                                        <p:cTn id="6" dur="1" fill="hold">
-                                          <p:stCondLst>
-                                            <p:cond delay="0"/>
-                                          </p:stCondLst>
-                                        </p:cTn>
-                                        <p:tgtEl>
-                                          <p:spTgt spid="26"/>
-                                        </p:tgtEl>
-                                        <p:attrNameLst>
-                                          <p:attrName>style.visibility</p:attrName>
-                                        </p:attrNameLst>
-                                      </p:cBhvr>
-                                      <p:to>
-                                        <p:strVal val="visible"/>
-                                      </p:to>
-                                    </p:set>
-                                  </p:childTnLst>
-                                </p:cTn>
-                              </p:par>
-                            </p:childTnLst>
-                          </p:cTn>
-                        </p:par>
-                      </p:childTnLst>
-                    </p:cTn>
-                  </p:par>
-                </p:childTnLst>
-              </p:cTn>
-              <p:prevCondLst>
-                <p:cond evt="onPrev" delay="0">
-                  <p:tgtEl>
-                    <p:sldTgt/>
-                  </p:tgtEl>
-                </p:cond>
-              </p:prevCondLst>
-              <p:nextCondLst>
-                <p:cond evt="onNext" delay="0">
-                  <p:tgtEl>
-                    <p:sldTgt/>
-                  </p:tgtEl>
-                </p:cond>
-              </p:nextCondLst>
-            </p:seq>
-          </p:childTnLst>
-        </p:cTn>
-      </p:par>
-    </p:tnLst>
-    <p:bldLst>
-      <p:bldP spid="26" grpId="0" animBg="1"/>
-    </p:bldLst>
-  </p:timing>
-</p:sld>
-</file>
-
-<file path=ppt/slides/slide11.xml><?xml version="1.0" encoding="utf-8"?>
-<p:sld xmlns:a="http://schemas.openxmlformats.org/drawingml/2006/main" xmlns:r="http://schemas.openxmlformats.org/officeDocument/2006/relationships" xmlns:p="http://schemas.openxmlformats.org/presentationml/2006/main">
-  <p:cSld>
-    <p:spTree>
-      <p:nvGrpSpPr>
-        <p:cNvPr id="1" name=""/>
-        <p:cNvGrpSpPr/>
-        <p:nvPr/>
-      </p:nvGrpSpPr>
-      <p:grpSpPr>
-        <a:xfrm>
-          <a:off x="0" y="0"/>
-          <a:ext cx="0" cy="0"/>
-          <a:chOff x="0" y="0"/>
-          <a:chExt cx="0" cy="0"/>
-        </a:xfrm>
-      </p:grpSpPr>
-      <p:sp>
-        <p:nvSpPr>
-          <p:cNvPr id="4" name="Title 3">
-            <a:extLst>
-              <a:ext uri="{FF2B5EF4-FFF2-40B4-BE49-F238E27FC236}">
-                <a16:creationId xmlns:a16="http://schemas.microsoft.com/office/drawing/2014/main" id="{EE13D860-9205-48B1-B675-4421397C217F}"/>
-              </a:ext>
-            </a:extLst>
-          </p:cNvPr>
-          <p:cNvSpPr>
-            <a:spLocks noGrp="1"/>
-          </p:cNvSpPr>
-          <p:nvPr>
-            <p:ph type="title"/>
-          </p:nvPr>
-        </p:nvSpPr>
-        <p:spPr>
-          <a:xfrm>
-            <a:off x="1141413" y="0"/>
-            <a:ext cx="9905998" cy="1478570"/>
-          </a:xfrm>
-        </p:spPr>
-        <p:txBody>
-          <a:bodyPr/>
-          <a:lstStyle/>
-          <a:p>
-            <a:r>
-              <a:rPr lang="en-US" cap="none" dirty="0"/>
-              <a:t>What is a Unit Test?</a:t>
-            </a:r>
-          </a:p>
-        </p:txBody>
-      </p:sp>
-      <p:pic>
-        <p:nvPicPr>
-          <p:cNvPr id="8" name="Picture 7">
-            <a:extLst>
-              <a:ext uri="{FF2B5EF4-FFF2-40B4-BE49-F238E27FC236}">
-                <a16:creationId xmlns:a16="http://schemas.microsoft.com/office/drawing/2014/main" id="{F77D794F-6085-4DD5-8161-95ABC4C7F82E}"/>
-              </a:ext>
-            </a:extLst>
-          </p:cNvPr>
-          <p:cNvPicPr>
-            <a:picLocks noChangeAspect="1"/>
-          </p:cNvPicPr>
-          <p:nvPr/>
-        </p:nvPicPr>
-        <p:blipFill>
-          <a:blip r:embed="rId2"/>
-          <a:stretch>
-            <a:fillRect/>
-          </a:stretch>
-        </p:blipFill>
-        <p:spPr>
-          <a:xfrm>
-            <a:off x="1300162" y="1830870"/>
-            <a:ext cx="10013781" cy="4106943"/>
-          </a:xfrm>
-          <a:prstGeom prst="rect">
-            <a:avLst/>
-          </a:prstGeom>
-          <a:ln w="38100" cap="sq">
-            <a:solidFill>
-              <a:srgbClr val="000000"/>
-            </a:solidFill>
-            <a:prstDash val="solid"/>
-            <a:miter lim="800000"/>
-          </a:ln>
-          <a:effectLst>
-            <a:outerShdw blurRad="50800" dist="38100" dir="2700000" algn="tl" rotWithShape="0">
-              <a:srgbClr val="000000">
-                <a:alpha val="43000"/>
-              </a:srgbClr>
-            </a:outerShdw>
-          </a:effectLst>
-        </p:spPr>
-      </p:pic>
-    </p:spTree>
-    <p:extLst>
-      <p:ext uri="{BB962C8B-B14F-4D97-AF65-F5344CB8AC3E}">
-        <p14:creationId xmlns:p14="http://schemas.microsoft.com/office/powerpoint/2010/main" val="3402936677"/>
-      </p:ext>
-    </p:extLst>
-  </p:cSld>
-  <p:clrMapOvr>
-    <a:masterClrMapping/>
-  </p:clrMapOvr>
-</p:sld>
-</file>
-
-<file path=ppt/slides/slide12.xml><?xml version="1.0" encoding="utf-8"?>
-<p:sld xmlns:a="http://schemas.openxmlformats.org/drawingml/2006/main" xmlns:r="http://schemas.openxmlformats.org/officeDocument/2006/relationships" xmlns:p="http://schemas.openxmlformats.org/presentationml/2006/main">
-  <p:cSld>
-    <p:spTree>
-      <p:nvGrpSpPr>
-        <p:cNvPr id="1" name=""/>
-        <p:cNvGrpSpPr/>
-        <p:nvPr/>
-      </p:nvGrpSpPr>
-      <p:grpSpPr>
-        <a:xfrm>
-          <a:off x="0" y="0"/>
-          <a:ext cx="0" cy="0"/>
-          <a:chOff x="0" y="0"/>
-          <a:chExt cx="0" cy="0"/>
-        </a:xfrm>
-      </p:grpSpPr>
       <p:sp>
         <p:nvSpPr>
           <p:cNvPr id="4" name="Title 3">
@@ -28035,7 +27686,7 @@
 </p:sld>
 </file>
 
-<file path=ppt/slides/slide13.xml><?xml version="1.0" encoding="utf-8"?>
+<file path=ppt/slides/slide11.xml><?xml version="1.0" encoding="utf-8"?>
 <p:sld xmlns:a="http://schemas.openxmlformats.org/drawingml/2006/main" xmlns:r="http://schemas.openxmlformats.org/officeDocument/2006/relationships" xmlns:p="http://schemas.openxmlformats.org/presentationml/2006/main">
   <p:cSld>
     <p:spTree>
@@ -28188,7 +27839,7 @@
 </p:sld>
 </file>
 
-<file path=ppt/slides/slide14.xml><?xml version="1.0" encoding="utf-8"?>
+<file path=ppt/slides/slide12.xml><?xml version="1.0" encoding="utf-8"?>
 <p:sld xmlns:a="http://schemas.openxmlformats.org/drawingml/2006/main" xmlns:r="http://schemas.openxmlformats.org/officeDocument/2006/relationships" xmlns:p="http://schemas.openxmlformats.org/presentationml/2006/main">
   <p:cSld>
     <p:spTree>
@@ -28341,7 +27992,7 @@
 </p:sld>
 </file>
 
-<file path=ppt/slides/slide15.xml><?xml version="1.0" encoding="utf-8"?>
+<file path=ppt/slides/slide13.xml><?xml version="1.0" encoding="utf-8"?>
 <p:sld xmlns:a="http://schemas.openxmlformats.org/drawingml/2006/main" xmlns:r="http://schemas.openxmlformats.org/officeDocument/2006/relationships" xmlns:p="http://schemas.openxmlformats.org/presentationml/2006/main">
   <p:cSld>
     <p:spTree>
@@ -28586,7 +28237,7 @@
 </p:sld>
 </file>
 
-<file path=ppt/slides/slide16.xml><?xml version="1.0" encoding="utf-8"?>
+<file path=ppt/slides/slide14.xml><?xml version="1.0" encoding="utf-8"?>
 <p:sld xmlns:a="http://schemas.openxmlformats.org/drawingml/2006/main" xmlns:r="http://schemas.openxmlformats.org/officeDocument/2006/relationships" xmlns:p="http://schemas.openxmlformats.org/presentationml/2006/main">
   <p:cSld>
     <p:spTree>
@@ -28831,7 +28482,7 @@
 </p:sld>
 </file>
 
-<file path=ppt/slides/slide17.xml><?xml version="1.0" encoding="utf-8"?>
+<file path=ppt/slides/slide15.xml><?xml version="1.0" encoding="utf-8"?>
 <p:sld xmlns:a="http://schemas.openxmlformats.org/drawingml/2006/main" xmlns:r="http://schemas.openxmlformats.org/officeDocument/2006/relationships" xmlns:p="http://schemas.openxmlformats.org/presentationml/2006/main">
   <p:cSld>
     <p:spTree>
@@ -29444,7 +29095,7 @@
 </p:sld>
 </file>
 
-<file path=ppt/slides/slide18.xml><?xml version="1.0" encoding="utf-8"?>
+<file path=ppt/slides/slide16.xml><?xml version="1.0" encoding="utf-8"?>
 <p:sld xmlns:a="http://schemas.openxmlformats.org/drawingml/2006/main" xmlns:r="http://schemas.openxmlformats.org/officeDocument/2006/relationships" xmlns:p="http://schemas.openxmlformats.org/presentationml/2006/main">
   <p:cSld>
     <p:spTree>
@@ -29537,7 +29188,7 @@
 </p:sld>
 </file>
 
-<file path=ppt/slides/slide19.xml><?xml version="1.0" encoding="utf-8"?>
+<file path=ppt/slides/slide17.xml><?xml version="1.0" encoding="utf-8"?>
 <p:sld xmlns:a="http://schemas.openxmlformats.org/drawingml/2006/main" xmlns:r="http://schemas.openxmlformats.org/officeDocument/2006/relationships" xmlns:p="http://schemas.openxmlformats.org/presentationml/2006/main">
   <p:cSld>
     <p:spTree>
@@ -29694,528 +29345,7 @@
 </p:sld>
 </file>
 
-<file path=ppt/slides/slide2.xml><?xml version="1.0" encoding="utf-8"?>
-<p:sld xmlns:a="http://schemas.openxmlformats.org/drawingml/2006/main" xmlns:r="http://schemas.openxmlformats.org/officeDocument/2006/relationships" xmlns:p="http://schemas.openxmlformats.org/presentationml/2006/main">
-  <p:cSld>
-    <p:spTree>
-      <p:nvGrpSpPr>
-        <p:cNvPr id="1" name=""/>
-        <p:cNvGrpSpPr/>
-        <p:nvPr/>
-      </p:nvGrpSpPr>
-      <p:grpSpPr>
-        <a:xfrm>
-          <a:off x="0" y="0"/>
-          <a:ext cx="0" cy="0"/>
-          <a:chOff x="0" y="0"/>
-          <a:chExt cx="0" cy="0"/>
-        </a:xfrm>
-      </p:grpSpPr>
-      <p:sp>
-        <p:nvSpPr>
-          <p:cNvPr id="2" name="Title 1">
-            <a:extLst>
-              <a:ext uri="{FF2B5EF4-FFF2-40B4-BE49-F238E27FC236}">
-                <a16:creationId xmlns:a16="http://schemas.microsoft.com/office/drawing/2014/main" id="{A2AA7CC2-6F2A-49F6-8BC3-602F91F4C2B7}"/>
-              </a:ext>
-            </a:extLst>
-          </p:cNvPr>
-          <p:cNvSpPr>
-            <a:spLocks noGrp="1"/>
-          </p:cNvSpPr>
-          <p:nvPr>
-            <p:ph type="title"/>
-          </p:nvPr>
-        </p:nvSpPr>
-        <p:spPr/>
-        <p:txBody>
-          <a:bodyPr/>
-          <a:lstStyle/>
-          <a:p>
-            <a:r>
-              <a:rPr lang="en-US" cap="none" dirty="0"/>
-              <a:t>About Me</a:t>
-            </a:r>
-          </a:p>
-        </p:txBody>
-      </p:sp>
-      <p:sp>
-        <p:nvSpPr>
-          <p:cNvPr id="3" name="Content Placeholder 2">
-            <a:extLst>
-              <a:ext uri="{FF2B5EF4-FFF2-40B4-BE49-F238E27FC236}">
-                <a16:creationId xmlns:a16="http://schemas.microsoft.com/office/drawing/2014/main" id="{69009204-086E-4F23-9F4B-ABDA3AD423AD}"/>
-              </a:ext>
-            </a:extLst>
-          </p:cNvPr>
-          <p:cNvSpPr>
-            <a:spLocks noGrp="1"/>
-          </p:cNvSpPr>
-          <p:nvPr>
-            <p:ph idx="1"/>
-          </p:nvPr>
-        </p:nvSpPr>
-        <p:spPr/>
-        <p:txBody>
-          <a:bodyPr>
-            <a:normAutofit/>
-          </a:bodyPr>
-          <a:lstStyle/>
-          <a:p>
-            <a:r>
-              <a:rPr lang="en-US" dirty="0"/>
-              <a:t>.NET / TypeScript / Angular Developer turned Manager / Mentor</a:t>
-            </a:r>
-          </a:p>
-          <a:p>
-            <a:r>
-              <a:rPr lang="en-US" dirty="0"/>
-              <a:t>Programming</a:t>
-            </a:r>
-          </a:p>
-          <a:p>
-            <a:pPr lvl="1"/>
-            <a:r>
-              <a:rPr lang="en-US" dirty="0"/>
-              <a:t>For fun since 1987</a:t>
-            </a:r>
-          </a:p>
-          <a:p>
-            <a:pPr lvl="1"/>
-            <a:r>
-              <a:rPr lang="en-US" dirty="0"/>
-              <a:t>.NET since 2001 (Beta 2)</a:t>
-            </a:r>
-          </a:p>
-          <a:p>
-            <a:pPr lvl="1"/>
-            <a:r>
-              <a:rPr lang="en-US" dirty="0"/>
-              <a:t>Professionally since 2006</a:t>
-            </a:r>
-          </a:p>
-          <a:p>
-            <a:r>
-              <a:rPr lang="en-US" dirty="0"/>
-              <a:t>Addicted to Reading and Refactoring</a:t>
-            </a:r>
-          </a:p>
-        </p:txBody>
-      </p:sp>
-    </p:spTree>
-    <p:extLst>
-      <p:ext uri="{BB962C8B-B14F-4D97-AF65-F5344CB8AC3E}">
-        <p14:creationId xmlns:p14="http://schemas.microsoft.com/office/powerpoint/2010/main" val="3867719309"/>
-      </p:ext>
-    </p:extLst>
-  </p:cSld>
-  <p:clrMapOvr>
-    <a:masterClrMapping/>
-  </p:clrMapOvr>
-</p:sld>
-</file>
-
-<file path=ppt/slides/slide20.xml><?xml version="1.0" encoding="utf-8"?>
-<p:sld xmlns:a="http://schemas.openxmlformats.org/drawingml/2006/main" xmlns:r="http://schemas.openxmlformats.org/officeDocument/2006/relationships" xmlns:p="http://schemas.openxmlformats.org/presentationml/2006/main">
-  <p:cSld>
-    <p:spTree>
-      <p:nvGrpSpPr>
-        <p:cNvPr id="1" name=""/>
-        <p:cNvGrpSpPr/>
-        <p:nvPr/>
-      </p:nvGrpSpPr>
-      <p:grpSpPr>
-        <a:xfrm>
-          <a:off x="0" y="0"/>
-          <a:ext cx="0" cy="0"/>
-          <a:chOff x="0" y="0"/>
-          <a:chExt cx="0" cy="0"/>
-        </a:xfrm>
-      </p:grpSpPr>
-      <p:sp>
-        <p:nvSpPr>
-          <p:cNvPr id="4" name="Title 3">
-            <a:extLst>
-              <a:ext uri="{FF2B5EF4-FFF2-40B4-BE49-F238E27FC236}">
-                <a16:creationId xmlns:a16="http://schemas.microsoft.com/office/drawing/2014/main" id="{EE13D860-9205-48B1-B675-4421397C217F}"/>
-              </a:ext>
-            </a:extLst>
-          </p:cNvPr>
-          <p:cNvSpPr>
-            <a:spLocks noGrp="1"/>
-          </p:cNvSpPr>
-          <p:nvPr>
-            <p:ph type="title"/>
-          </p:nvPr>
-        </p:nvSpPr>
-        <p:spPr>
-          <a:xfrm>
-            <a:off x="1141413" y="0"/>
-            <a:ext cx="9905998" cy="1478570"/>
-          </a:xfrm>
-        </p:spPr>
-        <p:txBody>
-          <a:bodyPr/>
-          <a:lstStyle/>
-          <a:p>
-            <a:r>
-              <a:rPr lang="en-US" cap="none" dirty="0"/>
-              <a:t>But I can’t test my code because _______________ !</a:t>
-            </a:r>
-          </a:p>
-        </p:txBody>
-      </p:sp>
-      <p:sp>
-        <p:nvSpPr>
-          <p:cNvPr id="3" name="Content Placeholder 2">
-            <a:extLst>
-              <a:ext uri="{FF2B5EF4-FFF2-40B4-BE49-F238E27FC236}">
-                <a16:creationId xmlns:a16="http://schemas.microsoft.com/office/drawing/2014/main" id="{0304F63E-1353-460F-B83E-885EACD53884}"/>
-              </a:ext>
-            </a:extLst>
-          </p:cNvPr>
-          <p:cNvSpPr>
-            <a:spLocks noGrp="1"/>
-          </p:cNvSpPr>
-          <p:nvPr>
-            <p:ph idx="1"/>
-          </p:nvPr>
-        </p:nvSpPr>
-        <p:spPr/>
-        <p:txBody>
-          <a:bodyPr/>
-          <a:lstStyle/>
-          <a:p>
-            <a:pPr marL="0" indent="0">
-              <a:buNone/>
-            </a:pPr>
-            <a:r>
-              <a:rPr lang="en-US" dirty="0"/>
-              <a:t>Some options:</a:t>
-            </a:r>
-            <a:br>
-              <a:rPr lang="en-US" dirty="0"/>
-            </a:br>
-            <a:endParaRPr lang="en-US" dirty="0"/>
-          </a:p>
-          <a:p>
-            <a:pPr marL="457200" indent="-457200">
-              <a:buFont typeface="+mj-lt"/>
-              <a:buAutoNum type="arabicPeriod"/>
-            </a:pPr>
-            <a:r>
-              <a:rPr lang="en-US" dirty="0"/>
-              <a:t>Remove the database dependency via Dependency Injection</a:t>
-            </a:r>
-          </a:p>
-          <a:p>
-            <a:pPr marL="457200" indent="-457200">
-              <a:buFont typeface="+mj-lt"/>
-              <a:buAutoNum type="arabicPeriod"/>
-            </a:pPr>
-            <a:r>
-              <a:rPr lang="en-US" dirty="0"/>
-              <a:t>Use Entity Framework and in-memory database tests</a:t>
-            </a:r>
-          </a:p>
-          <a:p>
-            <a:pPr marL="457200" indent="-457200">
-              <a:buFont typeface="+mj-lt"/>
-              <a:buAutoNum type="arabicPeriod"/>
-            </a:pPr>
-            <a:r>
-              <a:rPr lang="en-US" dirty="0"/>
-              <a:t>Keep talking to the database, but work around the limitation</a:t>
-            </a:r>
-          </a:p>
-        </p:txBody>
-      </p:sp>
-      <p:sp>
-        <p:nvSpPr>
-          <p:cNvPr id="2" name="TextBox 1">
-            <a:extLst>
-              <a:ext uri="{FF2B5EF4-FFF2-40B4-BE49-F238E27FC236}">
-                <a16:creationId xmlns:a16="http://schemas.microsoft.com/office/drawing/2014/main" id="{252166A2-2822-46A3-A3F4-EB7C574EB957}"/>
-              </a:ext>
-            </a:extLst>
-          </p:cNvPr>
-          <p:cNvSpPr txBox="1"/>
-          <p:nvPr/>
-        </p:nvSpPr>
-        <p:spPr>
-          <a:xfrm>
-            <a:off x="7153155" y="539230"/>
-            <a:ext cx="3393878" cy="400110"/>
-          </a:xfrm>
-          <a:prstGeom prst="rect">
-            <a:avLst/>
-          </a:prstGeom>
-          <a:noFill/>
-        </p:spPr>
-        <p:txBody>
-          <a:bodyPr wrap="none" rtlCol="0">
-            <a:spAutoFit/>
-          </a:bodyPr>
-          <a:lstStyle/>
-          <a:p>
-            <a:r>
-              <a:rPr lang="en-US" sz="2000" dirty="0">
-                <a:solidFill>
-                  <a:srgbClr val="FFFF00"/>
-                </a:solidFill>
-                <a:latin typeface="Segoe Script" panose="030B0504020000000003" pitchFamily="66" charset="0"/>
-              </a:rPr>
-              <a:t>Database Dependencies</a:t>
-            </a:r>
-          </a:p>
-        </p:txBody>
-      </p:sp>
-    </p:spTree>
-    <p:extLst>
-      <p:ext uri="{BB962C8B-B14F-4D97-AF65-F5344CB8AC3E}">
-        <p14:creationId xmlns:p14="http://schemas.microsoft.com/office/powerpoint/2010/main" val="1040069708"/>
-      </p:ext>
-    </p:extLst>
-  </p:cSld>
-  <p:clrMapOvr>
-    <a:masterClrMapping/>
-  </p:clrMapOvr>
-  <p:timing>
-    <p:tnLst>
-      <p:par>
-        <p:cTn id="1" dur="indefinite" restart="never" nodeType="tmRoot">
-          <p:childTnLst>
-            <p:seq concurrent="1" nextAc="seek">
-              <p:cTn id="2" dur="indefinite" nodeType="mainSeq">
-                <p:childTnLst>
-                  <p:par>
-                    <p:cTn id="3" fill="hold">
-                      <p:stCondLst>
-                        <p:cond delay="indefinite"/>
-                        <p:cond evt="onBegin" delay="0">
-                          <p:tn val="2"/>
-                        </p:cond>
-                      </p:stCondLst>
-                      <p:childTnLst>
-                        <p:par>
-                          <p:cTn id="4" fill="hold">
-                            <p:stCondLst>
-                              <p:cond delay="0"/>
-                            </p:stCondLst>
-                            <p:childTnLst>
-                              <p:par>
-                                <p:cTn id="5" presetID="1" presetClass="entr" presetSubtype="0" fill="hold" grpId="0" nodeType="withEffect">
-                                  <p:stCondLst>
-                                    <p:cond delay="0"/>
-                                  </p:stCondLst>
-                                  <p:childTnLst>
-                                    <p:set>
-                                      <p:cBhvr>
-                                        <p:cTn id="6" dur="1" fill="hold">
-                                          <p:stCondLst>
-                                            <p:cond delay="0"/>
-                                          </p:stCondLst>
-                                        </p:cTn>
-                                        <p:tgtEl>
-                                          <p:spTgt spid="3">
-                                            <p:txEl>
-                                              <p:pRg st="0" end="0"/>
-                                            </p:txEl>
-                                          </p:spTgt>
-                                        </p:tgtEl>
-                                        <p:attrNameLst>
-                                          <p:attrName>style.visibility</p:attrName>
-                                        </p:attrNameLst>
-                                      </p:cBhvr>
-                                      <p:to>
-                                        <p:strVal val="visible"/>
-                                      </p:to>
-                                    </p:set>
-                                  </p:childTnLst>
-                                </p:cTn>
-                              </p:par>
-                            </p:childTnLst>
-                          </p:cTn>
-                        </p:par>
-                      </p:childTnLst>
-                    </p:cTn>
-                  </p:par>
-                  <p:par>
-                    <p:cTn id="7" fill="hold">
-                      <p:stCondLst>
-                        <p:cond delay="indefinite"/>
-                      </p:stCondLst>
-                      <p:childTnLst>
-                        <p:par>
-                          <p:cTn id="8" fill="hold">
-                            <p:stCondLst>
-                              <p:cond delay="0"/>
-                            </p:stCondLst>
-                            <p:childTnLst>
-                              <p:par>
-                                <p:cTn id="9" presetID="1" presetClass="entr" presetSubtype="0" fill="hold" grpId="0" nodeType="clickEffect">
-                                  <p:stCondLst>
-                                    <p:cond delay="0"/>
-                                  </p:stCondLst>
-                                  <p:childTnLst>
-                                    <p:set>
-                                      <p:cBhvr>
-                                        <p:cTn id="10" dur="1" fill="hold">
-                                          <p:stCondLst>
-                                            <p:cond delay="0"/>
-                                          </p:stCondLst>
-                                        </p:cTn>
-                                        <p:tgtEl>
-                                          <p:spTgt spid="3">
-                                            <p:txEl>
-                                              <p:pRg st="1" end="1"/>
-                                            </p:txEl>
-                                          </p:spTgt>
-                                        </p:tgtEl>
-                                        <p:attrNameLst>
-                                          <p:attrName>style.visibility</p:attrName>
-                                        </p:attrNameLst>
-                                      </p:cBhvr>
-                                      <p:to>
-                                        <p:strVal val="visible"/>
-                                      </p:to>
-                                    </p:set>
-                                  </p:childTnLst>
-                                </p:cTn>
-                              </p:par>
-                            </p:childTnLst>
-                          </p:cTn>
-                        </p:par>
-                      </p:childTnLst>
-                    </p:cTn>
-                  </p:par>
-                  <p:par>
-                    <p:cTn id="11" fill="hold">
-                      <p:stCondLst>
-                        <p:cond delay="indefinite"/>
-                      </p:stCondLst>
-                      <p:childTnLst>
-                        <p:par>
-                          <p:cTn id="12" fill="hold">
-                            <p:stCondLst>
-                              <p:cond delay="0"/>
-                            </p:stCondLst>
-                            <p:childTnLst>
-                              <p:par>
-                                <p:cTn id="13" presetID="1" presetClass="entr" presetSubtype="0" fill="hold" grpId="0" nodeType="clickEffect">
-                                  <p:stCondLst>
-                                    <p:cond delay="0"/>
-                                  </p:stCondLst>
-                                  <p:childTnLst>
-                                    <p:set>
-                                      <p:cBhvr>
-                                        <p:cTn id="14" dur="1" fill="hold">
-                                          <p:stCondLst>
-                                            <p:cond delay="0"/>
-                                          </p:stCondLst>
-                                        </p:cTn>
-                                        <p:tgtEl>
-                                          <p:spTgt spid="3">
-                                            <p:txEl>
-                                              <p:pRg st="2" end="2"/>
-                                            </p:txEl>
-                                          </p:spTgt>
-                                        </p:tgtEl>
-                                        <p:attrNameLst>
-                                          <p:attrName>style.visibility</p:attrName>
-                                        </p:attrNameLst>
-                                      </p:cBhvr>
-                                      <p:to>
-                                        <p:strVal val="visible"/>
-                                      </p:to>
-                                    </p:set>
-                                  </p:childTnLst>
-                                </p:cTn>
-                              </p:par>
-                            </p:childTnLst>
-                          </p:cTn>
-                        </p:par>
-                      </p:childTnLst>
-                    </p:cTn>
-                  </p:par>
-                  <p:par>
-                    <p:cTn id="15" fill="hold">
-                      <p:stCondLst>
-                        <p:cond delay="indefinite"/>
-                      </p:stCondLst>
-                      <p:childTnLst>
-                        <p:par>
-                          <p:cTn id="16" fill="hold">
-                            <p:stCondLst>
-                              <p:cond delay="0"/>
-                            </p:stCondLst>
-                            <p:childTnLst>
-                              <p:par>
-                                <p:cTn id="17" presetID="1" presetClass="entr" presetSubtype="0" fill="hold" grpId="0" nodeType="clickEffect">
-                                  <p:stCondLst>
-                                    <p:cond delay="0"/>
-                                  </p:stCondLst>
-                                  <p:childTnLst>
-                                    <p:set>
-                                      <p:cBhvr>
-                                        <p:cTn id="18" dur="1" fill="hold">
-                                          <p:stCondLst>
-                                            <p:cond delay="0"/>
-                                          </p:stCondLst>
-                                        </p:cTn>
-                                        <p:tgtEl>
-                                          <p:spTgt spid="3">
-                                            <p:txEl>
-                                              <p:pRg st="3" end="3"/>
-                                            </p:txEl>
-                                          </p:spTgt>
-                                        </p:tgtEl>
-                                        <p:attrNameLst>
-                                          <p:attrName>style.visibility</p:attrName>
-                                        </p:attrNameLst>
-                                      </p:cBhvr>
-                                      <p:to>
-                                        <p:strVal val="visible"/>
-                                      </p:to>
-                                    </p:set>
-                                  </p:childTnLst>
-                                </p:cTn>
-                              </p:par>
-                            </p:childTnLst>
-                          </p:cTn>
-                        </p:par>
-                      </p:childTnLst>
-                    </p:cTn>
-                  </p:par>
-                </p:childTnLst>
-              </p:cTn>
-              <p:prevCondLst>
-                <p:cond evt="onPrev" delay="0">
-                  <p:tgtEl>
-                    <p:sldTgt/>
-                  </p:tgtEl>
-                </p:cond>
-              </p:prevCondLst>
-              <p:nextCondLst>
-                <p:cond evt="onNext" delay="0">
-                  <p:tgtEl>
-                    <p:sldTgt/>
-                  </p:tgtEl>
-                </p:cond>
-              </p:nextCondLst>
-            </p:seq>
-          </p:childTnLst>
-        </p:cTn>
-      </p:par>
-    </p:tnLst>
-    <p:bldLst>
-      <p:bldP spid="3" grpId="0" uiExpand="1" build="p"/>
-    </p:bldLst>
-  </p:timing>
-</p:sld>
-</file>
-
-<file path=ppt/slides/slide21.xml><?xml version="1.0" encoding="utf-8"?>
+<file path=ppt/slides/slide18.xml><?xml version="1.0" encoding="utf-8"?>
 <p:sld xmlns:a="http://schemas.openxmlformats.org/drawingml/2006/main" xmlns:r="http://schemas.openxmlformats.org/officeDocument/2006/relationships" xmlns:p="http://schemas.openxmlformats.org/presentationml/2006/main">
   <p:cSld>
     <p:spTree>
@@ -30622,7 +29752,1374 @@
 </p:sld>
 </file>
 
+<file path=ppt/slides/slide19.xml><?xml version="1.0" encoding="utf-8"?>
+<p:sld xmlns:a="http://schemas.openxmlformats.org/drawingml/2006/main" xmlns:r="http://schemas.openxmlformats.org/officeDocument/2006/relationships" xmlns:p="http://schemas.openxmlformats.org/presentationml/2006/main">
+  <p:cSld>
+    <p:spTree>
+      <p:nvGrpSpPr>
+        <p:cNvPr id="1" name=""/>
+        <p:cNvGrpSpPr/>
+        <p:nvPr/>
+      </p:nvGrpSpPr>
+      <p:grpSpPr>
+        <a:xfrm>
+          <a:off x="0" y="0"/>
+          <a:ext cx="0" cy="0"/>
+          <a:chOff x="0" y="0"/>
+          <a:chExt cx="0" cy="0"/>
+        </a:xfrm>
+      </p:grpSpPr>
+      <p:sp>
+        <p:nvSpPr>
+          <p:cNvPr id="4" name="Title 3">
+            <a:extLst>
+              <a:ext uri="{FF2B5EF4-FFF2-40B4-BE49-F238E27FC236}">
+                <a16:creationId xmlns:a16="http://schemas.microsoft.com/office/drawing/2014/main" id="{EE13D860-9205-48B1-B675-4421397C217F}"/>
+              </a:ext>
+            </a:extLst>
+          </p:cNvPr>
+          <p:cNvSpPr>
+            <a:spLocks noGrp="1"/>
+          </p:cNvSpPr>
+          <p:nvPr>
+            <p:ph type="title"/>
+          </p:nvPr>
+        </p:nvSpPr>
+        <p:spPr>
+          <a:xfrm>
+            <a:off x="1141413" y="0"/>
+            <a:ext cx="9905998" cy="1478570"/>
+          </a:xfrm>
+        </p:spPr>
+        <p:txBody>
+          <a:bodyPr/>
+          <a:lstStyle/>
+          <a:p>
+            <a:r>
+              <a:rPr lang="en-US" cap="none" dirty="0"/>
+              <a:t>But I can’t test my code because _______________ !</a:t>
+            </a:r>
+          </a:p>
+        </p:txBody>
+      </p:sp>
+      <p:sp>
+        <p:nvSpPr>
+          <p:cNvPr id="3" name="Content Placeholder 2">
+            <a:extLst>
+              <a:ext uri="{FF2B5EF4-FFF2-40B4-BE49-F238E27FC236}">
+                <a16:creationId xmlns:a16="http://schemas.microsoft.com/office/drawing/2014/main" id="{0304F63E-1353-460F-B83E-885EACD53884}"/>
+              </a:ext>
+            </a:extLst>
+          </p:cNvPr>
+          <p:cNvSpPr>
+            <a:spLocks noGrp="1"/>
+          </p:cNvSpPr>
+          <p:nvPr>
+            <p:ph idx="1"/>
+          </p:nvPr>
+        </p:nvSpPr>
+        <p:spPr/>
+        <p:txBody>
+          <a:bodyPr/>
+          <a:lstStyle/>
+          <a:p>
+            <a:pPr marL="0" indent="0">
+              <a:buNone/>
+            </a:pPr>
+            <a:r>
+              <a:rPr lang="en-US" dirty="0"/>
+              <a:t>Some options:</a:t>
+            </a:r>
+            <a:br>
+              <a:rPr lang="en-US" dirty="0"/>
+            </a:br>
+            <a:endParaRPr lang="en-US" dirty="0"/>
+          </a:p>
+          <a:p>
+            <a:pPr marL="457200" indent="-457200">
+              <a:buFont typeface="+mj-lt"/>
+              <a:buAutoNum type="arabicPeriod"/>
+            </a:pPr>
+            <a:r>
+              <a:rPr lang="en-US" dirty="0"/>
+              <a:t>Remove the database dependency via Dependency Injection</a:t>
+            </a:r>
+          </a:p>
+          <a:p>
+            <a:pPr marL="457200" indent="-457200">
+              <a:buFont typeface="+mj-lt"/>
+              <a:buAutoNum type="arabicPeriod"/>
+            </a:pPr>
+            <a:r>
+              <a:rPr lang="en-US" dirty="0"/>
+              <a:t>Use Entity Framework and in-memory database tests</a:t>
+            </a:r>
+          </a:p>
+          <a:p>
+            <a:pPr marL="457200" indent="-457200">
+              <a:buFont typeface="+mj-lt"/>
+              <a:buAutoNum type="arabicPeriod"/>
+            </a:pPr>
+            <a:r>
+              <a:rPr lang="en-US" dirty="0"/>
+              <a:t>Keep talking to the database, but work around the limitation</a:t>
+            </a:r>
+          </a:p>
+        </p:txBody>
+      </p:sp>
+      <p:sp>
+        <p:nvSpPr>
+          <p:cNvPr id="2" name="TextBox 1">
+            <a:extLst>
+              <a:ext uri="{FF2B5EF4-FFF2-40B4-BE49-F238E27FC236}">
+                <a16:creationId xmlns:a16="http://schemas.microsoft.com/office/drawing/2014/main" id="{252166A2-2822-46A3-A3F4-EB7C574EB957}"/>
+              </a:ext>
+            </a:extLst>
+          </p:cNvPr>
+          <p:cNvSpPr txBox="1"/>
+          <p:nvPr/>
+        </p:nvSpPr>
+        <p:spPr>
+          <a:xfrm>
+            <a:off x="7153155" y="539230"/>
+            <a:ext cx="3393878" cy="400110"/>
+          </a:xfrm>
+          <a:prstGeom prst="rect">
+            <a:avLst/>
+          </a:prstGeom>
+          <a:noFill/>
+        </p:spPr>
+        <p:txBody>
+          <a:bodyPr wrap="none" rtlCol="0">
+            <a:spAutoFit/>
+          </a:bodyPr>
+          <a:lstStyle/>
+          <a:p>
+            <a:r>
+              <a:rPr lang="en-US" sz="2000" dirty="0">
+                <a:solidFill>
+                  <a:srgbClr val="FFFF00"/>
+                </a:solidFill>
+                <a:latin typeface="Segoe Script" panose="030B0504020000000003" pitchFamily="66" charset="0"/>
+              </a:rPr>
+              <a:t>Database Dependencies</a:t>
+            </a:r>
+          </a:p>
+        </p:txBody>
+      </p:sp>
+    </p:spTree>
+    <p:extLst>
+      <p:ext uri="{BB962C8B-B14F-4D97-AF65-F5344CB8AC3E}">
+        <p14:creationId xmlns:p14="http://schemas.microsoft.com/office/powerpoint/2010/main" val="1040069708"/>
+      </p:ext>
+    </p:extLst>
+  </p:cSld>
+  <p:clrMapOvr>
+    <a:masterClrMapping/>
+  </p:clrMapOvr>
+  <p:timing>
+    <p:tnLst>
+      <p:par>
+        <p:cTn id="1" dur="indefinite" restart="never" nodeType="tmRoot">
+          <p:childTnLst>
+            <p:seq concurrent="1" nextAc="seek">
+              <p:cTn id="2" dur="indefinite" nodeType="mainSeq">
+                <p:childTnLst>
+                  <p:par>
+                    <p:cTn id="3" fill="hold">
+                      <p:stCondLst>
+                        <p:cond delay="indefinite"/>
+                        <p:cond evt="onBegin" delay="0">
+                          <p:tn val="2"/>
+                        </p:cond>
+                      </p:stCondLst>
+                      <p:childTnLst>
+                        <p:par>
+                          <p:cTn id="4" fill="hold">
+                            <p:stCondLst>
+                              <p:cond delay="0"/>
+                            </p:stCondLst>
+                            <p:childTnLst>
+                              <p:par>
+                                <p:cTn id="5" presetID="1" presetClass="entr" presetSubtype="0" fill="hold" grpId="0" nodeType="withEffect">
+                                  <p:stCondLst>
+                                    <p:cond delay="0"/>
+                                  </p:stCondLst>
+                                  <p:childTnLst>
+                                    <p:set>
+                                      <p:cBhvr>
+                                        <p:cTn id="6" dur="1" fill="hold">
+                                          <p:stCondLst>
+                                            <p:cond delay="0"/>
+                                          </p:stCondLst>
+                                        </p:cTn>
+                                        <p:tgtEl>
+                                          <p:spTgt spid="3">
+                                            <p:txEl>
+                                              <p:pRg st="0" end="0"/>
+                                            </p:txEl>
+                                          </p:spTgt>
+                                        </p:tgtEl>
+                                        <p:attrNameLst>
+                                          <p:attrName>style.visibility</p:attrName>
+                                        </p:attrNameLst>
+                                      </p:cBhvr>
+                                      <p:to>
+                                        <p:strVal val="visible"/>
+                                      </p:to>
+                                    </p:set>
+                                  </p:childTnLst>
+                                </p:cTn>
+                              </p:par>
+                            </p:childTnLst>
+                          </p:cTn>
+                        </p:par>
+                      </p:childTnLst>
+                    </p:cTn>
+                  </p:par>
+                  <p:par>
+                    <p:cTn id="7" fill="hold">
+                      <p:stCondLst>
+                        <p:cond delay="indefinite"/>
+                      </p:stCondLst>
+                      <p:childTnLst>
+                        <p:par>
+                          <p:cTn id="8" fill="hold">
+                            <p:stCondLst>
+                              <p:cond delay="0"/>
+                            </p:stCondLst>
+                            <p:childTnLst>
+                              <p:par>
+                                <p:cTn id="9" presetID="1" presetClass="entr" presetSubtype="0" fill="hold" grpId="0" nodeType="clickEffect">
+                                  <p:stCondLst>
+                                    <p:cond delay="0"/>
+                                  </p:stCondLst>
+                                  <p:childTnLst>
+                                    <p:set>
+                                      <p:cBhvr>
+                                        <p:cTn id="10" dur="1" fill="hold">
+                                          <p:stCondLst>
+                                            <p:cond delay="0"/>
+                                          </p:stCondLst>
+                                        </p:cTn>
+                                        <p:tgtEl>
+                                          <p:spTgt spid="3">
+                                            <p:txEl>
+                                              <p:pRg st="1" end="1"/>
+                                            </p:txEl>
+                                          </p:spTgt>
+                                        </p:tgtEl>
+                                        <p:attrNameLst>
+                                          <p:attrName>style.visibility</p:attrName>
+                                        </p:attrNameLst>
+                                      </p:cBhvr>
+                                      <p:to>
+                                        <p:strVal val="visible"/>
+                                      </p:to>
+                                    </p:set>
+                                  </p:childTnLst>
+                                </p:cTn>
+                              </p:par>
+                            </p:childTnLst>
+                          </p:cTn>
+                        </p:par>
+                      </p:childTnLst>
+                    </p:cTn>
+                  </p:par>
+                  <p:par>
+                    <p:cTn id="11" fill="hold">
+                      <p:stCondLst>
+                        <p:cond delay="indefinite"/>
+                      </p:stCondLst>
+                      <p:childTnLst>
+                        <p:par>
+                          <p:cTn id="12" fill="hold">
+                            <p:stCondLst>
+                              <p:cond delay="0"/>
+                            </p:stCondLst>
+                            <p:childTnLst>
+                              <p:par>
+                                <p:cTn id="13" presetID="1" presetClass="entr" presetSubtype="0" fill="hold" grpId="0" nodeType="clickEffect">
+                                  <p:stCondLst>
+                                    <p:cond delay="0"/>
+                                  </p:stCondLst>
+                                  <p:childTnLst>
+                                    <p:set>
+                                      <p:cBhvr>
+                                        <p:cTn id="14" dur="1" fill="hold">
+                                          <p:stCondLst>
+                                            <p:cond delay="0"/>
+                                          </p:stCondLst>
+                                        </p:cTn>
+                                        <p:tgtEl>
+                                          <p:spTgt spid="3">
+                                            <p:txEl>
+                                              <p:pRg st="2" end="2"/>
+                                            </p:txEl>
+                                          </p:spTgt>
+                                        </p:tgtEl>
+                                        <p:attrNameLst>
+                                          <p:attrName>style.visibility</p:attrName>
+                                        </p:attrNameLst>
+                                      </p:cBhvr>
+                                      <p:to>
+                                        <p:strVal val="visible"/>
+                                      </p:to>
+                                    </p:set>
+                                  </p:childTnLst>
+                                </p:cTn>
+                              </p:par>
+                            </p:childTnLst>
+                          </p:cTn>
+                        </p:par>
+                      </p:childTnLst>
+                    </p:cTn>
+                  </p:par>
+                  <p:par>
+                    <p:cTn id="15" fill="hold">
+                      <p:stCondLst>
+                        <p:cond delay="indefinite"/>
+                      </p:stCondLst>
+                      <p:childTnLst>
+                        <p:par>
+                          <p:cTn id="16" fill="hold">
+                            <p:stCondLst>
+                              <p:cond delay="0"/>
+                            </p:stCondLst>
+                            <p:childTnLst>
+                              <p:par>
+                                <p:cTn id="17" presetID="1" presetClass="entr" presetSubtype="0" fill="hold" grpId="0" nodeType="clickEffect">
+                                  <p:stCondLst>
+                                    <p:cond delay="0"/>
+                                  </p:stCondLst>
+                                  <p:childTnLst>
+                                    <p:set>
+                                      <p:cBhvr>
+                                        <p:cTn id="18" dur="1" fill="hold">
+                                          <p:stCondLst>
+                                            <p:cond delay="0"/>
+                                          </p:stCondLst>
+                                        </p:cTn>
+                                        <p:tgtEl>
+                                          <p:spTgt spid="3">
+                                            <p:txEl>
+                                              <p:pRg st="3" end="3"/>
+                                            </p:txEl>
+                                          </p:spTgt>
+                                        </p:tgtEl>
+                                        <p:attrNameLst>
+                                          <p:attrName>style.visibility</p:attrName>
+                                        </p:attrNameLst>
+                                      </p:cBhvr>
+                                      <p:to>
+                                        <p:strVal val="visible"/>
+                                      </p:to>
+                                    </p:set>
+                                  </p:childTnLst>
+                                </p:cTn>
+                              </p:par>
+                            </p:childTnLst>
+                          </p:cTn>
+                        </p:par>
+                      </p:childTnLst>
+                    </p:cTn>
+                  </p:par>
+                </p:childTnLst>
+              </p:cTn>
+              <p:prevCondLst>
+                <p:cond evt="onPrev" delay="0">
+                  <p:tgtEl>
+                    <p:sldTgt/>
+                  </p:tgtEl>
+                </p:cond>
+              </p:prevCondLst>
+              <p:nextCondLst>
+                <p:cond evt="onNext" delay="0">
+                  <p:tgtEl>
+                    <p:sldTgt/>
+                  </p:tgtEl>
+                </p:cond>
+              </p:nextCondLst>
+            </p:seq>
+          </p:childTnLst>
+        </p:cTn>
+      </p:par>
+    </p:tnLst>
+    <p:bldLst>
+      <p:bldP spid="3" grpId="0" uiExpand="1" build="p"/>
+    </p:bldLst>
+  </p:timing>
+</p:sld>
+</file>
+
+<file path=ppt/slides/slide2.xml><?xml version="1.0" encoding="utf-8"?>
+<p:sld xmlns:a="http://schemas.openxmlformats.org/drawingml/2006/main" xmlns:r="http://schemas.openxmlformats.org/officeDocument/2006/relationships" xmlns:p="http://schemas.openxmlformats.org/presentationml/2006/main">
+  <p:cSld>
+    <p:spTree>
+      <p:nvGrpSpPr>
+        <p:cNvPr id="1" name=""/>
+        <p:cNvGrpSpPr/>
+        <p:nvPr/>
+      </p:nvGrpSpPr>
+      <p:grpSpPr>
+        <a:xfrm>
+          <a:off x="0" y="0"/>
+          <a:ext cx="0" cy="0"/>
+          <a:chOff x="0" y="0"/>
+          <a:chExt cx="0" cy="0"/>
+        </a:xfrm>
+      </p:grpSpPr>
+      <p:sp>
+        <p:nvSpPr>
+          <p:cNvPr id="2" name="Title 1">
+            <a:extLst>
+              <a:ext uri="{FF2B5EF4-FFF2-40B4-BE49-F238E27FC236}">
+                <a16:creationId xmlns:a16="http://schemas.microsoft.com/office/drawing/2014/main" id="{A2AA7CC2-6F2A-49F6-8BC3-602F91F4C2B7}"/>
+              </a:ext>
+            </a:extLst>
+          </p:cNvPr>
+          <p:cNvSpPr>
+            <a:spLocks noGrp="1"/>
+          </p:cNvSpPr>
+          <p:nvPr>
+            <p:ph type="title"/>
+          </p:nvPr>
+        </p:nvSpPr>
+        <p:spPr/>
+        <p:txBody>
+          <a:bodyPr/>
+          <a:lstStyle/>
+          <a:p>
+            <a:r>
+              <a:rPr lang="en-US" cap="none" dirty="0"/>
+              <a:t>About Me</a:t>
+            </a:r>
+          </a:p>
+        </p:txBody>
+      </p:sp>
+      <p:sp>
+        <p:nvSpPr>
+          <p:cNvPr id="3" name="Content Placeholder 2">
+            <a:extLst>
+              <a:ext uri="{FF2B5EF4-FFF2-40B4-BE49-F238E27FC236}">
+                <a16:creationId xmlns:a16="http://schemas.microsoft.com/office/drawing/2014/main" id="{69009204-086E-4F23-9F4B-ABDA3AD423AD}"/>
+              </a:ext>
+            </a:extLst>
+          </p:cNvPr>
+          <p:cNvSpPr>
+            <a:spLocks noGrp="1"/>
+          </p:cNvSpPr>
+          <p:nvPr>
+            <p:ph idx="1"/>
+          </p:nvPr>
+        </p:nvSpPr>
+        <p:spPr/>
+        <p:txBody>
+          <a:bodyPr>
+            <a:normAutofit/>
+          </a:bodyPr>
+          <a:lstStyle/>
+          <a:p>
+            <a:r>
+              <a:rPr lang="en-US" dirty="0"/>
+              <a:t>.NET / TypeScript / Angular Developer turned Manager / Mentor</a:t>
+            </a:r>
+          </a:p>
+          <a:p>
+            <a:r>
+              <a:rPr lang="en-US" dirty="0"/>
+              <a:t>Programming</a:t>
+            </a:r>
+          </a:p>
+          <a:p>
+            <a:pPr lvl="1"/>
+            <a:r>
+              <a:rPr lang="en-US" dirty="0"/>
+              <a:t>For fun since 1987</a:t>
+            </a:r>
+          </a:p>
+          <a:p>
+            <a:pPr lvl="1"/>
+            <a:r>
+              <a:rPr lang="en-US" dirty="0"/>
+              <a:t>.NET since 2001 (Beta 2)</a:t>
+            </a:r>
+          </a:p>
+          <a:p>
+            <a:pPr lvl="1"/>
+            <a:r>
+              <a:rPr lang="en-US" dirty="0"/>
+              <a:t>Professionally since 2006</a:t>
+            </a:r>
+          </a:p>
+          <a:p>
+            <a:r>
+              <a:rPr lang="en-US" dirty="0"/>
+              <a:t>Addicted to Reading and Refactoring</a:t>
+            </a:r>
+          </a:p>
+        </p:txBody>
+      </p:sp>
+    </p:spTree>
+    <p:extLst>
+      <p:ext uri="{BB962C8B-B14F-4D97-AF65-F5344CB8AC3E}">
+        <p14:creationId xmlns:p14="http://schemas.microsoft.com/office/powerpoint/2010/main" val="3867719309"/>
+      </p:ext>
+    </p:extLst>
+  </p:cSld>
+  <p:clrMapOvr>
+    <a:masterClrMapping/>
+  </p:clrMapOvr>
+</p:sld>
+</file>
+
+<file path=ppt/slides/slide20.xml><?xml version="1.0" encoding="utf-8"?>
+<p:sld xmlns:a="http://schemas.openxmlformats.org/drawingml/2006/main" xmlns:r="http://schemas.openxmlformats.org/officeDocument/2006/relationships" xmlns:p="http://schemas.openxmlformats.org/presentationml/2006/main">
+  <p:cSld>
+    <p:spTree>
+      <p:nvGrpSpPr>
+        <p:cNvPr id="1" name=""/>
+        <p:cNvGrpSpPr/>
+        <p:nvPr/>
+      </p:nvGrpSpPr>
+      <p:grpSpPr>
+        <a:xfrm>
+          <a:off x="0" y="0"/>
+          <a:ext cx="0" cy="0"/>
+          <a:chOff x="0" y="0"/>
+          <a:chExt cx="0" cy="0"/>
+        </a:xfrm>
+      </p:grpSpPr>
+      <p:sp>
+        <p:nvSpPr>
+          <p:cNvPr id="3" name="Content Placeholder 2">
+            <a:extLst>
+              <a:ext uri="{FF2B5EF4-FFF2-40B4-BE49-F238E27FC236}">
+                <a16:creationId xmlns:a16="http://schemas.microsoft.com/office/drawing/2014/main" id="{0304F63E-1353-460F-B83E-885EACD53884}"/>
+              </a:ext>
+            </a:extLst>
+          </p:cNvPr>
+          <p:cNvSpPr>
+            <a:spLocks noGrp="1"/>
+          </p:cNvSpPr>
+          <p:nvPr>
+            <p:ph idx="1"/>
+          </p:nvPr>
+        </p:nvSpPr>
+        <p:spPr/>
+        <p:txBody>
+          <a:bodyPr/>
+          <a:lstStyle/>
+          <a:p>
+            <a:pPr marL="0" indent="0">
+              <a:buNone/>
+            </a:pPr>
+            <a:endParaRPr lang="en-US" dirty="0"/>
+          </a:p>
+        </p:txBody>
+      </p:sp>
+      <p:sp>
+        <p:nvSpPr>
+          <p:cNvPr id="7" name="Title 3">
+            <a:extLst>
+              <a:ext uri="{FF2B5EF4-FFF2-40B4-BE49-F238E27FC236}">
+                <a16:creationId xmlns:a16="http://schemas.microsoft.com/office/drawing/2014/main" id="{52938955-97A5-4C9C-A845-477E02A43E20}"/>
+              </a:ext>
+            </a:extLst>
+          </p:cNvPr>
+          <p:cNvSpPr txBox="1">
+            <a:spLocks/>
+          </p:cNvSpPr>
+          <p:nvPr/>
+        </p:nvSpPr>
+        <p:spPr>
+          <a:xfrm>
+            <a:off x="1143001" y="0"/>
+            <a:ext cx="9905998" cy="1478570"/>
+          </a:xfrm>
+          <a:prstGeom prst="rect">
+            <a:avLst/>
+          </a:prstGeom>
+        </p:spPr>
+        <p:txBody>
+          <a:bodyPr vert="horz" lIns="91440" tIns="45720" rIns="91440" bIns="45720" rtlCol="0" anchor="ctr">
+            <a:normAutofit/>
+          </a:bodyPr>
+          <a:lstStyle>
+            <a:lvl1pPr algn="l" defTabSz="914400" rtl="0" eaLnBrk="1" latinLnBrk="0" hangingPunct="1">
+              <a:lnSpc>
+                <a:spcPct val="90000"/>
+              </a:lnSpc>
+              <a:spcBef>
+                <a:spcPct val="0"/>
+              </a:spcBef>
+              <a:buNone/>
+              <a:defRPr sz="3600" kern="1200" cap="all" baseline="0">
+                <a:solidFill>
+                  <a:schemeClr val="tx1"/>
+                </a:solidFill>
+                <a:effectLst>
+                  <a:outerShdw blurRad="177800" dist="38100" dir="2700000" algn="tl">
+                    <a:srgbClr val="000000">
+                      <a:alpha val="24000"/>
+                    </a:srgbClr>
+                  </a:outerShdw>
+                </a:effectLst>
+                <a:latin typeface="+mj-lt"/>
+                <a:ea typeface="+mj-ea"/>
+                <a:cs typeface="+mj-cs"/>
+              </a:defRPr>
+            </a:lvl1pPr>
+          </a:lstStyle>
+          <a:p>
+            <a:r>
+              <a:rPr lang="en-US" cap="none" dirty="0"/>
+              <a:t>Removing Database Dependencies Example</a:t>
+            </a:r>
+          </a:p>
+        </p:txBody>
+      </p:sp>
+      <p:pic>
+        <p:nvPicPr>
+          <p:cNvPr id="9" name="Picture 8">
+            <a:extLst>
+              <a:ext uri="{FF2B5EF4-FFF2-40B4-BE49-F238E27FC236}">
+                <a16:creationId xmlns:a16="http://schemas.microsoft.com/office/drawing/2014/main" id="{BB2A5DE8-437A-4C61-B713-E7B2F549063F}"/>
+              </a:ext>
+            </a:extLst>
+          </p:cNvPr>
+          <p:cNvPicPr>
+            <a:picLocks noChangeAspect="1"/>
+          </p:cNvPicPr>
+          <p:nvPr/>
+        </p:nvPicPr>
+        <p:blipFill>
+          <a:blip r:embed="rId2"/>
+          <a:stretch>
+            <a:fillRect/>
+          </a:stretch>
+        </p:blipFill>
+        <p:spPr>
+          <a:xfrm>
+            <a:off x="488065" y="1794076"/>
+            <a:ext cx="11215869" cy="4398380"/>
+          </a:xfrm>
+          <a:prstGeom prst="rect">
+            <a:avLst/>
+          </a:prstGeom>
+          <a:ln w="38100" cap="sq">
+            <a:solidFill>
+              <a:srgbClr val="000000"/>
+            </a:solidFill>
+            <a:prstDash val="solid"/>
+            <a:miter lim="800000"/>
+          </a:ln>
+          <a:effectLst>
+            <a:outerShdw blurRad="50800" dist="38100" dir="2700000" algn="tl" rotWithShape="0">
+              <a:srgbClr val="000000">
+                <a:alpha val="43000"/>
+              </a:srgbClr>
+            </a:outerShdw>
+          </a:effectLst>
+        </p:spPr>
+      </p:pic>
+      <p:pic>
+        <p:nvPicPr>
+          <p:cNvPr id="10" name="Picture 9">
+            <a:extLst>
+              <a:ext uri="{FF2B5EF4-FFF2-40B4-BE49-F238E27FC236}">
+                <a16:creationId xmlns:a16="http://schemas.microsoft.com/office/drawing/2014/main" id="{1C0DB0F4-D2E9-431A-A21E-3EDD8A9CF626}"/>
+              </a:ext>
+            </a:extLst>
+          </p:cNvPr>
+          <p:cNvPicPr>
+            <a:picLocks noChangeAspect="1"/>
+          </p:cNvPicPr>
+          <p:nvPr/>
+        </p:nvPicPr>
+        <p:blipFill>
+          <a:blip r:embed="rId3"/>
+          <a:stretch>
+            <a:fillRect/>
+          </a:stretch>
+        </p:blipFill>
+        <p:spPr>
+          <a:xfrm>
+            <a:off x="7765180" y="1223962"/>
+            <a:ext cx="4105275" cy="1209675"/>
+          </a:xfrm>
+          <a:prstGeom prst="rect">
+            <a:avLst/>
+          </a:prstGeom>
+          <a:ln w="38100" cap="sq">
+            <a:solidFill>
+              <a:srgbClr val="000000"/>
+            </a:solidFill>
+            <a:prstDash val="solid"/>
+            <a:miter lim="800000"/>
+          </a:ln>
+          <a:effectLst>
+            <a:outerShdw blurRad="50800" dist="38100" dir="2700000" algn="tl" rotWithShape="0">
+              <a:srgbClr val="000000">
+                <a:alpha val="43000"/>
+              </a:srgbClr>
+            </a:outerShdw>
+          </a:effectLst>
+        </p:spPr>
+      </p:pic>
+    </p:spTree>
+    <p:extLst>
+      <p:ext uri="{BB962C8B-B14F-4D97-AF65-F5344CB8AC3E}">
+        <p14:creationId xmlns:p14="http://schemas.microsoft.com/office/powerpoint/2010/main" val="3998300610"/>
+      </p:ext>
+    </p:extLst>
+  </p:cSld>
+  <p:clrMapOvr>
+    <a:masterClrMapping/>
+  </p:clrMapOvr>
+  <p:timing>
+    <p:tnLst>
+      <p:par>
+        <p:cTn id="1" dur="indefinite" restart="never" nodeType="tmRoot">
+          <p:childTnLst>
+            <p:seq concurrent="1" nextAc="seek">
+              <p:cTn id="2" dur="indefinite" nodeType="mainSeq">
+                <p:childTnLst>
+                  <p:par>
+                    <p:cTn id="3" fill="hold">
+                      <p:stCondLst>
+                        <p:cond delay="indefinite"/>
+                      </p:stCondLst>
+                      <p:childTnLst>
+                        <p:par>
+                          <p:cTn id="4" fill="hold">
+                            <p:stCondLst>
+                              <p:cond delay="0"/>
+                            </p:stCondLst>
+                            <p:childTnLst>
+                              <p:par>
+                                <p:cTn id="5" presetID="1" presetClass="entr" presetSubtype="0" fill="hold" nodeType="clickEffect">
+                                  <p:stCondLst>
+                                    <p:cond delay="0"/>
+                                  </p:stCondLst>
+                                  <p:childTnLst>
+                                    <p:set>
+                                      <p:cBhvr>
+                                        <p:cTn id="6" dur="1" fill="hold">
+                                          <p:stCondLst>
+                                            <p:cond delay="0"/>
+                                          </p:stCondLst>
+                                        </p:cTn>
+                                        <p:tgtEl>
+                                          <p:spTgt spid="10"/>
+                                        </p:tgtEl>
+                                        <p:attrNameLst>
+                                          <p:attrName>style.visibility</p:attrName>
+                                        </p:attrNameLst>
+                                      </p:cBhvr>
+                                      <p:to>
+                                        <p:strVal val="visible"/>
+                                      </p:to>
+                                    </p:set>
+                                  </p:childTnLst>
+                                </p:cTn>
+                              </p:par>
+                            </p:childTnLst>
+                          </p:cTn>
+                        </p:par>
+                      </p:childTnLst>
+                    </p:cTn>
+                  </p:par>
+                </p:childTnLst>
+              </p:cTn>
+              <p:prevCondLst>
+                <p:cond evt="onPrev" delay="0">
+                  <p:tgtEl>
+                    <p:sldTgt/>
+                  </p:tgtEl>
+                </p:cond>
+              </p:prevCondLst>
+              <p:nextCondLst>
+                <p:cond evt="onNext" delay="0">
+                  <p:tgtEl>
+                    <p:sldTgt/>
+                  </p:tgtEl>
+                </p:cond>
+              </p:nextCondLst>
+            </p:seq>
+          </p:childTnLst>
+        </p:cTn>
+      </p:par>
+    </p:tnLst>
+  </p:timing>
+</p:sld>
+</file>
+
+<file path=ppt/slides/slide21.xml><?xml version="1.0" encoding="utf-8"?>
+<p:sld xmlns:a="http://schemas.openxmlformats.org/drawingml/2006/main" xmlns:r="http://schemas.openxmlformats.org/officeDocument/2006/relationships" xmlns:p="http://schemas.openxmlformats.org/presentationml/2006/main">
+  <p:cSld>
+    <p:spTree>
+      <p:nvGrpSpPr>
+        <p:cNvPr id="1" name=""/>
+        <p:cNvGrpSpPr/>
+        <p:nvPr/>
+      </p:nvGrpSpPr>
+      <p:grpSpPr>
+        <a:xfrm>
+          <a:off x="0" y="0"/>
+          <a:ext cx="0" cy="0"/>
+          <a:chOff x="0" y="0"/>
+          <a:chExt cx="0" cy="0"/>
+        </a:xfrm>
+      </p:grpSpPr>
+      <p:sp>
+        <p:nvSpPr>
+          <p:cNvPr id="3" name="Content Placeholder 2">
+            <a:extLst>
+              <a:ext uri="{FF2B5EF4-FFF2-40B4-BE49-F238E27FC236}">
+                <a16:creationId xmlns:a16="http://schemas.microsoft.com/office/drawing/2014/main" id="{0304F63E-1353-460F-B83E-885EACD53884}"/>
+              </a:ext>
+            </a:extLst>
+          </p:cNvPr>
+          <p:cNvSpPr>
+            <a:spLocks noGrp="1"/>
+          </p:cNvSpPr>
+          <p:nvPr>
+            <p:ph idx="1"/>
+          </p:nvPr>
+        </p:nvSpPr>
+        <p:spPr/>
+        <p:txBody>
+          <a:bodyPr/>
+          <a:lstStyle/>
+          <a:p>
+            <a:pPr marL="0" indent="0">
+              <a:buNone/>
+            </a:pPr>
+            <a:endParaRPr lang="en-US" dirty="0"/>
+          </a:p>
+        </p:txBody>
+      </p:sp>
+      <p:sp>
+        <p:nvSpPr>
+          <p:cNvPr id="7" name="Title 3">
+            <a:extLst>
+              <a:ext uri="{FF2B5EF4-FFF2-40B4-BE49-F238E27FC236}">
+                <a16:creationId xmlns:a16="http://schemas.microsoft.com/office/drawing/2014/main" id="{52938955-97A5-4C9C-A845-477E02A43E20}"/>
+              </a:ext>
+            </a:extLst>
+          </p:cNvPr>
+          <p:cNvSpPr txBox="1">
+            <a:spLocks/>
+          </p:cNvSpPr>
+          <p:nvPr/>
+        </p:nvSpPr>
+        <p:spPr>
+          <a:xfrm>
+            <a:off x="1143001" y="0"/>
+            <a:ext cx="9905998" cy="1478570"/>
+          </a:xfrm>
+          <a:prstGeom prst="rect">
+            <a:avLst/>
+          </a:prstGeom>
+        </p:spPr>
+        <p:txBody>
+          <a:bodyPr vert="horz" lIns="91440" tIns="45720" rIns="91440" bIns="45720" rtlCol="0" anchor="ctr">
+            <a:normAutofit/>
+          </a:bodyPr>
+          <a:lstStyle>
+            <a:lvl1pPr algn="l" defTabSz="914400" rtl="0" eaLnBrk="1" latinLnBrk="0" hangingPunct="1">
+              <a:lnSpc>
+                <a:spcPct val="90000"/>
+              </a:lnSpc>
+              <a:spcBef>
+                <a:spcPct val="0"/>
+              </a:spcBef>
+              <a:buNone/>
+              <a:defRPr sz="3600" kern="1200" cap="all" baseline="0">
+                <a:solidFill>
+                  <a:schemeClr val="tx1"/>
+                </a:solidFill>
+                <a:effectLst>
+                  <a:outerShdw blurRad="177800" dist="38100" dir="2700000" algn="tl">
+                    <a:srgbClr val="000000">
+                      <a:alpha val="24000"/>
+                    </a:srgbClr>
+                  </a:outerShdw>
+                </a:effectLst>
+                <a:latin typeface="+mj-lt"/>
+                <a:ea typeface="+mj-ea"/>
+                <a:cs typeface="+mj-cs"/>
+              </a:defRPr>
+            </a:lvl1pPr>
+          </a:lstStyle>
+          <a:p>
+            <a:r>
+              <a:rPr lang="en-US" cap="none" dirty="0"/>
+              <a:t>Removing Database Dependencies Example</a:t>
+            </a:r>
+          </a:p>
+        </p:txBody>
+      </p:sp>
+      <p:pic>
+        <p:nvPicPr>
+          <p:cNvPr id="2" name="Picture 1">
+            <a:extLst>
+              <a:ext uri="{FF2B5EF4-FFF2-40B4-BE49-F238E27FC236}">
+                <a16:creationId xmlns:a16="http://schemas.microsoft.com/office/drawing/2014/main" id="{F5B415AB-F4C1-4781-8497-6748F8865E57}"/>
+              </a:ext>
+            </a:extLst>
+          </p:cNvPr>
+          <p:cNvPicPr>
+            <a:picLocks noChangeAspect="1"/>
+          </p:cNvPicPr>
+          <p:nvPr/>
+        </p:nvPicPr>
+        <p:blipFill>
+          <a:blip r:embed="rId2"/>
+          <a:stretch>
+            <a:fillRect/>
+          </a:stretch>
+        </p:blipFill>
+        <p:spPr>
+          <a:xfrm>
+            <a:off x="378859" y="1478571"/>
+            <a:ext cx="11434281" cy="4887506"/>
+          </a:xfrm>
+          <a:prstGeom prst="rect">
+            <a:avLst/>
+          </a:prstGeom>
+          <a:ln w="38100" cap="sq">
+            <a:solidFill>
+              <a:srgbClr val="000000"/>
+            </a:solidFill>
+            <a:prstDash val="solid"/>
+            <a:miter lim="800000"/>
+          </a:ln>
+          <a:effectLst>
+            <a:outerShdw blurRad="50800" dist="38100" dir="2700000" algn="tl" rotWithShape="0">
+              <a:srgbClr val="000000">
+                <a:alpha val="43000"/>
+              </a:srgbClr>
+            </a:outerShdw>
+          </a:effectLst>
+        </p:spPr>
+      </p:pic>
+    </p:spTree>
+    <p:extLst>
+      <p:ext uri="{BB962C8B-B14F-4D97-AF65-F5344CB8AC3E}">
+        <p14:creationId xmlns:p14="http://schemas.microsoft.com/office/powerpoint/2010/main" val="1767149620"/>
+      </p:ext>
+    </p:extLst>
+  </p:cSld>
+  <p:clrMapOvr>
+    <a:masterClrMapping/>
+  </p:clrMapOvr>
+</p:sld>
+</file>
+
 <file path=ppt/slides/slide22.xml><?xml version="1.0" encoding="utf-8"?>
+<p:sld xmlns:a="http://schemas.openxmlformats.org/drawingml/2006/main" xmlns:r="http://schemas.openxmlformats.org/officeDocument/2006/relationships" xmlns:p="http://schemas.openxmlformats.org/presentationml/2006/main">
+  <p:cSld>
+    <p:spTree>
+      <p:nvGrpSpPr>
+        <p:cNvPr id="1" name=""/>
+        <p:cNvGrpSpPr/>
+        <p:nvPr/>
+      </p:nvGrpSpPr>
+      <p:grpSpPr>
+        <a:xfrm>
+          <a:off x="0" y="0"/>
+          <a:ext cx="0" cy="0"/>
+          <a:chOff x="0" y="0"/>
+          <a:chExt cx="0" cy="0"/>
+        </a:xfrm>
+      </p:grpSpPr>
+      <p:sp>
+        <p:nvSpPr>
+          <p:cNvPr id="7" name="Title 3">
+            <a:extLst>
+              <a:ext uri="{FF2B5EF4-FFF2-40B4-BE49-F238E27FC236}">
+                <a16:creationId xmlns:a16="http://schemas.microsoft.com/office/drawing/2014/main" id="{52938955-97A5-4C9C-A845-477E02A43E20}"/>
+              </a:ext>
+            </a:extLst>
+          </p:cNvPr>
+          <p:cNvSpPr txBox="1">
+            <a:spLocks/>
+          </p:cNvSpPr>
+          <p:nvPr/>
+        </p:nvSpPr>
+        <p:spPr>
+          <a:xfrm>
+            <a:off x="1143001" y="0"/>
+            <a:ext cx="9905998" cy="1478570"/>
+          </a:xfrm>
+          <a:prstGeom prst="rect">
+            <a:avLst/>
+          </a:prstGeom>
+        </p:spPr>
+        <p:txBody>
+          <a:bodyPr vert="horz" lIns="91440" tIns="45720" rIns="91440" bIns="45720" rtlCol="0" anchor="ctr">
+            <a:normAutofit/>
+          </a:bodyPr>
+          <a:lstStyle>
+            <a:lvl1pPr algn="l" defTabSz="914400" rtl="0" eaLnBrk="1" latinLnBrk="0" hangingPunct="1">
+              <a:lnSpc>
+                <a:spcPct val="90000"/>
+              </a:lnSpc>
+              <a:spcBef>
+                <a:spcPct val="0"/>
+              </a:spcBef>
+              <a:buNone/>
+              <a:defRPr sz="3600" kern="1200" cap="all" baseline="0">
+                <a:solidFill>
+                  <a:schemeClr val="tx1"/>
+                </a:solidFill>
+                <a:effectLst>
+                  <a:outerShdw blurRad="177800" dist="38100" dir="2700000" algn="tl">
+                    <a:srgbClr val="000000">
+                      <a:alpha val="24000"/>
+                    </a:srgbClr>
+                  </a:outerShdw>
+                </a:effectLst>
+                <a:latin typeface="+mj-lt"/>
+                <a:ea typeface="+mj-ea"/>
+                <a:cs typeface="+mj-cs"/>
+              </a:defRPr>
+            </a:lvl1pPr>
+          </a:lstStyle>
+          <a:p>
+            <a:r>
+              <a:rPr lang="en-US" cap="none" dirty="0"/>
+              <a:t>Removing Database Dependencies Example</a:t>
+            </a:r>
+          </a:p>
+        </p:txBody>
+      </p:sp>
+      <p:pic>
+        <p:nvPicPr>
+          <p:cNvPr id="4" name="Picture 3">
+            <a:extLst>
+              <a:ext uri="{FF2B5EF4-FFF2-40B4-BE49-F238E27FC236}">
+                <a16:creationId xmlns:a16="http://schemas.microsoft.com/office/drawing/2014/main" id="{AB7555E9-E27E-422A-951A-A28708357DAE}"/>
+              </a:ext>
+            </a:extLst>
+          </p:cNvPr>
+          <p:cNvPicPr>
+            <a:picLocks noChangeAspect="1"/>
+          </p:cNvPicPr>
+          <p:nvPr/>
+        </p:nvPicPr>
+        <p:blipFill>
+          <a:blip r:embed="rId2"/>
+          <a:stretch>
+            <a:fillRect/>
+          </a:stretch>
+        </p:blipFill>
+        <p:spPr>
+          <a:xfrm>
+            <a:off x="719942" y="3429000"/>
+            <a:ext cx="10705325" cy="2939970"/>
+          </a:xfrm>
+          <a:prstGeom prst="rect">
+            <a:avLst/>
+          </a:prstGeom>
+          <a:ln w="38100" cap="sq">
+            <a:solidFill>
+              <a:srgbClr val="000000"/>
+            </a:solidFill>
+            <a:prstDash val="solid"/>
+            <a:miter lim="800000"/>
+          </a:ln>
+          <a:effectLst>
+            <a:outerShdw blurRad="50800" dist="38100" dir="2700000" algn="tl" rotWithShape="0">
+              <a:srgbClr val="000000">
+                <a:alpha val="43000"/>
+              </a:srgbClr>
+            </a:outerShdw>
+          </a:effectLst>
+        </p:spPr>
+      </p:pic>
+      <p:pic>
+        <p:nvPicPr>
+          <p:cNvPr id="5" name="Picture 4">
+            <a:extLst>
+              <a:ext uri="{FF2B5EF4-FFF2-40B4-BE49-F238E27FC236}">
+                <a16:creationId xmlns:a16="http://schemas.microsoft.com/office/drawing/2014/main" id="{F2DD2651-6E4D-4D07-A1EB-78E0429D2548}"/>
+              </a:ext>
+            </a:extLst>
+          </p:cNvPr>
+          <p:cNvPicPr>
+            <a:picLocks noChangeAspect="1"/>
+          </p:cNvPicPr>
+          <p:nvPr/>
+        </p:nvPicPr>
+        <p:blipFill rotWithShape="1">
+          <a:blip r:embed="rId3"/>
+          <a:srcRect l="3391" t="-343"/>
+          <a:stretch/>
+        </p:blipFill>
+        <p:spPr>
+          <a:xfrm>
+            <a:off x="719942" y="1872109"/>
+            <a:ext cx="10732492" cy="952114"/>
+          </a:xfrm>
+          <a:prstGeom prst="rect">
+            <a:avLst/>
+          </a:prstGeom>
+          <a:ln w="38100" cap="sq">
+            <a:solidFill>
+              <a:srgbClr val="000000"/>
+            </a:solidFill>
+            <a:prstDash val="solid"/>
+            <a:miter lim="800000"/>
+          </a:ln>
+          <a:effectLst>
+            <a:outerShdw blurRad="50800" dist="38100" dir="2700000" algn="tl" rotWithShape="0">
+              <a:srgbClr val="000000">
+                <a:alpha val="43000"/>
+              </a:srgbClr>
+            </a:outerShdw>
+          </a:effectLst>
+        </p:spPr>
+      </p:pic>
+    </p:spTree>
+    <p:extLst>
+      <p:ext uri="{BB962C8B-B14F-4D97-AF65-F5344CB8AC3E}">
+        <p14:creationId xmlns:p14="http://schemas.microsoft.com/office/powerpoint/2010/main" val="767637457"/>
+      </p:ext>
+    </p:extLst>
+  </p:cSld>
+  <p:clrMapOvr>
+    <a:masterClrMapping/>
+  </p:clrMapOvr>
+</p:sld>
+</file>
+
+<file path=ppt/slides/slide23.xml><?xml version="1.0" encoding="utf-8"?>
+<p:sld xmlns:a="http://schemas.openxmlformats.org/drawingml/2006/main" xmlns:r="http://schemas.openxmlformats.org/officeDocument/2006/relationships" xmlns:p="http://schemas.openxmlformats.org/presentationml/2006/main">
+  <p:cSld>
+    <p:spTree>
+      <p:nvGrpSpPr>
+        <p:cNvPr id="1" name=""/>
+        <p:cNvGrpSpPr/>
+        <p:nvPr/>
+      </p:nvGrpSpPr>
+      <p:grpSpPr>
+        <a:xfrm>
+          <a:off x="0" y="0"/>
+          <a:ext cx="0" cy="0"/>
+          <a:chOff x="0" y="0"/>
+          <a:chExt cx="0" cy="0"/>
+        </a:xfrm>
+      </p:grpSpPr>
+      <p:sp>
+        <p:nvSpPr>
+          <p:cNvPr id="7" name="Title 3">
+            <a:extLst>
+              <a:ext uri="{FF2B5EF4-FFF2-40B4-BE49-F238E27FC236}">
+                <a16:creationId xmlns:a16="http://schemas.microsoft.com/office/drawing/2014/main" id="{52938955-97A5-4C9C-A845-477E02A43E20}"/>
+              </a:ext>
+            </a:extLst>
+          </p:cNvPr>
+          <p:cNvSpPr txBox="1">
+            <a:spLocks/>
+          </p:cNvSpPr>
+          <p:nvPr/>
+        </p:nvSpPr>
+        <p:spPr>
+          <a:xfrm>
+            <a:off x="1143001" y="0"/>
+            <a:ext cx="9905998" cy="1478570"/>
+          </a:xfrm>
+          <a:prstGeom prst="rect">
+            <a:avLst/>
+          </a:prstGeom>
+        </p:spPr>
+        <p:txBody>
+          <a:bodyPr vert="horz" lIns="91440" tIns="45720" rIns="91440" bIns="45720" rtlCol="0" anchor="ctr">
+            <a:normAutofit/>
+          </a:bodyPr>
+          <a:lstStyle>
+            <a:lvl1pPr algn="l" defTabSz="914400" rtl="0" eaLnBrk="1" latinLnBrk="0" hangingPunct="1">
+              <a:lnSpc>
+                <a:spcPct val="90000"/>
+              </a:lnSpc>
+              <a:spcBef>
+                <a:spcPct val="0"/>
+              </a:spcBef>
+              <a:buNone/>
+              <a:defRPr sz="3600" kern="1200" cap="all" baseline="0">
+                <a:solidFill>
+                  <a:schemeClr val="tx1"/>
+                </a:solidFill>
+                <a:effectLst>
+                  <a:outerShdw blurRad="177800" dist="38100" dir="2700000" algn="tl">
+                    <a:srgbClr val="000000">
+                      <a:alpha val="24000"/>
+                    </a:srgbClr>
+                  </a:outerShdw>
+                </a:effectLst>
+                <a:latin typeface="+mj-lt"/>
+                <a:ea typeface="+mj-ea"/>
+                <a:cs typeface="+mj-cs"/>
+              </a:defRPr>
+            </a:lvl1pPr>
+          </a:lstStyle>
+          <a:p>
+            <a:r>
+              <a:rPr lang="en-US" cap="none" dirty="0"/>
+              <a:t>Removing Database Dependencies Example</a:t>
+            </a:r>
+          </a:p>
+        </p:txBody>
+      </p:sp>
+      <p:pic>
+        <p:nvPicPr>
+          <p:cNvPr id="2" name="Picture 1">
+            <a:extLst>
+              <a:ext uri="{FF2B5EF4-FFF2-40B4-BE49-F238E27FC236}">
+                <a16:creationId xmlns:a16="http://schemas.microsoft.com/office/drawing/2014/main" id="{3D1FC94A-310B-4526-A2CF-C5E007D535F1}"/>
+              </a:ext>
+            </a:extLst>
+          </p:cNvPr>
+          <p:cNvPicPr>
+            <a:picLocks noChangeAspect="1"/>
+          </p:cNvPicPr>
+          <p:nvPr/>
+        </p:nvPicPr>
+        <p:blipFill>
+          <a:blip r:embed="rId2"/>
+          <a:stretch>
+            <a:fillRect/>
+          </a:stretch>
+        </p:blipFill>
+        <p:spPr>
+          <a:xfrm>
+            <a:off x="296072" y="1478570"/>
+            <a:ext cx="11453081" cy="3371224"/>
+          </a:xfrm>
+          <a:prstGeom prst="rect">
+            <a:avLst/>
+          </a:prstGeom>
+          <a:ln w="38100" cap="sq">
+            <a:solidFill>
+              <a:srgbClr val="000000"/>
+            </a:solidFill>
+            <a:prstDash val="solid"/>
+            <a:miter lim="800000"/>
+          </a:ln>
+          <a:effectLst>
+            <a:outerShdw blurRad="50800" dist="38100" dir="2700000" algn="tl" rotWithShape="0">
+              <a:srgbClr val="000000">
+                <a:alpha val="43000"/>
+              </a:srgbClr>
+            </a:outerShdw>
+          </a:effectLst>
+        </p:spPr>
+      </p:pic>
+      <p:pic>
+        <p:nvPicPr>
+          <p:cNvPr id="6" name="Picture 5">
+            <a:extLst>
+              <a:ext uri="{FF2B5EF4-FFF2-40B4-BE49-F238E27FC236}">
+                <a16:creationId xmlns:a16="http://schemas.microsoft.com/office/drawing/2014/main" id="{83850905-7CF2-4D4D-8FAE-9BB6344C212E}"/>
+              </a:ext>
+            </a:extLst>
+          </p:cNvPr>
+          <p:cNvPicPr>
+            <a:picLocks noChangeAspect="1"/>
+          </p:cNvPicPr>
+          <p:nvPr/>
+        </p:nvPicPr>
+        <p:blipFill>
+          <a:blip r:embed="rId3"/>
+          <a:stretch>
+            <a:fillRect/>
+          </a:stretch>
+        </p:blipFill>
+        <p:spPr>
+          <a:xfrm>
+            <a:off x="6781331" y="3055657"/>
+            <a:ext cx="4105275" cy="1209675"/>
+          </a:xfrm>
+          <a:prstGeom prst="rect">
+            <a:avLst/>
+          </a:prstGeom>
+          <a:ln w="38100" cap="sq">
+            <a:solidFill>
+              <a:srgbClr val="000000"/>
+            </a:solidFill>
+            <a:prstDash val="solid"/>
+            <a:miter lim="800000"/>
+          </a:ln>
+          <a:effectLst>
+            <a:outerShdw blurRad="50800" dist="38100" dir="2700000" algn="tl" rotWithShape="0">
+              <a:srgbClr val="000000">
+                <a:alpha val="43000"/>
+              </a:srgbClr>
+            </a:outerShdw>
+          </a:effectLst>
+        </p:spPr>
+      </p:pic>
+      <p:pic>
+        <p:nvPicPr>
+          <p:cNvPr id="3" name="Picture 2">
+            <a:extLst>
+              <a:ext uri="{FF2B5EF4-FFF2-40B4-BE49-F238E27FC236}">
+                <a16:creationId xmlns:a16="http://schemas.microsoft.com/office/drawing/2014/main" id="{EDBE380E-4BAF-4126-AB53-CEAF04512086}"/>
+              </a:ext>
+            </a:extLst>
+          </p:cNvPr>
+          <p:cNvPicPr>
+            <a:picLocks noChangeAspect="1"/>
+          </p:cNvPicPr>
+          <p:nvPr/>
+        </p:nvPicPr>
+        <p:blipFill>
+          <a:blip r:embed="rId4"/>
+          <a:stretch>
+            <a:fillRect/>
+          </a:stretch>
+        </p:blipFill>
+        <p:spPr>
+          <a:xfrm>
+            <a:off x="252766" y="5419364"/>
+            <a:ext cx="11501432" cy="969863"/>
+          </a:xfrm>
+          <a:prstGeom prst="rect">
+            <a:avLst/>
+          </a:prstGeom>
+          <a:ln w="38100" cap="sq">
+            <a:solidFill>
+              <a:srgbClr val="000000"/>
+            </a:solidFill>
+            <a:prstDash val="solid"/>
+            <a:miter lim="800000"/>
+          </a:ln>
+          <a:effectLst>
+            <a:outerShdw blurRad="50800" dist="38100" dir="2700000" algn="tl" rotWithShape="0">
+              <a:srgbClr val="000000">
+                <a:alpha val="43000"/>
+              </a:srgbClr>
+            </a:outerShdw>
+          </a:effectLst>
+        </p:spPr>
+      </p:pic>
+    </p:spTree>
+    <p:extLst>
+      <p:ext uri="{BB962C8B-B14F-4D97-AF65-F5344CB8AC3E}">
+        <p14:creationId xmlns:p14="http://schemas.microsoft.com/office/powerpoint/2010/main" val="2363155907"/>
+      </p:ext>
+    </p:extLst>
+  </p:cSld>
+  <p:clrMapOvr>
+    <a:masterClrMapping/>
+  </p:clrMapOvr>
+</p:sld>
+</file>
+
+<file path=ppt/slides/slide24.xml><?xml version="1.0" encoding="utf-8"?>
 <p:sld xmlns:a="http://schemas.openxmlformats.org/drawingml/2006/main" xmlns:r="http://schemas.openxmlformats.org/officeDocument/2006/relationships" xmlns:p="http://schemas.openxmlformats.org/presentationml/2006/main">
   <p:cSld>
     <p:spTree>
@@ -30727,7 +31224,7 @@
             </a:pPr>
             <a:r>
               <a:rPr lang="en-US" dirty="0"/>
-              <a:t>Don’t test and expect bugs in the legacy system when changes arise</a:t>
+              <a:t>Don’t test, but expect bugs in the legacy system when changes arise</a:t>
             </a:r>
           </a:p>
           <a:p>
@@ -31048,7 +31545,7 @@
 </p:sld>
 </file>
 
-<file path=ppt/slides/slide23.xml><?xml version="1.0" encoding="utf-8"?>
+<file path=ppt/slides/slide25.xml><?xml version="1.0" encoding="utf-8"?>
 <p:sld xmlns:a="http://schemas.openxmlformats.org/drawingml/2006/main" xmlns:r="http://schemas.openxmlformats.org/officeDocument/2006/relationships" xmlns:p="http://schemas.openxmlformats.org/presentationml/2006/main">
   <p:cSld>
     <p:spTree>
@@ -31131,7 +31628,7 @@
 </p:sld>
 </file>
 
-<file path=ppt/slides/slide24.xml><?xml version="1.0" encoding="utf-8"?>
+<file path=ppt/slides/slide26.xml><?xml version="1.0" encoding="utf-8"?>
 <p:sld xmlns:a="http://schemas.openxmlformats.org/drawingml/2006/main" xmlns:r="http://schemas.openxmlformats.org/officeDocument/2006/relationships" xmlns:p="http://schemas.openxmlformats.org/presentationml/2006/main">
   <p:cSld>
     <p:spTree>
@@ -31164,7 +31661,101 @@
             <p:ph type="title"/>
           </p:nvPr>
         </p:nvSpPr>
+        <p:spPr>
+          <a:xfrm>
+            <a:off x="1141413" y="0"/>
+            <a:ext cx="9905998" cy="1478570"/>
+          </a:xfrm>
+        </p:spPr>
+        <p:txBody>
+          <a:bodyPr/>
+          <a:lstStyle/>
+          <a:p>
+            <a:r>
+              <a:rPr lang="en-US" cap="none" dirty="0"/>
+              <a:t>Generating Test Data with Bogus</a:t>
+            </a:r>
+            <a:endParaRPr lang="en-US" dirty="0"/>
+          </a:p>
+        </p:txBody>
+      </p:sp>
+      <p:sp>
+        <p:nvSpPr>
+          <p:cNvPr id="5" name="Content Placeholder 4">
+            <a:extLst>
+              <a:ext uri="{FF2B5EF4-FFF2-40B4-BE49-F238E27FC236}">
+                <a16:creationId xmlns:a16="http://schemas.microsoft.com/office/drawing/2014/main" id="{BF24FDFA-3F46-41F2-9499-79EDCEF806BD}"/>
+              </a:ext>
+            </a:extLst>
+          </p:cNvPr>
+          <p:cNvSpPr>
+            <a:spLocks noGrp="1"/>
+          </p:cNvSpPr>
+          <p:nvPr>
+            <p:ph idx="1"/>
+          </p:nvPr>
+        </p:nvSpPr>
         <p:spPr/>
+        <p:txBody>
+          <a:bodyPr/>
+          <a:lstStyle/>
+          <a:p>
+            <a:endParaRPr lang="en-US"/>
+          </a:p>
+        </p:txBody>
+      </p:sp>
+    </p:spTree>
+    <p:extLst>
+      <p:ext uri="{BB962C8B-B14F-4D97-AF65-F5344CB8AC3E}">
+        <p14:creationId xmlns:p14="http://schemas.microsoft.com/office/powerpoint/2010/main" val="4013615865"/>
+      </p:ext>
+    </p:extLst>
+  </p:cSld>
+  <p:clrMapOvr>
+    <a:masterClrMapping/>
+  </p:clrMapOvr>
+</p:sld>
+</file>
+
+<file path=ppt/slides/slide27.xml><?xml version="1.0" encoding="utf-8"?>
+<p:sld xmlns:a="http://schemas.openxmlformats.org/drawingml/2006/main" xmlns:r="http://schemas.openxmlformats.org/officeDocument/2006/relationships" xmlns:p="http://schemas.openxmlformats.org/presentationml/2006/main">
+  <p:cSld>
+    <p:spTree>
+      <p:nvGrpSpPr>
+        <p:cNvPr id="1" name=""/>
+        <p:cNvGrpSpPr/>
+        <p:nvPr/>
+      </p:nvGrpSpPr>
+      <p:grpSpPr>
+        <a:xfrm>
+          <a:off x="0" y="0"/>
+          <a:ext cx="0" cy="0"/>
+          <a:chOff x="0" y="0"/>
+          <a:chExt cx="0" cy="0"/>
+        </a:xfrm>
+      </p:grpSpPr>
+      <p:sp>
+        <p:nvSpPr>
+          <p:cNvPr id="4" name="Title 3">
+            <a:extLst>
+              <a:ext uri="{FF2B5EF4-FFF2-40B4-BE49-F238E27FC236}">
+                <a16:creationId xmlns:a16="http://schemas.microsoft.com/office/drawing/2014/main" id="{EE13D860-9205-48B1-B675-4421397C217F}"/>
+              </a:ext>
+            </a:extLst>
+          </p:cNvPr>
+          <p:cNvSpPr>
+            <a:spLocks noGrp="1"/>
+          </p:cNvSpPr>
+          <p:nvPr>
+            <p:ph type="title"/>
+          </p:nvPr>
+        </p:nvSpPr>
+        <p:spPr>
+          <a:xfrm>
+            <a:off x="1141413" y="0"/>
+            <a:ext cx="9905998" cy="1478570"/>
+          </a:xfrm>
+        </p:spPr>
         <p:txBody>
           <a:bodyPr/>
           <a:lstStyle/>
@@ -31223,7 +31814,7 @@
 </p:sld>
 </file>
 
-<file path=ppt/slides/slide25.xml><?xml version="1.0" encoding="utf-8"?>
+<file path=ppt/slides/slide28.xml><?xml version="1.0" encoding="utf-8"?>
 <p:sld xmlns:a="http://schemas.openxmlformats.org/drawingml/2006/main" xmlns:r="http://schemas.openxmlformats.org/officeDocument/2006/relationships" xmlns:p="http://schemas.openxmlformats.org/presentationml/2006/main">
   <p:cSld>
     <p:spTree>
@@ -31256,7 +31847,12 @@
             <p:ph type="title"/>
           </p:nvPr>
         </p:nvSpPr>
-        <p:spPr/>
+        <p:spPr>
+          <a:xfrm>
+            <a:off x="1141413" y="0"/>
+            <a:ext cx="9905998" cy="1478570"/>
+          </a:xfrm>
+        </p:spPr>
         <p:txBody>
           <a:bodyPr/>
           <a:lstStyle/>
@@ -31311,7 +31907,7 @@
 </p:sld>
 </file>
 
-<file path=ppt/slides/slide26.xml><?xml version="1.0" encoding="utf-8"?>
+<file path=ppt/slides/slide29.xml><?xml version="1.0" encoding="utf-8"?>
 <p:sld xmlns:a="http://schemas.openxmlformats.org/drawingml/2006/main" xmlns:r="http://schemas.openxmlformats.org/officeDocument/2006/relationships" xmlns:p="http://schemas.openxmlformats.org/presentationml/2006/main">
   <p:cSld>
     <p:spTree>
@@ -31344,14 +31940,19 @@
             <p:ph type="title"/>
           </p:nvPr>
         </p:nvSpPr>
-        <p:spPr/>
+        <p:spPr>
+          <a:xfrm>
+            <a:off x="1141413" y="0"/>
+            <a:ext cx="9905998" cy="1478570"/>
+          </a:xfrm>
+        </p:spPr>
         <p:txBody>
           <a:bodyPr/>
           <a:lstStyle/>
           <a:p>
             <a:r>
               <a:rPr lang="en-US" cap="none" dirty="0"/>
-              <a:t>Scientist </a:t>
+              <a:t>Comparing Logic with Scientist </a:t>
             </a:r>
             <a:r>
               <a:rPr lang="en-US" dirty="0"/>
@@ -31389,278 +31990,6 @@
     <p:extLst>
       <p:ext uri="{BB962C8B-B14F-4D97-AF65-F5344CB8AC3E}">
         <p14:creationId xmlns:p14="http://schemas.microsoft.com/office/powerpoint/2010/main" val="1892483161"/>
-      </p:ext>
-    </p:extLst>
-  </p:cSld>
-  <p:clrMapOvr>
-    <a:masterClrMapping/>
-  </p:clrMapOvr>
-</p:sld>
-</file>
-
-<file path=ppt/slides/slide27.xml><?xml version="1.0" encoding="utf-8"?>
-<p:sld xmlns:a="http://schemas.openxmlformats.org/drawingml/2006/main" xmlns:r="http://schemas.openxmlformats.org/officeDocument/2006/relationships" xmlns:p="http://schemas.openxmlformats.org/presentationml/2006/main">
-  <p:cSld>
-    <p:spTree>
-      <p:nvGrpSpPr>
-        <p:cNvPr id="1" name=""/>
-        <p:cNvGrpSpPr/>
-        <p:nvPr/>
-      </p:nvGrpSpPr>
-      <p:grpSpPr>
-        <a:xfrm>
-          <a:off x="0" y="0"/>
-          <a:ext cx="0" cy="0"/>
-          <a:chOff x="0" y="0"/>
-          <a:chExt cx="0" cy="0"/>
-        </a:xfrm>
-      </p:grpSpPr>
-      <p:sp>
-        <p:nvSpPr>
-          <p:cNvPr id="4" name="Title 3">
-            <a:extLst>
-              <a:ext uri="{FF2B5EF4-FFF2-40B4-BE49-F238E27FC236}">
-                <a16:creationId xmlns:a16="http://schemas.microsoft.com/office/drawing/2014/main" id="{EE13D860-9205-48B1-B675-4421397C217F}"/>
-              </a:ext>
-            </a:extLst>
-          </p:cNvPr>
-          <p:cNvSpPr>
-            <a:spLocks noGrp="1"/>
-          </p:cNvSpPr>
-          <p:nvPr>
-            <p:ph type="title"/>
-          </p:nvPr>
-        </p:nvSpPr>
-        <p:spPr/>
-        <p:txBody>
-          <a:bodyPr/>
-          <a:lstStyle/>
-          <a:p>
-            <a:r>
-              <a:rPr lang="en-US" cap="none" dirty="0" err="1"/>
-              <a:t>SnapShotter</a:t>
-            </a:r>
-            <a:r>
-              <a:rPr lang="en-US" cap="none" dirty="0"/>
-              <a:t> / </a:t>
-            </a:r>
-            <a:r>
-              <a:rPr lang="en-US" cap="none" dirty="0" err="1"/>
-              <a:t>ApprovalTests</a:t>
-            </a:r>
-            <a:r>
-              <a:rPr lang="en-US" cap="none" dirty="0"/>
-              <a:t> / Snapper</a:t>
-            </a:r>
-            <a:endParaRPr lang="en-US" dirty="0"/>
-          </a:p>
-        </p:txBody>
-      </p:sp>
-      <p:sp>
-        <p:nvSpPr>
-          <p:cNvPr id="5" name="Content Placeholder 4">
-            <a:extLst>
-              <a:ext uri="{FF2B5EF4-FFF2-40B4-BE49-F238E27FC236}">
-                <a16:creationId xmlns:a16="http://schemas.microsoft.com/office/drawing/2014/main" id="{BF24FDFA-3F46-41F2-9499-79EDCEF806BD}"/>
-              </a:ext>
-            </a:extLst>
-          </p:cNvPr>
-          <p:cNvSpPr>
-            <a:spLocks noGrp="1"/>
-          </p:cNvSpPr>
-          <p:nvPr>
-            <p:ph idx="1"/>
-          </p:nvPr>
-        </p:nvSpPr>
-        <p:spPr/>
-        <p:txBody>
-          <a:bodyPr/>
-          <a:lstStyle/>
-          <a:p>
-            <a:endParaRPr lang="en-US"/>
-          </a:p>
-        </p:txBody>
-      </p:sp>
-    </p:spTree>
-    <p:extLst>
-      <p:ext uri="{BB962C8B-B14F-4D97-AF65-F5344CB8AC3E}">
-        <p14:creationId xmlns:p14="http://schemas.microsoft.com/office/powerpoint/2010/main" val="4089011859"/>
-      </p:ext>
-    </p:extLst>
-  </p:cSld>
-  <p:clrMapOvr>
-    <a:masterClrMapping/>
-  </p:clrMapOvr>
-</p:sld>
-</file>
-
-<file path=ppt/slides/slide28.xml><?xml version="1.0" encoding="utf-8"?>
-<p:sld xmlns:a="http://schemas.openxmlformats.org/drawingml/2006/main" xmlns:r="http://schemas.openxmlformats.org/officeDocument/2006/relationships" xmlns:p="http://schemas.openxmlformats.org/presentationml/2006/main">
-  <p:cSld>
-    <p:spTree>
-      <p:nvGrpSpPr>
-        <p:cNvPr id="1" name=""/>
-        <p:cNvGrpSpPr/>
-        <p:nvPr/>
-      </p:nvGrpSpPr>
-      <p:grpSpPr>
-        <a:xfrm>
-          <a:off x="0" y="0"/>
-          <a:ext cx="0" cy="0"/>
-          <a:chOff x="0" y="0"/>
-          <a:chExt cx="0" cy="0"/>
-        </a:xfrm>
-      </p:grpSpPr>
-      <p:sp>
-        <p:nvSpPr>
-          <p:cNvPr id="4" name="Title 3">
-            <a:extLst>
-              <a:ext uri="{FF2B5EF4-FFF2-40B4-BE49-F238E27FC236}">
-                <a16:creationId xmlns:a16="http://schemas.microsoft.com/office/drawing/2014/main" id="{EE13D860-9205-48B1-B675-4421397C217F}"/>
-              </a:ext>
-            </a:extLst>
-          </p:cNvPr>
-          <p:cNvSpPr>
-            <a:spLocks noGrp="1"/>
-          </p:cNvSpPr>
-          <p:nvPr>
-            <p:ph type="title"/>
-          </p:nvPr>
-        </p:nvSpPr>
-        <p:spPr/>
-        <p:txBody>
-          <a:bodyPr/>
-          <a:lstStyle/>
-          <a:p>
-            <a:r>
-              <a:rPr lang="en-US" cap="none" dirty="0" err="1"/>
-              <a:t>Moq</a:t>
-            </a:r>
-            <a:r>
-              <a:rPr lang="en-US" cap="none" dirty="0"/>
-              <a:t> to Create Mock Objects</a:t>
-            </a:r>
-            <a:endParaRPr lang="en-US" dirty="0"/>
-          </a:p>
-        </p:txBody>
-      </p:sp>
-      <p:sp>
-        <p:nvSpPr>
-          <p:cNvPr id="5" name="Content Placeholder 4">
-            <a:extLst>
-              <a:ext uri="{FF2B5EF4-FFF2-40B4-BE49-F238E27FC236}">
-                <a16:creationId xmlns:a16="http://schemas.microsoft.com/office/drawing/2014/main" id="{BF24FDFA-3F46-41F2-9499-79EDCEF806BD}"/>
-              </a:ext>
-            </a:extLst>
-          </p:cNvPr>
-          <p:cNvSpPr>
-            <a:spLocks noGrp="1"/>
-          </p:cNvSpPr>
-          <p:nvPr>
-            <p:ph idx="1"/>
-          </p:nvPr>
-        </p:nvSpPr>
-        <p:spPr/>
-        <p:txBody>
-          <a:bodyPr/>
-          <a:lstStyle/>
-          <a:p>
-            <a:endParaRPr lang="en-US"/>
-          </a:p>
-        </p:txBody>
-      </p:sp>
-    </p:spTree>
-    <p:extLst>
-      <p:ext uri="{BB962C8B-B14F-4D97-AF65-F5344CB8AC3E}">
-        <p14:creationId xmlns:p14="http://schemas.microsoft.com/office/powerpoint/2010/main" val="1221973596"/>
-      </p:ext>
-    </p:extLst>
-  </p:cSld>
-  <p:clrMapOvr>
-    <a:masterClrMapping/>
-  </p:clrMapOvr>
-</p:sld>
-</file>
-
-<file path=ppt/slides/slide29.xml><?xml version="1.0" encoding="utf-8"?>
-<p:sld xmlns:a="http://schemas.openxmlformats.org/drawingml/2006/main" xmlns:r="http://schemas.openxmlformats.org/officeDocument/2006/relationships" xmlns:p="http://schemas.openxmlformats.org/presentationml/2006/main">
-  <p:cSld>
-    <p:spTree>
-      <p:nvGrpSpPr>
-        <p:cNvPr id="1" name=""/>
-        <p:cNvGrpSpPr/>
-        <p:nvPr/>
-      </p:nvGrpSpPr>
-      <p:grpSpPr>
-        <a:xfrm>
-          <a:off x="0" y="0"/>
-          <a:ext cx="0" cy="0"/>
-          <a:chOff x="0" y="0"/>
-          <a:chExt cx="0" cy="0"/>
-        </a:xfrm>
-      </p:grpSpPr>
-      <p:sp>
-        <p:nvSpPr>
-          <p:cNvPr id="4" name="Title 3">
-            <a:extLst>
-              <a:ext uri="{FF2B5EF4-FFF2-40B4-BE49-F238E27FC236}">
-                <a16:creationId xmlns:a16="http://schemas.microsoft.com/office/drawing/2014/main" id="{EE13D860-9205-48B1-B675-4421397C217F}"/>
-              </a:ext>
-            </a:extLst>
-          </p:cNvPr>
-          <p:cNvSpPr>
-            <a:spLocks noGrp="1"/>
-          </p:cNvSpPr>
-          <p:nvPr>
-            <p:ph type="title"/>
-          </p:nvPr>
-        </p:nvSpPr>
-        <p:spPr/>
-        <p:txBody>
-          <a:bodyPr/>
-          <a:lstStyle/>
-          <a:p>
-            <a:r>
-              <a:rPr lang="en-US" cap="none" dirty="0" err="1"/>
-              <a:t>Moq</a:t>
-            </a:r>
-            <a:r>
-              <a:rPr lang="en-US" cap="none" dirty="0"/>
-              <a:t> to Verify Behavior</a:t>
-            </a:r>
-            <a:endParaRPr lang="en-US" dirty="0"/>
-          </a:p>
-        </p:txBody>
-      </p:sp>
-      <p:sp>
-        <p:nvSpPr>
-          <p:cNvPr id="5" name="Content Placeholder 4">
-            <a:extLst>
-              <a:ext uri="{FF2B5EF4-FFF2-40B4-BE49-F238E27FC236}">
-                <a16:creationId xmlns:a16="http://schemas.microsoft.com/office/drawing/2014/main" id="{BF24FDFA-3F46-41F2-9499-79EDCEF806BD}"/>
-              </a:ext>
-            </a:extLst>
-          </p:cNvPr>
-          <p:cNvSpPr>
-            <a:spLocks noGrp="1"/>
-          </p:cNvSpPr>
-          <p:nvPr>
-            <p:ph idx="1"/>
-          </p:nvPr>
-        </p:nvSpPr>
-        <p:spPr/>
-        <p:txBody>
-          <a:bodyPr/>
-          <a:lstStyle/>
-          <a:p>
-            <a:endParaRPr lang="en-US"/>
-          </a:p>
-        </p:txBody>
-      </p:sp>
-    </p:spTree>
-    <p:extLst>
-      <p:ext uri="{BB962C8B-B14F-4D97-AF65-F5344CB8AC3E}">
-        <p14:creationId xmlns:p14="http://schemas.microsoft.com/office/powerpoint/2010/main" val="3246282286"/>
       </p:ext>
     </p:extLst>
   </p:cSld>
@@ -31828,7 +32157,303 @@
             <p:ph type="title"/>
           </p:nvPr>
         </p:nvSpPr>
+        <p:spPr>
+          <a:xfrm>
+            <a:off x="1141413" y="0"/>
+            <a:ext cx="9905998" cy="1478570"/>
+          </a:xfrm>
+        </p:spPr>
+        <p:txBody>
+          <a:bodyPr/>
+          <a:lstStyle/>
+          <a:p>
+            <a:r>
+              <a:rPr lang="en-US" cap="none" dirty="0"/>
+              <a:t>Testing State Trees with </a:t>
+            </a:r>
+            <a:r>
+              <a:rPr lang="en-US" cap="none" dirty="0" err="1"/>
+              <a:t>SnapShotter</a:t>
+            </a:r>
+            <a:r>
+              <a:rPr lang="en-US" cap="none" dirty="0"/>
+              <a:t> / </a:t>
+            </a:r>
+            <a:r>
+              <a:rPr lang="en-US" cap="none" dirty="0" err="1"/>
+              <a:t>ApprovalTests</a:t>
+            </a:r>
+            <a:r>
+              <a:rPr lang="en-US" cap="none" dirty="0"/>
+              <a:t> / Snapper</a:t>
+            </a:r>
+            <a:endParaRPr lang="en-US" dirty="0"/>
+          </a:p>
+        </p:txBody>
+      </p:sp>
+      <p:sp>
+        <p:nvSpPr>
+          <p:cNvPr id="5" name="Content Placeholder 4">
+            <a:extLst>
+              <a:ext uri="{FF2B5EF4-FFF2-40B4-BE49-F238E27FC236}">
+                <a16:creationId xmlns:a16="http://schemas.microsoft.com/office/drawing/2014/main" id="{BF24FDFA-3F46-41F2-9499-79EDCEF806BD}"/>
+              </a:ext>
+            </a:extLst>
+          </p:cNvPr>
+          <p:cNvSpPr>
+            <a:spLocks noGrp="1"/>
+          </p:cNvSpPr>
+          <p:nvPr>
+            <p:ph idx="1"/>
+          </p:nvPr>
+        </p:nvSpPr>
         <p:spPr/>
+        <p:txBody>
+          <a:bodyPr/>
+          <a:lstStyle/>
+          <a:p>
+            <a:endParaRPr lang="en-US"/>
+          </a:p>
+        </p:txBody>
+      </p:sp>
+    </p:spTree>
+    <p:extLst>
+      <p:ext uri="{BB962C8B-B14F-4D97-AF65-F5344CB8AC3E}">
+        <p14:creationId xmlns:p14="http://schemas.microsoft.com/office/powerpoint/2010/main" val="4089011859"/>
+      </p:ext>
+    </p:extLst>
+  </p:cSld>
+  <p:clrMapOvr>
+    <a:masterClrMapping/>
+  </p:clrMapOvr>
+</p:sld>
+</file>
+
+<file path=ppt/slides/slide31.xml><?xml version="1.0" encoding="utf-8"?>
+<p:sld xmlns:a="http://schemas.openxmlformats.org/drawingml/2006/main" xmlns:r="http://schemas.openxmlformats.org/officeDocument/2006/relationships" xmlns:p="http://schemas.openxmlformats.org/presentationml/2006/main">
+  <p:cSld>
+    <p:spTree>
+      <p:nvGrpSpPr>
+        <p:cNvPr id="1" name=""/>
+        <p:cNvGrpSpPr/>
+        <p:nvPr/>
+      </p:nvGrpSpPr>
+      <p:grpSpPr>
+        <a:xfrm>
+          <a:off x="0" y="0"/>
+          <a:ext cx="0" cy="0"/>
+          <a:chOff x="0" y="0"/>
+          <a:chExt cx="0" cy="0"/>
+        </a:xfrm>
+      </p:grpSpPr>
+      <p:sp>
+        <p:nvSpPr>
+          <p:cNvPr id="4" name="Title 3">
+            <a:extLst>
+              <a:ext uri="{FF2B5EF4-FFF2-40B4-BE49-F238E27FC236}">
+                <a16:creationId xmlns:a16="http://schemas.microsoft.com/office/drawing/2014/main" id="{EE13D860-9205-48B1-B675-4421397C217F}"/>
+              </a:ext>
+            </a:extLst>
+          </p:cNvPr>
+          <p:cNvSpPr>
+            <a:spLocks noGrp="1"/>
+          </p:cNvSpPr>
+          <p:nvPr>
+            <p:ph type="title"/>
+          </p:nvPr>
+        </p:nvSpPr>
+        <p:spPr>
+          <a:xfrm>
+            <a:off x="1141413" y="0"/>
+            <a:ext cx="9905998" cy="1478570"/>
+          </a:xfrm>
+        </p:spPr>
+        <p:txBody>
+          <a:bodyPr/>
+          <a:lstStyle/>
+          <a:p>
+            <a:r>
+              <a:rPr lang="en-US" cap="none" dirty="0" err="1"/>
+              <a:t>Moq</a:t>
+            </a:r>
+            <a:r>
+              <a:rPr lang="en-US" cap="none" dirty="0"/>
+              <a:t> to Create Mock Objects</a:t>
+            </a:r>
+            <a:endParaRPr lang="en-US" dirty="0"/>
+          </a:p>
+        </p:txBody>
+      </p:sp>
+      <p:sp>
+        <p:nvSpPr>
+          <p:cNvPr id="5" name="Content Placeholder 4">
+            <a:extLst>
+              <a:ext uri="{FF2B5EF4-FFF2-40B4-BE49-F238E27FC236}">
+                <a16:creationId xmlns:a16="http://schemas.microsoft.com/office/drawing/2014/main" id="{BF24FDFA-3F46-41F2-9499-79EDCEF806BD}"/>
+              </a:ext>
+            </a:extLst>
+          </p:cNvPr>
+          <p:cNvSpPr>
+            <a:spLocks noGrp="1"/>
+          </p:cNvSpPr>
+          <p:nvPr>
+            <p:ph idx="1"/>
+          </p:nvPr>
+        </p:nvSpPr>
+        <p:spPr/>
+        <p:txBody>
+          <a:bodyPr/>
+          <a:lstStyle/>
+          <a:p>
+            <a:endParaRPr lang="en-US"/>
+          </a:p>
+        </p:txBody>
+      </p:sp>
+    </p:spTree>
+    <p:extLst>
+      <p:ext uri="{BB962C8B-B14F-4D97-AF65-F5344CB8AC3E}">
+        <p14:creationId xmlns:p14="http://schemas.microsoft.com/office/powerpoint/2010/main" val="1221973596"/>
+      </p:ext>
+    </p:extLst>
+  </p:cSld>
+  <p:clrMapOvr>
+    <a:masterClrMapping/>
+  </p:clrMapOvr>
+</p:sld>
+</file>
+
+<file path=ppt/slides/slide32.xml><?xml version="1.0" encoding="utf-8"?>
+<p:sld xmlns:a="http://schemas.openxmlformats.org/drawingml/2006/main" xmlns:r="http://schemas.openxmlformats.org/officeDocument/2006/relationships" xmlns:p="http://schemas.openxmlformats.org/presentationml/2006/main">
+  <p:cSld>
+    <p:spTree>
+      <p:nvGrpSpPr>
+        <p:cNvPr id="1" name=""/>
+        <p:cNvGrpSpPr/>
+        <p:nvPr/>
+      </p:nvGrpSpPr>
+      <p:grpSpPr>
+        <a:xfrm>
+          <a:off x="0" y="0"/>
+          <a:ext cx="0" cy="0"/>
+          <a:chOff x="0" y="0"/>
+          <a:chExt cx="0" cy="0"/>
+        </a:xfrm>
+      </p:grpSpPr>
+      <p:sp>
+        <p:nvSpPr>
+          <p:cNvPr id="4" name="Title 3">
+            <a:extLst>
+              <a:ext uri="{FF2B5EF4-FFF2-40B4-BE49-F238E27FC236}">
+                <a16:creationId xmlns:a16="http://schemas.microsoft.com/office/drawing/2014/main" id="{EE13D860-9205-48B1-B675-4421397C217F}"/>
+              </a:ext>
+            </a:extLst>
+          </p:cNvPr>
+          <p:cNvSpPr>
+            <a:spLocks noGrp="1"/>
+          </p:cNvSpPr>
+          <p:nvPr>
+            <p:ph type="title"/>
+          </p:nvPr>
+        </p:nvSpPr>
+        <p:spPr>
+          <a:xfrm>
+            <a:off x="1141413" y="0"/>
+            <a:ext cx="9905998" cy="1478570"/>
+          </a:xfrm>
+        </p:spPr>
+        <p:txBody>
+          <a:bodyPr/>
+          <a:lstStyle/>
+          <a:p>
+            <a:r>
+              <a:rPr lang="en-US" cap="none" dirty="0" err="1"/>
+              <a:t>Moq</a:t>
+            </a:r>
+            <a:r>
+              <a:rPr lang="en-US" cap="none" dirty="0"/>
+              <a:t> to Verify Behavior</a:t>
+            </a:r>
+            <a:endParaRPr lang="en-US" dirty="0"/>
+          </a:p>
+        </p:txBody>
+      </p:sp>
+      <p:sp>
+        <p:nvSpPr>
+          <p:cNvPr id="5" name="Content Placeholder 4">
+            <a:extLst>
+              <a:ext uri="{FF2B5EF4-FFF2-40B4-BE49-F238E27FC236}">
+                <a16:creationId xmlns:a16="http://schemas.microsoft.com/office/drawing/2014/main" id="{BF24FDFA-3F46-41F2-9499-79EDCEF806BD}"/>
+              </a:ext>
+            </a:extLst>
+          </p:cNvPr>
+          <p:cNvSpPr>
+            <a:spLocks noGrp="1"/>
+          </p:cNvSpPr>
+          <p:nvPr>
+            <p:ph idx="1"/>
+          </p:nvPr>
+        </p:nvSpPr>
+        <p:spPr/>
+        <p:txBody>
+          <a:bodyPr/>
+          <a:lstStyle/>
+          <a:p>
+            <a:endParaRPr lang="en-US"/>
+          </a:p>
+        </p:txBody>
+      </p:sp>
+    </p:spTree>
+    <p:extLst>
+      <p:ext uri="{BB962C8B-B14F-4D97-AF65-F5344CB8AC3E}">
+        <p14:creationId xmlns:p14="http://schemas.microsoft.com/office/powerpoint/2010/main" val="3246282286"/>
+      </p:ext>
+    </p:extLst>
+  </p:cSld>
+  <p:clrMapOvr>
+    <a:masterClrMapping/>
+  </p:clrMapOvr>
+</p:sld>
+</file>
+
+<file path=ppt/slides/slide33.xml><?xml version="1.0" encoding="utf-8"?>
+<p:sld xmlns:a="http://schemas.openxmlformats.org/drawingml/2006/main" xmlns:r="http://schemas.openxmlformats.org/officeDocument/2006/relationships" xmlns:p="http://schemas.openxmlformats.org/presentationml/2006/main">
+  <p:cSld>
+    <p:spTree>
+      <p:nvGrpSpPr>
+        <p:cNvPr id="1" name=""/>
+        <p:cNvGrpSpPr/>
+        <p:nvPr/>
+      </p:nvGrpSpPr>
+      <p:grpSpPr>
+        <a:xfrm>
+          <a:off x="0" y="0"/>
+          <a:ext cx="0" cy="0"/>
+          <a:chOff x="0" y="0"/>
+          <a:chExt cx="0" cy="0"/>
+        </a:xfrm>
+      </p:grpSpPr>
+      <p:sp>
+        <p:nvSpPr>
+          <p:cNvPr id="4" name="Title 3">
+            <a:extLst>
+              <a:ext uri="{FF2B5EF4-FFF2-40B4-BE49-F238E27FC236}">
+                <a16:creationId xmlns:a16="http://schemas.microsoft.com/office/drawing/2014/main" id="{EE13D860-9205-48B1-B675-4421397C217F}"/>
+              </a:ext>
+            </a:extLst>
+          </p:cNvPr>
+          <p:cNvSpPr>
+            <a:spLocks noGrp="1"/>
+          </p:cNvSpPr>
+          <p:nvPr>
+            <p:ph type="title"/>
+          </p:nvPr>
+        </p:nvSpPr>
+        <p:spPr>
+          <a:xfrm>
+            <a:off x="1141413" y="0"/>
+            <a:ext cx="9905998" cy="1478570"/>
+          </a:xfrm>
+        </p:spPr>
         <p:txBody>
           <a:bodyPr/>
           <a:lstStyle/>
@@ -31879,7 +32504,7 @@
 </p:sld>
 </file>
 
-<file path=ppt/slides/slide31.xml><?xml version="1.0" encoding="utf-8"?>
+<file path=ppt/slides/slide34.xml><?xml version="1.0" encoding="utf-8"?>
 <p:sld xmlns:a="http://schemas.openxmlformats.org/drawingml/2006/main" xmlns:r="http://schemas.openxmlformats.org/officeDocument/2006/relationships" xmlns:p="http://schemas.openxmlformats.org/presentationml/2006/main">
   <p:cSld>
     <p:spTree>
@@ -31912,95 +32537,20 @@
             <p:ph type="title"/>
           </p:nvPr>
         </p:nvSpPr>
-        <p:spPr/>
+        <p:spPr>
+          <a:xfrm>
+            <a:off x="1141413" y="0"/>
+            <a:ext cx="9905998" cy="1478570"/>
+          </a:xfrm>
+        </p:spPr>
         <p:txBody>
           <a:bodyPr/>
           <a:lstStyle/>
           <a:p>
             <a:r>
               <a:rPr lang="en-US" cap="none" dirty="0"/>
-              <a:t>Bogus</a:t>
+              <a:t>Finding Edge Cases with </a:t>
             </a:r>
-            <a:endParaRPr lang="en-US" dirty="0"/>
-          </a:p>
-        </p:txBody>
-      </p:sp>
-      <p:sp>
-        <p:nvSpPr>
-          <p:cNvPr id="5" name="Content Placeholder 4">
-            <a:extLst>
-              <a:ext uri="{FF2B5EF4-FFF2-40B4-BE49-F238E27FC236}">
-                <a16:creationId xmlns:a16="http://schemas.microsoft.com/office/drawing/2014/main" id="{BF24FDFA-3F46-41F2-9499-79EDCEF806BD}"/>
-              </a:ext>
-            </a:extLst>
-          </p:cNvPr>
-          <p:cNvSpPr>
-            <a:spLocks noGrp="1"/>
-          </p:cNvSpPr>
-          <p:nvPr>
-            <p:ph idx="1"/>
-          </p:nvPr>
-        </p:nvSpPr>
-        <p:spPr/>
-        <p:txBody>
-          <a:bodyPr/>
-          <a:lstStyle/>
-          <a:p>
-            <a:endParaRPr lang="en-US"/>
-          </a:p>
-        </p:txBody>
-      </p:sp>
-    </p:spTree>
-    <p:extLst>
-      <p:ext uri="{BB962C8B-B14F-4D97-AF65-F5344CB8AC3E}">
-        <p14:creationId xmlns:p14="http://schemas.microsoft.com/office/powerpoint/2010/main" val="4013615865"/>
-      </p:ext>
-    </p:extLst>
-  </p:cSld>
-  <p:clrMapOvr>
-    <a:masterClrMapping/>
-  </p:clrMapOvr>
-</p:sld>
-</file>
-
-<file path=ppt/slides/slide32.xml><?xml version="1.0" encoding="utf-8"?>
-<p:sld xmlns:a="http://schemas.openxmlformats.org/drawingml/2006/main" xmlns:r="http://schemas.openxmlformats.org/officeDocument/2006/relationships" xmlns:p="http://schemas.openxmlformats.org/presentationml/2006/main">
-  <p:cSld>
-    <p:spTree>
-      <p:nvGrpSpPr>
-        <p:cNvPr id="1" name=""/>
-        <p:cNvGrpSpPr/>
-        <p:nvPr/>
-      </p:nvGrpSpPr>
-      <p:grpSpPr>
-        <a:xfrm>
-          <a:off x="0" y="0"/>
-          <a:ext cx="0" cy="0"/>
-          <a:chOff x="0" y="0"/>
-          <a:chExt cx="0" cy="0"/>
-        </a:xfrm>
-      </p:grpSpPr>
-      <p:sp>
-        <p:nvSpPr>
-          <p:cNvPr id="4" name="Title 3">
-            <a:extLst>
-              <a:ext uri="{FF2B5EF4-FFF2-40B4-BE49-F238E27FC236}">
-                <a16:creationId xmlns:a16="http://schemas.microsoft.com/office/drawing/2014/main" id="{EE13D860-9205-48B1-B675-4421397C217F}"/>
-              </a:ext>
-            </a:extLst>
-          </p:cNvPr>
-          <p:cNvSpPr>
-            <a:spLocks noGrp="1"/>
-          </p:cNvSpPr>
-          <p:nvPr>
-            <p:ph type="title"/>
-          </p:nvPr>
-        </p:nvSpPr>
-        <p:spPr/>
-        <p:txBody>
-          <a:bodyPr/>
-          <a:lstStyle/>
-          <a:p>
             <a:r>
               <a:rPr lang="en-US" cap="none" dirty="0" err="1"/>
               <a:t>SharpFuzz</a:t>
@@ -32047,7 +32597,7 @@
 </p:sld>
 </file>
 
-<file path=ppt/slides/slide33.xml><?xml version="1.0" encoding="utf-8"?>
+<file path=ppt/slides/slide35.xml><?xml version="1.0" encoding="utf-8"?>
 <p:sld xmlns:a="http://schemas.openxmlformats.org/drawingml/2006/main" xmlns:r="http://schemas.openxmlformats.org/officeDocument/2006/relationships" xmlns:p="http://schemas.openxmlformats.org/presentationml/2006/main">
   <p:cSld>
     <p:spTree>
@@ -32080,11 +32630,20 @@
             <p:ph type="title"/>
           </p:nvPr>
         </p:nvSpPr>
-        <p:spPr/>
+        <p:spPr>
+          <a:xfrm>
+            <a:off x="1141413" y="0"/>
+            <a:ext cx="9905998" cy="1478570"/>
+          </a:xfrm>
+        </p:spPr>
         <p:txBody>
           <a:bodyPr/>
           <a:lstStyle/>
           <a:p>
+            <a:r>
+              <a:rPr lang="en-US" cap="none" dirty="0"/>
+              <a:t>In Memory Tests with </a:t>
+            </a:r>
             <a:r>
               <a:rPr lang="en-US" cap="none" dirty="0" err="1"/>
               <a:t>EntityFramework</a:t>
@@ -32131,7 +32690,7 @@
 </p:sld>
 </file>
 
-<file path=ppt/slides/slide34.xml><?xml version="1.0" encoding="utf-8"?>
+<file path=ppt/slides/slide36.xml><?xml version="1.0" encoding="utf-8"?>
 <p:sld xmlns:a="http://schemas.openxmlformats.org/drawingml/2006/main" xmlns:r="http://schemas.openxmlformats.org/officeDocument/2006/relationships" xmlns:p="http://schemas.openxmlformats.org/presentationml/2006/main">
   <p:cSld>
     <p:spTree>
@@ -32214,7 +32773,7 @@
 </p:sld>
 </file>
 
-<file path=ppt/slides/slide35.xml><?xml version="1.0" encoding="utf-8"?>
+<file path=ppt/slides/slide37.xml><?xml version="1.0" encoding="utf-8"?>
 <p:sld xmlns:a="http://schemas.openxmlformats.org/drawingml/2006/main" xmlns:r="http://schemas.openxmlformats.org/officeDocument/2006/relationships" xmlns:p="http://schemas.openxmlformats.org/presentationml/2006/main">
   <p:cSld>
     <p:spTree>
@@ -32311,7 +32870,7 @@
 </p:sld>
 </file>
 
-<file path=ppt/slides/slide36.xml><?xml version="1.0" encoding="utf-8"?>
+<file path=ppt/slides/slide38.xml><?xml version="1.0" encoding="utf-8"?>
 <p:sld xmlns:a="http://schemas.openxmlformats.org/drawingml/2006/main" xmlns:r="http://schemas.openxmlformats.org/officeDocument/2006/relationships" xmlns:p="http://schemas.openxmlformats.org/presentationml/2006/main">
   <p:cSld>
     <p:spTree>
@@ -32394,7 +32953,7 @@
 </p:sld>
 </file>
 
-<file path=ppt/slides/slide37.xml><?xml version="1.0" encoding="utf-8"?>
+<file path=ppt/slides/slide39.xml><?xml version="1.0" encoding="utf-8"?>
 <p:sld xmlns:a="http://schemas.openxmlformats.org/drawingml/2006/main" xmlns:r="http://schemas.openxmlformats.org/officeDocument/2006/relationships" xmlns:p="http://schemas.openxmlformats.org/presentationml/2006/main">
   <p:cSld>
     <p:spTree>
@@ -32468,172 +33027,6 @@
     <p:extLst>
       <p:ext uri="{BB962C8B-B14F-4D97-AF65-F5344CB8AC3E}">
         <p14:creationId xmlns:p14="http://schemas.microsoft.com/office/powerpoint/2010/main" val="2096699503"/>
-      </p:ext>
-    </p:extLst>
-  </p:cSld>
-  <p:clrMapOvr>
-    <a:masterClrMapping/>
-  </p:clrMapOvr>
-</p:sld>
-</file>
-
-<file path=ppt/slides/slide38.xml><?xml version="1.0" encoding="utf-8"?>
-<p:sld xmlns:a="http://schemas.openxmlformats.org/drawingml/2006/main" xmlns:r="http://schemas.openxmlformats.org/officeDocument/2006/relationships" xmlns:p="http://schemas.openxmlformats.org/presentationml/2006/main">
-  <p:cSld>
-    <p:spTree>
-      <p:nvGrpSpPr>
-        <p:cNvPr id="1" name=""/>
-        <p:cNvGrpSpPr/>
-        <p:nvPr/>
-      </p:nvGrpSpPr>
-      <p:grpSpPr>
-        <a:xfrm>
-          <a:off x="0" y="0"/>
-          <a:ext cx="0" cy="0"/>
-          <a:chOff x="0" y="0"/>
-          <a:chExt cx="0" cy="0"/>
-        </a:xfrm>
-      </p:grpSpPr>
-      <p:sp>
-        <p:nvSpPr>
-          <p:cNvPr id="4" name="Title 3">
-            <a:extLst>
-              <a:ext uri="{FF2B5EF4-FFF2-40B4-BE49-F238E27FC236}">
-                <a16:creationId xmlns:a16="http://schemas.microsoft.com/office/drawing/2014/main" id="{EE13D860-9205-48B1-B675-4421397C217F}"/>
-              </a:ext>
-            </a:extLst>
-          </p:cNvPr>
-          <p:cNvSpPr>
-            <a:spLocks noGrp="1"/>
-          </p:cNvSpPr>
-          <p:nvPr>
-            <p:ph type="title"/>
-          </p:nvPr>
-        </p:nvSpPr>
-        <p:spPr/>
-        <p:txBody>
-          <a:bodyPr/>
-          <a:lstStyle/>
-          <a:p>
-            <a:r>
-              <a:rPr lang="en-US" cap="none" dirty="0"/>
-              <a:t>Postman Collections For API Testing</a:t>
-            </a:r>
-          </a:p>
-        </p:txBody>
-      </p:sp>
-      <p:sp>
-        <p:nvSpPr>
-          <p:cNvPr id="5" name="Content Placeholder 4">
-            <a:extLst>
-              <a:ext uri="{FF2B5EF4-FFF2-40B4-BE49-F238E27FC236}">
-                <a16:creationId xmlns:a16="http://schemas.microsoft.com/office/drawing/2014/main" id="{BF24FDFA-3F46-41F2-9499-79EDCEF806BD}"/>
-              </a:ext>
-            </a:extLst>
-          </p:cNvPr>
-          <p:cNvSpPr>
-            <a:spLocks noGrp="1"/>
-          </p:cNvSpPr>
-          <p:nvPr>
-            <p:ph idx="1"/>
-          </p:nvPr>
-        </p:nvSpPr>
-        <p:spPr/>
-        <p:txBody>
-          <a:bodyPr/>
-          <a:lstStyle/>
-          <a:p>
-            <a:endParaRPr lang="en-US"/>
-          </a:p>
-        </p:txBody>
-      </p:sp>
-    </p:spTree>
-    <p:extLst>
-      <p:ext uri="{BB962C8B-B14F-4D97-AF65-F5344CB8AC3E}">
-        <p14:creationId xmlns:p14="http://schemas.microsoft.com/office/powerpoint/2010/main" val="2464744844"/>
-      </p:ext>
-    </p:extLst>
-  </p:cSld>
-  <p:clrMapOvr>
-    <a:masterClrMapping/>
-  </p:clrMapOvr>
-</p:sld>
-</file>
-
-<file path=ppt/slides/slide39.xml><?xml version="1.0" encoding="utf-8"?>
-<p:sld xmlns:a="http://schemas.openxmlformats.org/drawingml/2006/main" xmlns:r="http://schemas.openxmlformats.org/officeDocument/2006/relationships" xmlns:p="http://schemas.openxmlformats.org/presentationml/2006/main">
-  <p:cSld>
-    <p:spTree>
-      <p:nvGrpSpPr>
-        <p:cNvPr id="1" name=""/>
-        <p:cNvGrpSpPr/>
-        <p:nvPr/>
-      </p:nvGrpSpPr>
-      <p:grpSpPr>
-        <a:xfrm>
-          <a:off x="0" y="0"/>
-          <a:ext cx="0" cy="0"/>
-          <a:chOff x="0" y="0"/>
-          <a:chExt cx="0" cy="0"/>
-        </a:xfrm>
-      </p:grpSpPr>
-      <p:sp>
-        <p:nvSpPr>
-          <p:cNvPr id="4" name="Title 3">
-            <a:extLst>
-              <a:ext uri="{FF2B5EF4-FFF2-40B4-BE49-F238E27FC236}">
-                <a16:creationId xmlns:a16="http://schemas.microsoft.com/office/drawing/2014/main" id="{EE13D860-9205-48B1-B675-4421397C217F}"/>
-              </a:ext>
-            </a:extLst>
-          </p:cNvPr>
-          <p:cNvSpPr>
-            <a:spLocks noGrp="1"/>
-          </p:cNvSpPr>
-          <p:nvPr>
-            <p:ph type="title"/>
-          </p:nvPr>
-        </p:nvSpPr>
-        <p:spPr/>
-        <p:txBody>
-          <a:bodyPr/>
-          <a:lstStyle/>
-          <a:p>
-            <a:r>
-              <a:rPr lang="en-US" cap="none" dirty="0"/>
-              <a:t>Test Plans</a:t>
-            </a:r>
-          </a:p>
-        </p:txBody>
-      </p:sp>
-      <p:sp>
-        <p:nvSpPr>
-          <p:cNvPr id="5" name="Content Placeholder 4">
-            <a:extLst>
-              <a:ext uri="{FF2B5EF4-FFF2-40B4-BE49-F238E27FC236}">
-                <a16:creationId xmlns:a16="http://schemas.microsoft.com/office/drawing/2014/main" id="{BF24FDFA-3F46-41F2-9499-79EDCEF806BD}"/>
-              </a:ext>
-            </a:extLst>
-          </p:cNvPr>
-          <p:cNvSpPr>
-            <a:spLocks noGrp="1"/>
-          </p:cNvSpPr>
-          <p:nvPr>
-            <p:ph idx="1"/>
-          </p:nvPr>
-        </p:nvSpPr>
-        <p:spPr/>
-        <p:txBody>
-          <a:bodyPr/>
-          <a:lstStyle/>
-          <a:p>
-            <a:endParaRPr lang="en-US"/>
-          </a:p>
-        </p:txBody>
-      </p:sp>
-    </p:spTree>
-    <p:extLst>
-      <p:ext uri="{BB962C8B-B14F-4D97-AF65-F5344CB8AC3E}">
-        <p14:creationId xmlns:p14="http://schemas.microsoft.com/office/powerpoint/2010/main" val="2410506025"/>
       </p:ext>
     </p:extLst>
   </p:cSld>
@@ -32820,6 +33213,172 @@
           <a:p>
             <a:r>
               <a:rPr lang="en-US" cap="none" dirty="0"/>
+              <a:t>Postman Collections For API Testing</a:t>
+            </a:r>
+          </a:p>
+        </p:txBody>
+      </p:sp>
+      <p:sp>
+        <p:nvSpPr>
+          <p:cNvPr id="5" name="Content Placeholder 4">
+            <a:extLst>
+              <a:ext uri="{FF2B5EF4-FFF2-40B4-BE49-F238E27FC236}">
+                <a16:creationId xmlns:a16="http://schemas.microsoft.com/office/drawing/2014/main" id="{BF24FDFA-3F46-41F2-9499-79EDCEF806BD}"/>
+              </a:ext>
+            </a:extLst>
+          </p:cNvPr>
+          <p:cNvSpPr>
+            <a:spLocks noGrp="1"/>
+          </p:cNvSpPr>
+          <p:nvPr>
+            <p:ph idx="1"/>
+          </p:nvPr>
+        </p:nvSpPr>
+        <p:spPr/>
+        <p:txBody>
+          <a:bodyPr/>
+          <a:lstStyle/>
+          <a:p>
+            <a:endParaRPr lang="en-US"/>
+          </a:p>
+        </p:txBody>
+      </p:sp>
+    </p:spTree>
+    <p:extLst>
+      <p:ext uri="{BB962C8B-B14F-4D97-AF65-F5344CB8AC3E}">
+        <p14:creationId xmlns:p14="http://schemas.microsoft.com/office/powerpoint/2010/main" val="2464744844"/>
+      </p:ext>
+    </p:extLst>
+  </p:cSld>
+  <p:clrMapOvr>
+    <a:masterClrMapping/>
+  </p:clrMapOvr>
+</p:sld>
+</file>
+
+<file path=ppt/slides/slide41.xml><?xml version="1.0" encoding="utf-8"?>
+<p:sld xmlns:a="http://schemas.openxmlformats.org/drawingml/2006/main" xmlns:r="http://schemas.openxmlformats.org/officeDocument/2006/relationships" xmlns:p="http://schemas.openxmlformats.org/presentationml/2006/main">
+  <p:cSld>
+    <p:spTree>
+      <p:nvGrpSpPr>
+        <p:cNvPr id="1" name=""/>
+        <p:cNvGrpSpPr/>
+        <p:nvPr/>
+      </p:nvGrpSpPr>
+      <p:grpSpPr>
+        <a:xfrm>
+          <a:off x="0" y="0"/>
+          <a:ext cx="0" cy="0"/>
+          <a:chOff x="0" y="0"/>
+          <a:chExt cx="0" cy="0"/>
+        </a:xfrm>
+      </p:grpSpPr>
+      <p:sp>
+        <p:nvSpPr>
+          <p:cNvPr id="4" name="Title 3">
+            <a:extLst>
+              <a:ext uri="{FF2B5EF4-FFF2-40B4-BE49-F238E27FC236}">
+                <a16:creationId xmlns:a16="http://schemas.microsoft.com/office/drawing/2014/main" id="{EE13D860-9205-48B1-B675-4421397C217F}"/>
+              </a:ext>
+            </a:extLst>
+          </p:cNvPr>
+          <p:cNvSpPr>
+            <a:spLocks noGrp="1"/>
+          </p:cNvSpPr>
+          <p:nvPr>
+            <p:ph type="title"/>
+          </p:nvPr>
+        </p:nvSpPr>
+        <p:spPr/>
+        <p:txBody>
+          <a:bodyPr/>
+          <a:lstStyle/>
+          <a:p>
+            <a:r>
+              <a:rPr lang="en-US" cap="none" dirty="0"/>
+              <a:t>Test Plans</a:t>
+            </a:r>
+          </a:p>
+        </p:txBody>
+      </p:sp>
+      <p:sp>
+        <p:nvSpPr>
+          <p:cNvPr id="5" name="Content Placeholder 4">
+            <a:extLst>
+              <a:ext uri="{FF2B5EF4-FFF2-40B4-BE49-F238E27FC236}">
+                <a16:creationId xmlns:a16="http://schemas.microsoft.com/office/drawing/2014/main" id="{BF24FDFA-3F46-41F2-9499-79EDCEF806BD}"/>
+              </a:ext>
+            </a:extLst>
+          </p:cNvPr>
+          <p:cNvSpPr>
+            <a:spLocks noGrp="1"/>
+          </p:cNvSpPr>
+          <p:nvPr>
+            <p:ph idx="1"/>
+          </p:nvPr>
+        </p:nvSpPr>
+        <p:spPr/>
+        <p:txBody>
+          <a:bodyPr/>
+          <a:lstStyle/>
+          <a:p>
+            <a:endParaRPr lang="en-US"/>
+          </a:p>
+        </p:txBody>
+      </p:sp>
+    </p:spTree>
+    <p:extLst>
+      <p:ext uri="{BB962C8B-B14F-4D97-AF65-F5344CB8AC3E}">
+        <p14:creationId xmlns:p14="http://schemas.microsoft.com/office/powerpoint/2010/main" val="2410506025"/>
+      </p:ext>
+    </p:extLst>
+  </p:cSld>
+  <p:clrMapOvr>
+    <a:masterClrMapping/>
+  </p:clrMapOvr>
+</p:sld>
+</file>
+
+<file path=ppt/slides/slide42.xml><?xml version="1.0" encoding="utf-8"?>
+<p:sld xmlns:a="http://schemas.openxmlformats.org/drawingml/2006/main" xmlns:r="http://schemas.openxmlformats.org/officeDocument/2006/relationships" xmlns:p="http://schemas.openxmlformats.org/presentationml/2006/main">
+  <p:cSld>
+    <p:spTree>
+      <p:nvGrpSpPr>
+        <p:cNvPr id="1" name=""/>
+        <p:cNvGrpSpPr/>
+        <p:nvPr/>
+      </p:nvGrpSpPr>
+      <p:grpSpPr>
+        <a:xfrm>
+          <a:off x="0" y="0"/>
+          <a:ext cx="0" cy="0"/>
+          <a:chOff x="0" y="0"/>
+          <a:chExt cx="0" cy="0"/>
+        </a:xfrm>
+      </p:grpSpPr>
+      <p:sp>
+        <p:nvSpPr>
+          <p:cNvPr id="4" name="Title 3">
+            <a:extLst>
+              <a:ext uri="{FF2B5EF4-FFF2-40B4-BE49-F238E27FC236}">
+                <a16:creationId xmlns:a16="http://schemas.microsoft.com/office/drawing/2014/main" id="{EE13D860-9205-48B1-B675-4421397C217F}"/>
+              </a:ext>
+            </a:extLst>
+          </p:cNvPr>
+          <p:cNvSpPr>
+            <a:spLocks noGrp="1"/>
+          </p:cNvSpPr>
+          <p:nvPr>
+            <p:ph type="title"/>
+          </p:nvPr>
+        </p:nvSpPr>
+        <p:spPr/>
+        <p:txBody>
+          <a:bodyPr/>
+          <a:lstStyle/>
+          <a:p>
+            <a:r>
+              <a:rPr lang="en-US" cap="none" dirty="0"/>
               <a:t>Testing &amp; CI/CD Pipelines</a:t>
             </a:r>
           </a:p>
@@ -32863,7 +33422,7 @@
 </p:sld>
 </file>
 
-<file path=ppt/slides/slide41.xml><?xml version="1.0" encoding="utf-8"?>
+<file path=ppt/slides/slide43.xml><?xml version="1.0" encoding="utf-8"?>
 <p:sld xmlns:a="http://schemas.openxmlformats.org/drawingml/2006/main" xmlns:r="http://schemas.openxmlformats.org/officeDocument/2006/relationships" xmlns:p="http://schemas.openxmlformats.org/presentationml/2006/main">
   <p:cSld>
     <p:spTree>
@@ -32946,7 +33505,7 @@
 </p:sld>
 </file>
 
-<file path=ppt/slides/slide42.xml><?xml version="1.0" encoding="utf-8"?>
+<file path=ppt/slides/slide44.xml><?xml version="1.0" encoding="utf-8"?>
 <p:sld xmlns:a="http://schemas.openxmlformats.org/drawingml/2006/main" xmlns:r="http://schemas.openxmlformats.org/officeDocument/2006/relationships" xmlns:p="http://schemas.openxmlformats.org/presentationml/2006/main">
   <p:cSld>
     <p:spTree>
@@ -33029,7 +33588,7 @@
 </p:sld>
 </file>
 
-<file path=ppt/slides/slide43.xml><?xml version="1.0" encoding="utf-8"?>
+<file path=ppt/slides/slide45.xml><?xml version="1.0" encoding="utf-8"?>
 <p:sld xmlns:a="http://schemas.openxmlformats.org/drawingml/2006/main" xmlns:r="http://schemas.openxmlformats.org/officeDocument/2006/relationships" xmlns:p="http://schemas.openxmlformats.org/presentationml/2006/main">
   <p:cSld>
     <p:spTree>
@@ -33113,7 +33672,7 @@
 </p:sld>
 </file>
 
-<file path=ppt/slides/slide44.xml><?xml version="1.0" encoding="utf-8"?>
+<file path=ppt/slides/slide46.xml><?xml version="1.0" encoding="utf-8"?>
 <p:sld xmlns:a="http://schemas.openxmlformats.org/drawingml/2006/main" xmlns:r="http://schemas.openxmlformats.org/officeDocument/2006/relationships" xmlns:p="http://schemas.openxmlformats.org/presentationml/2006/main">
   <p:cSld>
     <p:spTree>
@@ -33196,7 +33755,7 @@
 </p:sld>
 </file>
 
-<file path=ppt/slides/slide45.xml><?xml version="1.0" encoding="utf-8"?>
+<file path=ppt/slides/slide47.xml><?xml version="1.0" encoding="utf-8"?>
 <p:sld xmlns:a="http://schemas.openxmlformats.org/drawingml/2006/main" xmlns:r="http://schemas.openxmlformats.org/officeDocument/2006/relationships" xmlns:p="http://schemas.openxmlformats.org/presentationml/2006/main">
   <p:cSld>
     <p:spTree>
@@ -33279,7 +33838,7 @@
 </p:sld>
 </file>
 
-<file path=ppt/slides/slide46.xml><?xml version="1.0" encoding="utf-8"?>
+<file path=ppt/slides/slide48.xml><?xml version="1.0" encoding="utf-8"?>
 <p:sld xmlns:a="http://schemas.openxmlformats.org/drawingml/2006/main" xmlns:r="http://schemas.openxmlformats.org/officeDocument/2006/relationships" xmlns:p="http://schemas.openxmlformats.org/presentationml/2006/main">
   <p:cSld>
     <p:spTree>
@@ -33362,7 +33921,7 @@
 </p:sld>
 </file>
 
-<file path=ppt/slides/slide47.xml><?xml version="1.0" encoding="utf-8"?>
+<file path=ppt/slides/slide49.xml><?xml version="1.0" encoding="utf-8"?>
 <p:sld xmlns:a="http://schemas.openxmlformats.org/drawingml/2006/main" xmlns:r="http://schemas.openxmlformats.org/officeDocument/2006/relationships" xmlns:p="http://schemas.openxmlformats.org/presentationml/2006/main">
   <p:cSld>
     <p:spTree>
@@ -33445,7 +34004,228 @@
 </p:sld>
 </file>
 
-<file path=ppt/slides/slide48.xml><?xml version="1.0" encoding="utf-8"?>
+<file path=ppt/slides/slide5.xml><?xml version="1.0" encoding="utf-8"?>
+<p:sld xmlns:a="http://schemas.openxmlformats.org/drawingml/2006/main" xmlns:r="http://schemas.openxmlformats.org/officeDocument/2006/relationships" xmlns:p="http://schemas.openxmlformats.org/presentationml/2006/main">
+  <p:cSld>
+    <p:spTree>
+      <p:nvGrpSpPr>
+        <p:cNvPr id="1" name=""/>
+        <p:cNvGrpSpPr/>
+        <p:nvPr/>
+      </p:nvGrpSpPr>
+      <p:grpSpPr>
+        <a:xfrm>
+          <a:off x="0" y="0"/>
+          <a:ext cx="0" cy="0"/>
+          <a:chOff x="0" y="0"/>
+          <a:chExt cx="0" cy="0"/>
+        </a:xfrm>
+      </p:grpSpPr>
+      <p:sp>
+        <p:nvSpPr>
+          <p:cNvPr id="2" name="Title 1">
+            <a:extLst>
+              <a:ext uri="{FF2B5EF4-FFF2-40B4-BE49-F238E27FC236}">
+                <a16:creationId xmlns:a16="http://schemas.microsoft.com/office/drawing/2014/main" id="{56129DDF-461C-43E8-B761-75B2FFAAF346}"/>
+              </a:ext>
+            </a:extLst>
+          </p:cNvPr>
+          <p:cNvSpPr>
+            <a:spLocks noGrp="1"/>
+          </p:cNvSpPr>
+          <p:nvPr>
+            <p:ph type="title"/>
+          </p:nvPr>
+        </p:nvSpPr>
+        <p:spPr/>
+        <p:txBody>
+          <a:bodyPr/>
+          <a:lstStyle/>
+          <a:p>
+            <a:r>
+              <a:rPr lang="en-US" cap="none" dirty="0"/>
+              <a:t>This Talk Is NOT</a:t>
+            </a:r>
+          </a:p>
+        </p:txBody>
+      </p:sp>
+      <p:sp>
+        <p:nvSpPr>
+          <p:cNvPr id="7" name="Content Placeholder 6">
+            <a:extLst>
+              <a:ext uri="{FF2B5EF4-FFF2-40B4-BE49-F238E27FC236}">
+                <a16:creationId xmlns:a16="http://schemas.microsoft.com/office/drawing/2014/main" id="{BD6A176B-5D5E-4687-98BF-B8A7FDDCBCF5}"/>
+              </a:ext>
+            </a:extLst>
+          </p:cNvPr>
+          <p:cNvSpPr>
+            <a:spLocks noGrp="1"/>
+          </p:cNvSpPr>
+          <p:nvPr>
+            <p:ph idx="1"/>
+          </p:nvPr>
+        </p:nvSpPr>
+        <p:spPr>
+          <a:xfrm>
+            <a:off x="1141412" y="2249487"/>
+            <a:ext cx="9905999" cy="3541714"/>
+          </a:xfrm>
+        </p:spPr>
+        <p:txBody>
+          <a:bodyPr/>
+          <a:lstStyle/>
+          <a:p>
+            <a:r>
+              <a:rPr lang="en-US" dirty="0"/>
+              <a:t>Focused on any particular .NET project type </a:t>
+            </a:r>
+          </a:p>
+          <a:p>
+            <a:pPr lvl="1"/>
+            <a:r>
+              <a:rPr lang="en-US" dirty="0"/>
+              <a:t>ASP .NET, XAML, Web API </a:t>
+            </a:r>
+            <a:r>
+              <a:rPr lang="en-US" dirty="0" err="1"/>
+              <a:t>etc</a:t>
+            </a:r>
+            <a:endParaRPr lang="en-US" dirty="0"/>
+          </a:p>
+          <a:p>
+            <a:r>
+              <a:rPr lang="en-US" dirty="0"/>
+              <a:t>Focused extensively on any one library or tool</a:t>
+            </a:r>
+          </a:p>
+          <a:p>
+            <a:r>
+              <a:rPr lang="en-US" dirty="0"/>
+              <a:t>Code-Intensive</a:t>
+            </a:r>
+          </a:p>
+          <a:p>
+            <a:r>
+              <a:rPr lang="en-US" dirty="0"/>
+              <a:t>Solely about unit testing</a:t>
+            </a:r>
+          </a:p>
+        </p:txBody>
+      </p:sp>
+      <p:pic>
+        <p:nvPicPr>
+          <p:cNvPr id="4098" name="Picture 2" descr="Related image">
+            <a:extLst>
+              <a:ext uri="{FF2B5EF4-FFF2-40B4-BE49-F238E27FC236}">
+                <a16:creationId xmlns:a16="http://schemas.microsoft.com/office/drawing/2014/main" id="{59AA86EE-28A2-45F6-9993-9039B36ADC7C}"/>
+              </a:ext>
+            </a:extLst>
+          </p:cNvPr>
+          <p:cNvPicPr>
+            <a:picLocks noChangeAspect="1" noChangeArrowheads="1"/>
+          </p:cNvPicPr>
+          <p:nvPr/>
+        </p:nvPicPr>
+        <p:blipFill rotWithShape="1">
+          <a:blip r:embed="rId2">
+            <a:extLst>
+              <a:ext uri="{BEBA8EAE-BF5A-486C-A8C5-ECC9F3942E4B}">
+                <a14:imgProps xmlns:a14="http://schemas.microsoft.com/office/drawing/2010/main">
+                  <a14:imgLayer r:embed="rId3">
+                    <a14:imgEffect>
+                      <a14:backgroundRemoval t="10000" b="90000" l="10000" r="49038">
+                        <a14:foregroundMark x1="61154" y1="53333" x2="60962" y2="41667"/>
+                        <a14:foregroundMark x1="66538" y1="53667" x2="65192" y2="48000"/>
+                        <a14:foregroundMark x1="80385" y1="52333" x2="80769" y2="45333"/>
+                        <a14:backgroundMark x1="56346" y1="63667" x2="57115" y2="63333"/>
+                        <a14:backgroundMark x1="59423" y1="66000" x2="59423" y2="64333"/>
+                        <a14:backgroundMark x1="60000" y1="65000" x2="59423" y2="63000"/>
+                      </a14:backgroundRemoval>
+                    </a14:imgEffect>
+                  </a14:imgLayer>
+                </a14:imgProps>
+              </a:ext>
+              <a:ext uri="{28A0092B-C50C-407E-A947-70E740481C1C}">
+                <a14:useLocalDpi xmlns:a14="http://schemas.microsoft.com/office/drawing/2010/main" val="0"/>
+              </a:ext>
+            </a:extLst>
+          </a:blip>
+          <a:srcRect l="7930" t="17847" r="50473" b="13202"/>
+          <a:stretch/>
+        </p:blipFill>
+        <p:spPr bwMode="auto">
+          <a:xfrm>
+            <a:off x="8473440" y="1659547"/>
+            <a:ext cx="2800767" cy="2678388"/>
+          </a:xfrm>
+          <a:prstGeom prst="rect">
+            <a:avLst/>
+          </a:prstGeom>
+          <a:noFill/>
+          <a:extLst>
+            <a:ext uri="{909E8E84-426E-40DD-AFC4-6F175D3DCCD1}">
+              <a14:hiddenFill xmlns:a14="http://schemas.microsoft.com/office/drawing/2010/main">
+                <a:solidFill>
+                  <a:srgbClr val="FFFFFF"/>
+                </a:solidFill>
+              </a14:hiddenFill>
+            </a:ext>
+          </a:extLst>
+        </p:spPr>
+      </p:pic>
+      <p:sp>
+        <p:nvSpPr>
+          <p:cNvPr id="3" name="TextBox 2">
+            <a:extLst>
+              <a:ext uri="{FF2B5EF4-FFF2-40B4-BE49-F238E27FC236}">
+                <a16:creationId xmlns:a16="http://schemas.microsoft.com/office/drawing/2014/main" id="{C7E75639-F814-4CBD-9772-0850B2B76245}"/>
+              </a:ext>
+            </a:extLst>
+          </p:cNvPr>
+          <p:cNvSpPr txBox="1"/>
+          <p:nvPr/>
+        </p:nvSpPr>
+        <p:spPr>
+          <a:xfrm>
+            <a:off x="8473440" y="4414134"/>
+            <a:ext cx="2800767" cy="584775"/>
+          </a:xfrm>
+          <a:prstGeom prst="rect">
+            <a:avLst/>
+          </a:prstGeom>
+          <a:noFill/>
+        </p:spPr>
+        <p:txBody>
+          <a:bodyPr wrap="none" rtlCol="0">
+            <a:spAutoFit/>
+          </a:bodyPr>
+          <a:lstStyle/>
+          <a:p>
+            <a:r>
+              <a:rPr lang="en-US" sz="3200" dirty="0">
+                <a:latin typeface="Roboto Condensed" panose="02000000000000000000" pitchFamily="2" charset="0"/>
+                <a:ea typeface="Roboto Condensed" panose="02000000000000000000" pitchFamily="2" charset="0"/>
+                <a:cs typeface="Roboto Condensed" panose="02000000000000000000" pitchFamily="2" charset="0"/>
+              </a:rPr>
+              <a:t>403 FORBIDDEN</a:t>
+            </a:r>
+          </a:p>
+        </p:txBody>
+      </p:sp>
+    </p:spTree>
+    <p:extLst>
+      <p:ext uri="{BB962C8B-B14F-4D97-AF65-F5344CB8AC3E}">
+        <p14:creationId xmlns:p14="http://schemas.microsoft.com/office/powerpoint/2010/main" val="4227452076"/>
+      </p:ext>
+    </p:extLst>
+  </p:cSld>
+  <p:clrMapOvr>
+    <a:masterClrMapping/>
+  </p:clrMapOvr>
+</p:sld>
+</file>
+
+<file path=ppt/slides/slide50.xml><?xml version="1.0" encoding="utf-8"?>
 <p:sld xmlns:a="http://schemas.openxmlformats.org/drawingml/2006/main" xmlns:r="http://schemas.openxmlformats.org/officeDocument/2006/relationships" xmlns:p="http://schemas.openxmlformats.org/presentationml/2006/main">
   <p:cSld>
     <p:spTree>
@@ -33528,7 +34308,7 @@
 </p:sld>
 </file>
 
-<file path=ppt/slides/slide49.xml><?xml version="1.0" encoding="utf-8"?>
+<file path=ppt/slides/slide51.xml><?xml version="1.0" encoding="utf-8"?>
 <p:sld xmlns:a="http://schemas.openxmlformats.org/drawingml/2006/main" xmlns:r="http://schemas.openxmlformats.org/officeDocument/2006/relationships" xmlns:p="http://schemas.openxmlformats.org/presentationml/2006/main">
   <p:cSld>
     <p:spTree>
@@ -33864,228 +34644,7 @@
 </p:sld>
 </file>
 
-<file path=ppt/slides/slide5.xml><?xml version="1.0" encoding="utf-8"?>
-<p:sld xmlns:a="http://schemas.openxmlformats.org/drawingml/2006/main" xmlns:r="http://schemas.openxmlformats.org/officeDocument/2006/relationships" xmlns:p="http://schemas.openxmlformats.org/presentationml/2006/main">
-  <p:cSld>
-    <p:spTree>
-      <p:nvGrpSpPr>
-        <p:cNvPr id="1" name=""/>
-        <p:cNvGrpSpPr/>
-        <p:nvPr/>
-      </p:nvGrpSpPr>
-      <p:grpSpPr>
-        <a:xfrm>
-          <a:off x="0" y="0"/>
-          <a:ext cx="0" cy="0"/>
-          <a:chOff x="0" y="0"/>
-          <a:chExt cx="0" cy="0"/>
-        </a:xfrm>
-      </p:grpSpPr>
-      <p:sp>
-        <p:nvSpPr>
-          <p:cNvPr id="2" name="Title 1">
-            <a:extLst>
-              <a:ext uri="{FF2B5EF4-FFF2-40B4-BE49-F238E27FC236}">
-                <a16:creationId xmlns:a16="http://schemas.microsoft.com/office/drawing/2014/main" id="{56129DDF-461C-43E8-B761-75B2FFAAF346}"/>
-              </a:ext>
-            </a:extLst>
-          </p:cNvPr>
-          <p:cNvSpPr>
-            <a:spLocks noGrp="1"/>
-          </p:cNvSpPr>
-          <p:nvPr>
-            <p:ph type="title"/>
-          </p:nvPr>
-        </p:nvSpPr>
-        <p:spPr/>
-        <p:txBody>
-          <a:bodyPr/>
-          <a:lstStyle/>
-          <a:p>
-            <a:r>
-              <a:rPr lang="en-US" cap="none" dirty="0"/>
-              <a:t>This Talk Is NOT</a:t>
-            </a:r>
-          </a:p>
-        </p:txBody>
-      </p:sp>
-      <p:sp>
-        <p:nvSpPr>
-          <p:cNvPr id="7" name="Content Placeholder 6">
-            <a:extLst>
-              <a:ext uri="{FF2B5EF4-FFF2-40B4-BE49-F238E27FC236}">
-                <a16:creationId xmlns:a16="http://schemas.microsoft.com/office/drawing/2014/main" id="{BD6A176B-5D5E-4687-98BF-B8A7FDDCBCF5}"/>
-              </a:ext>
-            </a:extLst>
-          </p:cNvPr>
-          <p:cNvSpPr>
-            <a:spLocks noGrp="1"/>
-          </p:cNvSpPr>
-          <p:nvPr>
-            <p:ph idx="1"/>
-          </p:nvPr>
-        </p:nvSpPr>
-        <p:spPr>
-          <a:xfrm>
-            <a:off x="1141412" y="2249487"/>
-            <a:ext cx="9905999" cy="3541714"/>
-          </a:xfrm>
-        </p:spPr>
-        <p:txBody>
-          <a:bodyPr/>
-          <a:lstStyle/>
-          <a:p>
-            <a:r>
-              <a:rPr lang="en-US" dirty="0"/>
-              <a:t>Focused on any particular .NET project type </a:t>
-            </a:r>
-          </a:p>
-          <a:p>
-            <a:pPr lvl="1"/>
-            <a:r>
-              <a:rPr lang="en-US" dirty="0"/>
-              <a:t>ASP .NET, XAML, Web API </a:t>
-            </a:r>
-            <a:r>
-              <a:rPr lang="en-US" dirty="0" err="1"/>
-              <a:t>etc</a:t>
-            </a:r>
-            <a:endParaRPr lang="en-US" dirty="0"/>
-          </a:p>
-          <a:p>
-            <a:r>
-              <a:rPr lang="en-US" dirty="0"/>
-              <a:t>Focused extensively on any one library or tool</a:t>
-            </a:r>
-          </a:p>
-          <a:p>
-            <a:r>
-              <a:rPr lang="en-US" dirty="0"/>
-              <a:t>Code-Intensive</a:t>
-            </a:r>
-          </a:p>
-          <a:p>
-            <a:r>
-              <a:rPr lang="en-US" dirty="0"/>
-              <a:t>Solely about unit testing</a:t>
-            </a:r>
-          </a:p>
-        </p:txBody>
-      </p:sp>
-      <p:pic>
-        <p:nvPicPr>
-          <p:cNvPr id="4098" name="Picture 2" descr="Related image">
-            <a:extLst>
-              <a:ext uri="{FF2B5EF4-FFF2-40B4-BE49-F238E27FC236}">
-                <a16:creationId xmlns:a16="http://schemas.microsoft.com/office/drawing/2014/main" id="{59AA86EE-28A2-45F6-9993-9039B36ADC7C}"/>
-              </a:ext>
-            </a:extLst>
-          </p:cNvPr>
-          <p:cNvPicPr>
-            <a:picLocks noChangeAspect="1" noChangeArrowheads="1"/>
-          </p:cNvPicPr>
-          <p:nvPr/>
-        </p:nvPicPr>
-        <p:blipFill rotWithShape="1">
-          <a:blip r:embed="rId2">
-            <a:extLst>
-              <a:ext uri="{BEBA8EAE-BF5A-486C-A8C5-ECC9F3942E4B}">
-                <a14:imgProps xmlns:a14="http://schemas.microsoft.com/office/drawing/2010/main">
-                  <a14:imgLayer r:embed="rId3">
-                    <a14:imgEffect>
-                      <a14:backgroundRemoval t="10000" b="90000" l="10000" r="49038">
-                        <a14:foregroundMark x1="61154" y1="53333" x2="60962" y2="41667"/>
-                        <a14:foregroundMark x1="66538" y1="53667" x2="65192" y2="48000"/>
-                        <a14:foregroundMark x1="80385" y1="52333" x2="80769" y2="45333"/>
-                        <a14:backgroundMark x1="56346" y1="63667" x2="57115" y2="63333"/>
-                        <a14:backgroundMark x1="59423" y1="66000" x2="59423" y2="64333"/>
-                        <a14:backgroundMark x1="60000" y1="65000" x2="59423" y2="63000"/>
-                      </a14:backgroundRemoval>
-                    </a14:imgEffect>
-                  </a14:imgLayer>
-                </a14:imgProps>
-              </a:ext>
-              <a:ext uri="{28A0092B-C50C-407E-A947-70E740481C1C}">
-                <a14:useLocalDpi xmlns:a14="http://schemas.microsoft.com/office/drawing/2010/main" val="0"/>
-              </a:ext>
-            </a:extLst>
-          </a:blip>
-          <a:srcRect l="7930" t="17847" r="50473" b="13202"/>
-          <a:stretch/>
-        </p:blipFill>
-        <p:spPr bwMode="auto">
-          <a:xfrm>
-            <a:off x="8473440" y="1659547"/>
-            <a:ext cx="2800767" cy="2678388"/>
-          </a:xfrm>
-          <a:prstGeom prst="rect">
-            <a:avLst/>
-          </a:prstGeom>
-          <a:noFill/>
-          <a:extLst>
-            <a:ext uri="{909E8E84-426E-40DD-AFC4-6F175D3DCCD1}">
-              <a14:hiddenFill xmlns:a14="http://schemas.microsoft.com/office/drawing/2010/main">
-                <a:solidFill>
-                  <a:srgbClr val="FFFFFF"/>
-                </a:solidFill>
-              </a14:hiddenFill>
-            </a:ext>
-          </a:extLst>
-        </p:spPr>
-      </p:pic>
-      <p:sp>
-        <p:nvSpPr>
-          <p:cNvPr id="3" name="TextBox 2">
-            <a:extLst>
-              <a:ext uri="{FF2B5EF4-FFF2-40B4-BE49-F238E27FC236}">
-                <a16:creationId xmlns:a16="http://schemas.microsoft.com/office/drawing/2014/main" id="{C7E75639-F814-4CBD-9772-0850B2B76245}"/>
-              </a:ext>
-            </a:extLst>
-          </p:cNvPr>
-          <p:cNvSpPr txBox="1"/>
-          <p:nvPr/>
-        </p:nvSpPr>
-        <p:spPr>
-          <a:xfrm>
-            <a:off x="8473440" y="4414134"/>
-            <a:ext cx="2800767" cy="584775"/>
-          </a:xfrm>
-          <a:prstGeom prst="rect">
-            <a:avLst/>
-          </a:prstGeom>
-          <a:noFill/>
-        </p:spPr>
-        <p:txBody>
-          <a:bodyPr wrap="none" rtlCol="0">
-            <a:spAutoFit/>
-          </a:bodyPr>
-          <a:lstStyle/>
-          <a:p>
-            <a:r>
-              <a:rPr lang="en-US" sz="3200" dirty="0">
-                <a:latin typeface="Roboto Condensed" panose="02000000000000000000" pitchFamily="2" charset="0"/>
-                <a:ea typeface="Roboto Condensed" panose="02000000000000000000" pitchFamily="2" charset="0"/>
-                <a:cs typeface="Roboto Condensed" panose="02000000000000000000" pitchFamily="2" charset="0"/>
-              </a:rPr>
-              <a:t>403 FORBIDDEN</a:t>
-            </a:r>
-          </a:p>
-        </p:txBody>
-      </p:sp>
-    </p:spTree>
-    <p:extLst>
-      <p:ext uri="{BB962C8B-B14F-4D97-AF65-F5344CB8AC3E}">
-        <p14:creationId xmlns:p14="http://schemas.microsoft.com/office/powerpoint/2010/main" val="4227452076"/>
-      </p:ext>
-    </p:extLst>
-  </p:cSld>
-  <p:clrMapOvr>
-    <a:masterClrMapping/>
-  </p:clrMapOvr>
-</p:sld>
-</file>
-
-<file path=ppt/slides/slide50.xml><?xml version="1.0" encoding="utf-8"?>
+<file path=ppt/slides/slide52.xml><?xml version="1.0" encoding="utf-8"?>
 <p:sld xmlns:a="http://schemas.openxmlformats.org/drawingml/2006/main" xmlns:r="http://schemas.openxmlformats.org/officeDocument/2006/relationships" xmlns:p="http://schemas.openxmlformats.org/presentationml/2006/main">
   <p:cSld>
     <p:spTree>
@@ -34421,7 +34980,7 @@
 </p:sld>
 </file>
 
-<file path=ppt/slides/slide51.xml><?xml version="1.0" encoding="utf-8"?>
+<file path=ppt/slides/slide53.xml><?xml version="1.0" encoding="utf-8"?>
 <p:sld xmlns:a="http://schemas.openxmlformats.org/drawingml/2006/main" xmlns:r="http://schemas.openxmlformats.org/officeDocument/2006/relationships" xmlns:p="http://schemas.openxmlformats.org/presentationml/2006/main">
   <p:cSld>
     <p:spTree>
@@ -34782,7 +35341,7 @@
 </p:sld>
 </file>
 
-<file path=ppt/slides/slide52.xml><?xml version="1.0" encoding="utf-8"?>
+<file path=ppt/slides/slide54.xml><?xml version="1.0" encoding="utf-8"?>
 <p:sld xmlns:a="http://schemas.openxmlformats.org/drawingml/2006/main" xmlns:r="http://schemas.openxmlformats.org/officeDocument/2006/relationships" xmlns:p="http://schemas.openxmlformats.org/presentationml/2006/main">
   <p:cSld>
     <p:spTree>
@@ -35226,233 +35785,6 @@
       </p:grpSpPr>
       <p:sp>
         <p:nvSpPr>
-          <p:cNvPr id="4" name="Title 3">
-            <a:extLst>
-              <a:ext uri="{FF2B5EF4-FFF2-40B4-BE49-F238E27FC236}">
-                <a16:creationId xmlns:a16="http://schemas.microsoft.com/office/drawing/2014/main" id="{EE13D860-9205-48B1-B675-4421397C217F}"/>
-              </a:ext>
-            </a:extLst>
-          </p:cNvPr>
-          <p:cNvSpPr>
-            <a:spLocks noGrp="1"/>
-          </p:cNvSpPr>
-          <p:nvPr>
-            <p:ph type="title"/>
-          </p:nvPr>
-        </p:nvSpPr>
-        <p:spPr/>
-        <p:txBody>
-          <a:bodyPr/>
-          <a:lstStyle/>
-          <a:p>
-            <a:r>
-              <a:rPr lang="en-US" cap="none" dirty="0"/>
-              <a:t>Example Codebase Overview</a:t>
-            </a:r>
-          </a:p>
-        </p:txBody>
-      </p:sp>
-      <p:sp>
-        <p:nvSpPr>
-          <p:cNvPr id="5" name="Content Placeholder 4">
-            <a:extLst>
-              <a:ext uri="{FF2B5EF4-FFF2-40B4-BE49-F238E27FC236}">
-                <a16:creationId xmlns:a16="http://schemas.microsoft.com/office/drawing/2014/main" id="{BF24FDFA-3F46-41F2-9499-79EDCEF806BD}"/>
-              </a:ext>
-            </a:extLst>
-          </p:cNvPr>
-          <p:cNvSpPr>
-            <a:spLocks noGrp="1"/>
-          </p:cNvSpPr>
-          <p:nvPr>
-            <p:ph idx="1"/>
-          </p:nvPr>
-        </p:nvSpPr>
-        <p:spPr/>
-        <p:txBody>
-          <a:bodyPr>
-            <a:normAutofit/>
-          </a:bodyPr>
-          <a:lstStyle/>
-          <a:p>
-            <a:r>
-              <a:rPr lang="en-US" dirty="0"/>
-              <a:t>Written by “Interns”</a:t>
-            </a:r>
-          </a:p>
-          <a:p>
-            <a:pPr lvl="1"/>
-            <a:r>
-              <a:rPr lang="en-US" dirty="0"/>
-              <a:t>(or me playing devil’s advocate)</a:t>
-            </a:r>
-          </a:p>
-          <a:p>
-            <a:r>
-              <a:rPr lang="en-US" dirty="0"/>
-              <a:t>Effectively a single long method</a:t>
-            </a:r>
-          </a:p>
-          <a:p>
-            <a:r>
-              <a:rPr lang="en-US" dirty="0"/>
-              <a:t>High degree of coupling</a:t>
-            </a:r>
-          </a:p>
-          <a:p>
-            <a:r>
-              <a:rPr lang="en-US" dirty="0"/>
-              <a:t>Uses </a:t>
-            </a:r>
-            <a:r>
-              <a:rPr lang="en-US" dirty="0" err="1"/>
-              <a:t>EntityFramework</a:t>
-            </a:r>
-            <a:r>
-              <a:rPr lang="en-US" dirty="0"/>
-              <a:t> to check keywords by value</a:t>
-            </a:r>
-          </a:p>
-          <a:p>
-            <a:r>
-              <a:rPr lang="en-US" dirty="0"/>
-              <a:t>Needs urgent refactoring</a:t>
-            </a:r>
-          </a:p>
-        </p:txBody>
-      </p:sp>
-    </p:spTree>
-    <p:extLst>
-      <p:ext uri="{BB962C8B-B14F-4D97-AF65-F5344CB8AC3E}">
-        <p14:creationId xmlns:p14="http://schemas.microsoft.com/office/powerpoint/2010/main" val="3265761372"/>
-      </p:ext>
-    </p:extLst>
-  </p:cSld>
-  <p:clrMapOvr>
-    <a:masterClrMapping/>
-  </p:clrMapOvr>
-</p:sld>
-</file>
-
-<file path=ppt/slides/slide8.xml><?xml version="1.0" encoding="utf-8"?>
-<p:sld xmlns:a="http://schemas.openxmlformats.org/drawingml/2006/main" xmlns:r="http://schemas.openxmlformats.org/officeDocument/2006/relationships" xmlns:p="http://schemas.openxmlformats.org/presentationml/2006/main">
-  <p:cSld>
-    <p:spTree>
-      <p:nvGrpSpPr>
-        <p:cNvPr id="1" name=""/>
-        <p:cNvGrpSpPr/>
-        <p:nvPr/>
-      </p:nvGrpSpPr>
-      <p:grpSpPr>
-        <a:xfrm>
-          <a:off x="0" y="0"/>
-          <a:ext cx="0" cy="0"/>
-          <a:chOff x="0" y="0"/>
-          <a:chExt cx="0" cy="0"/>
-        </a:xfrm>
-      </p:grpSpPr>
-      <p:sp>
-        <p:nvSpPr>
-          <p:cNvPr id="4" name="Title 3">
-            <a:extLst>
-              <a:ext uri="{FF2B5EF4-FFF2-40B4-BE49-F238E27FC236}">
-                <a16:creationId xmlns:a16="http://schemas.microsoft.com/office/drawing/2014/main" id="{EE13D860-9205-48B1-B675-4421397C217F}"/>
-              </a:ext>
-            </a:extLst>
-          </p:cNvPr>
-          <p:cNvSpPr>
-            <a:spLocks noGrp="1"/>
-          </p:cNvSpPr>
-          <p:nvPr>
-            <p:ph type="title"/>
-          </p:nvPr>
-        </p:nvSpPr>
-        <p:spPr/>
-        <p:txBody>
-          <a:bodyPr/>
-          <a:lstStyle/>
-          <a:p>
-            <a:r>
-              <a:rPr lang="en-US" cap="none" dirty="0"/>
-              <a:t>Current Testing Problems</a:t>
-            </a:r>
-          </a:p>
-        </p:txBody>
-      </p:sp>
-      <p:sp>
-        <p:nvSpPr>
-          <p:cNvPr id="5" name="Content Placeholder 4">
-            <a:extLst>
-              <a:ext uri="{FF2B5EF4-FFF2-40B4-BE49-F238E27FC236}">
-                <a16:creationId xmlns:a16="http://schemas.microsoft.com/office/drawing/2014/main" id="{BF24FDFA-3F46-41F2-9499-79EDCEF806BD}"/>
-              </a:ext>
-            </a:extLst>
-          </p:cNvPr>
-          <p:cNvSpPr>
-            <a:spLocks noGrp="1"/>
-          </p:cNvSpPr>
-          <p:nvPr>
-            <p:ph idx="1"/>
-          </p:nvPr>
-        </p:nvSpPr>
-        <p:spPr/>
-        <p:txBody>
-          <a:bodyPr>
-            <a:normAutofit/>
-          </a:bodyPr>
-          <a:lstStyle/>
-          <a:p>
-            <a:r>
-              <a:rPr lang="en-US" dirty="0"/>
-              <a:t>Depends on a Database Connection</a:t>
-            </a:r>
-          </a:p>
-          <a:p>
-            <a:r>
-              <a:rPr lang="en-US" dirty="0"/>
-              <a:t>Undocumented Business Requirements</a:t>
-            </a:r>
-          </a:p>
-          <a:p>
-            <a:r>
-              <a:rPr lang="en-US" dirty="0"/>
-              <a:t>Too many Unique Paths through the Code (Cyclomatic Complexity)</a:t>
-            </a:r>
-          </a:p>
-        </p:txBody>
-      </p:sp>
-    </p:spTree>
-    <p:extLst>
-      <p:ext uri="{BB962C8B-B14F-4D97-AF65-F5344CB8AC3E}">
-        <p14:creationId xmlns:p14="http://schemas.microsoft.com/office/powerpoint/2010/main" val="1883054154"/>
-      </p:ext>
-    </p:extLst>
-  </p:cSld>
-  <p:clrMapOvr>
-    <a:masterClrMapping/>
-  </p:clrMapOvr>
-</p:sld>
-</file>
-
-<file path=ppt/slides/slide9.xml><?xml version="1.0" encoding="utf-8"?>
-<p:sld xmlns:a="http://schemas.openxmlformats.org/drawingml/2006/main" xmlns:r="http://schemas.openxmlformats.org/officeDocument/2006/relationships" xmlns:p="http://schemas.openxmlformats.org/presentationml/2006/main">
-  <p:cSld>
-    <p:spTree>
-      <p:nvGrpSpPr>
-        <p:cNvPr id="1" name=""/>
-        <p:cNvGrpSpPr/>
-        <p:nvPr/>
-      </p:nvGrpSpPr>
-      <p:grpSpPr>
-        <a:xfrm>
-          <a:off x="0" y="0"/>
-          <a:ext cx="0" cy="0"/>
-          <a:chOff x="0" y="0"/>
-          <a:chExt cx="0" cy="0"/>
-        </a:xfrm>
-      </p:grpSpPr>
-      <p:sp>
-        <p:nvSpPr>
           <p:cNvPr id="9" name="Title 8">
             <a:extLst>
               <a:ext uri="{FF2B5EF4-FFF2-40B4-BE49-F238E27FC236}">
@@ -35508,6 +35840,359 @@
     <p:extLst>
       <p:ext uri="{BB962C8B-B14F-4D97-AF65-F5344CB8AC3E}">
         <p14:creationId xmlns:p14="http://schemas.microsoft.com/office/powerpoint/2010/main" val="3874460316"/>
+      </p:ext>
+    </p:extLst>
+  </p:cSld>
+  <p:clrMapOvr>
+    <a:masterClrMapping/>
+  </p:clrMapOvr>
+</p:sld>
+</file>
+
+<file path=ppt/slides/slide8.xml><?xml version="1.0" encoding="utf-8"?>
+<p:sld xmlns:a="http://schemas.openxmlformats.org/drawingml/2006/main" xmlns:r="http://schemas.openxmlformats.org/officeDocument/2006/relationships" xmlns:p="http://schemas.openxmlformats.org/presentationml/2006/main" show="0">
+  <p:cSld>
+    <p:spTree>
+      <p:nvGrpSpPr>
+        <p:cNvPr id="1" name=""/>
+        <p:cNvGrpSpPr/>
+        <p:nvPr/>
+      </p:nvGrpSpPr>
+      <p:grpSpPr>
+        <a:xfrm>
+          <a:off x="0" y="0"/>
+          <a:ext cx="0" cy="0"/>
+          <a:chOff x="0" y="0"/>
+          <a:chExt cx="0" cy="0"/>
+        </a:xfrm>
+      </p:grpSpPr>
+      <p:graphicFrame>
+        <p:nvGraphicFramePr>
+          <p:cNvPr id="18" name="Content Placeholder 12">
+            <a:extLst>
+              <a:ext uri="{FF2B5EF4-FFF2-40B4-BE49-F238E27FC236}">
+                <a16:creationId xmlns:a16="http://schemas.microsoft.com/office/drawing/2014/main" id="{3285EE39-92DD-4873-B3EA-C7BCB8A95AE8}"/>
+              </a:ext>
+            </a:extLst>
+          </p:cNvPr>
+          <p:cNvGraphicFramePr>
+            <a:graphicFrameLocks noGrp="1"/>
+          </p:cNvGraphicFramePr>
+          <p:nvPr>
+            <p:ph type="pic" idx="4294967295"/>
+            <p:extLst>
+              <p:ext uri="{D42A27DB-BD31-4B8C-83A1-F6EECF244321}">
+                <p14:modId xmlns:p14="http://schemas.microsoft.com/office/powerpoint/2010/main" val="1673782684"/>
+              </p:ext>
+            </p:extLst>
+          </p:nvPr>
+        </p:nvGraphicFramePr>
+        <p:xfrm>
+          <a:off x="1037239" y="930720"/>
+          <a:ext cx="10572052" cy="5266944"/>
+        </p:xfrm>
+        <a:graphic>
+          <a:graphicData uri="http://schemas.openxmlformats.org/drawingml/2006/diagram">
+            <dgm:relIds xmlns:dgm="http://schemas.openxmlformats.org/drawingml/2006/diagram" xmlns:r="http://schemas.openxmlformats.org/officeDocument/2006/relationships" r:dm="rId2" r:lo="rId3" r:qs="rId4" r:cs="rId5"/>
+          </a:graphicData>
+        </a:graphic>
+      </p:graphicFrame>
+      <p:sp>
+        <p:nvSpPr>
+          <p:cNvPr id="23" name="Title 3">
+            <a:extLst>
+              <a:ext uri="{FF2B5EF4-FFF2-40B4-BE49-F238E27FC236}">
+                <a16:creationId xmlns:a16="http://schemas.microsoft.com/office/drawing/2014/main" id="{F0A19E53-6231-491C-A887-D93B61383759}"/>
+              </a:ext>
+            </a:extLst>
+          </p:cNvPr>
+          <p:cNvSpPr txBox="1">
+            <a:spLocks/>
+          </p:cNvSpPr>
+          <p:nvPr/>
+        </p:nvSpPr>
+        <p:spPr>
+          <a:xfrm>
+            <a:off x="1141413" y="0"/>
+            <a:ext cx="9905998" cy="1478570"/>
+          </a:xfrm>
+          <a:prstGeom prst="rect">
+            <a:avLst/>
+          </a:prstGeom>
+        </p:spPr>
+        <p:txBody>
+          <a:bodyPr vert="horz" lIns="91440" tIns="45720" rIns="91440" bIns="45720" rtlCol="0" anchor="ctr">
+            <a:normAutofit/>
+          </a:bodyPr>
+          <a:lstStyle>
+            <a:lvl1pPr algn="l" defTabSz="914400" rtl="0" eaLnBrk="1" latinLnBrk="0" hangingPunct="1">
+              <a:lnSpc>
+                <a:spcPct val="90000"/>
+              </a:lnSpc>
+              <a:spcBef>
+                <a:spcPct val="0"/>
+              </a:spcBef>
+              <a:buNone/>
+              <a:defRPr sz="3600" kern="1200" cap="all" baseline="0">
+                <a:solidFill>
+                  <a:schemeClr val="tx1"/>
+                </a:solidFill>
+                <a:effectLst>
+                  <a:outerShdw blurRad="177800" dist="38100" dir="2700000" algn="tl">
+                    <a:srgbClr val="000000">
+                      <a:alpha val="24000"/>
+                    </a:srgbClr>
+                  </a:outerShdw>
+                </a:effectLst>
+                <a:latin typeface="+mj-lt"/>
+                <a:ea typeface="+mj-ea"/>
+                <a:cs typeface="+mj-cs"/>
+              </a:defRPr>
+            </a:lvl1pPr>
+          </a:lstStyle>
+          <a:p>
+            <a:r>
+              <a:rPr lang="en-US" cap="none" dirty="0"/>
+              <a:t>Types of Tests</a:t>
+            </a:r>
+          </a:p>
+        </p:txBody>
+      </p:sp>
+      <p:sp>
+        <p:nvSpPr>
+          <p:cNvPr id="26" name="Arrow: Down 25">
+            <a:extLst>
+              <a:ext uri="{FF2B5EF4-FFF2-40B4-BE49-F238E27FC236}">
+                <a16:creationId xmlns:a16="http://schemas.microsoft.com/office/drawing/2014/main" id="{8C436F3A-8B58-470E-8A7E-67AE3D36BFF2}"/>
+              </a:ext>
+            </a:extLst>
+          </p:cNvPr>
+          <p:cNvSpPr/>
+          <p:nvPr/>
+        </p:nvSpPr>
+        <p:spPr>
+          <a:xfrm rot="17673808">
+            <a:off x="1620239" y="4965379"/>
+            <a:ext cx="459148" cy="586953"/>
+          </a:xfrm>
+          <a:prstGeom prst="downArrow">
+            <a:avLst/>
+          </a:prstGeom>
+        </p:spPr>
+        <p:style>
+          <a:lnRef idx="2">
+            <a:schemeClr val="accent3">
+              <a:shade val="50000"/>
+            </a:schemeClr>
+          </a:lnRef>
+          <a:fillRef idx="1">
+            <a:schemeClr val="accent3"/>
+          </a:fillRef>
+          <a:effectRef idx="0">
+            <a:schemeClr val="accent3"/>
+          </a:effectRef>
+          <a:fontRef idx="minor">
+            <a:schemeClr val="lt1"/>
+          </a:fontRef>
+        </p:style>
+        <p:txBody>
+          <a:bodyPr rtlCol="0" anchor="ctr"/>
+          <a:lstStyle/>
+          <a:p>
+            <a:pPr algn="ctr"/>
+            <a:endParaRPr lang="en-US"/>
+          </a:p>
+        </p:txBody>
+      </p:sp>
+    </p:spTree>
+    <p:extLst>
+      <p:ext uri="{BB962C8B-B14F-4D97-AF65-F5344CB8AC3E}">
+        <p14:creationId xmlns:p14="http://schemas.microsoft.com/office/powerpoint/2010/main" val="3340561667"/>
+      </p:ext>
+    </p:extLst>
+  </p:cSld>
+  <p:clrMapOvr>
+    <a:masterClrMapping/>
+  </p:clrMapOvr>
+  <p:timing>
+    <p:tnLst>
+      <p:par>
+        <p:cTn id="1" dur="indefinite" restart="never" nodeType="tmRoot">
+          <p:childTnLst>
+            <p:seq concurrent="1" nextAc="seek">
+              <p:cTn id="2" dur="indefinite" nodeType="mainSeq">
+                <p:childTnLst>
+                  <p:par>
+                    <p:cTn id="3" fill="hold">
+                      <p:stCondLst>
+                        <p:cond delay="indefinite"/>
+                      </p:stCondLst>
+                      <p:childTnLst>
+                        <p:par>
+                          <p:cTn id="4" fill="hold">
+                            <p:stCondLst>
+                              <p:cond delay="0"/>
+                            </p:stCondLst>
+                            <p:childTnLst>
+                              <p:par>
+                                <p:cTn id="5" presetID="1" presetClass="entr" presetSubtype="0" fill="hold" grpId="0" nodeType="clickEffect">
+                                  <p:stCondLst>
+                                    <p:cond delay="0"/>
+                                  </p:stCondLst>
+                                  <p:childTnLst>
+                                    <p:set>
+                                      <p:cBhvr>
+                                        <p:cTn id="6" dur="1" fill="hold">
+                                          <p:stCondLst>
+                                            <p:cond delay="0"/>
+                                          </p:stCondLst>
+                                        </p:cTn>
+                                        <p:tgtEl>
+                                          <p:spTgt spid="26"/>
+                                        </p:tgtEl>
+                                        <p:attrNameLst>
+                                          <p:attrName>style.visibility</p:attrName>
+                                        </p:attrNameLst>
+                                      </p:cBhvr>
+                                      <p:to>
+                                        <p:strVal val="visible"/>
+                                      </p:to>
+                                    </p:set>
+                                  </p:childTnLst>
+                                </p:cTn>
+                              </p:par>
+                            </p:childTnLst>
+                          </p:cTn>
+                        </p:par>
+                      </p:childTnLst>
+                    </p:cTn>
+                  </p:par>
+                </p:childTnLst>
+              </p:cTn>
+              <p:prevCondLst>
+                <p:cond evt="onPrev" delay="0">
+                  <p:tgtEl>
+                    <p:sldTgt/>
+                  </p:tgtEl>
+                </p:cond>
+              </p:prevCondLst>
+              <p:nextCondLst>
+                <p:cond evt="onNext" delay="0">
+                  <p:tgtEl>
+                    <p:sldTgt/>
+                  </p:tgtEl>
+                </p:cond>
+              </p:nextCondLst>
+            </p:seq>
+          </p:childTnLst>
+        </p:cTn>
+      </p:par>
+    </p:tnLst>
+    <p:bldLst>
+      <p:bldP spid="26" grpId="0" animBg="1"/>
+    </p:bldLst>
+  </p:timing>
+</p:sld>
+</file>
+
+<file path=ppt/slides/slide9.xml><?xml version="1.0" encoding="utf-8"?>
+<p:sld xmlns:a="http://schemas.openxmlformats.org/drawingml/2006/main" xmlns:r="http://schemas.openxmlformats.org/officeDocument/2006/relationships" xmlns:p="http://schemas.openxmlformats.org/presentationml/2006/main">
+  <p:cSld>
+    <p:spTree>
+      <p:nvGrpSpPr>
+        <p:cNvPr id="1" name=""/>
+        <p:cNvGrpSpPr/>
+        <p:nvPr/>
+      </p:nvGrpSpPr>
+      <p:grpSpPr>
+        <a:xfrm>
+          <a:off x="0" y="0"/>
+          <a:ext cx="0" cy="0"/>
+          <a:chOff x="0" y="0"/>
+          <a:chExt cx="0" cy="0"/>
+        </a:xfrm>
+      </p:grpSpPr>
+      <p:sp>
+        <p:nvSpPr>
+          <p:cNvPr id="4" name="Title 3">
+            <a:extLst>
+              <a:ext uri="{FF2B5EF4-FFF2-40B4-BE49-F238E27FC236}">
+                <a16:creationId xmlns:a16="http://schemas.microsoft.com/office/drawing/2014/main" id="{EE13D860-9205-48B1-B675-4421397C217F}"/>
+              </a:ext>
+            </a:extLst>
+          </p:cNvPr>
+          <p:cNvSpPr>
+            <a:spLocks noGrp="1"/>
+          </p:cNvSpPr>
+          <p:nvPr>
+            <p:ph type="title"/>
+          </p:nvPr>
+        </p:nvSpPr>
+        <p:spPr>
+          <a:xfrm>
+            <a:off x="1141413" y="0"/>
+            <a:ext cx="9905998" cy="1478570"/>
+          </a:xfrm>
+        </p:spPr>
+        <p:txBody>
+          <a:bodyPr/>
+          <a:lstStyle/>
+          <a:p>
+            <a:r>
+              <a:rPr lang="en-US" cap="none" dirty="0"/>
+              <a:t>What is a Unit Test?</a:t>
+            </a:r>
+          </a:p>
+        </p:txBody>
+      </p:sp>
+      <p:pic>
+        <p:nvPicPr>
+          <p:cNvPr id="8" name="Picture 7">
+            <a:extLst>
+              <a:ext uri="{FF2B5EF4-FFF2-40B4-BE49-F238E27FC236}">
+                <a16:creationId xmlns:a16="http://schemas.microsoft.com/office/drawing/2014/main" id="{F77D794F-6085-4DD5-8161-95ABC4C7F82E}"/>
+              </a:ext>
+            </a:extLst>
+          </p:cNvPr>
+          <p:cNvPicPr>
+            <a:picLocks noChangeAspect="1"/>
+          </p:cNvPicPr>
+          <p:nvPr/>
+        </p:nvPicPr>
+        <p:blipFill>
+          <a:blip r:embed="rId2"/>
+          <a:stretch>
+            <a:fillRect/>
+          </a:stretch>
+        </p:blipFill>
+        <p:spPr>
+          <a:xfrm>
+            <a:off x="1300162" y="1830870"/>
+            <a:ext cx="10013781" cy="4106943"/>
+          </a:xfrm>
+          <a:prstGeom prst="rect">
+            <a:avLst/>
+          </a:prstGeom>
+          <a:ln w="38100" cap="sq">
+            <a:solidFill>
+              <a:srgbClr val="000000"/>
+            </a:solidFill>
+            <a:prstDash val="solid"/>
+            <a:miter lim="800000"/>
+          </a:ln>
+          <a:effectLst>
+            <a:outerShdw blurRad="50800" dist="38100" dir="2700000" algn="tl" rotWithShape="0">
+              <a:srgbClr val="000000">
+                <a:alpha val="43000"/>
+              </a:srgbClr>
+            </a:outerShdw>
+          </a:effectLst>
+        </p:spPr>
+      </p:pic>
+    </p:spTree>
+    <p:extLst>
+      <p:ext uri="{BB962C8B-B14F-4D97-AF65-F5344CB8AC3E}">
+        <p14:creationId xmlns:p14="http://schemas.microsoft.com/office/powerpoint/2010/main" val="3402936677"/>
       </p:ext>
     </p:extLst>
   </p:cSld>

--- a/Software Quality Recipes for Legacy.pptx
+++ b/Software Quality Recipes for Legacy.pptx
@@ -31679,27 +31679,344 @@
           </a:p>
         </p:txBody>
       </p:sp>
-      <p:sp>
-        <p:nvSpPr>
-          <p:cNvPr id="5" name="Content Placeholder 4">
+      <p:pic>
+        <p:nvPicPr>
+          <p:cNvPr id="2" name="Picture 1">
             <a:extLst>
               <a:ext uri="{FF2B5EF4-FFF2-40B4-BE49-F238E27FC236}">
-                <a16:creationId xmlns:a16="http://schemas.microsoft.com/office/drawing/2014/main" id="{BF24FDFA-3F46-41F2-9499-79EDCEF806BD}"/>
+                <a16:creationId xmlns:a16="http://schemas.microsoft.com/office/drawing/2014/main" id="{26833C7F-425E-4648-A2C9-29E402DDAB2C}"/>
               </a:ext>
             </a:extLst>
           </p:cNvPr>
-          <p:cNvSpPr>
-            <a:spLocks noGrp="1"/>
+          <p:cNvPicPr>
+            <a:picLocks noChangeAspect="1"/>
+          </p:cNvPicPr>
+          <p:nvPr/>
+        </p:nvPicPr>
+        <p:blipFill>
+          <a:blip r:embed="rId2"/>
+          <a:stretch>
+            <a:fillRect/>
+          </a:stretch>
+        </p:blipFill>
+        <p:spPr>
+          <a:xfrm>
+            <a:off x="1141412" y="1066799"/>
+            <a:ext cx="9620250" cy="5219700"/>
+          </a:xfrm>
+          <a:prstGeom prst="rect">
+            <a:avLst/>
+          </a:prstGeom>
+          <a:ln w="38100" cap="sq">
+            <a:solidFill>
+              <a:srgbClr val="000000"/>
+            </a:solidFill>
+            <a:prstDash val="solid"/>
+            <a:miter lim="800000"/>
+          </a:ln>
+          <a:effectLst>
+            <a:outerShdw blurRad="50800" dist="38100" dir="2700000" algn="tl" rotWithShape="0">
+              <a:srgbClr val="000000">
+                <a:alpha val="43000"/>
+              </a:srgbClr>
+            </a:outerShdw>
+          </a:effectLst>
+        </p:spPr>
+      </p:pic>
+      <p:sp>
+        <p:nvSpPr>
+          <p:cNvPr id="6" name="Text Placeholder 3">
+            <a:extLst>
+              <a:ext uri="{FF2B5EF4-FFF2-40B4-BE49-F238E27FC236}">
+                <a16:creationId xmlns:a16="http://schemas.microsoft.com/office/drawing/2014/main" id="{089342F4-E3F9-4A14-A00E-4A134196CFCA}"/>
+              </a:ext>
+            </a:extLst>
+          </p:cNvPr>
+          <p:cNvSpPr txBox="1">
+            <a:spLocks/>
           </p:cNvSpPr>
-          <p:nvPr>
-            <p:ph idx="1"/>
-          </p:nvPr>
+          <p:nvPr/>
         </p:nvSpPr>
-        <p:spPr/>
+        <p:spPr>
+          <a:xfrm>
+            <a:off x="718457" y="6358650"/>
+            <a:ext cx="10328954" cy="499350"/>
+          </a:xfrm>
+          <a:prstGeom prst="rect">
+            <a:avLst/>
+          </a:prstGeom>
+        </p:spPr>
         <p:txBody>
-          <a:bodyPr/>
+          <a:bodyPr vert="horz" lIns="91440" tIns="45720" rIns="91440" bIns="45720" rtlCol="0">
+            <a:normAutofit/>
+          </a:bodyPr>
+          <a:lstStyle>
+            <a:lvl1pPr marL="228600" indent="-228600" algn="l" defTabSz="914400" rtl="0" eaLnBrk="1" latinLnBrk="0" hangingPunct="1">
+              <a:lnSpc>
+                <a:spcPct val="120000"/>
+              </a:lnSpc>
+              <a:spcBef>
+                <a:spcPts val="1000"/>
+              </a:spcBef>
+              <a:buSzPct val="125000"/>
+              <a:buFont typeface="Arial" panose="020B0604020202020204" pitchFamily="34" charset="0"/>
+              <a:buChar char="•"/>
+              <a:defRPr sz="2400" kern="1200">
+                <a:solidFill>
+                  <a:schemeClr val="tx1"/>
+                </a:solidFill>
+                <a:effectLst>
+                  <a:outerShdw blurRad="152400" dist="38100" dir="2700000" algn="tl">
+                    <a:srgbClr val="000000">
+                      <a:alpha val="36000"/>
+                    </a:srgbClr>
+                  </a:outerShdw>
+                </a:effectLst>
+                <a:latin typeface="+mn-lt"/>
+                <a:ea typeface="+mn-ea"/>
+                <a:cs typeface="+mn-cs"/>
+              </a:defRPr>
+            </a:lvl1pPr>
+            <a:lvl2pPr marL="685800" indent="-228600" algn="l" defTabSz="914400" rtl="0" eaLnBrk="1" latinLnBrk="0" hangingPunct="1">
+              <a:lnSpc>
+                <a:spcPct val="120000"/>
+              </a:lnSpc>
+              <a:spcBef>
+                <a:spcPts val="500"/>
+              </a:spcBef>
+              <a:buSzPct val="125000"/>
+              <a:buFont typeface="Arial" panose="020B0604020202020204" pitchFamily="34" charset="0"/>
+              <a:buChar char="•"/>
+              <a:defRPr sz="2000" kern="1200">
+                <a:solidFill>
+                  <a:schemeClr val="tx1"/>
+                </a:solidFill>
+                <a:effectLst>
+                  <a:outerShdw blurRad="152400" dist="38100" dir="2700000" algn="tl">
+                    <a:srgbClr val="000000">
+                      <a:alpha val="36000"/>
+                    </a:srgbClr>
+                  </a:outerShdw>
+                </a:effectLst>
+                <a:latin typeface="+mn-lt"/>
+                <a:ea typeface="+mn-ea"/>
+                <a:cs typeface="+mn-cs"/>
+              </a:defRPr>
+            </a:lvl2pPr>
+            <a:lvl3pPr marL="1143000" indent="-228600" algn="l" defTabSz="914400" rtl="0" eaLnBrk="1" latinLnBrk="0" hangingPunct="1">
+              <a:lnSpc>
+                <a:spcPct val="120000"/>
+              </a:lnSpc>
+              <a:spcBef>
+                <a:spcPts val="500"/>
+              </a:spcBef>
+              <a:buSzPct val="125000"/>
+              <a:buFont typeface="Arial" panose="020B0604020202020204" pitchFamily="34" charset="0"/>
+              <a:buChar char="•"/>
+              <a:defRPr sz="1800" kern="1200">
+                <a:solidFill>
+                  <a:schemeClr val="tx1"/>
+                </a:solidFill>
+                <a:effectLst>
+                  <a:outerShdw blurRad="152400" dist="38100" dir="2700000" algn="tl">
+                    <a:srgbClr val="000000">
+                      <a:alpha val="36000"/>
+                    </a:srgbClr>
+                  </a:outerShdw>
+                </a:effectLst>
+                <a:latin typeface="+mn-lt"/>
+                <a:ea typeface="+mn-ea"/>
+                <a:cs typeface="+mn-cs"/>
+              </a:defRPr>
+            </a:lvl3pPr>
+            <a:lvl4pPr marL="1600200" indent="-228600" algn="l" defTabSz="914400" rtl="0" eaLnBrk="1" latinLnBrk="0" hangingPunct="1">
+              <a:lnSpc>
+                <a:spcPct val="120000"/>
+              </a:lnSpc>
+              <a:spcBef>
+                <a:spcPts val="500"/>
+              </a:spcBef>
+              <a:buSzPct val="125000"/>
+              <a:buFont typeface="Arial" panose="020B0604020202020204" pitchFamily="34" charset="0"/>
+              <a:buChar char="•"/>
+              <a:defRPr sz="1600" kern="1200">
+                <a:solidFill>
+                  <a:schemeClr val="tx1"/>
+                </a:solidFill>
+                <a:effectLst>
+                  <a:outerShdw blurRad="152400" dist="38100" dir="2700000" algn="tl">
+                    <a:srgbClr val="000000">
+                      <a:alpha val="36000"/>
+                    </a:srgbClr>
+                  </a:outerShdw>
+                </a:effectLst>
+                <a:latin typeface="+mn-lt"/>
+                <a:ea typeface="+mn-ea"/>
+                <a:cs typeface="+mn-cs"/>
+              </a:defRPr>
+            </a:lvl4pPr>
+            <a:lvl5pPr marL="2057400" indent="-228600" algn="l" defTabSz="914400" rtl="0" eaLnBrk="1" latinLnBrk="0" hangingPunct="1">
+              <a:lnSpc>
+                <a:spcPct val="120000"/>
+              </a:lnSpc>
+              <a:spcBef>
+                <a:spcPts val="500"/>
+              </a:spcBef>
+              <a:buSzPct val="125000"/>
+              <a:buFont typeface="Arial" panose="020B0604020202020204" pitchFamily="34" charset="0"/>
+              <a:buChar char="•"/>
+              <a:defRPr sz="1600" kern="1200">
+                <a:solidFill>
+                  <a:schemeClr val="tx1"/>
+                </a:solidFill>
+                <a:effectLst>
+                  <a:outerShdw blurRad="152400" dist="38100" dir="2700000" algn="tl">
+                    <a:srgbClr val="000000">
+                      <a:alpha val="36000"/>
+                    </a:srgbClr>
+                  </a:outerShdw>
+                </a:effectLst>
+                <a:latin typeface="+mn-lt"/>
+                <a:ea typeface="+mn-ea"/>
+                <a:cs typeface="+mn-cs"/>
+              </a:defRPr>
+            </a:lvl5pPr>
+            <a:lvl6pPr marL="2514600" indent="-228600" algn="l" defTabSz="914400" rtl="0" eaLnBrk="1" latinLnBrk="0" hangingPunct="1">
+              <a:lnSpc>
+                <a:spcPct val="120000"/>
+              </a:lnSpc>
+              <a:spcBef>
+                <a:spcPts val="500"/>
+              </a:spcBef>
+              <a:buSzPct val="125000"/>
+              <a:buFont typeface="Arial" panose="020B0604020202020204" pitchFamily="34" charset="0"/>
+              <a:buChar char="•"/>
+              <a:defRPr sz="1400" kern="1200">
+                <a:solidFill>
+                  <a:schemeClr val="tx1"/>
+                </a:solidFill>
+                <a:latin typeface="+mn-lt"/>
+                <a:ea typeface="+mn-ea"/>
+                <a:cs typeface="+mn-cs"/>
+              </a:defRPr>
+            </a:lvl6pPr>
+            <a:lvl7pPr marL="2971800" indent="-228600" algn="l" defTabSz="914400" rtl="0" eaLnBrk="1" latinLnBrk="0" hangingPunct="1">
+              <a:lnSpc>
+                <a:spcPct val="120000"/>
+              </a:lnSpc>
+              <a:spcBef>
+                <a:spcPts val="500"/>
+              </a:spcBef>
+              <a:buSzPct val="125000"/>
+              <a:buFont typeface="Arial" panose="020B0604020202020204" pitchFamily="34" charset="0"/>
+              <a:buChar char="•"/>
+              <a:defRPr sz="1400" kern="1200">
+                <a:solidFill>
+                  <a:schemeClr val="tx1"/>
+                </a:solidFill>
+                <a:latin typeface="+mn-lt"/>
+                <a:ea typeface="+mn-ea"/>
+                <a:cs typeface="+mn-cs"/>
+              </a:defRPr>
+            </a:lvl7pPr>
+            <a:lvl8pPr marL="3429000" indent="-228600" algn="l" defTabSz="914400" rtl="0" eaLnBrk="1" latinLnBrk="0" hangingPunct="1">
+              <a:lnSpc>
+                <a:spcPct val="120000"/>
+              </a:lnSpc>
+              <a:spcBef>
+                <a:spcPts val="500"/>
+              </a:spcBef>
+              <a:buSzPct val="125000"/>
+              <a:buFont typeface="Arial" panose="020B0604020202020204" pitchFamily="34" charset="0"/>
+              <a:buChar char="•"/>
+              <a:defRPr sz="1400" kern="1200">
+                <a:solidFill>
+                  <a:schemeClr val="tx1"/>
+                </a:solidFill>
+                <a:latin typeface="+mn-lt"/>
+                <a:ea typeface="+mn-ea"/>
+                <a:cs typeface="+mn-cs"/>
+              </a:defRPr>
+            </a:lvl8pPr>
+            <a:lvl9pPr marL="3886200" indent="-228600" algn="l" defTabSz="914400" rtl="0" eaLnBrk="1" latinLnBrk="0" hangingPunct="1">
+              <a:lnSpc>
+                <a:spcPct val="120000"/>
+              </a:lnSpc>
+              <a:spcBef>
+                <a:spcPts val="500"/>
+              </a:spcBef>
+              <a:buSzPct val="125000"/>
+              <a:buFont typeface="Arial" panose="020B0604020202020204" pitchFamily="34" charset="0"/>
+              <a:buChar char="•"/>
+              <a:defRPr sz="1400" kern="1200">
+                <a:solidFill>
+                  <a:schemeClr val="tx1"/>
+                </a:solidFill>
+                <a:latin typeface="+mn-lt"/>
+                <a:ea typeface="+mn-ea"/>
+                <a:cs typeface="+mn-cs"/>
+              </a:defRPr>
+            </a:lvl9pPr>
+          </a:lstStyle>
+          <a:p>
+            <a:pPr marL="457200" lvl="1" indent="0" algn="ctr">
+              <a:buNone/>
+            </a:pPr>
+            <a:r>
+              <a:rPr lang="en-US" dirty="0"/>
+              <a:t>GitHub Repo: </a:t>
+            </a:r>
+            <a:r>
+              <a:rPr lang="en-US" dirty="0">
+                <a:hlinkClick r:id="rId3"/>
+              </a:rPr>
+              <a:t>https://github.com/bchavez/Bogus</a:t>
+            </a:r>
+            <a:endParaRPr lang="en-US" dirty="0"/>
+          </a:p>
+        </p:txBody>
+      </p:sp>
+      <p:sp>
+        <p:nvSpPr>
+          <p:cNvPr id="8" name="Right Brace 7">
+            <a:extLst>
+              <a:ext uri="{FF2B5EF4-FFF2-40B4-BE49-F238E27FC236}">
+                <a16:creationId xmlns:a16="http://schemas.microsoft.com/office/drawing/2014/main" id="{BE7D8386-E6BF-4A16-90F0-AF93E05A72A5}"/>
+              </a:ext>
+            </a:extLst>
+          </p:cNvPr>
+          <p:cNvSpPr/>
+          <p:nvPr/>
+        </p:nvSpPr>
+        <p:spPr>
+          <a:xfrm>
+            <a:off x="7750206" y="3133817"/>
+            <a:ext cx="451097" cy="1411550"/>
+          </a:xfrm>
+          <a:prstGeom prst="rightBrace">
+            <a:avLst/>
+          </a:prstGeom>
+          <a:ln w="38100"/>
+        </p:spPr>
+        <p:style>
+          <a:lnRef idx="1">
+            <a:schemeClr val="accent4"/>
+          </a:lnRef>
+          <a:fillRef idx="0">
+            <a:schemeClr val="accent4"/>
+          </a:fillRef>
+          <a:effectRef idx="0">
+            <a:schemeClr val="accent4"/>
+          </a:effectRef>
+          <a:fontRef idx="minor">
+            <a:schemeClr val="tx1"/>
+          </a:fontRef>
+        </p:style>
+        <p:txBody>
+          <a:bodyPr rtlCol="0" anchor="ctr"/>
           <a:lstStyle/>
           <a:p>
+            <a:pPr algn="ctr"/>
             <a:endParaRPr lang="en-US"/>
           </a:p>
         </p:txBody>
